--- a/AD9912_MODULE.pptx
+++ b/AD9912_MODULE.pptx
@@ -10,7 +10,9 @@
     <p:sldId id="257" r:id="rId4"/>
     <p:sldId id="259" r:id="rId5"/>
     <p:sldId id="260" r:id="rId6"/>
-    <p:sldId id="261" r:id="rId7"/>
+    <p:sldId id="262" r:id="rId7"/>
+    <p:sldId id="261" r:id="rId8"/>
+    <p:sldId id="263" r:id="rId9"/>
   </p:sldIdLst>
   <p:sldSz cx="12192000" cy="6858000"/>
   <p:notesSz cx="6858000" cy="9144000"/>
@@ -109,6 +111,11 @@
       </a:defRPr>
     </a:lvl9pPr>
   </p:defaultTextStyle>
+  <p:extLst>
+    <p:ext uri="{EFAFB233-063F-42B5-8137-9DF3F51BA10A}">
+      <p15:sldGuideLst xmlns:p15="http://schemas.microsoft.com/office/powerpoint/2012/main"/>
+    </p:ext>
+  </p:extLst>
 </p:presentation>
 </file>
 
@@ -3356,35 +3363,23 @@
         </p:nvSpPr>
         <p:spPr/>
         <p:txBody>
-          <a:bodyPr/>
+          <a:bodyPr>
+            <a:normAutofit fontScale="90000"/>
+          </a:bodyPr>
           <a:lstStyle/>
           <a:p>
-            <a:endParaRPr lang="ko-KR" altLang="en-US"/>
-          </a:p>
-        </p:txBody>
-      </p:sp>
-      <p:sp>
-        <p:nvSpPr>
-          <p:cNvPr id="3" name="부제목 2">
-            <a:extLst>
-              <a:ext uri="{FF2B5EF4-FFF2-40B4-BE49-F238E27FC236}">
-                <a16:creationId xmlns:a16="http://schemas.microsoft.com/office/drawing/2014/main" id="{D474AC02-2296-4D21-85C0-7C55FA40B01F}"/>
-              </a:ext>
-            </a:extLst>
-          </p:cNvPr>
-          <p:cNvSpPr>
-            <a:spLocks noGrp="1"/>
-          </p:cNvSpPr>
-          <p:nvPr>
-            <p:ph type="subTitle" idx="1"/>
-          </p:nvPr>
-        </p:nvSpPr>
-        <p:spPr/>
-        <p:txBody>
-          <a:bodyPr/>
-          <a:lstStyle/>
-          <a:p>
-            <a:endParaRPr lang="ko-KR" altLang="en-US"/>
+            <a:r>
+              <a:rPr lang="en-US" altLang="ko-KR" dirty="0"/>
+              <a:t>AD9912_DAC8734_main.sv</a:t>
+            </a:r>
+            <a:br>
+              <a:rPr lang="en-US" altLang="ko-KR" dirty="0"/>
+            </a:br>
+            <a:r>
+              <a:rPr lang="en-US" altLang="ko-KR" dirty="0"/>
+              <a:t>Block Diagram</a:t>
+            </a:r>
+            <a:endParaRPr lang="ko-KR" altLang="en-US" dirty="0"/>
           </a:p>
         </p:txBody>
       </p:sp>
@@ -11269,7 +11264,7 @@
             </a:r>
             <a:r>
               <a:rPr lang="en-US" altLang="ko-KR" sz="900" dirty="0" err="1"/>
-              <a:t>patterns_masks</a:t>
+              <a:t>pattern_masks</a:t>
             </a:r>
             <a:endParaRPr lang="ko-KR" altLang="en-US" sz="900" dirty="0"/>
           </a:p>
@@ -11323,7 +11318,7 @@
             </a:r>
             <a:r>
               <a:rPr lang="en-US" altLang="ko-KR" sz="900" dirty="0" err="1"/>
-              <a:t>patterns_data</a:t>
+              <a:t>pattern_data</a:t>
             </a:r>
             <a:endParaRPr lang="ko-KR" altLang="en-US" sz="900" dirty="0"/>
           </a:p>
@@ -11623,6 +11618,66 @@
           </p:txBody>
         </p:sp>
       </p:grpSp>
+      <p:sp>
+        <p:nvSpPr>
+          <p:cNvPr id="193" name="화살표: 오각형 192">
+            <a:extLst>
+              <a:ext uri="{FF2B5EF4-FFF2-40B4-BE49-F238E27FC236}">
+                <a16:creationId xmlns:a16="http://schemas.microsoft.com/office/drawing/2014/main" id="{BF0D698B-8B2F-4586-A261-3FFD418C49C0}"/>
+              </a:ext>
+            </a:extLst>
+          </p:cNvPr>
+          <p:cNvSpPr/>
+          <p:nvPr/>
+        </p:nvSpPr>
+        <p:spPr>
+          <a:xfrm flipH="1">
+            <a:off x="4603743" y="581025"/>
+            <a:ext cx="1082674" cy="228600"/>
+          </a:xfrm>
+          <a:prstGeom prst="homePlate">
+            <a:avLst/>
+          </a:prstGeom>
+          <a:solidFill>
+            <a:srgbClr val="00B050"/>
+          </a:solidFill>
+          <a:ln>
+            <a:solidFill>
+              <a:schemeClr val="accent6">
+                <a:lumMod val="50000"/>
+              </a:schemeClr>
+            </a:solidFill>
+          </a:ln>
+        </p:spPr>
+        <p:style>
+          <a:lnRef idx="2">
+            <a:schemeClr val="accent1">
+              <a:shade val="50000"/>
+            </a:schemeClr>
+          </a:lnRef>
+          <a:fillRef idx="1">
+            <a:schemeClr val="accent1"/>
+          </a:fillRef>
+          <a:effectRef idx="0">
+            <a:schemeClr val="accent1"/>
+          </a:effectRef>
+          <a:fontRef idx="minor">
+            <a:schemeClr val="lt1"/>
+          </a:fontRef>
+        </p:style>
+        <p:txBody>
+          <a:bodyPr rtlCol="0" anchor="ctr"/>
+          <a:lstStyle/>
+          <a:p>
+            <a:pPr algn="ctr"/>
+            <a:r>
+              <a:rPr lang="en-US" altLang="ko-KR" sz="900" dirty="0"/>
+              <a:t>ck_io_6</a:t>
+            </a:r>
+            <a:endParaRPr lang="ko-KR" altLang="en-US" sz="900" dirty="0"/>
+          </a:p>
+        </p:txBody>
+      </p:sp>
     </p:spTree>
     <p:extLst>
       <p:ext uri="{BB962C8B-B14F-4D97-AF65-F5344CB8AC3E}">
@@ -15921,7 +15976,7 @@
         </p:nvGrpSpPr>
         <p:grpSpPr>
           <a:xfrm>
-            <a:off x="2433402" y="467796"/>
+            <a:off x="2090502" y="467796"/>
             <a:ext cx="2120002" cy="4172784"/>
             <a:chOff x="2800341" y="482230"/>
             <a:chExt cx="2120002" cy="4172784"/>
@@ -16877,7 +16932,7 @@
         </p:nvSpPr>
         <p:spPr>
           <a:xfrm flipH="1">
-            <a:off x="815970" y="627230"/>
+            <a:off x="473070" y="627230"/>
             <a:ext cx="1082674" cy="228600"/>
           </a:xfrm>
           <a:prstGeom prst="homePlate">
@@ -16937,7 +16992,7 @@
         </p:nvSpPr>
         <p:spPr>
           <a:xfrm flipH="1">
-            <a:off x="815970" y="911710"/>
+            <a:off x="473070" y="911710"/>
             <a:ext cx="1082674" cy="228600"/>
           </a:xfrm>
           <a:prstGeom prst="homePlate">
@@ -16997,7 +17052,7 @@
         </p:nvSpPr>
         <p:spPr>
           <a:xfrm flipH="1">
-            <a:off x="815970" y="1196190"/>
+            <a:off x="473070" y="1196190"/>
             <a:ext cx="1082674" cy="228600"/>
           </a:xfrm>
           <a:prstGeom prst="homePlate">
@@ -17057,7 +17112,7 @@
         </p:nvSpPr>
         <p:spPr>
           <a:xfrm flipH="1">
-            <a:off x="815970" y="1484480"/>
+            <a:off x="473070" y="1484480"/>
             <a:ext cx="1082674" cy="228600"/>
           </a:xfrm>
           <a:prstGeom prst="homePlate">
@@ -17117,7 +17172,7 @@
         </p:nvSpPr>
         <p:spPr>
           <a:xfrm flipH="1">
-            <a:off x="815970" y="1765150"/>
+            <a:off x="473070" y="1765150"/>
             <a:ext cx="1082674" cy="228600"/>
           </a:xfrm>
           <a:prstGeom prst="homePlate">
@@ -17177,7 +17232,7 @@
         </p:nvSpPr>
         <p:spPr>
           <a:xfrm flipH="1">
-            <a:off x="815970" y="2053440"/>
+            <a:off x="473070" y="2053440"/>
             <a:ext cx="1082674" cy="228600"/>
           </a:xfrm>
           <a:prstGeom prst="homePlate">
@@ -17237,7 +17292,7 @@
         </p:nvSpPr>
         <p:spPr>
           <a:xfrm>
-            <a:off x="431785" y="2340460"/>
+            <a:off x="88885" y="2340460"/>
             <a:ext cx="1466859" cy="230512"/>
           </a:xfrm>
           <a:prstGeom prst="rect">
@@ -17287,7 +17342,7 @@
         </p:nvSpPr>
         <p:spPr>
           <a:xfrm>
-            <a:off x="431785" y="2626838"/>
+            <a:off x="88885" y="2626838"/>
             <a:ext cx="1466859" cy="230512"/>
           </a:xfrm>
           <a:prstGeom prst="rect">
@@ -17337,7 +17392,7 @@
         </p:nvSpPr>
         <p:spPr>
           <a:xfrm>
-            <a:off x="431785" y="2910375"/>
+            <a:off x="88885" y="2910375"/>
             <a:ext cx="1466859" cy="230512"/>
           </a:xfrm>
           <a:prstGeom prst="rect">
@@ -17387,7 +17442,7 @@
         </p:nvSpPr>
         <p:spPr>
           <a:xfrm>
-            <a:off x="431785" y="3197710"/>
+            <a:off x="88885" y="3197710"/>
             <a:ext cx="1466859" cy="230512"/>
           </a:xfrm>
           <a:prstGeom prst="rect">
@@ -17437,7 +17492,7 @@
         </p:nvSpPr>
         <p:spPr>
           <a:xfrm>
-            <a:off x="431785" y="3486955"/>
+            <a:off x="88885" y="3486955"/>
             <a:ext cx="1466859" cy="230512"/>
           </a:xfrm>
           <a:prstGeom prst="rect">
@@ -17487,7 +17542,7 @@
         </p:nvSpPr>
         <p:spPr>
           <a:xfrm>
-            <a:off x="431785" y="3766670"/>
+            <a:off x="88885" y="3766670"/>
             <a:ext cx="1466859" cy="230512"/>
           </a:xfrm>
           <a:prstGeom prst="rect">
@@ -17537,7 +17592,7 @@
         </p:nvSpPr>
         <p:spPr>
           <a:xfrm>
-            <a:off x="815970" y="4338812"/>
+            <a:off x="473070" y="4338812"/>
             <a:ext cx="1082676" cy="228600"/>
           </a:xfrm>
           <a:prstGeom prst="homePlate">
@@ -17599,7 +17654,7 @@
         </p:nvGrpSpPr>
         <p:grpSpPr>
           <a:xfrm>
-            <a:off x="431785" y="4058942"/>
+            <a:off x="88885" y="4058942"/>
             <a:ext cx="1466859" cy="230512"/>
             <a:chOff x="2962265" y="4647551"/>
             <a:chExt cx="1466859" cy="230512"/>
@@ -17727,7 +17782,7 @@
         </p:nvCxnSpPr>
         <p:spPr>
           <a:xfrm flipV="1">
-            <a:off x="1898644" y="740260"/>
+            <a:off x="1555744" y="740260"/>
             <a:ext cx="534758" cy="1270"/>
           </a:xfrm>
           <a:prstGeom prst="bentConnector3">
@@ -17767,7 +17822,7 @@
         </p:nvCxnSpPr>
         <p:spPr>
           <a:xfrm>
-            <a:off x="1898644" y="1026010"/>
+            <a:off x="1555744" y="1026010"/>
             <a:ext cx="534758" cy="12700"/>
           </a:xfrm>
           <a:prstGeom prst="bentConnector3">
@@ -17807,7 +17862,7 @@
         </p:nvCxnSpPr>
         <p:spPr>
           <a:xfrm>
-            <a:off x="1898644" y="1310490"/>
+            <a:off x="1555744" y="1310490"/>
             <a:ext cx="534758" cy="1270"/>
           </a:xfrm>
           <a:prstGeom prst="bentConnector3">
@@ -17847,7 +17902,7 @@
         </p:nvCxnSpPr>
         <p:spPr>
           <a:xfrm flipV="1">
-            <a:off x="1898644" y="1597510"/>
+            <a:off x="1555744" y="1597510"/>
             <a:ext cx="534758" cy="1270"/>
           </a:xfrm>
           <a:prstGeom prst="bentConnector3">
@@ -17887,7 +17942,7 @@
         </p:nvCxnSpPr>
         <p:spPr>
           <a:xfrm>
-            <a:off x="1898644" y="1879450"/>
+            <a:off x="1555744" y="1879450"/>
             <a:ext cx="534758" cy="3810"/>
           </a:xfrm>
           <a:prstGeom prst="bentConnector3">
@@ -17927,7 +17982,7 @@
         </p:nvCxnSpPr>
         <p:spPr>
           <a:xfrm>
-            <a:off x="1898644" y="2167740"/>
+            <a:off x="1555744" y="2167740"/>
             <a:ext cx="534758" cy="1270"/>
           </a:xfrm>
           <a:prstGeom prst="bentConnector3">
@@ -17967,7 +18022,7 @@
         </p:nvCxnSpPr>
         <p:spPr>
           <a:xfrm flipV="1">
-            <a:off x="1898644" y="2454760"/>
+            <a:off x="1555744" y="2454760"/>
             <a:ext cx="534758" cy="956"/>
           </a:xfrm>
           <a:prstGeom prst="bentConnector3">
@@ -18007,7 +18062,7 @@
         </p:nvCxnSpPr>
         <p:spPr>
           <a:xfrm flipV="1">
-            <a:off x="1898644" y="2740510"/>
+            <a:off x="1555744" y="2740510"/>
             <a:ext cx="534758" cy="1584"/>
           </a:xfrm>
           <a:prstGeom prst="bentConnector3">
@@ -18047,7 +18102,7 @@
         </p:nvCxnSpPr>
         <p:spPr>
           <a:xfrm>
-            <a:off x="1898644" y="3025631"/>
+            <a:off x="1555744" y="3025631"/>
             <a:ext cx="534758" cy="629"/>
           </a:xfrm>
           <a:prstGeom prst="bentConnector3">
@@ -18087,7 +18142,7 @@
         </p:nvCxnSpPr>
         <p:spPr>
           <a:xfrm flipV="1">
-            <a:off x="1898644" y="3312010"/>
+            <a:off x="1555744" y="3312010"/>
             <a:ext cx="534758" cy="956"/>
           </a:xfrm>
           <a:prstGeom prst="bentConnector3">
@@ -18127,7 +18182,7 @@
         </p:nvCxnSpPr>
         <p:spPr>
           <a:xfrm flipV="1">
-            <a:off x="1898644" y="3601229"/>
+            <a:off x="1555744" y="3601229"/>
             <a:ext cx="534758" cy="982"/>
           </a:xfrm>
           <a:prstGeom prst="bentConnector3">
@@ -18167,7 +18222,7 @@
         </p:nvCxnSpPr>
         <p:spPr>
           <a:xfrm>
-            <a:off x="1898644" y="3881926"/>
+            <a:off x="1555744" y="3881926"/>
             <a:ext cx="534758" cy="5053"/>
           </a:xfrm>
           <a:prstGeom prst="bentConnector3">
@@ -18207,7 +18262,7 @@
         </p:nvCxnSpPr>
         <p:spPr>
           <a:xfrm flipV="1">
-            <a:off x="1898644" y="4172729"/>
+            <a:off x="1555744" y="4172729"/>
             <a:ext cx="534758" cy="1469"/>
           </a:xfrm>
           <a:prstGeom prst="bentConnector3">
@@ -18247,7 +18302,7 @@
         </p:nvCxnSpPr>
         <p:spPr>
           <a:xfrm>
-            <a:off x="1898646" y="4453112"/>
+            <a:off x="1555746" y="4453112"/>
             <a:ext cx="534756" cy="5367"/>
           </a:xfrm>
           <a:prstGeom prst="bentConnector3">
@@ -18283,7 +18338,7 @@
         </p:nvGrpSpPr>
         <p:grpSpPr>
           <a:xfrm>
-            <a:off x="6775896" y="467796"/>
+            <a:off x="6071046" y="467796"/>
             <a:ext cx="2120002" cy="1932504"/>
             <a:chOff x="2800341" y="421270"/>
             <a:chExt cx="2120002" cy="1932504"/>
@@ -18743,7 +18798,7 @@
         </p:nvGrpSpPr>
         <p:grpSpPr>
           <a:xfrm>
-            <a:off x="6775896" y="2708076"/>
+            <a:off x="6071046" y="2708076"/>
             <a:ext cx="2120002" cy="1932504"/>
             <a:chOff x="2800341" y="421270"/>
             <a:chExt cx="2120002" cy="1932504"/>
@@ -19203,7 +19258,7 @@
         </p:nvGrpSpPr>
         <p:grpSpPr>
           <a:xfrm>
-            <a:off x="5003800" y="1544622"/>
+            <a:off x="4298950" y="1544622"/>
             <a:ext cx="1466861" cy="230512"/>
             <a:chOff x="2962263" y="4647551"/>
             <a:chExt cx="1466861" cy="230512"/>
@@ -19323,7 +19378,7 @@
         </p:nvSpPr>
         <p:spPr>
           <a:xfrm>
-            <a:off x="5003802" y="973120"/>
+            <a:off x="4298952" y="973120"/>
             <a:ext cx="1466859" cy="230512"/>
           </a:xfrm>
           <a:prstGeom prst="rect">
@@ -19377,7 +19432,7 @@
         </p:nvSpPr>
         <p:spPr>
           <a:xfrm>
-            <a:off x="5003802" y="1253475"/>
+            <a:off x="4298952" y="1253475"/>
             <a:ext cx="1466859" cy="230512"/>
           </a:xfrm>
           <a:prstGeom prst="rect">
@@ -19431,7 +19486,7 @@
         </p:nvSpPr>
         <p:spPr>
           <a:xfrm>
-            <a:off x="5003802" y="688327"/>
+            <a:off x="4298952" y="688327"/>
             <a:ext cx="1466859" cy="230512"/>
           </a:xfrm>
           <a:prstGeom prst="rect">
@@ -19481,7 +19536,7 @@
         </p:nvSpPr>
         <p:spPr>
           <a:xfrm>
-            <a:off x="5003800" y="1829606"/>
+            <a:off x="4298950" y="1829606"/>
             <a:ext cx="1466859" cy="230512"/>
           </a:xfrm>
           <a:prstGeom prst="rect">
@@ -19531,7 +19586,7 @@
         </p:nvSpPr>
         <p:spPr>
           <a:xfrm>
-            <a:off x="5003801" y="2105510"/>
+            <a:off x="4298951" y="2105510"/>
             <a:ext cx="1466859" cy="230512"/>
           </a:xfrm>
           <a:prstGeom prst="rect">
@@ -19585,7 +19640,7 @@
         </p:nvCxnSpPr>
         <p:spPr>
           <a:xfrm flipV="1">
-            <a:off x="6470661" y="801220"/>
+            <a:off x="5765811" y="801220"/>
             <a:ext cx="305235" cy="2363"/>
           </a:xfrm>
           <a:prstGeom prst="bentConnector3">
@@ -19625,7 +19680,7 @@
         </p:nvCxnSpPr>
         <p:spPr>
           <a:xfrm flipV="1">
-            <a:off x="6470661" y="1086970"/>
+            <a:off x="5765811" y="1086970"/>
             <a:ext cx="305235" cy="1406"/>
           </a:xfrm>
           <a:prstGeom prst="bentConnector3">
@@ -19665,7 +19720,7 @@
         </p:nvCxnSpPr>
         <p:spPr>
           <a:xfrm>
-            <a:off x="6470661" y="1368731"/>
+            <a:off x="5765811" y="1368731"/>
             <a:ext cx="305235" cy="3989"/>
           </a:xfrm>
           <a:prstGeom prst="bentConnector3">
@@ -19705,7 +19760,7 @@
         </p:nvCxnSpPr>
         <p:spPr>
           <a:xfrm flipV="1">
-            <a:off x="6470661" y="1658470"/>
+            <a:off x="5765811" y="1658470"/>
             <a:ext cx="305235" cy="1408"/>
           </a:xfrm>
           <a:prstGeom prst="bentConnector3">
@@ -19745,7 +19800,7 @@
         </p:nvCxnSpPr>
         <p:spPr>
           <a:xfrm flipV="1">
-            <a:off x="6470659" y="1944220"/>
+            <a:off x="5765809" y="1944220"/>
             <a:ext cx="305237" cy="642"/>
           </a:xfrm>
           <a:prstGeom prst="bentConnector3">
@@ -19785,7 +19840,7 @@
         </p:nvCxnSpPr>
         <p:spPr>
           <a:xfrm>
-            <a:off x="6470660" y="2220766"/>
+            <a:off x="5765810" y="2220766"/>
             <a:ext cx="305236" cy="1584"/>
           </a:xfrm>
           <a:prstGeom prst="bentConnector3">
@@ -19821,7 +19876,7 @@
         </p:nvGrpSpPr>
         <p:grpSpPr>
           <a:xfrm>
-            <a:off x="5001528" y="3779343"/>
+            <a:off x="4296678" y="3779343"/>
             <a:ext cx="1466859" cy="230512"/>
             <a:chOff x="2962265" y="4647551"/>
             <a:chExt cx="1466859" cy="230512"/>
@@ -19941,7 +19996,7 @@
         </p:nvSpPr>
         <p:spPr>
           <a:xfrm>
-            <a:off x="5001525" y="4076864"/>
+            <a:off x="4296675" y="4076864"/>
             <a:ext cx="1466859" cy="230512"/>
           </a:xfrm>
           <a:prstGeom prst="rect">
@@ -19991,7 +20046,7 @@
         </p:nvSpPr>
         <p:spPr>
           <a:xfrm>
-            <a:off x="5001526" y="4349745"/>
+            <a:off x="4296676" y="4349745"/>
             <a:ext cx="1466859" cy="230512"/>
           </a:xfrm>
           <a:prstGeom prst="rect">
@@ -20045,7 +20100,7 @@
         </p:nvCxnSpPr>
         <p:spPr>
           <a:xfrm>
-            <a:off x="6470661" y="803583"/>
+            <a:off x="5765811" y="803583"/>
             <a:ext cx="305235" cy="2237917"/>
           </a:xfrm>
           <a:prstGeom prst="bentConnector3">
@@ -20087,7 +20142,7 @@
         </p:nvCxnSpPr>
         <p:spPr>
           <a:xfrm>
-            <a:off x="6470661" y="1088376"/>
+            <a:off x="5765811" y="1088376"/>
             <a:ext cx="305235" cy="2238874"/>
           </a:xfrm>
           <a:prstGeom prst="bentConnector3">
@@ -20129,7 +20184,7 @@
         </p:nvCxnSpPr>
         <p:spPr>
           <a:xfrm>
-            <a:off x="6470661" y="1368731"/>
+            <a:off x="5765811" y="1368731"/>
             <a:ext cx="305235" cy="2244269"/>
           </a:xfrm>
           <a:prstGeom prst="bentConnector3">
@@ -20171,7 +20226,7 @@
         </p:nvCxnSpPr>
         <p:spPr>
           <a:xfrm>
-            <a:off x="6468387" y="3894599"/>
+            <a:off x="5763537" y="3894599"/>
             <a:ext cx="307509" cy="4151"/>
           </a:xfrm>
           <a:prstGeom prst="bentConnector3">
@@ -20211,7 +20266,7 @@
         </p:nvCxnSpPr>
         <p:spPr>
           <a:xfrm flipV="1">
-            <a:off x="6468384" y="4184500"/>
+            <a:off x="5763534" y="4184500"/>
             <a:ext cx="307512" cy="7620"/>
           </a:xfrm>
           <a:prstGeom prst="bentConnector3">
@@ -20251,7 +20306,7 @@
         </p:nvCxnSpPr>
         <p:spPr>
           <a:xfrm flipV="1">
-            <a:off x="6468385" y="4462630"/>
+            <a:off x="5763535" y="4462630"/>
             <a:ext cx="307511" cy="2371"/>
           </a:xfrm>
           <a:prstGeom prst="bentConnector3">
@@ -20303,12 +20358,1720 @@
           <a:chExt cx="0" cy="0"/>
         </a:xfrm>
       </p:grpSpPr>
+      <p:grpSp>
+        <p:nvGrpSpPr>
+          <p:cNvPr id="4" name="그룹 3">
+            <a:extLst>
+              <a:ext uri="{FF2B5EF4-FFF2-40B4-BE49-F238E27FC236}">
+                <a16:creationId xmlns:a16="http://schemas.microsoft.com/office/drawing/2014/main" id="{20D6014D-8ACA-40C3-BE8B-5EDA344DAEF5}"/>
+              </a:ext>
+            </a:extLst>
+          </p:cNvPr>
+          <p:cNvGrpSpPr/>
+          <p:nvPr/>
+        </p:nvGrpSpPr>
+        <p:grpSpPr>
+          <a:xfrm>
+            <a:off x="5035999" y="467796"/>
+            <a:ext cx="2120002" cy="2157458"/>
+            <a:chOff x="2800341" y="421270"/>
+            <a:chExt cx="2120002" cy="2157458"/>
+          </a:xfrm>
+        </p:grpSpPr>
+        <p:sp>
+          <p:nvSpPr>
+            <p:cNvPr id="5" name="직사각형 4">
+              <a:extLst>
+                <a:ext uri="{FF2B5EF4-FFF2-40B4-BE49-F238E27FC236}">
+                  <a16:creationId xmlns:a16="http://schemas.microsoft.com/office/drawing/2014/main" id="{9B012130-CC66-4F91-9EDD-B1D4C6A6E132}"/>
+                </a:ext>
+              </a:extLst>
+            </p:cNvPr>
+            <p:cNvSpPr/>
+            <p:nvPr/>
+          </p:nvSpPr>
+          <p:spPr>
+            <a:xfrm>
+              <a:off x="2800341" y="421270"/>
+              <a:ext cx="2120002" cy="2157458"/>
+            </a:xfrm>
+            <a:prstGeom prst="rect">
+              <a:avLst/>
+            </a:prstGeom>
+            <a:solidFill>
+              <a:schemeClr val="bg1"/>
+            </a:solidFill>
+          </p:spPr>
+          <p:style>
+            <a:lnRef idx="2">
+              <a:schemeClr val="accent1">
+                <a:shade val="50000"/>
+              </a:schemeClr>
+            </a:lnRef>
+            <a:fillRef idx="1">
+              <a:schemeClr val="accent1"/>
+            </a:fillRef>
+            <a:effectRef idx="0">
+              <a:schemeClr val="accent1"/>
+            </a:effectRef>
+            <a:fontRef idx="minor">
+              <a:schemeClr val="lt1"/>
+            </a:fontRef>
+          </p:style>
+          <p:txBody>
+            <a:bodyPr rtlCol="0" anchor="t"/>
+            <a:lstStyle/>
+            <a:p>
+              <a:pPr algn="ctr"/>
+              <a:r>
+                <a:rPr lang="en-US" altLang="ko-KR" sz="900" dirty="0">
+                  <a:solidFill>
+                    <a:schemeClr val="tx1"/>
+                  </a:solidFill>
+                </a:rPr>
+                <a:t>dac0(DAC8734)</a:t>
+              </a:r>
+              <a:endParaRPr lang="ko-KR" altLang="en-US" sz="900" dirty="0"/>
+            </a:p>
+          </p:txBody>
+        </p:sp>
+        <p:sp>
+          <p:nvSpPr>
+            <p:cNvPr id="6" name="직사각형 5">
+              <a:extLst>
+                <a:ext uri="{FF2B5EF4-FFF2-40B4-BE49-F238E27FC236}">
+                  <a16:creationId xmlns:a16="http://schemas.microsoft.com/office/drawing/2014/main" id="{5AAA28DD-4CF8-438D-AD05-4937671B421A}"/>
+                </a:ext>
+              </a:extLst>
+            </p:cNvPr>
+            <p:cNvSpPr/>
+            <p:nvPr/>
+          </p:nvSpPr>
+          <p:spPr>
+            <a:xfrm>
+              <a:off x="2800341" y="639438"/>
+              <a:ext cx="1466859" cy="230512"/>
+            </a:xfrm>
+            <a:prstGeom prst="rect">
+              <a:avLst/>
+            </a:prstGeom>
+            <a:noFill/>
+            <a:ln>
+              <a:noFill/>
+            </a:ln>
+          </p:spPr>
+          <p:style>
+            <a:lnRef idx="2">
+              <a:schemeClr val="accent1">
+                <a:shade val="50000"/>
+              </a:schemeClr>
+            </a:lnRef>
+            <a:fillRef idx="1">
+              <a:schemeClr val="accent1"/>
+            </a:fillRef>
+            <a:effectRef idx="0">
+              <a:schemeClr val="accent1"/>
+            </a:effectRef>
+            <a:fontRef idx="minor">
+              <a:schemeClr val="lt1"/>
+            </a:fontRef>
+          </p:style>
+          <p:txBody>
+            <a:bodyPr rtlCol="0" anchor="ctr"/>
+            <a:lstStyle/>
+            <a:p>
+              <a:r>
+                <a:rPr lang="en-US" altLang="ko-KR" sz="900" dirty="0" err="1">
+                  <a:solidFill>
+                    <a:schemeClr val="tx1"/>
+                  </a:solidFill>
+                </a:rPr>
+                <a:t>DAC_clock</a:t>
+              </a:r>
+              <a:endParaRPr lang="ko-KR" altLang="en-US" sz="900" dirty="0">
+                <a:solidFill>
+                  <a:schemeClr val="tx1"/>
+                </a:solidFill>
+              </a:endParaRPr>
+            </a:p>
+          </p:txBody>
+        </p:sp>
+        <p:sp>
+          <p:nvSpPr>
+            <p:cNvPr id="7" name="직사각형 6">
+              <a:extLst>
+                <a:ext uri="{FF2B5EF4-FFF2-40B4-BE49-F238E27FC236}">
+                  <a16:creationId xmlns:a16="http://schemas.microsoft.com/office/drawing/2014/main" id="{498F1F41-6281-4C3C-B563-EB805B8D1F6B}"/>
+                </a:ext>
+              </a:extLst>
+            </p:cNvPr>
+            <p:cNvSpPr/>
+            <p:nvPr/>
+          </p:nvSpPr>
+          <p:spPr>
+            <a:xfrm>
+              <a:off x="2800341" y="925188"/>
+              <a:ext cx="1466859" cy="230512"/>
+            </a:xfrm>
+            <a:prstGeom prst="rect">
+              <a:avLst/>
+            </a:prstGeom>
+            <a:noFill/>
+            <a:ln>
+              <a:noFill/>
+            </a:ln>
+          </p:spPr>
+          <p:style>
+            <a:lnRef idx="2">
+              <a:schemeClr val="accent1">
+                <a:shade val="50000"/>
+              </a:schemeClr>
+            </a:lnRef>
+            <a:fillRef idx="1">
+              <a:schemeClr val="accent1"/>
+            </a:fillRef>
+            <a:effectRef idx="0">
+              <a:schemeClr val="accent1"/>
+            </a:effectRef>
+            <a:fontRef idx="minor">
+              <a:schemeClr val="lt1"/>
+            </a:fontRef>
+          </p:style>
+          <p:txBody>
+            <a:bodyPr rtlCol="0" anchor="ctr"/>
+            <a:lstStyle/>
+            <a:p>
+              <a:r>
+                <a:rPr lang="en-US" altLang="ko-KR" sz="900" dirty="0" err="1">
+                  <a:solidFill>
+                    <a:schemeClr val="tx1"/>
+                  </a:solidFill>
+                </a:rPr>
+                <a:t>start_trigger</a:t>
+              </a:r>
+              <a:endParaRPr lang="ko-KR" altLang="en-US" sz="900" dirty="0">
+                <a:solidFill>
+                  <a:schemeClr val="tx1"/>
+                </a:solidFill>
+              </a:endParaRPr>
+            </a:p>
+          </p:txBody>
+        </p:sp>
+        <p:sp>
+          <p:nvSpPr>
+            <p:cNvPr id="8" name="직사각형 7">
+              <a:extLst>
+                <a:ext uri="{FF2B5EF4-FFF2-40B4-BE49-F238E27FC236}">
+                  <a16:creationId xmlns:a16="http://schemas.microsoft.com/office/drawing/2014/main" id="{88239CD5-1D2F-40E7-9F8B-2389753C5AFD}"/>
+                </a:ext>
+              </a:extLst>
+            </p:cNvPr>
+            <p:cNvSpPr/>
+            <p:nvPr/>
+          </p:nvSpPr>
+          <p:spPr>
+            <a:xfrm>
+              <a:off x="2800341" y="1210938"/>
+              <a:ext cx="1466859" cy="230512"/>
+            </a:xfrm>
+            <a:prstGeom prst="rect">
+              <a:avLst/>
+            </a:prstGeom>
+            <a:noFill/>
+            <a:ln>
+              <a:noFill/>
+            </a:ln>
+          </p:spPr>
+          <p:style>
+            <a:lnRef idx="2">
+              <a:schemeClr val="accent1">
+                <a:shade val="50000"/>
+              </a:schemeClr>
+            </a:lnRef>
+            <a:fillRef idx="1">
+              <a:schemeClr val="accent1"/>
+            </a:fillRef>
+            <a:effectRef idx="0">
+              <a:schemeClr val="accent1"/>
+            </a:effectRef>
+            <a:fontRef idx="minor">
+              <a:schemeClr val="lt1"/>
+            </a:fontRef>
+          </p:style>
+          <p:txBody>
+            <a:bodyPr rtlCol="0" anchor="ctr"/>
+            <a:lstStyle/>
+            <a:p>
+              <a:r>
+                <a:rPr lang="en-US" altLang="ko-KR" sz="900" dirty="0">
+                  <a:solidFill>
+                    <a:schemeClr val="tx1"/>
+                  </a:solidFill>
+                </a:rPr>
+                <a:t>data</a:t>
+              </a:r>
+              <a:endParaRPr lang="ko-KR" altLang="en-US" sz="900" dirty="0">
+                <a:solidFill>
+                  <a:schemeClr val="tx1"/>
+                </a:solidFill>
+              </a:endParaRPr>
+            </a:p>
+          </p:txBody>
+        </p:sp>
+        <p:sp>
+          <p:nvSpPr>
+            <p:cNvPr id="9" name="직사각형 8">
+              <a:extLst>
+                <a:ext uri="{FF2B5EF4-FFF2-40B4-BE49-F238E27FC236}">
+                  <a16:creationId xmlns:a16="http://schemas.microsoft.com/office/drawing/2014/main" id="{A7175222-BAF7-4AC7-B21D-3DA448F80B8D}"/>
+                </a:ext>
+              </a:extLst>
+            </p:cNvPr>
+            <p:cNvSpPr/>
+            <p:nvPr/>
+          </p:nvSpPr>
+          <p:spPr>
+            <a:xfrm>
+              <a:off x="2800341" y="1496688"/>
+              <a:ext cx="1466859" cy="230512"/>
+            </a:xfrm>
+            <a:prstGeom prst="rect">
+              <a:avLst/>
+            </a:prstGeom>
+            <a:noFill/>
+            <a:ln>
+              <a:noFill/>
+            </a:ln>
+          </p:spPr>
+          <p:style>
+            <a:lnRef idx="2">
+              <a:schemeClr val="accent1">
+                <a:shade val="50000"/>
+              </a:schemeClr>
+            </a:lnRef>
+            <a:fillRef idx="1">
+              <a:schemeClr val="accent1"/>
+            </a:fillRef>
+            <a:effectRef idx="0">
+              <a:schemeClr val="accent1"/>
+            </a:effectRef>
+            <a:fontRef idx="minor">
+              <a:schemeClr val="lt1"/>
+            </a:fontRef>
+          </p:style>
+          <p:txBody>
+            <a:bodyPr rtlCol="0" anchor="ctr"/>
+            <a:lstStyle/>
+            <a:p>
+              <a:r>
+                <a:rPr lang="en-US" altLang="ko-KR" sz="900" dirty="0" err="1">
+                  <a:solidFill>
+                    <a:schemeClr val="tx1"/>
+                  </a:solidFill>
+                </a:rPr>
+                <a:t>sclk</a:t>
+              </a:r>
+              <a:endParaRPr lang="ko-KR" altLang="en-US" sz="900" dirty="0">
+                <a:solidFill>
+                  <a:schemeClr val="tx1"/>
+                </a:solidFill>
+              </a:endParaRPr>
+            </a:p>
+          </p:txBody>
+        </p:sp>
+        <p:sp>
+          <p:nvSpPr>
+            <p:cNvPr id="10" name="직사각형 9">
+              <a:extLst>
+                <a:ext uri="{FF2B5EF4-FFF2-40B4-BE49-F238E27FC236}">
+                  <a16:creationId xmlns:a16="http://schemas.microsoft.com/office/drawing/2014/main" id="{396626C8-F290-44C9-B0AD-AE8D1696E76D}"/>
+                </a:ext>
+              </a:extLst>
+            </p:cNvPr>
+            <p:cNvSpPr/>
+            <p:nvPr/>
+          </p:nvSpPr>
+          <p:spPr>
+            <a:xfrm>
+              <a:off x="2800341" y="1782438"/>
+              <a:ext cx="1466859" cy="230512"/>
+            </a:xfrm>
+            <a:prstGeom prst="rect">
+              <a:avLst/>
+            </a:prstGeom>
+            <a:noFill/>
+            <a:ln>
+              <a:noFill/>
+            </a:ln>
+          </p:spPr>
+          <p:style>
+            <a:lnRef idx="2">
+              <a:schemeClr val="accent1">
+                <a:shade val="50000"/>
+              </a:schemeClr>
+            </a:lnRef>
+            <a:fillRef idx="1">
+              <a:schemeClr val="accent1"/>
+            </a:fillRef>
+            <a:effectRef idx="0">
+              <a:schemeClr val="accent1"/>
+            </a:effectRef>
+            <a:fontRef idx="minor">
+              <a:schemeClr val="lt1"/>
+            </a:fontRef>
+          </p:style>
+          <p:txBody>
+            <a:bodyPr rtlCol="0" anchor="ctr"/>
+            <a:lstStyle/>
+            <a:p>
+              <a:r>
+                <a:rPr lang="en-US" altLang="ko-KR" sz="900" dirty="0" err="1">
+                  <a:solidFill>
+                    <a:schemeClr val="tx1"/>
+                  </a:solidFill>
+                </a:rPr>
+                <a:t>cs_bar</a:t>
+              </a:r>
+              <a:endParaRPr lang="ko-KR" altLang="en-US" sz="900" dirty="0">
+                <a:solidFill>
+                  <a:schemeClr val="tx1"/>
+                </a:solidFill>
+              </a:endParaRPr>
+            </a:p>
+          </p:txBody>
+        </p:sp>
+        <p:sp>
+          <p:nvSpPr>
+            <p:cNvPr id="11" name="직사각형 10">
+              <a:extLst>
+                <a:ext uri="{FF2B5EF4-FFF2-40B4-BE49-F238E27FC236}">
+                  <a16:creationId xmlns:a16="http://schemas.microsoft.com/office/drawing/2014/main" id="{C2144DD7-0E8A-4E3F-AFF6-1B868CFD1204}"/>
+                </a:ext>
+              </a:extLst>
+            </p:cNvPr>
+            <p:cNvSpPr/>
+            <p:nvPr/>
+          </p:nvSpPr>
+          <p:spPr>
+            <a:xfrm>
+              <a:off x="2800341" y="2060568"/>
+              <a:ext cx="1466859" cy="230512"/>
+            </a:xfrm>
+            <a:prstGeom prst="rect">
+              <a:avLst/>
+            </a:prstGeom>
+            <a:noFill/>
+            <a:ln>
+              <a:noFill/>
+            </a:ln>
+          </p:spPr>
+          <p:style>
+            <a:lnRef idx="2">
+              <a:schemeClr val="accent1">
+                <a:shade val="50000"/>
+              </a:schemeClr>
+            </a:lnRef>
+            <a:fillRef idx="1">
+              <a:schemeClr val="accent1"/>
+            </a:fillRef>
+            <a:effectRef idx="0">
+              <a:schemeClr val="accent1"/>
+            </a:effectRef>
+            <a:fontRef idx="minor">
+              <a:schemeClr val="lt1"/>
+            </a:fontRef>
+          </p:style>
+          <p:txBody>
+            <a:bodyPr rtlCol="0" anchor="ctr"/>
+            <a:lstStyle/>
+            <a:p>
+              <a:r>
+                <a:rPr lang="en-US" altLang="ko-KR" sz="900" dirty="0" err="1">
+                  <a:solidFill>
+                    <a:schemeClr val="tx1"/>
+                  </a:solidFill>
+                </a:rPr>
+                <a:t>sdi</a:t>
+              </a:r>
+              <a:endParaRPr lang="ko-KR" altLang="en-US" sz="900" dirty="0">
+                <a:solidFill>
+                  <a:schemeClr val="tx1"/>
+                </a:solidFill>
+              </a:endParaRPr>
+            </a:p>
+          </p:txBody>
+        </p:sp>
+        <p:sp>
+          <p:nvSpPr>
+            <p:cNvPr id="12" name="직사각형 11">
+              <a:extLst>
+                <a:ext uri="{FF2B5EF4-FFF2-40B4-BE49-F238E27FC236}">
+                  <a16:creationId xmlns:a16="http://schemas.microsoft.com/office/drawing/2014/main" id="{C7739952-6CFB-474A-8268-7E7BD0CC23D3}"/>
+                </a:ext>
+              </a:extLst>
+            </p:cNvPr>
+            <p:cNvSpPr/>
+            <p:nvPr/>
+          </p:nvSpPr>
+          <p:spPr>
+            <a:xfrm>
+              <a:off x="2800341" y="2345026"/>
+              <a:ext cx="1466859" cy="230512"/>
+            </a:xfrm>
+            <a:prstGeom prst="rect">
+              <a:avLst/>
+            </a:prstGeom>
+            <a:noFill/>
+            <a:ln>
+              <a:noFill/>
+            </a:ln>
+          </p:spPr>
+          <p:style>
+            <a:lnRef idx="2">
+              <a:schemeClr val="accent1">
+                <a:shade val="50000"/>
+              </a:schemeClr>
+            </a:lnRef>
+            <a:fillRef idx="1">
+              <a:schemeClr val="accent1"/>
+            </a:fillRef>
+            <a:effectRef idx="0">
+              <a:schemeClr val="accent1"/>
+            </a:effectRef>
+            <a:fontRef idx="minor">
+              <a:schemeClr val="lt1"/>
+            </a:fontRef>
+          </p:style>
+          <p:txBody>
+            <a:bodyPr rtlCol="0" anchor="ctr"/>
+            <a:lstStyle/>
+            <a:p>
+              <a:r>
+                <a:rPr lang="en-US" altLang="ko-KR" sz="900" dirty="0">
+                  <a:solidFill>
+                    <a:schemeClr val="tx1"/>
+                  </a:solidFill>
+                </a:rPr>
+                <a:t>busy</a:t>
+              </a:r>
+              <a:endParaRPr lang="ko-KR" altLang="en-US" sz="900" dirty="0">
+                <a:solidFill>
+                  <a:schemeClr val="tx1"/>
+                </a:solidFill>
+              </a:endParaRPr>
+            </a:p>
+          </p:txBody>
+        </p:sp>
+      </p:grpSp>
+      <p:cxnSp>
+        <p:nvCxnSpPr>
+          <p:cNvPr id="13" name="연결선: 꺾임 12">
+            <a:extLst>
+              <a:ext uri="{FF2B5EF4-FFF2-40B4-BE49-F238E27FC236}">
+                <a16:creationId xmlns:a16="http://schemas.microsoft.com/office/drawing/2014/main" id="{B44A73DB-14B6-4659-833B-5A0627C75190}"/>
+              </a:ext>
+            </a:extLst>
+          </p:cNvPr>
+          <p:cNvCxnSpPr>
+            <a:cxnSpLocks/>
+            <a:stCxn id="40" idx="3"/>
+            <a:endCxn id="6" idx="1"/>
+          </p:cNvCxnSpPr>
+          <p:nvPr/>
+        </p:nvCxnSpPr>
+        <p:spPr>
+          <a:xfrm>
+            <a:off x="1814312" y="798692"/>
+            <a:ext cx="3221687" cy="2528"/>
+          </a:xfrm>
+          <a:prstGeom prst="bentConnector3">
+            <a:avLst/>
+          </a:prstGeom>
+        </p:spPr>
+        <p:style>
+          <a:lnRef idx="1">
+            <a:schemeClr val="accent1"/>
+          </a:lnRef>
+          <a:fillRef idx="0">
+            <a:schemeClr val="accent1"/>
+          </a:fillRef>
+          <a:effectRef idx="0">
+            <a:schemeClr val="accent1"/>
+          </a:effectRef>
+          <a:fontRef idx="minor">
+            <a:schemeClr val="tx1"/>
+          </a:fontRef>
+        </p:style>
+      </p:cxnSp>
+      <p:cxnSp>
+        <p:nvCxnSpPr>
+          <p:cNvPr id="14" name="연결선: 꺾임 13">
+            <a:extLst>
+              <a:ext uri="{FF2B5EF4-FFF2-40B4-BE49-F238E27FC236}">
+                <a16:creationId xmlns:a16="http://schemas.microsoft.com/office/drawing/2014/main" id="{7DE7277B-18FA-467B-9828-9979AAFEA875}"/>
+              </a:ext>
+            </a:extLst>
+          </p:cNvPr>
+          <p:cNvCxnSpPr>
+            <a:cxnSpLocks/>
+            <a:stCxn id="37" idx="3"/>
+            <a:endCxn id="7" idx="1"/>
+          </p:cNvCxnSpPr>
+          <p:nvPr/>
+        </p:nvCxnSpPr>
+        <p:spPr>
+          <a:xfrm flipV="1">
+            <a:off x="1814312" y="1086970"/>
+            <a:ext cx="3221687" cy="2244"/>
+          </a:xfrm>
+          <a:prstGeom prst="bentConnector3">
+            <a:avLst/>
+          </a:prstGeom>
+        </p:spPr>
+        <p:style>
+          <a:lnRef idx="1">
+            <a:schemeClr val="accent1"/>
+          </a:lnRef>
+          <a:fillRef idx="0">
+            <a:schemeClr val="accent1"/>
+          </a:fillRef>
+          <a:effectRef idx="0">
+            <a:schemeClr val="accent1"/>
+          </a:effectRef>
+          <a:fontRef idx="minor">
+            <a:schemeClr val="tx1"/>
+          </a:fontRef>
+        </p:style>
+      </p:cxnSp>
+      <p:cxnSp>
+        <p:nvCxnSpPr>
+          <p:cNvPr id="15" name="연결선: 꺾임 14">
+            <a:extLst>
+              <a:ext uri="{FF2B5EF4-FFF2-40B4-BE49-F238E27FC236}">
+                <a16:creationId xmlns:a16="http://schemas.microsoft.com/office/drawing/2014/main" id="{2DEFF784-52E3-480F-AA9B-FF22468230AF}"/>
+              </a:ext>
+            </a:extLst>
+          </p:cNvPr>
+          <p:cNvCxnSpPr>
+            <a:cxnSpLocks/>
+            <a:stCxn id="39" idx="3"/>
+            <a:endCxn id="8" idx="1"/>
+          </p:cNvCxnSpPr>
+          <p:nvPr/>
+        </p:nvCxnSpPr>
+        <p:spPr>
+          <a:xfrm flipV="1">
+            <a:off x="1814312" y="1372720"/>
+            <a:ext cx="3221687" cy="458"/>
+          </a:xfrm>
+          <a:prstGeom prst="bentConnector3">
+            <a:avLst/>
+          </a:prstGeom>
+        </p:spPr>
+        <p:style>
+          <a:lnRef idx="1">
+            <a:schemeClr val="accent1"/>
+          </a:lnRef>
+          <a:fillRef idx="0">
+            <a:schemeClr val="accent1"/>
+          </a:fillRef>
+          <a:effectRef idx="0">
+            <a:schemeClr val="accent1"/>
+          </a:effectRef>
+          <a:fontRef idx="minor">
+            <a:schemeClr val="tx1"/>
+          </a:fontRef>
+        </p:style>
+      </p:cxnSp>
+      <p:cxnSp>
+        <p:nvCxnSpPr>
+          <p:cNvPr id="16" name="연결선: 꺾임 15">
+            <a:extLst>
+              <a:ext uri="{FF2B5EF4-FFF2-40B4-BE49-F238E27FC236}">
+                <a16:creationId xmlns:a16="http://schemas.microsoft.com/office/drawing/2014/main" id="{790B3AF8-099B-4230-B46E-0D5CEDD0CFCF}"/>
+              </a:ext>
+            </a:extLst>
+          </p:cNvPr>
+          <p:cNvCxnSpPr>
+            <a:cxnSpLocks/>
+            <a:stCxn id="42" idx="3"/>
+            <a:endCxn id="9" idx="1"/>
+          </p:cNvCxnSpPr>
+          <p:nvPr/>
+        </p:nvCxnSpPr>
+        <p:spPr>
+          <a:xfrm>
+            <a:off x="1814312" y="1657142"/>
+            <a:ext cx="3221687" cy="1328"/>
+          </a:xfrm>
+          <a:prstGeom prst="bentConnector3">
+            <a:avLst/>
+          </a:prstGeom>
+        </p:spPr>
+        <p:style>
+          <a:lnRef idx="1">
+            <a:schemeClr val="accent1"/>
+          </a:lnRef>
+          <a:fillRef idx="0">
+            <a:schemeClr val="accent1"/>
+          </a:fillRef>
+          <a:effectRef idx="0">
+            <a:schemeClr val="accent1"/>
+          </a:effectRef>
+          <a:fontRef idx="minor">
+            <a:schemeClr val="tx1"/>
+          </a:fontRef>
+        </p:style>
+      </p:cxnSp>
+      <p:cxnSp>
+        <p:nvCxnSpPr>
+          <p:cNvPr id="17" name="연결선: 꺾임 16">
+            <a:extLst>
+              <a:ext uri="{FF2B5EF4-FFF2-40B4-BE49-F238E27FC236}">
+                <a16:creationId xmlns:a16="http://schemas.microsoft.com/office/drawing/2014/main" id="{6B4008EF-9BC0-4D17-B02E-6E999E3A84EC}"/>
+              </a:ext>
+            </a:extLst>
+          </p:cNvPr>
+          <p:cNvCxnSpPr>
+            <a:cxnSpLocks/>
+            <a:stCxn id="43" idx="3"/>
+            <a:endCxn id="10" idx="1"/>
+          </p:cNvCxnSpPr>
+          <p:nvPr/>
+        </p:nvCxnSpPr>
+        <p:spPr>
+          <a:xfrm>
+            <a:off x="1814312" y="1942891"/>
+            <a:ext cx="3221687" cy="1329"/>
+          </a:xfrm>
+          <a:prstGeom prst="bentConnector3">
+            <a:avLst/>
+          </a:prstGeom>
+        </p:spPr>
+        <p:style>
+          <a:lnRef idx="1">
+            <a:schemeClr val="accent1"/>
+          </a:lnRef>
+          <a:fillRef idx="0">
+            <a:schemeClr val="accent1"/>
+          </a:fillRef>
+          <a:effectRef idx="0">
+            <a:schemeClr val="accent1"/>
+          </a:effectRef>
+          <a:fontRef idx="minor">
+            <a:schemeClr val="tx1"/>
+          </a:fontRef>
+        </p:style>
+      </p:cxnSp>
+      <p:cxnSp>
+        <p:nvCxnSpPr>
+          <p:cNvPr id="18" name="연결선: 꺾임 17">
+            <a:extLst>
+              <a:ext uri="{FF2B5EF4-FFF2-40B4-BE49-F238E27FC236}">
+                <a16:creationId xmlns:a16="http://schemas.microsoft.com/office/drawing/2014/main" id="{CC09B28A-B9B0-4064-A138-EA242BBD5113}"/>
+              </a:ext>
+            </a:extLst>
+          </p:cNvPr>
+          <p:cNvCxnSpPr>
+            <a:cxnSpLocks/>
+            <a:stCxn id="44" idx="3"/>
+            <a:endCxn id="11" idx="1"/>
+          </p:cNvCxnSpPr>
+          <p:nvPr/>
+        </p:nvCxnSpPr>
+        <p:spPr>
+          <a:xfrm flipV="1">
+            <a:off x="1814312" y="2222350"/>
+            <a:ext cx="3221687" cy="3130"/>
+          </a:xfrm>
+          <a:prstGeom prst="bentConnector3">
+            <a:avLst/>
+          </a:prstGeom>
+        </p:spPr>
+        <p:style>
+          <a:lnRef idx="1">
+            <a:schemeClr val="accent1"/>
+          </a:lnRef>
+          <a:fillRef idx="0">
+            <a:schemeClr val="accent1"/>
+          </a:fillRef>
+          <a:effectRef idx="0">
+            <a:schemeClr val="accent1"/>
+          </a:effectRef>
+          <a:fontRef idx="minor">
+            <a:schemeClr val="tx1"/>
+          </a:fontRef>
+        </p:style>
+      </p:cxnSp>
+      <p:grpSp>
+        <p:nvGrpSpPr>
+          <p:cNvPr id="19" name="그룹 18">
+            <a:extLst>
+              <a:ext uri="{FF2B5EF4-FFF2-40B4-BE49-F238E27FC236}">
+                <a16:creationId xmlns:a16="http://schemas.microsoft.com/office/drawing/2014/main" id="{7039664E-E539-4C5A-8D6A-7508264680B8}"/>
+              </a:ext>
+            </a:extLst>
+          </p:cNvPr>
+          <p:cNvGrpSpPr/>
+          <p:nvPr/>
+        </p:nvGrpSpPr>
+        <p:grpSpPr>
+          <a:xfrm>
+            <a:off x="5035999" y="2708076"/>
+            <a:ext cx="2120002" cy="2298264"/>
+            <a:chOff x="2800341" y="421270"/>
+            <a:chExt cx="2120002" cy="2298264"/>
+          </a:xfrm>
+        </p:grpSpPr>
+        <p:sp>
+          <p:nvSpPr>
+            <p:cNvPr id="20" name="직사각형 19">
+              <a:extLst>
+                <a:ext uri="{FF2B5EF4-FFF2-40B4-BE49-F238E27FC236}">
+                  <a16:creationId xmlns:a16="http://schemas.microsoft.com/office/drawing/2014/main" id="{33193B33-6935-4DF9-9268-AC7B98215F71}"/>
+                </a:ext>
+              </a:extLst>
+            </p:cNvPr>
+            <p:cNvSpPr/>
+            <p:nvPr/>
+          </p:nvSpPr>
+          <p:spPr>
+            <a:xfrm>
+              <a:off x="2800341" y="421270"/>
+              <a:ext cx="2120002" cy="2298264"/>
+            </a:xfrm>
+            <a:prstGeom prst="rect">
+              <a:avLst/>
+            </a:prstGeom>
+            <a:solidFill>
+              <a:schemeClr val="bg1"/>
+            </a:solidFill>
+          </p:spPr>
+          <p:style>
+            <a:lnRef idx="2">
+              <a:schemeClr val="accent1">
+                <a:shade val="50000"/>
+              </a:schemeClr>
+            </a:lnRef>
+            <a:fillRef idx="1">
+              <a:schemeClr val="accent1"/>
+            </a:fillRef>
+            <a:effectRef idx="0">
+              <a:schemeClr val="accent1"/>
+            </a:effectRef>
+            <a:fontRef idx="minor">
+              <a:schemeClr val="lt1"/>
+            </a:fontRef>
+          </p:style>
+          <p:txBody>
+            <a:bodyPr rtlCol="0" anchor="t"/>
+            <a:lstStyle/>
+            <a:p>
+              <a:pPr algn="ctr"/>
+              <a:r>
+                <a:rPr lang="en-US" altLang="ko-KR" sz="900" dirty="0">
+                  <a:solidFill>
+                    <a:schemeClr val="tx1"/>
+                  </a:solidFill>
+                </a:rPr>
+                <a:t>dac1(DAC8734)</a:t>
+              </a:r>
+              <a:endParaRPr lang="ko-KR" altLang="en-US" sz="900" dirty="0"/>
+            </a:p>
+          </p:txBody>
+        </p:sp>
+        <p:sp>
+          <p:nvSpPr>
+            <p:cNvPr id="21" name="직사각형 20">
+              <a:extLst>
+                <a:ext uri="{FF2B5EF4-FFF2-40B4-BE49-F238E27FC236}">
+                  <a16:creationId xmlns:a16="http://schemas.microsoft.com/office/drawing/2014/main" id="{19EF49EB-12D3-4726-9806-B107A1D9491E}"/>
+                </a:ext>
+              </a:extLst>
+            </p:cNvPr>
+            <p:cNvSpPr/>
+            <p:nvPr/>
+          </p:nvSpPr>
+          <p:spPr>
+            <a:xfrm>
+              <a:off x="2800341" y="639438"/>
+              <a:ext cx="1466859" cy="230512"/>
+            </a:xfrm>
+            <a:prstGeom prst="rect">
+              <a:avLst/>
+            </a:prstGeom>
+            <a:noFill/>
+            <a:ln>
+              <a:noFill/>
+            </a:ln>
+          </p:spPr>
+          <p:style>
+            <a:lnRef idx="2">
+              <a:schemeClr val="accent1">
+                <a:shade val="50000"/>
+              </a:schemeClr>
+            </a:lnRef>
+            <a:fillRef idx="1">
+              <a:schemeClr val="accent1"/>
+            </a:fillRef>
+            <a:effectRef idx="0">
+              <a:schemeClr val="accent1"/>
+            </a:effectRef>
+            <a:fontRef idx="minor">
+              <a:schemeClr val="lt1"/>
+            </a:fontRef>
+          </p:style>
+          <p:txBody>
+            <a:bodyPr rtlCol="0" anchor="ctr"/>
+            <a:lstStyle/>
+            <a:p>
+              <a:r>
+                <a:rPr lang="en-US" altLang="ko-KR" sz="900" dirty="0" err="1">
+                  <a:solidFill>
+                    <a:schemeClr val="tx1"/>
+                  </a:solidFill>
+                </a:rPr>
+                <a:t>DAC_clock</a:t>
+              </a:r>
+              <a:endParaRPr lang="ko-KR" altLang="en-US" sz="900" dirty="0">
+                <a:solidFill>
+                  <a:schemeClr val="tx1"/>
+                </a:solidFill>
+              </a:endParaRPr>
+            </a:p>
+          </p:txBody>
+        </p:sp>
+        <p:sp>
+          <p:nvSpPr>
+            <p:cNvPr id="22" name="직사각형 21">
+              <a:extLst>
+                <a:ext uri="{FF2B5EF4-FFF2-40B4-BE49-F238E27FC236}">
+                  <a16:creationId xmlns:a16="http://schemas.microsoft.com/office/drawing/2014/main" id="{93226305-8312-4051-9E14-45429D4442FB}"/>
+                </a:ext>
+              </a:extLst>
+            </p:cNvPr>
+            <p:cNvSpPr/>
+            <p:nvPr/>
+          </p:nvSpPr>
+          <p:spPr>
+            <a:xfrm>
+              <a:off x="2800341" y="925188"/>
+              <a:ext cx="1466859" cy="230512"/>
+            </a:xfrm>
+            <a:prstGeom prst="rect">
+              <a:avLst/>
+            </a:prstGeom>
+            <a:noFill/>
+            <a:ln>
+              <a:noFill/>
+            </a:ln>
+          </p:spPr>
+          <p:style>
+            <a:lnRef idx="2">
+              <a:schemeClr val="accent1">
+                <a:shade val="50000"/>
+              </a:schemeClr>
+            </a:lnRef>
+            <a:fillRef idx="1">
+              <a:schemeClr val="accent1"/>
+            </a:fillRef>
+            <a:effectRef idx="0">
+              <a:schemeClr val="accent1"/>
+            </a:effectRef>
+            <a:fontRef idx="minor">
+              <a:schemeClr val="lt1"/>
+            </a:fontRef>
+          </p:style>
+          <p:txBody>
+            <a:bodyPr rtlCol="0" anchor="ctr"/>
+            <a:lstStyle/>
+            <a:p>
+              <a:r>
+                <a:rPr lang="en-US" altLang="ko-KR" sz="900" dirty="0" err="1">
+                  <a:solidFill>
+                    <a:schemeClr val="tx1"/>
+                  </a:solidFill>
+                </a:rPr>
+                <a:t>start_trigger</a:t>
+              </a:r>
+              <a:endParaRPr lang="ko-KR" altLang="en-US" sz="900" dirty="0">
+                <a:solidFill>
+                  <a:schemeClr val="tx1"/>
+                </a:solidFill>
+              </a:endParaRPr>
+            </a:p>
+          </p:txBody>
+        </p:sp>
+        <p:sp>
+          <p:nvSpPr>
+            <p:cNvPr id="23" name="직사각형 22">
+              <a:extLst>
+                <a:ext uri="{FF2B5EF4-FFF2-40B4-BE49-F238E27FC236}">
+                  <a16:creationId xmlns:a16="http://schemas.microsoft.com/office/drawing/2014/main" id="{AAE59AF3-C913-440A-AB11-846C53FDCFD2}"/>
+                </a:ext>
+              </a:extLst>
+            </p:cNvPr>
+            <p:cNvSpPr/>
+            <p:nvPr/>
+          </p:nvSpPr>
+          <p:spPr>
+            <a:xfrm>
+              <a:off x="2800341" y="1210938"/>
+              <a:ext cx="1466859" cy="230512"/>
+            </a:xfrm>
+            <a:prstGeom prst="rect">
+              <a:avLst/>
+            </a:prstGeom>
+            <a:noFill/>
+            <a:ln>
+              <a:noFill/>
+            </a:ln>
+          </p:spPr>
+          <p:style>
+            <a:lnRef idx="2">
+              <a:schemeClr val="accent1">
+                <a:shade val="50000"/>
+              </a:schemeClr>
+            </a:lnRef>
+            <a:fillRef idx="1">
+              <a:schemeClr val="accent1"/>
+            </a:fillRef>
+            <a:effectRef idx="0">
+              <a:schemeClr val="accent1"/>
+            </a:effectRef>
+            <a:fontRef idx="minor">
+              <a:schemeClr val="lt1"/>
+            </a:fontRef>
+          </p:style>
+          <p:txBody>
+            <a:bodyPr rtlCol="0" anchor="ctr"/>
+            <a:lstStyle/>
+            <a:p>
+              <a:r>
+                <a:rPr lang="en-US" altLang="ko-KR" sz="900" dirty="0">
+                  <a:solidFill>
+                    <a:schemeClr val="tx1"/>
+                  </a:solidFill>
+                </a:rPr>
+                <a:t>data</a:t>
+              </a:r>
+              <a:endParaRPr lang="ko-KR" altLang="en-US" sz="900" dirty="0">
+                <a:solidFill>
+                  <a:schemeClr val="tx1"/>
+                </a:solidFill>
+              </a:endParaRPr>
+            </a:p>
+          </p:txBody>
+        </p:sp>
+        <p:sp>
+          <p:nvSpPr>
+            <p:cNvPr id="24" name="직사각형 23">
+              <a:extLst>
+                <a:ext uri="{FF2B5EF4-FFF2-40B4-BE49-F238E27FC236}">
+                  <a16:creationId xmlns:a16="http://schemas.microsoft.com/office/drawing/2014/main" id="{3B1F5308-28AB-47DB-8F02-A0CD696BAB2B}"/>
+                </a:ext>
+              </a:extLst>
+            </p:cNvPr>
+            <p:cNvSpPr/>
+            <p:nvPr/>
+          </p:nvSpPr>
+          <p:spPr>
+            <a:xfrm>
+              <a:off x="2800341" y="1496688"/>
+              <a:ext cx="1466859" cy="230512"/>
+            </a:xfrm>
+            <a:prstGeom prst="rect">
+              <a:avLst/>
+            </a:prstGeom>
+            <a:noFill/>
+            <a:ln>
+              <a:noFill/>
+            </a:ln>
+          </p:spPr>
+          <p:style>
+            <a:lnRef idx="2">
+              <a:schemeClr val="accent1">
+                <a:shade val="50000"/>
+              </a:schemeClr>
+            </a:lnRef>
+            <a:fillRef idx="1">
+              <a:schemeClr val="accent1"/>
+            </a:fillRef>
+            <a:effectRef idx="0">
+              <a:schemeClr val="accent1"/>
+            </a:effectRef>
+            <a:fontRef idx="minor">
+              <a:schemeClr val="lt1"/>
+            </a:fontRef>
+          </p:style>
+          <p:txBody>
+            <a:bodyPr rtlCol="0" anchor="ctr"/>
+            <a:lstStyle/>
+            <a:p>
+              <a:r>
+                <a:rPr lang="en-US" altLang="ko-KR" sz="900" dirty="0" err="1">
+                  <a:solidFill>
+                    <a:schemeClr val="tx1"/>
+                  </a:solidFill>
+                </a:rPr>
+                <a:t>sclk</a:t>
+              </a:r>
+              <a:endParaRPr lang="ko-KR" altLang="en-US" sz="900" dirty="0">
+                <a:solidFill>
+                  <a:schemeClr val="tx1"/>
+                </a:solidFill>
+              </a:endParaRPr>
+            </a:p>
+          </p:txBody>
+        </p:sp>
+        <p:sp>
+          <p:nvSpPr>
+            <p:cNvPr id="25" name="직사각형 24">
+              <a:extLst>
+                <a:ext uri="{FF2B5EF4-FFF2-40B4-BE49-F238E27FC236}">
+                  <a16:creationId xmlns:a16="http://schemas.microsoft.com/office/drawing/2014/main" id="{35280B10-8A84-4279-B2D7-8F8ED8918AD5}"/>
+                </a:ext>
+              </a:extLst>
+            </p:cNvPr>
+            <p:cNvSpPr/>
+            <p:nvPr/>
+          </p:nvSpPr>
+          <p:spPr>
+            <a:xfrm>
+              <a:off x="2800341" y="1782438"/>
+              <a:ext cx="1466859" cy="230512"/>
+            </a:xfrm>
+            <a:prstGeom prst="rect">
+              <a:avLst/>
+            </a:prstGeom>
+            <a:noFill/>
+            <a:ln>
+              <a:noFill/>
+            </a:ln>
+          </p:spPr>
+          <p:style>
+            <a:lnRef idx="2">
+              <a:schemeClr val="accent1">
+                <a:shade val="50000"/>
+              </a:schemeClr>
+            </a:lnRef>
+            <a:fillRef idx="1">
+              <a:schemeClr val="accent1"/>
+            </a:fillRef>
+            <a:effectRef idx="0">
+              <a:schemeClr val="accent1"/>
+            </a:effectRef>
+            <a:fontRef idx="minor">
+              <a:schemeClr val="lt1"/>
+            </a:fontRef>
+          </p:style>
+          <p:txBody>
+            <a:bodyPr rtlCol="0" anchor="ctr"/>
+            <a:lstStyle/>
+            <a:p>
+              <a:r>
+                <a:rPr lang="en-US" altLang="ko-KR" sz="900" dirty="0" err="1">
+                  <a:solidFill>
+                    <a:schemeClr val="tx1"/>
+                  </a:solidFill>
+                </a:rPr>
+                <a:t>cs_bar</a:t>
+              </a:r>
+              <a:endParaRPr lang="ko-KR" altLang="en-US" sz="900" dirty="0">
+                <a:solidFill>
+                  <a:schemeClr val="tx1"/>
+                </a:solidFill>
+              </a:endParaRPr>
+            </a:p>
+          </p:txBody>
+        </p:sp>
+        <p:sp>
+          <p:nvSpPr>
+            <p:cNvPr id="26" name="직사각형 25">
+              <a:extLst>
+                <a:ext uri="{FF2B5EF4-FFF2-40B4-BE49-F238E27FC236}">
+                  <a16:creationId xmlns:a16="http://schemas.microsoft.com/office/drawing/2014/main" id="{3651C624-F784-403A-AD90-FDCF981F04FC}"/>
+                </a:ext>
+              </a:extLst>
+            </p:cNvPr>
+            <p:cNvSpPr/>
+            <p:nvPr/>
+          </p:nvSpPr>
+          <p:spPr>
+            <a:xfrm>
+              <a:off x="2800341" y="2060568"/>
+              <a:ext cx="1466859" cy="230512"/>
+            </a:xfrm>
+            <a:prstGeom prst="rect">
+              <a:avLst/>
+            </a:prstGeom>
+            <a:noFill/>
+            <a:ln>
+              <a:noFill/>
+            </a:ln>
+          </p:spPr>
+          <p:style>
+            <a:lnRef idx="2">
+              <a:schemeClr val="accent1">
+                <a:shade val="50000"/>
+              </a:schemeClr>
+            </a:lnRef>
+            <a:fillRef idx="1">
+              <a:schemeClr val="accent1"/>
+            </a:fillRef>
+            <a:effectRef idx="0">
+              <a:schemeClr val="accent1"/>
+            </a:effectRef>
+            <a:fontRef idx="minor">
+              <a:schemeClr val="lt1"/>
+            </a:fontRef>
+          </p:style>
+          <p:txBody>
+            <a:bodyPr rtlCol="0" anchor="ctr"/>
+            <a:lstStyle/>
+            <a:p>
+              <a:r>
+                <a:rPr lang="en-US" altLang="ko-KR" sz="900" dirty="0" err="1">
+                  <a:solidFill>
+                    <a:schemeClr val="tx1"/>
+                  </a:solidFill>
+                </a:rPr>
+                <a:t>sdi</a:t>
+              </a:r>
+              <a:endParaRPr lang="ko-KR" altLang="en-US" sz="900" dirty="0">
+                <a:solidFill>
+                  <a:schemeClr val="tx1"/>
+                </a:solidFill>
+              </a:endParaRPr>
+            </a:p>
+          </p:txBody>
+        </p:sp>
+        <p:sp>
+          <p:nvSpPr>
+            <p:cNvPr id="27" name="직사각형 26">
+              <a:extLst>
+                <a:ext uri="{FF2B5EF4-FFF2-40B4-BE49-F238E27FC236}">
+                  <a16:creationId xmlns:a16="http://schemas.microsoft.com/office/drawing/2014/main" id="{BA1FD648-824B-45AF-ACF7-22A88F8509BA}"/>
+                </a:ext>
+              </a:extLst>
+            </p:cNvPr>
+            <p:cNvSpPr/>
+            <p:nvPr/>
+          </p:nvSpPr>
+          <p:spPr>
+            <a:xfrm>
+              <a:off x="2800341" y="2346987"/>
+              <a:ext cx="1466859" cy="230512"/>
+            </a:xfrm>
+            <a:prstGeom prst="rect">
+              <a:avLst/>
+            </a:prstGeom>
+            <a:noFill/>
+            <a:ln>
+              <a:noFill/>
+            </a:ln>
+          </p:spPr>
+          <p:style>
+            <a:lnRef idx="2">
+              <a:schemeClr val="accent1">
+                <a:shade val="50000"/>
+              </a:schemeClr>
+            </a:lnRef>
+            <a:fillRef idx="1">
+              <a:schemeClr val="accent1"/>
+            </a:fillRef>
+            <a:effectRef idx="0">
+              <a:schemeClr val="accent1"/>
+            </a:effectRef>
+            <a:fontRef idx="minor">
+              <a:schemeClr val="lt1"/>
+            </a:fontRef>
+          </p:style>
+          <p:txBody>
+            <a:bodyPr rtlCol="0" anchor="ctr"/>
+            <a:lstStyle/>
+            <a:p>
+              <a:r>
+                <a:rPr lang="en-US" altLang="ko-KR" sz="900" dirty="0">
+                  <a:solidFill>
+                    <a:schemeClr val="tx1"/>
+                  </a:solidFill>
+                </a:rPr>
+                <a:t>busy</a:t>
+              </a:r>
+              <a:endParaRPr lang="ko-KR" altLang="en-US" sz="900" dirty="0">
+                <a:solidFill>
+                  <a:schemeClr val="tx1"/>
+                </a:solidFill>
+              </a:endParaRPr>
+            </a:p>
+          </p:txBody>
+        </p:sp>
+      </p:grpSp>
+      <p:cxnSp>
+        <p:nvCxnSpPr>
+          <p:cNvPr id="28" name="연결선: 꺾임 27">
+            <a:extLst>
+              <a:ext uri="{FF2B5EF4-FFF2-40B4-BE49-F238E27FC236}">
+                <a16:creationId xmlns:a16="http://schemas.microsoft.com/office/drawing/2014/main" id="{97B8FC01-D664-48E2-B190-20329F0D847A}"/>
+              </a:ext>
+            </a:extLst>
+          </p:cNvPr>
+          <p:cNvCxnSpPr>
+            <a:cxnSpLocks/>
+            <a:stCxn id="40" idx="3"/>
+            <a:endCxn id="21" idx="1"/>
+          </p:cNvCxnSpPr>
+          <p:nvPr/>
+        </p:nvCxnSpPr>
+        <p:spPr>
+          <a:xfrm>
+            <a:off x="1814312" y="798692"/>
+            <a:ext cx="3221687" cy="2242808"/>
+          </a:xfrm>
+          <a:prstGeom prst="bentConnector3">
+            <a:avLst>
+              <a:gd name="adj1" fmla="val 13043"/>
+            </a:avLst>
+          </a:prstGeom>
+        </p:spPr>
+        <p:style>
+          <a:lnRef idx="1">
+            <a:schemeClr val="accent1"/>
+          </a:lnRef>
+          <a:fillRef idx="0">
+            <a:schemeClr val="accent1"/>
+          </a:fillRef>
+          <a:effectRef idx="0">
+            <a:schemeClr val="accent1"/>
+          </a:effectRef>
+          <a:fontRef idx="minor">
+            <a:schemeClr val="tx1"/>
+          </a:fontRef>
+        </p:style>
+      </p:cxnSp>
+      <p:cxnSp>
+        <p:nvCxnSpPr>
+          <p:cNvPr id="29" name="연결선: 꺾임 28">
+            <a:extLst>
+              <a:ext uri="{FF2B5EF4-FFF2-40B4-BE49-F238E27FC236}">
+                <a16:creationId xmlns:a16="http://schemas.microsoft.com/office/drawing/2014/main" id="{78A32491-0DFB-4B85-8C12-8A17FA06E0F4}"/>
+              </a:ext>
+            </a:extLst>
+          </p:cNvPr>
+          <p:cNvCxnSpPr>
+            <a:cxnSpLocks/>
+            <a:stCxn id="37" idx="3"/>
+            <a:endCxn id="22" idx="1"/>
+          </p:cNvCxnSpPr>
+          <p:nvPr/>
+        </p:nvCxnSpPr>
+        <p:spPr>
+          <a:xfrm>
+            <a:off x="1814312" y="1089214"/>
+            <a:ext cx="3221687" cy="2238036"/>
+          </a:xfrm>
+          <a:prstGeom prst="bentConnector3">
+            <a:avLst>
+              <a:gd name="adj1" fmla="val 11270"/>
+            </a:avLst>
+          </a:prstGeom>
+        </p:spPr>
+        <p:style>
+          <a:lnRef idx="1">
+            <a:schemeClr val="accent1"/>
+          </a:lnRef>
+          <a:fillRef idx="0">
+            <a:schemeClr val="accent1"/>
+          </a:fillRef>
+          <a:effectRef idx="0">
+            <a:schemeClr val="accent1"/>
+          </a:effectRef>
+          <a:fontRef idx="minor">
+            <a:schemeClr val="tx1"/>
+          </a:fontRef>
+        </p:style>
+      </p:cxnSp>
+      <p:cxnSp>
+        <p:nvCxnSpPr>
+          <p:cNvPr id="30" name="연결선: 꺾임 29">
+            <a:extLst>
+              <a:ext uri="{FF2B5EF4-FFF2-40B4-BE49-F238E27FC236}">
+                <a16:creationId xmlns:a16="http://schemas.microsoft.com/office/drawing/2014/main" id="{83531917-FC9E-472D-A58F-04E1FC976CB4}"/>
+              </a:ext>
+            </a:extLst>
+          </p:cNvPr>
+          <p:cNvCxnSpPr>
+            <a:cxnSpLocks/>
+            <a:stCxn id="39" idx="3"/>
+            <a:endCxn id="23" idx="1"/>
+          </p:cNvCxnSpPr>
+          <p:nvPr/>
+        </p:nvCxnSpPr>
+        <p:spPr>
+          <a:xfrm>
+            <a:off x="1814312" y="1373178"/>
+            <a:ext cx="3221687" cy="2239822"/>
+          </a:xfrm>
+          <a:prstGeom prst="bentConnector3">
+            <a:avLst>
+              <a:gd name="adj1" fmla="val 9496"/>
+            </a:avLst>
+          </a:prstGeom>
+        </p:spPr>
+        <p:style>
+          <a:lnRef idx="1">
+            <a:schemeClr val="accent1"/>
+          </a:lnRef>
+          <a:fillRef idx="0">
+            <a:schemeClr val="accent1"/>
+          </a:fillRef>
+          <a:effectRef idx="0">
+            <a:schemeClr val="accent1"/>
+          </a:effectRef>
+          <a:fontRef idx="minor">
+            <a:schemeClr val="tx1"/>
+          </a:fontRef>
+        </p:style>
+      </p:cxnSp>
+      <p:cxnSp>
+        <p:nvCxnSpPr>
+          <p:cNvPr id="31" name="연결선: 꺾임 30">
+            <a:extLst>
+              <a:ext uri="{FF2B5EF4-FFF2-40B4-BE49-F238E27FC236}">
+                <a16:creationId xmlns:a16="http://schemas.microsoft.com/office/drawing/2014/main" id="{56B3FAC0-A57C-4791-B8F6-C86F30ED4C12}"/>
+              </a:ext>
+            </a:extLst>
+          </p:cNvPr>
+          <p:cNvCxnSpPr>
+            <a:cxnSpLocks/>
+            <a:stCxn id="42" idx="3"/>
+            <a:endCxn id="24" idx="1"/>
+          </p:cNvCxnSpPr>
+          <p:nvPr/>
+        </p:nvCxnSpPr>
+        <p:spPr>
+          <a:xfrm>
+            <a:off x="1814312" y="1657142"/>
+            <a:ext cx="3221687" cy="2241608"/>
+          </a:xfrm>
+          <a:prstGeom prst="bentConnector3">
+            <a:avLst>
+              <a:gd name="adj1" fmla="val 7722"/>
+            </a:avLst>
+          </a:prstGeom>
+        </p:spPr>
+        <p:style>
+          <a:lnRef idx="1">
+            <a:schemeClr val="accent1"/>
+          </a:lnRef>
+          <a:fillRef idx="0">
+            <a:schemeClr val="accent1"/>
+          </a:fillRef>
+          <a:effectRef idx="0">
+            <a:schemeClr val="accent1"/>
+          </a:effectRef>
+          <a:fontRef idx="minor">
+            <a:schemeClr val="tx1"/>
+          </a:fontRef>
+        </p:style>
+      </p:cxnSp>
+      <p:cxnSp>
+        <p:nvCxnSpPr>
+          <p:cNvPr id="32" name="연결선: 꺾임 31">
+            <a:extLst>
+              <a:ext uri="{FF2B5EF4-FFF2-40B4-BE49-F238E27FC236}">
+                <a16:creationId xmlns:a16="http://schemas.microsoft.com/office/drawing/2014/main" id="{29019CB3-E013-4F6C-8D38-F96757BDE103}"/>
+              </a:ext>
+            </a:extLst>
+          </p:cNvPr>
+          <p:cNvCxnSpPr>
+            <a:cxnSpLocks/>
+            <a:stCxn id="43" idx="3"/>
+            <a:endCxn id="25" idx="1"/>
+          </p:cNvCxnSpPr>
+          <p:nvPr/>
+        </p:nvCxnSpPr>
+        <p:spPr>
+          <a:xfrm>
+            <a:off x="1814312" y="1942891"/>
+            <a:ext cx="3221687" cy="2241609"/>
+          </a:xfrm>
+          <a:prstGeom prst="bentConnector3">
+            <a:avLst>
+              <a:gd name="adj1" fmla="val 5948"/>
+            </a:avLst>
+          </a:prstGeom>
+        </p:spPr>
+        <p:style>
+          <a:lnRef idx="1">
+            <a:schemeClr val="accent1"/>
+          </a:lnRef>
+          <a:fillRef idx="0">
+            <a:schemeClr val="accent1"/>
+          </a:fillRef>
+          <a:effectRef idx="0">
+            <a:schemeClr val="accent1"/>
+          </a:effectRef>
+          <a:fontRef idx="minor">
+            <a:schemeClr val="tx1"/>
+          </a:fontRef>
+        </p:style>
+      </p:cxnSp>
+      <p:cxnSp>
+        <p:nvCxnSpPr>
+          <p:cNvPr id="33" name="연결선: 꺾임 32">
+            <a:extLst>
+              <a:ext uri="{FF2B5EF4-FFF2-40B4-BE49-F238E27FC236}">
+                <a16:creationId xmlns:a16="http://schemas.microsoft.com/office/drawing/2014/main" id="{96BB9AF9-78F0-4DFF-9EA5-F634AA78E289}"/>
+              </a:ext>
+            </a:extLst>
+          </p:cNvPr>
+          <p:cNvCxnSpPr>
+            <a:cxnSpLocks/>
+            <a:stCxn id="44" idx="3"/>
+            <a:endCxn id="26" idx="1"/>
+          </p:cNvCxnSpPr>
+          <p:nvPr/>
+        </p:nvCxnSpPr>
+        <p:spPr>
+          <a:xfrm>
+            <a:off x="1814312" y="2225480"/>
+            <a:ext cx="3221687" cy="2237150"/>
+          </a:xfrm>
+          <a:prstGeom prst="bentConnector3">
+            <a:avLst>
+              <a:gd name="adj1" fmla="val 4174"/>
+            </a:avLst>
+          </a:prstGeom>
+        </p:spPr>
+        <p:style>
+          <a:lnRef idx="1">
+            <a:schemeClr val="accent1"/>
+          </a:lnRef>
+          <a:fillRef idx="0">
+            <a:schemeClr val="accent1"/>
+          </a:fillRef>
+          <a:effectRef idx="0">
+            <a:schemeClr val="accent1"/>
+          </a:effectRef>
+          <a:fontRef idx="minor">
+            <a:schemeClr val="tx1"/>
+          </a:fontRef>
+        </p:style>
+      </p:cxnSp>
+      <p:cxnSp>
+        <p:nvCxnSpPr>
+          <p:cNvPr id="34" name="연결선: 꺾임 33">
+            <a:extLst>
+              <a:ext uri="{FF2B5EF4-FFF2-40B4-BE49-F238E27FC236}">
+                <a16:creationId xmlns:a16="http://schemas.microsoft.com/office/drawing/2014/main" id="{C2E57838-F92F-4DCD-8CAE-7B347B3E1CAB}"/>
+              </a:ext>
+            </a:extLst>
+          </p:cNvPr>
+          <p:cNvCxnSpPr>
+            <a:cxnSpLocks/>
+            <a:stCxn id="41" idx="3"/>
+            <a:endCxn id="12" idx="1"/>
+          </p:cNvCxnSpPr>
+          <p:nvPr/>
+        </p:nvCxnSpPr>
+        <p:spPr>
+          <a:xfrm>
+            <a:off x="1814312" y="2504294"/>
+            <a:ext cx="3221687" cy="2514"/>
+          </a:xfrm>
+          <a:prstGeom prst="bentConnector3">
+            <a:avLst/>
+          </a:prstGeom>
+        </p:spPr>
+        <p:style>
+          <a:lnRef idx="1">
+            <a:schemeClr val="accent1"/>
+          </a:lnRef>
+          <a:fillRef idx="0">
+            <a:schemeClr val="accent1"/>
+          </a:fillRef>
+          <a:effectRef idx="0">
+            <a:schemeClr val="accent1"/>
+          </a:effectRef>
+          <a:fontRef idx="minor">
+            <a:schemeClr val="tx1"/>
+          </a:fontRef>
+        </p:style>
+      </p:cxnSp>
+      <p:cxnSp>
+        <p:nvCxnSpPr>
+          <p:cNvPr id="35" name="연결선: 꺾임 34">
+            <a:extLst>
+              <a:ext uri="{FF2B5EF4-FFF2-40B4-BE49-F238E27FC236}">
+                <a16:creationId xmlns:a16="http://schemas.microsoft.com/office/drawing/2014/main" id="{1DACC37D-9CAB-4F5A-AFCF-A47DB89B5F5A}"/>
+              </a:ext>
+            </a:extLst>
+          </p:cNvPr>
+          <p:cNvCxnSpPr>
+            <a:cxnSpLocks/>
+            <a:stCxn id="41" idx="3"/>
+            <a:endCxn id="27" idx="1"/>
+          </p:cNvCxnSpPr>
+          <p:nvPr/>
+        </p:nvCxnSpPr>
+        <p:spPr>
+          <a:xfrm>
+            <a:off x="1814312" y="2504294"/>
+            <a:ext cx="3221687" cy="2244755"/>
+          </a:xfrm>
+          <a:prstGeom prst="bentConnector3">
+            <a:avLst>
+              <a:gd name="adj1" fmla="val 2400"/>
+            </a:avLst>
+          </a:prstGeom>
+        </p:spPr>
+        <p:style>
+          <a:lnRef idx="1">
+            <a:schemeClr val="accent1"/>
+          </a:lnRef>
+          <a:fillRef idx="0">
+            <a:schemeClr val="accent1"/>
+          </a:fillRef>
+          <a:effectRef idx="0">
+            <a:schemeClr val="accent1"/>
+          </a:effectRef>
+          <a:fontRef idx="minor">
+            <a:schemeClr val="tx1"/>
+          </a:fontRef>
+        </p:style>
+      </p:cxnSp>
+      <p:grpSp>
+        <p:nvGrpSpPr>
+          <p:cNvPr id="36" name="그룹 35">
+            <a:extLst>
+              <a:ext uri="{FF2B5EF4-FFF2-40B4-BE49-F238E27FC236}">
+                <a16:creationId xmlns:a16="http://schemas.microsoft.com/office/drawing/2014/main" id="{89FD89D2-913D-406D-B2B8-99888AA7B842}"/>
+              </a:ext>
+            </a:extLst>
+          </p:cNvPr>
+          <p:cNvGrpSpPr/>
+          <p:nvPr/>
+        </p:nvGrpSpPr>
+        <p:grpSpPr>
+          <a:xfrm>
+            <a:off x="347452" y="973958"/>
+            <a:ext cx="1466860" cy="230512"/>
+            <a:chOff x="2962264" y="4647551"/>
+            <a:chExt cx="1466860" cy="230512"/>
+          </a:xfrm>
+        </p:grpSpPr>
+        <p:sp>
+          <p:nvSpPr>
+            <p:cNvPr id="37" name="직사각형 36">
+              <a:extLst>
+                <a:ext uri="{FF2B5EF4-FFF2-40B4-BE49-F238E27FC236}">
+                  <a16:creationId xmlns:a16="http://schemas.microsoft.com/office/drawing/2014/main" id="{C32A98A7-81AE-4254-AFE4-A4D623EE4DA0}"/>
+                </a:ext>
+              </a:extLst>
+            </p:cNvPr>
+            <p:cNvSpPr/>
+            <p:nvPr/>
+          </p:nvSpPr>
+          <p:spPr>
+            <a:xfrm>
+              <a:off x="2962265" y="4647551"/>
+              <a:ext cx="1466859" cy="230512"/>
+            </a:xfrm>
+            <a:prstGeom prst="rect">
+              <a:avLst/>
+            </a:prstGeom>
+          </p:spPr>
+          <p:style>
+            <a:lnRef idx="2">
+              <a:schemeClr val="accent1">
+                <a:shade val="50000"/>
+              </a:schemeClr>
+            </a:lnRef>
+            <a:fillRef idx="1">
+              <a:schemeClr val="accent1"/>
+            </a:fillRef>
+            <a:effectRef idx="0">
+              <a:schemeClr val="accent1"/>
+            </a:effectRef>
+            <a:fontRef idx="minor">
+              <a:schemeClr val="lt1"/>
+            </a:fontRef>
+          </p:style>
+          <p:txBody>
+            <a:bodyPr rtlCol="0" anchor="ctr"/>
+            <a:lstStyle/>
+            <a:p>
+              <a:pPr algn="ctr"/>
+              <a:r>
+                <a:rPr lang="en-US" altLang="ko-KR" sz="900" dirty="0"/>
+                <a:t>[7:0] </a:t>
+              </a:r>
+              <a:r>
+                <a:rPr lang="en-US" altLang="ko-KR" sz="900" dirty="0" err="1"/>
+                <a:t>DAC_start</a:t>
+              </a:r>
+              <a:endParaRPr lang="ko-KR" altLang="en-US" sz="900" dirty="0"/>
+            </a:p>
+          </p:txBody>
+        </p:sp>
+        <p:sp>
+          <p:nvSpPr>
+            <p:cNvPr id="38" name="이등변 삼각형 37">
+              <a:extLst>
+                <a:ext uri="{FF2B5EF4-FFF2-40B4-BE49-F238E27FC236}">
+                  <a16:creationId xmlns:a16="http://schemas.microsoft.com/office/drawing/2014/main" id="{A77F6E50-0045-4628-BFD8-E56C1687D25E}"/>
+                </a:ext>
+              </a:extLst>
+            </p:cNvPr>
+            <p:cNvSpPr/>
+            <p:nvPr/>
+          </p:nvSpPr>
+          <p:spPr>
+            <a:xfrm rot="5400000">
+              <a:off x="2964483" y="4722488"/>
+              <a:ext cx="76200" cy="80638"/>
+            </a:xfrm>
+            <a:prstGeom prst="triangle">
+              <a:avLst/>
+            </a:prstGeom>
+            <a:solidFill>
+              <a:schemeClr val="bg1"/>
+            </a:solidFill>
+          </p:spPr>
+          <p:style>
+            <a:lnRef idx="2">
+              <a:schemeClr val="accent1">
+                <a:shade val="50000"/>
+              </a:schemeClr>
+            </a:lnRef>
+            <a:fillRef idx="1">
+              <a:schemeClr val="accent1"/>
+            </a:fillRef>
+            <a:effectRef idx="0">
+              <a:schemeClr val="accent1"/>
+            </a:effectRef>
+            <a:fontRef idx="minor">
+              <a:schemeClr val="lt1"/>
+            </a:fontRef>
+          </p:style>
+          <p:txBody>
+            <a:bodyPr rtlCol="0" anchor="ctr"/>
+            <a:lstStyle/>
+            <a:p>
+              <a:pPr algn="ctr"/>
+              <a:endParaRPr lang="ko-KR" altLang="en-US"/>
+            </a:p>
+          </p:txBody>
+        </p:sp>
+      </p:grpSp>
       <p:sp>
         <p:nvSpPr>
-          <p:cNvPr id="4" name="직사각형 3">
-            <a:extLst>
-              <a:ext uri="{FF2B5EF4-FFF2-40B4-BE49-F238E27FC236}">
-                <a16:creationId xmlns:a16="http://schemas.microsoft.com/office/drawing/2014/main" id="{0587E537-8AE4-46D5-8377-DCECBC35F23D}"/>
+          <p:cNvPr id="39" name="직사각형 38">
+            <a:extLst>
+              <a:ext uri="{FF2B5EF4-FFF2-40B4-BE49-F238E27FC236}">
+                <a16:creationId xmlns:a16="http://schemas.microsoft.com/office/drawing/2014/main" id="{6267790F-92CB-4D36-8A90-4881E70A2C6D}"/>
               </a:ext>
             </a:extLst>
           </p:cNvPr>
@@ -20317,7 +22080,7 @@
         </p:nvSpPr>
         <p:spPr>
           <a:xfrm>
-            <a:off x="175522" y="222250"/>
+            <a:off x="347453" y="1257922"/>
             <a:ext cx="1466859" cy="230512"/>
           </a:xfrm>
           <a:prstGeom prst="rect">
@@ -20347,11 +22110,11 @@
             <a:pPr algn="ctr"/>
             <a:r>
               <a:rPr lang="en-US" altLang="ko-KR" sz="900" dirty="0"/>
-              <a:t>[2048:1] </a:t>
+              <a:t>[24:1] </a:t>
             </a:r>
             <a:r>
               <a:rPr lang="en-US" altLang="ko-KR" sz="900" dirty="0" err="1"/>
-              <a:t>BTF_Buffer</a:t>
+              <a:t>DAC_data</a:t>
             </a:r>
             <a:endParaRPr lang="ko-KR" altLang="en-US" sz="900" dirty="0"/>
           </a:p>
@@ -20359,10 +22122,10 @@
       </p:sp>
       <p:sp>
         <p:nvSpPr>
-          <p:cNvPr id="5" name="직사각형 4">
-            <a:extLst>
-              <a:ext uri="{FF2B5EF4-FFF2-40B4-BE49-F238E27FC236}">
-                <a16:creationId xmlns:a16="http://schemas.microsoft.com/office/drawing/2014/main" id="{756B1AC9-12B1-4E8B-AA39-1928A5D1D12C}"/>
+          <p:cNvPr id="40" name="직사각형 39">
+            <a:extLst>
+              <a:ext uri="{FF2B5EF4-FFF2-40B4-BE49-F238E27FC236}">
+                <a16:creationId xmlns:a16="http://schemas.microsoft.com/office/drawing/2014/main" id="{59D9A87C-2345-4299-A8C7-DA6156ED6CBC}"/>
               </a:ext>
             </a:extLst>
           </p:cNvPr>
@@ -20371,7 +22134,7 @@
         </p:nvSpPr>
         <p:spPr>
           <a:xfrm>
-            <a:off x="3169728" y="536883"/>
+            <a:off x="347453" y="683436"/>
             <a:ext cx="1466859" cy="230512"/>
           </a:xfrm>
           <a:prstGeom prst="rect">
@@ -20400,8 +22163,8 @@
           <a:p>
             <a:pPr algn="ctr"/>
             <a:r>
-              <a:rPr lang="en-US" altLang="ko-KR" sz="900" dirty="0"/>
-              <a:t>DDS2_update</a:t>
+              <a:rPr lang="en-US" altLang="ko-KR" sz="900" dirty="0" err="1"/>
+              <a:t>DAC_clock</a:t>
             </a:r>
             <a:endParaRPr lang="ko-KR" altLang="en-US" sz="900" dirty="0"/>
           </a:p>
@@ -20409,10 +22172,10 @@
       </p:sp>
       <p:sp>
         <p:nvSpPr>
-          <p:cNvPr id="6" name="직사각형 5">
-            <a:extLst>
-              <a:ext uri="{FF2B5EF4-FFF2-40B4-BE49-F238E27FC236}">
-                <a16:creationId xmlns:a16="http://schemas.microsoft.com/office/drawing/2014/main" id="{24342262-B791-471E-B370-C33BFB2FCD4C}"/>
+          <p:cNvPr id="41" name="직사각형 40">
+            <a:extLst>
+              <a:ext uri="{FF2B5EF4-FFF2-40B4-BE49-F238E27FC236}">
+                <a16:creationId xmlns:a16="http://schemas.microsoft.com/office/drawing/2014/main" id="{B6D73491-51AE-4171-BFE6-7DADD21BB26F}"/>
               </a:ext>
             </a:extLst>
           </p:cNvPr>
@@ -20421,7 +22184,7 @@
         </p:nvSpPr>
         <p:spPr>
           <a:xfrm>
-            <a:off x="3169728" y="222250"/>
+            <a:off x="347453" y="2389038"/>
             <a:ext cx="1466859" cy="230512"/>
           </a:xfrm>
           <a:prstGeom prst="rect">
@@ -20451,7 +22214,879 @@
             <a:pPr algn="ctr"/>
             <a:r>
               <a:rPr lang="en-US" altLang="ko-KR" sz="900" dirty="0"/>
-              <a:t>DDS1_update</a:t>
+              <a:t>[1:0] </a:t>
+            </a:r>
+            <a:r>
+              <a:rPr lang="en-US" altLang="ko-KR" sz="900" dirty="0" err="1"/>
+              <a:t>DAC_busy</a:t>
+            </a:r>
+            <a:endParaRPr lang="ko-KR" altLang="en-US" sz="900" dirty="0"/>
+          </a:p>
+        </p:txBody>
+      </p:sp>
+      <p:sp>
+        <p:nvSpPr>
+          <p:cNvPr id="42" name="직사각형 41">
+            <a:extLst>
+              <a:ext uri="{FF2B5EF4-FFF2-40B4-BE49-F238E27FC236}">
+                <a16:creationId xmlns:a16="http://schemas.microsoft.com/office/drawing/2014/main" id="{2575C5B7-ED53-47C7-B68B-A55F3131D4AE}"/>
+              </a:ext>
+            </a:extLst>
+          </p:cNvPr>
+          <p:cNvSpPr/>
+          <p:nvPr/>
+        </p:nvSpPr>
+        <p:spPr>
+          <a:xfrm>
+            <a:off x="347453" y="1541886"/>
+            <a:ext cx="1466859" cy="230512"/>
+          </a:xfrm>
+          <a:prstGeom prst="rect">
+            <a:avLst/>
+          </a:prstGeom>
+        </p:spPr>
+        <p:style>
+          <a:lnRef idx="2">
+            <a:schemeClr val="accent1">
+              <a:shade val="50000"/>
+            </a:schemeClr>
+          </a:lnRef>
+          <a:fillRef idx="1">
+            <a:schemeClr val="accent1"/>
+          </a:fillRef>
+          <a:effectRef idx="0">
+            <a:schemeClr val="accent1"/>
+          </a:effectRef>
+          <a:fontRef idx="minor">
+            <a:schemeClr val="lt1"/>
+          </a:fontRef>
+        </p:style>
+        <p:txBody>
+          <a:bodyPr rtlCol="0" anchor="ctr"/>
+          <a:lstStyle/>
+          <a:p>
+            <a:pPr algn="ctr"/>
+            <a:r>
+              <a:rPr lang="en-US" altLang="ko-KR" sz="900" dirty="0"/>
+              <a:t>[1:0] </a:t>
+            </a:r>
+            <a:r>
+              <a:rPr lang="en-US" altLang="ko-KR" sz="900" dirty="0" err="1"/>
+              <a:t>DAC_sclk</a:t>
+            </a:r>
+            <a:endParaRPr lang="ko-KR" altLang="en-US" sz="900" dirty="0"/>
+          </a:p>
+        </p:txBody>
+      </p:sp>
+      <p:sp>
+        <p:nvSpPr>
+          <p:cNvPr id="43" name="직사각형 42">
+            <a:extLst>
+              <a:ext uri="{FF2B5EF4-FFF2-40B4-BE49-F238E27FC236}">
+                <a16:creationId xmlns:a16="http://schemas.microsoft.com/office/drawing/2014/main" id="{04E1F30A-8ADF-4E36-A0A9-9453A52D84E8}"/>
+              </a:ext>
+            </a:extLst>
+          </p:cNvPr>
+          <p:cNvSpPr/>
+          <p:nvPr/>
+        </p:nvSpPr>
+        <p:spPr>
+          <a:xfrm>
+            <a:off x="347453" y="1827635"/>
+            <a:ext cx="1466859" cy="230512"/>
+          </a:xfrm>
+          <a:prstGeom prst="rect">
+            <a:avLst/>
+          </a:prstGeom>
+        </p:spPr>
+        <p:style>
+          <a:lnRef idx="2">
+            <a:schemeClr val="accent1">
+              <a:shade val="50000"/>
+            </a:schemeClr>
+          </a:lnRef>
+          <a:fillRef idx="1">
+            <a:schemeClr val="accent1"/>
+          </a:fillRef>
+          <a:effectRef idx="0">
+            <a:schemeClr val="accent1"/>
+          </a:effectRef>
+          <a:fontRef idx="minor">
+            <a:schemeClr val="lt1"/>
+          </a:fontRef>
+        </p:style>
+        <p:txBody>
+          <a:bodyPr rtlCol="0" anchor="ctr"/>
+          <a:lstStyle/>
+          <a:p>
+            <a:pPr algn="ctr"/>
+            <a:r>
+              <a:rPr lang="en-US" altLang="ko-KR" sz="900" dirty="0"/>
+              <a:t>[1:0] </a:t>
+            </a:r>
+            <a:r>
+              <a:rPr lang="en-US" altLang="ko-KR" sz="900" dirty="0" err="1"/>
+              <a:t>DAC_cs_bar</a:t>
+            </a:r>
+            <a:endParaRPr lang="ko-KR" altLang="en-US" sz="900" dirty="0"/>
+          </a:p>
+        </p:txBody>
+      </p:sp>
+      <p:sp>
+        <p:nvSpPr>
+          <p:cNvPr id="44" name="직사각형 43">
+            <a:extLst>
+              <a:ext uri="{FF2B5EF4-FFF2-40B4-BE49-F238E27FC236}">
+                <a16:creationId xmlns:a16="http://schemas.microsoft.com/office/drawing/2014/main" id="{AB5648EF-DBFC-42C6-90C2-6A3ADB6F2EBE}"/>
+              </a:ext>
+            </a:extLst>
+          </p:cNvPr>
+          <p:cNvSpPr/>
+          <p:nvPr/>
+        </p:nvSpPr>
+        <p:spPr>
+          <a:xfrm>
+            <a:off x="347453" y="2110224"/>
+            <a:ext cx="1466859" cy="230512"/>
+          </a:xfrm>
+          <a:prstGeom prst="rect">
+            <a:avLst/>
+          </a:prstGeom>
+        </p:spPr>
+        <p:style>
+          <a:lnRef idx="2">
+            <a:schemeClr val="accent1">
+              <a:shade val="50000"/>
+            </a:schemeClr>
+          </a:lnRef>
+          <a:fillRef idx="1">
+            <a:schemeClr val="accent1"/>
+          </a:fillRef>
+          <a:effectRef idx="0">
+            <a:schemeClr val="accent1"/>
+          </a:effectRef>
+          <a:fontRef idx="minor">
+            <a:schemeClr val="lt1"/>
+          </a:fontRef>
+        </p:style>
+        <p:txBody>
+          <a:bodyPr rtlCol="0" anchor="ctr"/>
+          <a:lstStyle/>
+          <a:p>
+            <a:pPr algn="ctr"/>
+            <a:r>
+              <a:rPr lang="en-US" altLang="ko-KR" sz="900" dirty="0"/>
+              <a:t>[1:0] </a:t>
+            </a:r>
+            <a:r>
+              <a:rPr lang="en-US" altLang="ko-KR" sz="900" dirty="0" err="1"/>
+              <a:t>DAC_sdi</a:t>
+            </a:r>
+            <a:endParaRPr lang="ko-KR" altLang="en-US" sz="900" dirty="0"/>
+          </a:p>
+        </p:txBody>
+      </p:sp>
+      <p:sp>
+        <p:nvSpPr>
+          <p:cNvPr id="52" name="직사각형 51">
+            <a:extLst>
+              <a:ext uri="{FF2B5EF4-FFF2-40B4-BE49-F238E27FC236}">
+                <a16:creationId xmlns:a16="http://schemas.microsoft.com/office/drawing/2014/main" id="{C578E526-233F-42E8-8CAD-1CCCBFD3E9D6}"/>
+              </a:ext>
+            </a:extLst>
+          </p:cNvPr>
+          <p:cNvSpPr/>
+          <p:nvPr/>
+        </p:nvSpPr>
+        <p:spPr>
+          <a:xfrm>
+            <a:off x="2281893" y="866768"/>
+            <a:ext cx="830677" cy="230832"/>
+          </a:xfrm>
+          <a:prstGeom prst="rect">
+            <a:avLst/>
+          </a:prstGeom>
+        </p:spPr>
+        <p:txBody>
+          <a:bodyPr wrap="none">
+            <a:spAutoFit/>
+          </a:bodyPr>
+          <a:lstStyle/>
+          <a:p>
+            <a:r>
+              <a:rPr lang="en-US" altLang="ko-KR" sz="900" dirty="0" err="1"/>
+              <a:t>DAC_start</a:t>
+            </a:r>
+            <a:r>
+              <a:rPr lang="en-US" altLang="ko-KR" sz="900" dirty="0"/>
+              <a:t>[0]</a:t>
+            </a:r>
+            <a:endParaRPr lang="ko-KR" altLang="en-US" sz="900" dirty="0"/>
+          </a:p>
+        </p:txBody>
+      </p:sp>
+      <p:sp>
+        <p:nvSpPr>
+          <p:cNvPr id="53" name="직사각형 52">
+            <a:extLst>
+              <a:ext uri="{FF2B5EF4-FFF2-40B4-BE49-F238E27FC236}">
+                <a16:creationId xmlns:a16="http://schemas.microsoft.com/office/drawing/2014/main" id="{6160BDF6-5548-4A7C-808F-AA592F95B510}"/>
+              </a:ext>
+            </a:extLst>
+          </p:cNvPr>
+          <p:cNvSpPr/>
+          <p:nvPr/>
+        </p:nvSpPr>
+        <p:spPr>
+          <a:xfrm>
+            <a:off x="2281893" y="1428496"/>
+            <a:ext cx="792205" cy="230832"/>
+          </a:xfrm>
+          <a:prstGeom prst="rect">
+            <a:avLst/>
+          </a:prstGeom>
+        </p:spPr>
+        <p:txBody>
+          <a:bodyPr wrap="none">
+            <a:spAutoFit/>
+          </a:bodyPr>
+          <a:lstStyle/>
+          <a:p>
+            <a:r>
+              <a:rPr lang="en-US" altLang="ko-KR" sz="900" dirty="0" err="1"/>
+              <a:t>DAC_sclk</a:t>
+            </a:r>
+            <a:r>
+              <a:rPr lang="en-US" altLang="ko-KR" sz="900" dirty="0"/>
+              <a:t>[0]</a:t>
+            </a:r>
+            <a:endParaRPr lang="ko-KR" altLang="en-US" sz="900" dirty="0"/>
+          </a:p>
+        </p:txBody>
+      </p:sp>
+      <p:sp>
+        <p:nvSpPr>
+          <p:cNvPr id="54" name="직사각형 53">
+            <a:extLst>
+              <a:ext uri="{FF2B5EF4-FFF2-40B4-BE49-F238E27FC236}">
+                <a16:creationId xmlns:a16="http://schemas.microsoft.com/office/drawing/2014/main" id="{A00B3324-0589-417D-9FA7-B259EC1BD9BC}"/>
+              </a:ext>
+            </a:extLst>
+          </p:cNvPr>
+          <p:cNvSpPr/>
+          <p:nvPr/>
+        </p:nvSpPr>
+        <p:spPr>
+          <a:xfrm>
+            <a:off x="2281893" y="1711602"/>
+            <a:ext cx="923651" cy="230832"/>
+          </a:xfrm>
+          <a:prstGeom prst="rect">
+            <a:avLst/>
+          </a:prstGeom>
+        </p:spPr>
+        <p:txBody>
+          <a:bodyPr wrap="none">
+            <a:spAutoFit/>
+          </a:bodyPr>
+          <a:lstStyle/>
+          <a:p>
+            <a:r>
+              <a:rPr lang="en-US" altLang="ko-KR" sz="900" dirty="0" err="1"/>
+              <a:t>DAC_cs_bar</a:t>
+            </a:r>
+            <a:r>
+              <a:rPr lang="en-US" altLang="ko-KR" sz="900" dirty="0"/>
+              <a:t>[0]</a:t>
+            </a:r>
+            <a:endParaRPr lang="ko-KR" altLang="en-US" sz="900" dirty="0"/>
+          </a:p>
+        </p:txBody>
+      </p:sp>
+      <p:sp>
+        <p:nvSpPr>
+          <p:cNvPr id="55" name="직사각형 54">
+            <a:extLst>
+              <a:ext uri="{FF2B5EF4-FFF2-40B4-BE49-F238E27FC236}">
+                <a16:creationId xmlns:a16="http://schemas.microsoft.com/office/drawing/2014/main" id="{34411C6A-4552-4681-B619-67AFF708D0D9}"/>
+              </a:ext>
+            </a:extLst>
+          </p:cNvPr>
+          <p:cNvSpPr/>
+          <p:nvPr/>
+        </p:nvSpPr>
+        <p:spPr>
+          <a:xfrm>
+            <a:off x="2281893" y="1993629"/>
+            <a:ext cx="748923" cy="230832"/>
+          </a:xfrm>
+          <a:prstGeom prst="rect">
+            <a:avLst/>
+          </a:prstGeom>
+        </p:spPr>
+        <p:txBody>
+          <a:bodyPr wrap="none">
+            <a:spAutoFit/>
+          </a:bodyPr>
+          <a:lstStyle/>
+          <a:p>
+            <a:r>
+              <a:rPr lang="en-US" altLang="ko-KR" sz="900" dirty="0" err="1"/>
+              <a:t>DAC_sdi</a:t>
+            </a:r>
+            <a:r>
+              <a:rPr lang="en-US" altLang="ko-KR" sz="900" dirty="0"/>
+              <a:t>[0]</a:t>
+            </a:r>
+            <a:endParaRPr lang="ko-KR" altLang="en-US" sz="900" dirty="0"/>
+          </a:p>
+        </p:txBody>
+      </p:sp>
+      <p:sp>
+        <p:nvSpPr>
+          <p:cNvPr id="56" name="직사각형 55">
+            <a:extLst>
+              <a:ext uri="{FF2B5EF4-FFF2-40B4-BE49-F238E27FC236}">
+                <a16:creationId xmlns:a16="http://schemas.microsoft.com/office/drawing/2014/main" id="{435EB8C0-2D0F-4D4B-B7C9-32FDDCC9E86E}"/>
+              </a:ext>
+            </a:extLst>
+          </p:cNvPr>
+          <p:cNvSpPr/>
+          <p:nvPr/>
+        </p:nvSpPr>
+        <p:spPr>
+          <a:xfrm>
+            <a:off x="2281893" y="2278772"/>
+            <a:ext cx="843501" cy="230832"/>
+          </a:xfrm>
+          <a:prstGeom prst="rect">
+            <a:avLst/>
+          </a:prstGeom>
+        </p:spPr>
+        <p:txBody>
+          <a:bodyPr wrap="none">
+            <a:spAutoFit/>
+          </a:bodyPr>
+          <a:lstStyle/>
+          <a:p>
+            <a:r>
+              <a:rPr lang="en-US" altLang="ko-KR" sz="900" dirty="0" err="1"/>
+              <a:t>DAC_busy</a:t>
+            </a:r>
+            <a:r>
+              <a:rPr lang="en-US" altLang="ko-KR" sz="900" dirty="0"/>
+              <a:t>[0]</a:t>
+            </a:r>
+            <a:endParaRPr lang="ko-KR" altLang="en-US" sz="900" dirty="0"/>
+          </a:p>
+        </p:txBody>
+      </p:sp>
+      <p:sp>
+        <p:nvSpPr>
+          <p:cNvPr id="57" name="직사각형 56">
+            <a:extLst>
+              <a:ext uri="{FF2B5EF4-FFF2-40B4-BE49-F238E27FC236}">
+                <a16:creationId xmlns:a16="http://schemas.microsoft.com/office/drawing/2014/main" id="{ECC1D34C-55CA-40F2-9DF8-EF0476E53B73}"/>
+              </a:ext>
+            </a:extLst>
+          </p:cNvPr>
+          <p:cNvSpPr/>
+          <p:nvPr/>
+        </p:nvSpPr>
+        <p:spPr>
+          <a:xfrm>
+            <a:off x="2281893" y="3104791"/>
+            <a:ext cx="830677" cy="230832"/>
+          </a:xfrm>
+          <a:prstGeom prst="rect">
+            <a:avLst/>
+          </a:prstGeom>
+        </p:spPr>
+        <p:txBody>
+          <a:bodyPr wrap="none">
+            <a:spAutoFit/>
+          </a:bodyPr>
+          <a:lstStyle/>
+          <a:p>
+            <a:r>
+              <a:rPr lang="en-US" altLang="ko-KR" sz="900" dirty="0" err="1"/>
+              <a:t>DAC_start</a:t>
+            </a:r>
+            <a:r>
+              <a:rPr lang="en-US" altLang="ko-KR" sz="900" dirty="0"/>
+              <a:t>[1]</a:t>
+            </a:r>
+            <a:endParaRPr lang="ko-KR" altLang="en-US" sz="900" dirty="0"/>
+          </a:p>
+        </p:txBody>
+      </p:sp>
+      <p:sp>
+        <p:nvSpPr>
+          <p:cNvPr id="58" name="직사각형 57">
+            <a:extLst>
+              <a:ext uri="{FF2B5EF4-FFF2-40B4-BE49-F238E27FC236}">
+                <a16:creationId xmlns:a16="http://schemas.microsoft.com/office/drawing/2014/main" id="{693B94B0-273D-4954-8FAE-7662383643CD}"/>
+              </a:ext>
+            </a:extLst>
+          </p:cNvPr>
+          <p:cNvSpPr/>
+          <p:nvPr/>
+        </p:nvSpPr>
+        <p:spPr>
+          <a:xfrm>
+            <a:off x="2281893" y="3666519"/>
+            <a:ext cx="792205" cy="230832"/>
+          </a:xfrm>
+          <a:prstGeom prst="rect">
+            <a:avLst/>
+          </a:prstGeom>
+        </p:spPr>
+        <p:txBody>
+          <a:bodyPr wrap="none">
+            <a:spAutoFit/>
+          </a:bodyPr>
+          <a:lstStyle/>
+          <a:p>
+            <a:r>
+              <a:rPr lang="en-US" altLang="ko-KR" sz="900" dirty="0" err="1"/>
+              <a:t>DAC_sclk</a:t>
+            </a:r>
+            <a:r>
+              <a:rPr lang="en-US" altLang="ko-KR" sz="900" dirty="0"/>
+              <a:t>[1]</a:t>
+            </a:r>
+            <a:endParaRPr lang="ko-KR" altLang="en-US" sz="900" dirty="0"/>
+          </a:p>
+        </p:txBody>
+      </p:sp>
+      <p:sp>
+        <p:nvSpPr>
+          <p:cNvPr id="59" name="직사각형 58">
+            <a:extLst>
+              <a:ext uri="{FF2B5EF4-FFF2-40B4-BE49-F238E27FC236}">
+                <a16:creationId xmlns:a16="http://schemas.microsoft.com/office/drawing/2014/main" id="{7A0C0326-A2AB-4CE3-966E-F1335E7D55AD}"/>
+              </a:ext>
+            </a:extLst>
+          </p:cNvPr>
+          <p:cNvSpPr/>
+          <p:nvPr/>
+        </p:nvSpPr>
+        <p:spPr>
+          <a:xfrm>
+            <a:off x="2281893" y="3949625"/>
+            <a:ext cx="923651" cy="230832"/>
+          </a:xfrm>
+          <a:prstGeom prst="rect">
+            <a:avLst/>
+          </a:prstGeom>
+        </p:spPr>
+        <p:txBody>
+          <a:bodyPr wrap="none">
+            <a:spAutoFit/>
+          </a:bodyPr>
+          <a:lstStyle/>
+          <a:p>
+            <a:r>
+              <a:rPr lang="en-US" altLang="ko-KR" sz="900" dirty="0" err="1"/>
+              <a:t>DAC_cs_bar</a:t>
+            </a:r>
+            <a:r>
+              <a:rPr lang="en-US" altLang="ko-KR" sz="900" dirty="0"/>
+              <a:t>[1]</a:t>
+            </a:r>
+            <a:endParaRPr lang="ko-KR" altLang="en-US" sz="900" dirty="0"/>
+          </a:p>
+        </p:txBody>
+      </p:sp>
+      <p:sp>
+        <p:nvSpPr>
+          <p:cNvPr id="60" name="직사각형 59">
+            <a:extLst>
+              <a:ext uri="{FF2B5EF4-FFF2-40B4-BE49-F238E27FC236}">
+                <a16:creationId xmlns:a16="http://schemas.microsoft.com/office/drawing/2014/main" id="{B7E56D85-01E7-4691-86C7-88545A796FC0}"/>
+              </a:ext>
+            </a:extLst>
+          </p:cNvPr>
+          <p:cNvSpPr/>
+          <p:nvPr/>
+        </p:nvSpPr>
+        <p:spPr>
+          <a:xfrm>
+            <a:off x="2281893" y="4231652"/>
+            <a:ext cx="748923" cy="230832"/>
+          </a:xfrm>
+          <a:prstGeom prst="rect">
+            <a:avLst/>
+          </a:prstGeom>
+        </p:spPr>
+        <p:txBody>
+          <a:bodyPr wrap="none">
+            <a:spAutoFit/>
+          </a:bodyPr>
+          <a:lstStyle/>
+          <a:p>
+            <a:r>
+              <a:rPr lang="en-US" altLang="ko-KR" sz="900" dirty="0" err="1"/>
+              <a:t>DAC_sdi</a:t>
+            </a:r>
+            <a:r>
+              <a:rPr lang="en-US" altLang="ko-KR" sz="900" dirty="0"/>
+              <a:t>[1]</a:t>
+            </a:r>
+            <a:endParaRPr lang="ko-KR" altLang="en-US" sz="900" dirty="0"/>
+          </a:p>
+        </p:txBody>
+      </p:sp>
+      <p:sp>
+        <p:nvSpPr>
+          <p:cNvPr id="61" name="직사각형 60">
+            <a:extLst>
+              <a:ext uri="{FF2B5EF4-FFF2-40B4-BE49-F238E27FC236}">
+                <a16:creationId xmlns:a16="http://schemas.microsoft.com/office/drawing/2014/main" id="{D6AED0C1-82EF-4D9B-B1A4-CEC3EA061F63}"/>
+              </a:ext>
+            </a:extLst>
+          </p:cNvPr>
+          <p:cNvSpPr/>
+          <p:nvPr/>
+        </p:nvSpPr>
+        <p:spPr>
+          <a:xfrm>
+            <a:off x="2281893" y="4516795"/>
+            <a:ext cx="843501" cy="230832"/>
+          </a:xfrm>
+          <a:prstGeom prst="rect">
+            <a:avLst/>
+          </a:prstGeom>
+        </p:spPr>
+        <p:txBody>
+          <a:bodyPr wrap="none">
+            <a:spAutoFit/>
+          </a:bodyPr>
+          <a:lstStyle/>
+          <a:p>
+            <a:r>
+              <a:rPr lang="en-US" altLang="ko-KR" sz="900" dirty="0" err="1"/>
+              <a:t>DAC_busy</a:t>
+            </a:r>
+            <a:r>
+              <a:rPr lang="en-US" altLang="ko-KR" sz="900" dirty="0"/>
+              <a:t>[1]</a:t>
+            </a:r>
+            <a:endParaRPr lang="ko-KR" altLang="en-US" sz="900" dirty="0"/>
+          </a:p>
+        </p:txBody>
+      </p:sp>
+      <p:grpSp>
+        <p:nvGrpSpPr>
+          <p:cNvPr id="71" name="그룹 70">
+            <a:extLst>
+              <a:ext uri="{FF2B5EF4-FFF2-40B4-BE49-F238E27FC236}">
+                <a16:creationId xmlns:a16="http://schemas.microsoft.com/office/drawing/2014/main" id="{DBD03AEC-6894-4BE5-9CC6-8ED7A6EB3520}"/>
+              </a:ext>
+            </a:extLst>
+          </p:cNvPr>
+          <p:cNvGrpSpPr/>
+          <p:nvPr/>
+        </p:nvGrpSpPr>
+        <p:grpSpPr>
+          <a:xfrm>
+            <a:off x="9724545" y="467796"/>
+            <a:ext cx="2120002" cy="789668"/>
+            <a:chOff x="2800341" y="421270"/>
+            <a:chExt cx="2120002" cy="789668"/>
+          </a:xfrm>
+        </p:grpSpPr>
+        <p:sp>
+          <p:nvSpPr>
+            <p:cNvPr id="72" name="직사각형 71">
+              <a:extLst>
+                <a:ext uri="{FF2B5EF4-FFF2-40B4-BE49-F238E27FC236}">
+                  <a16:creationId xmlns:a16="http://schemas.microsoft.com/office/drawing/2014/main" id="{DF7E2AB4-3D2C-4492-BDB4-2C8749DFE6FE}"/>
+                </a:ext>
+              </a:extLst>
+            </p:cNvPr>
+            <p:cNvSpPr/>
+            <p:nvPr/>
+          </p:nvSpPr>
+          <p:spPr>
+            <a:xfrm>
+              <a:off x="2800341" y="421270"/>
+              <a:ext cx="2120002" cy="789668"/>
+            </a:xfrm>
+            <a:prstGeom prst="rect">
+              <a:avLst/>
+            </a:prstGeom>
+            <a:solidFill>
+              <a:schemeClr val="bg1"/>
+            </a:solidFill>
+          </p:spPr>
+          <p:style>
+            <a:lnRef idx="2">
+              <a:schemeClr val="accent1">
+                <a:shade val="50000"/>
+              </a:schemeClr>
+            </a:lnRef>
+            <a:fillRef idx="1">
+              <a:schemeClr val="accent1"/>
+            </a:fillRef>
+            <a:effectRef idx="0">
+              <a:schemeClr val="accent1"/>
+            </a:effectRef>
+            <a:fontRef idx="minor">
+              <a:schemeClr val="lt1"/>
+            </a:fontRef>
+          </p:style>
+          <p:txBody>
+            <a:bodyPr rtlCol="0" anchor="t"/>
+            <a:lstStyle/>
+            <a:p>
+              <a:pPr algn="ctr"/>
+              <a:r>
+                <a:rPr lang="en-US" altLang="ko-KR" sz="900" dirty="0">
+                  <a:solidFill>
+                    <a:schemeClr val="tx1"/>
+                  </a:solidFill>
+                </a:rPr>
+                <a:t>dac0(DAC8734)</a:t>
+              </a:r>
+              <a:endParaRPr lang="ko-KR" altLang="en-US" sz="900" dirty="0"/>
+            </a:p>
+          </p:txBody>
+        </p:sp>
+        <p:sp>
+          <p:nvSpPr>
+            <p:cNvPr id="73" name="직사각형 72">
+              <a:extLst>
+                <a:ext uri="{FF2B5EF4-FFF2-40B4-BE49-F238E27FC236}">
+                  <a16:creationId xmlns:a16="http://schemas.microsoft.com/office/drawing/2014/main" id="{51FF6C0F-CF38-492C-8591-C351BFE1A493}"/>
+                </a:ext>
+              </a:extLst>
+            </p:cNvPr>
+            <p:cNvSpPr/>
+            <p:nvPr/>
+          </p:nvSpPr>
+          <p:spPr>
+            <a:xfrm>
+              <a:off x="2800341" y="639438"/>
+              <a:ext cx="1466859" cy="230512"/>
+            </a:xfrm>
+            <a:prstGeom prst="rect">
+              <a:avLst/>
+            </a:prstGeom>
+            <a:noFill/>
+            <a:ln>
+              <a:noFill/>
+            </a:ln>
+          </p:spPr>
+          <p:style>
+            <a:lnRef idx="2">
+              <a:schemeClr val="accent1">
+                <a:shade val="50000"/>
+              </a:schemeClr>
+            </a:lnRef>
+            <a:fillRef idx="1">
+              <a:schemeClr val="accent1"/>
+            </a:fillRef>
+            <a:effectRef idx="0">
+              <a:schemeClr val="accent1"/>
+            </a:effectRef>
+            <a:fontRef idx="minor">
+              <a:schemeClr val="lt1"/>
+            </a:fontRef>
+          </p:style>
+          <p:txBody>
+            <a:bodyPr rtlCol="0" anchor="ctr"/>
+            <a:lstStyle/>
+            <a:p>
+              <a:r>
+                <a:rPr lang="en-US" altLang="ko-KR" sz="900" dirty="0" err="1">
+                  <a:solidFill>
+                    <a:schemeClr val="tx1"/>
+                  </a:solidFill>
+                </a:rPr>
+                <a:t>clk</a:t>
+              </a:r>
+              <a:endParaRPr lang="ko-KR" altLang="en-US" sz="900" dirty="0">
+                <a:solidFill>
+                  <a:schemeClr val="tx1"/>
+                </a:solidFill>
+              </a:endParaRPr>
+            </a:p>
+          </p:txBody>
+        </p:sp>
+        <p:sp>
+          <p:nvSpPr>
+            <p:cNvPr id="74" name="직사각형 73">
+              <a:extLst>
+                <a:ext uri="{FF2B5EF4-FFF2-40B4-BE49-F238E27FC236}">
+                  <a16:creationId xmlns:a16="http://schemas.microsoft.com/office/drawing/2014/main" id="{6B5B5E04-44FC-42F1-86EF-DEE0D6179EB5}"/>
+                </a:ext>
+              </a:extLst>
+            </p:cNvPr>
+            <p:cNvSpPr/>
+            <p:nvPr/>
+          </p:nvSpPr>
+          <p:spPr>
+            <a:xfrm>
+              <a:off x="2800341" y="925188"/>
+              <a:ext cx="1466859" cy="230512"/>
+            </a:xfrm>
+            <a:prstGeom prst="rect">
+              <a:avLst/>
+            </a:prstGeom>
+            <a:noFill/>
+            <a:ln>
+              <a:noFill/>
+            </a:ln>
+          </p:spPr>
+          <p:style>
+            <a:lnRef idx="2">
+              <a:schemeClr val="accent1">
+                <a:shade val="50000"/>
+              </a:schemeClr>
+            </a:lnRef>
+            <a:fillRef idx="1">
+              <a:schemeClr val="accent1"/>
+            </a:fillRef>
+            <a:effectRef idx="0">
+              <a:schemeClr val="accent1"/>
+            </a:effectRef>
+            <a:fontRef idx="minor">
+              <a:schemeClr val="lt1"/>
+            </a:fontRef>
+          </p:style>
+          <p:txBody>
+            <a:bodyPr rtlCol="0" anchor="ctr"/>
+            <a:lstStyle/>
+            <a:p>
+              <a:r>
+                <a:rPr lang="en-US" altLang="ko-KR" sz="900" dirty="0">
+                  <a:solidFill>
+                    <a:schemeClr val="tx1"/>
+                  </a:solidFill>
+                </a:rPr>
+                <a:t>DNA</a:t>
+              </a:r>
+              <a:endParaRPr lang="ko-KR" altLang="en-US" sz="900" dirty="0">
+                <a:solidFill>
+                  <a:schemeClr val="tx1"/>
+                </a:solidFill>
+              </a:endParaRPr>
+            </a:p>
+          </p:txBody>
+        </p:sp>
+      </p:grpSp>
+      <p:sp>
+        <p:nvSpPr>
+          <p:cNvPr id="80" name="화살표: 오각형 79">
+            <a:extLst>
+              <a:ext uri="{FF2B5EF4-FFF2-40B4-BE49-F238E27FC236}">
+                <a16:creationId xmlns:a16="http://schemas.microsoft.com/office/drawing/2014/main" id="{C2B7F105-EF50-4868-A197-BCD376E86E12}"/>
+              </a:ext>
+            </a:extLst>
+          </p:cNvPr>
+          <p:cNvSpPr/>
+          <p:nvPr/>
+        </p:nvSpPr>
+        <p:spPr>
+          <a:xfrm>
+            <a:off x="7716348" y="683436"/>
+            <a:ext cx="1082676" cy="228600"/>
+          </a:xfrm>
+          <a:prstGeom prst="homePlate">
+            <a:avLst/>
+          </a:prstGeom>
+          <a:solidFill>
+            <a:schemeClr val="accent2">
+              <a:lumMod val="75000"/>
+            </a:schemeClr>
+          </a:solidFill>
+          <a:ln>
+            <a:solidFill>
+              <a:schemeClr val="accent2">
+                <a:lumMod val="50000"/>
+              </a:schemeClr>
+            </a:solidFill>
+          </a:ln>
+        </p:spPr>
+        <p:style>
+          <a:lnRef idx="2">
+            <a:schemeClr val="accent1">
+              <a:shade val="50000"/>
+            </a:schemeClr>
+          </a:lnRef>
+          <a:fillRef idx="1">
+            <a:schemeClr val="accent1"/>
+          </a:fillRef>
+          <a:effectRef idx="0">
+            <a:schemeClr val="accent1"/>
+          </a:effectRef>
+          <a:fontRef idx="minor">
+            <a:schemeClr val="lt1"/>
+          </a:fontRef>
+        </p:style>
+        <p:txBody>
+          <a:bodyPr rtlCol="0" anchor="ctr"/>
+          <a:lstStyle/>
+          <a:p>
+            <a:pPr algn="ctr"/>
+            <a:r>
+              <a:rPr lang="en-US" altLang="ko-KR" sz="900" dirty="0"/>
+              <a:t>CLK100MHZ</a:t>
+            </a:r>
+            <a:endParaRPr lang="ko-KR" altLang="en-US" sz="900" dirty="0"/>
+          </a:p>
+        </p:txBody>
+      </p:sp>
+      <p:sp>
+        <p:nvSpPr>
+          <p:cNvPr id="81" name="직사각형 80">
+            <a:extLst>
+              <a:ext uri="{FF2B5EF4-FFF2-40B4-BE49-F238E27FC236}">
+                <a16:creationId xmlns:a16="http://schemas.microsoft.com/office/drawing/2014/main" id="{2B31E996-C93D-4437-BA35-24A3C13FD20F}"/>
+              </a:ext>
+            </a:extLst>
+          </p:cNvPr>
+          <p:cNvSpPr/>
+          <p:nvPr/>
+        </p:nvSpPr>
+        <p:spPr>
+          <a:xfrm>
+            <a:off x="7716348" y="971714"/>
+            <a:ext cx="1466859" cy="230512"/>
+          </a:xfrm>
+          <a:prstGeom prst="rect">
+            <a:avLst/>
+          </a:prstGeom>
+        </p:spPr>
+        <p:style>
+          <a:lnRef idx="2">
+            <a:schemeClr val="accent1">
+              <a:shade val="50000"/>
+            </a:schemeClr>
+          </a:lnRef>
+          <a:fillRef idx="1">
+            <a:schemeClr val="accent1"/>
+          </a:fillRef>
+          <a:effectRef idx="0">
+            <a:schemeClr val="accent1"/>
+          </a:effectRef>
+          <a:fontRef idx="minor">
+            <a:schemeClr val="lt1"/>
+          </a:fontRef>
+        </p:style>
+        <p:txBody>
+          <a:bodyPr rtlCol="0" anchor="ctr"/>
+          <a:lstStyle/>
+          <a:p>
+            <a:pPr algn="ctr"/>
+            <a:r>
+              <a:rPr lang="en-US" altLang="ko-KR" sz="900" dirty="0"/>
+              <a:t>[63:0] </a:t>
+            </a:r>
+            <a:r>
+              <a:rPr lang="en-US" altLang="ko-KR" sz="900" dirty="0" err="1"/>
+              <a:t>DNA_wire</a:t>
             </a:r>
             <a:endParaRPr lang="ko-KR" altLang="en-US" sz="900" dirty="0"/>
           </a:p>
@@ -20459,27 +23094,27 @@
       </p:sp>
       <p:cxnSp>
         <p:nvCxnSpPr>
-          <p:cNvPr id="7" name="연결선: 꺾임 6">
-            <a:extLst>
-              <a:ext uri="{FF2B5EF4-FFF2-40B4-BE49-F238E27FC236}">
-                <a16:creationId xmlns:a16="http://schemas.microsoft.com/office/drawing/2014/main" id="{9C5D18CB-650F-458F-878D-57D772099B73}"/>
+          <p:cNvPr id="82" name="연결선: 꺾임 81">
+            <a:extLst>
+              <a:ext uri="{FF2B5EF4-FFF2-40B4-BE49-F238E27FC236}">
+                <a16:creationId xmlns:a16="http://schemas.microsoft.com/office/drawing/2014/main" id="{DC24FC50-9E23-4028-90C5-EC9CFD07C819}"/>
               </a:ext>
             </a:extLst>
           </p:cNvPr>
           <p:cNvCxnSpPr>
             <a:cxnSpLocks/>
+            <a:stCxn id="80" idx="3"/>
+            <a:endCxn id="73" idx="1"/>
           </p:cNvCxnSpPr>
           <p:nvPr/>
         </p:nvCxnSpPr>
         <p:spPr>
           <a:xfrm>
-            <a:off x="1612137" y="337506"/>
-            <a:ext cx="1527347" cy="12700"/>
+            <a:off x="8799024" y="797736"/>
+            <a:ext cx="925521" cy="3484"/>
           </a:xfrm>
           <a:prstGeom prst="bentConnector3">
-            <a:avLst>
-              <a:gd name="adj1" fmla="val 8341"/>
-            </a:avLst>
+            <a:avLst/>
           </a:prstGeom>
         </p:spPr>
         <p:style>
@@ -20499,29 +23134,27 @@
       </p:cxnSp>
       <p:cxnSp>
         <p:nvCxnSpPr>
-          <p:cNvPr id="8" name="연결선: 꺾임 7">
-            <a:extLst>
-              <a:ext uri="{FF2B5EF4-FFF2-40B4-BE49-F238E27FC236}">
-                <a16:creationId xmlns:a16="http://schemas.microsoft.com/office/drawing/2014/main" id="{D39DEBAF-47C5-40D7-A4D4-1F004AEC2799}"/>
+          <p:cNvPr id="83" name="연결선: 꺾임 82">
+            <a:extLst>
+              <a:ext uri="{FF2B5EF4-FFF2-40B4-BE49-F238E27FC236}">
+                <a16:creationId xmlns:a16="http://schemas.microsoft.com/office/drawing/2014/main" id="{598CE816-4856-41D4-B773-6CD932338879}"/>
               </a:ext>
             </a:extLst>
           </p:cNvPr>
           <p:cNvCxnSpPr>
             <a:cxnSpLocks/>
-            <a:stCxn id="4" idx="3"/>
-            <a:endCxn id="5" idx="1"/>
+            <a:stCxn id="81" idx="3"/>
+            <a:endCxn id="74" idx="1"/>
           </p:cNvCxnSpPr>
           <p:nvPr/>
         </p:nvCxnSpPr>
         <p:spPr>
           <a:xfrm>
-            <a:off x="1642381" y="337506"/>
-            <a:ext cx="1527347" cy="314633"/>
+            <a:off x="9183207" y="1086970"/>
+            <a:ext cx="541338" cy="12700"/>
           </a:xfrm>
           <a:prstGeom prst="bentConnector3">
-            <a:avLst>
-              <a:gd name="adj1" fmla="val 6470"/>
-            </a:avLst>
+            <a:avLst/>
           </a:prstGeom>
         </p:spPr>
         <p:style>
@@ -20539,6 +23172,190 @@
           </a:fontRef>
         </p:style>
       </p:cxnSp>
+    </p:spTree>
+    <p:extLst>
+      <p:ext uri="{BB962C8B-B14F-4D97-AF65-F5344CB8AC3E}">
+        <p14:creationId xmlns:p14="http://schemas.microsoft.com/office/powerpoint/2010/main" val="1570581772"/>
+      </p:ext>
+    </p:extLst>
+  </p:cSld>
+  <p:clrMapOvr>
+    <a:masterClrMapping/>
+  </p:clrMapOvr>
+</p:sld>
+</file>
+
+<file path=ppt/slides/slide7.xml><?xml version="1.0" encoding="utf-8"?>
+<p:sld xmlns:a="http://schemas.openxmlformats.org/drawingml/2006/main" xmlns:r="http://schemas.openxmlformats.org/officeDocument/2006/relationships" xmlns:p="http://schemas.openxmlformats.org/presentationml/2006/main">
+  <p:cSld>
+    <p:spTree>
+      <p:nvGrpSpPr>
+        <p:cNvPr id="1" name=""/>
+        <p:cNvGrpSpPr/>
+        <p:nvPr/>
+      </p:nvGrpSpPr>
+      <p:grpSpPr>
+        <a:xfrm>
+          <a:off x="0" y="0"/>
+          <a:ext cx="0" cy="0"/>
+          <a:chOff x="0" y="0"/>
+          <a:chExt cx="0" cy="0"/>
+        </a:xfrm>
+      </p:grpSpPr>
+      <p:sp>
+        <p:nvSpPr>
+          <p:cNvPr id="4" name="직사각형 3">
+            <a:extLst>
+              <a:ext uri="{FF2B5EF4-FFF2-40B4-BE49-F238E27FC236}">
+                <a16:creationId xmlns:a16="http://schemas.microsoft.com/office/drawing/2014/main" id="{0587E537-8AE4-46D5-8377-DCECBC35F23D}"/>
+              </a:ext>
+            </a:extLst>
+          </p:cNvPr>
+          <p:cNvSpPr/>
+          <p:nvPr/>
+        </p:nvSpPr>
+        <p:spPr>
+          <a:xfrm>
+            <a:off x="175522" y="222250"/>
+            <a:ext cx="1466859" cy="230512"/>
+          </a:xfrm>
+          <a:prstGeom prst="rect">
+            <a:avLst/>
+          </a:prstGeom>
+        </p:spPr>
+        <p:style>
+          <a:lnRef idx="2">
+            <a:schemeClr val="accent1">
+              <a:shade val="50000"/>
+            </a:schemeClr>
+          </a:lnRef>
+          <a:fillRef idx="1">
+            <a:schemeClr val="accent1"/>
+          </a:fillRef>
+          <a:effectRef idx="0">
+            <a:schemeClr val="accent1"/>
+          </a:effectRef>
+          <a:fontRef idx="minor">
+            <a:schemeClr val="lt1"/>
+          </a:fontRef>
+        </p:style>
+        <p:txBody>
+          <a:bodyPr rtlCol="0" anchor="ctr"/>
+          <a:lstStyle/>
+          <a:p>
+            <a:pPr algn="ctr"/>
+            <a:r>
+              <a:rPr lang="en-US" altLang="ko-KR" sz="900" dirty="0"/>
+              <a:t>[2048:1] </a:t>
+            </a:r>
+            <a:r>
+              <a:rPr lang="en-US" altLang="ko-KR" sz="900" dirty="0" err="1"/>
+              <a:t>BTF_Buffer</a:t>
+            </a:r>
+            <a:endParaRPr lang="ko-KR" altLang="en-US" sz="900" dirty="0"/>
+          </a:p>
+        </p:txBody>
+      </p:sp>
+      <p:sp>
+        <p:nvSpPr>
+          <p:cNvPr id="5" name="직사각형 4">
+            <a:extLst>
+              <a:ext uri="{FF2B5EF4-FFF2-40B4-BE49-F238E27FC236}">
+                <a16:creationId xmlns:a16="http://schemas.microsoft.com/office/drawing/2014/main" id="{756B1AC9-12B1-4E8B-AA39-1928A5D1D12C}"/>
+              </a:ext>
+            </a:extLst>
+          </p:cNvPr>
+          <p:cNvSpPr/>
+          <p:nvPr/>
+        </p:nvSpPr>
+        <p:spPr>
+          <a:xfrm>
+            <a:off x="3169728" y="536883"/>
+            <a:ext cx="1466859" cy="230512"/>
+          </a:xfrm>
+          <a:prstGeom prst="rect">
+            <a:avLst/>
+          </a:prstGeom>
+        </p:spPr>
+        <p:style>
+          <a:lnRef idx="2">
+            <a:schemeClr val="accent1">
+              <a:shade val="50000"/>
+            </a:schemeClr>
+          </a:lnRef>
+          <a:fillRef idx="1">
+            <a:schemeClr val="accent1"/>
+          </a:fillRef>
+          <a:effectRef idx="0">
+            <a:schemeClr val="accent1"/>
+          </a:effectRef>
+          <a:fontRef idx="minor">
+            <a:schemeClr val="lt1"/>
+          </a:fontRef>
+        </p:style>
+        <p:txBody>
+          <a:bodyPr rtlCol="0" anchor="ctr"/>
+          <a:lstStyle/>
+          <a:p>
+            <a:pPr algn="ctr"/>
+            <a:r>
+              <a:rPr lang="en-US" altLang="ko-KR" sz="900" dirty="0"/>
+              <a:t>DDS2_update</a:t>
+            </a:r>
+            <a:endParaRPr lang="ko-KR" altLang="en-US" sz="900" dirty="0"/>
+          </a:p>
+        </p:txBody>
+      </p:sp>
+      <p:sp>
+        <p:nvSpPr>
+          <p:cNvPr id="6" name="직사각형 5">
+            <a:extLst>
+              <a:ext uri="{FF2B5EF4-FFF2-40B4-BE49-F238E27FC236}">
+                <a16:creationId xmlns:a16="http://schemas.microsoft.com/office/drawing/2014/main" id="{24342262-B791-471E-B370-C33BFB2FCD4C}"/>
+              </a:ext>
+            </a:extLst>
+          </p:cNvPr>
+          <p:cNvSpPr/>
+          <p:nvPr/>
+        </p:nvSpPr>
+        <p:spPr>
+          <a:xfrm>
+            <a:off x="3169728" y="222250"/>
+            <a:ext cx="1466859" cy="230512"/>
+          </a:xfrm>
+          <a:prstGeom prst="rect">
+            <a:avLst/>
+          </a:prstGeom>
+        </p:spPr>
+        <p:style>
+          <a:lnRef idx="2">
+            <a:schemeClr val="accent1">
+              <a:shade val="50000"/>
+            </a:schemeClr>
+          </a:lnRef>
+          <a:fillRef idx="1">
+            <a:schemeClr val="accent1"/>
+          </a:fillRef>
+          <a:effectRef idx="0">
+            <a:schemeClr val="accent1"/>
+          </a:effectRef>
+          <a:fontRef idx="minor">
+            <a:schemeClr val="lt1"/>
+          </a:fontRef>
+        </p:style>
+        <p:txBody>
+          <a:bodyPr rtlCol="0" anchor="ctr"/>
+          <a:lstStyle/>
+          <a:p>
+            <a:pPr algn="ctr"/>
+            <a:r>
+              <a:rPr lang="en-US" altLang="ko-KR" sz="900" dirty="0"/>
+              <a:t>DDS1_update</a:t>
+            </a:r>
+            <a:endParaRPr lang="ko-KR" altLang="en-US" sz="900" dirty="0"/>
+          </a:p>
+        </p:txBody>
+      </p:sp>
       <p:sp>
         <p:nvSpPr>
           <p:cNvPr id="13" name="직사각형 12">
@@ -20631,7 +23448,7 @@
         </p:nvGrpSpPr>
         <p:grpSpPr>
           <a:xfrm>
-            <a:off x="175521" y="961390"/>
+            <a:off x="175521" y="1855918"/>
             <a:ext cx="1466859" cy="230512"/>
             <a:chOff x="2962265" y="4647551"/>
             <a:chExt cx="1466859" cy="230512"/>
@@ -20755,7 +23572,7 @@
         </p:nvSpPr>
         <p:spPr>
           <a:xfrm>
-            <a:off x="3169727" y="959170"/>
+            <a:off x="3169727" y="1853698"/>
             <a:ext cx="1466859" cy="230512"/>
           </a:xfrm>
           <a:prstGeom prst="rect">
@@ -20795,48 +23612,6 @@
           </a:p>
         </p:txBody>
       </p:sp>
-      <p:cxnSp>
-        <p:nvCxnSpPr>
-          <p:cNvPr id="21" name="연결선: 꺾임 20">
-            <a:extLst>
-              <a:ext uri="{FF2B5EF4-FFF2-40B4-BE49-F238E27FC236}">
-                <a16:creationId xmlns:a16="http://schemas.microsoft.com/office/drawing/2014/main" id="{DC7D1284-FF26-49AC-9C94-0E34D4589DFE}"/>
-              </a:ext>
-            </a:extLst>
-          </p:cNvPr>
-          <p:cNvCxnSpPr>
-            <a:cxnSpLocks/>
-            <a:stCxn id="18" idx="3"/>
-            <a:endCxn id="20" idx="1"/>
-          </p:cNvCxnSpPr>
-          <p:nvPr/>
-        </p:nvCxnSpPr>
-        <p:spPr>
-          <a:xfrm flipV="1">
-            <a:off x="1642380" y="1074426"/>
-            <a:ext cx="1527347" cy="2220"/>
-          </a:xfrm>
-          <a:prstGeom prst="bentConnector3">
-            <a:avLst>
-              <a:gd name="adj1" fmla="val 50000"/>
-            </a:avLst>
-          </a:prstGeom>
-        </p:spPr>
-        <p:style>
-          <a:lnRef idx="1">
-            <a:schemeClr val="accent1"/>
-          </a:lnRef>
-          <a:fillRef idx="0">
-            <a:schemeClr val="accent1"/>
-          </a:fillRef>
-          <a:effectRef idx="0">
-            <a:schemeClr val="accent1"/>
-          </a:effectRef>
-          <a:fontRef idx="minor">
-            <a:schemeClr val="tx1"/>
-          </a:fontRef>
-        </p:style>
-      </p:cxnSp>
       <p:sp>
         <p:nvSpPr>
           <p:cNvPr id="22" name="직사각형 21">
@@ -20851,8 +23626,8 @@
         </p:nvSpPr>
         <p:spPr>
           <a:xfrm>
-            <a:off x="1698167" y="871874"/>
-            <a:ext cx="1415772" cy="230832"/>
+            <a:off x="1698167" y="1766402"/>
+            <a:ext cx="1495922" cy="230832"/>
           </a:xfrm>
           <a:prstGeom prst="rect">
             <a:avLst/>
@@ -20870,7 +23645,7 @@
             </a:r>
             <a:r>
               <a:rPr lang="en-US" altLang="ko-KR" sz="900" dirty="0"/>
-              <a:t>[64+5:64+1]</a:t>
+              <a:t>[64+5 : 64+1]</a:t>
             </a:r>
             <a:endParaRPr lang="ko-KR" altLang="en-US" sz="900" dirty="0"/>
           </a:p>
@@ -20890,7 +23665,7 @@
         </p:nvSpPr>
         <p:spPr>
           <a:xfrm>
-            <a:off x="3169727" y="1273803"/>
+            <a:off x="3169727" y="2168331"/>
             <a:ext cx="1466859" cy="230512"/>
           </a:xfrm>
           <a:prstGeom prst="rect">
@@ -20930,48 +23705,6 @@
           </a:p>
         </p:txBody>
       </p:sp>
-      <p:cxnSp>
-        <p:nvCxnSpPr>
-          <p:cNvPr id="26" name="연결선: 꺾임 25">
-            <a:extLst>
-              <a:ext uri="{FF2B5EF4-FFF2-40B4-BE49-F238E27FC236}">
-                <a16:creationId xmlns:a16="http://schemas.microsoft.com/office/drawing/2014/main" id="{06CF9B53-FF54-48E9-B56C-02A6E5D4B7B3}"/>
-              </a:ext>
-            </a:extLst>
-          </p:cNvPr>
-          <p:cNvCxnSpPr>
-            <a:cxnSpLocks/>
-            <a:stCxn id="18" idx="3"/>
-            <a:endCxn id="25" idx="1"/>
-          </p:cNvCxnSpPr>
-          <p:nvPr/>
-        </p:nvCxnSpPr>
-        <p:spPr>
-          <a:xfrm>
-            <a:off x="1642380" y="1076646"/>
-            <a:ext cx="1527347" cy="312413"/>
-          </a:xfrm>
-          <a:prstGeom prst="bentConnector3">
-            <a:avLst>
-              <a:gd name="adj1" fmla="val 6346"/>
-            </a:avLst>
-          </a:prstGeom>
-        </p:spPr>
-        <p:style>
-          <a:lnRef idx="1">
-            <a:schemeClr val="accent1"/>
-          </a:lnRef>
-          <a:fillRef idx="0">
-            <a:schemeClr val="accent1"/>
-          </a:fillRef>
-          <a:effectRef idx="0">
-            <a:schemeClr val="accent1"/>
-          </a:effectRef>
-          <a:fontRef idx="minor">
-            <a:schemeClr val="tx1"/>
-          </a:fontRef>
-        </p:style>
-      </p:cxnSp>
       <p:sp>
         <p:nvSpPr>
           <p:cNvPr id="30" name="직사각형 29">
@@ -20986,8 +23719,8 @@
         </p:nvSpPr>
         <p:spPr>
           <a:xfrm>
-            <a:off x="1698167" y="1156822"/>
-            <a:ext cx="1063112" cy="230832"/>
+            <a:off x="1698167" y="2051350"/>
+            <a:ext cx="1143262" cy="230832"/>
           </a:xfrm>
           <a:prstGeom prst="rect">
             <a:avLst/>
@@ -21005,7 +23738,7 @@
             </a:r>
             <a:r>
               <a:rPr lang="en-US" altLang="ko-KR" sz="900" dirty="0"/>
-              <a:t>[64:1]</a:t>
+              <a:t>[64 : 1]</a:t>
             </a:r>
             <a:endParaRPr lang="ko-KR" altLang="en-US" sz="900" dirty="0"/>
           </a:p>
@@ -21025,7 +23758,7 @@
         </p:nvGrpSpPr>
         <p:grpSpPr>
           <a:xfrm>
-            <a:off x="3169727" y="1736410"/>
+            <a:off x="3169727" y="2507935"/>
             <a:ext cx="1466859" cy="230512"/>
             <a:chOff x="2962265" y="4647551"/>
             <a:chExt cx="1466859" cy="230512"/>
@@ -21153,7 +23886,7 @@
         </p:nvCxnSpPr>
         <p:spPr>
           <a:xfrm rot="10800000">
-            <a:off x="4636586" y="1851666"/>
+            <a:off x="4636586" y="2623191"/>
             <a:ext cx="200202" cy="160"/>
           </a:xfrm>
           <a:prstGeom prst="bentConnector3">
@@ -21194,7 +23927,7 @@
         </p:nvSpPr>
         <p:spPr>
           <a:xfrm>
-            <a:off x="4836788" y="1736410"/>
+            <a:off x="4836788" y="2507935"/>
             <a:ext cx="862737" cy="230832"/>
           </a:xfrm>
           <a:prstGeom prst="rect">
@@ -21229,7 +23962,7 @@
         </p:nvSpPr>
         <p:spPr>
           <a:xfrm>
-            <a:off x="2761279" y="1752225"/>
+            <a:off x="2761279" y="2523750"/>
             <a:ext cx="195752" cy="195752"/>
           </a:xfrm>
           <a:prstGeom prst="ellipse">
@@ -21265,12 +23998,610 @@
           </a:p>
         </p:txBody>
       </p:sp>
+      <p:cxnSp>
+        <p:nvCxnSpPr>
+          <p:cNvPr id="54" name="연결선: 꺾임 53">
+            <a:extLst>
+              <a:ext uri="{FF2B5EF4-FFF2-40B4-BE49-F238E27FC236}">
+                <a16:creationId xmlns:a16="http://schemas.microsoft.com/office/drawing/2014/main" id="{98F6229F-2098-45BE-ACF7-1F91406293C3}"/>
+              </a:ext>
+            </a:extLst>
+          </p:cNvPr>
+          <p:cNvCxnSpPr>
+            <a:stCxn id="34" idx="2"/>
+            <a:endCxn id="48" idx="4"/>
+          </p:cNvCxnSpPr>
+          <p:nvPr/>
+        </p:nvCxnSpPr>
+        <p:spPr>
+          <a:xfrm rot="5400000" flipH="1">
+            <a:off x="3371683" y="2206974"/>
+            <a:ext cx="18945" cy="1044002"/>
+          </a:xfrm>
+          <a:prstGeom prst="bentConnector3">
+            <a:avLst>
+              <a:gd name="adj1" fmla="val -1206651"/>
+            </a:avLst>
+          </a:prstGeom>
+          <a:ln>
+            <a:tailEnd type="triangle"/>
+          </a:ln>
+        </p:spPr>
+        <p:style>
+          <a:lnRef idx="1">
+            <a:schemeClr val="accent1"/>
+          </a:lnRef>
+          <a:fillRef idx="0">
+            <a:schemeClr val="accent1"/>
+          </a:fillRef>
+          <a:effectRef idx="0">
+            <a:schemeClr val="accent1"/>
+          </a:effectRef>
+          <a:fontRef idx="minor">
+            <a:schemeClr val="tx1"/>
+          </a:fontRef>
+        </p:style>
+      </p:cxnSp>
+      <p:cxnSp>
+        <p:nvCxnSpPr>
+          <p:cNvPr id="56" name="직선 화살표 연결선 55">
+            <a:extLst>
+              <a:ext uri="{FF2B5EF4-FFF2-40B4-BE49-F238E27FC236}">
+                <a16:creationId xmlns:a16="http://schemas.microsoft.com/office/drawing/2014/main" id="{3C243508-2CBA-4815-B063-E63D99EA2DCF}"/>
+              </a:ext>
+            </a:extLst>
+          </p:cNvPr>
+          <p:cNvCxnSpPr>
+            <a:stCxn id="48" idx="6"/>
+            <a:endCxn id="34" idx="1"/>
+          </p:cNvCxnSpPr>
+          <p:nvPr/>
+        </p:nvCxnSpPr>
+        <p:spPr>
+          <a:xfrm>
+            <a:off x="2957031" y="2621626"/>
+            <a:ext cx="212696" cy="1565"/>
+          </a:xfrm>
+          <a:prstGeom prst="straightConnector1">
+            <a:avLst/>
+          </a:prstGeom>
+          <a:ln>
+            <a:tailEnd type="triangle"/>
+          </a:ln>
+        </p:spPr>
+        <p:style>
+          <a:lnRef idx="1">
+            <a:schemeClr val="accent1"/>
+          </a:lnRef>
+          <a:fillRef idx="0">
+            <a:schemeClr val="accent1"/>
+          </a:fillRef>
+          <a:effectRef idx="0">
+            <a:schemeClr val="accent1"/>
+          </a:effectRef>
+          <a:fontRef idx="minor">
+            <a:schemeClr val="tx1"/>
+          </a:fontRef>
+        </p:style>
+      </p:cxnSp>
+      <p:sp>
+        <p:nvSpPr>
+          <p:cNvPr id="58" name="직사각형 57">
+            <a:extLst>
+              <a:ext uri="{FF2B5EF4-FFF2-40B4-BE49-F238E27FC236}">
+                <a16:creationId xmlns:a16="http://schemas.microsoft.com/office/drawing/2014/main" id="{9EF7E63A-9A44-4022-96CC-ECA3A72B41CC}"/>
+              </a:ext>
+            </a:extLst>
+          </p:cNvPr>
+          <p:cNvSpPr/>
+          <p:nvPr/>
+        </p:nvSpPr>
+        <p:spPr>
+          <a:xfrm>
+            <a:off x="2356510" y="2507935"/>
+            <a:ext cx="237442" cy="230512"/>
+          </a:xfrm>
+          <a:prstGeom prst="rect">
+            <a:avLst/>
+          </a:prstGeom>
+        </p:spPr>
+        <p:style>
+          <a:lnRef idx="2">
+            <a:schemeClr val="accent1">
+              <a:shade val="50000"/>
+            </a:schemeClr>
+          </a:lnRef>
+          <a:fillRef idx="1">
+            <a:schemeClr val="accent1"/>
+          </a:fillRef>
+          <a:effectRef idx="0">
+            <a:schemeClr val="accent1"/>
+          </a:effectRef>
+          <a:fontRef idx="minor">
+            <a:schemeClr val="lt1"/>
+          </a:fontRef>
+        </p:style>
+        <p:txBody>
+          <a:bodyPr rtlCol="0" anchor="ctr"/>
+          <a:lstStyle/>
+          <a:p>
+            <a:pPr algn="ctr"/>
+            <a:r>
+              <a:rPr lang="en-US" altLang="ko-KR" sz="900" dirty="0"/>
+              <a:t>1</a:t>
+            </a:r>
+            <a:endParaRPr lang="ko-KR" altLang="en-US" sz="900" dirty="0"/>
+          </a:p>
+        </p:txBody>
+      </p:sp>
+      <p:cxnSp>
+        <p:nvCxnSpPr>
+          <p:cNvPr id="60" name="직선 화살표 연결선 59">
+            <a:extLst>
+              <a:ext uri="{FF2B5EF4-FFF2-40B4-BE49-F238E27FC236}">
+                <a16:creationId xmlns:a16="http://schemas.microsoft.com/office/drawing/2014/main" id="{BE205524-6BF1-41F8-91B5-D7AF37EF8865}"/>
+              </a:ext>
+            </a:extLst>
+          </p:cNvPr>
+          <p:cNvCxnSpPr>
+            <a:cxnSpLocks/>
+            <a:stCxn id="58" idx="3"/>
+            <a:endCxn id="48" idx="2"/>
+          </p:cNvCxnSpPr>
+          <p:nvPr/>
+        </p:nvCxnSpPr>
+        <p:spPr>
+          <a:xfrm flipV="1">
+            <a:off x="2593952" y="2621626"/>
+            <a:ext cx="167327" cy="1565"/>
+          </a:xfrm>
+          <a:prstGeom prst="straightConnector1">
+            <a:avLst/>
+          </a:prstGeom>
+          <a:ln>
+            <a:tailEnd type="triangle"/>
+          </a:ln>
+        </p:spPr>
+        <p:style>
+          <a:lnRef idx="1">
+            <a:schemeClr val="accent1"/>
+          </a:lnRef>
+          <a:fillRef idx="0">
+            <a:schemeClr val="accent1"/>
+          </a:fillRef>
+          <a:effectRef idx="0">
+            <a:schemeClr val="accent1"/>
+          </a:effectRef>
+          <a:fontRef idx="minor">
+            <a:schemeClr val="tx1"/>
+          </a:fontRef>
+        </p:style>
+      </p:cxnSp>
+      <p:sp>
+        <p:nvSpPr>
+          <p:cNvPr id="63" name="직사각형 62">
+            <a:extLst>
+              <a:ext uri="{FF2B5EF4-FFF2-40B4-BE49-F238E27FC236}">
+                <a16:creationId xmlns:a16="http://schemas.microsoft.com/office/drawing/2014/main" id="{8E4BA007-2979-4A7D-B51A-B8FA5CF8F019}"/>
+              </a:ext>
+            </a:extLst>
+          </p:cNvPr>
+          <p:cNvSpPr/>
+          <p:nvPr/>
+        </p:nvSpPr>
+        <p:spPr>
+          <a:xfrm>
+            <a:off x="175520" y="3203907"/>
+            <a:ext cx="1466859" cy="230512"/>
+          </a:xfrm>
+          <a:prstGeom prst="rect">
+            <a:avLst/>
+          </a:prstGeom>
+        </p:spPr>
+        <p:style>
+          <a:lnRef idx="2">
+            <a:schemeClr val="accent1">
+              <a:shade val="50000"/>
+            </a:schemeClr>
+          </a:lnRef>
+          <a:fillRef idx="1">
+            <a:schemeClr val="accent1"/>
+          </a:fillRef>
+          <a:effectRef idx="0">
+            <a:schemeClr val="accent1"/>
+          </a:effectRef>
+          <a:fontRef idx="minor">
+            <a:schemeClr val="lt1"/>
+          </a:fontRef>
+        </p:style>
+        <p:txBody>
+          <a:bodyPr rtlCol="0" anchor="ctr"/>
+          <a:lstStyle/>
+          <a:p>
+            <a:pPr algn="ctr"/>
+            <a:r>
+              <a:rPr lang="en-US" altLang="ko-KR" sz="900" dirty="0" err="1"/>
+              <a:t>DDS_clock</a:t>
+            </a:r>
+            <a:endParaRPr lang="ko-KR" altLang="en-US" sz="900" dirty="0"/>
+          </a:p>
+        </p:txBody>
+      </p:sp>
+      <p:cxnSp>
+        <p:nvCxnSpPr>
+          <p:cNvPr id="65" name="연결선: 꺾임 64">
+            <a:extLst>
+              <a:ext uri="{FF2B5EF4-FFF2-40B4-BE49-F238E27FC236}">
+                <a16:creationId xmlns:a16="http://schemas.microsoft.com/office/drawing/2014/main" id="{083E077B-516E-42B0-8E62-9F4160BF90BF}"/>
+              </a:ext>
+            </a:extLst>
+          </p:cNvPr>
+          <p:cNvCxnSpPr>
+            <a:cxnSpLocks/>
+            <a:stCxn id="34" idx="2"/>
+            <a:endCxn id="63" idx="0"/>
+          </p:cNvCxnSpPr>
+          <p:nvPr/>
+        </p:nvCxnSpPr>
+        <p:spPr>
+          <a:xfrm rot="5400000">
+            <a:off x="2173324" y="1474074"/>
+            <a:ext cx="465460" cy="2994207"/>
+          </a:xfrm>
+          <a:prstGeom prst="bentConnector3">
+            <a:avLst>
+              <a:gd name="adj1" fmla="val 50000"/>
+            </a:avLst>
+          </a:prstGeom>
+          <a:ln>
+            <a:tailEnd type="triangle"/>
+          </a:ln>
+        </p:spPr>
+        <p:style>
+          <a:lnRef idx="1">
+            <a:schemeClr val="accent1"/>
+          </a:lnRef>
+          <a:fillRef idx="0">
+            <a:schemeClr val="accent1"/>
+          </a:fillRef>
+          <a:effectRef idx="0">
+            <a:schemeClr val="accent1"/>
+          </a:effectRef>
+          <a:fontRef idx="minor">
+            <a:schemeClr val="tx1"/>
+          </a:fontRef>
+        </p:style>
+      </p:cxnSp>
+      <p:sp>
+        <p:nvSpPr>
+          <p:cNvPr id="69" name="직사각형 68">
+            <a:extLst>
+              <a:ext uri="{FF2B5EF4-FFF2-40B4-BE49-F238E27FC236}">
+                <a16:creationId xmlns:a16="http://schemas.microsoft.com/office/drawing/2014/main" id="{3BCF3D57-4812-4E20-ADC8-A25C4C9DFB94}"/>
+              </a:ext>
+            </a:extLst>
+          </p:cNvPr>
+          <p:cNvSpPr/>
+          <p:nvPr/>
+        </p:nvSpPr>
+        <p:spPr>
+          <a:xfrm>
+            <a:off x="3835847" y="2826550"/>
+            <a:ext cx="1715534" cy="230832"/>
+          </a:xfrm>
+          <a:prstGeom prst="rect">
+            <a:avLst/>
+          </a:prstGeom>
+        </p:spPr>
+        <p:txBody>
+          <a:bodyPr wrap="none">
+            <a:spAutoFit/>
+          </a:bodyPr>
+          <a:lstStyle/>
+          <a:p>
+            <a:r>
+              <a:rPr lang="en-US" altLang="ko-KR" sz="900" dirty="0" err="1"/>
+              <a:t>DDS_slow_clock</a:t>
+            </a:r>
+            <a:r>
+              <a:rPr lang="en-US" altLang="ko-KR" sz="900" dirty="0"/>
+              <a:t>[3] (6.25MHz)</a:t>
+            </a:r>
+            <a:endParaRPr lang="ko-KR" altLang="en-US" sz="900" dirty="0"/>
+          </a:p>
+        </p:txBody>
+      </p:sp>
+      <p:sp>
+        <p:nvSpPr>
+          <p:cNvPr id="36" name="직사각형 35">
+            <a:extLst>
+              <a:ext uri="{FF2B5EF4-FFF2-40B4-BE49-F238E27FC236}">
+                <a16:creationId xmlns:a16="http://schemas.microsoft.com/office/drawing/2014/main" id="{09F6FEEE-4CBF-4784-88EF-0B869F875AFB}"/>
+              </a:ext>
+            </a:extLst>
+          </p:cNvPr>
+          <p:cNvSpPr/>
+          <p:nvPr/>
+        </p:nvSpPr>
+        <p:spPr>
+          <a:xfrm>
+            <a:off x="175521" y="3551259"/>
+            <a:ext cx="1466859" cy="230512"/>
+          </a:xfrm>
+          <a:prstGeom prst="rect">
+            <a:avLst/>
+          </a:prstGeom>
+        </p:spPr>
+        <p:style>
+          <a:lnRef idx="2">
+            <a:schemeClr val="accent1">
+              <a:shade val="50000"/>
+            </a:schemeClr>
+          </a:lnRef>
+          <a:fillRef idx="1">
+            <a:schemeClr val="accent1"/>
+          </a:fillRef>
+          <a:effectRef idx="0">
+            <a:schemeClr val="accent1"/>
+          </a:effectRef>
+          <a:fontRef idx="minor">
+            <a:schemeClr val="lt1"/>
+          </a:fontRef>
+        </p:style>
+        <p:txBody>
+          <a:bodyPr rtlCol="0" anchor="ctr"/>
+          <a:lstStyle/>
+          <a:p>
+            <a:pPr algn="ctr"/>
+            <a:r>
+              <a:rPr lang="en-US" altLang="ko-KR" sz="900" dirty="0"/>
+              <a:t>rcsbar_1</a:t>
+            </a:r>
+            <a:endParaRPr lang="ko-KR" altLang="en-US" sz="900" dirty="0"/>
+          </a:p>
+        </p:txBody>
+      </p:sp>
+      <p:sp>
+        <p:nvSpPr>
+          <p:cNvPr id="37" name="직사각형 36">
+            <a:extLst>
+              <a:ext uri="{FF2B5EF4-FFF2-40B4-BE49-F238E27FC236}">
+                <a16:creationId xmlns:a16="http://schemas.microsoft.com/office/drawing/2014/main" id="{A78D4106-7DAF-4C98-945B-A2A6530CD7CB}"/>
+              </a:ext>
+            </a:extLst>
+          </p:cNvPr>
+          <p:cNvSpPr/>
+          <p:nvPr/>
+        </p:nvSpPr>
+        <p:spPr>
+          <a:xfrm>
+            <a:off x="175521" y="3898610"/>
+            <a:ext cx="1466859" cy="230512"/>
+          </a:xfrm>
+          <a:prstGeom prst="rect">
+            <a:avLst/>
+          </a:prstGeom>
+        </p:spPr>
+        <p:style>
+          <a:lnRef idx="2">
+            <a:schemeClr val="accent1">
+              <a:shade val="50000"/>
+            </a:schemeClr>
+          </a:lnRef>
+          <a:fillRef idx="1">
+            <a:schemeClr val="accent1"/>
+          </a:fillRef>
+          <a:effectRef idx="0">
+            <a:schemeClr val="accent1"/>
+          </a:effectRef>
+          <a:fontRef idx="minor">
+            <a:schemeClr val="lt1"/>
+          </a:fontRef>
+        </p:style>
+        <p:txBody>
+          <a:bodyPr rtlCol="0" anchor="ctr"/>
+          <a:lstStyle/>
+          <a:p>
+            <a:pPr algn="ctr"/>
+            <a:r>
+              <a:rPr lang="en-US" altLang="ko-KR" sz="900" dirty="0"/>
+              <a:t>rcsbar_2</a:t>
+            </a:r>
+            <a:endParaRPr lang="ko-KR" altLang="en-US" sz="900" dirty="0"/>
+          </a:p>
+        </p:txBody>
+      </p:sp>
+      <p:sp>
+        <p:nvSpPr>
+          <p:cNvPr id="38" name="직사각형 37">
+            <a:extLst>
+              <a:ext uri="{FF2B5EF4-FFF2-40B4-BE49-F238E27FC236}">
+                <a16:creationId xmlns:a16="http://schemas.microsoft.com/office/drawing/2014/main" id="{04D2078A-DE31-44B8-8772-42F1426C9A64}"/>
+              </a:ext>
+            </a:extLst>
+          </p:cNvPr>
+          <p:cNvSpPr/>
+          <p:nvPr/>
+        </p:nvSpPr>
+        <p:spPr>
+          <a:xfrm>
+            <a:off x="3169727" y="3211527"/>
+            <a:ext cx="1466859" cy="230512"/>
+          </a:xfrm>
+          <a:prstGeom prst="rect">
+            <a:avLst/>
+          </a:prstGeom>
+        </p:spPr>
+        <p:style>
+          <a:lnRef idx="2">
+            <a:schemeClr val="accent1">
+              <a:shade val="50000"/>
+            </a:schemeClr>
+          </a:lnRef>
+          <a:fillRef idx="1">
+            <a:schemeClr val="accent1"/>
+          </a:fillRef>
+          <a:effectRef idx="0">
+            <a:schemeClr val="accent1"/>
+          </a:effectRef>
+          <a:fontRef idx="minor">
+            <a:schemeClr val="lt1"/>
+          </a:fontRef>
+        </p:style>
+        <p:txBody>
+          <a:bodyPr rtlCol="0" anchor="ctr"/>
+          <a:lstStyle/>
+          <a:p>
+            <a:pPr algn="ctr"/>
+            <a:r>
+              <a:rPr lang="en-US" altLang="ko-KR" sz="900" dirty="0" err="1"/>
+              <a:t>rsclk</a:t>
+            </a:r>
+            <a:endParaRPr lang="ko-KR" altLang="en-US" sz="900" dirty="0"/>
+          </a:p>
+        </p:txBody>
+      </p:sp>
+      <p:cxnSp>
+        <p:nvCxnSpPr>
+          <p:cNvPr id="57" name="연결선: 꺾임 56">
+            <a:extLst>
+              <a:ext uri="{FF2B5EF4-FFF2-40B4-BE49-F238E27FC236}">
+                <a16:creationId xmlns:a16="http://schemas.microsoft.com/office/drawing/2014/main" id="{94965F5E-41F0-4720-92B1-11D102478308}"/>
+              </a:ext>
+            </a:extLst>
+          </p:cNvPr>
+          <p:cNvCxnSpPr>
+            <a:cxnSpLocks/>
+            <a:stCxn id="63" idx="3"/>
+            <a:endCxn id="66" idx="2"/>
+          </p:cNvCxnSpPr>
+          <p:nvPr/>
+        </p:nvCxnSpPr>
+        <p:spPr>
+          <a:xfrm flipV="1">
+            <a:off x="1642379" y="3250939"/>
+            <a:ext cx="962741" cy="68224"/>
+          </a:xfrm>
+          <a:prstGeom prst="bentConnector3">
+            <a:avLst>
+              <a:gd name="adj1" fmla="val 50000"/>
+            </a:avLst>
+          </a:prstGeom>
+          <a:ln>
+            <a:tailEnd type="triangle"/>
+          </a:ln>
+        </p:spPr>
+        <p:style>
+          <a:lnRef idx="1">
+            <a:schemeClr val="accent1"/>
+          </a:lnRef>
+          <a:fillRef idx="0">
+            <a:schemeClr val="accent1"/>
+          </a:fillRef>
+          <a:effectRef idx="0">
+            <a:schemeClr val="accent1"/>
+          </a:effectRef>
+          <a:fontRef idx="minor">
+            <a:schemeClr val="tx1"/>
+          </a:fontRef>
+        </p:style>
+      </p:cxnSp>
+      <p:cxnSp>
+        <p:nvCxnSpPr>
+          <p:cNvPr id="59" name="연결선: 꺾임 58">
+            <a:extLst>
+              <a:ext uri="{FF2B5EF4-FFF2-40B4-BE49-F238E27FC236}">
+                <a16:creationId xmlns:a16="http://schemas.microsoft.com/office/drawing/2014/main" id="{F67A4FC6-2C00-4000-A83B-0990B15F2BA2}"/>
+              </a:ext>
+            </a:extLst>
+          </p:cNvPr>
+          <p:cNvCxnSpPr>
+            <a:cxnSpLocks/>
+            <a:stCxn id="14" idx="1"/>
+            <a:endCxn id="68" idx="2"/>
+          </p:cNvCxnSpPr>
+          <p:nvPr/>
+        </p:nvCxnSpPr>
+        <p:spPr>
+          <a:xfrm flipV="1">
+            <a:off x="2366921" y="3398910"/>
+            <a:ext cx="238199" cy="437143"/>
+          </a:xfrm>
+          <a:prstGeom prst="bentConnector3">
+            <a:avLst>
+              <a:gd name="adj1" fmla="val 50000"/>
+            </a:avLst>
+          </a:prstGeom>
+          <a:ln>
+            <a:tailEnd type="triangle"/>
+          </a:ln>
+        </p:spPr>
+        <p:style>
+          <a:lnRef idx="1">
+            <a:schemeClr val="accent1"/>
+          </a:lnRef>
+          <a:fillRef idx="0">
+            <a:schemeClr val="accent1"/>
+          </a:fillRef>
+          <a:effectRef idx="0">
+            <a:schemeClr val="accent1"/>
+          </a:effectRef>
+          <a:fontRef idx="minor">
+            <a:schemeClr val="tx1"/>
+          </a:fontRef>
+        </p:style>
+      </p:cxnSp>
+      <p:cxnSp>
+        <p:nvCxnSpPr>
+          <p:cNvPr id="61" name="연결선: 꺾임 60">
+            <a:extLst>
+              <a:ext uri="{FF2B5EF4-FFF2-40B4-BE49-F238E27FC236}">
+                <a16:creationId xmlns:a16="http://schemas.microsoft.com/office/drawing/2014/main" id="{BA3D330C-527D-477A-9E50-BF0B16D00AA1}"/>
+              </a:ext>
+            </a:extLst>
+          </p:cNvPr>
+          <p:cNvCxnSpPr>
+            <a:cxnSpLocks/>
+            <a:stCxn id="36" idx="3"/>
+            <a:endCxn id="79" idx="2"/>
+          </p:cNvCxnSpPr>
+          <p:nvPr/>
+        </p:nvCxnSpPr>
+        <p:spPr>
+          <a:xfrm>
+            <a:off x="1642380" y="3666515"/>
+            <a:ext cx="368656" cy="95577"/>
+          </a:xfrm>
+          <a:prstGeom prst="bentConnector3">
+            <a:avLst>
+              <a:gd name="adj1" fmla="val 25885"/>
+            </a:avLst>
+          </a:prstGeom>
+          <a:ln>
+            <a:tailEnd type="triangle"/>
+          </a:ln>
+        </p:spPr>
+        <p:style>
+          <a:lnRef idx="1">
+            <a:schemeClr val="accent1"/>
+          </a:lnRef>
+          <a:fillRef idx="0">
+            <a:schemeClr val="accent1"/>
+          </a:fillRef>
+          <a:effectRef idx="0">
+            <a:schemeClr val="accent1"/>
+          </a:effectRef>
+          <a:fontRef idx="minor">
+            <a:schemeClr val="tx1"/>
+          </a:fontRef>
+        </p:style>
+      </p:cxnSp>
       <p:grpSp>
         <p:nvGrpSpPr>
-          <p:cNvPr id="52" name="그룹 51">
-            <a:extLst>
-              <a:ext uri="{FF2B5EF4-FFF2-40B4-BE49-F238E27FC236}">
-                <a16:creationId xmlns:a16="http://schemas.microsoft.com/office/drawing/2014/main" id="{A8FD478D-8D77-4577-A6CD-BC107708940D}"/>
+          <p:cNvPr id="67" name="그룹 66">
+            <a:extLst>
+              <a:ext uri="{FF2B5EF4-FFF2-40B4-BE49-F238E27FC236}">
+                <a16:creationId xmlns:a16="http://schemas.microsoft.com/office/drawing/2014/main" id="{E7E00AF1-97A8-4AA3-9E78-89053A6BB7CA}"/>
               </a:ext>
             </a:extLst>
           </p:cNvPr>
@@ -21279,18 +24610,18 @@
         </p:nvGrpSpPr>
         <p:grpSpPr>
           <a:xfrm>
-            <a:off x="6881167" y="745608"/>
-            <a:ext cx="153357" cy="483363"/>
-            <a:chOff x="2684600" y="1609984"/>
-            <a:chExt cx="153357" cy="483363"/>
+            <a:off x="2603289" y="3208932"/>
+            <a:ext cx="314302" cy="228600"/>
+            <a:chOff x="2520739" y="2437407"/>
+            <a:chExt cx="314302" cy="228600"/>
           </a:xfrm>
         </p:grpSpPr>
         <p:sp>
           <p:nvSpPr>
-            <p:cNvPr id="49" name="직사각형 48">
+            <p:cNvPr id="66" name="타원 65">
               <a:extLst>
                 <a:ext uri="{FF2B5EF4-FFF2-40B4-BE49-F238E27FC236}">
-                  <a16:creationId xmlns:a16="http://schemas.microsoft.com/office/drawing/2014/main" id="{C1A77560-1040-4797-8C5B-BF084774F24E}"/>
+                  <a16:creationId xmlns:a16="http://schemas.microsoft.com/office/drawing/2014/main" id="{342A3716-0B16-4746-8D35-867FB87D9F5A}"/>
                 </a:ext>
               </a:extLst>
             </p:cNvPr>
@@ -21299,10 +24630,10 @@
           </p:nvSpPr>
           <p:spPr>
             <a:xfrm>
-              <a:off x="2688152" y="1693557"/>
-              <a:ext cx="76679" cy="76679"/>
+              <a:off x="2522570" y="2453709"/>
+              <a:ext cx="51410" cy="51410"/>
             </a:xfrm>
-            <a:prstGeom prst="rect">
+            <a:prstGeom prst="ellipse">
               <a:avLst/>
             </a:prstGeom>
           </p:spPr>
@@ -21333,10 +24664,10 @@
         </p:sp>
         <p:sp>
           <p:nvSpPr>
-            <p:cNvPr id="50" name="직사각형 49">
+            <p:cNvPr id="68" name="타원 67">
               <a:extLst>
                 <a:ext uri="{FF2B5EF4-FFF2-40B4-BE49-F238E27FC236}">
-                  <a16:creationId xmlns:a16="http://schemas.microsoft.com/office/drawing/2014/main" id="{46B01205-001B-47CA-A0F7-0CC589C01097}"/>
+                  <a16:creationId xmlns:a16="http://schemas.microsoft.com/office/drawing/2014/main" id="{3F3C6A97-AD07-4FD7-96C4-DEF8FB6BA586}"/>
                 </a:ext>
               </a:extLst>
             </p:cNvPr>
@@ -21345,10 +24676,10 @@
           </p:nvSpPr>
           <p:spPr>
             <a:xfrm>
-              <a:off x="2684600" y="1928582"/>
-              <a:ext cx="76679" cy="76679"/>
+              <a:off x="2522570" y="2601680"/>
+              <a:ext cx="51410" cy="51410"/>
             </a:xfrm>
-            <a:prstGeom prst="rect">
+            <a:prstGeom prst="ellipse">
               <a:avLst/>
             </a:prstGeom>
           </p:spPr>
@@ -21379,10 +24710,10 @@
         </p:sp>
         <p:sp>
           <p:nvSpPr>
-            <p:cNvPr id="47" name="사다리꼴 46">
+            <p:cNvPr id="12" name="순서도: 지연 11">
               <a:extLst>
                 <a:ext uri="{FF2B5EF4-FFF2-40B4-BE49-F238E27FC236}">
-                  <a16:creationId xmlns:a16="http://schemas.microsoft.com/office/drawing/2014/main" id="{98D64B93-DD05-468F-92AB-5E8ABEF43AE8}"/>
+                  <a16:creationId xmlns:a16="http://schemas.microsoft.com/office/drawing/2014/main" id="{27138700-C420-4E1C-8C08-243976821ED2}"/>
                 </a:ext>
               </a:extLst>
             </p:cNvPr>
@@ -21390,15 +24721,1227 @@
             <p:nvPr/>
           </p:nvSpPr>
           <p:spPr>
-            <a:xfrm rot="5400000">
-              <a:off x="2519597" y="1774988"/>
-              <a:ext cx="483363" cy="153356"/>
+            <a:xfrm>
+              <a:off x="2520739" y="2437407"/>
+              <a:ext cx="314302" cy="228600"/>
             </a:xfrm>
-            <a:prstGeom prst="trapezoid">
+            <a:prstGeom prst="flowChartDelay">
+              <a:avLst/>
+            </a:prstGeom>
+          </p:spPr>
+          <p:style>
+            <a:lnRef idx="2">
+              <a:schemeClr val="accent1">
+                <a:shade val="50000"/>
+              </a:schemeClr>
+            </a:lnRef>
+            <a:fillRef idx="1">
+              <a:schemeClr val="accent1"/>
+            </a:fillRef>
+            <a:effectRef idx="0">
+              <a:schemeClr val="accent1"/>
+            </a:effectRef>
+            <a:fontRef idx="minor">
+              <a:schemeClr val="lt1"/>
+            </a:fontRef>
+          </p:style>
+          <p:txBody>
+            <a:bodyPr rtlCol="0" anchor="ctr"/>
+            <a:lstStyle/>
+            <a:p>
+              <a:pPr algn="ctr"/>
+              <a:endParaRPr lang="ko-KR" altLang="en-US"/>
+            </a:p>
+          </p:txBody>
+        </p:sp>
+      </p:grpSp>
+      <p:grpSp>
+        <p:nvGrpSpPr>
+          <p:cNvPr id="81" name="그룹 80">
+            <a:extLst>
+              <a:ext uri="{FF2B5EF4-FFF2-40B4-BE49-F238E27FC236}">
+                <a16:creationId xmlns:a16="http://schemas.microsoft.com/office/drawing/2014/main" id="{E3DCC6A1-293F-4062-9FCC-5E93CF1D75BD}"/>
+              </a:ext>
+            </a:extLst>
+          </p:cNvPr>
+          <p:cNvGrpSpPr/>
+          <p:nvPr/>
+        </p:nvGrpSpPr>
+        <p:grpSpPr>
+          <a:xfrm>
+            <a:off x="2011036" y="3721753"/>
+            <a:ext cx="355885" cy="228600"/>
+            <a:chOff x="2011036" y="2978803"/>
+            <a:chExt cx="355885" cy="228600"/>
+          </a:xfrm>
+        </p:grpSpPr>
+        <p:sp>
+          <p:nvSpPr>
+            <p:cNvPr id="14" name="달 13">
+              <a:extLst>
+                <a:ext uri="{FF2B5EF4-FFF2-40B4-BE49-F238E27FC236}">
+                  <a16:creationId xmlns:a16="http://schemas.microsoft.com/office/drawing/2014/main" id="{51220064-1CFA-4B1E-8D4E-F732C910B744}"/>
+                </a:ext>
+              </a:extLst>
+            </p:cNvPr>
+            <p:cNvSpPr/>
+            <p:nvPr/>
+          </p:nvSpPr>
+          <p:spPr>
+            <a:xfrm rot="10800000">
+              <a:off x="2052619" y="2978803"/>
+              <a:ext cx="314302" cy="228600"/>
+            </a:xfrm>
+            <a:prstGeom prst="moon">
               <a:avLst>
-                <a:gd name="adj" fmla="val 49844"/>
+                <a:gd name="adj" fmla="val 87500"/>
               </a:avLst>
             </a:prstGeom>
+          </p:spPr>
+          <p:style>
+            <a:lnRef idx="2">
+              <a:schemeClr val="accent1">
+                <a:shade val="50000"/>
+              </a:schemeClr>
+            </a:lnRef>
+            <a:fillRef idx="1">
+              <a:schemeClr val="accent1"/>
+            </a:fillRef>
+            <a:effectRef idx="0">
+              <a:schemeClr val="accent1"/>
+            </a:effectRef>
+            <a:fontRef idx="minor">
+              <a:schemeClr val="lt1"/>
+            </a:fontRef>
+          </p:style>
+          <p:txBody>
+            <a:bodyPr rtlCol="0" anchor="ctr"/>
+            <a:lstStyle/>
+            <a:p>
+              <a:pPr algn="ctr"/>
+              <a:endParaRPr lang="ko-KR" altLang="en-US"/>
+            </a:p>
+          </p:txBody>
+        </p:sp>
+        <p:grpSp>
+          <p:nvGrpSpPr>
+            <p:cNvPr id="77" name="그룹 76">
+              <a:extLst>
+                <a:ext uri="{FF2B5EF4-FFF2-40B4-BE49-F238E27FC236}">
+                  <a16:creationId xmlns:a16="http://schemas.microsoft.com/office/drawing/2014/main" id="{D682D273-C147-4093-8D51-65CB15769E92}"/>
+                </a:ext>
+              </a:extLst>
+            </p:cNvPr>
+            <p:cNvGrpSpPr/>
+            <p:nvPr/>
+          </p:nvGrpSpPr>
+          <p:grpSpPr>
+            <a:xfrm>
+              <a:off x="2011036" y="2993437"/>
+              <a:ext cx="51410" cy="199381"/>
+              <a:chOff x="2522570" y="2453709"/>
+              <a:chExt cx="51410" cy="199381"/>
+            </a:xfrm>
+          </p:grpSpPr>
+          <p:sp>
+            <p:nvSpPr>
+              <p:cNvPr id="79" name="타원 78">
+                <a:extLst>
+                  <a:ext uri="{FF2B5EF4-FFF2-40B4-BE49-F238E27FC236}">
+                    <a16:creationId xmlns:a16="http://schemas.microsoft.com/office/drawing/2014/main" id="{7904959F-08FD-49EF-9FB2-9FB20209FC67}"/>
+                  </a:ext>
+                </a:extLst>
+              </p:cNvPr>
+              <p:cNvSpPr/>
+              <p:nvPr/>
+            </p:nvSpPr>
+            <p:spPr>
+              <a:xfrm>
+                <a:off x="2522570" y="2453709"/>
+                <a:ext cx="51410" cy="51410"/>
+              </a:xfrm>
+              <a:prstGeom prst="ellipse">
+                <a:avLst/>
+              </a:prstGeom>
+            </p:spPr>
+            <p:style>
+              <a:lnRef idx="2">
+                <a:schemeClr val="accent1">
+                  <a:shade val="50000"/>
+                </a:schemeClr>
+              </a:lnRef>
+              <a:fillRef idx="1">
+                <a:schemeClr val="accent1"/>
+              </a:fillRef>
+              <a:effectRef idx="0">
+                <a:schemeClr val="accent1"/>
+              </a:effectRef>
+              <a:fontRef idx="minor">
+                <a:schemeClr val="lt1"/>
+              </a:fontRef>
+            </p:style>
+            <p:txBody>
+              <a:bodyPr rtlCol="0" anchor="ctr"/>
+              <a:lstStyle/>
+              <a:p>
+                <a:pPr algn="ctr"/>
+                <a:endParaRPr lang="ko-KR" altLang="en-US"/>
+              </a:p>
+            </p:txBody>
+          </p:sp>
+          <p:sp>
+            <p:nvSpPr>
+              <p:cNvPr id="80" name="타원 79">
+                <a:extLst>
+                  <a:ext uri="{FF2B5EF4-FFF2-40B4-BE49-F238E27FC236}">
+                    <a16:creationId xmlns:a16="http://schemas.microsoft.com/office/drawing/2014/main" id="{7D6F6345-9E29-44D2-8D2D-91CC415B24D3}"/>
+                  </a:ext>
+                </a:extLst>
+              </p:cNvPr>
+              <p:cNvSpPr/>
+              <p:nvPr/>
+            </p:nvSpPr>
+            <p:spPr>
+              <a:xfrm>
+                <a:off x="2522570" y="2601680"/>
+                <a:ext cx="51410" cy="51410"/>
+              </a:xfrm>
+              <a:prstGeom prst="ellipse">
+                <a:avLst/>
+              </a:prstGeom>
+            </p:spPr>
+            <p:style>
+              <a:lnRef idx="2">
+                <a:schemeClr val="accent1">
+                  <a:shade val="50000"/>
+                </a:schemeClr>
+              </a:lnRef>
+              <a:fillRef idx="1">
+                <a:schemeClr val="accent1"/>
+              </a:fillRef>
+              <a:effectRef idx="0">
+                <a:schemeClr val="accent1"/>
+              </a:effectRef>
+              <a:fontRef idx="minor">
+                <a:schemeClr val="lt1"/>
+              </a:fontRef>
+            </p:style>
+            <p:txBody>
+              <a:bodyPr rtlCol="0" anchor="ctr"/>
+              <a:lstStyle/>
+              <a:p>
+                <a:pPr algn="ctr"/>
+                <a:endParaRPr lang="ko-KR" altLang="en-US"/>
+              </a:p>
+            </p:txBody>
+          </p:sp>
+        </p:grpSp>
+      </p:grpSp>
+      <p:cxnSp>
+        <p:nvCxnSpPr>
+          <p:cNvPr id="83" name="연결선: 꺾임 82">
+            <a:extLst>
+              <a:ext uri="{FF2B5EF4-FFF2-40B4-BE49-F238E27FC236}">
+                <a16:creationId xmlns:a16="http://schemas.microsoft.com/office/drawing/2014/main" id="{945B3FFD-491F-44C6-9B1A-329B75471926}"/>
+              </a:ext>
+            </a:extLst>
+          </p:cNvPr>
+          <p:cNvCxnSpPr>
+            <a:cxnSpLocks/>
+            <a:stCxn id="37" idx="3"/>
+            <a:endCxn id="80" idx="2"/>
+          </p:cNvCxnSpPr>
+          <p:nvPr/>
+        </p:nvCxnSpPr>
+        <p:spPr>
+          <a:xfrm flipV="1">
+            <a:off x="1642380" y="3910063"/>
+            <a:ext cx="368656" cy="103803"/>
+          </a:xfrm>
+          <a:prstGeom prst="bentConnector3">
+            <a:avLst>
+              <a:gd name="adj1" fmla="val 50000"/>
+            </a:avLst>
+          </a:prstGeom>
+          <a:ln>
+            <a:tailEnd type="triangle"/>
+          </a:ln>
+        </p:spPr>
+        <p:style>
+          <a:lnRef idx="1">
+            <a:schemeClr val="accent1"/>
+          </a:lnRef>
+          <a:fillRef idx="0">
+            <a:schemeClr val="accent1"/>
+          </a:fillRef>
+          <a:effectRef idx="0">
+            <a:schemeClr val="accent1"/>
+          </a:effectRef>
+          <a:fontRef idx="minor">
+            <a:schemeClr val="tx1"/>
+          </a:fontRef>
+        </p:style>
+      </p:cxnSp>
+      <p:cxnSp>
+        <p:nvCxnSpPr>
+          <p:cNvPr id="86" name="연결선: 꺾임 85">
+            <a:extLst>
+              <a:ext uri="{FF2B5EF4-FFF2-40B4-BE49-F238E27FC236}">
+                <a16:creationId xmlns:a16="http://schemas.microsoft.com/office/drawing/2014/main" id="{FEC72961-A3A9-4CAE-82CF-39268286D72F}"/>
+              </a:ext>
+            </a:extLst>
+          </p:cNvPr>
+          <p:cNvCxnSpPr>
+            <a:cxnSpLocks/>
+            <a:stCxn id="12" idx="3"/>
+            <a:endCxn id="38" idx="1"/>
+          </p:cNvCxnSpPr>
+          <p:nvPr/>
+        </p:nvCxnSpPr>
+        <p:spPr>
+          <a:xfrm>
+            <a:off x="2917591" y="3323232"/>
+            <a:ext cx="252136" cy="3551"/>
+          </a:xfrm>
+          <a:prstGeom prst="bentConnector3">
+            <a:avLst>
+              <a:gd name="adj1" fmla="val 50000"/>
+            </a:avLst>
+          </a:prstGeom>
+          <a:ln>
+            <a:tailEnd type="triangle"/>
+          </a:ln>
+        </p:spPr>
+        <p:style>
+          <a:lnRef idx="1">
+            <a:schemeClr val="accent1"/>
+          </a:lnRef>
+          <a:fillRef idx="0">
+            <a:schemeClr val="accent1"/>
+          </a:fillRef>
+          <a:effectRef idx="0">
+            <a:schemeClr val="accent1"/>
+          </a:effectRef>
+          <a:fontRef idx="minor">
+            <a:schemeClr val="tx1"/>
+          </a:fontRef>
+        </p:style>
+      </p:cxnSp>
+      <p:sp>
+        <p:nvSpPr>
+          <p:cNvPr id="89" name="화살표: 오각형 88">
+            <a:extLst>
+              <a:ext uri="{FF2B5EF4-FFF2-40B4-BE49-F238E27FC236}">
+                <a16:creationId xmlns:a16="http://schemas.microsoft.com/office/drawing/2014/main" id="{B0706538-2D15-40B7-B597-5E23E79E36E5}"/>
+              </a:ext>
+            </a:extLst>
+          </p:cNvPr>
+          <p:cNvSpPr/>
+          <p:nvPr/>
+        </p:nvSpPr>
+        <p:spPr>
+          <a:xfrm flipH="1">
+            <a:off x="175520" y="4309886"/>
+            <a:ext cx="1082674" cy="228600"/>
+          </a:xfrm>
+          <a:prstGeom prst="homePlate">
+            <a:avLst/>
+          </a:prstGeom>
+          <a:solidFill>
+            <a:srgbClr val="00B050"/>
+          </a:solidFill>
+          <a:ln>
+            <a:solidFill>
+              <a:schemeClr val="accent6">
+                <a:lumMod val="50000"/>
+              </a:schemeClr>
+            </a:solidFill>
+          </a:ln>
+        </p:spPr>
+        <p:style>
+          <a:lnRef idx="2">
+            <a:schemeClr val="accent1">
+              <a:shade val="50000"/>
+            </a:schemeClr>
+          </a:lnRef>
+          <a:fillRef idx="1">
+            <a:schemeClr val="accent1"/>
+          </a:fillRef>
+          <a:effectRef idx="0">
+            <a:schemeClr val="accent1"/>
+          </a:effectRef>
+          <a:fontRef idx="minor">
+            <a:schemeClr val="lt1"/>
+          </a:fontRef>
+        </p:style>
+        <p:txBody>
+          <a:bodyPr rtlCol="0" anchor="ctr"/>
+          <a:lstStyle/>
+          <a:p>
+            <a:pPr algn="ctr"/>
+            <a:r>
+              <a:rPr lang="en-US" altLang="ko-KR" sz="900" dirty="0"/>
+              <a:t>ja_7</a:t>
+            </a:r>
+            <a:endParaRPr lang="ko-KR" altLang="en-US" sz="900" dirty="0"/>
+          </a:p>
+        </p:txBody>
+      </p:sp>
+      <p:sp>
+        <p:nvSpPr>
+          <p:cNvPr id="90" name="화살표: 오각형 89">
+            <a:extLst>
+              <a:ext uri="{FF2B5EF4-FFF2-40B4-BE49-F238E27FC236}">
+                <a16:creationId xmlns:a16="http://schemas.microsoft.com/office/drawing/2014/main" id="{5A68F950-4D5D-4D2B-A4C7-CBDA52A5E3CE}"/>
+              </a:ext>
+            </a:extLst>
+          </p:cNvPr>
+          <p:cNvSpPr/>
+          <p:nvPr/>
+        </p:nvSpPr>
+        <p:spPr>
+          <a:xfrm flipH="1">
+            <a:off x="175520" y="4938536"/>
+            <a:ext cx="1082674" cy="228600"/>
+          </a:xfrm>
+          <a:prstGeom prst="homePlate">
+            <a:avLst/>
+          </a:prstGeom>
+          <a:solidFill>
+            <a:srgbClr val="00B050"/>
+          </a:solidFill>
+          <a:ln>
+            <a:solidFill>
+              <a:schemeClr val="accent6">
+                <a:lumMod val="50000"/>
+              </a:schemeClr>
+            </a:solidFill>
+          </a:ln>
+        </p:spPr>
+        <p:style>
+          <a:lnRef idx="2">
+            <a:schemeClr val="accent1">
+              <a:shade val="50000"/>
+            </a:schemeClr>
+          </a:lnRef>
+          <a:fillRef idx="1">
+            <a:schemeClr val="accent1"/>
+          </a:fillRef>
+          <a:effectRef idx="0">
+            <a:schemeClr val="accent1"/>
+          </a:effectRef>
+          <a:fontRef idx="minor">
+            <a:schemeClr val="lt1"/>
+          </a:fontRef>
+        </p:style>
+        <p:txBody>
+          <a:bodyPr rtlCol="0" anchor="ctr"/>
+          <a:lstStyle/>
+          <a:p>
+            <a:pPr algn="ctr"/>
+            <a:r>
+              <a:rPr lang="en-US" altLang="ko-KR" sz="900" dirty="0"/>
+              <a:t>ja_5</a:t>
+            </a:r>
+            <a:endParaRPr lang="ko-KR" altLang="en-US" sz="900" dirty="0"/>
+          </a:p>
+        </p:txBody>
+      </p:sp>
+      <p:sp>
+        <p:nvSpPr>
+          <p:cNvPr id="91" name="화살표: 오각형 90">
+            <a:extLst>
+              <a:ext uri="{FF2B5EF4-FFF2-40B4-BE49-F238E27FC236}">
+                <a16:creationId xmlns:a16="http://schemas.microsoft.com/office/drawing/2014/main" id="{773124AD-82ED-4059-94A5-EBB7AE0F27C6}"/>
+              </a:ext>
+            </a:extLst>
+          </p:cNvPr>
+          <p:cNvSpPr/>
+          <p:nvPr/>
+        </p:nvSpPr>
+        <p:spPr>
+          <a:xfrm flipH="1">
+            <a:off x="175520" y="5252861"/>
+            <a:ext cx="1082674" cy="228600"/>
+          </a:xfrm>
+          <a:prstGeom prst="homePlate">
+            <a:avLst/>
+          </a:prstGeom>
+          <a:solidFill>
+            <a:srgbClr val="00B050"/>
+          </a:solidFill>
+          <a:ln>
+            <a:solidFill>
+              <a:schemeClr val="accent6">
+                <a:lumMod val="50000"/>
+              </a:schemeClr>
+            </a:solidFill>
+          </a:ln>
+        </p:spPr>
+        <p:style>
+          <a:lnRef idx="2">
+            <a:schemeClr val="accent1">
+              <a:shade val="50000"/>
+            </a:schemeClr>
+          </a:lnRef>
+          <a:fillRef idx="1">
+            <a:schemeClr val="accent1"/>
+          </a:fillRef>
+          <a:effectRef idx="0">
+            <a:schemeClr val="accent1"/>
+          </a:effectRef>
+          <a:fontRef idx="minor">
+            <a:schemeClr val="lt1"/>
+          </a:fontRef>
+        </p:style>
+        <p:txBody>
+          <a:bodyPr rtlCol="0" anchor="ctr"/>
+          <a:lstStyle/>
+          <a:p>
+            <a:pPr algn="ctr"/>
+            <a:r>
+              <a:rPr lang="en-US" altLang="ko-KR" sz="900" dirty="0"/>
+              <a:t>ja_4</a:t>
+            </a:r>
+            <a:endParaRPr lang="ko-KR" altLang="en-US" sz="900" dirty="0"/>
+          </a:p>
+        </p:txBody>
+      </p:sp>
+      <p:sp>
+        <p:nvSpPr>
+          <p:cNvPr id="92" name="화살표: 오각형 91">
+            <a:extLst>
+              <a:ext uri="{FF2B5EF4-FFF2-40B4-BE49-F238E27FC236}">
+                <a16:creationId xmlns:a16="http://schemas.microsoft.com/office/drawing/2014/main" id="{B4D2ACC6-5B87-4858-8E65-8691E4ED1EAE}"/>
+              </a:ext>
+            </a:extLst>
+          </p:cNvPr>
+          <p:cNvSpPr/>
+          <p:nvPr/>
+        </p:nvSpPr>
+        <p:spPr>
+          <a:xfrm flipH="1">
+            <a:off x="175520" y="5567186"/>
+            <a:ext cx="1082674" cy="228600"/>
+          </a:xfrm>
+          <a:prstGeom prst="homePlate">
+            <a:avLst/>
+          </a:prstGeom>
+          <a:solidFill>
+            <a:srgbClr val="00B050"/>
+          </a:solidFill>
+          <a:ln>
+            <a:solidFill>
+              <a:schemeClr val="accent6">
+                <a:lumMod val="50000"/>
+              </a:schemeClr>
+            </a:solidFill>
+          </a:ln>
+        </p:spPr>
+        <p:style>
+          <a:lnRef idx="2">
+            <a:schemeClr val="accent1">
+              <a:shade val="50000"/>
+            </a:schemeClr>
+          </a:lnRef>
+          <a:fillRef idx="1">
+            <a:schemeClr val="accent1"/>
+          </a:fillRef>
+          <a:effectRef idx="0">
+            <a:schemeClr val="accent1"/>
+          </a:effectRef>
+          <a:fontRef idx="minor">
+            <a:schemeClr val="lt1"/>
+          </a:fontRef>
+        </p:style>
+        <p:txBody>
+          <a:bodyPr rtlCol="0" anchor="ctr"/>
+          <a:lstStyle/>
+          <a:p>
+            <a:pPr algn="ctr"/>
+            <a:r>
+              <a:rPr lang="en-US" altLang="ko-KR" sz="900" dirty="0"/>
+              <a:t>ja_3</a:t>
+            </a:r>
+            <a:endParaRPr lang="ko-KR" altLang="en-US" sz="900" dirty="0"/>
+          </a:p>
+        </p:txBody>
+      </p:sp>
+      <p:sp>
+        <p:nvSpPr>
+          <p:cNvPr id="93" name="화살표: 오각형 92">
+            <a:extLst>
+              <a:ext uri="{FF2B5EF4-FFF2-40B4-BE49-F238E27FC236}">
+                <a16:creationId xmlns:a16="http://schemas.microsoft.com/office/drawing/2014/main" id="{88867D16-69AF-4FA5-B87D-716B838AD35A}"/>
+              </a:ext>
+            </a:extLst>
+          </p:cNvPr>
+          <p:cNvSpPr/>
+          <p:nvPr/>
+        </p:nvSpPr>
+        <p:spPr>
+          <a:xfrm flipH="1">
+            <a:off x="175520" y="5881511"/>
+            <a:ext cx="1082674" cy="228600"/>
+          </a:xfrm>
+          <a:prstGeom prst="homePlate">
+            <a:avLst/>
+          </a:prstGeom>
+          <a:solidFill>
+            <a:srgbClr val="00B050"/>
+          </a:solidFill>
+          <a:ln>
+            <a:solidFill>
+              <a:schemeClr val="accent6">
+                <a:lumMod val="50000"/>
+              </a:schemeClr>
+            </a:solidFill>
+          </a:ln>
+        </p:spPr>
+        <p:style>
+          <a:lnRef idx="2">
+            <a:schemeClr val="accent1">
+              <a:shade val="50000"/>
+            </a:schemeClr>
+          </a:lnRef>
+          <a:fillRef idx="1">
+            <a:schemeClr val="accent1"/>
+          </a:fillRef>
+          <a:effectRef idx="0">
+            <a:schemeClr val="accent1"/>
+          </a:effectRef>
+          <a:fontRef idx="minor">
+            <a:schemeClr val="lt1"/>
+          </a:fontRef>
+        </p:style>
+        <p:txBody>
+          <a:bodyPr rtlCol="0" anchor="ctr"/>
+          <a:lstStyle/>
+          <a:p>
+            <a:pPr algn="ctr"/>
+            <a:r>
+              <a:rPr lang="en-US" altLang="ko-KR" sz="900" dirty="0"/>
+              <a:t>ja_2</a:t>
+            </a:r>
+            <a:endParaRPr lang="ko-KR" altLang="en-US" sz="900" dirty="0"/>
+          </a:p>
+        </p:txBody>
+      </p:sp>
+      <p:sp>
+        <p:nvSpPr>
+          <p:cNvPr id="94" name="화살표: 오각형 93">
+            <a:extLst>
+              <a:ext uri="{FF2B5EF4-FFF2-40B4-BE49-F238E27FC236}">
+                <a16:creationId xmlns:a16="http://schemas.microsoft.com/office/drawing/2014/main" id="{EA0D9D0A-647B-41BA-9C1E-D074741EEA48}"/>
+              </a:ext>
+            </a:extLst>
+          </p:cNvPr>
+          <p:cNvSpPr/>
+          <p:nvPr/>
+        </p:nvSpPr>
+        <p:spPr>
+          <a:xfrm flipH="1">
+            <a:off x="175520" y="6510161"/>
+            <a:ext cx="1082674" cy="228600"/>
+          </a:xfrm>
+          <a:prstGeom prst="homePlate">
+            <a:avLst/>
+          </a:prstGeom>
+          <a:solidFill>
+            <a:srgbClr val="00B050"/>
+          </a:solidFill>
+          <a:ln>
+            <a:solidFill>
+              <a:schemeClr val="accent6">
+                <a:lumMod val="50000"/>
+              </a:schemeClr>
+            </a:solidFill>
+          </a:ln>
+        </p:spPr>
+        <p:style>
+          <a:lnRef idx="2">
+            <a:schemeClr val="accent1">
+              <a:shade val="50000"/>
+            </a:schemeClr>
+          </a:lnRef>
+          <a:fillRef idx="1">
+            <a:schemeClr val="accent1"/>
+          </a:fillRef>
+          <a:effectRef idx="0">
+            <a:schemeClr val="accent1"/>
+          </a:effectRef>
+          <a:fontRef idx="minor">
+            <a:schemeClr val="lt1"/>
+          </a:fontRef>
+        </p:style>
+        <p:txBody>
+          <a:bodyPr rtlCol="0" anchor="ctr"/>
+          <a:lstStyle/>
+          <a:p>
+            <a:pPr algn="ctr"/>
+            <a:r>
+              <a:rPr lang="en-US" altLang="ko-KR" sz="900" dirty="0"/>
+              <a:t>ja_0</a:t>
+            </a:r>
+            <a:endParaRPr lang="ko-KR" altLang="en-US" sz="900" dirty="0"/>
+          </a:p>
+        </p:txBody>
+      </p:sp>
+      <p:sp>
+        <p:nvSpPr>
+          <p:cNvPr id="95" name="육각형 94">
+            <a:extLst>
+              <a:ext uri="{FF2B5EF4-FFF2-40B4-BE49-F238E27FC236}">
+                <a16:creationId xmlns:a16="http://schemas.microsoft.com/office/drawing/2014/main" id="{23EFC587-BF0B-4942-AAA1-F6E4A0F17306}"/>
+              </a:ext>
+            </a:extLst>
+          </p:cNvPr>
+          <p:cNvSpPr/>
+          <p:nvPr/>
+        </p:nvSpPr>
+        <p:spPr>
+          <a:xfrm>
+            <a:off x="175520" y="4624211"/>
+            <a:ext cx="1082674" cy="228600"/>
+          </a:xfrm>
+          <a:prstGeom prst="hexagon">
+            <a:avLst>
+              <a:gd name="adj" fmla="val 48611"/>
+              <a:gd name="vf" fmla="val 115470"/>
+            </a:avLst>
+          </a:prstGeom>
+          <a:solidFill>
+            <a:srgbClr val="7030A0"/>
+          </a:solidFill>
+          <a:ln>
+            <a:solidFill>
+              <a:srgbClr val="7030A0"/>
+            </a:solidFill>
+          </a:ln>
+        </p:spPr>
+        <p:style>
+          <a:lnRef idx="2">
+            <a:schemeClr val="accent1">
+              <a:shade val="50000"/>
+            </a:schemeClr>
+          </a:lnRef>
+          <a:fillRef idx="1">
+            <a:schemeClr val="accent1"/>
+          </a:fillRef>
+          <a:effectRef idx="0">
+            <a:schemeClr val="accent1"/>
+          </a:effectRef>
+          <a:fontRef idx="minor">
+            <a:schemeClr val="lt1"/>
+          </a:fontRef>
+        </p:style>
+        <p:txBody>
+          <a:bodyPr rtlCol="0" anchor="ctr"/>
+          <a:lstStyle/>
+          <a:p>
+            <a:pPr algn="ctr"/>
+            <a:r>
+              <a:rPr lang="en-US" altLang="ko-KR" sz="900" dirty="0"/>
+              <a:t>ja_6</a:t>
+            </a:r>
+            <a:endParaRPr lang="ko-KR" altLang="en-US" sz="900" dirty="0"/>
+          </a:p>
+        </p:txBody>
+      </p:sp>
+      <p:sp>
+        <p:nvSpPr>
+          <p:cNvPr id="96" name="육각형 95">
+            <a:extLst>
+              <a:ext uri="{FF2B5EF4-FFF2-40B4-BE49-F238E27FC236}">
+                <a16:creationId xmlns:a16="http://schemas.microsoft.com/office/drawing/2014/main" id="{6B5AE965-0ECE-404D-BBA0-DDA5E493D495}"/>
+              </a:ext>
+            </a:extLst>
+          </p:cNvPr>
+          <p:cNvSpPr/>
+          <p:nvPr/>
+        </p:nvSpPr>
+        <p:spPr>
+          <a:xfrm>
+            <a:off x="175520" y="6195836"/>
+            <a:ext cx="1082674" cy="228600"/>
+          </a:xfrm>
+          <a:prstGeom prst="hexagon">
+            <a:avLst>
+              <a:gd name="adj" fmla="val 48611"/>
+              <a:gd name="vf" fmla="val 115470"/>
+            </a:avLst>
+          </a:prstGeom>
+          <a:solidFill>
+            <a:srgbClr val="7030A0"/>
+          </a:solidFill>
+          <a:ln>
+            <a:solidFill>
+              <a:srgbClr val="7030A0"/>
+            </a:solidFill>
+          </a:ln>
+        </p:spPr>
+        <p:style>
+          <a:lnRef idx="2">
+            <a:schemeClr val="accent1">
+              <a:shade val="50000"/>
+            </a:schemeClr>
+          </a:lnRef>
+          <a:fillRef idx="1">
+            <a:schemeClr val="accent1"/>
+          </a:fillRef>
+          <a:effectRef idx="0">
+            <a:schemeClr val="accent1"/>
+          </a:effectRef>
+          <a:fontRef idx="minor">
+            <a:schemeClr val="lt1"/>
+          </a:fontRef>
+        </p:style>
+        <p:txBody>
+          <a:bodyPr rtlCol="0" anchor="ctr"/>
+          <a:lstStyle/>
+          <a:p>
+            <a:pPr algn="ctr"/>
+            <a:r>
+              <a:rPr lang="en-US" altLang="ko-KR" sz="900" dirty="0"/>
+              <a:t>ja_1</a:t>
+            </a:r>
+            <a:endParaRPr lang="ko-KR" altLang="en-US" sz="900" dirty="0"/>
+          </a:p>
+        </p:txBody>
+      </p:sp>
+      <p:sp>
+        <p:nvSpPr>
+          <p:cNvPr id="99" name="직사각형 98">
+            <a:extLst>
+              <a:ext uri="{FF2B5EF4-FFF2-40B4-BE49-F238E27FC236}">
+                <a16:creationId xmlns:a16="http://schemas.microsoft.com/office/drawing/2014/main" id="{A536BC31-ED89-41E7-8828-96F4A2C5769F}"/>
+              </a:ext>
+            </a:extLst>
+          </p:cNvPr>
+          <p:cNvSpPr/>
+          <p:nvPr/>
+        </p:nvSpPr>
+        <p:spPr>
+          <a:xfrm>
+            <a:off x="3169727" y="4620081"/>
+            <a:ext cx="1466859" cy="230512"/>
+          </a:xfrm>
+          <a:prstGeom prst="rect">
+            <a:avLst/>
+          </a:prstGeom>
+        </p:spPr>
+        <p:style>
+          <a:lnRef idx="2">
+            <a:schemeClr val="accent1">
+              <a:shade val="50000"/>
+            </a:schemeClr>
+          </a:lnRef>
+          <a:fillRef idx="1">
+            <a:schemeClr val="accent1"/>
+          </a:fillRef>
+          <a:effectRef idx="0">
+            <a:schemeClr val="accent1"/>
+          </a:effectRef>
+          <a:fontRef idx="minor">
+            <a:schemeClr val="lt1"/>
+          </a:fontRef>
+        </p:style>
+        <p:txBody>
+          <a:bodyPr rtlCol="0" anchor="ctr"/>
+          <a:lstStyle/>
+          <a:p>
+            <a:pPr algn="ctr"/>
+            <a:r>
+              <a:rPr lang="en-US" altLang="ko-KR" sz="900" dirty="0"/>
+              <a:t>rsdio_1</a:t>
+            </a:r>
+            <a:endParaRPr lang="ko-KR" altLang="en-US" sz="900" dirty="0"/>
+          </a:p>
+        </p:txBody>
+      </p:sp>
+      <p:sp>
+        <p:nvSpPr>
+          <p:cNvPr id="100" name="직사각형 99">
+            <a:extLst>
+              <a:ext uri="{FF2B5EF4-FFF2-40B4-BE49-F238E27FC236}">
+                <a16:creationId xmlns:a16="http://schemas.microsoft.com/office/drawing/2014/main" id="{9B844AB5-A13E-49D2-911A-F8C3E203C64D}"/>
+              </a:ext>
+            </a:extLst>
+          </p:cNvPr>
+          <p:cNvSpPr/>
+          <p:nvPr/>
+        </p:nvSpPr>
+        <p:spPr>
+          <a:xfrm>
+            <a:off x="3169727" y="6195836"/>
+            <a:ext cx="1466859" cy="230512"/>
+          </a:xfrm>
+          <a:prstGeom prst="rect">
+            <a:avLst/>
+          </a:prstGeom>
+        </p:spPr>
+        <p:style>
+          <a:lnRef idx="2">
+            <a:schemeClr val="accent1">
+              <a:shade val="50000"/>
+            </a:schemeClr>
+          </a:lnRef>
+          <a:fillRef idx="1">
+            <a:schemeClr val="accent1"/>
+          </a:fillRef>
+          <a:effectRef idx="0">
+            <a:schemeClr val="accent1"/>
+          </a:effectRef>
+          <a:fontRef idx="minor">
+            <a:schemeClr val="lt1"/>
+          </a:fontRef>
+        </p:style>
+        <p:txBody>
+          <a:bodyPr rtlCol="0" anchor="ctr"/>
+          <a:lstStyle/>
+          <a:p>
+            <a:pPr algn="ctr"/>
+            <a:r>
+              <a:rPr lang="en-US" altLang="ko-KR" sz="900" dirty="0"/>
+              <a:t>rsdio_2</a:t>
+            </a:r>
+            <a:endParaRPr lang="ko-KR" altLang="en-US" sz="900" dirty="0"/>
+          </a:p>
+        </p:txBody>
+      </p:sp>
+      <p:grpSp>
+        <p:nvGrpSpPr>
+          <p:cNvPr id="102" name="그룹 101">
+            <a:extLst>
+              <a:ext uri="{FF2B5EF4-FFF2-40B4-BE49-F238E27FC236}">
+                <a16:creationId xmlns:a16="http://schemas.microsoft.com/office/drawing/2014/main" id="{FB0CA9BD-EDC7-4CA9-8693-BF2EFC7E8F04}"/>
+              </a:ext>
+            </a:extLst>
+          </p:cNvPr>
+          <p:cNvGrpSpPr/>
+          <p:nvPr/>
+        </p:nvGrpSpPr>
+        <p:grpSpPr>
+          <a:xfrm>
+            <a:off x="3169726" y="5880877"/>
+            <a:ext cx="1466859" cy="230512"/>
+            <a:chOff x="2962265" y="4647551"/>
+            <a:chExt cx="1466859" cy="230512"/>
+          </a:xfrm>
+        </p:grpSpPr>
+        <p:sp>
+          <p:nvSpPr>
+            <p:cNvPr id="103" name="직사각형 102">
+              <a:extLst>
+                <a:ext uri="{FF2B5EF4-FFF2-40B4-BE49-F238E27FC236}">
+                  <a16:creationId xmlns:a16="http://schemas.microsoft.com/office/drawing/2014/main" id="{7556BBA6-E7AE-457F-BB99-28219B8DEB84}"/>
+                </a:ext>
+              </a:extLst>
+            </p:cNvPr>
+            <p:cNvSpPr/>
+            <p:nvPr/>
+          </p:nvSpPr>
+          <p:spPr>
+            <a:xfrm>
+              <a:off x="2962265" y="4647551"/>
+              <a:ext cx="1466859" cy="230512"/>
+            </a:xfrm>
+            <a:prstGeom prst="rect">
+              <a:avLst/>
+            </a:prstGeom>
+          </p:spPr>
+          <p:style>
+            <a:lnRef idx="2">
+              <a:schemeClr val="accent1">
+                <a:shade val="50000"/>
+              </a:schemeClr>
+            </a:lnRef>
+            <a:fillRef idx="1">
+              <a:schemeClr val="accent1"/>
+            </a:fillRef>
+            <a:effectRef idx="0">
+              <a:schemeClr val="accent1"/>
+            </a:effectRef>
+            <a:fontRef idx="minor">
+              <a:schemeClr val="lt1"/>
+            </a:fontRef>
+          </p:style>
+          <p:txBody>
+            <a:bodyPr rtlCol="0" anchor="ctr"/>
+            <a:lstStyle/>
+            <a:p>
+              <a:pPr algn="ctr"/>
+              <a:r>
+                <a:rPr lang="en-US" altLang="ko-KR" sz="900" dirty="0"/>
+                <a:t>DDS2_powerdown</a:t>
+              </a:r>
+              <a:endParaRPr lang="ko-KR" altLang="en-US" sz="900" dirty="0"/>
+            </a:p>
+          </p:txBody>
+        </p:sp>
+        <p:sp>
+          <p:nvSpPr>
+            <p:cNvPr id="104" name="이등변 삼각형 103">
+              <a:extLst>
+                <a:ext uri="{FF2B5EF4-FFF2-40B4-BE49-F238E27FC236}">
+                  <a16:creationId xmlns:a16="http://schemas.microsoft.com/office/drawing/2014/main" id="{D17212F7-23EE-4E43-AF98-5A758AE67187}"/>
+                </a:ext>
+              </a:extLst>
+            </p:cNvPr>
+            <p:cNvSpPr/>
+            <p:nvPr/>
+          </p:nvSpPr>
+          <p:spPr>
+            <a:xfrm rot="16200000">
+              <a:off x="4350705" y="4722488"/>
+              <a:ext cx="76200" cy="80638"/>
+            </a:xfrm>
+            <a:prstGeom prst="triangle">
+              <a:avLst/>
+            </a:prstGeom>
+            <a:solidFill>
+              <a:schemeClr val="bg1"/>
+            </a:solidFill>
+          </p:spPr>
+          <p:style>
+            <a:lnRef idx="2">
+              <a:schemeClr val="accent1">
+                <a:shade val="50000"/>
+              </a:schemeClr>
+            </a:lnRef>
+            <a:fillRef idx="1">
+              <a:schemeClr val="accent1"/>
+            </a:fillRef>
+            <a:effectRef idx="0">
+              <a:schemeClr val="accent1"/>
+            </a:effectRef>
+            <a:fontRef idx="minor">
+              <a:schemeClr val="lt1"/>
+            </a:fontRef>
+          </p:style>
+          <p:txBody>
+            <a:bodyPr rtlCol="0" anchor="ctr"/>
+            <a:lstStyle/>
+            <a:p>
+              <a:pPr algn="ctr"/>
+              <a:endParaRPr lang="ko-KR" altLang="en-US"/>
+            </a:p>
+          </p:txBody>
+        </p:sp>
+      </p:grpSp>
+      <p:grpSp>
+        <p:nvGrpSpPr>
+          <p:cNvPr id="105" name="그룹 104">
+            <a:extLst>
+              <a:ext uri="{FF2B5EF4-FFF2-40B4-BE49-F238E27FC236}">
+                <a16:creationId xmlns:a16="http://schemas.microsoft.com/office/drawing/2014/main" id="{DBE49FCA-7CF0-4921-83E2-84D37415616E}"/>
+              </a:ext>
+            </a:extLst>
+          </p:cNvPr>
+          <p:cNvGrpSpPr/>
+          <p:nvPr/>
+        </p:nvGrpSpPr>
+        <p:grpSpPr>
+          <a:xfrm>
+            <a:off x="3169726" y="4307974"/>
+            <a:ext cx="1466859" cy="230512"/>
+            <a:chOff x="2962265" y="4647551"/>
+            <a:chExt cx="1466859" cy="230512"/>
+          </a:xfrm>
+        </p:grpSpPr>
+        <p:sp>
+          <p:nvSpPr>
+            <p:cNvPr id="106" name="직사각형 105">
+              <a:extLst>
+                <a:ext uri="{FF2B5EF4-FFF2-40B4-BE49-F238E27FC236}">
+                  <a16:creationId xmlns:a16="http://schemas.microsoft.com/office/drawing/2014/main" id="{F1D491D1-D172-4DBC-B995-8ED2EE825AC3}"/>
+                </a:ext>
+              </a:extLst>
+            </p:cNvPr>
+            <p:cNvSpPr/>
+            <p:nvPr/>
+          </p:nvSpPr>
+          <p:spPr>
+            <a:xfrm>
+              <a:off x="2962265" y="4647551"/>
+              <a:ext cx="1466859" cy="230512"/>
+            </a:xfrm>
+            <a:prstGeom prst="rect">
+              <a:avLst/>
+            </a:prstGeom>
+          </p:spPr>
+          <p:style>
+            <a:lnRef idx="2">
+              <a:schemeClr val="accent1">
+                <a:shade val="50000"/>
+              </a:schemeClr>
+            </a:lnRef>
+            <a:fillRef idx="1">
+              <a:schemeClr val="accent1"/>
+            </a:fillRef>
+            <a:effectRef idx="0">
+              <a:schemeClr val="accent1"/>
+            </a:effectRef>
+            <a:fontRef idx="minor">
+              <a:schemeClr val="lt1"/>
+            </a:fontRef>
+          </p:style>
+          <p:txBody>
+            <a:bodyPr rtlCol="0" anchor="ctr"/>
+            <a:lstStyle/>
+            <a:p>
+              <a:pPr algn="ctr"/>
+              <a:r>
+                <a:rPr lang="en-US" altLang="ko-KR" sz="900" dirty="0"/>
+                <a:t>DDS1_powerdown</a:t>
+              </a:r>
+              <a:endParaRPr lang="ko-KR" altLang="en-US" sz="900" dirty="0"/>
+            </a:p>
+          </p:txBody>
+        </p:sp>
+        <p:sp>
+          <p:nvSpPr>
+            <p:cNvPr id="107" name="이등변 삼각형 106">
+              <a:extLst>
+                <a:ext uri="{FF2B5EF4-FFF2-40B4-BE49-F238E27FC236}">
+                  <a16:creationId xmlns:a16="http://schemas.microsoft.com/office/drawing/2014/main" id="{57B4922C-1D0D-438A-91EB-02CAE14EEB32}"/>
+                </a:ext>
+              </a:extLst>
+            </p:cNvPr>
+            <p:cNvSpPr/>
+            <p:nvPr/>
+          </p:nvSpPr>
+          <p:spPr>
+            <a:xfrm rot="16200000">
+              <a:off x="4350705" y="4722488"/>
+              <a:ext cx="76200" cy="80638"/>
+            </a:xfrm>
+            <a:prstGeom prst="triangle">
+              <a:avLst/>
+            </a:prstGeom>
+            <a:solidFill>
+              <a:schemeClr val="bg1"/>
+            </a:solidFill>
+          </p:spPr>
+          <p:style>
+            <a:lnRef idx="2">
+              <a:schemeClr val="accent1">
+                <a:shade val="50000"/>
+              </a:schemeClr>
+            </a:lnRef>
+            <a:fillRef idx="1">
+              <a:schemeClr val="accent1"/>
+            </a:fillRef>
+            <a:effectRef idx="0">
+              <a:schemeClr val="accent1"/>
+            </a:effectRef>
+            <a:fontRef idx="minor">
+              <a:schemeClr val="lt1"/>
+            </a:fontRef>
+          </p:style>
+          <p:txBody>
+            <a:bodyPr rtlCol="0" anchor="ctr"/>
+            <a:lstStyle/>
+            <a:p>
+              <a:pPr algn="ctr"/>
+              <a:endParaRPr lang="ko-KR" altLang="en-US"/>
+            </a:p>
+          </p:txBody>
+        </p:sp>
+      </p:grpSp>
+      <p:grpSp>
+        <p:nvGrpSpPr>
+          <p:cNvPr id="108" name="그룹 107">
+            <a:extLst>
+              <a:ext uri="{FF2B5EF4-FFF2-40B4-BE49-F238E27FC236}">
+                <a16:creationId xmlns:a16="http://schemas.microsoft.com/office/drawing/2014/main" id="{000D1E0A-CE92-4355-90AF-EE50569E179A}"/>
+              </a:ext>
+            </a:extLst>
+          </p:cNvPr>
+          <p:cNvGrpSpPr/>
+          <p:nvPr/>
+        </p:nvGrpSpPr>
+        <p:grpSpPr>
+          <a:xfrm>
+            <a:off x="3169725" y="5247794"/>
+            <a:ext cx="1466859" cy="230512"/>
+            <a:chOff x="2962265" y="4647551"/>
+            <a:chExt cx="1466859" cy="230512"/>
+          </a:xfrm>
+        </p:grpSpPr>
+        <p:sp>
+          <p:nvSpPr>
+            <p:cNvPr id="109" name="직사각형 108">
+              <a:extLst>
+                <a:ext uri="{FF2B5EF4-FFF2-40B4-BE49-F238E27FC236}">
+                  <a16:creationId xmlns:a16="http://schemas.microsoft.com/office/drawing/2014/main" id="{852BC6CA-9D68-4E2B-A398-7D28DBA66250}"/>
+                </a:ext>
+              </a:extLst>
+            </p:cNvPr>
+            <p:cNvSpPr/>
+            <p:nvPr/>
+          </p:nvSpPr>
+          <p:spPr>
+            <a:xfrm>
+              <a:off x="2962265" y="4647551"/>
+              <a:ext cx="1466859" cy="230512"/>
+            </a:xfrm>
+            <a:prstGeom prst="rect">
+              <a:avLst/>
+            </a:prstGeom>
+          </p:spPr>
+          <p:style>
+            <a:lnRef idx="2">
+              <a:schemeClr val="accent1">
+                <a:shade val="50000"/>
+              </a:schemeClr>
+            </a:lnRef>
+            <a:fillRef idx="1">
+              <a:schemeClr val="accent1"/>
+            </a:fillRef>
+            <a:effectRef idx="0">
+              <a:schemeClr val="accent1"/>
+            </a:effectRef>
+            <a:fontRef idx="minor">
+              <a:schemeClr val="lt1"/>
+            </a:fontRef>
+          </p:style>
+          <p:txBody>
+            <a:bodyPr rtlCol="0" anchor="ctr"/>
+            <a:lstStyle/>
+            <a:p>
+              <a:pPr algn="ctr"/>
+              <a:r>
+                <a:rPr lang="en-US" altLang="ko-KR" sz="900" dirty="0" err="1"/>
+                <a:t>DDS_reset</a:t>
+              </a:r>
+              <a:endParaRPr lang="ko-KR" altLang="en-US" sz="900" dirty="0"/>
+            </a:p>
+          </p:txBody>
+        </p:sp>
+        <p:sp>
+          <p:nvSpPr>
+            <p:cNvPr id="110" name="이등변 삼각형 109">
+              <a:extLst>
+                <a:ext uri="{FF2B5EF4-FFF2-40B4-BE49-F238E27FC236}">
+                  <a16:creationId xmlns:a16="http://schemas.microsoft.com/office/drawing/2014/main" id="{9D27C66E-DD66-4572-8727-2D3FE8E0D2F1}"/>
+                </a:ext>
+              </a:extLst>
+            </p:cNvPr>
+            <p:cNvSpPr/>
+            <p:nvPr/>
+          </p:nvSpPr>
+          <p:spPr>
+            <a:xfrm rot="16200000">
+              <a:off x="4350705" y="4722488"/>
+              <a:ext cx="76200" cy="80638"/>
+            </a:xfrm>
+            <a:prstGeom prst="triangle">
+              <a:avLst/>
+            </a:prstGeom>
+            <a:solidFill>
+              <a:schemeClr val="bg1"/>
+            </a:solidFill>
           </p:spPr>
           <p:style>
             <a:lnRef idx="2">
@@ -21428,27 +25971,27 @@
       </p:grpSp>
       <p:cxnSp>
         <p:nvCxnSpPr>
-          <p:cNvPr id="54" name="연결선: 꺾임 53">
-            <a:extLst>
-              <a:ext uri="{FF2B5EF4-FFF2-40B4-BE49-F238E27FC236}">
-                <a16:creationId xmlns:a16="http://schemas.microsoft.com/office/drawing/2014/main" id="{98F6229F-2098-45BE-ACF7-1F91406293C3}"/>
+          <p:cNvPr id="112" name="연결선: 꺾임 111">
+            <a:extLst>
+              <a:ext uri="{FF2B5EF4-FFF2-40B4-BE49-F238E27FC236}">
+                <a16:creationId xmlns:a16="http://schemas.microsoft.com/office/drawing/2014/main" id="{237D76CB-2877-4839-A12D-3BB3BCCB89E5}"/>
               </a:ext>
             </a:extLst>
           </p:cNvPr>
           <p:cNvCxnSpPr>
-            <a:stCxn id="34" idx="2"/>
-            <a:endCxn id="48" idx="4"/>
+            <a:stCxn id="37" idx="3"/>
+            <a:endCxn id="94" idx="1"/>
           </p:cNvCxnSpPr>
           <p:nvPr/>
         </p:nvCxnSpPr>
         <p:spPr>
-          <a:xfrm rot="5400000" flipH="1">
-            <a:off x="3371683" y="1435449"/>
-            <a:ext cx="18945" cy="1044002"/>
+          <a:xfrm flipH="1">
+            <a:off x="1258194" y="4013866"/>
+            <a:ext cx="384186" cy="2610595"/>
           </a:xfrm>
           <a:prstGeom prst="bentConnector3">
             <a:avLst>
-              <a:gd name="adj1" fmla="val -1206651"/>
+              <a:gd name="adj1" fmla="val -47932"/>
             </a:avLst>
           </a:prstGeom>
           <a:ln>
@@ -21472,26 +26015,298 @@
       </p:cxnSp>
       <p:cxnSp>
         <p:nvCxnSpPr>
-          <p:cNvPr id="56" name="직선 화살표 연결선 55">
-            <a:extLst>
-              <a:ext uri="{FF2B5EF4-FFF2-40B4-BE49-F238E27FC236}">
-                <a16:creationId xmlns:a16="http://schemas.microsoft.com/office/drawing/2014/main" id="{3C243508-2CBA-4815-B063-E63D99EA2DCF}"/>
+          <p:cNvPr id="114" name="연결선: 꺾임 113">
+            <a:extLst>
+              <a:ext uri="{FF2B5EF4-FFF2-40B4-BE49-F238E27FC236}">
+                <a16:creationId xmlns:a16="http://schemas.microsoft.com/office/drawing/2014/main" id="{6D80F142-1E93-4DD4-B130-00FB4DE60274}"/>
               </a:ext>
             </a:extLst>
           </p:cNvPr>
           <p:cNvCxnSpPr>
-            <a:stCxn id="48" idx="6"/>
-            <a:endCxn id="34" idx="1"/>
+            <a:stCxn id="36" idx="3"/>
+            <a:endCxn id="90" idx="1"/>
           </p:cNvCxnSpPr>
           <p:nvPr/>
         </p:nvCxnSpPr>
         <p:spPr>
-          <a:xfrm>
-            <a:off x="2957031" y="1850101"/>
-            <a:ext cx="212696" cy="1565"/>
-          </a:xfrm>
-          <a:prstGeom prst="straightConnector1">
-            <a:avLst/>
+          <a:xfrm flipH="1">
+            <a:off x="1258194" y="3666515"/>
+            <a:ext cx="384186" cy="1386321"/>
+          </a:xfrm>
+          <a:prstGeom prst="bentConnector3">
+            <a:avLst>
+              <a:gd name="adj1" fmla="val -24792"/>
+            </a:avLst>
+          </a:prstGeom>
+          <a:ln>
+            <a:tailEnd type="triangle"/>
+          </a:ln>
+        </p:spPr>
+        <p:style>
+          <a:lnRef idx="1">
+            <a:schemeClr val="accent1"/>
+          </a:lnRef>
+          <a:fillRef idx="0">
+            <a:schemeClr val="accent1"/>
+          </a:fillRef>
+          <a:effectRef idx="0">
+            <a:schemeClr val="accent1"/>
+          </a:effectRef>
+          <a:fontRef idx="minor">
+            <a:schemeClr val="tx1"/>
+          </a:fontRef>
+        </p:style>
+      </p:cxnSp>
+      <p:cxnSp>
+        <p:nvCxnSpPr>
+          <p:cNvPr id="118" name="연결선: 꺾임 117">
+            <a:extLst>
+              <a:ext uri="{FF2B5EF4-FFF2-40B4-BE49-F238E27FC236}">
+                <a16:creationId xmlns:a16="http://schemas.microsoft.com/office/drawing/2014/main" id="{7D23985E-F0CC-4180-97D1-7E069C89C7C2}"/>
+              </a:ext>
+            </a:extLst>
+          </p:cNvPr>
+          <p:cNvCxnSpPr>
+            <a:cxnSpLocks/>
+            <a:stCxn id="106" idx="1"/>
+            <a:endCxn id="89" idx="1"/>
+          </p:cNvCxnSpPr>
+          <p:nvPr/>
+        </p:nvCxnSpPr>
+        <p:spPr>
+          <a:xfrm rot="10800000" flipV="1">
+            <a:off x="1258194" y="4423230"/>
+            <a:ext cx="1911532" cy="956"/>
+          </a:xfrm>
+          <a:prstGeom prst="bentConnector3">
+            <a:avLst>
+              <a:gd name="adj1" fmla="val 50000"/>
+            </a:avLst>
+          </a:prstGeom>
+          <a:ln>
+            <a:tailEnd type="triangle"/>
+          </a:ln>
+        </p:spPr>
+        <p:style>
+          <a:lnRef idx="1">
+            <a:schemeClr val="accent1"/>
+          </a:lnRef>
+          <a:fillRef idx="0">
+            <a:schemeClr val="accent1"/>
+          </a:fillRef>
+          <a:effectRef idx="0">
+            <a:schemeClr val="accent1"/>
+          </a:effectRef>
+          <a:fontRef idx="minor">
+            <a:schemeClr val="tx1"/>
+          </a:fontRef>
+        </p:style>
+      </p:cxnSp>
+      <p:cxnSp>
+        <p:nvCxnSpPr>
+          <p:cNvPr id="121" name="연결선: 꺾임 120">
+            <a:extLst>
+              <a:ext uri="{FF2B5EF4-FFF2-40B4-BE49-F238E27FC236}">
+                <a16:creationId xmlns:a16="http://schemas.microsoft.com/office/drawing/2014/main" id="{8C54D223-56FA-49E7-9158-399E447C582C}"/>
+              </a:ext>
+            </a:extLst>
+          </p:cNvPr>
+          <p:cNvCxnSpPr>
+            <a:cxnSpLocks/>
+            <a:stCxn id="99" idx="1"/>
+            <a:endCxn id="95" idx="0"/>
+          </p:cNvCxnSpPr>
+          <p:nvPr/>
+        </p:nvCxnSpPr>
+        <p:spPr>
+          <a:xfrm rot="10800000" flipV="1">
+            <a:off x="1258195" y="4735337"/>
+            <a:ext cx="1911533" cy="3174"/>
+          </a:xfrm>
+          <a:prstGeom prst="bentConnector3">
+            <a:avLst>
+              <a:gd name="adj1" fmla="val 50000"/>
+            </a:avLst>
+          </a:prstGeom>
+          <a:ln>
+            <a:tailEnd type="triangle"/>
+          </a:ln>
+        </p:spPr>
+        <p:style>
+          <a:lnRef idx="1">
+            <a:schemeClr val="accent1"/>
+          </a:lnRef>
+          <a:fillRef idx="0">
+            <a:schemeClr val="accent1"/>
+          </a:fillRef>
+          <a:effectRef idx="0">
+            <a:schemeClr val="accent1"/>
+          </a:effectRef>
+          <a:fontRef idx="minor">
+            <a:schemeClr val="tx1"/>
+          </a:fontRef>
+        </p:style>
+      </p:cxnSp>
+      <p:cxnSp>
+        <p:nvCxnSpPr>
+          <p:cNvPr id="124" name="연결선: 꺾임 123">
+            <a:extLst>
+              <a:ext uri="{FF2B5EF4-FFF2-40B4-BE49-F238E27FC236}">
+                <a16:creationId xmlns:a16="http://schemas.microsoft.com/office/drawing/2014/main" id="{E5FB7348-86A9-483B-B443-8E78316EA590}"/>
+              </a:ext>
+            </a:extLst>
+          </p:cNvPr>
+          <p:cNvCxnSpPr>
+            <a:cxnSpLocks/>
+            <a:stCxn id="109" idx="1"/>
+            <a:endCxn id="91" idx="1"/>
+          </p:cNvCxnSpPr>
+          <p:nvPr/>
+        </p:nvCxnSpPr>
+        <p:spPr>
+          <a:xfrm rot="10800000" flipV="1">
+            <a:off x="1258195" y="5363049"/>
+            <a:ext cx="1911531" cy="4111"/>
+          </a:xfrm>
+          <a:prstGeom prst="bentConnector3">
+            <a:avLst>
+              <a:gd name="adj1" fmla="val 50000"/>
+            </a:avLst>
+          </a:prstGeom>
+          <a:ln>
+            <a:tailEnd type="triangle"/>
+          </a:ln>
+        </p:spPr>
+        <p:style>
+          <a:lnRef idx="1">
+            <a:schemeClr val="accent1"/>
+          </a:lnRef>
+          <a:fillRef idx="0">
+            <a:schemeClr val="accent1"/>
+          </a:fillRef>
+          <a:effectRef idx="0">
+            <a:schemeClr val="accent1"/>
+          </a:effectRef>
+          <a:fontRef idx="minor">
+            <a:schemeClr val="tx1"/>
+          </a:fontRef>
+        </p:style>
+      </p:cxnSp>
+      <p:cxnSp>
+        <p:nvCxnSpPr>
+          <p:cNvPr id="127" name="연결선: 꺾임 126">
+            <a:extLst>
+              <a:ext uri="{FF2B5EF4-FFF2-40B4-BE49-F238E27FC236}">
+                <a16:creationId xmlns:a16="http://schemas.microsoft.com/office/drawing/2014/main" id="{211A4EE2-829E-4FB9-A29A-2394F1ADC67C}"/>
+              </a:ext>
+            </a:extLst>
+          </p:cNvPr>
+          <p:cNvCxnSpPr>
+            <a:cxnSpLocks/>
+            <a:stCxn id="38" idx="3"/>
+            <a:endCxn id="92" idx="1"/>
+          </p:cNvCxnSpPr>
+          <p:nvPr/>
+        </p:nvCxnSpPr>
+        <p:spPr>
+          <a:xfrm flipH="1">
+            <a:off x="1258194" y="3326783"/>
+            <a:ext cx="3378392" cy="2354703"/>
+          </a:xfrm>
+          <a:prstGeom prst="bentConnector3">
+            <a:avLst>
+              <a:gd name="adj1" fmla="val -6767"/>
+            </a:avLst>
+          </a:prstGeom>
+          <a:ln>
+            <a:tailEnd type="triangle"/>
+          </a:ln>
+        </p:spPr>
+        <p:style>
+          <a:lnRef idx="1">
+            <a:schemeClr val="accent1"/>
+          </a:lnRef>
+          <a:fillRef idx="0">
+            <a:schemeClr val="accent1"/>
+          </a:fillRef>
+          <a:effectRef idx="0">
+            <a:schemeClr val="accent1"/>
+          </a:effectRef>
+          <a:fontRef idx="minor">
+            <a:schemeClr val="tx1"/>
+          </a:fontRef>
+        </p:style>
+      </p:cxnSp>
+      <p:cxnSp>
+        <p:nvCxnSpPr>
+          <p:cNvPr id="130" name="연결선: 꺾임 129">
+            <a:extLst>
+              <a:ext uri="{FF2B5EF4-FFF2-40B4-BE49-F238E27FC236}">
+                <a16:creationId xmlns:a16="http://schemas.microsoft.com/office/drawing/2014/main" id="{0B72D15C-D39D-43BA-9E14-7569D3137440}"/>
+              </a:ext>
+            </a:extLst>
+          </p:cNvPr>
+          <p:cNvCxnSpPr>
+            <a:cxnSpLocks/>
+            <a:stCxn id="103" idx="1"/>
+            <a:endCxn id="93" idx="1"/>
+          </p:cNvCxnSpPr>
+          <p:nvPr/>
+        </p:nvCxnSpPr>
+        <p:spPr>
+          <a:xfrm rot="10800000">
+            <a:off x="1258194" y="5995811"/>
+            <a:ext cx="1911532" cy="322"/>
+          </a:xfrm>
+          <a:prstGeom prst="bentConnector3">
+            <a:avLst>
+              <a:gd name="adj1" fmla="val 50000"/>
+            </a:avLst>
+          </a:prstGeom>
+          <a:ln>
+            <a:tailEnd type="triangle"/>
+          </a:ln>
+        </p:spPr>
+        <p:style>
+          <a:lnRef idx="1">
+            <a:schemeClr val="accent1"/>
+          </a:lnRef>
+          <a:fillRef idx="0">
+            <a:schemeClr val="accent1"/>
+          </a:fillRef>
+          <a:effectRef idx="0">
+            <a:schemeClr val="accent1"/>
+          </a:effectRef>
+          <a:fontRef idx="minor">
+            <a:schemeClr val="tx1"/>
+          </a:fontRef>
+        </p:style>
+      </p:cxnSp>
+      <p:cxnSp>
+        <p:nvCxnSpPr>
+          <p:cNvPr id="133" name="연결선: 꺾임 132">
+            <a:extLst>
+              <a:ext uri="{FF2B5EF4-FFF2-40B4-BE49-F238E27FC236}">
+                <a16:creationId xmlns:a16="http://schemas.microsoft.com/office/drawing/2014/main" id="{1F527257-3010-4881-9166-2BBB327507FF}"/>
+              </a:ext>
+            </a:extLst>
+          </p:cNvPr>
+          <p:cNvCxnSpPr>
+            <a:cxnSpLocks/>
+            <a:stCxn id="100" idx="1"/>
+            <a:endCxn id="96" idx="0"/>
+          </p:cNvCxnSpPr>
+          <p:nvPr/>
+        </p:nvCxnSpPr>
+        <p:spPr>
+          <a:xfrm rot="10800000">
+            <a:off x="1258195" y="6310136"/>
+            <a:ext cx="1911533" cy="956"/>
+          </a:xfrm>
+          <a:prstGeom prst="bentConnector3">
+            <a:avLst>
+              <a:gd name="adj1" fmla="val 50000"/>
+            </a:avLst>
           </a:prstGeom>
           <a:ln>
             <a:tailEnd type="triangle"/>
@@ -21514,10 +26329,10 @@
       </p:cxnSp>
       <p:sp>
         <p:nvSpPr>
-          <p:cNvPr id="58" name="직사각형 57">
-            <a:extLst>
-              <a:ext uri="{FF2B5EF4-FFF2-40B4-BE49-F238E27FC236}">
-                <a16:creationId xmlns:a16="http://schemas.microsoft.com/office/drawing/2014/main" id="{9EF7E63A-9A44-4022-96CC-ECA3A72B41CC}"/>
+          <p:cNvPr id="136" name="직사각형 135">
+            <a:extLst>
+              <a:ext uri="{FF2B5EF4-FFF2-40B4-BE49-F238E27FC236}">
+                <a16:creationId xmlns:a16="http://schemas.microsoft.com/office/drawing/2014/main" id="{CA1EA4B7-5311-4B2B-A83E-028FD775F73D}"/>
               </a:ext>
             </a:extLst>
           </p:cNvPr>
@@ -21526,8 +26341,8 @@
         </p:nvSpPr>
         <p:spPr>
           <a:xfrm>
-            <a:off x="2356510" y="1736410"/>
-            <a:ext cx="237442" cy="230512"/>
+            <a:off x="3169725" y="851047"/>
+            <a:ext cx="1466859" cy="230512"/>
           </a:xfrm>
           <a:prstGeom prst="rect">
             <a:avLst/>
@@ -21556,7 +26371,11 @@
             <a:pPr algn="ctr"/>
             <a:r>
               <a:rPr lang="en-US" altLang="ko-KR" sz="900" dirty="0"/>
-              <a:t>1</a:t>
+              <a:t>[7:0] </a:t>
+            </a:r>
+            <a:r>
+              <a:rPr lang="en-US" altLang="ko-KR" sz="900" dirty="0" err="1"/>
+              <a:t>DAC_update</a:t>
             </a:r>
             <a:endParaRPr lang="ko-KR" altLang="en-US" sz="900" dirty="0"/>
           </a:p>
@@ -21564,27 +26383,209 @@
       </p:sp>
       <p:cxnSp>
         <p:nvCxnSpPr>
-          <p:cNvPr id="60" name="직선 화살표 연결선 59">
-            <a:extLst>
-              <a:ext uri="{FF2B5EF4-FFF2-40B4-BE49-F238E27FC236}">
-                <a16:creationId xmlns:a16="http://schemas.microsoft.com/office/drawing/2014/main" id="{BE205524-6BF1-41F8-91B5-D7AF37EF8865}"/>
+          <p:cNvPr id="137" name="연결선: 꺾임 136">
+            <a:extLst>
+              <a:ext uri="{FF2B5EF4-FFF2-40B4-BE49-F238E27FC236}">
+                <a16:creationId xmlns:a16="http://schemas.microsoft.com/office/drawing/2014/main" id="{688BB85F-CAD1-4AA3-8694-A6795A71C86B}"/>
               </a:ext>
             </a:extLst>
           </p:cNvPr>
           <p:cNvCxnSpPr>
             <a:cxnSpLocks/>
-            <a:stCxn id="58" idx="3"/>
-            <a:endCxn id="48" idx="2"/>
+            <a:stCxn id="4" idx="3"/>
+            <a:endCxn id="6" idx="1"/>
           </p:cNvCxnSpPr>
           <p:nvPr/>
         </p:nvCxnSpPr>
         <p:spPr>
+          <a:xfrm>
+            <a:off x="1642381" y="337506"/>
+            <a:ext cx="1527347" cy="12700"/>
+          </a:xfrm>
+          <a:prstGeom prst="bentConnector3">
+            <a:avLst>
+              <a:gd name="adj1" fmla="val 6096"/>
+            </a:avLst>
+          </a:prstGeom>
+          <a:ln>
+            <a:tailEnd type="triangle"/>
+          </a:ln>
+        </p:spPr>
+        <p:style>
+          <a:lnRef idx="1">
+            <a:schemeClr val="accent1"/>
+          </a:lnRef>
+          <a:fillRef idx="0">
+            <a:schemeClr val="accent1"/>
+          </a:fillRef>
+          <a:effectRef idx="0">
+            <a:schemeClr val="accent1"/>
+          </a:effectRef>
+          <a:fontRef idx="minor">
+            <a:schemeClr val="tx1"/>
+          </a:fontRef>
+        </p:style>
+      </p:cxnSp>
+      <p:cxnSp>
+        <p:nvCxnSpPr>
+          <p:cNvPr id="140" name="연결선: 꺾임 139">
+            <a:extLst>
+              <a:ext uri="{FF2B5EF4-FFF2-40B4-BE49-F238E27FC236}">
+                <a16:creationId xmlns:a16="http://schemas.microsoft.com/office/drawing/2014/main" id="{374D6255-B15B-49DB-8E2F-A67377FA6C80}"/>
+              </a:ext>
+            </a:extLst>
+          </p:cNvPr>
+          <p:cNvCxnSpPr>
+            <a:cxnSpLocks/>
+            <a:stCxn id="4" idx="3"/>
+            <a:endCxn id="5" idx="1"/>
+          </p:cNvCxnSpPr>
+          <p:nvPr/>
+        </p:nvCxnSpPr>
+        <p:spPr>
+          <a:xfrm>
+            <a:off x="1642381" y="337506"/>
+            <a:ext cx="1527347" cy="314633"/>
+          </a:xfrm>
+          <a:prstGeom prst="bentConnector3">
+            <a:avLst>
+              <a:gd name="adj1" fmla="val 6096"/>
+            </a:avLst>
+          </a:prstGeom>
+          <a:ln>
+            <a:tailEnd type="triangle"/>
+          </a:ln>
+        </p:spPr>
+        <p:style>
+          <a:lnRef idx="1">
+            <a:schemeClr val="accent1"/>
+          </a:lnRef>
+          <a:fillRef idx="0">
+            <a:schemeClr val="accent1"/>
+          </a:fillRef>
+          <a:effectRef idx="0">
+            <a:schemeClr val="accent1"/>
+          </a:effectRef>
+          <a:fontRef idx="minor">
+            <a:schemeClr val="tx1"/>
+          </a:fontRef>
+        </p:style>
+      </p:cxnSp>
+      <p:cxnSp>
+        <p:nvCxnSpPr>
+          <p:cNvPr id="145" name="연결선: 꺾임 144">
+            <a:extLst>
+              <a:ext uri="{FF2B5EF4-FFF2-40B4-BE49-F238E27FC236}">
+                <a16:creationId xmlns:a16="http://schemas.microsoft.com/office/drawing/2014/main" id="{58D0A15B-A6B2-47BF-98F4-02700D09593B}"/>
+              </a:ext>
+            </a:extLst>
+          </p:cNvPr>
+          <p:cNvCxnSpPr>
+            <a:cxnSpLocks/>
+            <a:stCxn id="18" idx="3"/>
+            <a:endCxn id="20" idx="1"/>
+          </p:cNvCxnSpPr>
+          <p:nvPr/>
+        </p:nvCxnSpPr>
+        <p:spPr>
           <a:xfrm flipV="1">
-            <a:off x="2593952" y="1850101"/>
-            <a:ext cx="167327" cy="1565"/>
-          </a:xfrm>
-          <a:prstGeom prst="straightConnector1">
-            <a:avLst/>
+            <a:off x="1642380" y="1968954"/>
+            <a:ext cx="1527347" cy="2220"/>
+          </a:xfrm>
+          <a:prstGeom prst="bentConnector3">
+            <a:avLst>
+              <a:gd name="adj1" fmla="val 7095"/>
+            </a:avLst>
+          </a:prstGeom>
+          <a:ln>
+            <a:tailEnd type="triangle"/>
+          </a:ln>
+        </p:spPr>
+        <p:style>
+          <a:lnRef idx="1">
+            <a:schemeClr val="accent1"/>
+          </a:lnRef>
+          <a:fillRef idx="0">
+            <a:schemeClr val="accent1"/>
+          </a:fillRef>
+          <a:effectRef idx="0">
+            <a:schemeClr val="accent1"/>
+          </a:effectRef>
+          <a:fontRef idx="minor">
+            <a:schemeClr val="tx1"/>
+          </a:fontRef>
+        </p:style>
+      </p:cxnSp>
+      <p:cxnSp>
+        <p:nvCxnSpPr>
+          <p:cNvPr id="146" name="연결선: 꺾임 145">
+            <a:extLst>
+              <a:ext uri="{FF2B5EF4-FFF2-40B4-BE49-F238E27FC236}">
+                <a16:creationId xmlns:a16="http://schemas.microsoft.com/office/drawing/2014/main" id="{105EB706-274B-4AE0-A94D-D58F47F9CD55}"/>
+              </a:ext>
+            </a:extLst>
+          </p:cNvPr>
+          <p:cNvCxnSpPr>
+            <a:cxnSpLocks/>
+            <a:stCxn id="18" idx="3"/>
+            <a:endCxn id="25" idx="1"/>
+          </p:cNvCxnSpPr>
+          <p:nvPr/>
+        </p:nvCxnSpPr>
+        <p:spPr>
+          <a:xfrm>
+            <a:off x="1642380" y="1971174"/>
+            <a:ext cx="1527347" cy="312413"/>
+          </a:xfrm>
+          <a:prstGeom prst="bentConnector3">
+            <a:avLst>
+              <a:gd name="adj1" fmla="val 7593"/>
+            </a:avLst>
+          </a:prstGeom>
+          <a:ln>
+            <a:tailEnd type="triangle"/>
+          </a:ln>
+        </p:spPr>
+        <p:style>
+          <a:lnRef idx="1">
+            <a:schemeClr val="accent1"/>
+          </a:lnRef>
+          <a:fillRef idx="0">
+            <a:schemeClr val="accent1"/>
+          </a:fillRef>
+          <a:effectRef idx="0">
+            <a:schemeClr val="accent1"/>
+          </a:effectRef>
+          <a:fontRef idx="minor">
+            <a:schemeClr val="tx1"/>
+          </a:fontRef>
+        </p:style>
+      </p:cxnSp>
+      <p:cxnSp>
+        <p:nvCxnSpPr>
+          <p:cNvPr id="156" name="연결선: 꺾임 155">
+            <a:extLst>
+              <a:ext uri="{FF2B5EF4-FFF2-40B4-BE49-F238E27FC236}">
+                <a16:creationId xmlns:a16="http://schemas.microsoft.com/office/drawing/2014/main" id="{0C382E81-777B-4EFD-BA4A-93EAC9898C08}"/>
+              </a:ext>
+            </a:extLst>
+          </p:cNvPr>
+          <p:cNvCxnSpPr>
+            <a:cxnSpLocks/>
+            <a:stCxn id="4" idx="3"/>
+            <a:endCxn id="136" idx="1"/>
+          </p:cNvCxnSpPr>
+          <p:nvPr/>
+        </p:nvCxnSpPr>
+        <p:spPr>
+          <a:xfrm>
+            <a:off x="1642381" y="337506"/>
+            <a:ext cx="1527344" cy="628797"/>
+          </a:xfrm>
+          <a:prstGeom prst="bentConnector3">
+            <a:avLst>
+              <a:gd name="adj1" fmla="val 5930"/>
+            </a:avLst>
           </a:prstGeom>
           <a:ln>
             <a:tailEnd type="triangle"/>
@@ -21607,10 +26608,10 @@
       </p:cxnSp>
       <p:sp>
         <p:nvSpPr>
-          <p:cNvPr id="63" name="직사각형 62">
-            <a:extLst>
-              <a:ext uri="{FF2B5EF4-FFF2-40B4-BE49-F238E27FC236}">
-                <a16:creationId xmlns:a16="http://schemas.microsoft.com/office/drawing/2014/main" id="{8E4BA007-2979-4A7D-B51A-B8FA5CF8F019}"/>
+          <p:cNvPr id="161" name="직사각형 160">
+            <a:extLst>
+              <a:ext uri="{FF2B5EF4-FFF2-40B4-BE49-F238E27FC236}">
+                <a16:creationId xmlns:a16="http://schemas.microsoft.com/office/drawing/2014/main" id="{C46D1C6B-101D-4931-B192-724225E1B424}"/>
               </a:ext>
             </a:extLst>
           </p:cNvPr>
@@ -21619,7 +26620,46 @@
         </p:nvSpPr>
         <p:spPr>
           <a:xfrm>
-            <a:off x="3169727" y="2607642"/>
+            <a:off x="1692556" y="734418"/>
+            <a:ext cx="1452642" cy="230832"/>
+          </a:xfrm>
+          <a:prstGeom prst="rect">
+            <a:avLst/>
+          </a:prstGeom>
+        </p:spPr>
+        <p:txBody>
+          <a:bodyPr wrap="none">
+            <a:spAutoFit/>
+          </a:bodyPr>
+          <a:lstStyle/>
+          <a:p>
+            <a:r>
+              <a:rPr lang="en-US" altLang="ko-KR" sz="900" dirty="0" err="1"/>
+              <a:t>BTF_Buffer</a:t>
+            </a:r>
+            <a:r>
+              <a:rPr lang="en-US" altLang="ko-KR" sz="900" dirty="0"/>
+              <a:t>[24+8 : 24+1]</a:t>
+            </a:r>
+            <a:endParaRPr lang="ko-KR" altLang="en-US" sz="900" dirty="0"/>
+          </a:p>
+        </p:txBody>
+      </p:sp>
+      <p:sp>
+        <p:nvSpPr>
+          <p:cNvPr id="162" name="직사각형 161">
+            <a:extLst>
+              <a:ext uri="{FF2B5EF4-FFF2-40B4-BE49-F238E27FC236}">
+                <a16:creationId xmlns:a16="http://schemas.microsoft.com/office/drawing/2014/main" id="{2DB7315E-BD24-4BDE-9FC4-FD33DD6C7967}"/>
+              </a:ext>
+            </a:extLst>
+          </p:cNvPr>
+          <p:cNvSpPr/>
+          <p:nvPr/>
+        </p:nvSpPr>
+        <p:spPr>
+          <a:xfrm>
+            <a:off x="9293401" y="222250"/>
             <a:ext cx="1466859" cy="230512"/>
           </a:xfrm>
           <a:prstGeom prst="rect">
@@ -21648,8 +26688,12 @@
           <a:p>
             <a:pPr algn="ctr"/>
             <a:r>
+              <a:rPr lang="en-US" altLang="ko-KR" sz="900" dirty="0"/>
+              <a:t>[24:1] </a:t>
+            </a:r>
+            <a:r>
               <a:rPr lang="en-US" altLang="ko-KR" sz="900" dirty="0" err="1"/>
-              <a:t>DDS_clock</a:t>
+              <a:t>DAC_data</a:t>
             </a:r>
             <a:endParaRPr lang="ko-KR" altLang="en-US" sz="900" dirty="0"/>
           </a:p>
@@ -21657,26 +26701,503 @@
       </p:sp>
       <p:cxnSp>
         <p:nvCxnSpPr>
-          <p:cNvPr id="65" name="연결선: 꺾임 64">
-            <a:extLst>
-              <a:ext uri="{FF2B5EF4-FFF2-40B4-BE49-F238E27FC236}">
-                <a16:creationId xmlns:a16="http://schemas.microsoft.com/office/drawing/2014/main" id="{083E077B-516E-42B0-8E62-9F4160BF90BF}"/>
+          <p:cNvPr id="163" name="연결선: 꺾임 162">
+            <a:extLst>
+              <a:ext uri="{FF2B5EF4-FFF2-40B4-BE49-F238E27FC236}">
+                <a16:creationId xmlns:a16="http://schemas.microsoft.com/office/drawing/2014/main" id="{DFC5FEE9-8901-40FE-8059-4985270A80CA}"/>
               </a:ext>
             </a:extLst>
           </p:cNvPr>
           <p:cNvCxnSpPr>
             <a:cxnSpLocks/>
-            <a:stCxn id="34" idx="2"/>
-            <a:endCxn id="63" idx="0"/>
+            <a:stCxn id="167" idx="3"/>
+            <a:endCxn id="162" idx="1"/>
           </p:cNvCxnSpPr>
           <p:nvPr/>
         </p:nvCxnSpPr>
         <p:spPr>
-          <a:xfrm rot="5400000">
-            <a:off x="3582797" y="2287282"/>
-            <a:ext cx="640720" cy="12700"/>
+          <a:xfrm flipV="1">
+            <a:off x="7766055" y="337506"/>
+            <a:ext cx="1527346" cy="443"/>
           </a:xfrm>
           <a:prstGeom prst="bentConnector3">
+            <a:avLst>
+              <a:gd name="adj1" fmla="val 50000"/>
+            </a:avLst>
+          </a:prstGeom>
+          <a:ln>
+            <a:tailEnd type="triangle"/>
+          </a:ln>
+        </p:spPr>
+        <p:style>
+          <a:lnRef idx="1">
+            <a:schemeClr val="accent1"/>
+          </a:lnRef>
+          <a:fillRef idx="0">
+            <a:schemeClr val="accent1"/>
+          </a:fillRef>
+          <a:effectRef idx="0">
+            <a:schemeClr val="accent1"/>
+          </a:effectRef>
+          <a:fontRef idx="minor">
+            <a:schemeClr val="tx1"/>
+          </a:fontRef>
+        </p:style>
+      </p:cxnSp>
+      <p:grpSp>
+        <p:nvGrpSpPr>
+          <p:cNvPr id="166" name="그룹 165">
+            <a:extLst>
+              <a:ext uri="{FF2B5EF4-FFF2-40B4-BE49-F238E27FC236}">
+                <a16:creationId xmlns:a16="http://schemas.microsoft.com/office/drawing/2014/main" id="{51A0276D-38A4-4FA1-ACCE-047EC842ABDA}"/>
+              </a:ext>
+            </a:extLst>
+          </p:cNvPr>
+          <p:cNvGrpSpPr/>
+          <p:nvPr/>
+        </p:nvGrpSpPr>
+        <p:grpSpPr>
+          <a:xfrm>
+            <a:off x="6299196" y="222693"/>
+            <a:ext cx="1466859" cy="230512"/>
+            <a:chOff x="2962265" y="4647551"/>
+            <a:chExt cx="1466859" cy="230512"/>
+          </a:xfrm>
+        </p:grpSpPr>
+        <p:sp>
+          <p:nvSpPr>
+            <p:cNvPr id="167" name="직사각형 166">
+              <a:extLst>
+                <a:ext uri="{FF2B5EF4-FFF2-40B4-BE49-F238E27FC236}">
+                  <a16:creationId xmlns:a16="http://schemas.microsoft.com/office/drawing/2014/main" id="{2EF5E60E-E662-4DA3-8F41-10AB4FEA6919}"/>
+                </a:ext>
+              </a:extLst>
+            </p:cNvPr>
+            <p:cNvSpPr/>
+            <p:nvPr/>
+          </p:nvSpPr>
+          <p:spPr>
+            <a:xfrm>
+              <a:off x="2962265" y="4647551"/>
+              <a:ext cx="1466859" cy="230512"/>
+            </a:xfrm>
+            <a:prstGeom prst="rect">
+              <a:avLst/>
+            </a:prstGeom>
+          </p:spPr>
+          <p:style>
+            <a:lnRef idx="2">
+              <a:schemeClr val="accent1">
+                <a:shade val="50000"/>
+              </a:schemeClr>
+            </a:lnRef>
+            <a:fillRef idx="1">
+              <a:schemeClr val="accent1"/>
+            </a:fillRef>
+            <a:effectRef idx="0">
+              <a:schemeClr val="accent1"/>
+            </a:effectRef>
+            <a:fontRef idx="minor">
+              <a:schemeClr val="lt1"/>
+            </a:fontRef>
+          </p:style>
+          <p:txBody>
+            <a:bodyPr rtlCol="0" anchor="ctr"/>
+            <a:lstStyle/>
+            <a:p>
+              <a:pPr algn="ctr"/>
+              <a:r>
+                <a:rPr lang="en-US" altLang="ko-KR" sz="900" dirty="0"/>
+                <a:t>[32:1] </a:t>
+              </a:r>
+              <a:r>
+                <a:rPr lang="en-US" altLang="ko-KR" sz="900" dirty="0" err="1"/>
+                <a:t>DAC_buffer</a:t>
+              </a:r>
+              <a:endParaRPr lang="ko-KR" altLang="en-US" sz="900" dirty="0"/>
+            </a:p>
+          </p:txBody>
+        </p:sp>
+        <p:sp>
+          <p:nvSpPr>
+            <p:cNvPr id="168" name="이등변 삼각형 167">
+              <a:extLst>
+                <a:ext uri="{FF2B5EF4-FFF2-40B4-BE49-F238E27FC236}">
+                  <a16:creationId xmlns:a16="http://schemas.microsoft.com/office/drawing/2014/main" id="{F9677BBB-1706-4395-A544-4580AFDCA312}"/>
+                </a:ext>
+              </a:extLst>
+            </p:cNvPr>
+            <p:cNvSpPr/>
+            <p:nvPr/>
+          </p:nvSpPr>
+          <p:spPr>
+            <a:xfrm rot="5400000">
+              <a:off x="2964486" y="4722488"/>
+              <a:ext cx="76200" cy="80638"/>
+            </a:xfrm>
+            <a:prstGeom prst="triangle">
+              <a:avLst/>
+            </a:prstGeom>
+            <a:solidFill>
+              <a:schemeClr val="bg1"/>
+            </a:solidFill>
+          </p:spPr>
+          <p:style>
+            <a:lnRef idx="2">
+              <a:schemeClr val="accent1">
+                <a:shade val="50000"/>
+              </a:schemeClr>
+            </a:lnRef>
+            <a:fillRef idx="1">
+              <a:schemeClr val="accent1"/>
+            </a:fillRef>
+            <a:effectRef idx="0">
+              <a:schemeClr val="accent1"/>
+            </a:effectRef>
+            <a:fontRef idx="minor">
+              <a:schemeClr val="lt1"/>
+            </a:fontRef>
+          </p:style>
+          <p:txBody>
+            <a:bodyPr rtlCol="0" anchor="ctr"/>
+            <a:lstStyle/>
+            <a:p>
+              <a:pPr algn="ctr"/>
+              <a:endParaRPr lang="ko-KR" altLang="en-US"/>
+            </a:p>
+          </p:txBody>
+        </p:sp>
+      </p:grpSp>
+      <p:sp>
+        <p:nvSpPr>
+          <p:cNvPr id="170" name="직사각형 169">
+            <a:extLst>
+              <a:ext uri="{FF2B5EF4-FFF2-40B4-BE49-F238E27FC236}">
+                <a16:creationId xmlns:a16="http://schemas.microsoft.com/office/drawing/2014/main" id="{0F26FD9D-1E16-4225-A80C-92469FF626CC}"/>
+              </a:ext>
+            </a:extLst>
+          </p:cNvPr>
+          <p:cNvSpPr/>
+          <p:nvPr/>
+        </p:nvSpPr>
+        <p:spPr>
+          <a:xfrm>
+            <a:off x="7821844" y="97940"/>
+            <a:ext cx="1146468" cy="230832"/>
+          </a:xfrm>
+          <a:prstGeom prst="rect">
+            <a:avLst/>
+          </a:prstGeom>
+        </p:spPr>
+        <p:txBody>
+          <a:bodyPr wrap="none">
+            <a:spAutoFit/>
+          </a:bodyPr>
+          <a:lstStyle/>
+          <a:p>
+            <a:r>
+              <a:rPr lang="en-US" altLang="ko-KR" sz="900" dirty="0" err="1"/>
+              <a:t>DAC_Buffer</a:t>
+            </a:r>
+            <a:r>
+              <a:rPr lang="en-US" altLang="ko-KR" sz="900" dirty="0"/>
+              <a:t>[24 : 1]</a:t>
+            </a:r>
+            <a:endParaRPr lang="ko-KR" altLang="en-US" sz="900" dirty="0"/>
+          </a:p>
+        </p:txBody>
+      </p:sp>
+      <p:grpSp>
+        <p:nvGrpSpPr>
+          <p:cNvPr id="171" name="그룹 170">
+            <a:extLst>
+              <a:ext uri="{FF2B5EF4-FFF2-40B4-BE49-F238E27FC236}">
+                <a16:creationId xmlns:a16="http://schemas.microsoft.com/office/drawing/2014/main" id="{C064F812-D407-4609-8365-1E30E61F6213}"/>
+              </a:ext>
+            </a:extLst>
+          </p:cNvPr>
+          <p:cNvGrpSpPr/>
+          <p:nvPr/>
+        </p:nvGrpSpPr>
+        <p:grpSpPr>
+          <a:xfrm>
+            <a:off x="9293401" y="689184"/>
+            <a:ext cx="1466859" cy="230512"/>
+            <a:chOff x="2962265" y="4647551"/>
+            <a:chExt cx="1466859" cy="230512"/>
+          </a:xfrm>
+        </p:grpSpPr>
+        <p:sp>
+          <p:nvSpPr>
+            <p:cNvPr id="172" name="직사각형 171">
+              <a:extLst>
+                <a:ext uri="{FF2B5EF4-FFF2-40B4-BE49-F238E27FC236}">
+                  <a16:creationId xmlns:a16="http://schemas.microsoft.com/office/drawing/2014/main" id="{D291782D-0272-4146-B2BF-86E60B87E5BE}"/>
+                </a:ext>
+              </a:extLst>
+            </p:cNvPr>
+            <p:cNvSpPr/>
+            <p:nvPr/>
+          </p:nvSpPr>
+          <p:spPr>
+            <a:xfrm>
+              <a:off x="2962265" y="4647551"/>
+              <a:ext cx="1466859" cy="230512"/>
+            </a:xfrm>
+            <a:prstGeom prst="rect">
+              <a:avLst/>
+            </a:prstGeom>
+          </p:spPr>
+          <p:style>
+            <a:lnRef idx="2">
+              <a:schemeClr val="accent1">
+                <a:shade val="50000"/>
+              </a:schemeClr>
+            </a:lnRef>
+            <a:fillRef idx="1">
+              <a:schemeClr val="accent1"/>
+            </a:fillRef>
+            <a:effectRef idx="0">
+              <a:schemeClr val="accent1"/>
+            </a:effectRef>
+            <a:fontRef idx="minor">
+              <a:schemeClr val="lt1"/>
+            </a:fontRef>
+          </p:style>
+          <p:txBody>
+            <a:bodyPr rtlCol="0" anchor="ctr"/>
+            <a:lstStyle/>
+            <a:p>
+              <a:pPr algn="ctr"/>
+              <a:r>
+                <a:rPr lang="en-US" altLang="ko-KR" sz="900" dirty="0"/>
+                <a:t>[1:0] </a:t>
+              </a:r>
+              <a:r>
+                <a:rPr lang="en-US" altLang="ko-KR" sz="900" dirty="0" err="1"/>
+                <a:t>DAC_slow_clock</a:t>
+              </a:r>
+              <a:endParaRPr lang="ko-KR" altLang="en-US" sz="900" dirty="0"/>
+            </a:p>
+          </p:txBody>
+        </p:sp>
+        <p:sp>
+          <p:nvSpPr>
+            <p:cNvPr id="173" name="이등변 삼각형 172">
+              <a:extLst>
+                <a:ext uri="{FF2B5EF4-FFF2-40B4-BE49-F238E27FC236}">
+                  <a16:creationId xmlns:a16="http://schemas.microsoft.com/office/drawing/2014/main" id="{54C192FD-4EC3-41EB-88C6-ED92623ACEE5}"/>
+                </a:ext>
+              </a:extLst>
+            </p:cNvPr>
+            <p:cNvSpPr/>
+            <p:nvPr/>
+          </p:nvSpPr>
+          <p:spPr>
+            <a:xfrm rot="16200000">
+              <a:off x="4350705" y="4722488"/>
+              <a:ext cx="76200" cy="80638"/>
+            </a:xfrm>
+            <a:prstGeom prst="triangle">
+              <a:avLst/>
+            </a:prstGeom>
+            <a:solidFill>
+              <a:schemeClr val="bg1"/>
+            </a:solidFill>
+          </p:spPr>
+          <p:style>
+            <a:lnRef idx="2">
+              <a:schemeClr val="accent1">
+                <a:shade val="50000"/>
+              </a:schemeClr>
+            </a:lnRef>
+            <a:fillRef idx="1">
+              <a:schemeClr val="accent1"/>
+            </a:fillRef>
+            <a:effectRef idx="0">
+              <a:schemeClr val="accent1"/>
+            </a:effectRef>
+            <a:fontRef idx="minor">
+              <a:schemeClr val="lt1"/>
+            </a:fontRef>
+          </p:style>
+          <p:txBody>
+            <a:bodyPr rtlCol="0" anchor="ctr"/>
+            <a:lstStyle/>
+            <a:p>
+              <a:pPr algn="ctr"/>
+              <a:endParaRPr lang="ko-KR" altLang="en-US"/>
+            </a:p>
+          </p:txBody>
+        </p:sp>
+      </p:grpSp>
+      <p:sp>
+        <p:nvSpPr>
+          <p:cNvPr id="174" name="직사각형 173">
+            <a:extLst>
+              <a:ext uri="{FF2B5EF4-FFF2-40B4-BE49-F238E27FC236}">
+                <a16:creationId xmlns:a16="http://schemas.microsoft.com/office/drawing/2014/main" id="{350CC285-2260-42F7-B297-65630E5E2085}"/>
+              </a:ext>
+            </a:extLst>
+          </p:cNvPr>
+          <p:cNvSpPr/>
+          <p:nvPr/>
+        </p:nvSpPr>
+        <p:spPr>
+          <a:xfrm>
+            <a:off x="6299195" y="1373885"/>
+            <a:ext cx="1466859" cy="230512"/>
+          </a:xfrm>
+          <a:prstGeom prst="rect">
+            <a:avLst/>
+          </a:prstGeom>
+        </p:spPr>
+        <p:style>
+          <a:lnRef idx="2">
+            <a:schemeClr val="accent1">
+              <a:shade val="50000"/>
+            </a:schemeClr>
+          </a:lnRef>
+          <a:fillRef idx="1">
+            <a:schemeClr val="accent1"/>
+          </a:fillRef>
+          <a:effectRef idx="0">
+            <a:schemeClr val="accent1"/>
+          </a:effectRef>
+          <a:fontRef idx="minor">
+            <a:schemeClr val="lt1"/>
+          </a:fontRef>
+        </p:style>
+        <p:txBody>
+          <a:bodyPr rtlCol="0" anchor="ctr"/>
+          <a:lstStyle/>
+          <a:p>
+            <a:pPr algn="ctr"/>
+            <a:r>
+              <a:rPr lang="en-US" altLang="ko-KR" sz="900" dirty="0" err="1"/>
+              <a:t>DAC_clock</a:t>
+            </a:r>
+            <a:endParaRPr lang="ko-KR" altLang="en-US" sz="900" dirty="0"/>
+          </a:p>
+        </p:txBody>
+      </p:sp>
+      <p:sp>
+        <p:nvSpPr>
+          <p:cNvPr id="175" name="타원 174">
+            <a:extLst>
+              <a:ext uri="{FF2B5EF4-FFF2-40B4-BE49-F238E27FC236}">
+                <a16:creationId xmlns:a16="http://schemas.microsoft.com/office/drawing/2014/main" id="{062CD61B-4FFA-46C8-A4F3-407F780177E2}"/>
+              </a:ext>
+            </a:extLst>
+          </p:cNvPr>
+          <p:cNvSpPr/>
+          <p:nvPr/>
+        </p:nvSpPr>
+        <p:spPr>
+          <a:xfrm>
+            <a:off x="8882645" y="706452"/>
+            <a:ext cx="195752" cy="195752"/>
+          </a:xfrm>
+          <a:prstGeom prst="ellipse">
+            <a:avLst/>
+          </a:prstGeom>
+        </p:spPr>
+        <p:style>
+          <a:lnRef idx="2">
+            <a:schemeClr val="accent1">
+              <a:shade val="50000"/>
+            </a:schemeClr>
+          </a:lnRef>
+          <a:fillRef idx="1">
+            <a:schemeClr val="accent1"/>
+          </a:fillRef>
+          <a:effectRef idx="0">
+            <a:schemeClr val="accent1"/>
+          </a:effectRef>
+          <a:fontRef idx="minor">
+            <a:schemeClr val="lt1"/>
+          </a:fontRef>
+        </p:style>
+        <p:txBody>
+          <a:bodyPr rtlCol="0" anchor="ctr"/>
+          <a:lstStyle/>
+          <a:p>
+            <a:pPr algn="ctr"/>
+            <a:r>
+              <a:rPr lang="en-US" altLang="ko-KR" sz="1100" dirty="0"/>
+              <a:t>+</a:t>
+            </a:r>
+            <a:endParaRPr lang="ko-KR" altLang="en-US" sz="1100" dirty="0"/>
+          </a:p>
+        </p:txBody>
+      </p:sp>
+      <p:cxnSp>
+        <p:nvCxnSpPr>
+          <p:cNvPr id="176" name="연결선: 꺾임 175">
+            <a:extLst>
+              <a:ext uri="{FF2B5EF4-FFF2-40B4-BE49-F238E27FC236}">
+                <a16:creationId xmlns:a16="http://schemas.microsoft.com/office/drawing/2014/main" id="{058CEB59-A9FF-4CD2-85D0-988538E9DC76}"/>
+              </a:ext>
+            </a:extLst>
+          </p:cNvPr>
+          <p:cNvCxnSpPr>
+            <a:cxnSpLocks/>
+            <a:stCxn id="172" idx="2"/>
+            <a:endCxn id="175" idx="4"/>
+          </p:cNvCxnSpPr>
+          <p:nvPr/>
+        </p:nvCxnSpPr>
+        <p:spPr>
+          <a:xfrm rot="5400000" flipH="1">
+            <a:off x="9494930" y="387795"/>
+            <a:ext cx="17492" cy="1046310"/>
+          </a:xfrm>
+          <a:prstGeom prst="bentConnector3">
+            <a:avLst>
+              <a:gd name="adj1" fmla="val -1306883"/>
+            </a:avLst>
+          </a:prstGeom>
+          <a:ln>
+            <a:tailEnd type="triangle"/>
+          </a:ln>
+        </p:spPr>
+        <p:style>
+          <a:lnRef idx="1">
+            <a:schemeClr val="accent1"/>
+          </a:lnRef>
+          <a:fillRef idx="0">
+            <a:schemeClr val="accent1"/>
+          </a:fillRef>
+          <a:effectRef idx="0">
+            <a:schemeClr val="accent1"/>
+          </a:effectRef>
+          <a:fontRef idx="minor">
+            <a:schemeClr val="tx1"/>
+          </a:fontRef>
+        </p:style>
+      </p:cxnSp>
+      <p:cxnSp>
+        <p:nvCxnSpPr>
+          <p:cNvPr id="177" name="직선 화살표 연결선 176">
+            <a:extLst>
+              <a:ext uri="{FF2B5EF4-FFF2-40B4-BE49-F238E27FC236}">
+                <a16:creationId xmlns:a16="http://schemas.microsoft.com/office/drawing/2014/main" id="{2E33FA44-E2FD-4C06-9C50-11747B3507B6}"/>
+              </a:ext>
+            </a:extLst>
+          </p:cNvPr>
+          <p:cNvCxnSpPr>
+            <a:cxnSpLocks/>
+            <a:stCxn id="175" idx="6"/>
+            <a:endCxn id="172" idx="1"/>
+          </p:cNvCxnSpPr>
+          <p:nvPr/>
+        </p:nvCxnSpPr>
+        <p:spPr>
+          <a:xfrm>
+            <a:off x="9078397" y="804328"/>
+            <a:ext cx="215004" cy="112"/>
+          </a:xfrm>
+          <a:prstGeom prst="straightConnector1">
             <a:avLst/>
           </a:prstGeom>
           <a:ln>
@@ -21700,10 +27221,10 @@
       </p:cxnSp>
       <p:sp>
         <p:nvSpPr>
-          <p:cNvPr id="69" name="직사각형 68">
-            <a:extLst>
-              <a:ext uri="{FF2B5EF4-FFF2-40B4-BE49-F238E27FC236}">
-                <a16:creationId xmlns:a16="http://schemas.microsoft.com/office/drawing/2014/main" id="{3BCF3D57-4812-4E20-ADC8-A25C4C9DFB94}"/>
+          <p:cNvPr id="178" name="직사각형 177">
+            <a:extLst>
+              <a:ext uri="{FF2B5EF4-FFF2-40B4-BE49-F238E27FC236}">
+                <a16:creationId xmlns:a16="http://schemas.microsoft.com/office/drawing/2014/main" id="{739CE6A9-815B-4E64-B9E6-1E429D067F24}"/>
               </a:ext>
             </a:extLst>
           </p:cNvPr>
@@ -21712,8 +27233,226 @@
         </p:nvSpPr>
         <p:spPr>
           <a:xfrm>
-            <a:off x="3835847" y="2321725"/>
-            <a:ext cx="1144865" cy="230832"/>
+            <a:off x="8477876" y="690637"/>
+            <a:ext cx="237442" cy="230512"/>
+          </a:xfrm>
+          <a:prstGeom prst="rect">
+            <a:avLst/>
+          </a:prstGeom>
+        </p:spPr>
+        <p:style>
+          <a:lnRef idx="2">
+            <a:schemeClr val="accent1">
+              <a:shade val="50000"/>
+            </a:schemeClr>
+          </a:lnRef>
+          <a:fillRef idx="1">
+            <a:schemeClr val="accent1"/>
+          </a:fillRef>
+          <a:effectRef idx="0">
+            <a:schemeClr val="accent1"/>
+          </a:effectRef>
+          <a:fontRef idx="minor">
+            <a:schemeClr val="lt1"/>
+          </a:fontRef>
+        </p:style>
+        <p:txBody>
+          <a:bodyPr rtlCol="0" anchor="ctr"/>
+          <a:lstStyle/>
+          <a:p>
+            <a:pPr algn="ctr"/>
+            <a:r>
+              <a:rPr lang="en-US" altLang="ko-KR" sz="900" dirty="0"/>
+              <a:t>1</a:t>
+            </a:r>
+            <a:endParaRPr lang="ko-KR" altLang="en-US" sz="900" dirty="0"/>
+          </a:p>
+        </p:txBody>
+      </p:sp>
+      <p:cxnSp>
+        <p:nvCxnSpPr>
+          <p:cNvPr id="179" name="직선 화살표 연결선 178">
+            <a:extLst>
+              <a:ext uri="{FF2B5EF4-FFF2-40B4-BE49-F238E27FC236}">
+                <a16:creationId xmlns:a16="http://schemas.microsoft.com/office/drawing/2014/main" id="{E87EF2E3-DAAE-4F2E-8E24-EA888C80CD0A}"/>
+              </a:ext>
+            </a:extLst>
+          </p:cNvPr>
+          <p:cNvCxnSpPr>
+            <a:cxnSpLocks/>
+            <a:stCxn id="178" idx="3"/>
+            <a:endCxn id="175" idx="2"/>
+          </p:cNvCxnSpPr>
+          <p:nvPr/>
+        </p:nvCxnSpPr>
+        <p:spPr>
+          <a:xfrm flipV="1">
+            <a:off x="8715318" y="804328"/>
+            <a:ext cx="167327" cy="1565"/>
+          </a:xfrm>
+          <a:prstGeom prst="straightConnector1">
+            <a:avLst/>
+          </a:prstGeom>
+          <a:ln>
+            <a:tailEnd type="triangle"/>
+          </a:ln>
+        </p:spPr>
+        <p:style>
+          <a:lnRef idx="1">
+            <a:schemeClr val="accent1"/>
+          </a:lnRef>
+          <a:fillRef idx="0">
+            <a:schemeClr val="accent1"/>
+          </a:fillRef>
+          <a:effectRef idx="0">
+            <a:schemeClr val="accent1"/>
+          </a:effectRef>
+          <a:fontRef idx="minor">
+            <a:schemeClr val="tx1"/>
+          </a:fontRef>
+        </p:style>
+      </p:cxnSp>
+      <p:cxnSp>
+        <p:nvCxnSpPr>
+          <p:cNvPr id="180" name="연결선: 꺾임 179">
+            <a:extLst>
+              <a:ext uri="{FF2B5EF4-FFF2-40B4-BE49-F238E27FC236}">
+                <a16:creationId xmlns:a16="http://schemas.microsoft.com/office/drawing/2014/main" id="{021014C1-CB63-4A50-B5D6-C3FE8D8E084F}"/>
+              </a:ext>
+            </a:extLst>
+          </p:cNvPr>
+          <p:cNvCxnSpPr>
+            <a:cxnSpLocks/>
+            <a:stCxn id="172" idx="2"/>
+            <a:endCxn id="174" idx="0"/>
+          </p:cNvCxnSpPr>
+          <p:nvPr/>
+        </p:nvCxnSpPr>
+        <p:spPr>
+          <a:xfrm rot="5400000">
+            <a:off x="8302634" y="-350313"/>
+            <a:ext cx="454189" cy="2994206"/>
+          </a:xfrm>
+          <a:prstGeom prst="bentConnector3">
+            <a:avLst>
+              <a:gd name="adj1" fmla="val 50000"/>
+            </a:avLst>
+          </a:prstGeom>
+          <a:ln>
+            <a:tailEnd type="triangle"/>
+          </a:ln>
+        </p:spPr>
+        <p:style>
+          <a:lnRef idx="1">
+            <a:schemeClr val="accent1"/>
+          </a:lnRef>
+          <a:fillRef idx="0">
+            <a:schemeClr val="accent1"/>
+          </a:fillRef>
+          <a:effectRef idx="0">
+            <a:schemeClr val="accent1"/>
+          </a:effectRef>
+          <a:fontRef idx="minor">
+            <a:schemeClr val="tx1"/>
+          </a:fontRef>
+        </p:style>
+      </p:cxnSp>
+      <p:cxnSp>
+        <p:nvCxnSpPr>
+          <p:cNvPr id="185" name="연결선: 꺾임 184">
+            <a:extLst>
+              <a:ext uri="{FF2B5EF4-FFF2-40B4-BE49-F238E27FC236}">
+                <a16:creationId xmlns:a16="http://schemas.microsoft.com/office/drawing/2014/main" id="{750F6CAA-2EE7-411B-B8A3-1729337A502A}"/>
+              </a:ext>
+            </a:extLst>
+          </p:cNvPr>
+          <p:cNvCxnSpPr>
+            <a:cxnSpLocks/>
+            <a:stCxn id="186" idx="1"/>
+            <a:endCxn id="173" idx="3"/>
+          </p:cNvCxnSpPr>
+          <p:nvPr/>
+        </p:nvCxnSpPr>
+        <p:spPr>
+          <a:xfrm rot="10800000">
+            <a:off x="10760261" y="804441"/>
+            <a:ext cx="206245" cy="3779"/>
+          </a:xfrm>
+          <a:prstGeom prst="bentConnector3">
+            <a:avLst>
+              <a:gd name="adj1" fmla="val 50000"/>
+            </a:avLst>
+          </a:prstGeom>
+          <a:ln>
+            <a:tailEnd type="triangle"/>
+          </a:ln>
+        </p:spPr>
+        <p:style>
+          <a:lnRef idx="1">
+            <a:schemeClr val="accent1"/>
+          </a:lnRef>
+          <a:fillRef idx="0">
+            <a:schemeClr val="accent1"/>
+          </a:fillRef>
+          <a:effectRef idx="0">
+            <a:schemeClr val="accent1"/>
+          </a:effectRef>
+          <a:fontRef idx="minor">
+            <a:schemeClr val="tx1"/>
+          </a:fontRef>
+        </p:style>
+      </p:cxnSp>
+      <p:sp>
+        <p:nvSpPr>
+          <p:cNvPr id="186" name="직사각형 185">
+            <a:extLst>
+              <a:ext uri="{FF2B5EF4-FFF2-40B4-BE49-F238E27FC236}">
+                <a16:creationId xmlns:a16="http://schemas.microsoft.com/office/drawing/2014/main" id="{367AFE52-40EB-4792-98BE-512600FE9F9D}"/>
+              </a:ext>
+            </a:extLst>
+          </p:cNvPr>
+          <p:cNvSpPr/>
+          <p:nvPr/>
+        </p:nvSpPr>
+        <p:spPr>
+          <a:xfrm>
+            <a:off x="10966505" y="692803"/>
+            <a:ext cx="862737" cy="230832"/>
+          </a:xfrm>
+          <a:prstGeom prst="rect">
+            <a:avLst/>
+          </a:prstGeom>
+        </p:spPr>
+        <p:txBody>
+          <a:bodyPr wrap="square">
+            <a:spAutoFit/>
+          </a:bodyPr>
+          <a:lstStyle/>
+          <a:p>
+            <a:r>
+              <a:rPr lang="en-US" altLang="ko-KR" sz="900" b="1" dirty="0"/>
+              <a:t>CLK100MHZ</a:t>
+            </a:r>
+            <a:endParaRPr lang="ko-KR" altLang="en-US" sz="900" b="1" dirty="0"/>
+          </a:p>
+        </p:txBody>
+      </p:sp>
+      <p:sp>
+        <p:nvSpPr>
+          <p:cNvPr id="190" name="직사각형 189">
+            <a:extLst>
+              <a:ext uri="{FF2B5EF4-FFF2-40B4-BE49-F238E27FC236}">
+                <a16:creationId xmlns:a16="http://schemas.microsoft.com/office/drawing/2014/main" id="{7B30E3A8-3F73-4ABF-BCE7-36E14C962B5D}"/>
+              </a:ext>
+            </a:extLst>
+          </p:cNvPr>
+          <p:cNvSpPr/>
+          <p:nvPr/>
+        </p:nvSpPr>
+        <p:spPr>
+          <a:xfrm>
+            <a:off x="10026830" y="1006440"/>
+            <a:ext cx="1628972" cy="230832"/>
           </a:xfrm>
           <a:prstGeom prst="rect">
             <a:avLst/>
@@ -21727,11 +27466,1536 @@
           <a:p>
             <a:r>
               <a:rPr lang="en-US" altLang="ko-KR" sz="900" dirty="0" err="1"/>
-              <a:t>DDS_slow_clock</a:t>
+              <a:t>DAC_slow_clock</a:t>
             </a:r>
             <a:r>
               <a:rPr lang="en-US" altLang="ko-KR" sz="900" dirty="0"/>
-              <a:t>[3]</a:t>
+              <a:t>[0] (50MHz)</a:t>
+            </a:r>
+            <a:endParaRPr lang="ko-KR" altLang="en-US" sz="900" dirty="0"/>
+          </a:p>
+        </p:txBody>
+      </p:sp>
+      <p:sp>
+        <p:nvSpPr>
+          <p:cNvPr id="191" name="화살표: 오각형 190">
+            <a:extLst>
+              <a:ext uri="{FF2B5EF4-FFF2-40B4-BE49-F238E27FC236}">
+                <a16:creationId xmlns:a16="http://schemas.microsoft.com/office/drawing/2014/main" id="{0D5B8983-88EA-49C5-9EE3-968BC8E7EA36}"/>
+              </a:ext>
+            </a:extLst>
+          </p:cNvPr>
+          <p:cNvSpPr/>
+          <p:nvPr/>
+        </p:nvSpPr>
+        <p:spPr>
+          <a:xfrm flipH="1">
+            <a:off x="6299195" y="2512162"/>
+            <a:ext cx="1082674" cy="228600"/>
+          </a:xfrm>
+          <a:prstGeom prst="homePlate">
+            <a:avLst/>
+          </a:prstGeom>
+          <a:solidFill>
+            <a:srgbClr val="00B050"/>
+          </a:solidFill>
+          <a:ln>
+            <a:solidFill>
+              <a:schemeClr val="accent6">
+                <a:lumMod val="50000"/>
+              </a:schemeClr>
+            </a:solidFill>
+          </a:ln>
+        </p:spPr>
+        <p:style>
+          <a:lnRef idx="2">
+            <a:schemeClr val="accent1">
+              <a:shade val="50000"/>
+            </a:schemeClr>
+          </a:lnRef>
+          <a:fillRef idx="1">
+            <a:schemeClr val="accent1"/>
+          </a:fillRef>
+          <a:effectRef idx="0">
+            <a:schemeClr val="accent1"/>
+          </a:effectRef>
+          <a:fontRef idx="minor">
+            <a:schemeClr val="lt1"/>
+          </a:fontRef>
+        </p:style>
+        <p:txBody>
+          <a:bodyPr rtlCol="0" anchor="ctr"/>
+          <a:lstStyle/>
+          <a:p>
+            <a:pPr algn="ctr"/>
+            <a:r>
+              <a:rPr lang="en-US" altLang="ko-KR" sz="900" dirty="0"/>
+              <a:t>ck_io_6</a:t>
+            </a:r>
+            <a:endParaRPr lang="ko-KR" altLang="en-US" sz="900" dirty="0"/>
+          </a:p>
+        </p:txBody>
+      </p:sp>
+      <p:grpSp>
+        <p:nvGrpSpPr>
+          <p:cNvPr id="192" name="그룹 191">
+            <a:extLst>
+              <a:ext uri="{FF2B5EF4-FFF2-40B4-BE49-F238E27FC236}">
+                <a16:creationId xmlns:a16="http://schemas.microsoft.com/office/drawing/2014/main" id="{B63D8F84-6052-4A75-97AE-8635DEDD9235}"/>
+              </a:ext>
+            </a:extLst>
+          </p:cNvPr>
+          <p:cNvGrpSpPr/>
+          <p:nvPr/>
+        </p:nvGrpSpPr>
+        <p:grpSpPr>
+          <a:xfrm>
+            <a:off x="9293400" y="2511389"/>
+            <a:ext cx="1466859" cy="230512"/>
+            <a:chOff x="2962265" y="4647551"/>
+            <a:chExt cx="1466859" cy="230512"/>
+          </a:xfrm>
+        </p:grpSpPr>
+        <p:sp>
+          <p:nvSpPr>
+            <p:cNvPr id="193" name="직사각형 192">
+              <a:extLst>
+                <a:ext uri="{FF2B5EF4-FFF2-40B4-BE49-F238E27FC236}">
+                  <a16:creationId xmlns:a16="http://schemas.microsoft.com/office/drawing/2014/main" id="{2C627CD2-9B13-4CF7-95BF-C5B2E92A12F7}"/>
+                </a:ext>
+              </a:extLst>
+            </p:cNvPr>
+            <p:cNvSpPr/>
+            <p:nvPr/>
+          </p:nvSpPr>
+          <p:spPr>
+            <a:xfrm>
+              <a:off x="2962265" y="4647551"/>
+              <a:ext cx="1466859" cy="230512"/>
+            </a:xfrm>
+            <a:prstGeom prst="rect">
+              <a:avLst/>
+            </a:prstGeom>
+          </p:spPr>
+          <p:style>
+            <a:lnRef idx="2">
+              <a:schemeClr val="accent1">
+                <a:shade val="50000"/>
+              </a:schemeClr>
+            </a:lnRef>
+            <a:fillRef idx="1">
+              <a:schemeClr val="accent1"/>
+            </a:fillRef>
+            <a:effectRef idx="0">
+              <a:schemeClr val="accent1"/>
+            </a:effectRef>
+            <a:fontRef idx="minor">
+              <a:schemeClr val="lt1"/>
+            </a:fontRef>
+          </p:style>
+          <p:txBody>
+            <a:bodyPr rtlCol="0" anchor="ctr"/>
+            <a:lstStyle/>
+            <a:p>
+              <a:pPr algn="ctr"/>
+              <a:r>
+                <a:rPr lang="en-US" altLang="ko-KR" sz="900" dirty="0" err="1"/>
+                <a:t>ldac_bar</a:t>
+              </a:r>
+              <a:endParaRPr lang="ko-KR" altLang="en-US" sz="900" dirty="0"/>
+            </a:p>
+          </p:txBody>
+        </p:sp>
+        <p:sp>
+          <p:nvSpPr>
+            <p:cNvPr id="194" name="이등변 삼각형 193">
+              <a:extLst>
+                <a:ext uri="{FF2B5EF4-FFF2-40B4-BE49-F238E27FC236}">
+                  <a16:creationId xmlns:a16="http://schemas.microsoft.com/office/drawing/2014/main" id="{9E4ADED1-A386-4E9E-A92B-93CFC6C3BE7A}"/>
+                </a:ext>
+              </a:extLst>
+            </p:cNvPr>
+            <p:cNvSpPr/>
+            <p:nvPr/>
+          </p:nvSpPr>
+          <p:spPr>
+            <a:xfrm rot="16200000">
+              <a:off x="4350705" y="4722488"/>
+              <a:ext cx="76200" cy="80638"/>
+            </a:xfrm>
+            <a:prstGeom prst="triangle">
+              <a:avLst/>
+            </a:prstGeom>
+            <a:solidFill>
+              <a:schemeClr val="bg1"/>
+            </a:solidFill>
+          </p:spPr>
+          <p:style>
+            <a:lnRef idx="2">
+              <a:schemeClr val="accent1">
+                <a:shade val="50000"/>
+              </a:schemeClr>
+            </a:lnRef>
+            <a:fillRef idx="1">
+              <a:schemeClr val="accent1"/>
+            </a:fillRef>
+            <a:effectRef idx="0">
+              <a:schemeClr val="accent1"/>
+            </a:effectRef>
+            <a:fontRef idx="minor">
+              <a:schemeClr val="lt1"/>
+            </a:fontRef>
+          </p:style>
+          <p:txBody>
+            <a:bodyPr rtlCol="0" anchor="ctr"/>
+            <a:lstStyle/>
+            <a:p>
+              <a:pPr algn="ctr"/>
+              <a:endParaRPr lang="ko-KR" altLang="en-US"/>
+            </a:p>
+          </p:txBody>
+        </p:sp>
+      </p:grpSp>
+      <p:sp>
+        <p:nvSpPr>
+          <p:cNvPr id="195" name="화살표: 오각형 194">
+            <a:extLst>
+              <a:ext uri="{FF2B5EF4-FFF2-40B4-BE49-F238E27FC236}">
+                <a16:creationId xmlns:a16="http://schemas.microsoft.com/office/drawing/2014/main" id="{B815A978-594C-42FC-A635-87E65A0A2FAE}"/>
+              </a:ext>
+            </a:extLst>
+          </p:cNvPr>
+          <p:cNvSpPr/>
+          <p:nvPr/>
+        </p:nvSpPr>
+        <p:spPr>
+          <a:xfrm flipH="1">
+            <a:off x="6299195" y="2826550"/>
+            <a:ext cx="1082674" cy="228600"/>
+          </a:xfrm>
+          <a:prstGeom prst="homePlate">
+            <a:avLst/>
+          </a:prstGeom>
+          <a:solidFill>
+            <a:srgbClr val="00B050"/>
+          </a:solidFill>
+          <a:ln>
+            <a:solidFill>
+              <a:schemeClr val="accent6">
+                <a:lumMod val="50000"/>
+              </a:schemeClr>
+            </a:solidFill>
+          </a:ln>
+        </p:spPr>
+        <p:style>
+          <a:lnRef idx="2">
+            <a:schemeClr val="accent1">
+              <a:shade val="50000"/>
+            </a:schemeClr>
+          </a:lnRef>
+          <a:fillRef idx="1">
+            <a:schemeClr val="accent1"/>
+          </a:fillRef>
+          <a:effectRef idx="0">
+            <a:schemeClr val="accent1"/>
+          </a:effectRef>
+          <a:fontRef idx="minor">
+            <a:schemeClr val="lt1"/>
+          </a:fontRef>
+        </p:style>
+        <p:txBody>
+          <a:bodyPr rtlCol="0" anchor="ctr"/>
+          <a:lstStyle/>
+          <a:p>
+            <a:pPr algn="ctr"/>
+            <a:r>
+              <a:rPr lang="en-US" altLang="ko-KR" sz="900" dirty="0"/>
+              <a:t>ck_io_39</a:t>
+            </a:r>
+            <a:endParaRPr lang="ko-KR" altLang="en-US" sz="900" dirty="0"/>
+          </a:p>
+        </p:txBody>
+      </p:sp>
+      <p:sp>
+        <p:nvSpPr>
+          <p:cNvPr id="196" name="화살표: 오각형 195">
+            <a:extLst>
+              <a:ext uri="{FF2B5EF4-FFF2-40B4-BE49-F238E27FC236}">
+                <a16:creationId xmlns:a16="http://schemas.microsoft.com/office/drawing/2014/main" id="{0245058C-2AA0-4FB9-8CF9-1D63FAF8845E}"/>
+              </a:ext>
+            </a:extLst>
+          </p:cNvPr>
+          <p:cNvSpPr/>
+          <p:nvPr/>
+        </p:nvSpPr>
+        <p:spPr>
+          <a:xfrm flipH="1">
+            <a:off x="6299195" y="3137700"/>
+            <a:ext cx="1082674" cy="228600"/>
+          </a:xfrm>
+          <a:prstGeom prst="homePlate">
+            <a:avLst/>
+          </a:prstGeom>
+          <a:solidFill>
+            <a:srgbClr val="00B050"/>
+          </a:solidFill>
+          <a:ln>
+            <a:solidFill>
+              <a:schemeClr val="accent6">
+                <a:lumMod val="50000"/>
+              </a:schemeClr>
+            </a:solidFill>
+          </a:ln>
+        </p:spPr>
+        <p:style>
+          <a:lnRef idx="2">
+            <a:schemeClr val="accent1">
+              <a:shade val="50000"/>
+            </a:schemeClr>
+          </a:lnRef>
+          <a:fillRef idx="1">
+            <a:schemeClr val="accent1"/>
+          </a:fillRef>
+          <a:effectRef idx="0">
+            <a:schemeClr val="accent1"/>
+          </a:effectRef>
+          <a:fontRef idx="minor">
+            <a:schemeClr val="lt1"/>
+          </a:fontRef>
+        </p:style>
+        <p:txBody>
+          <a:bodyPr rtlCol="0" anchor="ctr"/>
+          <a:lstStyle/>
+          <a:p>
+            <a:pPr algn="ctr"/>
+            <a:r>
+              <a:rPr lang="en-US" altLang="ko-KR" sz="900" dirty="0"/>
+              <a:t>ck_io_38</a:t>
+            </a:r>
+            <a:endParaRPr lang="ko-KR" altLang="en-US" sz="900" dirty="0"/>
+          </a:p>
+        </p:txBody>
+      </p:sp>
+      <p:sp>
+        <p:nvSpPr>
+          <p:cNvPr id="197" name="화살표: 오각형 196">
+            <a:extLst>
+              <a:ext uri="{FF2B5EF4-FFF2-40B4-BE49-F238E27FC236}">
+                <a16:creationId xmlns:a16="http://schemas.microsoft.com/office/drawing/2014/main" id="{6F98ABE4-E963-4F93-99B7-77E9B2AD3171}"/>
+              </a:ext>
+            </a:extLst>
+          </p:cNvPr>
+          <p:cNvSpPr/>
+          <p:nvPr/>
+        </p:nvSpPr>
+        <p:spPr>
+          <a:xfrm flipH="1">
+            <a:off x="6299195" y="3448850"/>
+            <a:ext cx="1082674" cy="228600"/>
+          </a:xfrm>
+          <a:prstGeom prst="homePlate">
+            <a:avLst/>
+          </a:prstGeom>
+          <a:solidFill>
+            <a:srgbClr val="00B050"/>
+          </a:solidFill>
+          <a:ln>
+            <a:solidFill>
+              <a:schemeClr val="accent6">
+                <a:lumMod val="50000"/>
+              </a:schemeClr>
+            </a:solidFill>
+          </a:ln>
+        </p:spPr>
+        <p:style>
+          <a:lnRef idx="2">
+            <a:schemeClr val="accent1">
+              <a:shade val="50000"/>
+            </a:schemeClr>
+          </a:lnRef>
+          <a:fillRef idx="1">
+            <a:schemeClr val="accent1"/>
+          </a:fillRef>
+          <a:effectRef idx="0">
+            <a:schemeClr val="accent1"/>
+          </a:effectRef>
+          <a:fontRef idx="minor">
+            <a:schemeClr val="lt1"/>
+          </a:fontRef>
+        </p:style>
+        <p:txBody>
+          <a:bodyPr rtlCol="0" anchor="ctr"/>
+          <a:lstStyle/>
+          <a:p>
+            <a:pPr algn="ctr"/>
+            <a:r>
+              <a:rPr lang="en-US" altLang="ko-KR" sz="900" dirty="0"/>
+              <a:t>ck_io_37</a:t>
+            </a:r>
+            <a:endParaRPr lang="ko-KR" altLang="en-US" sz="900" dirty="0"/>
+          </a:p>
+        </p:txBody>
+      </p:sp>
+      <p:sp>
+        <p:nvSpPr>
+          <p:cNvPr id="198" name="화살표: 오각형 197">
+            <a:extLst>
+              <a:ext uri="{FF2B5EF4-FFF2-40B4-BE49-F238E27FC236}">
+                <a16:creationId xmlns:a16="http://schemas.microsoft.com/office/drawing/2014/main" id="{35AFC460-6FB2-4F45-8E8D-42C8BBADAAE7}"/>
+              </a:ext>
+            </a:extLst>
+          </p:cNvPr>
+          <p:cNvSpPr/>
+          <p:nvPr/>
+        </p:nvSpPr>
+        <p:spPr>
+          <a:xfrm flipH="1">
+            <a:off x="6299195" y="3760000"/>
+            <a:ext cx="1082674" cy="228600"/>
+          </a:xfrm>
+          <a:prstGeom prst="homePlate">
+            <a:avLst/>
+          </a:prstGeom>
+          <a:solidFill>
+            <a:srgbClr val="00B050"/>
+          </a:solidFill>
+          <a:ln>
+            <a:solidFill>
+              <a:schemeClr val="accent6">
+                <a:lumMod val="50000"/>
+              </a:schemeClr>
+            </a:solidFill>
+          </a:ln>
+        </p:spPr>
+        <p:style>
+          <a:lnRef idx="2">
+            <a:schemeClr val="accent1">
+              <a:shade val="50000"/>
+            </a:schemeClr>
+          </a:lnRef>
+          <a:fillRef idx="1">
+            <a:schemeClr val="accent1"/>
+          </a:fillRef>
+          <a:effectRef idx="0">
+            <a:schemeClr val="accent1"/>
+          </a:effectRef>
+          <a:fontRef idx="minor">
+            <a:schemeClr val="lt1"/>
+          </a:fontRef>
+        </p:style>
+        <p:txBody>
+          <a:bodyPr rtlCol="0" anchor="ctr"/>
+          <a:lstStyle/>
+          <a:p>
+            <a:pPr algn="ctr"/>
+            <a:r>
+              <a:rPr lang="en-US" altLang="ko-KR" sz="900" dirty="0"/>
+              <a:t>ck_io_36</a:t>
+            </a:r>
+            <a:endParaRPr lang="ko-KR" altLang="en-US" sz="900" dirty="0"/>
+          </a:p>
+        </p:txBody>
+      </p:sp>
+      <p:sp>
+        <p:nvSpPr>
+          <p:cNvPr id="199" name="화살표: 오각형 198">
+            <a:extLst>
+              <a:ext uri="{FF2B5EF4-FFF2-40B4-BE49-F238E27FC236}">
+                <a16:creationId xmlns:a16="http://schemas.microsoft.com/office/drawing/2014/main" id="{3A1C067A-BD55-4566-AA2C-D62D236248D4}"/>
+              </a:ext>
+            </a:extLst>
+          </p:cNvPr>
+          <p:cNvSpPr/>
+          <p:nvPr/>
+        </p:nvSpPr>
+        <p:spPr>
+          <a:xfrm flipH="1">
+            <a:off x="6299195" y="4071150"/>
+            <a:ext cx="1082674" cy="228600"/>
+          </a:xfrm>
+          <a:prstGeom prst="homePlate">
+            <a:avLst/>
+          </a:prstGeom>
+          <a:solidFill>
+            <a:srgbClr val="00B050"/>
+          </a:solidFill>
+          <a:ln>
+            <a:solidFill>
+              <a:schemeClr val="accent6">
+                <a:lumMod val="50000"/>
+              </a:schemeClr>
+            </a:solidFill>
+          </a:ln>
+        </p:spPr>
+        <p:style>
+          <a:lnRef idx="2">
+            <a:schemeClr val="accent1">
+              <a:shade val="50000"/>
+            </a:schemeClr>
+          </a:lnRef>
+          <a:fillRef idx="1">
+            <a:schemeClr val="accent1"/>
+          </a:fillRef>
+          <a:effectRef idx="0">
+            <a:schemeClr val="accent1"/>
+          </a:effectRef>
+          <a:fontRef idx="minor">
+            <a:schemeClr val="lt1"/>
+          </a:fontRef>
+        </p:style>
+        <p:txBody>
+          <a:bodyPr rtlCol="0" anchor="ctr"/>
+          <a:lstStyle/>
+          <a:p>
+            <a:pPr algn="ctr"/>
+            <a:r>
+              <a:rPr lang="en-US" altLang="ko-KR" sz="900" dirty="0"/>
+              <a:t>ck_io_35</a:t>
+            </a:r>
+            <a:endParaRPr lang="ko-KR" altLang="en-US" sz="900" dirty="0"/>
+          </a:p>
+        </p:txBody>
+      </p:sp>
+      <p:sp>
+        <p:nvSpPr>
+          <p:cNvPr id="200" name="화살표: 오각형 199">
+            <a:extLst>
+              <a:ext uri="{FF2B5EF4-FFF2-40B4-BE49-F238E27FC236}">
+                <a16:creationId xmlns:a16="http://schemas.microsoft.com/office/drawing/2014/main" id="{3FFDF02D-FD06-45C7-B019-A9246EFB93AC}"/>
+              </a:ext>
+            </a:extLst>
+          </p:cNvPr>
+          <p:cNvSpPr/>
+          <p:nvPr/>
+        </p:nvSpPr>
+        <p:spPr>
+          <a:xfrm flipH="1">
+            <a:off x="6299195" y="4382300"/>
+            <a:ext cx="1082674" cy="228600"/>
+          </a:xfrm>
+          <a:prstGeom prst="homePlate">
+            <a:avLst/>
+          </a:prstGeom>
+          <a:solidFill>
+            <a:srgbClr val="00B050"/>
+          </a:solidFill>
+          <a:ln>
+            <a:solidFill>
+              <a:schemeClr val="accent6">
+                <a:lumMod val="50000"/>
+              </a:schemeClr>
+            </a:solidFill>
+          </a:ln>
+        </p:spPr>
+        <p:style>
+          <a:lnRef idx="2">
+            <a:schemeClr val="accent1">
+              <a:shade val="50000"/>
+            </a:schemeClr>
+          </a:lnRef>
+          <a:fillRef idx="1">
+            <a:schemeClr val="accent1"/>
+          </a:fillRef>
+          <a:effectRef idx="0">
+            <a:schemeClr val="accent1"/>
+          </a:effectRef>
+          <a:fontRef idx="minor">
+            <a:schemeClr val="lt1"/>
+          </a:fontRef>
+        </p:style>
+        <p:txBody>
+          <a:bodyPr rtlCol="0" anchor="ctr"/>
+          <a:lstStyle/>
+          <a:p>
+            <a:pPr algn="ctr"/>
+            <a:r>
+              <a:rPr lang="en-US" altLang="ko-KR" sz="900" dirty="0"/>
+              <a:t>ck_io_34</a:t>
+            </a:r>
+            <a:endParaRPr lang="ko-KR" altLang="en-US" sz="900" dirty="0"/>
+          </a:p>
+        </p:txBody>
+      </p:sp>
+      <p:sp>
+        <p:nvSpPr>
+          <p:cNvPr id="201" name="직사각형 200">
+            <a:extLst>
+              <a:ext uri="{FF2B5EF4-FFF2-40B4-BE49-F238E27FC236}">
+                <a16:creationId xmlns:a16="http://schemas.microsoft.com/office/drawing/2014/main" id="{8DC02BE2-A96F-4D7F-BA1D-20C533464DF5}"/>
+              </a:ext>
+            </a:extLst>
+          </p:cNvPr>
+          <p:cNvSpPr/>
+          <p:nvPr/>
+        </p:nvSpPr>
+        <p:spPr>
+          <a:xfrm>
+            <a:off x="9290405" y="3138502"/>
+            <a:ext cx="1466859" cy="230512"/>
+          </a:xfrm>
+          <a:prstGeom prst="rect">
+            <a:avLst/>
+          </a:prstGeom>
+        </p:spPr>
+        <p:style>
+          <a:lnRef idx="2">
+            <a:schemeClr val="accent1">
+              <a:shade val="50000"/>
+            </a:schemeClr>
+          </a:lnRef>
+          <a:fillRef idx="1">
+            <a:schemeClr val="accent1"/>
+          </a:fillRef>
+          <a:effectRef idx="0">
+            <a:schemeClr val="accent1"/>
+          </a:effectRef>
+          <a:fontRef idx="minor">
+            <a:schemeClr val="lt1"/>
+          </a:fontRef>
+        </p:style>
+        <p:txBody>
+          <a:bodyPr rtlCol="0" anchor="ctr"/>
+          <a:lstStyle/>
+          <a:p>
+            <a:pPr algn="ctr"/>
+            <a:r>
+              <a:rPr lang="en-US" altLang="ko-KR" sz="900" dirty="0"/>
+              <a:t>[1:0] </a:t>
+            </a:r>
+            <a:r>
+              <a:rPr lang="en-US" altLang="ko-KR" sz="900" dirty="0" err="1"/>
+              <a:t>DAC_sclk</a:t>
+            </a:r>
+            <a:endParaRPr lang="ko-KR" altLang="en-US" sz="900" dirty="0"/>
+          </a:p>
+        </p:txBody>
+      </p:sp>
+      <p:sp>
+        <p:nvSpPr>
+          <p:cNvPr id="202" name="직사각형 201">
+            <a:extLst>
+              <a:ext uri="{FF2B5EF4-FFF2-40B4-BE49-F238E27FC236}">
+                <a16:creationId xmlns:a16="http://schemas.microsoft.com/office/drawing/2014/main" id="{FA9FB494-6D8E-4C01-A6EF-9C7CFBED31EF}"/>
+              </a:ext>
+            </a:extLst>
+          </p:cNvPr>
+          <p:cNvSpPr/>
+          <p:nvPr/>
+        </p:nvSpPr>
+        <p:spPr>
+          <a:xfrm>
+            <a:off x="9290405" y="2824275"/>
+            <a:ext cx="1466859" cy="230512"/>
+          </a:xfrm>
+          <a:prstGeom prst="rect">
+            <a:avLst/>
+          </a:prstGeom>
+        </p:spPr>
+        <p:style>
+          <a:lnRef idx="2">
+            <a:schemeClr val="accent1">
+              <a:shade val="50000"/>
+            </a:schemeClr>
+          </a:lnRef>
+          <a:fillRef idx="1">
+            <a:schemeClr val="accent1"/>
+          </a:fillRef>
+          <a:effectRef idx="0">
+            <a:schemeClr val="accent1"/>
+          </a:effectRef>
+          <a:fontRef idx="minor">
+            <a:schemeClr val="lt1"/>
+          </a:fontRef>
+        </p:style>
+        <p:txBody>
+          <a:bodyPr rtlCol="0" anchor="ctr"/>
+          <a:lstStyle/>
+          <a:p>
+            <a:pPr algn="ctr"/>
+            <a:r>
+              <a:rPr lang="en-US" altLang="ko-KR" sz="900" dirty="0"/>
+              <a:t>[1:0] </a:t>
+            </a:r>
+            <a:r>
+              <a:rPr lang="en-US" altLang="ko-KR" sz="900" dirty="0" err="1"/>
+              <a:t>DAC_cs_bar</a:t>
+            </a:r>
+            <a:endParaRPr lang="ko-KR" altLang="en-US" sz="900" dirty="0"/>
+          </a:p>
+        </p:txBody>
+      </p:sp>
+      <p:sp>
+        <p:nvSpPr>
+          <p:cNvPr id="203" name="직사각형 202">
+            <a:extLst>
+              <a:ext uri="{FF2B5EF4-FFF2-40B4-BE49-F238E27FC236}">
+                <a16:creationId xmlns:a16="http://schemas.microsoft.com/office/drawing/2014/main" id="{D0CF9F6E-9007-448A-B142-422866B645F8}"/>
+              </a:ext>
+            </a:extLst>
+          </p:cNvPr>
+          <p:cNvSpPr/>
+          <p:nvPr/>
+        </p:nvSpPr>
+        <p:spPr>
+          <a:xfrm>
+            <a:off x="9290405" y="3451564"/>
+            <a:ext cx="1466859" cy="230512"/>
+          </a:xfrm>
+          <a:prstGeom prst="rect">
+            <a:avLst/>
+          </a:prstGeom>
+        </p:spPr>
+        <p:style>
+          <a:lnRef idx="2">
+            <a:schemeClr val="accent1">
+              <a:shade val="50000"/>
+            </a:schemeClr>
+          </a:lnRef>
+          <a:fillRef idx="1">
+            <a:schemeClr val="accent1"/>
+          </a:fillRef>
+          <a:effectRef idx="0">
+            <a:schemeClr val="accent1"/>
+          </a:effectRef>
+          <a:fontRef idx="minor">
+            <a:schemeClr val="lt1"/>
+          </a:fontRef>
+        </p:style>
+        <p:txBody>
+          <a:bodyPr rtlCol="0" anchor="ctr"/>
+          <a:lstStyle/>
+          <a:p>
+            <a:pPr algn="ctr"/>
+            <a:r>
+              <a:rPr lang="en-US" altLang="ko-KR" sz="900" dirty="0"/>
+              <a:t>[1:0] </a:t>
+            </a:r>
+            <a:r>
+              <a:rPr lang="en-US" altLang="ko-KR" sz="900" dirty="0" err="1"/>
+              <a:t>DAC_sdi</a:t>
+            </a:r>
+            <a:endParaRPr lang="ko-KR" altLang="en-US" sz="900" dirty="0"/>
+          </a:p>
+        </p:txBody>
+      </p:sp>
+      <p:cxnSp>
+        <p:nvCxnSpPr>
+          <p:cNvPr id="204" name="연결선: 꺾임 203">
+            <a:extLst>
+              <a:ext uri="{FF2B5EF4-FFF2-40B4-BE49-F238E27FC236}">
+                <a16:creationId xmlns:a16="http://schemas.microsoft.com/office/drawing/2014/main" id="{C401ACA0-BA9B-4AD2-B0CF-A64B0810B5A1}"/>
+              </a:ext>
+            </a:extLst>
+          </p:cNvPr>
+          <p:cNvCxnSpPr>
+            <a:cxnSpLocks/>
+            <a:stCxn id="193" idx="1"/>
+            <a:endCxn id="191" idx="1"/>
+          </p:cNvCxnSpPr>
+          <p:nvPr/>
+        </p:nvCxnSpPr>
+        <p:spPr>
+          <a:xfrm rot="10800000">
+            <a:off x="7381870" y="2626463"/>
+            <a:ext cx="1911531" cy="183"/>
+          </a:xfrm>
+          <a:prstGeom prst="bentConnector3">
+            <a:avLst>
+              <a:gd name="adj1" fmla="val 50000"/>
+            </a:avLst>
+          </a:prstGeom>
+          <a:ln>
+            <a:tailEnd type="triangle"/>
+          </a:ln>
+        </p:spPr>
+        <p:style>
+          <a:lnRef idx="1">
+            <a:schemeClr val="accent1"/>
+          </a:lnRef>
+          <a:fillRef idx="0">
+            <a:schemeClr val="accent1"/>
+          </a:fillRef>
+          <a:effectRef idx="0">
+            <a:schemeClr val="accent1"/>
+          </a:effectRef>
+          <a:fontRef idx="minor">
+            <a:schemeClr val="tx1"/>
+          </a:fontRef>
+        </p:style>
+      </p:cxnSp>
+      <p:cxnSp>
+        <p:nvCxnSpPr>
+          <p:cNvPr id="207" name="연결선: 꺾임 206">
+            <a:extLst>
+              <a:ext uri="{FF2B5EF4-FFF2-40B4-BE49-F238E27FC236}">
+                <a16:creationId xmlns:a16="http://schemas.microsoft.com/office/drawing/2014/main" id="{D8440E6D-CC9D-4632-80D4-7B8F90AF36F8}"/>
+              </a:ext>
+            </a:extLst>
+          </p:cNvPr>
+          <p:cNvCxnSpPr>
+            <a:cxnSpLocks/>
+            <a:stCxn id="201" idx="1"/>
+            <a:endCxn id="196" idx="1"/>
+          </p:cNvCxnSpPr>
+          <p:nvPr/>
+        </p:nvCxnSpPr>
+        <p:spPr>
+          <a:xfrm rot="10800000">
+            <a:off x="7381869" y="3252000"/>
+            <a:ext cx="1908536" cy="1758"/>
+          </a:xfrm>
+          <a:prstGeom prst="bentConnector3">
+            <a:avLst>
+              <a:gd name="adj1" fmla="val 50000"/>
+            </a:avLst>
+          </a:prstGeom>
+          <a:ln>
+            <a:tailEnd type="triangle"/>
+          </a:ln>
+        </p:spPr>
+        <p:style>
+          <a:lnRef idx="1">
+            <a:schemeClr val="accent1"/>
+          </a:lnRef>
+          <a:fillRef idx="0">
+            <a:schemeClr val="accent1"/>
+          </a:fillRef>
+          <a:effectRef idx="0">
+            <a:schemeClr val="accent1"/>
+          </a:effectRef>
+          <a:fontRef idx="minor">
+            <a:schemeClr val="tx1"/>
+          </a:fontRef>
+        </p:style>
+      </p:cxnSp>
+      <p:cxnSp>
+        <p:nvCxnSpPr>
+          <p:cNvPr id="208" name="연결선: 꺾임 207">
+            <a:extLst>
+              <a:ext uri="{FF2B5EF4-FFF2-40B4-BE49-F238E27FC236}">
+                <a16:creationId xmlns:a16="http://schemas.microsoft.com/office/drawing/2014/main" id="{CD10572B-7C17-4F44-8816-7CE3054243D8}"/>
+              </a:ext>
+            </a:extLst>
+          </p:cNvPr>
+          <p:cNvCxnSpPr>
+            <a:cxnSpLocks/>
+            <a:stCxn id="202" idx="1"/>
+            <a:endCxn id="195" idx="1"/>
+          </p:cNvCxnSpPr>
+          <p:nvPr/>
+        </p:nvCxnSpPr>
+        <p:spPr>
+          <a:xfrm rot="10800000" flipV="1">
+            <a:off x="7381869" y="2939530"/>
+            <a:ext cx="1908536" cy="1319"/>
+          </a:xfrm>
+          <a:prstGeom prst="bentConnector3">
+            <a:avLst>
+              <a:gd name="adj1" fmla="val 50000"/>
+            </a:avLst>
+          </a:prstGeom>
+          <a:ln>
+            <a:tailEnd type="triangle"/>
+          </a:ln>
+        </p:spPr>
+        <p:style>
+          <a:lnRef idx="1">
+            <a:schemeClr val="accent1"/>
+          </a:lnRef>
+          <a:fillRef idx="0">
+            <a:schemeClr val="accent1"/>
+          </a:fillRef>
+          <a:effectRef idx="0">
+            <a:schemeClr val="accent1"/>
+          </a:effectRef>
+          <a:fontRef idx="minor">
+            <a:schemeClr val="tx1"/>
+          </a:fontRef>
+        </p:style>
+      </p:cxnSp>
+      <p:cxnSp>
+        <p:nvCxnSpPr>
+          <p:cNvPr id="209" name="연결선: 꺾임 208">
+            <a:extLst>
+              <a:ext uri="{FF2B5EF4-FFF2-40B4-BE49-F238E27FC236}">
+                <a16:creationId xmlns:a16="http://schemas.microsoft.com/office/drawing/2014/main" id="{9551D5A8-EBA1-461B-98D7-02547783C730}"/>
+              </a:ext>
+            </a:extLst>
+          </p:cNvPr>
+          <p:cNvCxnSpPr>
+            <a:cxnSpLocks/>
+            <a:stCxn id="203" idx="1"/>
+            <a:endCxn id="197" idx="1"/>
+          </p:cNvCxnSpPr>
+          <p:nvPr/>
+        </p:nvCxnSpPr>
+        <p:spPr>
+          <a:xfrm rot="10800000">
+            <a:off x="7381869" y="3563150"/>
+            <a:ext cx="1908536" cy="3670"/>
+          </a:xfrm>
+          <a:prstGeom prst="bentConnector3">
+            <a:avLst>
+              <a:gd name="adj1" fmla="val 50000"/>
+            </a:avLst>
+          </a:prstGeom>
+          <a:ln>
+            <a:tailEnd type="triangle"/>
+          </a:ln>
+        </p:spPr>
+        <p:style>
+          <a:lnRef idx="1">
+            <a:schemeClr val="accent1"/>
+          </a:lnRef>
+          <a:fillRef idx="0">
+            <a:schemeClr val="accent1"/>
+          </a:fillRef>
+          <a:effectRef idx="0">
+            <a:schemeClr val="accent1"/>
+          </a:effectRef>
+          <a:fontRef idx="minor">
+            <a:schemeClr val="tx1"/>
+          </a:fontRef>
+        </p:style>
+      </p:cxnSp>
+      <p:cxnSp>
+        <p:nvCxnSpPr>
+          <p:cNvPr id="217" name="연결선: 꺾임 216">
+            <a:extLst>
+              <a:ext uri="{FF2B5EF4-FFF2-40B4-BE49-F238E27FC236}">
+                <a16:creationId xmlns:a16="http://schemas.microsoft.com/office/drawing/2014/main" id="{3FADE568-968C-483E-B176-74C057639FBC}"/>
+              </a:ext>
+            </a:extLst>
+          </p:cNvPr>
+          <p:cNvCxnSpPr>
+            <a:cxnSpLocks/>
+            <a:stCxn id="201" idx="1"/>
+            <a:endCxn id="199" idx="1"/>
+          </p:cNvCxnSpPr>
+          <p:nvPr/>
+        </p:nvCxnSpPr>
+        <p:spPr>
+          <a:xfrm rot="10800000" flipV="1">
+            <a:off x="7381869" y="3253758"/>
+            <a:ext cx="1908536" cy="931692"/>
+          </a:xfrm>
+          <a:prstGeom prst="bentConnector3">
+            <a:avLst>
+              <a:gd name="adj1" fmla="val 7080"/>
+            </a:avLst>
+          </a:prstGeom>
+          <a:ln>
+            <a:tailEnd type="triangle"/>
+          </a:ln>
+        </p:spPr>
+        <p:style>
+          <a:lnRef idx="1">
+            <a:schemeClr val="accent1"/>
+          </a:lnRef>
+          <a:fillRef idx="0">
+            <a:schemeClr val="accent1"/>
+          </a:fillRef>
+          <a:effectRef idx="0">
+            <a:schemeClr val="accent1"/>
+          </a:effectRef>
+          <a:fontRef idx="minor">
+            <a:schemeClr val="tx1"/>
+          </a:fontRef>
+        </p:style>
+      </p:cxnSp>
+      <p:cxnSp>
+        <p:nvCxnSpPr>
+          <p:cNvPr id="218" name="연결선: 꺾임 217">
+            <a:extLst>
+              <a:ext uri="{FF2B5EF4-FFF2-40B4-BE49-F238E27FC236}">
+                <a16:creationId xmlns:a16="http://schemas.microsoft.com/office/drawing/2014/main" id="{A35B167A-6439-46F6-842F-F049FD0C40F8}"/>
+              </a:ext>
+            </a:extLst>
+          </p:cNvPr>
+          <p:cNvCxnSpPr>
+            <a:cxnSpLocks/>
+            <a:stCxn id="202" idx="1"/>
+            <a:endCxn id="198" idx="1"/>
+          </p:cNvCxnSpPr>
+          <p:nvPr/>
+        </p:nvCxnSpPr>
+        <p:spPr>
+          <a:xfrm rot="10800000" flipV="1">
+            <a:off x="7381869" y="2939530"/>
+            <a:ext cx="1908536" cy="934769"/>
+          </a:xfrm>
+          <a:prstGeom prst="bentConnector3">
+            <a:avLst>
+              <a:gd name="adj1" fmla="val 10573"/>
+            </a:avLst>
+          </a:prstGeom>
+          <a:ln>
+            <a:tailEnd type="triangle"/>
+          </a:ln>
+        </p:spPr>
+        <p:style>
+          <a:lnRef idx="1">
+            <a:schemeClr val="accent1"/>
+          </a:lnRef>
+          <a:fillRef idx="0">
+            <a:schemeClr val="accent1"/>
+          </a:fillRef>
+          <a:effectRef idx="0">
+            <a:schemeClr val="accent1"/>
+          </a:effectRef>
+          <a:fontRef idx="minor">
+            <a:schemeClr val="tx1"/>
+          </a:fontRef>
+        </p:style>
+      </p:cxnSp>
+      <p:cxnSp>
+        <p:nvCxnSpPr>
+          <p:cNvPr id="219" name="연결선: 꺾임 218">
+            <a:extLst>
+              <a:ext uri="{FF2B5EF4-FFF2-40B4-BE49-F238E27FC236}">
+                <a16:creationId xmlns:a16="http://schemas.microsoft.com/office/drawing/2014/main" id="{BF677723-7C03-4FA2-BC98-B1DBCC871A1A}"/>
+              </a:ext>
+            </a:extLst>
+          </p:cNvPr>
+          <p:cNvCxnSpPr>
+            <a:cxnSpLocks/>
+            <a:stCxn id="203" idx="1"/>
+            <a:endCxn id="200" idx="1"/>
+          </p:cNvCxnSpPr>
+          <p:nvPr/>
+        </p:nvCxnSpPr>
+        <p:spPr>
+          <a:xfrm rot="10800000" flipV="1">
+            <a:off x="7381869" y="3566820"/>
+            <a:ext cx="1908536" cy="929780"/>
+          </a:xfrm>
+          <a:prstGeom prst="bentConnector3">
+            <a:avLst>
+              <a:gd name="adj1" fmla="val 3586"/>
+            </a:avLst>
+          </a:prstGeom>
+          <a:ln>
+            <a:tailEnd type="triangle"/>
+          </a:ln>
+        </p:spPr>
+        <p:style>
+          <a:lnRef idx="1">
+            <a:schemeClr val="accent1"/>
+          </a:lnRef>
+          <a:fillRef idx="0">
+            <a:schemeClr val="accent1"/>
+          </a:fillRef>
+          <a:effectRef idx="0">
+            <a:schemeClr val="accent1"/>
+          </a:effectRef>
+          <a:fontRef idx="minor">
+            <a:schemeClr val="tx1"/>
+          </a:fontRef>
+        </p:style>
+      </p:cxnSp>
+      <p:sp>
+        <p:nvSpPr>
+          <p:cNvPr id="229" name="직사각형 228">
+            <a:extLst>
+              <a:ext uri="{FF2B5EF4-FFF2-40B4-BE49-F238E27FC236}">
+                <a16:creationId xmlns:a16="http://schemas.microsoft.com/office/drawing/2014/main" id="{8792FED3-D5CD-43E1-A4C7-87592B376B37}"/>
+              </a:ext>
+            </a:extLst>
+          </p:cNvPr>
+          <p:cNvSpPr/>
+          <p:nvPr/>
+        </p:nvSpPr>
+        <p:spPr>
+          <a:xfrm>
+            <a:off x="7459917" y="2717248"/>
+            <a:ext cx="923651" cy="230832"/>
+          </a:xfrm>
+          <a:prstGeom prst="rect">
+            <a:avLst/>
+          </a:prstGeom>
+        </p:spPr>
+        <p:txBody>
+          <a:bodyPr wrap="none">
+            <a:spAutoFit/>
+          </a:bodyPr>
+          <a:lstStyle/>
+          <a:p>
+            <a:r>
+              <a:rPr lang="en-US" altLang="ko-KR" sz="900" dirty="0" err="1"/>
+              <a:t>DAC_cs_bar</a:t>
+            </a:r>
+            <a:r>
+              <a:rPr lang="en-US" altLang="ko-KR" sz="900" dirty="0"/>
+              <a:t>[0]</a:t>
+            </a:r>
+            <a:endParaRPr lang="ko-KR" altLang="en-US" sz="900" dirty="0"/>
+          </a:p>
+        </p:txBody>
+      </p:sp>
+      <p:sp>
+        <p:nvSpPr>
+          <p:cNvPr id="230" name="직사각형 229">
+            <a:extLst>
+              <a:ext uri="{FF2B5EF4-FFF2-40B4-BE49-F238E27FC236}">
+                <a16:creationId xmlns:a16="http://schemas.microsoft.com/office/drawing/2014/main" id="{DD587EBC-D3EC-4334-B240-780F9DC6FE87}"/>
+              </a:ext>
+            </a:extLst>
+          </p:cNvPr>
+          <p:cNvSpPr/>
+          <p:nvPr/>
+        </p:nvSpPr>
+        <p:spPr>
+          <a:xfrm>
+            <a:off x="7459917" y="3004100"/>
+            <a:ext cx="792205" cy="230832"/>
+          </a:xfrm>
+          <a:prstGeom prst="rect">
+            <a:avLst/>
+          </a:prstGeom>
+        </p:spPr>
+        <p:txBody>
+          <a:bodyPr wrap="none">
+            <a:spAutoFit/>
+          </a:bodyPr>
+          <a:lstStyle/>
+          <a:p>
+            <a:r>
+              <a:rPr lang="en-US" altLang="ko-KR" sz="900" dirty="0" err="1"/>
+              <a:t>DAC_sclk</a:t>
+            </a:r>
+            <a:r>
+              <a:rPr lang="en-US" altLang="ko-KR" sz="900" dirty="0"/>
+              <a:t>[0]</a:t>
+            </a:r>
+            <a:endParaRPr lang="ko-KR" altLang="en-US" sz="900" dirty="0"/>
+          </a:p>
+        </p:txBody>
+      </p:sp>
+      <p:sp>
+        <p:nvSpPr>
+          <p:cNvPr id="231" name="직사각형 230">
+            <a:extLst>
+              <a:ext uri="{FF2B5EF4-FFF2-40B4-BE49-F238E27FC236}">
+                <a16:creationId xmlns:a16="http://schemas.microsoft.com/office/drawing/2014/main" id="{64DE861B-9220-47D1-AEE3-D51FD4BC15BE}"/>
+              </a:ext>
+            </a:extLst>
+          </p:cNvPr>
+          <p:cNvSpPr/>
+          <p:nvPr/>
+        </p:nvSpPr>
+        <p:spPr>
+          <a:xfrm>
+            <a:off x="7459917" y="3334077"/>
+            <a:ext cx="748923" cy="230832"/>
+          </a:xfrm>
+          <a:prstGeom prst="rect">
+            <a:avLst/>
+          </a:prstGeom>
+        </p:spPr>
+        <p:txBody>
+          <a:bodyPr wrap="none">
+            <a:spAutoFit/>
+          </a:bodyPr>
+          <a:lstStyle/>
+          <a:p>
+            <a:r>
+              <a:rPr lang="en-US" altLang="ko-KR" sz="900" dirty="0" err="1"/>
+              <a:t>DAC_sdi</a:t>
+            </a:r>
+            <a:r>
+              <a:rPr lang="en-US" altLang="ko-KR" sz="900" dirty="0"/>
+              <a:t>[0]</a:t>
+            </a:r>
+            <a:endParaRPr lang="ko-KR" altLang="en-US" sz="900" dirty="0"/>
+          </a:p>
+        </p:txBody>
+      </p:sp>
+      <p:sp>
+        <p:nvSpPr>
+          <p:cNvPr id="232" name="직사각형 231">
+            <a:extLst>
+              <a:ext uri="{FF2B5EF4-FFF2-40B4-BE49-F238E27FC236}">
+                <a16:creationId xmlns:a16="http://schemas.microsoft.com/office/drawing/2014/main" id="{C10BE125-D77F-4CAA-947A-06C249103D20}"/>
+              </a:ext>
+            </a:extLst>
+          </p:cNvPr>
+          <p:cNvSpPr/>
+          <p:nvPr/>
+        </p:nvSpPr>
+        <p:spPr>
+          <a:xfrm>
+            <a:off x="7459917" y="3643467"/>
+            <a:ext cx="923651" cy="230832"/>
+          </a:xfrm>
+          <a:prstGeom prst="rect">
+            <a:avLst/>
+          </a:prstGeom>
+        </p:spPr>
+        <p:txBody>
+          <a:bodyPr wrap="none">
+            <a:spAutoFit/>
+          </a:bodyPr>
+          <a:lstStyle/>
+          <a:p>
+            <a:r>
+              <a:rPr lang="en-US" altLang="ko-KR" sz="900" dirty="0" err="1"/>
+              <a:t>DAC_cs_bar</a:t>
+            </a:r>
+            <a:r>
+              <a:rPr lang="en-US" altLang="ko-KR" sz="900" dirty="0"/>
+              <a:t>[1]</a:t>
+            </a:r>
+            <a:endParaRPr lang="ko-KR" altLang="en-US" sz="900" dirty="0"/>
+          </a:p>
+        </p:txBody>
+      </p:sp>
+      <p:sp>
+        <p:nvSpPr>
+          <p:cNvPr id="233" name="직사각형 232">
+            <a:extLst>
+              <a:ext uri="{FF2B5EF4-FFF2-40B4-BE49-F238E27FC236}">
+                <a16:creationId xmlns:a16="http://schemas.microsoft.com/office/drawing/2014/main" id="{742114F5-E69A-442D-91A2-B6FAA985732A}"/>
+              </a:ext>
+            </a:extLst>
+          </p:cNvPr>
+          <p:cNvSpPr/>
+          <p:nvPr/>
+        </p:nvSpPr>
+        <p:spPr>
+          <a:xfrm>
+            <a:off x="7459917" y="3961779"/>
+            <a:ext cx="792205" cy="230832"/>
+          </a:xfrm>
+          <a:prstGeom prst="rect">
+            <a:avLst/>
+          </a:prstGeom>
+        </p:spPr>
+        <p:txBody>
+          <a:bodyPr wrap="none">
+            <a:spAutoFit/>
+          </a:bodyPr>
+          <a:lstStyle/>
+          <a:p>
+            <a:r>
+              <a:rPr lang="en-US" altLang="ko-KR" sz="900" dirty="0" err="1"/>
+              <a:t>DAC_sclk</a:t>
+            </a:r>
+            <a:r>
+              <a:rPr lang="en-US" altLang="ko-KR" sz="900" dirty="0"/>
+              <a:t>[1]</a:t>
+            </a:r>
+            <a:endParaRPr lang="ko-KR" altLang="en-US" sz="900" dirty="0"/>
+          </a:p>
+        </p:txBody>
+      </p:sp>
+      <p:sp>
+        <p:nvSpPr>
+          <p:cNvPr id="234" name="직사각형 233">
+            <a:extLst>
+              <a:ext uri="{FF2B5EF4-FFF2-40B4-BE49-F238E27FC236}">
+                <a16:creationId xmlns:a16="http://schemas.microsoft.com/office/drawing/2014/main" id="{65194BA9-CA54-47D3-9CD0-8E75806C0C33}"/>
+              </a:ext>
+            </a:extLst>
+          </p:cNvPr>
+          <p:cNvSpPr/>
+          <p:nvPr/>
+        </p:nvSpPr>
+        <p:spPr>
+          <a:xfrm>
+            <a:off x="7459917" y="4260296"/>
+            <a:ext cx="748923" cy="230832"/>
+          </a:xfrm>
+          <a:prstGeom prst="rect">
+            <a:avLst/>
+          </a:prstGeom>
+        </p:spPr>
+        <p:txBody>
+          <a:bodyPr wrap="none">
+            <a:spAutoFit/>
+          </a:bodyPr>
+          <a:lstStyle/>
+          <a:p>
+            <a:r>
+              <a:rPr lang="en-US" altLang="ko-KR" sz="900" dirty="0" err="1"/>
+              <a:t>DAC_sdi</a:t>
+            </a:r>
+            <a:r>
+              <a:rPr lang="en-US" altLang="ko-KR" sz="900" dirty="0"/>
+              <a:t>[1]</a:t>
+            </a:r>
+            <a:endParaRPr lang="ko-KR" altLang="en-US" sz="900" dirty="0"/>
+          </a:p>
+        </p:txBody>
+      </p:sp>
+      <p:sp>
+        <p:nvSpPr>
+          <p:cNvPr id="235" name="직사각형 234">
+            <a:extLst>
+              <a:ext uri="{FF2B5EF4-FFF2-40B4-BE49-F238E27FC236}">
+                <a16:creationId xmlns:a16="http://schemas.microsoft.com/office/drawing/2014/main" id="{5F1A60C3-3C33-459F-9B1F-569E7A109D82}"/>
+              </a:ext>
+            </a:extLst>
+          </p:cNvPr>
+          <p:cNvSpPr/>
+          <p:nvPr/>
+        </p:nvSpPr>
+        <p:spPr>
+          <a:xfrm>
+            <a:off x="3169727" y="1455413"/>
+            <a:ext cx="1466859" cy="230512"/>
+          </a:xfrm>
+          <a:prstGeom prst="rect">
+            <a:avLst/>
+          </a:prstGeom>
+        </p:spPr>
+        <p:style>
+          <a:lnRef idx="2">
+            <a:schemeClr val="accent1">
+              <a:shade val="50000"/>
+            </a:schemeClr>
+          </a:lnRef>
+          <a:fillRef idx="1">
+            <a:schemeClr val="accent1"/>
+          </a:fillRef>
+          <a:effectRef idx="0">
+            <a:schemeClr val="accent1"/>
+          </a:effectRef>
+          <a:fontRef idx="minor">
+            <a:schemeClr val="lt1"/>
+          </a:fontRef>
+        </p:style>
+        <p:txBody>
+          <a:bodyPr rtlCol="0" anchor="ctr"/>
+          <a:lstStyle/>
+          <a:p>
+            <a:pPr algn="ctr"/>
+            <a:r>
+              <a:rPr lang="en-US" altLang="ko-KR" sz="900" dirty="0"/>
+              <a:t>[1:32] </a:t>
+            </a:r>
+            <a:r>
+              <a:rPr lang="en-US" altLang="ko-KR" sz="900" dirty="0" err="1"/>
+              <a:t>pattern_masks</a:t>
+            </a:r>
+            <a:endParaRPr lang="ko-KR" altLang="en-US" sz="900" dirty="0"/>
+          </a:p>
+        </p:txBody>
+      </p:sp>
+      <p:sp>
+        <p:nvSpPr>
+          <p:cNvPr id="236" name="직사각형 235">
+            <a:extLst>
+              <a:ext uri="{FF2B5EF4-FFF2-40B4-BE49-F238E27FC236}">
+                <a16:creationId xmlns:a16="http://schemas.microsoft.com/office/drawing/2014/main" id="{7E5D90CC-3ECC-4770-9074-102D7BF415C9}"/>
+              </a:ext>
+            </a:extLst>
+          </p:cNvPr>
+          <p:cNvSpPr/>
+          <p:nvPr/>
+        </p:nvSpPr>
+        <p:spPr>
+          <a:xfrm>
+            <a:off x="3169727" y="1155536"/>
+            <a:ext cx="1466859" cy="230512"/>
+          </a:xfrm>
+          <a:prstGeom prst="rect">
+            <a:avLst/>
+          </a:prstGeom>
+        </p:spPr>
+        <p:style>
+          <a:lnRef idx="2">
+            <a:schemeClr val="accent1">
+              <a:shade val="50000"/>
+            </a:schemeClr>
+          </a:lnRef>
+          <a:fillRef idx="1">
+            <a:schemeClr val="accent1"/>
+          </a:fillRef>
+          <a:effectRef idx="0">
+            <a:schemeClr val="accent1"/>
+          </a:effectRef>
+          <a:fontRef idx="minor">
+            <a:schemeClr val="lt1"/>
+          </a:fontRef>
+        </p:style>
+        <p:txBody>
+          <a:bodyPr rtlCol="0" anchor="ctr"/>
+          <a:lstStyle/>
+          <a:p>
+            <a:pPr algn="ctr"/>
+            <a:r>
+              <a:rPr lang="en-US" altLang="ko-KR" sz="900" dirty="0"/>
+              <a:t>[1:32] </a:t>
+            </a:r>
+            <a:r>
+              <a:rPr lang="en-US" altLang="ko-KR" sz="900" dirty="0" err="1"/>
+              <a:t>pattern_data</a:t>
+            </a:r>
+            <a:endParaRPr lang="ko-KR" altLang="en-US" sz="900" dirty="0"/>
+          </a:p>
+        </p:txBody>
+      </p:sp>
+      <p:sp>
+        <p:nvSpPr>
+          <p:cNvPr id="237" name="직사각형 236">
+            <a:extLst>
+              <a:ext uri="{FF2B5EF4-FFF2-40B4-BE49-F238E27FC236}">
+                <a16:creationId xmlns:a16="http://schemas.microsoft.com/office/drawing/2014/main" id="{9CDBDE8A-9637-4EBB-A750-C79F094C2DF2}"/>
+              </a:ext>
+            </a:extLst>
+          </p:cNvPr>
+          <p:cNvSpPr/>
+          <p:nvPr/>
+        </p:nvSpPr>
+        <p:spPr>
+          <a:xfrm>
+            <a:off x="1692556" y="1037847"/>
+            <a:ext cx="1099981" cy="230832"/>
+          </a:xfrm>
+          <a:prstGeom prst="rect">
+            <a:avLst/>
+          </a:prstGeom>
+        </p:spPr>
+        <p:txBody>
+          <a:bodyPr wrap="none">
+            <a:spAutoFit/>
+          </a:bodyPr>
+          <a:lstStyle/>
+          <a:p>
+            <a:r>
+              <a:rPr lang="en-US" altLang="ko-KR" sz="900" dirty="0" err="1"/>
+              <a:t>BTF_Buffer</a:t>
+            </a:r>
+            <a:r>
+              <a:rPr lang="en-US" altLang="ko-KR" sz="900" dirty="0"/>
+              <a:t>[32 : 1]</a:t>
+            </a:r>
+            <a:endParaRPr lang="ko-KR" altLang="en-US" sz="900" dirty="0"/>
+          </a:p>
+        </p:txBody>
+      </p:sp>
+      <p:cxnSp>
+        <p:nvCxnSpPr>
+          <p:cNvPr id="238" name="연결선: 꺾임 237">
+            <a:extLst>
+              <a:ext uri="{FF2B5EF4-FFF2-40B4-BE49-F238E27FC236}">
+                <a16:creationId xmlns:a16="http://schemas.microsoft.com/office/drawing/2014/main" id="{C8E8FF55-612E-471D-828A-7BB035199F30}"/>
+              </a:ext>
+            </a:extLst>
+          </p:cNvPr>
+          <p:cNvCxnSpPr>
+            <a:cxnSpLocks/>
+            <a:stCxn id="4" idx="3"/>
+          </p:cNvCxnSpPr>
+          <p:nvPr/>
+        </p:nvCxnSpPr>
+        <p:spPr>
+          <a:xfrm>
+            <a:off x="1642381" y="337506"/>
+            <a:ext cx="1527347" cy="932738"/>
+          </a:xfrm>
+          <a:prstGeom prst="bentConnector3">
+            <a:avLst>
+              <a:gd name="adj1" fmla="val 5930"/>
+            </a:avLst>
+          </a:prstGeom>
+          <a:ln>
+            <a:tailEnd type="triangle"/>
+          </a:ln>
+        </p:spPr>
+        <p:style>
+          <a:lnRef idx="1">
+            <a:schemeClr val="accent1"/>
+          </a:lnRef>
+          <a:fillRef idx="0">
+            <a:schemeClr val="accent1"/>
+          </a:fillRef>
+          <a:effectRef idx="0">
+            <a:schemeClr val="accent1"/>
+          </a:effectRef>
+          <a:fontRef idx="minor">
+            <a:schemeClr val="tx1"/>
+          </a:fontRef>
+        </p:style>
+      </p:cxnSp>
+      <p:cxnSp>
+        <p:nvCxnSpPr>
+          <p:cNvPr id="239" name="연결선: 꺾임 238">
+            <a:extLst>
+              <a:ext uri="{FF2B5EF4-FFF2-40B4-BE49-F238E27FC236}">
+                <a16:creationId xmlns:a16="http://schemas.microsoft.com/office/drawing/2014/main" id="{0E31183B-45F0-454C-B147-EA87D64C9BD1}"/>
+              </a:ext>
+            </a:extLst>
+          </p:cNvPr>
+          <p:cNvCxnSpPr>
+            <a:cxnSpLocks/>
+            <a:stCxn id="4" idx="3"/>
+          </p:cNvCxnSpPr>
+          <p:nvPr/>
+        </p:nvCxnSpPr>
+        <p:spPr>
+          <a:xfrm>
+            <a:off x="1642381" y="337506"/>
+            <a:ext cx="1527344" cy="1246902"/>
+          </a:xfrm>
+          <a:prstGeom prst="bentConnector3">
+            <a:avLst>
+              <a:gd name="adj1" fmla="val 5930"/>
+            </a:avLst>
+          </a:prstGeom>
+          <a:ln>
+            <a:tailEnd type="triangle"/>
+          </a:ln>
+        </p:spPr>
+        <p:style>
+          <a:lnRef idx="1">
+            <a:schemeClr val="accent1"/>
+          </a:lnRef>
+          <a:fillRef idx="0">
+            <a:schemeClr val="accent1"/>
+          </a:fillRef>
+          <a:effectRef idx="0">
+            <a:schemeClr val="accent1"/>
+          </a:effectRef>
+          <a:fontRef idx="minor">
+            <a:schemeClr val="tx1"/>
+          </a:fontRef>
+        </p:style>
+      </p:cxnSp>
+      <p:sp>
+        <p:nvSpPr>
+          <p:cNvPr id="240" name="직사각형 239">
+            <a:extLst>
+              <a:ext uri="{FF2B5EF4-FFF2-40B4-BE49-F238E27FC236}">
+                <a16:creationId xmlns:a16="http://schemas.microsoft.com/office/drawing/2014/main" id="{0E1B6EF8-A848-4379-84A3-2DEAE5B4F0B7}"/>
+              </a:ext>
+            </a:extLst>
+          </p:cNvPr>
+          <p:cNvSpPr/>
+          <p:nvPr/>
+        </p:nvSpPr>
+        <p:spPr>
+          <a:xfrm>
+            <a:off x="1692556" y="1352523"/>
+            <a:ext cx="1516762" cy="230832"/>
+          </a:xfrm>
+          <a:prstGeom prst="rect">
+            <a:avLst/>
+          </a:prstGeom>
+        </p:spPr>
+        <p:txBody>
+          <a:bodyPr wrap="none">
+            <a:spAutoFit/>
+          </a:bodyPr>
+          <a:lstStyle/>
+          <a:p>
+            <a:r>
+              <a:rPr lang="en-US" altLang="ko-KR" sz="900" dirty="0" err="1"/>
+              <a:t>BTF_Buffer</a:t>
+            </a:r>
+            <a:r>
+              <a:rPr lang="en-US" altLang="ko-KR" sz="900" dirty="0"/>
+              <a:t>[32+32 : 32+1]</a:t>
             </a:r>
             <a:endParaRPr lang="ko-KR" altLang="en-US" sz="900" dirty="0"/>
           </a:p>
@@ -21741,6 +29005,133 @@
     <p:extLst>
       <p:ext uri="{BB962C8B-B14F-4D97-AF65-F5344CB8AC3E}">
         <p14:creationId xmlns:p14="http://schemas.microsoft.com/office/powerpoint/2010/main" val="3822478422"/>
+      </p:ext>
+    </p:extLst>
+  </p:cSld>
+  <p:clrMapOvr>
+    <a:masterClrMapping/>
+  </p:clrMapOvr>
+</p:sld>
+</file>
+
+<file path=ppt/slides/slide8.xml><?xml version="1.0" encoding="utf-8"?>
+<p:sld xmlns:a="http://schemas.openxmlformats.org/drawingml/2006/main" xmlns:r="http://schemas.openxmlformats.org/officeDocument/2006/relationships" xmlns:p="http://schemas.openxmlformats.org/presentationml/2006/main">
+  <p:cSld>
+    <p:spTree>
+      <p:nvGrpSpPr>
+        <p:cNvPr id="1" name=""/>
+        <p:cNvGrpSpPr/>
+        <p:nvPr/>
+      </p:nvGrpSpPr>
+      <p:grpSpPr>
+        <a:xfrm>
+          <a:off x="0" y="0"/>
+          <a:ext cx="0" cy="0"/>
+          <a:chOff x="0" y="0"/>
+          <a:chExt cx="0" cy="0"/>
+        </a:xfrm>
+      </p:grpSpPr>
+      <p:sp>
+        <p:nvSpPr>
+          <p:cNvPr id="2" name="제목 1">
+            <a:extLst>
+              <a:ext uri="{FF2B5EF4-FFF2-40B4-BE49-F238E27FC236}">
+                <a16:creationId xmlns:a16="http://schemas.microsoft.com/office/drawing/2014/main" id="{480B7B15-C8F4-4E34-B6E3-4971632B881E}"/>
+              </a:ext>
+            </a:extLst>
+          </p:cNvPr>
+          <p:cNvSpPr>
+            <a:spLocks noGrp="1"/>
+          </p:cNvSpPr>
+          <p:nvPr>
+            <p:ph type="title"/>
+          </p:nvPr>
+        </p:nvSpPr>
+        <p:spPr/>
+        <p:txBody>
+          <a:bodyPr/>
+          <a:lstStyle/>
+          <a:p>
+            <a:r>
+              <a:rPr lang="en-US" altLang="ko-KR" dirty="0"/>
+              <a:t>360 line </a:t>
+            </a:r>
+            <a:r>
+              <a:rPr lang="ko-KR" altLang="en-US" dirty="0"/>
+              <a:t>까지 끝남</a:t>
+            </a:r>
+          </a:p>
+        </p:txBody>
+      </p:sp>
+      <p:sp>
+        <p:nvSpPr>
+          <p:cNvPr id="3" name="내용 개체 틀 2">
+            <a:extLst>
+              <a:ext uri="{FF2B5EF4-FFF2-40B4-BE49-F238E27FC236}">
+                <a16:creationId xmlns:a16="http://schemas.microsoft.com/office/drawing/2014/main" id="{DC2457D0-CA78-41E9-AE3A-8794177F9FC2}"/>
+              </a:ext>
+            </a:extLst>
+          </p:cNvPr>
+          <p:cNvSpPr>
+            <a:spLocks noGrp="1"/>
+          </p:cNvSpPr>
+          <p:nvPr>
+            <p:ph idx="1"/>
+          </p:nvPr>
+        </p:nvSpPr>
+        <p:spPr/>
+        <p:txBody>
+          <a:bodyPr/>
+          <a:lstStyle/>
+          <a:p>
+            <a:pPr marL="0" indent="0">
+              <a:buNone/>
+            </a:pPr>
+            <a:r>
+              <a:rPr lang="en-US" altLang="ko-KR" dirty="0"/>
+              <a:t>Main FSM </a:t>
+            </a:r>
+            <a:r>
+              <a:rPr lang="ko-KR" altLang="en-US" dirty="0"/>
+              <a:t>및 다른 </a:t>
+            </a:r>
+            <a:r>
+              <a:rPr lang="en-US" altLang="ko-KR" dirty="0"/>
+              <a:t>module</a:t>
+            </a:r>
+            <a:r>
+              <a:rPr lang="ko-KR" altLang="en-US" dirty="0"/>
+              <a:t>들 마무리</a:t>
+            </a:r>
+            <a:endParaRPr lang="en-US" altLang="ko-KR" dirty="0"/>
+          </a:p>
+          <a:p>
+            <a:pPr marL="0" indent="0">
+              <a:buNone/>
+            </a:pPr>
+            <a:r>
+              <a:rPr lang="en-US" altLang="ko-KR" dirty="0"/>
+              <a:t>Verilog code </a:t>
+            </a:r>
+            <a:r>
+              <a:rPr lang="ko-KR" altLang="en-US" dirty="0"/>
+              <a:t>분석 후 </a:t>
+            </a:r>
+            <a:r>
+              <a:rPr lang="en-US" altLang="ko-KR" dirty="0"/>
+              <a:t>Python </a:t>
+            </a:r>
+            <a:r>
+              <a:rPr lang="ko-KR" altLang="en-US" dirty="0"/>
+              <a:t>코드 작성 시작</a:t>
+            </a:r>
+          </a:p>
+        </p:txBody>
+      </p:sp>
+    </p:spTree>
+    <p:extLst>
+      <p:ext uri="{BB962C8B-B14F-4D97-AF65-F5344CB8AC3E}">
+        <p14:creationId xmlns:p14="http://schemas.microsoft.com/office/powerpoint/2010/main" val="3634129619"/>
       </p:ext>
     </p:extLst>
   </p:cSld>

--- a/AD9912_MODULE.pptx
+++ b/AD9912_MODULE.pptx
@@ -5,7 +5,7 @@
     <p:sldMasterId id="2147483648" r:id="rId1"/>
   </p:sldMasterIdLst>
   <p:notesMasterIdLst>
-    <p:notesMasterId r:id="rId15"/>
+    <p:notesMasterId r:id="rId18"/>
   </p:notesMasterIdLst>
   <p:sldIdLst>
     <p:sldId id="256" r:id="rId2"/>
@@ -21,6 +21,9 @@
     <p:sldId id="264" r:id="rId12"/>
     <p:sldId id="267" r:id="rId13"/>
     <p:sldId id="269" r:id="rId14"/>
+    <p:sldId id="272" r:id="rId15"/>
+    <p:sldId id="270" r:id="rId16"/>
+    <p:sldId id="271" r:id="rId17"/>
   </p:sldIdLst>
   <p:sldSz cx="12192000" cy="6858000"/>
   <p:notesSz cx="6858000" cy="9144000"/>
@@ -221,7 +224,7 @@
           <a:p>
             <a:fld id="{502B4DDA-7A51-4A70-86E2-7A024DB8AD9C}" type="datetimeFigureOut">
               <a:rPr lang="ko-KR" altLang="en-US" smtClean="0"/>
-              <a:t>2020-08-07</a:t>
+              <a:t>2020-08-11</a:t>
             </a:fld>
             <a:endParaRPr lang="ko-KR" altLang="en-US"/>
           </a:p>
@@ -719,7 +722,7 @@
           <a:p>
             <a:fld id="{F5D17268-D78A-46F7-9EFA-9158832B59E9}" type="datetimeFigureOut">
               <a:rPr lang="ko-KR" altLang="en-US" smtClean="0"/>
-              <a:t>2020-08-07</a:t>
+              <a:t>2020-08-11</a:t>
             </a:fld>
             <a:endParaRPr lang="ko-KR" altLang="en-US"/>
           </a:p>
@@ -917,7 +920,7 @@
           <a:p>
             <a:fld id="{F5D17268-D78A-46F7-9EFA-9158832B59E9}" type="datetimeFigureOut">
               <a:rPr lang="ko-KR" altLang="en-US" smtClean="0"/>
-              <a:t>2020-08-07</a:t>
+              <a:t>2020-08-11</a:t>
             </a:fld>
             <a:endParaRPr lang="ko-KR" altLang="en-US"/>
           </a:p>
@@ -1125,7 +1128,7 @@
           <a:p>
             <a:fld id="{F5D17268-D78A-46F7-9EFA-9158832B59E9}" type="datetimeFigureOut">
               <a:rPr lang="ko-KR" altLang="en-US" smtClean="0"/>
-              <a:t>2020-08-07</a:t>
+              <a:t>2020-08-11</a:t>
             </a:fld>
             <a:endParaRPr lang="ko-KR" altLang="en-US"/>
           </a:p>
@@ -1323,7 +1326,7 @@
           <a:p>
             <a:fld id="{F5D17268-D78A-46F7-9EFA-9158832B59E9}" type="datetimeFigureOut">
               <a:rPr lang="ko-KR" altLang="en-US" smtClean="0"/>
-              <a:t>2020-08-07</a:t>
+              <a:t>2020-08-11</a:t>
             </a:fld>
             <a:endParaRPr lang="ko-KR" altLang="en-US"/>
           </a:p>
@@ -1598,7 +1601,7 @@
           <a:p>
             <a:fld id="{F5D17268-D78A-46F7-9EFA-9158832B59E9}" type="datetimeFigureOut">
               <a:rPr lang="ko-KR" altLang="en-US" smtClean="0"/>
-              <a:t>2020-08-07</a:t>
+              <a:t>2020-08-11</a:t>
             </a:fld>
             <a:endParaRPr lang="ko-KR" altLang="en-US"/>
           </a:p>
@@ -1863,7 +1866,7 @@
           <a:p>
             <a:fld id="{F5D17268-D78A-46F7-9EFA-9158832B59E9}" type="datetimeFigureOut">
               <a:rPr lang="ko-KR" altLang="en-US" smtClean="0"/>
-              <a:t>2020-08-07</a:t>
+              <a:t>2020-08-11</a:t>
             </a:fld>
             <a:endParaRPr lang="ko-KR" altLang="en-US"/>
           </a:p>
@@ -2275,7 +2278,7 @@
           <a:p>
             <a:fld id="{F5D17268-D78A-46F7-9EFA-9158832B59E9}" type="datetimeFigureOut">
               <a:rPr lang="ko-KR" altLang="en-US" smtClean="0"/>
-              <a:t>2020-08-07</a:t>
+              <a:t>2020-08-11</a:t>
             </a:fld>
             <a:endParaRPr lang="ko-KR" altLang="en-US"/>
           </a:p>
@@ -2416,7 +2419,7 @@
           <a:p>
             <a:fld id="{F5D17268-D78A-46F7-9EFA-9158832B59E9}" type="datetimeFigureOut">
               <a:rPr lang="ko-KR" altLang="en-US" smtClean="0"/>
-              <a:t>2020-08-07</a:t>
+              <a:t>2020-08-11</a:t>
             </a:fld>
             <a:endParaRPr lang="ko-KR" altLang="en-US"/>
           </a:p>
@@ -2529,7 +2532,7 @@
           <a:p>
             <a:fld id="{F5D17268-D78A-46F7-9EFA-9158832B59E9}" type="datetimeFigureOut">
               <a:rPr lang="ko-KR" altLang="en-US" smtClean="0"/>
-              <a:t>2020-08-07</a:t>
+              <a:t>2020-08-11</a:t>
             </a:fld>
             <a:endParaRPr lang="ko-KR" altLang="en-US"/>
           </a:p>
@@ -2840,7 +2843,7 @@
           <a:p>
             <a:fld id="{F5D17268-D78A-46F7-9EFA-9158832B59E9}" type="datetimeFigureOut">
               <a:rPr lang="ko-KR" altLang="en-US" smtClean="0"/>
-              <a:t>2020-08-07</a:t>
+              <a:t>2020-08-11</a:t>
             </a:fld>
             <a:endParaRPr lang="ko-KR" altLang="en-US"/>
           </a:p>
@@ -3128,7 +3131,7 @@
           <a:p>
             <a:fld id="{F5D17268-D78A-46F7-9EFA-9158832B59E9}" type="datetimeFigureOut">
               <a:rPr lang="ko-KR" altLang="en-US" smtClean="0"/>
-              <a:t>2020-08-07</a:t>
+              <a:t>2020-08-11</a:t>
             </a:fld>
             <a:endParaRPr lang="ko-KR" altLang="en-US"/>
           </a:p>
@@ -3369,7 +3372,7 @@
           <a:p>
             <a:fld id="{F5D17268-D78A-46F7-9EFA-9158832B59E9}" type="datetimeFigureOut">
               <a:rPr lang="ko-KR" altLang="en-US" smtClean="0"/>
-              <a:t>2020-08-07</a:t>
+              <a:t>2020-08-11</a:t>
             </a:fld>
             <a:endParaRPr lang="ko-KR" altLang="en-US"/>
           </a:p>
@@ -12281,6 +12284,9091 @@
     <p:extLst>
       <p:ext uri="{BB962C8B-B14F-4D97-AF65-F5344CB8AC3E}">
         <p14:creationId xmlns:p14="http://schemas.microsoft.com/office/powerpoint/2010/main" val="193298595"/>
+      </p:ext>
+    </p:extLst>
+  </p:cSld>
+  <p:clrMapOvr>
+    <a:masterClrMapping/>
+  </p:clrMapOvr>
+</p:sld>
+</file>
+
+<file path=ppt/slides/slide14.xml><?xml version="1.0" encoding="utf-8"?>
+<p:sld xmlns:a="http://schemas.openxmlformats.org/drawingml/2006/main" xmlns:r="http://schemas.openxmlformats.org/officeDocument/2006/relationships" xmlns:p="http://schemas.openxmlformats.org/presentationml/2006/main">
+  <p:cSld>
+    <p:spTree>
+      <p:nvGrpSpPr>
+        <p:cNvPr id="1" name=""/>
+        <p:cNvGrpSpPr/>
+        <p:nvPr/>
+      </p:nvGrpSpPr>
+      <p:grpSpPr>
+        <a:xfrm>
+          <a:off x="0" y="0"/>
+          <a:ext cx="0" cy="0"/>
+          <a:chOff x="0" y="0"/>
+          <a:chExt cx="0" cy="0"/>
+        </a:xfrm>
+      </p:grpSpPr>
+      <p:sp>
+        <p:nvSpPr>
+          <p:cNvPr id="2" name="제목 1"/>
+          <p:cNvSpPr>
+            <a:spLocks noGrp="1"/>
+          </p:cNvSpPr>
+          <p:nvPr>
+            <p:ph type="title"/>
+          </p:nvPr>
+        </p:nvSpPr>
+        <p:spPr/>
+        <p:txBody>
+          <a:bodyPr/>
+          <a:lstStyle/>
+          <a:p>
+            <a:r>
+              <a:rPr lang="en-US" altLang="ko-KR" dirty="0" smtClean="0"/>
+              <a:t>New Design</a:t>
+            </a:r>
+            <a:endParaRPr lang="ko-KR" altLang="en-US" dirty="0"/>
+          </a:p>
+        </p:txBody>
+      </p:sp>
+    </p:spTree>
+    <p:extLst>
+      <p:ext uri="{BB962C8B-B14F-4D97-AF65-F5344CB8AC3E}">
+        <p14:creationId xmlns:p14="http://schemas.microsoft.com/office/powerpoint/2010/main" val="4039438627"/>
+      </p:ext>
+    </p:extLst>
+  </p:cSld>
+  <p:clrMapOvr>
+    <a:masterClrMapping/>
+  </p:clrMapOvr>
+</p:sld>
+</file>
+
+<file path=ppt/slides/slide15.xml><?xml version="1.0" encoding="utf-8"?>
+<p:sld xmlns:a="http://schemas.openxmlformats.org/drawingml/2006/main" xmlns:r="http://schemas.openxmlformats.org/officeDocument/2006/relationships" xmlns:p="http://schemas.openxmlformats.org/presentationml/2006/main">
+  <p:cSld>
+    <p:spTree>
+      <p:nvGrpSpPr>
+        <p:cNvPr id="1" name=""/>
+        <p:cNvGrpSpPr/>
+        <p:nvPr/>
+      </p:nvGrpSpPr>
+      <p:grpSpPr>
+        <a:xfrm>
+          <a:off x="0" y="0"/>
+          <a:ext cx="0" cy="0"/>
+          <a:chOff x="0" y="0"/>
+          <a:chExt cx="0" cy="0"/>
+        </a:xfrm>
+      </p:grpSpPr>
+      <p:grpSp>
+        <p:nvGrpSpPr>
+          <p:cNvPr id="4" name="그룹 3">
+            <a:extLst>
+              <a:ext uri="{FF2B5EF4-FFF2-40B4-BE49-F238E27FC236}">
+                <a16:creationId xmlns:a16="http://schemas.microsoft.com/office/drawing/2014/main" id="{0CC8E95F-0FD8-4610-A633-3D07A5D32332}"/>
+              </a:ext>
+            </a:extLst>
+          </p:cNvPr>
+          <p:cNvGrpSpPr/>
+          <p:nvPr/>
+        </p:nvGrpSpPr>
+        <p:grpSpPr>
+          <a:xfrm>
+            <a:off x="3161414" y="138808"/>
+            <a:ext cx="1466859" cy="230512"/>
+            <a:chOff x="2962265" y="4647551"/>
+            <a:chExt cx="1466859" cy="230512"/>
+          </a:xfrm>
+        </p:grpSpPr>
+        <p:sp>
+          <p:nvSpPr>
+            <p:cNvPr id="5" name="직사각형 4">
+              <a:extLst>
+                <a:ext uri="{FF2B5EF4-FFF2-40B4-BE49-F238E27FC236}">
+                  <a16:creationId xmlns:a16="http://schemas.microsoft.com/office/drawing/2014/main" id="{D8DB4507-196F-4F9E-A884-6962B6C21648}"/>
+                </a:ext>
+              </a:extLst>
+            </p:cNvPr>
+            <p:cNvSpPr/>
+            <p:nvPr/>
+          </p:nvSpPr>
+          <p:spPr>
+            <a:xfrm>
+              <a:off x="2962265" y="4647551"/>
+              <a:ext cx="1466859" cy="230512"/>
+            </a:xfrm>
+            <a:prstGeom prst="rect">
+              <a:avLst/>
+            </a:prstGeom>
+          </p:spPr>
+          <p:style>
+            <a:lnRef idx="2">
+              <a:schemeClr val="accent1">
+                <a:shade val="50000"/>
+              </a:schemeClr>
+            </a:lnRef>
+            <a:fillRef idx="1">
+              <a:schemeClr val="accent1"/>
+            </a:fillRef>
+            <a:effectRef idx="0">
+              <a:schemeClr val="accent1"/>
+            </a:effectRef>
+            <a:fontRef idx="minor">
+              <a:schemeClr val="lt1"/>
+            </a:fontRef>
+          </p:style>
+          <p:txBody>
+            <a:bodyPr rtlCol="0" anchor="ctr"/>
+            <a:lstStyle/>
+            <a:p>
+              <a:pPr algn="ctr"/>
+              <a:r>
+                <a:rPr lang="en-US" altLang="ko-KR" sz="900" dirty="0"/>
+                <a:t>[3:0] </a:t>
+              </a:r>
+              <a:r>
+                <a:rPr lang="en-US" altLang="ko-KR" sz="900" dirty="0" err="1"/>
+                <a:t>DDS_slow_clock</a:t>
+              </a:r>
+              <a:endParaRPr lang="ko-KR" altLang="en-US" sz="900" dirty="0"/>
+            </a:p>
+          </p:txBody>
+        </p:sp>
+        <p:sp>
+          <p:nvSpPr>
+            <p:cNvPr id="6" name="이등변 삼각형 5">
+              <a:extLst>
+                <a:ext uri="{FF2B5EF4-FFF2-40B4-BE49-F238E27FC236}">
+                  <a16:creationId xmlns:a16="http://schemas.microsoft.com/office/drawing/2014/main" id="{9B09E216-6D59-4138-9300-834865F61C6F}"/>
+                </a:ext>
+              </a:extLst>
+            </p:cNvPr>
+            <p:cNvSpPr/>
+            <p:nvPr/>
+          </p:nvSpPr>
+          <p:spPr>
+            <a:xfrm rot="16200000">
+              <a:off x="4350705" y="4722488"/>
+              <a:ext cx="76200" cy="80638"/>
+            </a:xfrm>
+            <a:prstGeom prst="triangle">
+              <a:avLst/>
+            </a:prstGeom>
+            <a:solidFill>
+              <a:schemeClr val="bg1"/>
+            </a:solidFill>
+          </p:spPr>
+          <p:style>
+            <a:lnRef idx="2">
+              <a:schemeClr val="accent1">
+                <a:shade val="50000"/>
+              </a:schemeClr>
+            </a:lnRef>
+            <a:fillRef idx="1">
+              <a:schemeClr val="accent1"/>
+            </a:fillRef>
+            <a:effectRef idx="0">
+              <a:schemeClr val="accent1"/>
+            </a:effectRef>
+            <a:fontRef idx="minor">
+              <a:schemeClr val="lt1"/>
+            </a:fontRef>
+          </p:style>
+          <p:txBody>
+            <a:bodyPr rtlCol="0" anchor="ctr"/>
+            <a:lstStyle/>
+            <a:p>
+              <a:pPr algn="ctr"/>
+              <a:endParaRPr lang="ko-KR" altLang="en-US"/>
+            </a:p>
+          </p:txBody>
+        </p:sp>
+      </p:grpSp>
+      <p:cxnSp>
+        <p:nvCxnSpPr>
+          <p:cNvPr id="7" name="연결선: 꺾임 38">
+            <a:extLst>
+              <a:ext uri="{FF2B5EF4-FFF2-40B4-BE49-F238E27FC236}">
+                <a16:creationId xmlns:a16="http://schemas.microsoft.com/office/drawing/2014/main" id="{507359F4-9B8F-4169-ADAD-1E545B3BF137}"/>
+              </a:ext>
+            </a:extLst>
+          </p:cNvPr>
+          <p:cNvCxnSpPr>
+            <a:cxnSpLocks/>
+            <a:stCxn id="8" idx="1"/>
+            <a:endCxn id="6" idx="3"/>
+          </p:cNvCxnSpPr>
+          <p:nvPr/>
+        </p:nvCxnSpPr>
+        <p:spPr>
+          <a:xfrm rot="10800000">
+            <a:off x="4628273" y="254064"/>
+            <a:ext cx="200202" cy="160"/>
+          </a:xfrm>
+          <a:prstGeom prst="bentConnector3">
+            <a:avLst>
+              <a:gd name="adj1" fmla="val 50000"/>
+            </a:avLst>
+          </a:prstGeom>
+          <a:ln>
+            <a:tailEnd type="triangle"/>
+          </a:ln>
+        </p:spPr>
+        <p:style>
+          <a:lnRef idx="1">
+            <a:schemeClr val="accent1"/>
+          </a:lnRef>
+          <a:fillRef idx="0">
+            <a:schemeClr val="accent1"/>
+          </a:fillRef>
+          <a:effectRef idx="0">
+            <a:schemeClr val="accent1"/>
+          </a:effectRef>
+          <a:fontRef idx="minor">
+            <a:schemeClr val="tx1"/>
+          </a:fontRef>
+        </p:style>
+      </p:cxnSp>
+      <p:sp>
+        <p:nvSpPr>
+          <p:cNvPr id="8" name="직사각형 7">
+            <a:extLst>
+              <a:ext uri="{FF2B5EF4-FFF2-40B4-BE49-F238E27FC236}">
+                <a16:creationId xmlns:a16="http://schemas.microsoft.com/office/drawing/2014/main" id="{EC937B8E-7854-45FC-B93B-74096D3AC627}"/>
+              </a:ext>
+            </a:extLst>
+          </p:cNvPr>
+          <p:cNvSpPr/>
+          <p:nvPr/>
+        </p:nvSpPr>
+        <p:spPr>
+          <a:xfrm>
+            <a:off x="4828475" y="138808"/>
+            <a:ext cx="862737" cy="230832"/>
+          </a:xfrm>
+          <a:prstGeom prst="rect">
+            <a:avLst/>
+          </a:prstGeom>
+        </p:spPr>
+        <p:txBody>
+          <a:bodyPr wrap="square">
+            <a:spAutoFit/>
+          </a:bodyPr>
+          <a:lstStyle/>
+          <a:p>
+            <a:r>
+              <a:rPr lang="en-US" altLang="ko-KR" sz="900" b="1" dirty="0"/>
+              <a:t>CLK100MHZ</a:t>
+            </a:r>
+            <a:endParaRPr lang="ko-KR" altLang="en-US" sz="900" b="1" dirty="0"/>
+          </a:p>
+        </p:txBody>
+      </p:sp>
+      <p:sp>
+        <p:nvSpPr>
+          <p:cNvPr id="9" name="타원 8">
+            <a:extLst>
+              <a:ext uri="{FF2B5EF4-FFF2-40B4-BE49-F238E27FC236}">
+                <a16:creationId xmlns:a16="http://schemas.microsoft.com/office/drawing/2014/main" id="{30E79D8E-4421-44C8-AC5A-353946BEBA32}"/>
+              </a:ext>
+            </a:extLst>
+          </p:cNvPr>
+          <p:cNvSpPr/>
+          <p:nvPr/>
+        </p:nvSpPr>
+        <p:spPr>
+          <a:xfrm>
+            <a:off x="2752966" y="154623"/>
+            <a:ext cx="195752" cy="195752"/>
+          </a:xfrm>
+          <a:prstGeom prst="ellipse">
+            <a:avLst/>
+          </a:prstGeom>
+        </p:spPr>
+        <p:style>
+          <a:lnRef idx="2">
+            <a:schemeClr val="accent1">
+              <a:shade val="50000"/>
+            </a:schemeClr>
+          </a:lnRef>
+          <a:fillRef idx="1">
+            <a:schemeClr val="accent1"/>
+          </a:fillRef>
+          <a:effectRef idx="0">
+            <a:schemeClr val="accent1"/>
+          </a:effectRef>
+          <a:fontRef idx="minor">
+            <a:schemeClr val="lt1"/>
+          </a:fontRef>
+        </p:style>
+        <p:txBody>
+          <a:bodyPr rtlCol="0" anchor="ctr"/>
+          <a:lstStyle/>
+          <a:p>
+            <a:pPr algn="ctr"/>
+            <a:r>
+              <a:rPr lang="en-US" altLang="ko-KR" sz="1100" dirty="0"/>
+              <a:t>+</a:t>
+            </a:r>
+            <a:endParaRPr lang="ko-KR" altLang="en-US" sz="1100" dirty="0"/>
+          </a:p>
+        </p:txBody>
+      </p:sp>
+      <p:cxnSp>
+        <p:nvCxnSpPr>
+          <p:cNvPr id="10" name="연결선: 꺾임 53">
+            <a:extLst>
+              <a:ext uri="{FF2B5EF4-FFF2-40B4-BE49-F238E27FC236}">
+                <a16:creationId xmlns:a16="http://schemas.microsoft.com/office/drawing/2014/main" id="{98F6229F-2098-45BE-ACF7-1F91406293C3}"/>
+              </a:ext>
+            </a:extLst>
+          </p:cNvPr>
+          <p:cNvCxnSpPr>
+            <a:stCxn id="5" idx="2"/>
+            <a:endCxn id="9" idx="4"/>
+          </p:cNvCxnSpPr>
+          <p:nvPr/>
+        </p:nvCxnSpPr>
+        <p:spPr>
+          <a:xfrm rot="5400000" flipH="1">
+            <a:off x="3363370" y="-162153"/>
+            <a:ext cx="18945" cy="1044002"/>
+          </a:xfrm>
+          <a:prstGeom prst="bentConnector3">
+            <a:avLst>
+              <a:gd name="adj1" fmla="val -1206651"/>
+            </a:avLst>
+          </a:prstGeom>
+          <a:ln>
+            <a:tailEnd type="triangle"/>
+          </a:ln>
+        </p:spPr>
+        <p:style>
+          <a:lnRef idx="1">
+            <a:schemeClr val="accent1"/>
+          </a:lnRef>
+          <a:fillRef idx="0">
+            <a:schemeClr val="accent1"/>
+          </a:fillRef>
+          <a:effectRef idx="0">
+            <a:schemeClr val="accent1"/>
+          </a:effectRef>
+          <a:fontRef idx="minor">
+            <a:schemeClr val="tx1"/>
+          </a:fontRef>
+        </p:style>
+      </p:cxnSp>
+      <p:cxnSp>
+        <p:nvCxnSpPr>
+          <p:cNvPr id="11" name="직선 화살표 연결선 10">
+            <a:extLst>
+              <a:ext uri="{FF2B5EF4-FFF2-40B4-BE49-F238E27FC236}">
+                <a16:creationId xmlns:a16="http://schemas.microsoft.com/office/drawing/2014/main" id="{3C243508-2CBA-4815-B063-E63D99EA2DCF}"/>
+              </a:ext>
+            </a:extLst>
+          </p:cNvPr>
+          <p:cNvCxnSpPr>
+            <a:stCxn id="9" idx="6"/>
+            <a:endCxn id="5" idx="1"/>
+          </p:cNvCxnSpPr>
+          <p:nvPr/>
+        </p:nvCxnSpPr>
+        <p:spPr>
+          <a:xfrm>
+            <a:off x="2948718" y="252499"/>
+            <a:ext cx="212696" cy="1565"/>
+          </a:xfrm>
+          <a:prstGeom prst="straightConnector1">
+            <a:avLst/>
+          </a:prstGeom>
+          <a:ln>
+            <a:tailEnd type="triangle"/>
+          </a:ln>
+        </p:spPr>
+        <p:style>
+          <a:lnRef idx="1">
+            <a:schemeClr val="accent1"/>
+          </a:lnRef>
+          <a:fillRef idx="0">
+            <a:schemeClr val="accent1"/>
+          </a:fillRef>
+          <a:effectRef idx="0">
+            <a:schemeClr val="accent1"/>
+          </a:effectRef>
+          <a:fontRef idx="minor">
+            <a:schemeClr val="tx1"/>
+          </a:fontRef>
+        </p:style>
+      </p:cxnSp>
+      <p:sp>
+        <p:nvSpPr>
+          <p:cNvPr id="12" name="직사각형 11">
+            <a:extLst>
+              <a:ext uri="{FF2B5EF4-FFF2-40B4-BE49-F238E27FC236}">
+                <a16:creationId xmlns:a16="http://schemas.microsoft.com/office/drawing/2014/main" id="{9EF7E63A-9A44-4022-96CC-ECA3A72B41CC}"/>
+              </a:ext>
+            </a:extLst>
+          </p:cNvPr>
+          <p:cNvSpPr/>
+          <p:nvPr/>
+        </p:nvSpPr>
+        <p:spPr>
+          <a:xfrm>
+            <a:off x="2348197" y="138808"/>
+            <a:ext cx="237442" cy="230512"/>
+          </a:xfrm>
+          <a:prstGeom prst="rect">
+            <a:avLst/>
+          </a:prstGeom>
+        </p:spPr>
+        <p:style>
+          <a:lnRef idx="2">
+            <a:schemeClr val="accent1">
+              <a:shade val="50000"/>
+            </a:schemeClr>
+          </a:lnRef>
+          <a:fillRef idx="1">
+            <a:schemeClr val="accent1"/>
+          </a:fillRef>
+          <a:effectRef idx="0">
+            <a:schemeClr val="accent1"/>
+          </a:effectRef>
+          <a:fontRef idx="minor">
+            <a:schemeClr val="lt1"/>
+          </a:fontRef>
+        </p:style>
+        <p:txBody>
+          <a:bodyPr rtlCol="0" anchor="ctr"/>
+          <a:lstStyle/>
+          <a:p>
+            <a:pPr algn="ctr"/>
+            <a:r>
+              <a:rPr lang="en-US" altLang="ko-KR" sz="900" dirty="0"/>
+              <a:t>1</a:t>
+            </a:r>
+            <a:endParaRPr lang="ko-KR" altLang="en-US" sz="900" dirty="0"/>
+          </a:p>
+        </p:txBody>
+      </p:sp>
+      <p:cxnSp>
+        <p:nvCxnSpPr>
+          <p:cNvPr id="13" name="직선 화살표 연결선 12">
+            <a:extLst>
+              <a:ext uri="{FF2B5EF4-FFF2-40B4-BE49-F238E27FC236}">
+                <a16:creationId xmlns:a16="http://schemas.microsoft.com/office/drawing/2014/main" id="{BE205524-6BF1-41F8-91B5-D7AF37EF8865}"/>
+              </a:ext>
+            </a:extLst>
+          </p:cNvPr>
+          <p:cNvCxnSpPr>
+            <a:cxnSpLocks/>
+            <a:stCxn id="12" idx="3"/>
+            <a:endCxn id="9" idx="2"/>
+          </p:cNvCxnSpPr>
+          <p:nvPr/>
+        </p:nvCxnSpPr>
+        <p:spPr>
+          <a:xfrm flipV="1">
+            <a:off x="2585639" y="252499"/>
+            <a:ext cx="167327" cy="1565"/>
+          </a:xfrm>
+          <a:prstGeom prst="straightConnector1">
+            <a:avLst/>
+          </a:prstGeom>
+          <a:ln>
+            <a:tailEnd type="triangle"/>
+          </a:ln>
+        </p:spPr>
+        <p:style>
+          <a:lnRef idx="1">
+            <a:schemeClr val="accent1"/>
+          </a:lnRef>
+          <a:fillRef idx="0">
+            <a:schemeClr val="accent1"/>
+          </a:fillRef>
+          <a:effectRef idx="0">
+            <a:schemeClr val="accent1"/>
+          </a:effectRef>
+          <a:fontRef idx="minor">
+            <a:schemeClr val="tx1"/>
+          </a:fontRef>
+        </p:style>
+      </p:cxnSp>
+      <p:sp>
+        <p:nvSpPr>
+          <p:cNvPr id="14" name="직사각형 13">
+            <a:extLst>
+              <a:ext uri="{FF2B5EF4-FFF2-40B4-BE49-F238E27FC236}">
+                <a16:creationId xmlns:a16="http://schemas.microsoft.com/office/drawing/2014/main" id="{8E4BA007-2979-4A7D-B51A-B8FA5CF8F019}"/>
+              </a:ext>
+            </a:extLst>
+          </p:cNvPr>
+          <p:cNvSpPr/>
+          <p:nvPr/>
+        </p:nvSpPr>
+        <p:spPr>
+          <a:xfrm>
+            <a:off x="167207" y="834780"/>
+            <a:ext cx="1466859" cy="230512"/>
+          </a:xfrm>
+          <a:prstGeom prst="rect">
+            <a:avLst/>
+          </a:prstGeom>
+        </p:spPr>
+        <p:style>
+          <a:lnRef idx="2">
+            <a:schemeClr val="accent1">
+              <a:shade val="50000"/>
+            </a:schemeClr>
+          </a:lnRef>
+          <a:fillRef idx="1">
+            <a:schemeClr val="accent1"/>
+          </a:fillRef>
+          <a:effectRef idx="0">
+            <a:schemeClr val="accent1"/>
+          </a:effectRef>
+          <a:fontRef idx="minor">
+            <a:schemeClr val="lt1"/>
+          </a:fontRef>
+        </p:style>
+        <p:txBody>
+          <a:bodyPr rtlCol="0" anchor="ctr"/>
+          <a:lstStyle/>
+          <a:p>
+            <a:pPr algn="ctr"/>
+            <a:r>
+              <a:rPr lang="en-US" altLang="ko-KR" sz="900" dirty="0" err="1"/>
+              <a:t>DDS_clock</a:t>
+            </a:r>
+            <a:endParaRPr lang="ko-KR" altLang="en-US" sz="900" dirty="0"/>
+          </a:p>
+        </p:txBody>
+      </p:sp>
+      <p:cxnSp>
+        <p:nvCxnSpPr>
+          <p:cNvPr id="15" name="연결선: 꺾임 64">
+            <a:extLst>
+              <a:ext uri="{FF2B5EF4-FFF2-40B4-BE49-F238E27FC236}">
+                <a16:creationId xmlns:a16="http://schemas.microsoft.com/office/drawing/2014/main" id="{083E077B-516E-42B0-8E62-9F4160BF90BF}"/>
+              </a:ext>
+            </a:extLst>
+          </p:cNvPr>
+          <p:cNvCxnSpPr>
+            <a:cxnSpLocks/>
+            <a:stCxn id="5" idx="2"/>
+            <a:endCxn id="14" idx="0"/>
+          </p:cNvCxnSpPr>
+          <p:nvPr/>
+        </p:nvCxnSpPr>
+        <p:spPr>
+          <a:xfrm rot="5400000">
+            <a:off x="2165011" y="-895053"/>
+            <a:ext cx="465460" cy="2994207"/>
+          </a:xfrm>
+          <a:prstGeom prst="bentConnector3">
+            <a:avLst>
+              <a:gd name="adj1" fmla="val 50000"/>
+            </a:avLst>
+          </a:prstGeom>
+          <a:ln>
+            <a:tailEnd type="triangle"/>
+          </a:ln>
+        </p:spPr>
+        <p:style>
+          <a:lnRef idx="1">
+            <a:schemeClr val="accent1"/>
+          </a:lnRef>
+          <a:fillRef idx="0">
+            <a:schemeClr val="accent1"/>
+          </a:fillRef>
+          <a:effectRef idx="0">
+            <a:schemeClr val="accent1"/>
+          </a:effectRef>
+          <a:fontRef idx="minor">
+            <a:schemeClr val="tx1"/>
+          </a:fontRef>
+        </p:style>
+      </p:cxnSp>
+      <p:sp>
+        <p:nvSpPr>
+          <p:cNvPr id="16" name="직사각형 15">
+            <a:extLst>
+              <a:ext uri="{FF2B5EF4-FFF2-40B4-BE49-F238E27FC236}">
+                <a16:creationId xmlns:a16="http://schemas.microsoft.com/office/drawing/2014/main" id="{3BCF3D57-4812-4E20-ADC8-A25C4C9DFB94}"/>
+              </a:ext>
+            </a:extLst>
+          </p:cNvPr>
+          <p:cNvSpPr/>
+          <p:nvPr/>
+        </p:nvSpPr>
+        <p:spPr>
+          <a:xfrm>
+            <a:off x="3827534" y="457423"/>
+            <a:ext cx="1715534" cy="230832"/>
+          </a:xfrm>
+          <a:prstGeom prst="rect">
+            <a:avLst/>
+          </a:prstGeom>
+        </p:spPr>
+        <p:txBody>
+          <a:bodyPr wrap="none">
+            <a:spAutoFit/>
+          </a:bodyPr>
+          <a:lstStyle/>
+          <a:p>
+            <a:r>
+              <a:rPr lang="en-US" altLang="ko-KR" sz="900" dirty="0" err="1"/>
+              <a:t>DDS_slow_clock</a:t>
+            </a:r>
+            <a:r>
+              <a:rPr lang="en-US" altLang="ko-KR" sz="900" dirty="0"/>
+              <a:t>[3] (6.25MHz)</a:t>
+            </a:r>
+            <a:endParaRPr lang="ko-KR" altLang="en-US" sz="900" dirty="0"/>
+          </a:p>
+        </p:txBody>
+      </p:sp>
+      <p:sp>
+        <p:nvSpPr>
+          <p:cNvPr id="17" name="직사각형 16">
+            <a:extLst>
+              <a:ext uri="{FF2B5EF4-FFF2-40B4-BE49-F238E27FC236}">
+                <a16:creationId xmlns:a16="http://schemas.microsoft.com/office/drawing/2014/main" id="{09F6FEEE-4CBF-4784-88EF-0B869F875AFB}"/>
+              </a:ext>
+            </a:extLst>
+          </p:cNvPr>
+          <p:cNvSpPr/>
+          <p:nvPr/>
+        </p:nvSpPr>
+        <p:spPr>
+          <a:xfrm>
+            <a:off x="167208" y="1182132"/>
+            <a:ext cx="1466859" cy="230512"/>
+          </a:xfrm>
+          <a:prstGeom prst="rect">
+            <a:avLst/>
+          </a:prstGeom>
+        </p:spPr>
+        <p:style>
+          <a:lnRef idx="2">
+            <a:schemeClr val="accent1">
+              <a:shade val="50000"/>
+            </a:schemeClr>
+          </a:lnRef>
+          <a:fillRef idx="1">
+            <a:schemeClr val="accent1"/>
+          </a:fillRef>
+          <a:effectRef idx="0">
+            <a:schemeClr val="accent1"/>
+          </a:effectRef>
+          <a:fontRef idx="minor">
+            <a:schemeClr val="lt1"/>
+          </a:fontRef>
+        </p:style>
+        <p:txBody>
+          <a:bodyPr rtlCol="0" anchor="ctr"/>
+          <a:lstStyle/>
+          <a:p>
+            <a:pPr algn="ctr"/>
+            <a:r>
+              <a:rPr lang="en-US" altLang="ko-KR" sz="900" dirty="0"/>
+              <a:t>rcsbar_1</a:t>
+            </a:r>
+            <a:endParaRPr lang="ko-KR" altLang="en-US" sz="900" dirty="0"/>
+          </a:p>
+        </p:txBody>
+      </p:sp>
+      <p:sp>
+        <p:nvSpPr>
+          <p:cNvPr id="18" name="직사각형 17">
+            <a:extLst>
+              <a:ext uri="{FF2B5EF4-FFF2-40B4-BE49-F238E27FC236}">
+                <a16:creationId xmlns:a16="http://schemas.microsoft.com/office/drawing/2014/main" id="{A78D4106-7DAF-4C98-945B-A2A6530CD7CB}"/>
+              </a:ext>
+            </a:extLst>
+          </p:cNvPr>
+          <p:cNvSpPr/>
+          <p:nvPr/>
+        </p:nvSpPr>
+        <p:spPr>
+          <a:xfrm>
+            <a:off x="167208" y="1529483"/>
+            <a:ext cx="1466859" cy="230512"/>
+          </a:xfrm>
+          <a:prstGeom prst="rect">
+            <a:avLst/>
+          </a:prstGeom>
+        </p:spPr>
+        <p:style>
+          <a:lnRef idx="2">
+            <a:schemeClr val="accent1">
+              <a:shade val="50000"/>
+            </a:schemeClr>
+          </a:lnRef>
+          <a:fillRef idx="1">
+            <a:schemeClr val="accent1"/>
+          </a:fillRef>
+          <a:effectRef idx="0">
+            <a:schemeClr val="accent1"/>
+          </a:effectRef>
+          <a:fontRef idx="minor">
+            <a:schemeClr val="lt1"/>
+          </a:fontRef>
+        </p:style>
+        <p:txBody>
+          <a:bodyPr rtlCol="0" anchor="ctr"/>
+          <a:lstStyle/>
+          <a:p>
+            <a:pPr algn="ctr"/>
+            <a:r>
+              <a:rPr lang="en-US" altLang="ko-KR" sz="900" dirty="0"/>
+              <a:t>rcsbar_2</a:t>
+            </a:r>
+            <a:endParaRPr lang="ko-KR" altLang="en-US" sz="900" dirty="0"/>
+          </a:p>
+        </p:txBody>
+      </p:sp>
+      <p:sp>
+        <p:nvSpPr>
+          <p:cNvPr id="19" name="직사각형 18">
+            <a:extLst>
+              <a:ext uri="{FF2B5EF4-FFF2-40B4-BE49-F238E27FC236}">
+                <a16:creationId xmlns:a16="http://schemas.microsoft.com/office/drawing/2014/main" id="{04D2078A-DE31-44B8-8772-42F1426C9A64}"/>
+              </a:ext>
+            </a:extLst>
+          </p:cNvPr>
+          <p:cNvSpPr/>
+          <p:nvPr/>
+        </p:nvSpPr>
+        <p:spPr>
+          <a:xfrm>
+            <a:off x="3161414" y="842400"/>
+            <a:ext cx="1466859" cy="230512"/>
+          </a:xfrm>
+          <a:prstGeom prst="rect">
+            <a:avLst/>
+          </a:prstGeom>
+        </p:spPr>
+        <p:style>
+          <a:lnRef idx="2">
+            <a:schemeClr val="accent1">
+              <a:shade val="50000"/>
+            </a:schemeClr>
+          </a:lnRef>
+          <a:fillRef idx="1">
+            <a:schemeClr val="accent1"/>
+          </a:fillRef>
+          <a:effectRef idx="0">
+            <a:schemeClr val="accent1"/>
+          </a:effectRef>
+          <a:fontRef idx="minor">
+            <a:schemeClr val="lt1"/>
+          </a:fontRef>
+        </p:style>
+        <p:txBody>
+          <a:bodyPr rtlCol="0" anchor="ctr"/>
+          <a:lstStyle/>
+          <a:p>
+            <a:pPr algn="ctr"/>
+            <a:r>
+              <a:rPr lang="en-US" altLang="ko-KR" sz="900" dirty="0" err="1"/>
+              <a:t>rsclk</a:t>
+            </a:r>
+            <a:endParaRPr lang="ko-KR" altLang="en-US" sz="900" dirty="0"/>
+          </a:p>
+        </p:txBody>
+      </p:sp>
+      <p:cxnSp>
+        <p:nvCxnSpPr>
+          <p:cNvPr id="20" name="연결선: 꺾임 56">
+            <a:extLst>
+              <a:ext uri="{FF2B5EF4-FFF2-40B4-BE49-F238E27FC236}">
+                <a16:creationId xmlns:a16="http://schemas.microsoft.com/office/drawing/2014/main" id="{94965F5E-41F0-4720-92B1-11D102478308}"/>
+              </a:ext>
+            </a:extLst>
+          </p:cNvPr>
+          <p:cNvCxnSpPr>
+            <a:cxnSpLocks/>
+            <a:stCxn id="14" idx="3"/>
+            <a:endCxn id="24" idx="2"/>
+          </p:cNvCxnSpPr>
+          <p:nvPr/>
+        </p:nvCxnSpPr>
+        <p:spPr>
+          <a:xfrm flipV="1">
+            <a:off x="1634066" y="881812"/>
+            <a:ext cx="962741" cy="68224"/>
+          </a:xfrm>
+          <a:prstGeom prst="bentConnector3">
+            <a:avLst>
+              <a:gd name="adj1" fmla="val 50000"/>
+            </a:avLst>
+          </a:prstGeom>
+          <a:ln>
+            <a:tailEnd type="triangle"/>
+          </a:ln>
+        </p:spPr>
+        <p:style>
+          <a:lnRef idx="1">
+            <a:schemeClr val="accent1"/>
+          </a:lnRef>
+          <a:fillRef idx="0">
+            <a:schemeClr val="accent1"/>
+          </a:fillRef>
+          <a:effectRef idx="0">
+            <a:schemeClr val="accent1"/>
+          </a:effectRef>
+          <a:fontRef idx="minor">
+            <a:schemeClr val="tx1"/>
+          </a:fontRef>
+        </p:style>
+      </p:cxnSp>
+      <p:cxnSp>
+        <p:nvCxnSpPr>
+          <p:cNvPr id="21" name="연결선: 꺾임 58">
+            <a:extLst>
+              <a:ext uri="{FF2B5EF4-FFF2-40B4-BE49-F238E27FC236}">
+                <a16:creationId xmlns:a16="http://schemas.microsoft.com/office/drawing/2014/main" id="{F67A4FC6-2C00-4000-A83B-0990B15F2BA2}"/>
+              </a:ext>
+            </a:extLst>
+          </p:cNvPr>
+          <p:cNvCxnSpPr>
+            <a:cxnSpLocks/>
+            <a:stCxn id="28" idx="1"/>
+            <a:endCxn id="25" idx="2"/>
+          </p:cNvCxnSpPr>
+          <p:nvPr/>
+        </p:nvCxnSpPr>
+        <p:spPr>
+          <a:xfrm flipV="1">
+            <a:off x="2358608" y="1029783"/>
+            <a:ext cx="238199" cy="437143"/>
+          </a:xfrm>
+          <a:prstGeom prst="bentConnector3">
+            <a:avLst>
+              <a:gd name="adj1" fmla="val 50000"/>
+            </a:avLst>
+          </a:prstGeom>
+          <a:ln>
+            <a:tailEnd type="triangle"/>
+          </a:ln>
+        </p:spPr>
+        <p:style>
+          <a:lnRef idx="1">
+            <a:schemeClr val="accent1"/>
+          </a:lnRef>
+          <a:fillRef idx="0">
+            <a:schemeClr val="accent1"/>
+          </a:fillRef>
+          <a:effectRef idx="0">
+            <a:schemeClr val="accent1"/>
+          </a:effectRef>
+          <a:fontRef idx="minor">
+            <a:schemeClr val="tx1"/>
+          </a:fontRef>
+        </p:style>
+      </p:cxnSp>
+      <p:cxnSp>
+        <p:nvCxnSpPr>
+          <p:cNvPr id="22" name="연결선: 꺾임 60">
+            <a:extLst>
+              <a:ext uri="{FF2B5EF4-FFF2-40B4-BE49-F238E27FC236}">
+                <a16:creationId xmlns:a16="http://schemas.microsoft.com/office/drawing/2014/main" id="{BA3D330C-527D-477A-9E50-BF0B16D00AA1}"/>
+              </a:ext>
+            </a:extLst>
+          </p:cNvPr>
+          <p:cNvCxnSpPr>
+            <a:cxnSpLocks/>
+            <a:stCxn id="17" idx="3"/>
+            <a:endCxn id="30" idx="2"/>
+          </p:cNvCxnSpPr>
+          <p:nvPr/>
+        </p:nvCxnSpPr>
+        <p:spPr>
+          <a:xfrm>
+            <a:off x="1634067" y="1297388"/>
+            <a:ext cx="368656" cy="95577"/>
+          </a:xfrm>
+          <a:prstGeom prst="bentConnector3">
+            <a:avLst>
+              <a:gd name="adj1" fmla="val 25885"/>
+            </a:avLst>
+          </a:prstGeom>
+          <a:ln>
+            <a:tailEnd type="triangle"/>
+          </a:ln>
+        </p:spPr>
+        <p:style>
+          <a:lnRef idx="1">
+            <a:schemeClr val="accent1"/>
+          </a:lnRef>
+          <a:fillRef idx="0">
+            <a:schemeClr val="accent1"/>
+          </a:fillRef>
+          <a:effectRef idx="0">
+            <a:schemeClr val="accent1"/>
+          </a:effectRef>
+          <a:fontRef idx="minor">
+            <a:schemeClr val="tx1"/>
+          </a:fontRef>
+        </p:style>
+      </p:cxnSp>
+      <p:grpSp>
+        <p:nvGrpSpPr>
+          <p:cNvPr id="23" name="그룹 22">
+            <a:extLst>
+              <a:ext uri="{FF2B5EF4-FFF2-40B4-BE49-F238E27FC236}">
+                <a16:creationId xmlns:a16="http://schemas.microsoft.com/office/drawing/2014/main" id="{E7E00AF1-97A8-4AA3-9E78-89053A6BB7CA}"/>
+              </a:ext>
+            </a:extLst>
+          </p:cNvPr>
+          <p:cNvGrpSpPr/>
+          <p:nvPr/>
+        </p:nvGrpSpPr>
+        <p:grpSpPr>
+          <a:xfrm>
+            <a:off x="2594976" y="839805"/>
+            <a:ext cx="314302" cy="228600"/>
+            <a:chOff x="2520739" y="2437407"/>
+            <a:chExt cx="314302" cy="228600"/>
+          </a:xfrm>
+        </p:grpSpPr>
+        <p:sp>
+          <p:nvSpPr>
+            <p:cNvPr id="24" name="타원 23">
+              <a:extLst>
+                <a:ext uri="{FF2B5EF4-FFF2-40B4-BE49-F238E27FC236}">
+                  <a16:creationId xmlns:a16="http://schemas.microsoft.com/office/drawing/2014/main" id="{342A3716-0B16-4746-8D35-867FB87D9F5A}"/>
+                </a:ext>
+              </a:extLst>
+            </p:cNvPr>
+            <p:cNvSpPr/>
+            <p:nvPr/>
+          </p:nvSpPr>
+          <p:spPr>
+            <a:xfrm>
+              <a:off x="2522570" y="2453709"/>
+              <a:ext cx="51410" cy="51410"/>
+            </a:xfrm>
+            <a:prstGeom prst="ellipse">
+              <a:avLst/>
+            </a:prstGeom>
+          </p:spPr>
+          <p:style>
+            <a:lnRef idx="2">
+              <a:schemeClr val="accent1">
+                <a:shade val="50000"/>
+              </a:schemeClr>
+            </a:lnRef>
+            <a:fillRef idx="1">
+              <a:schemeClr val="accent1"/>
+            </a:fillRef>
+            <a:effectRef idx="0">
+              <a:schemeClr val="accent1"/>
+            </a:effectRef>
+            <a:fontRef idx="minor">
+              <a:schemeClr val="lt1"/>
+            </a:fontRef>
+          </p:style>
+          <p:txBody>
+            <a:bodyPr rtlCol="0" anchor="ctr"/>
+            <a:lstStyle/>
+            <a:p>
+              <a:pPr algn="ctr"/>
+              <a:endParaRPr lang="ko-KR" altLang="en-US"/>
+            </a:p>
+          </p:txBody>
+        </p:sp>
+        <p:sp>
+          <p:nvSpPr>
+            <p:cNvPr id="25" name="타원 24">
+              <a:extLst>
+                <a:ext uri="{FF2B5EF4-FFF2-40B4-BE49-F238E27FC236}">
+                  <a16:creationId xmlns:a16="http://schemas.microsoft.com/office/drawing/2014/main" id="{3F3C6A97-AD07-4FD7-96C4-DEF8FB6BA586}"/>
+                </a:ext>
+              </a:extLst>
+            </p:cNvPr>
+            <p:cNvSpPr/>
+            <p:nvPr/>
+          </p:nvSpPr>
+          <p:spPr>
+            <a:xfrm>
+              <a:off x="2522570" y="2601680"/>
+              <a:ext cx="51410" cy="51410"/>
+            </a:xfrm>
+            <a:prstGeom prst="ellipse">
+              <a:avLst/>
+            </a:prstGeom>
+          </p:spPr>
+          <p:style>
+            <a:lnRef idx="2">
+              <a:schemeClr val="accent1">
+                <a:shade val="50000"/>
+              </a:schemeClr>
+            </a:lnRef>
+            <a:fillRef idx="1">
+              <a:schemeClr val="accent1"/>
+            </a:fillRef>
+            <a:effectRef idx="0">
+              <a:schemeClr val="accent1"/>
+            </a:effectRef>
+            <a:fontRef idx="minor">
+              <a:schemeClr val="lt1"/>
+            </a:fontRef>
+          </p:style>
+          <p:txBody>
+            <a:bodyPr rtlCol="0" anchor="ctr"/>
+            <a:lstStyle/>
+            <a:p>
+              <a:pPr algn="ctr"/>
+              <a:endParaRPr lang="ko-KR" altLang="en-US"/>
+            </a:p>
+          </p:txBody>
+        </p:sp>
+        <p:sp>
+          <p:nvSpPr>
+            <p:cNvPr id="26" name="순서도: 지연 25">
+              <a:extLst>
+                <a:ext uri="{FF2B5EF4-FFF2-40B4-BE49-F238E27FC236}">
+                  <a16:creationId xmlns:a16="http://schemas.microsoft.com/office/drawing/2014/main" id="{27138700-C420-4E1C-8C08-243976821ED2}"/>
+                </a:ext>
+              </a:extLst>
+            </p:cNvPr>
+            <p:cNvSpPr/>
+            <p:nvPr/>
+          </p:nvSpPr>
+          <p:spPr>
+            <a:xfrm>
+              <a:off x="2520739" y="2437407"/>
+              <a:ext cx="314302" cy="228600"/>
+            </a:xfrm>
+            <a:prstGeom prst="flowChartDelay">
+              <a:avLst/>
+            </a:prstGeom>
+          </p:spPr>
+          <p:style>
+            <a:lnRef idx="2">
+              <a:schemeClr val="accent1">
+                <a:shade val="50000"/>
+              </a:schemeClr>
+            </a:lnRef>
+            <a:fillRef idx="1">
+              <a:schemeClr val="accent1"/>
+            </a:fillRef>
+            <a:effectRef idx="0">
+              <a:schemeClr val="accent1"/>
+            </a:effectRef>
+            <a:fontRef idx="minor">
+              <a:schemeClr val="lt1"/>
+            </a:fontRef>
+          </p:style>
+          <p:txBody>
+            <a:bodyPr rtlCol="0" anchor="ctr"/>
+            <a:lstStyle/>
+            <a:p>
+              <a:pPr algn="ctr"/>
+              <a:endParaRPr lang="ko-KR" altLang="en-US"/>
+            </a:p>
+          </p:txBody>
+        </p:sp>
+      </p:grpSp>
+      <p:grpSp>
+        <p:nvGrpSpPr>
+          <p:cNvPr id="27" name="그룹 26">
+            <a:extLst>
+              <a:ext uri="{FF2B5EF4-FFF2-40B4-BE49-F238E27FC236}">
+                <a16:creationId xmlns:a16="http://schemas.microsoft.com/office/drawing/2014/main" id="{E3DCC6A1-293F-4062-9FCC-5E93CF1D75BD}"/>
+              </a:ext>
+            </a:extLst>
+          </p:cNvPr>
+          <p:cNvGrpSpPr/>
+          <p:nvPr/>
+        </p:nvGrpSpPr>
+        <p:grpSpPr>
+          <a:xfrm>
+            <a:off x="2002723" y="1352626"/>
+            <a:ext cx="355885" cy="228600"/>
+            <a:chOff x="2011036" y="2978803"/>
+            <a:chExt cx="355885" cy="228600"/>
+          </a:xfrm>
+        </p:grpSpPr>
+        <p:sp>
+          <p:nvSpPr>
+            <p:cNvPr id="28" name="달 27">
+              <a:extLst>
+                <a:ext uri="{FF2B5EF4-FFF2-40B4-BE49-F238E27FC236}">
+                  <a16:creationId xmlns:a16="http://schemas.microsoft.com/office/drawing/2014/main" id="{51220064-1CFA-4B1E-8D4E-F732C910B744}"/>
+                </a:ext>
+              </a:extLst>
+            </p:cNvPr>
+            <p:cNvSpPr/>
+            <p:nvPr/>
+          </p:nvSpPr>
+          <p:spPr>
+            <a:xfrm rot="10800000">
+              <a:off x="2052619" y="2978803"/>
+              <a:ext cx="314302" cy="228600"/>
+            </a:xfrm>
+            <a:prstGeom prst="moon">
+              <a:avLst>
+                <a:gd name="adj" fmla="val 87500"/>
+              </a:avLst>
+            </a:prstGeom>
+          </p:spPr>
+          <p:style>
+            <a:lnRef idx="2">
+              <a:schemeClr val="accent1">
+                <a:shade val="50000"/>
+              </a:schemeClr>
+            </a:lnRef>
+            <a:fillRef idx="1">
+              <a:schemeClr val="accent1"/>
+            </a:fillRef>
+            <a:effectRef idx="0">
+              <a:schemeClr val="accent1"/>
+            </a:effectRef>
+            <a:fontRef idx="minor">
+              <a:schemeClr val="lt1"/>
+            </a:fontRef>
+          </p:style>
+          <p:txBody>
+            <a:bodyPr rtlCol="0" anchor="ctr"/>
+            <a:lstStyle/>
+            <a:p>
+              <a:pPr algn="ctr"/>
+              <a:endParaRPr lang="ko-KR" altLang="en-US"/>
+            </a:p>
+          </p:txBody>
+        </p:sp>
+        <p:grpSp>
+          <p:nvGrpSpPr>
+            <p:cNvPr id="29" name="그룹 28">
+              <a:extLst>
+                <a:ext uri="{FF2B5EF4-FFF2-40B4-BE49-F238E27FC236}">
+                  <a16:creationId xmlns:a16="http://schemas.microsoft.com/office/drawing/2014/main" id="{D682D273-C147-4093-8D51-65CB15769E92}"/>
+                </a:ext>
+              </a:extLst>
+            </p:cNvPr>
+            <p:cNvGrpSpPr/>
+            <p:nvPr/>
+          </p:nvGrpSpPr>
+          <p:grpSpPr>
+            <a:xfrm>
+              <a:off x="2011036" y="2993437"/>
+              <a:ext cx="51410" cy="199381"/>
+              <a:chOff x="2522570" y="2453709"/>
+              <a:chExt cx="51410" cy="199381"/>
+            </a:xfrm>
+          </p:grpSpPr>
+          <p:sp>
+            <p:nvSpPr>
+              <p:cNvPr id="30" name="타원 29">
+                <a:extLst>
+                  <a:ext uri="{FF2B5EF4-FFF2-40B4-BE49-F238E27FC236}">
+                    <a16:creationId xmlns:a16="http://schemas.microsoft.com/office/drawing/2014/main" id="{7904959F-08FD-49EF-9FB2-9FB20209FC67}"/>
+                  </a:ext>
+                </a:extLst>
+              </p:cNvPr>
+              <p:cNvSpPr/>
+              <p:nvPr/>
+            </p:nvSpPr>
+            <p:spPr>
+              <a:xfrm>
+                <a:off x="2522570" y="2453709"/>
+                <a:ext cx="51410" cy="51410"/>
+              </a:xfrm>
+              <a:prstGeom prst="ellipse">
+                <a:avLst/>
+              </a:prstGeom>
+            </p:spPr>
+            <p:style>
+              <a:lnRef idx="2">
+                <a:schemeClr val="accent1">
+                  <a:shade val="50000"/>
+                </a:schemeClr>
+              </a:lnRef>
+              <a:fillRef idx="1">
+                <a:schemeClr val="accent1"/>
+              </a:fillRef>
+              <a:effectRef idx="0">
+                <a:schemeClr val="accent1"/>
+              </a:effectRef>
+              <a:fontRef idx="minor">
+                <a:schemeClr val="lt1"/>
+              </a:fontRef>
+            </p:style>
+            <p:txBody>
+              <a:bodyPr rtlCol="0" anchor="ctr"/>
+              <a:lstStyle/>
+              <a:p>
+                <a:pPr algn="ctr"/>
+                <a:endParaRPr lang="ko-KR" altLang="en-US"/>
+              </a:p>
+            </p:txBody>
+          </p:sp>
+          <p:sp>
+            <p:nvSpPr>
+              <p:cNvPr id="31" name="타원 30">
+                <a:extLst>
+                  <a:ext uri="{FF2B5EF4-FFF2-40B4-BE49-F238E27FC236}">
+                    <a16:creationId xmlns:a16="http://schemas.microsoft.com/office/drawing/2014/main" id="{7D6F6345-9E29-44D2-8D2D-91CC415B24D3}"/>
+                  </a:ext>
+                </a:extLst>
+              </p:cNvPr>
+              <p:cNvSpPr/>
+              <p:nvPr/>
+            </p:nvSpPr>
+            <p:spPr>
+              <a:xfrm>
+                <a:off x="2522570" y="2601680"/>
+                <a:ext cx="51410" cy="51410"/>
+              </a:xfrm>
+              <a:prstGeom prst="ellipse">
+                <a:avLst/>
+              </a:prstGeom>
+            </p:spPr>
+            <p:style>
+              <a:lnRef idx="2">
+                <a:schemeClr val="accent1">
+                  <a:shade val="50000"/>
+                </a:schemeClr>
+              </a:lnRef>
+              <a:fillRef idx="1">
+                <a:schemeClr val="accent1"/>
+              </a:fillRef>
+              <a:effectRef idx="0">
+                <a:schemeClr val="accent1"/>
+              </a:effectRef>
+              <a:fontRef idx="minor">
+                <a:schemeClr val="lt1"/>
+              </a:fontRef>
+            </p:style>
+            <p:txBody>
+              <a:bodyPr rtlCol="0" anchor="ctr"/>
+              <a:lstStyle/>
+              <a:p>
+                <a:pPr algn="ctr"/>
+                <a:endParaRPr lang="ko-KR" altLang="en-US"/>
+              </a:p>
+            </p:txBody>
+          </p:sp>
+        </p:grpSp>
+      </p:grpSp>
+      <p:cxnSp>
+        <p:nvCxnSpPr>
+          <p:cNvPr id="32" name="연결선: 꺾임 82">
+            <a:extLst>
+              <a:ext uri="{FF2B5EF4-FFF2-40B4-BE49-F238E27FC236}">
+                <a16:creationId xmlns:a16="http://schemas.microsoft.com/office/drawing/2014/main" id="{945B3FFD-491F-44C6-9B1A-329B75471926}"/>
+              </a:ext>
+            </a:extLst>
+          </p:cNvPr>
+          <p:cNvCxnSpPr>
+            <a:cxnSpLocks/>
+            <a:stCxn id="18" idx="3"/>
+            <a:endCxn id="31" idx="2"/>
+          </p:cNvCxnSpPr>
+          <p:nvPr/>
+        </p:nvCxnSpPr>
+        <p:spPr>
+          <a:xfrm flipV="1">
+            <a:off x="1634067" y="1540936"/>
+            <a:ext cx="368656" cy="103803"/>
+          </a:xfrm>
+          <a:prstGeom prst="bentConnector3">
+            <a:avLst>
+              <a:gd name="adj1" fmla="val 50000"/>
+            </a:avLst>
+          </a:prstGeom>
+          <a:ln>
+            <a:tailEnd type="triangle"/>
+          </a:ln>
+        </p:spPr>
+        <p:style>
+          <a:lnRef idx="1">
+            <a:schemeClr val="accent1"/>
+          </a:lnRef>
+          <a:fillRef idx="0">
+            <a:schemeClr val="accent1"/>
+          </a:fillRef>
+          <a:effectRef idx="0">
+            <a:schemeClr val="accent1"/>
+          </a:effectRef>
+          <a:fontRef idx="minor">
+            <a:schemeClr val="tx1"/>
+          </a:fontRef>
+        </p:style>
+      </p:cxnSp>
+      <p:cxnSp>
+        <p:nvCxnSpPr>
+          <p:cNvPr id="33" name="연결선: 꺾임 85">
+            <a:extLst>
+              <a:ext uri="{FF2B5EF4-FFF2-40B4-BE49-F238E27FC236}">
+                <a16:creationId xmlns:a16="http://schemas.microsoft.com/office/drawing/2014/main" id="{FEC72961-A3A9-4CAE-82CF-39268286D72F}"/>
+              </a:ext>
+            </a:extLst>
+          </p:cNvPr>
+          <p:cNvCxnSpPr>
+            <a:cxnSpLocks/>
+            <a:stCxn id="26" idx="3"/>
+            <a:endCxn id="19" idx="1"/>
+          </p:cNvCxnSpPr>
+          <p:nvPr/>
+        </p:nvCxnSpPr>
+        <p:spPr>
+          <a:xfrm>
+            <a:off x="2909278" y="954105"/>
+            <a:ext cx="252136" cy="3551"/>
+          </a:xfrm>
+          <a:prstGeom prst="bentConnector3">
+            <a:avLst>
+              <a:gd name="adj1" fmla="val 50000"/>
+            </a:avLst>
+          </a:prstGeom>
+          <a:ln>
+            <a:tailEnd type="triangle"/>
+          </a:ln>
+        </p:spPr>
+        <p:style>
+          <a:lnRef idx="1">
+            <a:schemeClr val="accent1"/>
+          </a:lnRef>
+          <a:fillRef idx="0">
+            <a:schemeClr val="accent1"/>
+          </a:fillRef>
+          <a:effectRef idx="0">
+            <a:schemeClr val="accent1"/>
+          </a:effectRef>
+          <a:fontRef idx="minor">
+            <a:schemeClr val="tx1"/>
+          </a:fontRef>
+        </p:style>
+      </p:cxnSp>
+      <p:sp>
+        <p:nvSpPr>
+          <p:cNvPr id="34" name="화살표: 오각형 88">
+            <a:extLst>
+              <a:ext uri="{FF2B5EF4-FFF2-40B4-BE49-F238E27FC236}">
+                <a16:creationId xmlns:a16="http://schemas.microsoft.com/office/drawing/2014/main" id="{B0706538-2D15-40B7-B597-5E23E79E36E5}"/>
+              </a:ext>
+            </a:extLst>
+          </p:cNvPr>
+          <p:cNvSpPr/>
+          <p:nvPr/>
+        </p:nvSpPr>
+        <p:spPr>
+          <a:xfrm flipH="1">
+            <a:off x="167207" y="1940759"/>
+            <a:ext cx="1082674" cy="228600"/>
+          </a:xfrm>
+          <a:prstGeom prst="homePlate">
+            <a:avLst/>
+          </a:prstGeom>
+          <a:solidFill>
+            <a:srgbClr val="00B050"/>
+          </a:solidFill>
+          <a:ln>
+            <a:solidFill>
+              <a:schemeClr val="accent6">
+                <a:lumMod val="50000"/>
+              </a:schemeClr>
+            </a:solidFill>
+          </a:ln>
+        </p:spPr>
+        <p:style>
+          <a:lnRef idx="2">
+            <a:schemeClr val="accent1">
+              <a:shade val="50000"/>
+            </a:schemeClr>
+          </a:lnRef>
+          <a:fillRef idx="1">
+            <a:schemeClr val="accent1"/>
+          </a:fillRef>
+          <a:effectRef idx="0">
+            <a:schemeClr val="accent1"/>
+          </a:effectRef>
+          <a:fontRef idx="minor">
+            <a:schemeClr val="lt1"/>
+          </a:fontRef>
+        </p:style>
+        <p:txBody>
+          <a:bodyPr rtlCol="0" anchor="ctr"/>
+          <a:lstStyle/>
+          <a:p>
+            <a:pPr algn="ctr"/>
+            <a:r>
+              <a:rPr lang="en-US" altLang="ko-KR" sz="900" dirty="0"/>
+              <a:t>ja_7</a:t>
+            </a:r>
+            <a:endParaRPr lang="ko-KR" altLang="en-US" sz="900" dirty="0"/>
+          </a:p>
+        </p:txBody>
+      </p:sp>
+      <p:sp>
+        <p:nvSpPr>
+          <p:cNvPr id="35" name="화살표: 오각형 89">
+            <a:extLst>
+              <a:ext uri="{FF2B5EF4-FFF2-40B4-BE49-F238E27FC236}">
+                <a16:creationId xmlns:a16="http://schemas.microsoft.com/office/drawing/2014/main" id="{5A68F950-4D5D-4D2B-A4C7-CBDA52A5E3CE}"/>
+              </a:ext>
+            </a:extLst>
+          </p:cNvPr>
+          <p:cNvSpPr/>
+          <p:nvPr/>
+        </p:nvSpPr>
+        <p:spPr>
+          <a:xfrm flipH="1">
+            <a:off x="167207" y="2569409"/>
+            <a:ext cx="1082674" cy="228600"/>
+          </a:xfrm>
+          <a:prstGeom prst="homePlate">
+            <a:avLst/>
+          </a:prstGeom>
+          <a:solidFill>
+            <a:srgbClr val="00B050"/>
+          </a:solidFill>
+          <a:ln>
+            <a:solidFill>
+              <a:schemeClr val="accent6">
+                <a:lumMod val="50000"/>
+              </a:schemeClr>
+            </a:solidFill>
+          </a:ln>
+        </p:spPr>
+        <p:style>
+          <a:lnRef idx="2">
+            <a:schemeClr val="accent1">
+              <a:shade val="50000"/>
+            </a:schemeClr>
+          </a:lnRef>
+          <a:fillRef idx="1">
+            <a:schemeClr val="accent1"/>
+          </a:fillRef>
+          <a:effectRef idx="0">
+            <a:schemeClr val="accent1"/>
+          </a:effectRef>
+          <a:fontRef idx="minor">
+            <a:schemeClr val="lt1"/>
+          </a:fontRef>
+        </p:style>
+        <p:txBody>
+          <a:bodyPr rtlCol="0" anchor="ctr"/>
+          <a:lstStyle/>
+          <a:p>
+            <a:pPr algn="ctr"/>
+            <a:r>
+              <a:rPr lang="en-US" altLang="ko-KR" sz="900" dirty="0"/>
+              <a:t>ja_5</a:t>
+            </a:r>
+            <a:endParaRPr lang="ko-KR" altLang="en-US" sz="900" dirty="0"/>
+          </a:p>
+        </p:txBody>
+      </p:sp>
+      <p:sp>
+        <p:nvSpPr>
+          <p:cNvPr id="37" name="화살표: 오각형 91">
+            <a:extLst>
+              <a:ext uri="{FF2B5EF4-FFF2-40B4-BE49-F238E27FC236}">
+                <a16:creationId xmlns:a16="http://schemas.microsoft.com/office/drawing/2014/main" id="{B4D2ACC6-5B87-4858-8E65-8691E4ED1EAE}"/>
+              </a:ext>
+            </a:extLst>
+          </p:cNvPr>
+          <p:cNvSpPr/>
+          <p:nvPr/>
+        </p:nvSpPr>
+        <p:spPr>
+          <a:xfrm flipH="1">
+            <a:off x="167207" y="3198059"/>
+            <a:ext cx="1082674" cy="228600"/>
+          </a:xfrm>
+          <a:prstGeom prst="homePlate">
+            <a:avLst/>
+          </a:prstGeom>
+          <a:solidFill>
+            <a:srgbClr val="00B050"/>
+          </a:solidFill>
+          <a:ln>
+            <a:solidFill>
+              <a:schemeClr val="accent6">
+                <a:lumMod val="50000"/>
+              </a:schemeClr>
+            </a:solidFill>
+          </a:ln>
+        </p:spPr>
+        <p:style>
+          <a:lnRef idx="2">
+            <a:schemeClr val="accent1">
+              <a:shade val="50000"/>
+            </a:schemeClr>
+          </a:lnRef>
+          <a:fillRef idx="1">
+            <a:schemeClr val="accent1"/>
+          </a:fillRef>
+          <a:effectRef idx="0">
+            <a:schemeClr val="accent1"/>
+          </a:effectRef>
+          <a:fontRef idx="minor">
+            <a:schemeClr val="lt1"/>
+          </a:fontRef>
+        </p:style>
+        <p:txBody>
+          <a:bodyPr rtlCol="0" anchor="ctr"/>
+          <a:lstStyle/>
+          <a:p>
+            <a:pPr algn="ctr"/>
+            <a:r>
+              <a:rPr lang="en-US" altLang="ko-KR" sz="900" dirty="0"/>
+              <a:t>ja_3</a:t>
+            </a:r>
+            <a:endParaRPr lang="ko-KR" altLang="en-US" sz="900" dirty="0"/>
+          </a:p>
+        </p:txBody>
+      </p:sp>
+      <p:sp>
+        <p:nvSpPr>
+          <p:cNvPr id="38" name="화살표: 오각형 92">
+            <a:extLst>
+              <a:ext uri="{FF2B5EF4-FFF2-40B4-BE49-F238E27FC236}">
+                <a16:creationId xmlns:a16="http://schemas.microsoft.com/office/drawing/2014/main" id="{88867D16-69AF-4FA5-B87D-716B838AD35A}"/>
+              </a:ext>
+            </a:extLst>
+          </p:cNvPr>
+          <p:cNvSpPr/>
+          <p:nvPr/>
+        </p:nvSpPr>
+        <p:spPr>
+          <a:xfrm flipH="1">
+            <a:off x="167207" y="3512384"/>
+            <a:ext cx="1082674" cy="228600"/>
+          </a:xfrm>
+          <a:prstGeom prst="homePlate">
+            <a:avLst/>
+          </a:prstGeom>
+          <a:solidFill>
+            <a:srgbClr val="00B050"/>
+          </a:solidFill>
+          <a:ln>
+            <a:solidFill>
+              <a:schemeClr val="accent6">
+                <a:lumMod val="50000"/>
+              </a:schemeClr>
+            </a:solidFill>
+          </a:ln>
+        </p:spPr>
+        <p:style>
+          <a:lnRef idx="2">
+            <a:schemeClr val="accent1">
+              <a:shade val="50000"/>
+            </a:schemeClr>
+          </a:lnRef>
+          <a:fillRef idx="1">
+            <a:schemeClr val="accent1"/>
+          </a:fillRef>
+          <a:effectRef idx="0">
+            <a:schemeClr val="accent1"/>
+          </a:effectRef>
+          <a:fontRef idx="minor">
+            <a:schemeClr val="lt1"/>
+          </a:fontRef>
+        </p:style>
+        <p:txBody>
+          <a:bodyPr rtlCol="0" anchor="ctr"/>
+          <a:lstStyle/>
+          <a:p>
+            <a:pPr algn="ctr"/>
+            <a:r>
+              <a:rPr lang="en-US" altLang="ko-KR" sz="900" dirty="0"/>
+              <a:t>ja_2</a:t>
+            </a:r>
+            <a:endParaRPr lang="ko-KR" altLang="en-US" sz="900" dirty="0"/>
+          </a:p>
+        </p:txBody>
+      </p:sp>
+      <p:sp>
+        <p:nvSpPr>
+          <p:cNvPr id="39" name="화살표: 오각형 93">
+            <a:extLst>
+              <a:ext uri="{FF2B5EF4-FFF2-40B4-BE49-F238E27FC236}">
+                <a16:creationId xmlns:a16="http://schemas.microsoft.com/office/drawing/2014/main" id="{EA0D9D0A-647B-41BA-9C1E-D074741EEA48}"/>
+              </a:ext>
+            </a:extLst>
+          </p:cNvPr>
+          <p:cNvSpPr/>
+          <p:nvPr/>
+        </p:nvSpPr>
+        <p:spPr>
+          <a:xfrm flipH="1">
+            <a:off x="167207" y="4141034"/>
+            <a:ext cx="1082674" cy="228600"/>
+          </a:xfrm>
+          <a:prstGeom prst="homePlate">
+            <a:avLst/>
+          </a:prstGeom>
+          <a:solidFill>
+            <a:srgbClr val="00B050"/>
+          </a:solidFill>
+          <a:ln>
+            <a:solidFill>
+              <a:schemeClr val="accent6">
+                <a:lumMod val="50000"/>
+              </a:schemeClr>
+            </a:solidFill>
+          </a:ln>
+        </p:spPr>
+        <p:style>
+          <a:lnRef idx="2">
+            <a:schemeClr val="accent1">
+              <a:shade val="50000"/>
+            </a:schemeClr>
+          </a:lnRef>
+          <a:fillRef idx="1">
+            <a:schemeClr val="accent1"/>
+          </a:fillRef>
+          <a:effectRef idx="0">
+            <a:schemeClr val="accent1"/>
+          </a:effectRef>
+          <a:fontRef idx="minor">
+            <a:schemeClr val="lt1"/>
+          </a:fontRef>
+        </p:style>
+        <p:txBody>
+          <a:bodyPr rtlCol="0" anchor="ctr"/>
+          <a:lstStyle/>
+          <a:p>
+            <a:pPr algn="ctr"/>
+            <a:r>
+              <a:rPr lang="en-US" altLang="ko-KR" sz="900" dirty="0"/>
+              <a:t>ja_0</a:t>
+            </a:r>
+            <a:endParaRPr lang="ko-KR" altLang="en-US" sz="900" dirty="0"/>
+          </a:p>
+        </p:txBody>
+      </p:sp>
+      <p:sp>
+        <p:nvSpPr>
+          <p:cNvPr id="40" name="육각형 39">
+            <a:extLst>
+              <a:ext uri="{FF2B5EF4-FFF2-40B4-BE49-F238E27FC236}">
+                <a16:creationId xmlns:a16="http://schemas.microsoft.com/office/drawing/2014/main" id="{23EFC587-BF0B-4942-AAA1-F6E4A0F17306}"/>
+              </a:ext>
+            </a:extLst>
+          </p:cNvPr>
+          <p:cNvSpPr/>
+          <p:nvPr/>
+        </p:nvSpPr>
+        <p:spPr>
+          <a:xfrm>
+            <a:off x="167207" y="2255084"/>
+            <a:ext cx="1082674" cy="228600"/>
+          </a:xfrm>
+          <a:prstGeom prst="hexagon">
+            <a:avLst>
+              <a:gd name="adj" fmla="val 48611"/>
+              <a:gd name="vf" fmla="val 115470"/>
+            </a:avLst>
+          </a:prstGeom>
+          <a:solidFill>
+            <a:srgbClr val="7030A0"/>
+          </a:solidFill>
+          <a:ln>
+            <a:solidFill>
+              <a:srgbClr val="7030A0"/>
+            </a:solidFill>
+          </a:ln>
+        </p:spPr>
+        <p:style>
+          <a:lnRef idx="2">
+            <a:schemeClr val="accent1">
+              <a:shade val="50000"/>
+            </a:schemeClr>
+          </a:lnRef>
+          <a:fillRef idx="1">
+            <a:schemeClr val="accent1"/>
+          </a:fillRef>
+          <a:effectRef idx="0">
+            <a:schemeClr val="accent1"/>
+          </a:effectRef>
+          <a:fontRef idx="minor">
+            <a:schemeClr val="lt1"/>
+          </a:fontRef>
+        </p:style>
+        <p:txBody>
+          <a:bodyPr rtlCol="0" anchor="ctr"/>
+          <a:lstStyle/>
+          <a:p>
+            <a:pPr algn="ctr"/>
+            <a:r>
+              <a:rPr lang="en-US" altLang="ko-KR" sz="900" dirty="0"/>
+              <a:t>ja_6</a:t>
+            </a:r>
+            <a:endParaRPr lang="ko-KR" altLang="en-US" sz="900" dirty="0"/>
+          </a:p>
+        </p:txBody>
+      </p:sp>
+      <p:sp>
+        <p:nvSpPr>
+          <p:cNvPr id="42" name="직사각형 41">
+            <a:extLst>
+              <a:ext uri="{FF2B5EF4-FFF2-40B4-BE49-F238E27FC236}">
+                <a16:creationId xmlns:a16="http://schemas.microsoft.com/office/drawing/2014/main" id="{A536BC31-ED89-41E7-8828-96F4A2C5769F}"/>
+              </a:ext>
+            </a:extLst>
+          </p:cNvPr>
+          <p:cNvSpPr/>
+          <p:nvPr/>
+        </p:nvSpPr>
+        <p:spPr>
+          <a:xfrm>
+            <a:off x="3161414" y="2250954"/>
+            <a:ext cx="1466859" cy="230512"/>
+          </a:xfrm>
+          <a:prstGeom prst="rect">
+            <a:avLst/>
+          </a:prstGeom>
+        </p:spPr>
+        <p:style>
+          <a:lnRef idx="2">
+            <a:schemeClr val="accent1">
+              <a:shade val="50000"/>
+            </a:schemeClr>
+          </a:lnRef>
+          <a:fillRef idx="1">
+            <a:schemeClr val="accent1"/>
+          </a:fillRef>
+          <a:effectRef idx="0">
+            <a:schemeClr val="accent1"/>
+          </a:effectRef>
+          <a:fontRef idx="minor">
+            <a:schemeClr val="lt1"/>
+          </a:fontRef>
+        </p:style>
+        <p:txBody>
+          <a:bodyPr rtlCol="0" anchor="ctr"/>
+          <a:lstStyle/>
+          <a:p>
+            <a:pPr algn="ctr"/>
+            <a:r>
+              <a:rPr lang="en-US" altLang="ko-KR" sz="900" dirty="0"/>
+              <a:t>rsdio_1</a:t>
+            </a:r>
+            <a:endParaRPr lang="ko-KR" altLang="en-US" sz="900" dirty="0"/>
+          </a:p>
+        </p:txBody>
+      </p:sp>
+      <p:grpSp>
+        <p:nvGrpSpPr>
+          <p:cNvPr id="44" name="그룹 43">
+            <a:extLst>
+              <a:ext uri="{FF2B5EF4-FFF2-40B4-BE49-F238E27FC236}">
+                <a16:creationId xmlns:a16="http://schemas.microsoft.com/office/drawing/2014/main" id="{FB0CA9BD-EDC7-4CA9-8693-BF2EFC7E8F04}"/>
+              </a:ext>
+            </a:extLst>
+          </p:cNvPr>
+          <p:cNvGrpSpPr/>
+          <p:nvPr/>
+        </p:nvGrpSpPr>
+        <p:grpSpPr>
+          <a:xfrm>
+            <a:off x="3161413" y="3511750"/>
+            <a:ext cx="1466859" cy="230512"/>
+            <a:chOff x="2962265" y="4647551"/>
+            <a:chExt cx="1466859" cy="230512"/>
+          </a:xfrm>
+        </p:grpSpPr>
+        <p:sp>
+          <p:nvSpPr>
+            <p:cNvPr id="45" name="직사각형 44">
+              <a:extLst>
+                <a:ext uri="{FF2B5EF4-FFF2-40B4-BE49-F238E27FC236}">
+                  <a16:creationId xmlns:a16="http://schemas.microsoft.com/office/drawing/2014/main" id="{7556BBA6-E7AE-457F-BB99-28219B8DEB84}"/>
+                </a:ext>
+              </a:extLst>
+            </p:cNvPr>
+            <p:cNvSpPr/>
+            <p:nvPr/>
+          </p:nvSpPr>
+          <p:spPr>
+            <a:xfrm>
+              <a:off x="2962265" y="4647551"/>
+              <a:ext cx="1466859" cy="230512"/>
+            </a:xfrm>
+            <a:prstGeom prst="rect">
+              <a:avLst/>
+            </a:prstGeom>
+          </p:spPr>
+          <p:style>
+            <a:lnRef idx="2">
+              <a:schemeClr val="accent1">
+                <a:shade val="50000"/>
+              </a:schemeClr>
+            </a:lnRef>
+            <a:fillRef idx="1">
+              <a:schemeClr val="accent1"/>
+            </a:fillRef>
+            <a:effectRef idx="0">
+              <a:schemeClr val="accent1"/>
+            </a:effectRef>
+            <a:fontRef idx="minor">
+              <a:schemeClr val="lt1"/>
+            </a:fontRef>
+          </p:style>
+          <p:txBody>
+            <a:bodyPr rtlCol="0" anchor="ctr"/>
+            <a:lstStyle/>
+            <a:p>
+              <a:pPr algn="ctr"/>
+              <a:r>
+                <a:rPr lang="en-US" altLang="ko-KR" sz="900" dirty="0"/>
+                <a:t>DDS1_</a:t>
+              </a:r>
+              <a:r>
+                <a:rPr lang="en-US" altLang="ko-KR" sz="900" dirty="0" smtClean="0"/>
+                <a:t>profile0</a:t>
+              </a:r>
+              <a:endParaRPr lang="ko-KR" altLang="en-US" sz="900" dirty="0"/>
+            </a:p>
+          </p:txBody>
+        </p:sp>
+        <p:sp>
+          <p:nvSpPr>
+            <p:cNvPr id="46" name="이등변 삼각형 45">
+              <a:extLst>
+                <a:ext uri="{FF2B5EF4-FFF2-40B4-BE49-F238E27FC236}">
+                  <a16:creationId xmlns:a16="http://schemas.microsoft.com/office/drawing/2014/main" id="{D17212F7-23EE-4E43-AF98-5A758AE67187}"/>
+                </a:ext>
+              </a:extLst>
+            </p:cNvPr>
+            <p:cNvSpPr/>
+            <p:nvPr/>
+          </p:nvSpPr>
+          <p:spPr>
+            <a:xfrm rot="16200000">
+              <a:off x="4350705" y="4722488"/>
+              <a:ext cx="76200" cy="80638"/>
+            </a:xfrm>
+            <a:prstGeom prst="triangle">
+              <a:avLst/>
+            </a:prstGeom>
+            <a:solidFill>
+              <a:schemeClr val="bg1"/>
+            </a:solidFill>
+          </p:spPr>
+          <p:style>
+            <a:lnRef idx="2">
+              <a:schemeClr val="accent1">
+                <a:shade val="50000"/>
+              </a:schemeClr>
+            </a:lnRef>
+            <a:fillRef idx="1">
+              <a:schemeClr val="accent1"/>
+            </a:fillRef>
+            <a:effectRef idx="0">
+              <a:schemeClr val="accent1"/>
+            </a:effectRef>
+            <a:fontRef idx="minor">
+              <a:schemeClr val="lt1"/>
+            </a:fontRef>
+          </p:style>
+          <p:txBody>
+            <a:bodyPr rtlCol="0" anchor="ctr"/>
+            <a:lstStyle/>
+            <a:p>
+              <a:pPr algn="ctr"/>
+              <a:endParaRPr lang="ko-KR" altLang="en-US"/>
+            </a:p>
+          </p:txBody>
+        </p:sp>
+      </p:grpSp>
+      <p:grpSp>
+        <p:nvGrpSpPr>
+          <p:cNvPr id="47" name="그룹 46">
+            <a:extLst>
+              <a:ext uri="{FF2B5EF4-FFF2-40B4-BE49-F238E27FC236}">
+                <a16:creationId xmlns:a16="http://schemas.microsoft.com/office/drawing/2014/main" id="{DBE49FCA-7CF0-4921-83E2-84D37415616E}"/>
+              </a:ext>
+            </a:extLst>
+          </p:cNvPr>
+          <p:cNvGrpSpPr/>
+          <p:nvPr/>
+        </p:nvGrpSpPr>
+        <p:grpSpPr>
+          <a:xfrm>
+            <a:off x="3161413" y="1938847"/>
+            <a:ext cx="1466859" cy="230512"/>
+            <a:chOff x="2962265" y="4647551"/>
+            <a:chExt cx="1466859" cy="230512"/>
+          </a:xfrm>
+        </p:grpSpPr>
+        <p:sp>
+          <p:nvSpPr>
+            <p:cNvPr id="48" name="직사각형 47">
+              <a:extLst>
+                <a:ext uri="{FF2B5EF4-FFF2-40B4-BE49-F238E27FC236}">
+                  <a16:creationId xmlns:a16="http://schemas.microsoft.com/office/drawing/2014/main" id="{F1D491D1-D172-4DBC-B995-8ED2EE825AC3}"/>
+                </a:ext>
+              </a:extLst>
+            </p:cNvPr>
+            <p:cNvSpPr/>
+            <p:nvPr/>
+          </p:nvSpPr>
+          <p:spPr>
+            <a:xfrm>
+              <a:off x="2962265" y="4647551"/>
+              <a:ext cx="1466859" cy="230512"/>
+            </a:xfrm>
+            <a:prstGeom prst="rect">
+              <a:avLst/>
+            </a:prstGeom>
+          </p:spPr>
+          <p:style>
+            <a:lnRef idx="2">
+              <a:schemeClr val="accent1">
+                <a:shade val="50000"/>
+              </a:schemeClr>
+            </a:lnRef>
+            <a:fillRef idx="1">
+              <a:schemeClr val="accent1"/>
+            </a:fillRef>
+            <a:effectRef idx="0">
+              <a:schemeClr val="accent1"/>
+            </a:effectRef>
+            <a:fontRef idx="minor">
+              <a:schemeClr val="lt1"/>
+            </a:fontRef>
+          </p:style>
+          <p:txBody>
+            <a:bodyPr rtlCol="0" anchor="ctr"/>
+            <a:lstStyle/>
+            <a:p>
+              <a:pPr algn="ctr"/>
+              <a:r>
+                <a:rPr lang="en-US" altLang="ko-KR" sz="900" dirty="0" smtClean="0"/>
+                <a:t>DDS1_ioupdate</a:t>
+              </a:r>
+              <a:endParaRPr lang="ko-KR" altLang="en-US" sz="900" dirty="0"/>
+            </a:p>
+          </p:txBody>
+        </p:sp>
+        <p:sp>
+          <p:nvSpPr>
+            <p:cNvPr id="49" name="이등변 삼각형 48">
+              <a:extLst>
+                <a:ext uri="{FF2B5EF4-FFF2-40B4-BE49-F238E27FC236}">
+                  <a16:creationId xmlns:a16="http://schemas.microsoft.com/office/drawing/2014/main" id="{57B4922C-1D0D-438A-91EB-02CAE14EEB32}"/>
+                </a:ext>
+              </a:extLst>
+            </p:cNvPr>
+            <p:cNvSpPr/>
+            <p:nvPr/>
+          </p:nvSpPr>
+          <p:spPr>
+            <a:xfrm rot="16200000">
+              <a:off x="4350705" y="4722488"/>
+              <a:ext cx="76200" cy="80638"/>
+            </a:xfrm>
+            <a:prstGeom prst="triangle">
+              <a:avLst/>
+            </a:prstGeom>
+            <a:solidFill>
+              <a:schemeClr val="bg1"/>
+            </a:solidFill>
+          </p:spPr>
+          <p:style>
+            <a:lnRef idx="2">
+              <a:schemeClr val="accent1">
+                <a:shade val="50000"/>
+              </a:schemeClr>
+            </a:lnRef>
+            <a:fillRef idx="1">
+              <a:schemeClr val="accent1"/>
+            </a:fillRef>
+            <a:effectRef idx="0">
+              <a:schemeClr val="accent1"/>
+            </a:effectRef>
+            <a:fontRef idx="minor">
+              <a:schemeClr val="lt1"/>
+            </a:fontRef>
+          </p:style>
+          <p:txBody>
+            <a:bodyPr rtlCol="0" anchor="ctr"/>
+            <a:lstStyle/>
+            <a:p>
+              <a:pPr algn="ctr"/>
+              <a:endParaRPr lang="ko-KR" altLang="en-US"/>
+            </a:p>
+          </p:txBody>
+        </p:sp>
+      </p:grpSp>
+      <p:cxnSp>
+        <p:nvCxnSpPr>
+          <p:cNvPr id="54" name="연결선: 꺾임 113">
+            <a:extLst>
+              <a:ext uri="{FF2B5EF4-FFF2-40B4-BE49-F238E27FC236}">
+                <a16:creationId xmlns:a16="http://schemas.microsoft.com/office/drawing/2014/main" id="{6D80F142-1E93-4DD4-B130-00FB4DE60274}"/>
+              </a:ext>
+            </a:extLst>
+          </p:cNvPr>
+          <p:cNvCxnSpPr>
+            <a:stCxn id="17" idx="3"/>
+            <a:endCxn id="35" idx="1"/>
+          </p:cNvCxnSpPr>
+          <p:nvPr/>
+        </p:nvCxnSpPr>
+        <p:spPr>
+          <a:xfrm flipH="1">
+            <a:off x="1249881" y="1297388"/>
+            <a:ext cx="384186" cy="1386321"/>
+          </a:xfrm>
+          <a:prstGeom prst="bentConnector3">
+            <a:avLst>
+              <a:gd name="adj1" fmla="val -24792"/>
+            </a:avLst>
+          </a:prstGeom>
+          <a:ln>
+            <a:tailEnd type="triangle"/>
+          </a:ln>
+        </p:spPr>
+        <p:style>
+          <a:lnRef idx="1">
+            <a:schemeClr val="accent1"/>
+          </a:lnRef>
+          <a:fillRef idx="0">
+            <a:schemeClr val="accent1"/>
+          </a:fillRef>
+          <a:effectRef idx="0">
+            <a:schemeClr val="accent1"/>
+          </a:effectRef>
+          <a:fontRef idx="minor">
+            <a:schemeClr val="tx1"/>
+          </a:fontRef>
+        </p:style>
+      </p:cxnSp>
+      <p:cxnSp>
+        <p:nvCxnSpPr>
+          <p:cNvPr id="55" name="연결선: 꺾임 117">
+            <a:extLst>
+              <a:ext uri="{FF2B5EF4-FFF2-40B4-BE49-F238E27FC236}">
+                <a16:creationId xmlns:a16="http://schemas.microsoft.com/office/drawing/2014/main" id="{7D23985E-F0CC-4180-97D1-7E069C89C7C2}"/>
+              </a:ext>
+            </a:extLst>
+          </p:cNvPr>
+          <p:cNvCxnSpPr>
+            <a:cxnSpLocks/>
+            <a:stCxn id="48" idx="1"/>
+            <a:endCxn id="34" idx="1"/>
+          </p:cNvCxnSpPr>
+          <p:nvPr/>
+        </p:nvCxnSpPr>
+        <p:spPr>
+          <a:xfrm rot="10800000" flipV="1">
+            <a:off x="1249881" y="2054103"/>
+            <a:ext cx="1911532" cy="956"/>
+          </a:xfrm>
+          <a:prstGeom prst="bentConnector3">
+            <a:avLst>
+              <a:gd name="adj1" fmla="val 50000"/>
+            </a:avLst>
+          </a:prstGeom>
+          <a:ln>
+            <a:tailEnd type="triangle"/>
+          </a:ln>
+        </p:spPr>
+        <p:style>
+          <a:lnRef idx="1">
+            <a:schemeClr val="accent1"/>
+          </a:lnRef>
+          <a:fillRef idx="0">
+            <a:schemeClr val="accent1"/>
+          </a:fillRef>
+          <a:effectRef idx="0">
+            <a:schemeClr val="accent1"/>
+          </a:effectRef>
+          <a:fontRef idx="minor">
+            <a:schemeClr val="tx1"/>
+          </a:fontRef>
+        </p:style>
+      </p:cxnSp>
+      <p:cxnSp>
+        <p:nvCxnSpPr>
+          <p:cNvPr id="56" name="연결선: 꺾임 120">
+            <a:extLst>
+              <a:ext uri="{FF2B5EF4-FFF2-40B4-BE49-F238E27FC236}">
+                <a16:creationId xmlns:a16="http://schemas.microsoft.com/office/drawing/2014/main" id="{8C54D223-56FA-49E7-9158-399E447C582C}"/>
+              </a:ext>
+            </a:extLst>
+          </p:cNvPr>
+          <p:cNvCxnSpPr>
+            <a:cxnSpLocks/>
+            <a:stCxn id="42" idx="1"/>
+            <a:endCxn id="40" idx="0"/>
+          </p:cNvCxnSpPr>
+          <p:nvPr/>
+        </p:nvCxnSpPr>
+        <p:spPr>
+          <a:xfrm rot="10800000" flipV="1">
+            <a:off x="1249882" y="2366210"/>
+            <a:ext cx="1911533" cy="3174"/>
+          </a:xfrm>
+          <a:prstGeom prst="bentConnector3">
+            <a:avLst>
+              <a:gd name="adj1" fmla="val 50000"/>
+            </a:avLst>
+          </a:prstGeom>
+          <a:ln>
+            <a:tailEnd type="triangle"/>
+          </a:ln>
+        </p:spPr>
+        <p:style>
+          <a:lnRef idx="1">
+            <a:schemeClr val="accent1"/>
+          </a:lnRef>
+          <a:fillRef idx="0">
+            <a:schemeClr val="accent1"/>
+          </a:fillRef>
+          <a:effectRef idx="0">
+            <a:schemeClr val="accent1"/>
+          </a:effectRef>
+          <a:fontRef idx="minor">
+            <a:schemeClr val="tx1"/>
+          </a:fontRef>
+        </p:style>
+      </p:cxnSp>
+      <p:cxnSp>
+        <p:nvCxnSpPr>
+          <p:cNvPr id="58" name="연결선: 꺾임 126">
+            <a:extLst>
+              <a:ext uri="{FF2B5EF4-FFF2-40B4-BE49-F238E27FC236}">
+                <a16:creationId xmlns:a16="http://schemas.microsoft.com/office/drawing/2014/main" id="{211A4EE2-829E-4FB9-A29A-2394F1ADC67C}"/>
+              </a:ext>
+            </a:extLst>
+          </p:cNvPr>
+          <p:cNvCxnSpPr>
+            <a:cxnSpLocks/>
+            <a:stCxn id="19" idx="3"/>
+            <a:endCxn id="37" idx="1"/>
+          </p:cNvCxnSpPr>
+          <p:nvPr/>
+        </p:nvCxnSpPr>
+        <p:spPr>
+          <a:xfrm flipH="1">
+            <a:off x="1249881" y="957656"/>
+            <a:ext cx="3378392" cy="2354703"/>
+          </a:xfrm>
+          <a:prstGeom prst="bentConnector3">
+            <a:avLst>
+              <a:gd name="adj1" fmla="val -6767"/>
+            </a:avLst>
+          </a:prstGeom>
+          <a:ln>
+            <a:tailEnd type="triangle"/>
+          </a:ln>
+        </p:spPr>
+        <p:style>
+          <a:lnRef idx="1">
+            <a:schemeClr val="accent1"/>
+          </a:lnRef>
+          <a:fillRef idx="0">
+            <a:schemeClr val="accent1"/>
+          </a:fillRef>
+          <a:effectRef idx="0">
+            <a:schemeClr val="accent1"/>
+          </a:effectRef>
+          <a:fontRef idx="minor">
+            <a:schemeClr val="tx1"/>
+          </a:fontRef>
+        </p:style>
+      </p:cxnSp>
+      <p:cxnSp>
+        <p:nvCxnSpPr>
+          <p:cNvPr id="59" name="연결선: 꺾임 129">
+            <a:extLst>
+              <a:ext uri="{FF2B5EF4-FFF2-40B4-BE49-F238E27FC236}">
+                <a16:creationId xmlns:a16="http://schemas.microsoft.com/office/drawing/2014/main" id="{0B72D15C-D39D-43BA-9E14-7569D3137440}"/>
+              </a:ext>
+            </a:extLst>
+          </p:cNvPr>
+          <p:cNvCxnSpPr>
+            <a:cxnSpLocks/>
+            <a:stCxn id="45" idx="1"/>
+            <a:endCxn id="38" idx="1"/>
+          </p:cNvCxnSpPr>
+          <p:nvPr/>
+        </p:nvCxnSpPr>
+        <p:spPr>
+          <a:xfrm rot="10800000">
+            <a:off x="1249881" y="3626684"/>
+            <a:ext cx="1911532" cy="322"/>
+          </a:xfrm>
+          <a:prstGeom prst="bentConnector3">
+            <a:avLst>
+              <a:gd name="adj1" fmla="val 50000"/>
+            </a:avLst>
+          </a:prstGeom>
+          <a:ln>
+            <a:tailEnd type="triangle"/>
+          </a:ln>
+        </p:spPr>
+        <p:style>
+          <a:lnRef idx="1">
+            <a:schemeClr val="accent1"/>
+          </a:lnRef>
+          <a:fillRef idx="0">
+            <a:schemeClr val="accent1"/>
+          </a:fillRef>
+          <a:effectRef idx="0">
+            <a:schemeClr val="accent1"/>
+          </a:effectRef>
+          <a:fontRef idx="minor">
+            <a:schemeClr val="tx1"/>
+          </a:fontRef>
+        </p:style>
+      </p:cxnSp>
+      <p:cxnSp>
+        <p:nvCxnSpPr>
+          <p:cNvPr id="60" name="연결선: 꺾임 132">
+            <a:extLst>
+              <a:ext uri="{FF2B5EF4-FFF2-40B4-BE49-F238E27FC236}">
+                <a16:creationId xmlns:a16="http://schemas.microsoft.com/office/drawing/2014/main" id="{1F527257-3010-4881-9166-2BBB327507FF}"/>
+              </a:ext>
+            </a:extLst>
+          </p:cNvPr>
+          <p:cNvCxnSpPr>
+            <a:cxnSpLocks/>
+            <a:stCxn id="133" idx="1"/>
+          </p:cNvCxnSpPr>
+          <p:nvPr/>
+        </p:nvCxnSpPr>
+        <p:spPr>
+          <a:xfrm rot="10800000">
+            <a:off x="1249881" y="3941009"/>
+            <a:ext cx="1911532" cy="478"/>
+          </a:xfrm>
+          <a:prstGeom prst="bentConnector3">
+            <a:avLst>
+              <a:gd name="adj1" fmla="val 50000"/>
+            </a:avLst>
+          </a:prstGeom>
+          <a:ln>
+            <a:tailEnd type="triangle"/>
+          </a:ln>
+        </p:spPr>
+        <p:style>
+          <a:lnRef idx="1">
+            <a:schemeClr val="accent1"/>
+          </a:lnRef>
+          <a:fillRef idx="0">
+            <a:schemeClr val="accent1"/>
+          </a:fillRef>
+          <a:effectRef idx="0">
+            <a:schemeClr val="accent1"/>
+          </a:effectRef>
+          <a:fontRef idx="minor">
+            <a:schemeClr val="tx1"/>
+          </a:fontRef>
+        </p:style>
+      </p:cxnSp>
+      <p:sp>
+        <p:nvSpPr>
+          <p:cNvPr id="93" name="화살표: 오각형 88">
+            <a:extLst>
+              <a:ext uri="{FF2B5EF4-FFF2-40B4-BE49-F238E27FC236}">
+                <a16:creationId xmlns:a16="http://schemas.microsoft.com/office/drawing/2014/main" id="{B0706538-2D15-40B7-B597-5E23E79E36E5}"/>
+              </a:ext>
+            </a:extLst>
+          </p:cNvPr>
+          <p:cNvSpPr/>
+          <p:nvPr/>
+        </p:nvSpPr>
+        <p:spPr>
+          <a:xfrm flipH="1">
+            <a:off x="6275599" y="1940759"/>
+            <a:ext cx="1082674" cy="228600"/>
+          </a:xfrm>
+          <a:prstGeom prst="homePlate">
+            <a:avLst/>
+          </a:prstGeom>
+          <a:solidFill>
+            <a:srgbClr val="00B050"/>
+          </a:solidFill>
+          <a:ln>
+            <a:solidFill>
+              <a:schemeClr val="accent6">
+                <a:lumMod val="50000"/>
+              </a:schemeClr>
+            </a:solidFill>
+          </a:ln>
+        </p:spPr>
+        <p:style>
+          <a:lnRef idx="2">
+            <a:schemeClr val="accent1">
+              <a:shade val="50000"/>
+            </a:schemeClr>
+          </a:lnRef>
+          <a:fillRef idx="1">
+            <a:schemeClr val="accent1"/>
+          </a:fillRef>
+          <a:effectRef idx="0">
+            <a:schemeClr val="accent1"/>
+          </a:effectRef>
+          <a:fontRef idx="minor">
+            <a:schemeClr val="lt1"/>
+          </a:fontRef>
+        </p:style>
+        <p:txBody>
+          <a:bodyPr rtlCol="0" anchor="ctr"/>
+          <a:lstStyle/>
+          <a:p>
+            <a:pPr algn="ctr"/>
+            <a:r>
+              <a:rPr lang="en-US" altLang="ko-KR" sz="900" dirty="0" smtClean="0"/>
+              <a:t>jb_7</a:t>
+            </a:r>
+            <a:endParaRPr lang="ko-KR" altLang="en-US" sz="900" dirty="0"/>
+          </a:p>
+        </p:txBody>
+      </p:sp>
+      <p:sp>
+        <p:nvSpPr>
+          <p:cNvPr id="94" name="화살표: 오각형 89">
+            <a:extLst>
+              <a:ext uri="{FF2B5EF4-FFF2-40B4-BE49-F238E27FC236}">
+                <a16:creationId xmlns:a16="http://schemas.microsoft.com/office/drawing/2014/main" id="{5A68F950-4D5D-4D2B-A4C7-CBDA52A5E3CE}"/>
+              </a:ext>
+            </a:extLst>
+          </p:cNvPr>
+          <p:cNvSpPr/>
+          <p:nvPr/>
+        </p:nvSpPr>
+        <p:spPr>
+          <a:xfrm flipH="1">
+            <a:off x="6275599" y="2569409"/>
+            <a:ext cx="1082674" cy="228600"/>
+          </a:xfrm>
+          <a:prstGeom prst="homePlate">
+            <a:avLst/>
+          </a:prstGeom>
+          <a:solidFill>
+            <a:srgbClr val="00B050"/>
+          </a:solidFill>
+          <a:ln>
+            <a:solidFill>
+              <a:schemeClr val="accent6">
+                <a:lumMod val="50000"/>
+              </a:schemeClr>
+            </a:solidFill>
+          </a:ln>
+        </p:spPr>
+        <p:style>
+          <a:lnRef idx="2">
+            <a:schemeClr val="accent1">
+              <a:shade val="50000"/>
+            </a:schemeClr>
+          </a:lnRef>
+          <a:fillRef idx="1">
+            <a:schemeClr val="accent1"/>
+          </a:fillRef>
+          <a:effectRef idx="0">
+            <a:schemeClr val="accent1"/>
+          </a:effectRef>
+          <a:fontRef idx="minor">
+            <a:schemeClr val="lt1"/>
+          </a:fontRef>
+        </p:style>
+        <p:txBody>
+          <a:bodyPr rtlCol="0" anchor="ctr"/>
+          <a:lstStyle/>
+          <a:p>
+            <a:pPr algn="ctr"/>
+            <a:r>
+              <a:rPr lang="en-US" altLang="ko-KR" sz="900" dirty="0" smtClean="0"/>
+              <a:t>jb_5</a:t>
+            </a:r>
+            <a:endParaRPr lang="ko-KR" altLang="en-US" sz="900" dirty="0"/>
+          </a:p>
+        </p:txBody>
+      </p:sp>
+      <p:sp>
+        <p:nvSpPr>
+          <p:cNvPr id="97" name="화살표: 오각형 92">
+            <a:extLst>
+              <a:ext uri="{FF2B5EF4-FFF2-40B4-BE49-F238E27FC236}">
+                <a16:creationId xmlns:a16="http://schemas.microsoft.com/office/drawing/2014/main" id="{88867D16-69AF-4FA5-B87D-716B838AD35A}"/>
+              </a:ext>
+            </a:extLst>
+          </p:cNvPr>
+          <p:cNvSpPr/>
+          <p:nvPr/>
+        </p:nvSpPr>
+        <p:spPr>
+          <a:xfrm flipH="1">
+            <a:off x="6275599" y="3512384"/>
+            <a:ext cx="1082674" cy="228600"/>
+          </a:xfrm>
+          <a:prstGeom prst="homePlate">
+            <a:avLst/>
+          </a:prstGeom>
+          <a:solidFill>
+            <a:srgbClr val="00B050"/>
+          </a:solidFill>
+          <a:ln>
+            <a:solidFill>
+              <a:schemeClr val="accent6">
+                <a:lumMod val="50000"/>
+              </a:schemeClr>
+            </a:solidFill>
+          </a:ln>
+        </p:spPr>
+        <p:style>
+          <a:lnRef idx="2">
+            <a:schemeClr val="accent1">
+              <a:shade val="50000"/>
+            </a:schemeClr>
+          </a:lnRef>
+          <a:fillRef idx="1">
+            <a:schemeClr val="accent1"/>
+          </a:fillRef>
+          <a:effectRef idx="0">
+            <a:schemeClr val="accent1"/>
+          </a:effectRef>
+          <a:fontRef idx="minor">
+            <a:schemeClr val="lt1"/>
+          </a:fontRef>
+        </p:style>
+        <p:txBody>
+          <a:bodyPr rtlCol="0" anchor="ctr"/>
+          <a:lstStyle/>
+          <a:p>
+            <a:pPr algn="ctr"/>
+            <a:r>
+              <a:rPr lang="en-US" altLang="ko-KR" sz="900" dirty="0" smtClean="0"/>
+              <a:t>jb_2</a:t>
+            </a:r>
+            <a:endParaRPr lang="ko-KR" altLang="en-US" sz="900" dirty="0"/>
+          </a:p>
+        </p:txBody>
+      </p:sp>
+      <p:sp>
+        <p:nvSpPr>
+          <p:cNvPr id="98" name="화살표: 오각형 93">
+            <a:extLst>
+              <a:ext uri="{FF2B5EF4-FFF2-40B4-BE49-F238E27FC236}">
+                <a16:creationId xmlns:a16="http://schemas.microsoft.com/office/drawing/2014/main" id="{EA0D9D0A-647B-41BA-9C1E-D074741EEA48}"/>
+              </a:ext>
+            </a:extLst>
+          </p:cNvPr>
+          <p:cNvSpPr/>
+          <p:nvPr/>
+        </p:nvSpPr>
+        <p:spPr>
+          <a:xfrm flipH="1">
+            <a:off x="6275599" y="4141034"/>
+            <a:ext cx="1082674" cy="228600"/>
+          </a:xfrm>
+          <a:prstGeom prst="homePlate">
+            <a:avLst/>
+          </a:prstGeom>
+          <a:solidFill>
+            <a:srgbClr val="00B050"/>
+          </a:solidFill>
+          <a:ln>
+            <a:solidFill>
+              <a:schemeClr val="accent6">
+                <a:lumMod val="50000"/>
+              </a:schemeClr>
+            </a:solidFill>
+          </a:ln>
+        </p:spPr>
+        <p:style>
+          <a:lnRef idx="2">
+            <a:schemeClr val="accent1">
+              <a:shade val="50000"/>
+            </a:schemeClr>
+          </a:lnRef>
+          <a:fillRef idx="1">
+            <a:schemeClr val="accent1"/>
+          </a:fillRef>
+          <a:effectRef idx="0">
+            <a:schemeClr val="accent1"/>
+          </a:effectRef>
+          <a:fontRef idx="minor">
+            <a:schemeClr val="lt1"/>
+          </a:fontRef>
+        </p:style>
+        <p:txBody>
+          <a:bodyPr rtlCol="0" anchor="ctr"/>
+          <a:lstStyle/>
+          <a:p>
+            <a:pPr algn="ctr"/>
+            <a:r>
+              <a:rPr lang="en-US" altLang="ko-KR" sz="900" dirty="0" smtClean="0"/>
+              <a:t>jb_0</a:t>
+            </a:r>
+            <a:endParaRPr lang="ko-KR" altLang="en-US" sz="900" dirty="0"/>
+          </a:p>
+        </p:txBody>
+      </p:sp>
+      <p:sp>
+        <p:nvSpPr>
+          <p:cNvPr id="99" name="육각형 98">
+            <a:extLst>
+              <a:ext uri="{FF2B5EF4-FFF2-40B4-BE49-F238E27FC236}">
+                <a16:creationId xmlns:a16="http://schemas.microsoft.com/office/drawing/2014/main" id="{23EFC587-BF0B-4942-AAA1-F6E4A0F17306}"/>
+              </a:ext>
+            </a:extLst>
+          </p:cNvPr>
+          <p:cNvSpPr/>
+          <p:nvPr/>
+        </p:nvSpPr>
+        <p:spPr>
+          <a:xfrm>
+            <a:off x="6275599" y="2255084"/>
+            <a:ext cx="1082674" cy="228600"/>
+          </a:xfrm>
+          <a:prstGeom prst="hexagon">
+            <a:avLst>
+              <a:gd name="adj" fmla="val 48611"/>
+              <a:gd name="vf" fmla="val 115470"/>
+            </a:avLst>
+          </a:prstGeom>
+          <a:solidFill>
+            <a:srgbClr val="7030A0"/>
+          </a:solidFill>
+          <a:ln>
+            <a:solidFill>
+              <a:srgbClr val="7030A0"/>
+            </a:solidFill>
+          </a:ln>
+        </p:spPr>
+        <p:style>
+          <a:lnRef idx="2">
+            <a:schemeClr val="accent1">
+              <a:shade val="50000"/>
+            </a:schemeClr>
+          </a:lnRef>
+          <a:fillRef idx="1">
+            <a:schemeClr val="accent1"/>
+          </a:fillRef>
+          <a:effectRef idx="0">
+            <a:schemeClr val="accent1"/>
+          </a:effectRef>
+          <a:fontRef idx="minor">
+            <a:schemeClr val="lt1"/>
+          </a:fontRef>
+        </p:style>
+        <p:txBody>
+          <a:bodyPr rtlCol="0" anchor="ctr"/>
+          <a:lstStyle/>
+          <a:p>
+            <a:pPr algn="ctr"/>
+            <a:r>
+              <a:rPr lang="en-US" altLang="ko-KR" sz="900" dirty="0" smtClean="0"/>
+              <a:t>jb_6</a:t>
+            </a:r>
+            <a:endParaRPr lang="ko-KR" altLang="en-US" sz="900" dirty="0"/>
+          </a:p>
+        </p:txBody>
+      </p:sp>
+      <p:sp>
+        <p:nvSpPr>
+          <p:cNvPr id="101" name="직사각형 100">
+            <a:extLst>
+              <a:ext uri="{FF2B5EF4-FFF2-40B4-BE49-F238E27FC236}">
+                <a16:creationId xmlns:a16="http://schemas.microsoft.com/office/drawing/2014/main" id="{A536BC31-ED89-41E7-8828-96F4A2C5769F}"/>
+              </a:ext>
+            </a:extLst>
+          </p:cNvPr>
+          <p:cNvSpPr/>
+          <p:nvPr/>
+        </p:nvSpPr>
+        <p:spPr>
+          <a:xfrm>
+            <a:off x="9269806" y="2250954"/>
+            <a:ext cx="1466859" cy="230512"/>
+          </a:xfrm>
+          <a:prstGeom prst="rect">
+            <a:avLst/>
+          </a:prstGeom>
+        </p:spPr>
+        <p:style>
+          <a:lnRef idx="2">
+            <a:schemeClr val="accent1">
+              <a:shade val="50000"/>
+            </a:schemeClr>
+          </a:lnRef>
+          <a:fillRef idx="1">
+            <a:schemeClr val="accent1"/>
+          </a:fillRef>
+          <a:effectRef idx="0">
+            <a:schemeClr val="accent1"/>
+          </a:effectRef>
+          <a:fontRef idx="minor">
+            <a:schemeClr val="lt1"/>
+          </a:fontRef>
+        </p:style>
+        <p:txBody>
+          <a:bodyPr rtlCol="0" anchor="ctr"/>
+          <a:lstStyle/>
+          <a:p>
+            <a:pPr algn="ctr"/>
+            <a:r>
+              <a:rPr lang="en-US" altLang="ko-KR" sz="900" dirty="0" smtClean="0"/>
+              <a:t>rsdio_2</a:t>
+            </a:r>
+            <a:endParaRPr lang="ko-KR" altLang="en-US" sz="900" dirty="0"/>
+          </a:p>
+        </p:txBody>
+      </p:sp>
+      <p:grpSp>
+        <p:nvGrpSpPr>
+          <p:cNvPr id="103" name="그룹 102">
+            <a:extLst>
+              <a:ext uri="{FF2B5EF4-FFF2-40B4-BE49-F238E27FC236}">
+                <a16:creationId xmlns:a16="http://schemas.microsoft.com/office/drawing/2014/main" id="{FB0CA9BD-EDC7-4CA9-8693-BF2EFC7E8F04}"/>
+              </a:ext>
+            </a:extLst>
+          </p:cNvPr>
+          <p:cNvGrpSpPr/>
+          <p:nvPr/>
+        </p:nvGrpSpPr>
+        <p:grpSpPr>
+          <a:xfrm>
+            <a:off x="9269805" y="3511750"/>
+            <a:ext cx="1466859" cy="230512"/>
+            <a:chOff x="2962265" y="4647551"/>
+            <a:chExt cx="1466859" cy="230512"/>
+          </a:xfrm>
+        </p:grpSpPr>
+        <p:sp>
+          <p:nvSpPr>
+            <p:cNvPr id="104" name="직사각형 103">
+              <a:extLst>
+                <a:ext uri="{FF2B5EF4-FFF2-40B4-BE49-F238E27FC236}">
+                  <a16:creationId xmlns:a16="http://schemas.microsoft.com/office/drawing/2014/main" id="{7556BBA6-E7AE-457F-BB99-28219B8DEB84}"/>
+                </a:ext>
+              </a:extLst>
+            </p:cNvPr>
+            <p:cNvSpPr/>
+            <p:nvPr/>
+          </p:nvSpPr>
+          <p:spPr>
+            <a:xfrm>
+              <a:off x="2962265" y="4647551"/>
+              <a:ext cx="1466859" cy="230512"/>
+            </a:xfrm>
+            <a:prstGeom prst="rect">
+              <a:avLst/>
+            </a:prstGeom>
+          </p:spPr>
+          <p:style>
+            <a:lnRef idx="2">
+              <a:schemeClr val="accent1">
+                <a:shade val="50000"/>
+              </a:schemeClr>
+            </a:lnRef>
+            <a:fillRef idx="1">
+              <a:schemeClr val="accent1"/>
+            </a:fillRef>
+            <a:effectRef idx="0">
+              <a:schemeClr val="accent1"/>
+            </a:effectRef>
+            <a:fontRef idx="minor">
+              <a:schemeClr val="lt1"/>
+            </a:fontRef>
+          </p:style>
+          <p:txBody>
+            <a:bodyPr rtlCol="0" anchor="ctr"/>
+            <a:lstStyle/>
+            <a:p>
+              <a:pPr algn="ctr"/>
+              <a:r>
+                <a:rPr lang="en-US" altLang="ko-KR" sz="900" dirty="0" smtClean="0"/>
+                <a:t>DDS2_profile0</a:t>
+              </a:r>
+              <a:endParaRPr lang="ko-KR" altLang="en-US" sz="900" dirty="0"/>
+            </a:p>
+          </p:txBody>
+        </p:sp>
+        <p:sp>
+          <p:nvSpPr>
+            <p:cNvPr id="105" name="이등변 삼각형 104">
+              <a:extLst>
+                <a:ext uri="{FF2B5EF4-FFF2-40B4-BE49-F238E27FC236}">
+                  <a16:creationId xmlns:a16="http://schemas.microsoft.com/office/drawing/2014/main" id="{D17212F7-23EE-4E43-AF98-5A758AE67187}"/>
+                </a:ext>
+              </a:extLst>
+            </p:cNvPr>
+            <p:cNvSpPr/>
+            <p:nvPr/>
+          </p:nvSpPr>
+          <p:spPr>
+            <a:xfrm rot="16200000">
+              <a:off x="4350705" y="4722488"/>
+              <a:ext cx="76200" cy="80638"/>
+            </a:xfrm>
+            <a:prstGeom prst="triangle">
+              <a:avLst/>
+            </a:prstGeom>
+            <a:solidFill>
+              <a:schemeClr val="bg1"/>
+            </a:solidFill>
+          </p:spPr>
+          <p:style>
+            <a:lnRef idx="2">
+              <a:schemeClr val="accent1">
+                <a:shade val="50000"/>
+              </a:schemeClr>
+            </a:lnRef>
+            <a:fillRef idx="1">
+              <a:schemeClr val="accent1"/>
+            </a:fillRef>
+            <a:effectRef idx="0">
+              <a:schemeClr val="accent1"/>
+            </a:effectRef>
+            <a:fontRef idx="minor">
+              <a:schemeClr val="lt1"/>
+            </a:fontRef>
+          </p:style>
+          <p:txBody>
+            <a:bodyPr rtlCol="0" anchor="ctr"/>
+            <a:lstStyle/>
+            <a:p>
+              <a:pPr algn="ctr"/>
+              <a:endParaRPr lang="ko-KR" altLang="en-US"/>
+            </a:p>
+          </p:txBody>
+        </p:sp>
+      </p:grpSp>
+      <p:grpSp>
+        <p:nvGrpSpPr>
+          <p:cNvPr id="106" name="그룹 105">
+            <a:extLst>
+              <a:ext uri="{FF2B5EF4-FFF2-40B4-BE49-F238E27FC236}">
+                <a16:creationId xmlns:a16="http://schemas.microsoft.com/office/drawing/2014/main" id="{DBE49FCA-7CF0-4921-83E2-84D37415616E}"/>
+              </a:ext>
+            </a:extLst>
+          </p:cNvPr>
+          <p:cNvGrpSpPr/>
+          <p:nvPr/>
+        </p:nvGrpSpPr>
+        <p:grpSpPr>
+          <a:xfrm>
+            <a:off x="9269805" y="1938847"/>
+            <a:ext cx="1466859" cy="230512"/>
+            <a:chOff x="2962265" y="4647551"/>
+            <a:chExt cx="1466859" cy="230512"/>
+          </a:xfrm>
+        </p:grpSpPr>
+        <p:sp>
+          <p:nvSpPr>
+            <p:cNvPr id="107" name="직사각형 106">
+              <a:extLst>
+                <a:ext uri="{FF2B5EF4-FFF2-40B4-BE49-F238E27FC236}">
+                  <a16:creationId xmlns:a16="http://schemas.microsoft.com/office/drawing/2014/main" id="{F1D491D1-D172-4DBC-B995-8ED2EE825AC3}"/>
+                </a:ext>
+              </a:extLst>
+            </p:cNvPr>
+            <p:cNvSpPr/>
+            <p:nvPr/>
+          </p:nvSpPr>
+          <p:spPr>
+            <a:xfrm>
+              <a:off x="2962265" y="4647551"/>
+              <a:ext cx="1466859" cy="230512"/>
+            </a:xfrm>
+            <a:prstGeom prst="rect">
+              <a:avLst/>
+            </a:prstGeom>
+          </p:spPr>
+          <p:style>
+            <a:lnRef idx="2">
+              <a:schemeClr val="accent1">
+                <a:shade val="50000"/>
+              </a:schemeClr>
+            </a:lnRef>
+            <a:fillRef idx="1">
+              <a:schemeClr val="accent1"/>
+            </a:fillRef>
+            <a:effectRef idx="0">
+              <a:schemeClr val="accent1"/>
+            </a:effectRef>
+            <a:fontRef idx="minor">
+              <a:schemeClr val="lt1"/>
+            </a:fontRef>
+          </p:style>
+          <p:txBody>
+            <a:bodyPr rtlCol="0" anchor="ctr"/>
+            <a:lstStyle/>
+            <a:p>
+              <a:pPr algn="ctr"/>
+              <a:r>
+                <a:rPr lang="en-US" altLang="ko-KR" sz="900" dirty="0" smtClean="0"/>
+                <a:t>DDS2_ioupdate</a:t>
+              </a:r>
+              <a:endParaRPr lang="ko-KR" altLang="en-US" sz="900" dirty="0"/>
+            </a:p>
+          </p:txBody>
+        </p:sp>
+        <p:sp>
+          <p:nvSpPr>
+            <p:cNvPr id="108" name="이등변 삼각형 107">
+              <a:extLst>
+                <a:ext uri="{FF2B5EF4-FFF2-40B4-BE49-F238E27FC236}">
+                  <a16:creationId xmlns:a16="http://schemas.microsoft.com/office/drawing/2014/main" id="{57B4922C-1D0D-438A-91EB-02CAE14EEB32}"/>
+                </a:ext>
+              </a:extLst>
+            </p:cNvPr>
+            <p:cNvSpPr/>
+            <p:nvPr/>
+          </p:nvSpPr>
+          <p:spPr>
+            <a:xfrm rot="16200000">
+              <a:off x="4350705" y="4722488"/>
+              <a:ext cx="76200" cy="80638"/>
+            </a:xfrm>
+            <a:prstGeom prst="triangle">
+              <a:avLst/>
+            </a:prstGeom>
+            <a:solidFill>
+              <a:schemeClr val="bg1"/>
+            </a:solidFill>
+          </p:spPr>
+          <p:style>
+            <a:lnRef idx="2">
+              <a:schemeClr val="accent1">
+                <a:shade val="50000"/>
+              </a:schemeClr>
+            </a:lnRef>
+            <a:fillRef idx="1">
+              <a:schemeClr val="accent1"/>
+            </a:fillRef>
+            <a:effectRef idx="0">
+              <a:schemeClr val="accent1"/>
+            </a:effectRef>
+            <a:fontRef idx="minor">
+              <a:schemeClr val="lt1"/>
+            </a:fontRef>
+          </p:style>
+          <p:txBody>
+            <a:bodyPr rtlCol="0" anchor="ctr"/>
+            <a:lstStyle/>
+            <a:p>
+              <a:pPr algn="ctr"/>
+              <a:endParaRPr lang="ko-KR" altLang="en-US"/>
+            </a:p>
+          </p:txBody>
+        </p:sp>
+      </p:grpSp>
+      <p:cxnSp>
+        <p:nvCxnSpPr>
+          <p:cNvPr id="113" name="연결선: 꺾임 113">
+            <a:extLst>
+              <a:ext uri="{FF2B5EF4-FFF2-40B4-BE49-F238E27FC236}">
+                <a16:creationId xmlns:a16="http://schemas.microsoft.com/office/drawing/2014/main" id="{6D80F142-1E93-4DD4-B130-00FB4DE60274}"/>
+              </a:ext>
+            </a:extLst>
+          </p:cNvPr>
+          <p:cNvCxnSpPr>
+            <a:stCxn id="18" idx="3"/>
+            <a:endCxn id="94" idx="1"/>
+          </p:cNvCxnSpPr>
+          <p:nvPr/>
+        </p:nvCxnSpPr>
+        <p:spPr>
+          <a:xfrm>
+            <a:off x="1634067" y="1644739"/>
+            <a:ext cx="5724206" cy="1038970"/>
+          </a:xfrm>
+          <a:prstGeom prst="bentConnector3">
+            <a:avLst>
+              <a:gd name="adj1" fmla="val 103994"/>
+            </a:avLst>
+          </a:prstGeom>
+          <a:ln>
+            <a:tailEnd type="triangle"/>
+          </a:ln>
+        </p:spPr>
+        <p:style>
+          <a:lnRef idx="1">
+            <a:schemeClr val="accent1"/>
+          </a:lnRef>
+          <a:fillRef idx="0">
+            <a:schemeClr val="accent1"/>
+          </a:fillRef>
+          <a:effectRef idx="0">
+            <a:schemeClr val="accent1"/>
+          </a:effectRef>
+          <a:fontRef idx="minor">
+            <a:schemeClr val="tx1"/>
+          </a:fontRef>
+        </p:style>
+      </p:cxnSp>
+      <p:cxnSp>
+        <p:nvCxnSpPr>
+          <p:cNvPr id="114" name="연결선: 꺾임 117">
+            <a:extLst>
+              <a:ext uri="{FF2B5EF4-FFF2-40B4-BE49-F238E27FC236}">
+                <a16:creationId xmlns:a16="http://schemas.microsoft.com/office/drawing/2014/main" id="{7D23985E-F0CC-4180-97D1-7E069C89C7C2}"/>
+              </a:ext>
+            </a:extLst>
+          </p:cNvPr>
+          <p:cNvCxnSpPr>
+            <a:cxnSpLocks/>
+            <a:stCxn id="107" idx="1"/>
+            <a:endCxn id="93" idx="1"/>
+          </p:cNvCxnSpPr>
+          <p:nvPr/>
+        </p:nvCxnSpPr>
+        <p:spPr>
+          <a:xfrm rot="10800000" flipV="1">
+            <a:off x="7358273" y="2054103"/>
+            <a:ext cx="1911532" cy="956"/>
+          </a:xfrm>
+          <a:prstGeom prst="bentConnector3">
+            <a:avLst>
+              <a:gd name="adj1" fmla="val 50000"/>
+            </a:avLst>
+          </a:prstGeom>
+          <a:ln>
+            <a:tailEnd type="triangle"/>
+          </a:ln>
+        </p:spPr>
+        <p:style>
+          <a:lnRef idx="1">
+            <a:schemeClr val="accent1"/>
+          </a:lnRef>
+          <a:fillRef idx="0">
+            <a:schemeClr val="accent1"/>
+          </a:fillRef>
+          <a:effectRef idx="0">
+            <a:schemeClr val="accent1"/>
+          </a:effectRef>
+          <a:fontRef idx="minor">
+            <a:schemeClr val="tx1"/>
+          </a:fontRef>
+        </p:style>
+      </p:cxnSp>
+      <p:cxnSp>
+        <p:nvCxnSpPr>
+          <p:cNvPr id="115" name="연결선: 꺾임 120">
+            <a:extLst>
+              <a:ext uri="{FF2B5EF4-FFF2-40B4-BE49-F238E27FC236}">
+                <a16:creationId xmlns:a16="http://schemas.microsoft.com/office/drawing/2014/main" id="{8C54D223-56FA-49E7-9158-399E447C582C}"/>
+              </a:ext>
+            </a:extLst>
+          </p:cNvPr>
+          <p:cNvCxnSpPr>
+            <a:cxnSpLocks/>
+            <a:stCxn id="101" idx="1"/>
+            <a:endCxn id="99" idx="0"/>
+          </p:cNvCxnSpPr>
+          <p:nvPr/>
+        </p:nvCxnSpPr>
+        <p:spPr>
+          <a:xfrm rot="10800000" flipV="1">
+            <a:off x="7358274" y="2366210"/>
+            <a:ext cx="1911533" cy="3174"/>
+          </a:xfrm>
+          <a:prstGeom prst="bentConnector3">
+            <a:avLst>
+              <a:gd name="adj1" fmla="val 50000"/>
+            </a:avLst>
+          </a:prstGeom>
+          <a:ln>
+            <a:tailEnd type="triangle"/>
+          </a:ln>
+        </p:spPr>
+        <p:style>
+          <a:lnRef idx="1">
+            <a:schemeClr val="accent1"/>
+          </a:lnRef>
+          <a:fillRef idx="0">
+            <a:schemeClr val="accent1"/>
+          </a:fillRef>
+          <a:effectRef idx="0">
+            <a:schemeClr val="accent1"/>
+          </a:effectRef>
+          <a:fontRef idx="minor">
+            <a:schemeClr val="tx1"/>
+          </a:fontRef>
+        </p:style>
+      </p:cxnSp>
+      <p:cxnSp>
+        <p:nvCxnSpPr>
+          <p:cNvPr id="118" name="연결선: 꺾임 129">
+            <a:extLst>
+              <a:ext uri="{FF2B5EF4-FFF2-40B4-BE49-F238E27FC236}">
+                <a16:creationId xmlns:a16="http://schemas.microsoft.com/office/drawing/2014/main" id="{0B72D15C-D39D-43BA-9E14-7569D3137440}"/>
+              </a:ext>
+            </a:extLst>
+          </p:cNvPr>
+          <p:cNvCxnSpPr>
+            <a:cxnSpLocks/>
+            <a:stCxn id="104" idx="1"/>
+            <a:endCxn id="97" idx="1"/>
+          </p:cNvCxnSpPr>
+          <p:nvPr/>
+        </p:nvCxnSpPr>
+        <p:spPr>
+          <a:xfrm rot="10800000">
+            <a:off x="7358273" y="3626684"/>
+            <a:ext cx="1911532" cy="322"/>
+          </a:xfrm>
+          <a:prstGeom prst="bentConnector3">
+            <a:avLst>
+              <a:gd name="adj1" fmla="val 50000"/>
+            </a:avLst>
+          </a:prstGeom>
+          <a:ln>
+            <a:tailEnd type="triangle"/>
+          </a:ln>
+        </p:spPr>
+        <p:style>
+          <a:lnRef idx="1">
+            <a:schemeClr val="accent1"/>
+          </a:lnRef>
+          <a:fillRef idx="0">
+            <a:schemeClr val="accent1"/>
+          </a:fillRef>
+          <a:effectRef idx="0">
+            <a:schemeClr val="accent1"/>
+          </a:effectRef>
+          <a:fontRef idx="minor">
+            <a:schemeClr val="tx1"/>
+          </a:fontRef>
+        </p:style>
+      </p:cxnSp>
+      <p:cxnSp>
+        <p:nvCxnSpPr>
+          <p:cNvPr id="119" name="연결선: 꺾임 132">
+            <a:extLst>
+              <a:ext uri="{FF2B5EF4-FFF2-40B4-BE49-F238E27FC236}">
+                <a16:creationId xmlns:a16="http://schemas.microsoft.com/office/drawing/2014/main" id="{1F527257-3010-4881-9166-2BBB327507FF}"/>
+              </a:ext>
+            </a:extLst>
+          </p:cNvPr>
+          <p:cNvCxnSpPr>
+            <a:cxnSpLocks/>
+            <a:stCxn id="140" idx="1"/>
+          </p:cNvCxnSpPr>
+          <p:nvPr/>
+        </p:nvCxnSpPr>
+        <p:spPr>
+          <a:xfrm rot="10800000">
+            <a:off x="7358274" y="3941009"/>
+            <a:ext cx="1911531" cy="478"/>
+          </a:xfrm>
+          <a:prstGeom prst="bentConnector3">
+            <a:avLst>
+              <a:gd name="adj1" fmla="val 50000"/>
+            </a:avLst>
+          </a:prstGeom>
+          <a:ln>
+            <a:tailEnd type="triangle"/>
+          </a:ln>
+        </p:spPr>
+        <p:style>
+          <a:lnRef idx="1">
+            <a:schemeClr val="accent1"/>
+          </a:lnRef>
+          <a:fillRef idx="0">
+            <a:schemeClr val="accent1"/>
+          </a:fillRef>
+          <a:effectRef idx="0">
+            <a:schemeClr val="accent1"/>
+          </a:effectRef>
+          <a:fontRef idx="minor">
+            <a:schemeClr val="tx1"/>
+          </a:fontRef>
+        </p:style>
+      </p:cxnSp>
+      <p:grpSp>
+        <p:nvGrpSpPr>
+          <p:cNvPr id="120" name="그룹 119">
+            <a:extLst>
+              <a:ext uri="{FF2B5EF4-FFF2-40B4-BE49-F238E27FC236}">
+                <a16:creationId xmlns:a16="http://schemas.microsoft.com/office/drawing/2014/main" id="{DBE49FCA-7CF0-4921-83E2-84D37415616E}"/>
+              </a:ext>
+            </a:extLst>
+          </p:cNvPr>
+          <p:cNvGrpSpPr/>
+          <p:nvPr/>
+        </p:nvGrpSpPr>
+        <p:grpSpPr>
+          <a:xfrm>
+            <a:off x="3161413" y="4140713"/>
+            <a:ext cx="1466859" cy="230512"/>
+            <a:chOff x="2962265" y="4647551"/>
+            <a:chExt cx="1466859" cy="230512"/>
+          </a:xfrm>
+        </p:grpSpPr>
+        <p:sp>
+          <p:nvSpPr>
+            <p:cNvPr id="121" name="직사각형 120">
+              <a:extLst>
+                <a:ext uri="{FF2B5EF4-FFF2-40B4-BE49-F238E27FC236}">
+                  <a16:creationId xmlns:a16="http://schemas.microsoft.com/office/drawing/2014/main" id="{F1D491D1-D172-4DBC-B995-8ED2EE825AC3}"/>
+                </a:ext>
+              </a:extLst>
+            </p:cNvPr>
+            <p:cNvSpPr/>
+            <p:nvPr/>
+          </p:nvSpPr>
+          <p:spPr>
+            <a:xfrm>
+              <a:off x="2962265" y="4647551"/>
+              <a:ext cx="1466859" cy="230512"/>
+            </a:xfrm>
+            <a:prstGeom prst="rect">
+              <a:avLst/>
+            </a:prstGeom>
+          </p:spPr>
+          <p:style>
+            <a:lnRef idx="2">
+              <a:schemeClr val="accent1">
+                <a:shade val="50000"/>
+              </a:schemeClr>
+            </a:lnRef>
+            <a:fillRef idx="1">
+              <a:schemeClr val="accent1"/>
+            </a:fillRef>
+            <a:effectRef idx="0">
+              <a:schemeClr val="accent1"/>
+            </a:effectRef>
+            <a:fontRef idx="minor">
+              <a:schemeClr val="lt1"/>
+            </a:fontRef>
+          </p:style>
+          <p:txBody>
+            <a:bodyPr rtlCol="0" anchor="ctr"/>
+            <a:lstStyle/>
+            <a:p>
+              <a:pPr algn="ctr"/>
+              <a:r>
+                <a:rPr lang="en-US" altLang="ko-KR" sz="900" dirty="0"/>
+                <a:t>DDS1_profile2</a:t>
+              </a:r>
+              <a:endParaRPr lang="ko-KR" altLang="en-US" sz="900" dirty="0"/>
+            </a:p>
+          </p:txBody>
+        </p:sp>
+        <p:sp>
+          <p:nvSpPr>
+            <p:cNvPr id="122" name="이등변 삼각형 121">
+              <a:extLst>
+                <a:ext uri="{FF2B5EF4-FFF2-40B4-BE49-F238E27FC236}">
+                  <a16:creationId xmlns:a16="http://schemas.microsoft.com/office/drawing/2014/main" id="{57B4922C-1D0D-438A-91EB-02CAE14EEB32}"/>
+                </a:ext>
+              </a:extLst>
+            </p:cNvPr>
+            <p:cNvSpPr/>
+            <p:nvPr/>
+          </p:nvSpPr>
+          <p:spPr>
+            <a:xfrm rot="16200000">
+              <a:off x="4350705" y="4722488"/>
+              <a:ext cx="76200" cy="80638"/>
+            </a:xfrm>
+            <a:prstGeom prst="triangle">
+              <a:avLst/>
+            </a:prstGeom>
+            <a:solidFill>
+              <a:schemeClr val="bg1"/>
+            </a:solidFill>
+          </p:spPr>
+          <p:style>
+            <a:lnRef idx="2">
+              <a:schemeClr val="accent1">
+                <a:shade val="50000"/>
+              </a:schemeClr>
+            </a:lnRef>
+            <a:fillRef idx="1">
+              <a:schemeClr val="accent1"/>
+            </a:fillRef>
+            <a:effectRef idx="0">
+              <a:schemeClr val="accent1"/>
+            </a:effectRef>
+            <a:fontRef idx="minor">
+              <a:schemeClr val="lt1"/>
+            </a:fontRef>
+          </p:style>
+          <p:txBody>
+            <a:bodyPr rtlCol="0" anchor="ctr"/>
+            <a:lstStyle/>
+            <a:p>
+              <a:pPr algn="ctr"/>
+              <a:endParaRPr lang="ko-KR" altLang="en-US"/>
+            </a:p>
+          </p:txBody>
+        </p:sp>
+      </p:grpSp>
+      <p:cxnSp>
+        <p:nvCxnSpPr>
+          <p:cNvPr id="123" name="연결선: 꺾임 129">
+            <a:extLst>
+              <a:ext uri="{FF2B5EF4-FFF2-40B4-BE49-F238E27FC236}">
+                <a16:creationId xmlns:a16="http://schemas.microsoft.com/office/drawing/2014/main" id="{0B72D15C-D39D-43BA-9E14-7569D3137440}"/>
+              </a:ext>
+            </a:extLst>
+          </p:cNvPr>
+          <p:cNvCxnSpPr>
+            <a:cxnSpLocks/>
+            <a:stCxn id="121" idx="1"/>
+            <a:endCxn id="39" idx="1"/>
+          </p:cNvCxnSpPr>
+          <p:nvPr/>
+        </p:nvCxnSpPr>
+        <p:spPr>
+          <a:xfrm rot="10800000">
+            <a:off x="1249881" y="4255335"/>
+            <a:ext cx="1911532" cy="635"/>
+          </a:xfrm>
+          <a:prstGeom prst="bentConnector3">
+            <a:avLst>
+              <a:gd name="adj1" fmla="val 50000"/>
+            </a:avLst>
+          </a:prstGeom>
+          <a:ln>
+            <a:tailEnd type="triangle"/>
+          </a:ln>
+        </p:spPr>
+        <p:style>
+          <a:lnRef idx="1">
+            <a:schemeClr val="accent1"/>
+          </a:lnRef>
+          <a:fillRef idx="0">
+            <a:schemeClr val="accent1"/>
+          </a:fillRef>
+          <a:effectRef idx="0">
+            <a:schemeClr val="accent1"/>
+          </a:effectRef>
+          <a:fontRef idx="minor">
+            <a:schemeClr val="tx1"/>
+          </a:fontRef>
+        </p:style>
+      </p:cxnSp>
+      <p:grpSp>
+        <p:nvGrpSpPr>
+          <p:cNvPr id="132" name="그룹 131">
+            <a:extLst>
+              <a:ext uri="{FF2B5EF4-FFF2-40B4-BE49-F238E27FC236}">
+                <a16:creationId xmlns:a16="http://schemas.microsoft.com/office/drawing/2014/main" id="{FB0CA9BD-EDC7-4CA9-8693-BF2EFC7E8F04}"/>
+              </a:ext>
+            </a:extLst>
+          </p:cNvPr>
+          <p:cNvGrpSpPr/>
+          <p:nvPr/>
+        </p:nvGrpSpPr>
+        <p:grpSpPr>
+          <a:xfrm>
+            <a:off x="3161413" y="3826231"/>
+            <a:ext cx="1466859" cy="230512"/>
+            <a:chOff x="2962265" y="4647551"/>
+            <a:chExt cx="1466859" cy="230512"/>
+          </a:xfrm>
+        </p:grpSpPr>
+        <p:sp>
+          <p:nvSpPr>
+            <p:cNvPr id="133" name="직사각형 132">
+              <a:extLst>
+                <a:ext uri="{FF2B5EF4-FFF2-40B4-BE49-F238E27FC236}">
+                  <a16:creationId xmlns:a16="http://schemas.microsoft.com/office/drawing/2014/main" id="{7556BBA6-E7AE-457F-BB99-28219B8DEB84}"/>
+                </a:ext>
+              </a:extLst>
+            </p:cNvPr>
+            <p:cNvSpPr/>
+            <p:nvPr/>
+          </p:nvSpPr>
+          <p:spPr>
+            <a:xfrm>
+              <a:off x="2962265" y="4647551"/>
+              <a:ext cx="1466859" cy="230512"/>
+            </a:xfrm>
+            <a:prstGeom prst="rect">
+              <a:avLst/>
+            </a:prstGeom>
+          </p:spPr>
+          <p:style>
+            <a:lnRef idx="2">
+              <a:schemeClr val="accent1">
+                <a:shade val="50000"/>
+              </a:schemeClr>
+            </a:lnRef>
+            <a:fillRef idx="1">
+              <a:schemeClr val="accent1"/>
+            </a:fillRef>
+            <a:effectRef idx="0">
+              <a:schemeClr val="accent1"/>
+            </a:effectRef>
+            <a:fontRef idx="minor">
+              <a:schemeClr val="lt1"/>
+            </a:fontRef>
+          </p:style>
+          <p:txBody>
+            <a:bodyPr rtlCol="0" anchor="ctr"/>
+            <a:lstStyle/>
+            <a:p>
+              <a:pPr algn="ctr"/>
+              <a:r>
+                <a:rPr lang="en-US" altLang="ko-KR" sz="900" dirty="0"/>
+                <a:t>DDS1_</a:t>
+              </a:r>
+              <a:r>
+                <a:rPr lang="en-US" altLang="ko-KR" sz="900" dirty="0" smtClean="0"/>
+                <a:t>profile1</a:t>
+              </a:r>
+              <a:endParaRPr lang="ko-KR" altLang="en-US" sz="900" dirty="0"/>
+            </a:p>
+          </p:txBody>
+        </p:sp>
+        <p:sp>
+          <p:nvSpPr>
+            <p:cNvPr id="134" name="이등변 삼각형 133">
+              <a:extLst>
+                <a:ext uri="{FF2B5EF4-FFF2-40B4-BE49-F238E27FC236}">
+                  <a16:creationId xmlns:a16="http://schemas.microsoft.com/office/drawing/2014/main" id="{D17212F7-23EE-4E43-AF98-5A758AE67187}"/>
+                </a:ext>
+              </a:extLst>
+            </p:cNvPr>
+            <p:cNvSpPr/>
+            <p:nvPr/>
+          </p:nvSpPr>
+          <p:spPr>
+            <a:xfrm rot="16200000">
+              <a:off x="4350705" y="4722488"/>
+              <a:ext cx="76200" cy="80638"/>
+            </a:xfrm>
+            <a:prstGeom prst="triangle">
+              <a:avLst/>
+            </a:prstGeom>
+            <a:solidFill>
+              <a:schemeClr val="bg1"/>
+            </a:solidFill>
+          </p:spPr>
+          <p:style>
+            <a:lnRef idx="2">
+              <a:schemeClr val="accent1">
+                <a:shade val="50000"/>
+              </a:schemeClr>
+            </a:lnRef>
+            <a:fillRef idx="1">
+              <a:schemeClr val="accent1"/>
+            </a:fillRef>
+            <a:effectRef idx="0">
+              <a:schemeClr val="accent1"/>
+            </a:effectRef>
+            <a:fontRef idx="minor">
+              <a:schemeClr val="lt1"/>
+            </a:fontRef>
+          </p:style>
+          <p:txBody>
+            <a:bodyPr rtlCol="0" anchor="ctr"/>
+            <a:lstStyle/>
+            <a:p>
+              <a:pPr algn="ctr"/>
+              <a:endParaRPr lang="ko-KR" altLang="en-US"/>
+            </a:p>
+          </p:txBody>
+        </p:sp>
+      </p:grpSp>
+      <p:grpSp>
+        <p:nvGrpSpPr>
+          <p:cNvPr id="136" name="그룹 135">
+            <a:extLst>
+              <a:ext uri="{FF2B5EF4-FFF2-40B4-BE49-F238E27FC236}">
+                <a16:creationId xmlns:a16="http://schemas.microsoft.com/office/drawing/2014/main" id="{DBE49FCA-7CF0-4921-83E2-84D37415616E}"/>
+              </a:ext>
+            </a:extLst>
+          </p:cNvPr>
+          <p:cNvGrpSpPr/>
+          <p:nvPr/>
+        </p:nvGrpSpPr>
+        <p:grpSpPr>
+          <a:xfrm>
+            <a:off x="9269804" y="4140713"/>
+            <a:ext cx="1466859" cy="230512"/>
+            <a:chOff x="2962265" y="4647551"/>
+            <a:chExt cx="1466859" cy="230512"/>
+          </a:xfrm>
+        </p:grpSpPr>
+        <p:sp>
+          <p:nvSpPr>
+            <p:cNvPr id="137" name="직사각형 136">
+              <a:extLst>
+                <a:ext uri="{FF2B5EF4-FFF2-40B4-BE49-F238E27FC236}">
+                  <a16:creationId xmlns:a16="http://schemas.microsoft.com/office/drawing/2014/main" id="{F1D491D1-D172-4DBC-B995-8ED2EE825AC3}"/>
+                </a:ext>
+              </a:extLst>
+            </p:cNvPr>
+            <p:cNvSpPr/>
+            <p:nvPr/>
+          </p:nvSpPr>
+          <p:spPr>
+            <a:xfrm>
+              <a:off x="2962265" y="4647551"/>
+              <a:ext cx="1466859" cy="230512"/>
+            </a:xfrm>
+            <a:prstGeom prst="rect">
+              <a:avLst/>
+            </a:prstGeom>
+          </p:spPr>
+          <p:style>
+            <a:lnRef idx="2">
+              <a:schemeClr val="accent1">
+                <a:shade val="50000"/>
+              </a:schemeClr>
+            </a:lnRef>
+            <a:fillRef idx="1">
+              <a:schemeClr val="accent1"/>
+            </a:fillRef>
+            <a:effectRef idx="0">
+              <a:schemeClr val="accent1"/>
+            </a:effectRef>
+            <a:fontRef idx="minor">
+              <a:schemeClr val="lt1"/>
+            </a:fontRef>
+          </p:style>
+          <p:txBody>
+            <a:bodyPr rtlCol="0" anchor="ctr"/>
+            <a:lstStyle/>
+            <a:p>
+              <a:pPr algn="ctr"/>
+              <a:r>
+                <a:rPr lang="en-US" altLang="ko-KR" sz="900" dirty="0" smtClean="0"/>
+                <a:t>DDS2_profile2</a:t>
+              </a:r>
+              <a:endParaRPr lang="ko-KR" altLang="en-US" sz="900" dirty="0"/>
+            </a:p>
+          </p:txBody>
+        </p:sp>
+        <p:sp>
+          <p:nvSpPr>
+            <p:cNvPr id="138" name="이등변 삼각형 137">
+              <a:extLst>
+                <a:ext uri="{FF2B5EF4-FFF2-40B4-BE49-F238E27FC236}">
+                  <a16:creationId xmlns:a16="http://schemas.microsoft.com/office/drawing/2014/main" id="{57B4922C-1D0D-438A-91EB-02CAE14EEB32}"/>
+                </a:ext>
+              </a:extLst>
+            </p:cNvPr>
+            <p:cNvSpPr/>
+            <p:nvPr/>
+          </p:nvSpPr>
+          <p:spPr>
+            <a:xfrm rot="16200000">
+              <a:off x="4350705" y="4722488"/>
+              <a:ext cx="76200" cy="80638"/>
+            </a:xfrm>
+            <a:prstGeom prst="triangle">
+              <a:avLst/>
+            </a:prstGeom>
+            <a:solidFill>
+              <a:schemeClr val="bg1"/>
+            </a:solidFill>
+          </p:spPr>
+          <p:style>
+            <a:lnRef idx="2">
+              <a:schemeClr val="accent1">
+                <a:shade val="50000"/>
+              </a:schemeClr>
+            </a:lnRef>
+            <a:fillRef idx="1">
+              <a:schemeClr val="accent1"/>
+            </a:fillRef>
+            <a:effectRef idx="0">
+              <a:schemeClr val="accent1"/>
+            </a:effectRef>
+            <a:fontRef idx="minor">
+              <a:schemeClr val="lt1"/>
+            </a:fontRef>
+          </p:style>
+          <p:txBody>
+            <a:bodyPr rtlCol="0" anchor="ctr"/>
+            <a:lstStyle/>
+            <a:p>
+              <a:pPr algn="ctr"/>
+              <a:endParaRPr lang="ko-KR" altLang="en-US"/>
+            </a:p>
+          </p:txBody>
+        </p:sp>
+      </p:grpSp>
+      <p:grpSp>
+        <p:nvGrpSpPr>
+          <p:cNvPr id="139" name="그룹 138">
+            <a:extLst>
+              <a:ext uri="{FF2B5EF4-FFF2-40B4-BE49-F238E27FC236}">
+                <a16:creationId xmlns:a16="http://schemas.microsoft.com/office/drawing/2014/main" id="{FB0CA9BD-EDC7-4CA9-8693-BF2EFC7E8F04}"/>
+              </a:ext>
+            </a:extLst>
+          </p:cNvPr>
+          <p:cNvGrpSpPr/>
+          <p:nvPr/>
+        </p:nvGrpSpPr>
+        <p:grpSpPr>
+          <a:xfrm>
+            <a:off x="9269804" y="3826231"/>
+            <a:ext cx="1466859" cy="230512"/>
+            <a:chOff x="2962265" y="4647551"/>
+            <a:chExt cx="1466859" cy="230512"/>
+          </a:xfrm>
+        </p:grpSpPr>
+        <p:sp>
+          <p:nvSpPr>
+            <p:cNvPr id="140" name="직사각형 139">
+              <a:extLst>
+                <a:ext uri="{FF2B5EF4-FFF2-40B4-BE49-F238E27FC236}">
+                  <a16:creationId xmlns:a16="http://schemas.microsoft.com/office/drawing/2014/main" id="{7556BBA6-E7AE-457F-BB99-28219B8DEB84}"/>
+                </a:ext>
+              </a:extLst>
+            </p:cNvPr>
+            <p:cNvSpPr/>
+            <p:nvPr/>
+          </p:nvSpPr>
+          <p:spPr>
+            <a:xfrm>
+              <a:off x="2962265" y="4647551"/>
+              <a:ext cx="1466859" cy="230512"/>
+            </a:xfrm>
+            <a:prstGeom prst="rect">
+              <a:avLst/>
+            </a:prstGeom>
+          </p:spPr>
+          <p:style>
+            <a:lnRef idx="2">
+              <a:schemeClr val="accent1">
+                <a:shade val="50000"/>
+              </a:schemeClr>
+            </a:lnRef>
+            <a:fillRef idx="1">
+              <a:schemeClr val="accent1"/>
+            </a:fillRef>
+            <a:effectRef idx="0">
+              <a:schemeClr val="accent1"/>
+            </a:effectRef>
+            <a:fontRef idx="minor">
+              <a:schemeClr val="lt1"/>
+            </a:fontRef>
+          </p:style>
+          <p:txBody>
+            <a:bodyPr rtlCol="0" anchor="ctr"/>
+            <a:lstStyle/>
+            <a:p>
+              <a:pPr algn="ctr"/>
+              <a:r>
+                <a:rPr lang="en-US" altLang="ko-KR" sz="900" dirty="0" smtClean="0"/>
+                <a:t>DDS2_profile1</a:t>
+              </a:r>
+              <a:endParaRPr lang="ko-KR" altLang="en-US" sz="900" dirty="0"/>
+            </a:p>
+          </p:txBody>
+        </p:sp>
+        <p:sp>
+          <p:nvSpPr>
+            <p:cNvPr id="141" name="이등변 삼각형 140">
+              <a:extLst>
+                <a:ext uri="{FF2B5EF4-FFF2-40B4-BE49-F238E27FC236}">
+                  <a16:creationId xmlns:a16="http://schemas.microsoft.com/office/drawing/2014/main" id="{D17212F7-23EE-4E43-AF98-5A758AE67187}"/>
+                </a:ext>
+              </a:extLst>
+            </p:cNvPr>
+            <p:cNvSpPr/>
+            <p:nvPr/>
+          </p:nvSpPr>
+          <p:spPr>
+            <a:xfrm rot="16200000">
+              <a:off x="4350705" y="4722488"/>
+              <a:ext cx="76200" cy="80638"/>
+            </a:xfrm>
+            <a:prstGeom prst="triangle">
+              <a:avLst/>
+            </a:prstGeom>
+            <a:solidFill>
+              <a:schemeClr val="bg1"/>
+            </a:solidFill>
+          </p:spPr>
+          <p:style>
+            <a:lnRef idx="2">
+              <a:schemeClr val="accent1">
+                <a:shade val="50000"/>
+              </a:schemeClr>
+            </a:lnRef>
+            <a:fillRef idx="1">
+              <a:schemeClr val="accent1"/>
+            </a:fillRef>
+            <a:effectRef idx="0">
+              <a:schemeClr val="accent1"/>
+            </a:effectRef>
+            <a:fontRef idx="minor">
+              <a:schemeClr val="lt1"/>
+            </a:fontRef>
+          </p:style>
+          <p:txBody>
+            <a:bodyPr rtlCol="0" anchor="ctr"/>
+            <a:lstStyle/>
+            <a:p>
+              <a:pPr algn="ctr"/>
+              <a:endParaRPr lang="ko-KR" altLang="en-US"/>
+            </a:p>
+          </p:txBody>
+        </p:sp>
+      </p:grpSp>
+      <p:cxnSp>
+        <p:nvCxnSpPr>
+          <p:cNvPr id="143" name="연결선: 꺾임 132">
+            <a:extLst>
+              <a:ext uri="{FF2B5EF4-FFF2-40B4-BE49-F238E27FC236}">
+                <a16:creationId xmlns:a16="http://schemas.microsoft.com/office/drawing/2014/main" id="{1F527257-3010-4881-9166-2BBB327507FF}"/>
+              </a:ext>
+            </a:extLst>
+          </p:cNvPr>
+          <p:cNvCxnSpPr>
+            <a:cxnSpLocks/>
+            <a:stCxn id="137" idx="1"/>
+            <a:endCxn id="98" idx="1"/>
+          </p:cNvCxnSpPr>
+          <p:nvPr/>
+        </p:nvCxnSpPr>
+        <p:spPr>
+          <a:xfrm rot="10800000">
+            <a:off x="7358274" y="4255335"/>
+            <a:ext cx="1911531" cy="635"/>
+          </a:xfrm>
+          <a:prstGeom prst="bentConnector3">
+            <a:avLst>
+              <a:gd name="adj1" fmla="val 50000"/>
+            </a:avLst>
+          </a:prstGeom>
+          <a:ln>
+            <a:tailEnd type="triangle"/>
+          </a:ln>
+        </p:spPr>
+        <p:style>
+          <a:lnRef idx="1">
+            <a:schemeClr val="accent1"/>
+          </a:lnRef>
+          <a:fillRef idx="0">
+            <a:schemeClr val="accent1"/>
+          </a:fillRef>
+          <a:effectRef idx="0">
+            <a:schemeClr val="accent1"/>
+          </a:effectRef>
+          <a:fontRef idx="minor">
+            <a:schemeClr val="tx1"/>
+          </a:fontRef>
+        </p:style>
+      </p:cxnSp>
+      <p:sp>
+        <p:nvSpPr>
+          <p:cNvPr id="147" name="화살표: 오각형 88">
+            <a:extLst>
+              <a:ext uri="{FF2B5EF4-FFF2-40B4-BE49-F238E27FC236}">
+                <a16:creationId xmlns:a16="http://schemas.microsoft.com/office/drawing/2014/main" id="{B0706538-2D15-40B7-B597-5E23E79E36E5}"/>
+              </a:ext>
+            </a:extLst>
+          </p:cNvPr>
+          <p:cNvSpPr/>
+          <p:nvPr/>
+        </p:nvSpPr>
+        <p:spPr>
+          <a:xfrm flipH="1">
+            <a:off x="167207" y="3826231"/>
+            <a:ext cx="1082674" cy="228600"/>
+          </a:xfrm>
+          <a:prstGeom prst="homePlate">
+            <a:avLst/>
+          </a:prstGeom>
+          <a:solidFill>
+            <a:srgbClr val="00B050"/>
+          </a:solidFill>
+          <a:ln>
+            <a:solidFill>
+              <a:schemeClr val="accent6">
+                <a:lumMod val="50000"/>
+              </a:schemeClr>
+            </a:solidFill>
+          </a:ln>
+        </p:spPr>
+        <p:style>
+          <a:lnRef idx="2">
+            <a:schemeClr val="accent1">
+              <a:shade val="50000"/>
+            </a:schemeClr>
+          </a:lnRef>
+          <a:fillRef idx="1">
+            <a:schemeClr val="accent1"/>
+          </a:fillRef>
+          <a:effectRef idx="0">
+            <a:schemeClr val="accent1"/>
+          </a:effectRef>
+          <a:fontRef idx="minor">
+            <a:schemeClr val="lt1"/>
+          </a:fontRef>
+        </p:style>
+        <p:txBody>
+          <a:bodyPr rtlCol="0" anchor="ctr"/>
+          <a:lstStyle/>
+          <a:p>
+            <a:pPr algn="ctr"/>
+            <a:r>
+              <a:rPr lang="en-US" altLang="ko-KR" sz="900" dirty="0" smtClean="0"/>
+              <a:t>ja_1</a:t>
+            </a:r>
+            <a:endParaRPr lang="ko-KR" altLang="en-US" sz="900" dirty="0"/>
+          </a:p>
+        </p:txBody>
+      </p:sp>
+      <p:sp>
+        <p:nvSpPr>
+          <p:cNvPr id="149" name="화살표: 오각형 88">
+            <a:extLst>
+              <a:ext uri="{FF2B5EF4-FFF2-40B4-BE49-F238E27FC236}">
+                <a16:creationId xmlns:a16="http://schemas.microsoft.com/office/drawing/2014/main" id="{B0706538-2D15-40B7-B597-5E23E79E36E5}"/>
+              </a:ext>
+            </a:extLst>
+          </p:cNvPr>
+          <p:cNvSpPr/>
+          <p:nvPr/>
+        </p:nvSpPr>
+        <p:spPr>
+          <a:xfrm flipH="1">
+            <a:off x="6275599" y="3829302"/>
+            <a:ext cx="1082674" cy="228600"/>
+          </a:xfrm>
+          <a:prstGeom prst="homePlate">
+            <a:avLst/>
+          </a:prstGeom>
+          <a:solidFill>
+            <a:srgbClr val="00B050"/>
+          </a:solidFill>
+          <a:ln>
+            <a:solidFill>
+              <a:schemeClr val="accent6">
+                <a:lumMod val="50000"/>
+              </a:schemeClr>
+            </a:solidFill>
+          </a:ln>
+        </p:spPr>
+        <p:style>
+          <a:lnRef idx="2">
+            <a:schemeClr val="accent1">
+              <a:shade val="50000"/>
+            </a:schemeClr>
+          </a:lnRef>
+          <a:fillRef idx="1">
+            <a:schemeClr val="accent1"/>
+          </a:fillRef>
+          <a:effectRef idx="0">
+            <a:schemeClr val="accent1"/>
+          </a:effectRef>
+          <a:fontRef idx="minor">
+            <a:schemeClr val="lt1"/>
+          </a:fontRef>
+        </p:style>
+        <p:txBody>
+          <a:bodyPr rtlCol="0" anchor="ctr"/>
+          <a:lstStyle/>
+          <a:p>
+            <a:pPr algn="ctr"/>
+            <a:r>
+              <a:rPr lang="en-US" altLang="ko-KR" sz="900" dirty="0" smtClean="0"/>
+              <a:t>jb_1</a:t>
+            </a:r>
+            <a:endParaRPr lang="ko-KR" altLang="en-US" sz="900" dirty="0"/>
+          </a:p>
+        </p:txBody>
+      </p:sp>
+      <p:sp>
+        <p:nvSpPr>
+          <p:cNvPr id="153" name="화살표: 오각형 19">
+            <a:extLst>
+              <a:ext uri="{FF2B5EF4-FFF2-40B4-BE49-F238E27FC236}">
+                <a16:creationId xmlns:a16="http://schemas.microsoft.com/office/drawing/2014/main" id="{A008D97C-3379-4523-B97C-222E8A35531E}"/>
+              </a:ext>
+            </a:extLst>
+          </p:cNvPr>
+          <p:cNvSpPr/>
+          <p:nvPr/>
+        </p:nvSpPr>
+        <p:spPr>
+          <a:xfrm>
+            <a:off x="167206" y="2885838"/>
+            <a:ext cx="1082676" cy="228600"/>
+          </a:xfrm>
+          <a:prstGeom prst="homePlate">
+            <a:avLst/>
+          </a:prstGeom>
+          <a:solidFill>
+            <a:schemeClr val="accent2">
+              <a:lumMod val="75000"/>
+            </a:schemeClr>
+          </a:solidFill>
+          <a:ln>
+            <a:solidFill>
+              <a:schemeClr val="accent2">
+                <a:lumMod val="50000"/>
+              </a:schemeClr>
+            </a:solidFill>
+          </a:ln>
+        </p:spPr>
+        <p:style>
+          <a:lnRef idx="2">
+            <a:schemeClr val="accent1">
+              <a:shade val="50000"/>
+            </a:schemeClr>
+          </a:lnRef>
+          <a:fillRef idx="1">
+            <a:schemeClr val="accent1"/>
+          </a:fillRef>
+          <a:effectRef idx="0">
+            <a:schemeClr val="accent1"/>
+          </a:effectRef>
+          <a:fontRef idx="minor">
+            <a:schemeClr val="lt1"/>
+          </a:fontRef>
+        </p:style>
+        <p:txBody>
+          <a:bodyPr rtlCol="0" anchor="ctr"/>
+          <a:lstStyle/>
+          <a:p>
+            <a:pPr algn="ctr"/>
+            <a:r>
+              <a:rPr lang="en-US" altLang="ko-KR" sz="900" dirty="0" smtClean="0"/>
+              <a:t>ja_4</a:t>
+            </a:r>
+            <a:endParaRPr lang="ko-KR" altLang="en-US" sz="900" dirty="0"/>
+          </a:p>
+        </p:txBody>
+      </p:sp>
+      <p:sp>
+        <p:nvSpPr>
+          <p:cNvPr id="155" name="직사각형 154">
+            <a:extLst>
+              <a:ext uri="{FF2B5EF4-FFF2-40B4-BE49-F238E27FC236}">
+                <a16:creationId xmlns:a16="http://schemas.microsoft.com/office/drawing/2014/main" id="{A536BC31-ED89-41E7-8828-96F4A2C5769F}"/>
+              </a:ext>
+            </a:extLst>
+          </p:cNvPr>
+          <p:cNvSpPr/>
+          <p:nvPr/>
+        </p:nvSpPr>
+        <p:spPr>
+          <a:xfrm>
+            <a:off x="3161414" y="2885391"/>
+            <a:ext cx="1466859" cy="230512"/>
+          </a:xfrm>
+          <a:prstGeom prst="rect">
+            <a:avLst/>
+          </a:prstGeom>
+        </p:spPr>
+        <p:style>
+          <a:lnRef idx="2">
+            <a:schemeClr val="accent1">
+              <a:shade val="50000"/>
+            </a:schemeClr>
+          </a:lnRef>
+          <a:fillRef idx="1">
+            <a:schemeClr val="accent1"/>
+          </a:fillRef>
+          <a:effectRef idx="0">
+            <a:schemeClr val="accent1"/>
+          </a:effectRef>
+          <a:fontRef idx="minor">
+            <a:schemeClr val="lt1"/>
+          </a:fontRef>
+        </p:style>
+        <p:txBody>
+          <a:bodyPr rtlCol="0" anchor="ctr"/>
+          <a:lstStyle/>
+          <a:p>
+            <a:pPr algn="ctr"/>
+            <a:r>
+              <a:rPr lang="en-US" altLang="ko-KR" sz="900" dirty="0"/>
+              <a:t>DDS1_PDCLK</a:t>
+            </a:r>
+            <a:endParaRPr lang="ko-KR" altLang="en-US" sz="900" dirty="0"/>
+          </a:p>
+        </p:txBody>
+      </p:sp>
+      <p:cxnSp>
+        <p:nvCxnSpPr>
+          <p:cNvPr id="156" name="연결선: 꺾임 113">
+            <a:extLst>
+              <a:ext uri="{FF2B5EF4-FFF2-40B4-BE49-F238E27FC236}">
+                <a16:creationId xmlns:a16="http://schemas.microsoft.com/office/drawing/2014/main" id="{6D80F142-1E93-4DD4-B130-00FB4DE60274}"/>
+              </a:ext>
+            </a:extLst>
+          </p:cNvPr>
+          <p:cNvCxnSpPr>
+            <a:stCxn id="153" idx="3"/>
+            <a:endCxn id="155" idx="1"/>
+          </p:cNvCxnSpPr>
+          <p:nvPr/>
+        </p:nvCxnSpPr>
+        <p:spPr>
+          <a:xfrm>
+            <a:off x="1249882" y="3000138"/>
+            <a:ext cx="1911532" cy="509"/>
+          </a:xfrm>
+          <a:prstGeom prst="bentConnector3">
+            <a:avLst>
+              <a:gd name="adj1" fmla="val 50000"/>
+            </a:avLst>
+          </a:prstGeom>
+          <a:ln>
+            <a:tailEnd type="triangle"/>
+          </a:ln>
+        </p:spPr>
+        <p:style>
+          <a:lnRef idx="1">
+            <a:schemeClr val="accent1"/>
+          </a:lnRef>
+          <a:fillRef idx="0">
+            <a:schemeClr val="accent1"/>
+          </a:fillRef>
+          <a:effectRef idx="0">
+            <a:schemeClr val="accent1"/>
+          </a:effectRef>
+          <a:fontRef idx="minor">
+            <a:schemeClr val="tx1"/>
+          </a:fontRef>
+        </p:style>
+      </p:cxnSp>
+    </p:spTree>
+    <p:extLst>
+      <p:ext uri="{BB962C8B-B14F-4D97-AF65-F5344CB8AC3E}">
+        <p14:creationId xmlns:p14="http://schemas.microsoft.com/office/powerpoint/2010/main" val="2889276671"/>
+      </p:ext>
+    </p:extLst>
+  </p:cSld>
+  <p:clrMapOvr>
+    <a:masterClrMapping/>
+  </p:clrMapOvr>
+</p:sld>
+</file>
+
+<file path=ppt/slides/slide16.xml><?xml version="1.0" encoding="utf-8"?>
+<p:sld xmlns:a="http://schemas.openxmlformats.org/drawingml/2006/main" xmlns:r="http://schemas.openxmlformats.org/officeDocument/2006/relationships" xmlns:p="http://schemas.openxmlformats.org/presentationml/2006/main">
+  <p:cSld>
+    <p:spTree>
+      <p:nvGrpSpPr>
+        <p:cNvPr id="1" name=""/>
+        <p:cNvGrpSpPr/>
+        <p:nvPr/>
+      </p:nvGrpSpPr>
+      <p:grpSpPr>
+        <a:xfrm>
+          <a:off x="0" y="0"/>
+          <a:ext cx="0" cy="0"/>
+          <a:chOff x="0" y="0"/>
+          <a:chExt cx="0" cy="0"/>
+        </a:xfrm>
+      </p:grpSpPr>
+      <p:sp>
+        <p:nvSpPr>
+          <p:cNvPr id="20" name="화살표: 오각형 28">
+            <a:extLst>
+              <a:ext uri="{FF2B5EF4-FFF2-40B4-BE49-F238E27FC236}">
+                <a16:creationId xmlns:a16="http://schemas.microsoft.com/office/drawing/2014/main" id="{21977EC2-BB54-4CC9-B5D3-847FB872C316}"/>
+              </a:ext>
+            </a:extLst>
+          </p:cNvPr>
+          <p:cNvSpPr/>
+          <p:nvPr/>
+        </p:nvSpPr>
+        <p:spPr>
+          <a:xfrm flipH="1">
+            <a:off x="933447" y="1733550"/>
+            <a:ext cx="1082674" cy="228600"/>
+          </a:xfrm>
+          <a:prstGeom prst="homePlate">
+            <a:avLst/>
+          </a:prstGeom>
+          <a:solidFill>
+            <a:srgbClr val="00B050"/>
+          </a:solidFill>
+          <a:ln>
+            <a:solidFill>
+              <a:schemeClr val="accent6">
+                <a:lumMod val="50000"/>
+              </a:schemeClr>
+            </a:solidFill>
+          </a:ln>
+        </p:spPr>
+        <p:style>
+          <a:lnRef idx="2">
+            <a:schemeClr val="accent1">
+              <a:shade val="50000"/>
+            </a:schemeClr>
+          </a:lnRef>
+          <a:fillRef idx="1">
+            <a:schemeClr val="accent1"/>
+          </a:fillRef>
+          <a:effectRef idx="0">
+            <a:schemeClr val="accent1"/>
+          </a:effectRef>
+          <a:fontRef idx="minor">
+            <a:schemeClr val="lt1"/>
+          </a:fontRef>
+        </p:style>
+        <p:txBody>
+          <a:bodyPr rtlCol="0" anchor="ctr"/>
+          <a:lstStyle/>
+          <a:p>
+            <a:pPr algn="ctr"/>
+            <a:r>
+              <a:rPr lang="en-US" altLang="ko-KR" sz="900" dirty="0" smtClean="0"/>
+              <a:t>jc_7</a:t>
+            </a:r>
+            <a:endParaRPr lang="ko-KR" altLang="en-US" sz="900" dirty="0"/>
+          </a:p>
+        </p:txBody>
+      </p:sp>
+      <p:sp>
+        <p:nvSpPr>
+          <p:cNvPr id="21" name="화살표: 오각형 29">
+            <a:extLst>
+              <a:ext uri="{FF2B5EF4-FFF2-40B4-BE49-F238E27FC236}">
+                <a16:creationId xmlns:a16="http://schemas.microsoft.com/office/drawing/2014/main" id="{BF276F09-9E70-4A52-BFA2-B606D6A39245}"/>
+              </a:ext>
+            </a:extLst>
+          </p:cNvPr>
+          <p:cNvSpPr/>
+          <p:nvPr/>
+        </p:nvSpPr>
+        <p:spPr>
+          <a:xfrm flipH="1">
+            <a:off x="933447" y="2047875"/>
+            <a:ext cx="1082674" cy="228600"/>
+          </a:xfrm>
+          <a:prstGeom prst="homePlate">
+            <a:avLst/>
+          </a:prstGeom>
+          <a:solidFill>
+            <a:srgbClr val="00B050"/>
+          </a:solidFill>
+          <a:ln>
+            <a:solidFill>
+              <a:schemeClr val="accent6">
+                <a:lumMod val="50000"/>
+              </a:schemeClr>
+            </a:solidFill>
+          </a:ln>
+        </p:spPr>
+        <p:style>
+          <a:lnRef idx="2">
+            <a:schemeClr val="accent1">
+              <a:shade val="50000"/>
+            </a:schemeClr>
+          </a:lnRef>
+          <a:fillRef idx="1">
+            <a:schemeClr val="accent1"/>
+          </a:fillRef>
+          <a:effectRef idx="0">
+            <a:schemeClr val="accent1"/>
+          </a:effectRef>
+          <a:fontRef idx="minor">
+            <a:schemeClr val="lt1"/>
+          </a:fontRef>
+        </p:style>
+        <p:txBody>
+          <a:bodyPr rtlCol="0" anchor="ctr"/>
+          <a:lstStyle/>
+          <a:p>
+            <a:pPr algn="ctr"/>
+            <a:r>
+              <a:rPr lang="en-US" altLang="ko-KR" sz="900" dirty="0" smtClean="0"/>
+              <a:t>jc_6</a:t>
+            </a:r>
+            <a:endParaRPr lang="ko-KR" altLang="en-US" sz="900" dirty="0"/>
+          </a:p>
+        </p:txBody>
+      </p:sp>
+      <p:sp>
+        <p:nvSpPr>
+          <p:cNvPr id="22" name="화살표: 오각형 30">
+            <a:extLst>
+              <a:ext uri="{FF2B5EF4-FFF2-40B4-BE49-F238E27FC236}">
+                <a16:creationId xmlns:a16="http://schemas.microsoft.com/office/drawing/2014/main" id="{3284CBBC-3012-42C6-B508-21B64DE50BC0}"/>
+              </a:ext>
+            </a:extLst>
+          </p:cNvPr>
+          <p:cNvSpPr/>
+          <p:nvPr/>
+        </p:nvSpPr>
+        <p:spPr>
+          <a:xfrm flipH="1">
+            <a:off x="933447" y="2362200"/>
+            <a:ext cx="1082674" cy="228600"/>
+          </a:xfrm>
+          <a:prstGeom prst="homePlate">
+            <a:avLst/>
+          </a:prstGeom>
+          <a:solidFill>
+            <a:srgbClr val="00B050"/>
+          </a:solidFill>
+          <a:ln>
+            <a:solidFill>
+              <a:schemeClr val="accent6">
+                <a:lumMod val="50000"/>
+              </a:schemeClr>
+            </a:solidFill>
+          </a:ln>
+        </p:spPr>
+        <p:style>
+          <a:lnRef idx="2">
+            <a:schemeClr val="accent1">
+              <a:shade val="50000"/>
+            </a:schemeClr>
+          </a:lnRef>
+          <a:fillRef idx="1">
+            <a:schemeClr val="accent1"/>
+          </a:fillRef>
+          <a:effectRef idx="0">
+            <a:schemeClr val="accent1"/>
+          </a:effectRef>
+          <a:fontRef idx="minor">
+            <a:schemeClr val="lt1"/>
+          </a:fontRef>
+        </p:style>
+        <p:txBody>
+          <a:bodyPr rtlCol="0" anchor="ctr"/>
+          <a:lstStyle/>
+          <a:p>
+            <a:pPr algn="ctr"/>
+            <a:r>
+              <a:rPr lang="en-US" altLang="ko-KR" sz="900" dirty="0" smtClean="0"/>
+              <a:t>jc_5</a:t>
+            </a:r>
+            <a:endParaRPr lang="ko-KR" altLang="en-US" sz="900" dirty="0"/>
+          </a:p>
+        </p:txBody>
+      </p:sp>
+      <p:sp>
+        <p:nvSpPr>
+          <p:cNvPr id="23" name="화살표: 오각형 31">
+            <a:extLst>
+              <a:ext uri="{FF2B5EF4-FFF2-40B4-BE49-F238E27FC236}">
+                <a16:creationId xmlns:a16="http://schemas.microsoft.com/office/drawing/2014/main" id="{2526E9E9-565E-4AA3-A4CF-72790C415824}"/>
+              </a:ext>
+            </a:extLst>
+          </p:cNvPr>
+          <p:cNvSpPr/>
+          <p:nvPr/>
+        </p:nvSpPr>
+        <p:spPr>
+          <a:xfrm flipH="1">
+            <a:off x="933447" y="2676525"/>
+            <a:ext cx="1082674" cy="228600"/>
+          </a:xfrm>
+          <a:prstGeom prst="homePlate">
+            <a:avLst/>
+          </a:prstGeom>
+          <a:solidFill>
+            <a:srgbClr val="00B050"/>
+          </a:solidFill>
+          <a:ln>
+            <a:solidFill>
+              <a:schemeClr val="accent6">
+                <a:lumMod val="50000"/>
+              </a:schemeClr>
+            </a:solidFill>
+          </a:ln>
+        </p:spPr>
+        <p:style>
+          <a:lnRef idx="2">
+            <a:schemeClr val="accent1">
+              <a:shade val="50000"/>
+            </a:schemeClr>
+          </a:lnRef>
+          <a:fillRef idx="1">
+            <a:schemeClr val="accent1"/>
+          </a:fillRef>
+          <a:effectRef idx="0">
+            <a:schemeClr val="accent1"/>
+          </a:effectRef>
+          <a:fontRef idx="minor">
+            <a:schemeClr val="lt1"/>
+          </a:fontRef>
+        </p:style>
+        <p:txBody>
+          <a:bodyPr rtlCol="0" anchor="ctr"/>
+          <a:lstStyle/>
+          <a:p>
+            <a:pPr algn="ctr"/>
+            <a:r>
+              <a:rPr lang="en-US" altLang="ko-KR" sz="900" dirty="0" smtClean="0"/>
+              <a:t>jc_4</a:t>
+            </a:r>
+            <a:endParaRPr lang="ko-KR" altLang="en-US" sz="900" dirty="0"/>
+          </a:p>
+        </p:txBody>
+      </p:sp>
+      <p:sp>
+        <p:nvSpPr>
+          <p:cNvPr id="24" name="화살표: 오각형 32">
+            <a:extLst>
+              <a:ext uri="{FF2B5EF4-FFF2-40B4-BE49-F238E27FC236}">
+                <a16:creationId xmlns:a16="http://schemas.microsoft.com/office/drawing/2014/main" id="{630D191C-CB4F-4A13-967C-D3B8870A2E1D}"/>
+              </a:ext>
+            </a:extLst>
+          </p:cNvPr>
+          <p:cNvSpPr/>
+          <p:nvPr/>
+        </p:nvSpPr>
+        <p:spPr>
+          <a:xfrm flipH="1">
+            <a:off x="933447" y="2990850"/>
+            <a:ext cx="1082674" cy="228600"/>
+          </a:xfrm>
+          <a:prstGeom prst="homePlate">
+            <a:avLst/>
+          </a:prstGeom>
+          <a:solidFill>
+            <a:srgbClr val="00B050"/>
+          </a:solidFill>
+          <a:ln>
+            <a:solidFill>
+              <a:schemeClr val="accent6">
+                <a:lumMod val="50000"/>
+              </a:schemeClr>
+            </a:solidFill>
+          </a:ln>
+        </p:spPr>
+        <p:style>
+          <a:lnRef idx="2">
+            <a:schemeClr val="accent1">
+              <a:shade val="50000"/>
+            </a:schemeClr>
+          </a:lnRef>
+          <a:fillRef idx="1">
+            <a:schemeClr val="accent1"/>
+          </a:fillRef>
+          <a:effectRef idx="0">
+            <a:schemeClr val="accent1"/>
+          </a:effectRef>
+          <a:fontRef idx="minor">
+            <a:schemeClr val="lt1"/>
+          </a:fontRef>
+        </p:style>
+        <p:txBody>
+          <a:bodyPr rtlCol="0" anchor="ctr"/>
+          <a:lstStyle/>
+          <a:p>
+            <a:pPr algn="ctr"/>
+            <a:r>
+              <a:rPr lang="en-US" altLang="ko-KR" sz="900" dirty="0" smtClean="0"/>
+              <a:t>jc_3</a:t>
+            </a:r>
+            <a:endParaRPr lang="ko-KR" altLang="en-US" sz="900" dirty="0"/>
+          </a:p>
+        </p:txBody>
+      </p:sp>
+      <p:sp>
+        <p:nvSpPr>
+          <p:cNvPr id="25" name="화살표: 오각형 33">
+            <a:extLst>
+              <a:ext uri="{FF2B5EF4-FFF2-40B4-BE49-F238E27FC236}">
+                <a16:creationId xmlns:a16="http://schemas.microsoft.com/office/drawing/2014/main" id="{CF1A7DF3-B1C5-40FE-968E-5084EF5C1004}"/>
+              </a:ext>
+            </a:extLst>
+          </p:cNvPr>
+          <p:cNvSpPr/>
+          <p:nvPr/>
+        </p:nvSpPr>
+        <p:spPr>
+          <a:xfrm flipH="1">
+            <a:off x="933447" y="3305175"/>
+            <a:ext cx="1082674" cy="228600"/>
+          </a:xfrm>
+          <a:prstGeom prst="homePlate">
+            <a:avLst/>
+          </a:prstGeom>
+          <a:solidFill>
+            <a:srgbClr val="00B050"/>
+          </a:solidFill>
+          <a:ln>
+            <a:solidFill>
+              <a:schemeClr val="accent6">
+                <a:lumMod val="50000"/>
+              </a:schemeClr>
+            </a:solidFill>
+          </a:ln>
+        </p:spPr>
+        <p:style>
+          <a:lnRef idx="2">
+            <a:schemeClr val="accent1">
+              <a:shade val="50000"/>
+            </a:schemeClr>
+          </a:lnRef>
+          <a:fillRef idx="1">
+            <a:schemeClr val="accent1"/>
+          </a:fillRef>
+          <a:effectRef idx="0">
+            <a:schemeClr val="accent1"/>
+          </a:effectRef>
+          <a:fontRef idx="minor">
+            <a:schemeClr val="lt1"/>
+          </a:fontRef>
+        </p:style>
+        <p:txBody>
+          <a:bodyPr rtlCol="0" anchor="ctr"/>
+          <a:lstStyle/>
+          <a:p>
+            <a:pPr algn="ctr"/>
+            <a:r>
+              <a:rPr lang="en-US" altLang="ko-KR" sz="900" dirty="0" smtClean="0"/>
+              <a:t>jc_2</a:t>
+            </a:r>
+            <a:endParaRPr lang="ko-KR" altLang="en-US" sz="900" dirty="0"/>
+          </a:p>
+        </p:txBody>
+      </p:sp>
+      <p:sp>
+        <p:nvSpPr>
+          <p:cNvPr id="26" name="화살표: 오각형 34">
+            <a:extLst>
+              <a:ext uri="{FF2B5EF4-FFF2-40B4-BE49-F238E27FC236}">
+                <a16:creationId xmlns:a16="http://schemas.microsoft.com/office/drawing/2014/main" id="{38DB0207-50F4-4BD3-9E83-3109EFAE4650}"/>
+              </a:ext>
+            </a:extLst>
+          </p:cNvPr>
+          <p:cNvSpPr/>
+          <p:nvPr/>
+        </p:nvSpPr>
+        <p:spPr>
+          <a:xfrm flipH="1">
+            <a:off x="933447" y="3619500"/>
+            <a:ext cx="1082674" cy="228600"/>
+          </a:xfrm>
+          <a:prstGeom prst="homePlate">
+            <a:avLst/>
+          </a:prstGeom>
+          <a:solidFill>
+            <a:srgbClr val="00B050"/>
+          </a:solidFill>
+          <a:ln>
+            <a:solidFill>
+              <a:schemeClr val="accent6">
+                <a:lumMod val="50000"/>
+              </a:schemeClr>
+            </a:solidFill>
+          </a:ln>
+        </p:spPr>
+        <p:style>
+          <a:lnRef idx="2">
+            <a:schemeClr val="accent1">
+              <a:shade val="50000"/>
+            </a:schemeClr>
+          </a:lnRef>
+          <a:fillRef idx="1">
+            <a:schemeClr val="accent1"/>
+          </a:fillRef>
+          <a:effectRef idx="0">
+            <a:schemeClr val="accent1"/>
+          </a:effectRef>
+          <a:fontRef idx="minor">
+            <a:schemeClr val="lt1"/>
+          </a:fontRef>
+        </p:style>
+        <p:txBody>
+          <a:bodyPr rtlCol="0" anchor="ctr"/>
+          <a:lstStyle/>
+          <a:p>
+            <a:pPr algn="ctr"/>
+            <a:r>
+              <a:rPr lang="en-US" altLang="ko-KR" sz="900" dirty="0" smtClean="0"/>
+              <a:t>jc_1</a:t>
+            </a:r>
+            <a:endParaRPr lang="ko-KR" altLang="en-US" sz="900" dirty="0"/>
+          </a:p>
+        </p:txBody>
+      </p:sp>
+      <p:sp>
+        <p:nvSpPr>
+          <p:cNvPr id="27" name="화살표: 오각형 35">
+            <a:extLst>
+              <a:ext uri="{FF2B5EF4-FFF2-40B4-BE49-F238E27FC236}">
+                <a16:creationId xmlns:a16="http://schemas.microsoft.com/office/drawing/2014/main" id="{DA7403E3-EAD3-4DEE-9C34-436F967C0442}"/>
+              </a:ext>
+            </a:extLst>
+          </p:cNvPr>
+          <p:cNvSpPr/>
+          <p:nvPr/>
+        </p:nvSpPr>
+        <p:spPr>
+          <a:xfrm flipH="1">
+            <a:off x="933447" y="3933825"/>
+            <a:ext cx="1082674" cy="228600"/>
+          </a:xfrm>
+          <a:prstGeom prst="homePlate">
+            <a:avLst/>
+          </a:prstGeom>
+          <a:solidFill>
+            <a:srgbClr val="00B050"/>
+          </a:solidFill>
+          <a:ln>
+            <a:solidFill>
+              <a:schemeClr val="accent6">
+                <a:lumMod val="50000"/>
+              </a:schemeClr>
+            </a:solidFill>
+          </a:ln>
+        </p:spPr>
+        <p:style>
+          <a:lnRef idx="2">
+            <a:schemeClr val="accent1">
+              <a:shade val="50000"/>
+            </a:schemeClr>
+          </a:lnRef>
+          <a:fillRef idx="1">
+            <a:schemeClr val="accent1"/>
+          </a:fillRef>
+          <a:effectRef idx="0">
+            <a:schemeClr val="accent1"/>
+          </a:effectRef>
+          <a:fontRef idx="minor">
+            <a:schemeClr val="lt1"/>
+          </a:fontRef>
+        </p:style>
+        <p:txBody>
+          <a:bodyPr rtlCol="0" anchor="ctr"/>
+          <a:lstStyle/>
+          <a:p>
+            <a:pPr algn="ctr"/>
+            <a:r>
+              <a:rPr lang="en-US" altLang="ko-KR" sz="900" dirty="0" smtClean="0"/>
+              <a:t>jc_0</a:t>
+            </a:r>
+            <a:endParaRPr lang="ko-KR" altLang="en-US" sz="900" dirty="0"/>
+          </a:p>
+        </p:txBody>
+      </p:sp>
+      <p:sp>
+        <p:nvSpPr>
+          <p:cNvPr id="28" name="화살표: 오각형 28">
+            <a:extLst>
+              <a:ext uri="{FF2B5EF4-FFF2-40B4-BE49-F238E27FC236}">
+                <a16:creationId xmlns:a16="http://schemas.microsoft.com/office/drawing/2014/main" id="{21977EC2-BB54-4CC9-B5D3-847FB872C316}"/>
+              </a:ext>
+            </a:extLst>
+          </p:cNvPr>
+          <p:cNvSpPr/>
+          <p:nvPr/>
+        </p:nvSpPr>
+        <p:spPr>
+          <a:xfrm flipH="1">
+            <a:off x="933447" y="4286250"/>
+            <a:ext cx="1082674" cy="228600"/>
+          </a:xfrm>
+          <a:prstGeom prst="homePlate">
+            <a:avLst/>
+          </a:prstGeom>
+          <a:solidFill>
+            <a:srgbClr val="00B050"/>
+          </a:solidFill>
+          <a:ln>
+            <a:solidFill>
+              <a:schemeClr val="accent6">
+                <a:lumMod val="50000"/>
+              </a:schemeClr>
+            </a:solidFill>
+          </a:ln>
+        </p:spPr>
+        <p:style>
+          <a:lnRef idx="2">
+            <a:schemeClr val="accent1">
+              <a:shade val="50000"/>
+            </a:schemeClr>
+          </a:lnRef>
+          <a:fillRef idx="1">
+            <a:schemeClr val="accent1"/>
+          </a:fillRef>
+          <a:effectRef idx="0">
+            <a:schemeClr val="accent1"/>
+          </a:effectRef>
+          <a:fontRef idx="minor">
+            <a:schemeClr val="lt1"/>
+          </a:fontRef>
+        </p:style>
+        <p:txBody>
+          <a:bodyPr rtlCol="0" anchor="ctr"/>
+          <a:lstStyle/>
+          <a:p>
+            <a:pPr algn="ctr"/>
+            <a:r>
+              <a:rPr lang="en-US" altLang="ko-KR" sz="900" dirty="0" smtClean="0"/>
+              <a:t>jd_7</a:t>
+            </a:r>
+            <a:endParaRPr lang="ko-KR" altLang="en-US" sz="900" dirty="0"/>
+          </a:p>
+        </p:txBody>
+      </p:sp>
+      <p:sp>
+        <p:nvSpPr>
+          <p:cNvPr id="29" name="화살표: 오각형 29">
+            <a:extLst>
+              <a:ext uri="{FF2B5EF4-FFF2-40B4-BE49-F238E27FC236}">
+                <a16:creationId xmlns:a16="http://schemas.microsoft.com/office/drawing/2014/main" id="{BF276F09-9E70-4A52-BFA2-B606D6A39245}"/>
+              </a:ext>
+            </a:extLst>
+          </p:cNvPr>
+          <p:cNvSpPr/>
+          <p:nvPr/>
+        </p:nvSpPr>
+        <p:spPr>
+          <a:xfrm flipH="1">
+            <a:off x="933447" y="4600575"/>
+            <a:ext cx="1082674" cy="228600"/>
+          </a:xfrm>
+          <a:prstGeom prst="homePlate">
+            <a:avLst/>
+          </a:prstGeom>
+          <a:solidFill>
+            <a:srgbClr val="00B050"/>
+          </a:solidFill>
+          <a:ln>
+            <a:solidFill>
+              <a:schemeClr val="accent6">
+                <a:lumMod val="50000"/>
+              </a:schemeClr>
+            </a:solidFill>
+          </a:ln>
+        </p:spPr>
+        <p:style>
+          <a:lnRef idx="2">
+            <a:schemeClr val="accent1">
+              <a:shade val="50000"/>
+            </a:schemeClr>
+          </a:lnRef>
+          <a:fillRef idx="1">
+            <a:schemeClr val="accent1"/>
+          </a:fillRef>
+          <a:effectRef idx="0">
+            <a:schemeClr val="accent1"/>
+          </a:effectRef>
+          <a:fontRef idx="minor">
+            <a:schemeClr val="lt1"/>
+          </a:fontRef>
+        </p:style>
+        <p:txBody>
+          <a:bodyPr rtlCol="0" anchor="ctr"/>
+          <a:lstStyle/>
+          <a:p>
+            <a:pPr algn="ctr"/>
+            <a:r>
+              <a:rPr lang="en-US" altLang="ko-KR" sz="900" dirty="0" smtClean="0"/>
+              <a:t>jd_6</a:t>
+            </a:r>
+            <a:endParaRPr lang="ko-KR" altLang="en-US" sz="900" dirty="0"/>
+          </a:p>
+        </p:txBody>
+      </p:sp>
+      <p:sp>
+        <p:nvSpPr>
+          <p:cNvPr id="30" name="화살표: 오각형 30">
+            <a:extLst>
+              <a:ext uri="{FF2B5EF4-FFF2-40B4-BE49-F238E27FC236}">
+                <a16:creationId xmlns:a16="http://schemas.microsoft.com/office/drawing/2014/main" id="{3284CBBC-3012-42C6-B508-21B64DE50BC0}"/>
+              </a:ext>
+            </a:extLst>
+          </p:cNvPr>
+          <p:cNvSpPr/>
+          <p:nvPr/>
+        </p:nvSpPr>
+        <p:spPr>
+          <a:xfrm flipH="1">
+            <a:off x="933447" y="4914900"/>
+            <a:ext cx="1082674" cy="228600"/>
+          </a:xfrm>
+          <a:prstGeom prst="homePlate">
+            <a:avLst/>
+          </a:prstGeom>
+          <a:solidFill>
+            <a:srgbClr val="00B050"/>
+          </a:solidFill>
+          <a:ln>
+            <a:solidFill>
+              <a:schemeClr val="accent6">
+                <a:lumMod val="50000"/>
+              </a:schemeClr>
+            </a:solidFill>
+          </a:ln>
+        </p:spPr>
+        <p:style>
+          <a:lnRef idx="2">
+            <a:schemeClr val="accent1">
+              <a:shade val="50000"/>
+            </a:schemeClr>
+          </a:lnRef>
+          <a:fillRef idx="1">
+            <a:schemeClr val="accent1"/>
+          </a:fillRef>
+          <a:effectRef idx="0">
+            <a:schemeClr val="accent1"/>
+          </a:effectRef>
+          <a:fontRef idx="minor">
+            <a:schemeClr val="lt1"/>
+          </a:fontRef>
+        </p:style>
+        <p:txBody>
+          <a:bodyPr rtlCol="0" anchor="ctr"/>
+          <a:lstStyle/>
+          <a:p>
+            <a:pPr algn="ctr"/>
+            <a:r>
+              <a:rPr lang="en-US" altLang="ko-KR" sz="900" dirty="0" smtClean="0"/>
+              <a:t>jd_5</a:t>
+            </a:r>
+            <a:endParaRPr lang="ko-KR" altLang="en-US" sz="900" dirty="0"/>
+          </a:p>
+        </p:txBody>
+      </p:sp>
+      <p:sp>
+        <p:nvSpPr>
+          <p:cNvPr id="31" name="화살표: 오각형 31">
+            <a:extLst>
+              <a:ext uri="{FF2B5EF4-FFF2-40B4-BE49-F238E27FC236}">
+                <a16:creationId xmlns:a16="http://schemas.microsoft.com/office/drawing/2014/main" id="{2526E9E9-565E-4AA3-A4CF-72790C415824}"/>
+              </a:ext>
+            </a:extLst>
+          </p:cNvPr>
+          <p:cNvSpPr/>
+          <p:nvPr/>
+        </p:nvSpPr>
+        <p:spPr>
+          <a:xfrm flipH="1">
+            <a:off x="933447" y="5229225"/>
+            <a:ext cx="1082674" cy="228600"/>
+          </a:xfrm>
+          <a:prstGeom prst="homePlate">
+            <a:avLst/>
+          </a:prstGeom>
+          <a:solidFill>
+            <a:srgbClr val="00B050"/>
+          </a:solidFill>
+          <a:ln>
+            <a:solidFill>
+              <a:schemeClr val="accent6">
+                <a:lumMod val="50000"/>
+              </a:schemeClr>
+            </a:solidFill>
+          </a:ln>
+        </p:spPr>
+        <p:style>
+          <a:lnRef idx="2">
+            <a:schemeClr val="accent1">
+              <a:shade val="50000"/>
+            </a:schemeClr>
+          </a:lnRef>
+          <a:fillRef idx="1">
+            <a:schemeClr val="accent1"/>
+          </a:fillRef>
+          <a:effectRef idx="0">
+            <a:schemeClr val="accent1"/>
+          </a:effectRef>
+          <a:fontRef idx="minor">
+            <a:schemeClr val="lt1"/>
+          </a:fontRef>
+        </p:style>
+        <p:txBody>
+          <a:bodyPr rtlCol="0" anchor="ctr"/>
+          <a:lstStyle/>
+          <a:p>
+            <a:pPr algn="ctr"/>
+            <a:r>
+              <a:rPr lang="en-US" altLang="ko-KR" sz="900" dirty="0" smtClean="0"/>
+              <a:t>jd_4</a:t>
+            </a:r>
+            <a:endParaRPr lang="ko-KR" altLang="en-US" sz="900" dirty="0"/>
+          </a:p>
+        </p:txBody>
+      </p:sp>
+      <p:sp>
+        <p:nvSpPr>
+          <p:cNvPr id="32" name="화살표: 오각형 32">
+            <a:extLst>
+              <a:ext uri="{FF2B5EF4-FFF2-40B4-BE49-F238E27FC236}">
+                <a16:creationId xmlns:a16="http://schemas.microsoft.com/office/drawing/2014/main" id="{630D191C-CB4F-4A13-967C-D3B8870A2E1D}"/>
+              </a:ext>
+            </a:extLst>
+          </p:cNvPr>
+          <p:cNvSpPr/>
+          <p:nvPr/>
+        </p:nvSpPr>
+        <p:spPr>
+          <a:xfrm flipH="1">
+            <a:off x="933447" y="5543550"/>
+            <a:ext cx="1082674" cy="228600"/>
+          </a:xfrm>
+          <a:prstGeom prst="homePlate">
+            <a:avLst/>
+          </a:prstGeom>
+          <a:solidFill>
+            <a:srgbClr val="00B050"/>
+          </a:solidFill>
+          <a:ln>
+            <a:solidFill>
+              <a:schemeClr val="accent6">
+                <a:lumMod val="50000"/>
+              </a:schemeClr>
+            </a:solidFill>
+          </a:ln>
+        </p:spPr>
+        <p:style>
+          <a:lnRef idx="2">
+            <a:schemeClr val="accent1">
+              <a:shade val="50000"/>
+            </a:schemeClr>
+          </a:lnRef>
+          <a:fillRef idx="1">
+            <a:schemeClr val="accent1"/>
+          </a:fillRef>
+          <a:effectRef idx="0">
+            <a:schemeClr val="accent1"/>
+          </a:effectRef>
+          <a:fontRef idx="minor">
+            <a:schemeClr val="lt1"/>
+          </a:fontRef>
+        </p:style>
+        <p:txBody>
+          <a:bodyPr rtlCol="0" anchor="ctr"/>
+          <a:lstStyle/>
+          <a:p>
+            <a:pPr algn="ctr"/>
+            <a:r>
+              <a:rPr lang="en-US" altLang="ko-KR" sz="900" dirty="0" smtClean="0"/>
+              <a:t>jd_3</a:t>
+            </a:r>
+            <a:endParaRPr lang="ko-KR" altLang="en-US" sz="900" dirty="0"/>
+          </a:p>
+        </p:txBody>
+      </p:sp>
+      <p:sp>
+        <p:nvSpPr>
+          <p:cNvPr id="33" name="화살표: 오각형 33">
+            <a:extLst>
+              <a:ext uri="{FF2B5EF4-FFF2-40B4-BE49-F238E27FC236}">
+                <a16:creationId xmlns:a16="http://schemas.microsoft.com/office/drawing/2014/main" id="{CF1A7DF3-B1C5-40FE-968E-5084EF5C1004}"/>
+              </a:ext>
+            </a:extLst>
+          </p:cNvPr>
+          <p:cNvSpPr/>
+          <p:nvPr/>
+        </p:nvSpPr>
+        <p:spPr>
+          <a:xfrm flipH="1">
+            <a:off x="933447" y="5857875"/>
+            <a:ext cx="1082674" cy="228600"/>
+          </a:xfrm>
+          <a:prstGeom prst="homePlate">
+            <a:avLst/>
+          </a:prstGeom>
+          <a:solidFill>
+            <a:srgbClr val="00B050"/>
+          </a:solidFill>
+          <a:ln>
+            <a:solidFill>
+              <a:schemeClr val="accent6">
+                <a:lumMod val="50000"/>
+              </a:schemeClr>
+            </a:solidFill>
+          </a:ln>
+        </p:spPr>
+        <p:style>
+          <a:lnRef idx="2">
+            <a:schemeClr val="accent1">
+              <a:shade val="50000"/>
+            </a:schemeClr>
+          </a:lnRef>
+          <a:fillRef idx="1">
+            <a:schemeClr val="accent1"/>
+          </a:fillRef>
+          <a:effectRef idx="0">
+            <a:schemeClr val="accent1"/>
+          </a:effectRef>
+          <a:fontRef idx="minor">
+            <a:schemeClr val="lt1"/>
+          </a:fontRef>
+        </p:style>
+        <p:txBody>
+          <a:bodyPr rtlCol="0" anchor="ctr"/>
+          <a:lstStyle/>
+          <a:p>
+            <a:pPr algn="ctr"/>
+            <a:r>
+              <a:rPr lang="en-US" altLang="ko-KR" sz="900" dirty="0" smtClean="0"/>
+              <a:t>jd_2</a:t>
+            </a:r>
+            <a:endParaRPr lang="ko-KR" altLang="en-US" sz="900" dirty="0"/>
+          </a:p>
+        </p:txBody>
+      </p:sp>
+      <p:sp>
+        <p:nvSpPr>
+          <p:cNvPr id="34" name="화살표: 오각형 34">
+            <a:extLst>
+              <a:ext uri="{FF2B5EF4-FFF2-40B4-BE49-F238E27FC236}">
+                <a16:creationId xmlns:a16="http://schemas.microsoft.com/office/drawing/2014/main" id="{38DB0207-50F4-4BD3-9E83-3109EFAE4650}"/>
+              </a:ext>
+            </a:extLst>
+          </p:cNvPr>
+          <p:cNvSpPr/>
+          <p:nvPr/>
+        </p:nvSpPr>
+        <p:spPr>
+          <a:xfrm flipH="1">
+            <a:off x="933447" y="6172200"/>
+            <a:ext cx="1082674" cy="228600"/>
+          </a:xfrm>
+          <a:prstGeom prst="homePlate">
+            <a:avLst/>
+          </a:prstGeom>
+          <a:solidFill>
+            <a:srgbClr val="00B050"/>
+          </a:solidFill>
+          <a:ln>
+            <a:solidFill>
+              <a:schemeClr val="accent6">
+                <a:lumMod val="50000"/>
+              </a:schemeClr>
+            </a:solidFill>
+          </a:ln>
+        </p:spPr>
+        <p:style>
+          <a:lnRef idx="2">
+            <a:schemeClr val="accent1">
+              <a:shade val="50000"/>
+            </a:schemeClr>
+          </a:lnRef>
+          <a:fillRef idx="1">
+            <a:schemeClr val="accent1"/>
+          </a:fillRef>
+          <a:effectRef idx="0">
+            <a:schemeClr val="accent1"/>
+          </a:effectRef>
+          <a:fontRef idx="minor">
+            <a:schemeClr val="lt1"/>
+          </a:fontRef>
+        </p:style>
+        <p:txBody>
+          <a:bodyPr rtlCol="0" anchor="ctr"/>
+          <a:lstStyle/>
+          <a:p>
+            <a:pPr algn="ctr"/>
+            <a:r>
+              <a:rPr lang="en-US" altLang="ko-KR" sz="900" dirty="0" smtClean="0"/>
+              <a:t>jd_1</a:t>
+            </a:r>
+            <a:endParaRPr lang="ko-KR" altLang="en-US" sz="900" dirty="0"/>
+          </a:p>
+        </p:txBody>
+      </p:sp>
+      <p:sp>
+        <p:nvSpPr>
+          <p:cNvPr id="35" name="화살표: 오각형 35">
+            <a:extLst>
+              <a:ext uri="{FF2B5EF4-FFF2-40B4-BE49-F238E27FC236}">
+                <a16:creationId xmlns:a16="http://schemas.microsoft.com/office/drawing/2014/main" id="{DA7403E3-EAD3-4DEE-9C34-436F967C0442}"/>
+              </a:ext>
+            </a:extLst>
+          </p:cNvPr>
+          <p:cNvSpPr/>
+          <p:nvPr/>
+        </p:nvSpPr>
+        <p:spPr>
+          <a:xfrm flipH="1">
+            <a:off x="933447" y="6486525"/>
+            <a:ext cx="1082674" cy="228600"/>
+          </a:xfrm>
+          <a:prstGeom prst="homePlate">
+            <a:avLst/>
+          </a:prstGeom>
+          <a:solidFill>
+            <a:srgbClr val="00B050"/>
+          </a:solidFill>
+          <a:ln>
+            <a:solidFill>
+              <a:schemeClr val="accent6">
+                <a:lumMod val="50000"/>
+              </a:schemeClr>
+            </a:solidFill>
+          </a:ln>
+        </p:spPr>
+        <p:style>
+          <a:lnRef idx="2">
+            <a:schemeClr val="accent1">
+              <a:shade val="50000"/>
+            </a:schemeClr>
+          </a:lnRef>
+          <a:fillRef idx="1">
+            <a:schemeClr val="accent1"/>
+          </a:fillRef>
+          <a:effectRef idx="0">
+            <a:schemeClr val="accent1"/>
+          </a:effectRef>
+          <a:fontRef idx="minor">
+            <a:schemeClr val="lt1"/>
+          </a:fontRef>
+        </p:style>
+        <p:txBody>
+          <a:bodyPr rtlCol="0" anchor="ctr"/>
+          <a:lstStyle/>
+          <a:p>
+            <a:pPr algn="ctr"/>
+            <a:r>
+              <a:rPr lang="en-US" altLang="ko-KR" sz="900" dirty="0" smtClean="0"/>
+              <a:t>jd_0</a:t>
+            </a:r>
+            <a:endParaRPr lang="ko-KR" altLang="en-US" sz="900" dirty="0"/>
+          </a:p>
+        </p:txBody>
+      </p:sp>
+      <p:grpSp>
+        <p:nvGrpSpPr>
+          <p:cNvPr id="52" name="그룹 51">
+            <a:extLst>
+              <a:ext uri="{FF2B5EF4-FFF2-40B4-BE49-F238E27FC236}">
+                <a16:creationId xmlns:a16="http://schemas.microsoft.com/office/drawing/2014/main" id="{3AA88E26-563B-4C90-BDB6-2647AAA8FE19}"/>
+              </a:ext>
+            </a:extLst>
+          </p:cNvPr>
+          <p:cNvGrpSpPr/>
+          <p:nvPr/>
+        </p:nvGrpSpPr>
+        <p:grpSpPr>
+          <a:xfrm>
+            <a:off x="8228275" y="1710319"/>
+            <a:ext cx="2120002" cy="2787959"/>
+            <a:chOff x="2800341" y="421269"/>
+            <a:chExt cx="2120002" cy="2787959"/>
+          </a:xfrm>
+        </p:grpSpPr>
+        <p:sp>
+          <p:nvSpPr>
+            <p:cNvPr id="53" name="직사각형 52">
+              <a:extLst>
+                <a:ext uri="{FF2B5EF4-FFF2-40B4-BE49-F238E27FC236}">
+                  <a16:creationId xmlns:a16="http://schemas.microsoft.com/office/drawing/2014/main" id="{68EFF2F4-2374-40DD-9658-311225A1ACD0}"/>
+                </a:ext>
+              </a:extLst>
+            </p:cNvPr>
+            <p:cNvSpPr/>
+            <p:nvPr/>
+          </p:nvSpPr>
+          <p:spPr>
+            <a:xfrm>
+              <a:off x="2800341" y="421269"/>
+              <a:ext cx="2120002" cy="2787959"/>
+            </a:xfrm>
+            <a:prstGeom prst="rect">
+              <a:avLst/>
+            </a:prstGeom>
+            <a:solidFill>
+              <a:schemeClr val="bg1"/>
+            </a:solidFill>
+          </p:spPr>
+          <p:style>
+            <a:lnRef idx="2">
+              <a:schemeClr val="accent1">
+                <a:shade val="50000"/>
+              </a:schemeClr>
+            </a:lnRef>
+            <a:fillRef idx="1">
+              <a:schemeClr val="accent1"/>
+            </a:fillRef>
+            <a:effectRef idx="0">
+              <a:schemeClr val="accent1"/>
+            </a:effectRef>
+            <a:fontRef idx="minor">
+              <a:schemeClr val="lt1"/>
+            </a:fontRef>
+          </p:style>
+          <p:txBody>
+            <a:bodyPr rtlCol="0" anchor="t"/>
+            <a:lstStyle/>
+            <a:p>
+              <a:pPr algn="ctr"/>
+              <a:r>
+                <a:rPr lang="en-US" altLang="ko-KR" sz="900" dirty="0" smtClean="0">
+                  <a:solidFill>
+                    <a:schemeClr val="tx1"/>
+                  </a:solidFill>
+                </a:rPr>
+                <a:t>SYNC FIFO</a:t>
+              </a:r>
+              <a:endParaRPr lang="ko-KR" altLang="en-US" sz="900" dirty="0"/>
+            </a:p>
+          </p:txBody>
+        </p:sp>
+        <p:sp>
+          <p:nvSpPr>
+            <p:cNvPr id="54" name="직사각형 53">
+              <a:extLst>
+                <a:ext uri="{FF2B5EF4-FFF2-40B4-BE49-F238E27FC236}">
+                  <a16:creationId xmlns:a16="http://schemas.microsoft.com/office/drawing/2014/main" id="{8FE945E7-731B-45A6-B99C-2C9F69D58A4D}"/>
+                </a:ext>
+              </a:extLst>
+            </p:cNvPr>
+            <p:cNvSpPr/>
+            <p:nvPr/>
+          </p:nvSpPr>
+          <p:spPr>
+            <a:xfrm>
+              <a:off x="2800341" y="639438"/>
+              <a:ext cx="1466859" cy="230512"/>
+            </a:xfrm>
+            <a:prstGeom prst="rect">
+              <a:avLst/>
+            </a:prstGeom>
+            <a:noFill/>
+            <a:ln>
+              <a:noFill/>
+            </a:ln>
+          </p:spPr>
+          <p:style>
+            <a:lnRef idx="2">
+              <a:schemeClr val="accent1">
+                <a:shade val="50000"/>
+              </a:schemeClr>
+            </a:lnRef>
+            <a:fillRef idx="1">
+              <a:schemeClr val="accent1"/>
+            </a:fillRef>
+            <a:effectRef idx="0">
+              <a:schemeClr val="accent1"/>
+            </a:effectRef>
+            <a:fontRef idx="minor">
+              <a:schemeClr val="lt1"/>
+            </a:fontRef>
+          </p:style>
+          <p:txBody>
+            <a:bodyPr rtlCol="0" anchor="ctr"/>
+            <a:lstStyle/>
+            <a:p>
+              <a:r>
+                <a:rPr lang="en-US" altLang="ko-KR" sz="900" dirty="0" err="1" smtClean="0">
+                  <a:solidFill>
+                    <a:schemeClr val="tx1"/>
+                  </a:solidFill>
+                </a:rPr>
+                <a:t>data_out</a:t>
+              </a:r>
+              <a:endParaRPr lang="ko-KR" altLang="en-US" sz="900" dirty="0">
+                <a:solidFill>
+                  <a:schemeClr val="tx1"/>
+                </a:solidFill>
+              </a:endParaRPr>
+            </a:p>
+          </p:txBody>
+        </p:sp>
+        <p:sp>
+          <p:nvSpPr>
+            <p:cNvPr id="55" name="직사각형 54">
+              <a:extLst>
+                <a:ext uri="{FF2B5EF4-FFF2-40B4-BE49-F238E27FC236}">
+                  <a16:creationId xmlns:a16="http://schemas.microsoft.com/office/drawing/2014/main" id="{59740F9C-E457-48B2-9C33-C90B03844CE7}"/>
+                </a:ext>
+              </a:extLst>
+            </p:cNvPr>
+            <p:cNvSpPr/>
+            <p:nvPr/>
+          </p:nvSpPr>
+          <p:spPr>
+            <a:xfrm>
+              <a:off x="2800341" y="925188"/>
+              <a:ext cx="1466859" cy="230512"/>
+            </a:xfrm>
+            <a:prstGeom prst="rect">
+              <a:avLst/>
+            </a:prstGeom>
+            <a:noFill/>
+            <a:ln>
+              <a:noFill/>
+            </a:ln>
+          </p:spPr>
+          <p:style>
+            <a:lnRef idx="2">
+              <a:schemeClr val="accent1">
+                <a:shade val="50000"/>
+              </a:schemeClr>
+            </a:lnRef>
+            <a:fillRef idx="1">
+              <a:schemeClr val="accent1"/>
+            </a:fillRef>
+            <a:effectRef idx="0">
+              <a:schemeClr val="accent1"/>
+            </a:effectRef>
+            <a:fontRef idx="minor">
+              <a:schemeClr val="lt1"/>
+            </a:fontRef>
+          </p:style>
+          <p:txBody>
+            <a:bodyPr rtlCol="0" anchor="ctr"/>
+            <a:lstStyle/>
+            <a:p>
+              <a:r>
+                <a:rPr lang="en-US" altLang="ko-KR" sz="900" dirty="0" err="1">
+                  <a:solidFill>
+                    <a:schemeClr val="tx1"/>
+                  </a:solidFill>
+                </a:rPr>
+                <a:t>clk</a:t>
+              </a:r>
+              <a:endParaRPr lang="ko-KR" altLang="en-US" sz="900" dirty="0">
+                <a:solidFill>
+                  <a:schemeClr val="tx1"/>
+                </a:solidFill>
+              </a:endParaRPr>
+            </a:p>
+          </p:txBody>
+        </p:sp>
+        <p:sp>
+          <p:nvSpPr>
+            <p:cNvPr id="56" name="직사각형 55">
+              <a:extLst>
+                <a:ext uri="{FF2B5EF4-FFF2-40B4-BE49-F238E27FC236}">
+                  <a16:creationId xmlns:a16="http://schemas.microsoft.com/office/drawing/2014/main" id="{0B488457-0165-462C-9EE1-C3CC018C6EB3}"/>
+                </a:ext>
+              </a:extLst>
+            </p:cNvPr>
+            <p:cNvSpPr/>
+            <p:nvPr/>
+          </p:nvSpPr>
+          <p:spPr>
+            <a:xfrm>
+              <a:off x="2800341" y="1210938"/>
+              <a:ext cx="1466859" cy="230512"/>
+            </a:xfrm>
+            <a:prstGeom prst="rect">
+              <a:avLst/>
+            </a:prstGeom>
+            <a:noFill/>
+            <a:ln>
+              <a:noFill/>
+            </a:ln>
+          </p:spPr>
+          <p:style>
+            <a:lnRef idx="2">
+              <a:schemeClr val="accent1">
+                <a:shade val="50000"/>
+              </a:schemeClr>
+            </a:lnRef>
+            <a:fillRef idx="1">
+              <a:schemeClr val="accent1"/>
+            </a:fillRef>
+            <a:effectRef idx="0">
+              <a:schemeClr val="accent1"/>
+            </a:effectRef>
+            <a:fontRef idx="minor">
+              <a:schemeClr val="lt1"/>
+            </a:fontRef>
+          </p:style>
+          <p:txBody>
+            <a:bodyPr rtlCol="0" anchor="ctr"/>
+            <a:lstStyle/>
+            <a:p>
+              <a:r>
+                <a:rPr lang="en-US" altLang="ko-KR" sz="900" dirty="0" smtClean="0">
+                  <a:solidFill>
+                    <a:schemeClr val="tx1"/>
+                  </a:solidFill>
+                </a:rPr>
+                <a:t>read</a:t>
+              </a:r>
+              <a:endParaRPr lang="ko-KR" altLang="en-US" sz="900" dirty="0">
+                <a:solidFill>
+                  <a:schemeClr val="tx1"/>
+                </a:solidFill>
+              </a:endParaRPr>
+            </a:p>
+          </p:txBody>
+        </p:sp>
+        <p:sp>
+          <p:nvSpPr>
+            <p:cNvPr id="57" name="직사각형 56">
+              <a:extLst>
+                <a:ext uri="{FF2B5EF4-FFF2-40B4-BE49-F238E27FC236}">
+                  <a16:creationId xmlns:a16="http://schemas.microsoft.com/office/drawing/2014/main" id="{C863E16E-430B-4268-ABEA-B71137CA8BBE}"/>
+                </a:ext>
+              </a:extLst>
+            </p:cNvPr>
+            <p:cNvSpPr/>
+            <p:nvPr/>
+          </p:nvSpPr>
+          <p:spPr>
+            <a:xfrm>
+              <a:off x="2800341" y="1496688"/>
+              <a:ext cx="1466859" cy="230512"/>
+            </a:xfrm>
+            <a:prstGeom prst="rect">
+              <a:avLst/>
+            </a:prstGeom>
+            <a:noFill/>
+            <a:ln>
+              <a:noFill/>
+            </a:ln>
+          </p:spPr>
+          <p:style>
+            <a:lnRef idx="2">
+              <a:schemeClr val="accent1">
+                <a:shade val="50000"/>
+              </a:schemeClr>
+            </a:lnRef>
+            <a:fillRef idx="1">
+              <a:schemeClr val="accent1"/>
+            </a:fillRef>
+            <a:effectRef idx="0">
+              <a:schemeClr val="accent1"/>
+            </a:effectRef>
+            <a:fontRef idx="minor">
+              <a:schemeClr val="lt1"/>
+            </a:fontRef>
+          </p:style>
+          <p:txBody>
+            <a:bodyPr rtlCol="0" anchor="ctr"/>
+            <a:lstStyle/>
+            <a:p>
+              <a:r>
+                <a:rPr lang="en-US" altLang="ko-KR" sz="900" dirty="0" smtClean="0">
+                  <a:solidFill>
+                    <a:schemeClr val="tx1"/>
+                  </a:solidFill>
+                </a:rPr>
+                <a:t>write</a:t>
+              </a:r>
+              <a:endParaRPr lang="ko-KR" altLang="en-US" sz="900" dirty="0">
+                <a:solidFill>
+                  <a:schemeClr val="tx1"/>
+                </a:solidFill>
+              </a:endParaRPr>
+            </a:p>
+          </p:txBody>
+        </p:sp>
+        <p:sp>
+          <p:nvSpPr>
+            <p:cNvPr id="58" name="직사각형 57">
+              <a:extLst>
+                <a:ext uri="{FF2B5EF4-FFF2-40B4-BE49-F238E27FC236}">
+                  <a16:creationId xmlns:a16="http://schemas.microsoft.com/office/drawing/2014/main" id="{C6DE051D-A84B-4F4C-9825-9C56DE6FF35A}"/>
+                </a:ext>
+              </a:extLst>
+            </p:cNvPr>
+            <p:cNvSpPr/>
+            <p:nvPr/>
+          </p:nvSpPr>
+          <p:spPr>
+            <a:xfrm>
+              <a:off x="2800341" y="1782438"/>
+              <a:ext cx="1466859" cy="230512"/>
+            </a:xfrm>
+            <a:prstGeom prst="rect">
+              <a:avLst/>
+            </a:prstGeom>
+            <a:noFill/>
+            <a:ln>
+              <a:noFill/>
+            </a:ln>
+          </p:spPr>
+          <p:style>
+            <a:lnRef idx="2">
+              <a:schemeClr val="accent1">
+                <a:shade val="50000"/>
+              </a:schemeClr>
+            </a:lnRef>
+            <a:fillRef idx="1">
+              <a:schemeClr val="accent1"/>
+            </a:fillRef>
+            <a:effectRef idx="0">
+              <a:schemeClr val="accent1"/>
+            </a:effectRef>
+            <a:fontRef idx="minor">
+              <a:schemeClr val="lt1"/>
+            </a:fontRef>
+          </p:style>
+          <p:txBody>
+            <a:bodyPr rtlCol="0" anchor="ctr"/>
+            <a:lstStyle/>
+            <a:p>
+              <a:r>
+                <a:rPr lang="en-US" altLang="ko-KR" sz="900" dirty="0" smtClean="0">
+                  <a:solidFill>
+                    <a:schemeClr val="tx1"/>
+                  </a:solidFill>
+                </a:rPr>
+                <a:t>empty</a:t>
+              </a:r>
+              <a:endParaRPr lang="ko-KR" altLang="en-US" sz="900" dirty="0">
+                <a:solidFill>
+                  <a:schemeClr val="tx1"/>
+                </a:solidFill>
+              </a:endParaRPr>
+            </a:p>
+          </p:txBody>
+        </p:sp>
+        <p:sp>
+          <p:nvSpPr>
+            <p:cNvPr id="59" name="직사각형 58">
+              <a:extLst>
+                <a:ext uri="{FF2B5EF4-FFF2-40B4-BE49-F238E27FC236}">
+                  <a16:creationId xmlns:a16="http://schemas.microsoft.com/office/drawing/2014/main" id="{404142F3-3499-4C1D-8A2B-35B1C33D2DD8}"/>
+                </a:ext>
+              </a:extLst>
+            </p:cNvPr>
+            <p:cNvSpPr/>
+            <p:nvPr/>
+          </p:nvSpPr>
+          <p:spPr>
+            <a:xfrm>
+              <a:off x="2800341" y="2068188"/>
+              <a:ext cx="1466859" cy="230512"/>
+            </a:xfrm>
+            <a:prstGeom prst="rect">
+              <a:avLst/>
+            </a:prstGeom>
+            <a:noFill/>
+            <a:ln>
+              <a:noFill/>
+            </a:ln>
+          </p:spPr>
+          <p:style>
+            <a:lnRef idx="2">
+              <a:schemeClr val="accent1">
+                <a:shade val="50000"/>
+              </a:schemeClr>
+            </a:lnRef>
+            <a:fillRef idx="1">
+              <a:schemeClr val="accent1"/>
+            </a:fillRef>
+            <a:effectRef idx="0">
+              <a:schemeClr val="accent1"/>
+            </a:effectRef>
+            <a:fontRef idx="minor">
+              <a:schemeClr val="lt1"/>
+            </a:fontRef>
+          </p:style>
+          <p:txBody>
+            <a:bodyPr rtlCol="0" anchor="ctr"/>
+            <a:lstStyle/>
+            <a:p>
+              <a:r>
+                <a:rPr lang="en-US" altLang="ko-KR" sz="900" dirty="0" smtClean="0">
+                  <a:solidFill>
+                    <a:schemeClr val="tx1"/>
+                  </a:solidFill>
+                </a:rPr>
+                <a:t>full</a:t>
+              </a:r>
+              <a:endParaRPr lang="ko-KR" altLang="en-US" sz="900" dirty="0">
+                <a:solidFill>
+                  <a:schemeClr val="tx1"/>
+                </a:solidFill>
+              </a:endParaRPr>
+            </a:p>
+          </p:txBody>
+        </p:sp>
+        <p:sp>
+          <p:nvSpPr>
+            <p:cNvPr id="60" name="직사각형 59">
+              <a:extLst>
+                <a:ext uri="{FF2B5EF4-FFF2-40B4-BE49-F238E27FC236}">
+                  <a16:creationId xmlns:a16="http://schemas.microsoft.com/office/drawing/2014/main" id="{2436FF16-F5E5-4FCF-962E-F7680271B5EF}"/>
+                </a:ext>
+              </a:extLst>
+            </p:cNvPr>
+            <p:cNvSpPr/>
+            <p:nvPr/>
+          </p:nvSpPr>
+          <p:spPr>
+            <a:xfrm>
+              <a:off x="2800341" y="2353938"/>
+              <a:ext cx="1466859" cy="230512"/>
+            </a:xfrm>
+            <a:prstGeom prst="rect">
+              <a:avLst/>
+            </a:prstGeom>
+            <a:noFill/>
+            <a:ln>
+              <a:noFill/>
+            </a:ln>
+          </p:spPr>
+          <p:style>
+            <a:lnRef idx="2">
+              <a:schemeClr val="accent1">
+                <a:shade val="50000"/>
+              </a:schemeClr>
+            </a:lnRef>
+            <a:fillRef idx="1">
+              <a:schemeClr val="accent1"/>
+            </a:fillRef>
+            <a:effectRef idx="0">
+              <a:schemeClr val="accent1"/>
+            </a:effectRef>
+            <a:fontRef idx="minor">
+              <a:schemeClr val="lt1"/>
+            </a:fontRef>
+          </p:style>
+          <p:txBody>
+            <a:bodyPr rtlCol="0" anchor="ctr"/>
+            <a:lstStyle/>
+            <a:p>
+              <a:r>
+                <a:rPr lang="en-US" altLang="ko-KR" sz="900" dirty="0" err="1" smtClean="0">
+                  <a:solidFill>
+                    <a:schemeClr val="tx1"/>
+                  </a:solidFill>
+                </a:rPr>
+                <a:t>data_in</a:t>
+              </a:r>
+              <a:endParaRPr lang="ko-KR" altLang="en-US" sz="900" dirty="0">
+                <a:solidFill>
+                  <a:schemeClr val="tx1"/>
+                </a:solidFill>
+              </a:endParaRPr>
+            </a:p>
+          </p:txBody>
+        </p:sp>
+        <p:sp>
+          <p:nvSpPr>
+            <p:cNvPr id="103" name="직사각형 102">
+              <a:extLst>
+                <a:ext uri="{FF2B5EF4-FFF2-40B4-BE49-F238E27FC236}">
+                  <a16:creationId xmlns:a16="http://schemas.microsoft.com/office/drawing/2014/main" id="{2436FF16-F5E5-4FCF-962E-F7680271B5EF}"/>
+                </a:ext>
+              </a:extLst>
+            </p:cNvPr>
+            <p:cNvSpPr/>
+            <p:nvPr/>
+          </p:nvSpPr>
+          <p:spPr>
+            <a:xfrm>
+              <a:off x="2800341" y="2639688"/>
+              <a:ext cx="1466859" cy="230512"/>
+            </a:xfrm>
+            <a:prstGeom prst="rect">
+              <a:avLst/>
+            </a:prstGeom>
+            <a:noFill/>
+            <a:ln>
+              <a:noFill/>
+            </a:ln>
+          </p:spPr>
+          <p:style>
+            <a:lnRef idx="2">
+              <a:schemeClr val="accent1">
+                <a:shade val="50000"/>
+              </a:schemeClr>
+            </a:lnRef>
+            <a:fillRef idx="1">
+              <a:schemeClr val="accent1"/>
+            </a:fillRef>
+            <a:effectRef idx="0">
+              <a:schemeClr val="accent1"/>
+            </a:effectRef>
+            <a:fontRef idx="minor">
+              <a:schemeClr val="lt1"/>
+            </a:fontRef>
+          </p:style>
+          <p:txBody>
+            <a:bodyPr rtlCol="0" anchor="ctr"/>
+            <a:lstStyle/>
+            <a:p>
+              <a:r>
+                <a:rPr lang="en-US" altLang="ko-KR" sz="900" dirty="0" smtClean="0">
+                  <a:solidFill>
+                    <a:schemeClr val="tx1"/>
+                  </a:solidFill>
+                </a:rPr>
+                <a:t>timestamp</a:t>
+              </a:r>
+              <a:endParaRPr lang="ko-KR" altLang="en-US" sz="900" dirty="0">
+                <a:solidFill>
+                  <a:schemeClr val="tx1"/>
+                </a:solidFill>
+              </a:endParaRPr>
+            </a:p>
+          </p:txBody>
+        </p:sp>
+        <p:sp>
+          <p:nvSpPr>
+            <p:cNvPr id="140" name="직사각형 139">
+              <a:extLst>
+                <a:ext uri="{FF2B5EF4-FFF2-40B4-BE49-F238E27FC236}">
+                  <a16:creationId xmlns:a16="http://schemas.microsoft.com/office/drawing/2014/main" id="{2436FF16-F5E5-4FCF-962E-F7680271B5EF}"/>
+                </a:ext>
+              </a:extLst>
+            </p:cNvPr>
+            <p:cNvSpPr/>
+            <p:nvPr/>
+          </p:nvSpPr>
+          <p:spPr>
+            <a:xfrm>
+              <a:off x="2800341" y="2912867"/>
+              <a:ext cx="1466859" cy="230512"/>
+            </a:xfrm>
+            <a:prstGeom prst="rect">
+              <a:avLst/>
+            </a:prstGeom>
+            <a:noFill/>
+            <a:ln>
+              <a:noFill/>
+            </a:ln>
+          </p:spPr>
+          <p:style>
+            <a:lnRef idx="2">
+              <a:schemeClr val="accent1">
+                <a:shade val="50000"/>
+              </a:schemeClr>
+            </a:lnRef>
+            <a:fillRef idx="1">
+              <a:schemeClr val="accent1"/>
+            </a:fillRef>
+            <a:effectRef idx="0">
+              <a:schemeClr val="accent1"/>
+            </a:effectRef>
+            <a:fontRef idx="minor">
+              <a:schemeClr val="lt1"/>
+            </a:fontRef>
+          </p:style>
+          <p:txBody>
+            <a:bodyPr rtlCol="0" anchor="ctr"/>
+            <a:lstStyle/>
+            <a:p>
+              <a:r>
+                <a:rPr lang="en-US" altLang="ko-KR" sz="900" dirty="0" smtClean="0">
+                  <a:solidFill>
+                    <a:schemeClr val="tx1"/>
+                  </a:solidFill>
+                </a:rPr>
+                <a:t>reset</a:t>
+              </a:r>
+              <a:endParaRPr lang="ko-KR" altLang="en-US" sz="900" dirty="0">
+                <a:solidFill>
+                  <a:schemeClr val="tx1"/>
+                </a:solidFill>
+              </a:endParaRPr>
+            </a:p>
+          </p:txBody>
+        </p:sp>
+      </p:grpSp>
+      <p:grpSp>
+        <p:nvGrpSpPr>
+          <p:cNvPr id="64" name="그룹 63">
+            <a:extLst>
+              <a:ext uri="{FF2B5EF4-FFF2-40B4-BE49-F238E27FC236}">
+                <a16:creationId xmlns:a16="http://schemas.microsoft.com/office/drawing/2014/main" id="{FB0CA9BD-EDC7-4CA9-8693-BF2EFC7E8F04}"/>
+              </a:ext>
+            </a:extLst>
+          </p:cNvPr>
+          <p:cNvGrpSpPr/>
+          <p:nvPr/>
+        </p:nvGrpSpPr>
+        <p:grpSpPr>
+          <a:xfrm>
+            <a:off x="2772483" y="2604186"/>
+            <a:ext cx="1466859" cy="230512"/>
+            <a:chOff x="2962265" y="4647551"/>
+            <a:chExt cx="1466859" cy="230512"/>
+          </a:xfrm>
+        </p:grpSpPr>
+        <p:sp>
+          <p:nvSpPr>
+            <p:cNvPr id="65" name="직사각형 64">
+              <a:extLst>
+                <a:ext uri="{FF2B5EF4-FFF2-40B4-BE49-F238E27FC236}">
+                  <a16:creationId xmlns:a16="http://schemas.microsoft.com/office/drawing/2014/main" id="{7556BBA6-E7AE-457F-BB99-28219B8DEB84}"/>
+                </a:ext>
+              </a:extLst>
+            </p:cNvPr>
+            <p:cNvSpPr/>
+            <p:nvPr/>
+          </p:nvSpPr>
+          <p:spPr>
+            <a:xfrm>
+              <a:off x="2962265" y="4647551"/>
+              <a:ext cx="1466859" cy="230512"/>
+            </a:xfrm>
+            <a:prstGeom prst="rect">
+              <a:avLst/>
+            </a:prstGeom>
+          </p:spPr>
+          <p:style>
+            <a:lnRef idx="2">
+              <a:schemeClr val="accent1">
+                <a:shade val="50000"/>
+              </a:schemeClr>
+            </a:lnRef>
+            <a:fillRef idx="1">
+              <a:schemeClr val="accent1"/>
+            </a:fillRef>
+            <a:effectRef idx="0">
+              <a:schemeClr val="accent1"/>
+            </a:effectRef>
+            <a:fontRef idx="minor">
+              <a:schemeClr val="lt1"/>
+            </a:fontRef>
+          </p:style>
+          <p:txBody>
+            <a:bodyPr rtlCol="0" anchor="ctr"/>
+            <a:lstStyle/>
+            <a:p>
+              <a:pPr algn="ctr"/>
+              <a:r>
+                <a:rPr lang="en-US" altLang="ko-KR" sz="900" dirty="0" smtClean="0"/>
+                <a:t>[17:0]out_buffer1</a:t>
+              </a:r>
+              <a:endParaRPr lang="ko-KR" altLang="en-US" sz="900" dirty="0"/>
+            </a:p>
+          </p:txBody>
+        </p:sp>
+        <p:sp>
+          <p:nvSpPr>
+            <p:cNvPr id="66" name="이등변 삼각형 65">
+              <a:extLst>
+                <a:ext uri="{FF2B5EF4-FFF2-40B4-BE49-F238E27FC236}">
+                  <a16:creationId xmlns:a16="http://schemas.microsoft.com/office/drawing/2014/main" id="{D17212F7-23EE-4E43-AF98-5A758AE67187}"/>
+                </a:ext>
+              </a:extLst>
+            </p:cNvPr>
+            <p:cNvSpPr/>
+            <p:nvPr/>
+          </p:nvSpPr>
+          <p:spPr>
+            <a:xfrm rot="16200000">
+              <a:off x="4350705" y="4722488"/>
+              <a:ext cx="76200" cy="80638"/>
+            </a:xfrm>
+            <a:prstGeom prst="triangle">
+              <a:avLst/>
+            </a:prstGeom>
+            <a:solidFill>
+              <a:schemeClr val="bg1"/>
+            </a:solidFill>
+          </p:spPr>
+          <p:style>
+            <a:lnRef idx="2">
+              <a:schemeClr val="accent1">
+                <a:shade val="50000"/>
+              </a:schemeClr>
+            </a:lnRef>
+            <a:fillRef idx="1">
+              <a:schemeClr val="accent1"/>
+            </a:fillRef>
+            <a:effectRef idx="0">
+              <a:schemeClr val="accent1"/>
+            </a:effectRef>
+            <a:fontRef idx="minor">
+              <a:schemeClr val="lt1"/>
+            </a:fontRef>
+          </p:style>
+          <p:txBody>
+            <a:bodyPr rtlCol="0" anchor="ctr"/>
+            <a:lstStyle/>
+            <a:p>
+              <a:pPr algn="ctr"/>
+              <a:endParaRPr lang="ko-KR" altLang="en-US"/>
+            </a:p>
+          </p:txBody>
+        </p:sp>
+      </p:grpSp>
+      <p:sp>
+        <p:nvSpPr>
+          <p:cNvPr id="68" name="화살표: 오각형 19">
+            <a:extLst>
+              <a:ext uri="{FF2B5EF4-FFF2-40B4-BE49-F238E27FC236}">
+                <a16:creationId xmlns:a16="http://schemas.microsoft.com/office/drawing/2014/main" id="{A008D97C-3379-4523-B97C-222E8A35531E}"/>
+              </a:ext>
+            </a:extLst>
+          </p:cNvPr>
+          <p:cNvSpPr/>
+          <p:nvPr/>
+        </p:nvSpPr>
+        <p:spPr>
+          <a:xfrm>
+            <a:off x="933445" y="649801"/>
+            <a:ext cx="1082676" cy="228600"/>
+          </a:xfrm>
+          <a:prstGeom prst="homePlate">
+            <a:avLst/>
+          </a:prstGeom>
+          <a:solidFill>
+            <a:schemeClr val="accent2">
+              <a:lumMod val="75000"/>
+            </a:schemeClr>
+          </a:solidFill>
+          <a:ln>
+            <a:solidFill>
+              <a:schemeClr val="accent2">
+                <a:lumMod val="50000"/>
+              </a:schemeClr>
+            </a:solidFill>
+          </a:ln>
+        </p:spPr>
+        <p:style>
+          <a:lnRef idx="2">
+            <a:schemeClr val="accent1">
+              <a:shade val="50000"/>
+            </a:schemeClr>
+          </a:lnRef>
+          <a:fillRef idx="1">
+            <a:schemeClr val="accent1"/>
+          </a:fillRef>
+          <a:effectRef idx="0">
+            <a:schemeClr val="accent1"/>
+          </a:effectRef>
+          <a:fontRef idx="minor">
+            <a:schemeClr val="lt1"/>
+          </a:fontRef>
+        </p:style>
+        <p:txBody>
+          <a:bodyPr rtlCol="0" anchor="ctr"/>
+          <a:lstStyle/>
+          <a:p>
+            <a:pPr algn="ctr"/>
+            <a:r>
+              <a:rPr lang="en-US" altLang="ko-KR" sz="900" dirty="0"/>
+              <a:t>jb_7</a:t>
+            </a:r>
+            <a:endParaRPr lang="ko-KR" altLang="en-US" sz="900" dirty="0"/>
+          </a:p>
+        </p:txBody>
+      </p:sp>
+      <p:sp>
+        <p:nvSpPr>
+          <p:cNvPr id="69" name="직사각형 68">
+            <a:extLst>
+              <a:ext uri="{FF2B5EF4-FFF2-40B4-BE49-F238E27FC236}">
+                <a16:creationId xmlns:a16="http://schemas.microsoft.com/office/drawing/2014/main" id="{A536BC31-ED89-41E7-8828-96F4A2C5769F}"/>
+              </a:ext>
+            </a:extLst>
+          </p:cNvPr>
+          <p:cNvSpPr/>
+          <p:nvPr/>
+        </p:nvSpPr>
+        <p:spPr>
+          <a:xfrm>
+            <a:off x="3927653" y="649354"/>
+            <a:ext cx="1466859" cy="230512"/>
+          </a:xfrm>
+          <a:prstGeom prst="rect">
+            <a:avLst/>
+          </a:prstGeom>
+        </p:spPr>
+        <p:style>
+          <a:lnRef idx="2">
+            <a:schemeClr val="accent1">
+              <a:shade val="50000"/>
+            </a:schemeClr>
+          </a:lnRef>
+          <a:fillRef idx="1">
+            <a:schemeClr val="accent1"/>
+          </a:fillRef>
+          <a:effectRef idx="0">
+            <a:schemeClr val="accent1"/>
+          </a:effectRef>
+          <a:fontRef idx="minor">
+            <a:schemeClr val="lt1"/>
+          </a:fontRef>
+        </p:style>
+        <p:txBody>
+          <a:bodyPr rtlCol="0" anchor="ctr"/>
+          <a:lstStyle/>
+          <a:p>
+            <a:pPr algn="ctr"/>
+            <a:r>
+              <a:rPr lang="en-US" altLang="ko-KR" sz="900" dirty="0"/>
+              <a:t>DDS1_PDCLK</a:t>
+            </a:r>
+            <a:endParaRPr lang="ko-KR" altLang="en-US" sz="900" dirty="0"/>
+          </a:p>
+        </p:txBody>
+      </p:sp>
+      <p:cxnSp>
+        <p:nvCxnSpPr>
+          <p:cNvPr id="70" name="연결선: 꺾임 113">
+            <a:extLst>
+              <a:ext uri="{FF2B5EF4-FFF2-40B4-BE49-F238E27FC236}">
+                <a16:creationId xmlns:a16="http://schemas.microsoft.com/office/drawing/2014/main" id="{6D80F142-1E93-4DD4-B130-00FB4DE60274}"/>
+              </a:ext>
+            </a:extLst>
+          </p:cNvPr>
+          <p:cNvCxnSpPr>
+            <a:stCxn id="68" idx="3"/>
+            <a:endCxn id="69" idx="1"/>
+          </p:cNvCxnSpPr>
+          <p:nvPr/>
+        </p:nvCxnSpPr>
+        <p:spPr>
+          <a:xfrm>
+            <a:off x="2016121" y="764101"/>
+            <a:ext cx="1911532" cy="509"/>
+          </a:xfrm>
+          <a:prstGeom prst="bentConnector3">
+            <a:avLst>
+              <a:gd name="adj1" fmla="val 50000"/>
+            </a:avLst>
+          </a:prstGeom>
+          <a:ln>
+            <a:tailEnd type="triangle"/>
+          </a:ln>
+        </p:spPr>
+        <p:style>
+          <a:lnRef idx="1">
+            <a:schemeClr val="accent1"/>
+          </a:lnRef>
+          <a:fillRef idx="0">
+            <a:schemeClr val="accent1"/>
+          </a:fillRef>
+          <a:effectRef idx="0">
+            <a:schemeClr val="accent1"/>
+          </a:effectRef>
+          <a:fontRef idx="minor">
+            <a:schemeClr val="tx1"/>
+          </a:fontRef>
+        </p:style>
+      </p:cxnSp>
+      <p:grpSp>
+        <p:nvGrpSpPr>
+          <p:cNvPr id="71" name="그룹 70">
+            <a:extLst>
+              <a:ext uri="{FF2B5EF4-FFF2-40B4-BE49-F238E27FC236}">
+                <a16:creationId xmlns:a16="http://schemas.microsoft.com/office/drawing/2014/main" id="{FB0CA9BD-EDC7-4CA9-8693-BF2EFC7E8F04}"/>
+              </a:ext>
+            </a:extLst>
+          </p:cNvPr>
+          <p:cNvGrpSpPr/>
+          <p:nvPr/>
+        </p:nvGrpSpPr>
+        <p:grpSpPr>
+          <a:xfrm>
+            <a:off x="2775658" y="3037898"/>
+            <a:ext cx="1466859" cy="230512"/>
+            <a:chOff x="2962265" y="4647551"/>
+            <a:chExt cx="1466859" cy="230512"/>
+          </a:xfrm>
+        </p:grpSpPr>
+        <p:sp>
+          <p:nvSpPr>
+            <p:cNvPr id="72" name="직사각형 71">
+              <a:extLst>
+                <a:ext uri="{FF2B5EF4-FFF2-40B4-BE49-F238E27FC236}">
+                  <a16:creationId xmlns:a16="http://schemas.microsoft.com/office/drawing/2014/main" id="{7556BBA6-E7AE-457F-BB99-28219B8DEB84}"/>
+                </a:ext>
+              </a:extLst>
+            </p:cNvPr>
+            <p:cNvSpPr/>
+            <p:nvPr/>
+          </p:nvSpPr>
+          <p:spPr>
+            <a:xfrm>
+              <a:off x="2962265" y="4647551"/>
+              <a:ext cx="1466859" cy="230512"/>
+            </a:xfrm>
+            <a:prstGeom prst="rect">
+              <a:avLst/>
+            </a:prstGeom>
+          </p:spPr>
+          <p:style>
+            <a:lnRef idx="2">
+              <a:schemeClr val="accent1">
+                <a:shade val="50000"/>
+              </a:schemeClr>
+            </a:lnRef>
+            <a:fillRef idx="1">
+              <a:schemeClr val="accent1"/>
+            </a:fillRef>
+            <a:effectRef idx="0">
+              <a:schemeClr val="accent1"/>
+            </a:effectRef>
+            <a:fontRef idx="minor">
+              <a:schemeClr val="lt1"/>
+            </a:fontRef>
+          </p:style>
+          <p:txBody>
+            <a:bodyPr rtlCol="0" anchor="ctr"/>
+            <a:lstStyle/>
+            <a:p>
+              <a:pPr algn="ctr"/>
+              <a:r>
+                <a:rPr lang="en-US" altLang="ko-KR" sz="900" dirty="0"/>
+                <a:t>[17:0]</a:t>
+              </a:r>
+              <a:r>
+                <a:rPr lang="en-US" altLang="ko-KR" sz="900" dirty="0" smtClean="0"/>
+                <a:t>out_buffer2</a:t>
+              </a:r>
+              <a:endParaRPr lang="ko-KR" altLang="en-US" sz="900" dirty="0"/>
+            </a:p>
+          </p:txBody>
+        </p:sp>
+        <p:sp>
+          <p:nvSpPr>
+            <p:cNvPr id="73" name="이등변 삼각형 72">
+              <a:extLst>
+                <a:ext uri="{FF2B5EF4-FFF2-40B4-BE49-F238E27FC236}">
+                  <a16:creationId xmlns:a16="http://schemas.microsoft.com/office/drawing/2014/main" id="{D17212F7-23EE-4E43-AF98-5A758AE67187}"/>
+                </a:ext>
+              </a:extLst>
+            </p:cNvPr>
+            <p:cNvSpPr/>
+            <p:nvPr/>
+          </p:nvSpPr>
+          <p:spPr>
+            <a:xfrm rot="16200000">
+              <a:off x="4350705" y="4722488"/>
+              <a:ext cx="76200" cy="80638"/>
+            </a:xfrm>
+            <a:prstGeom prst="triangle">
+              <a:avLst/>
+            </a:prstGeom>
+            <a:solidFill>
+              <a:schemeClr val="bg1"/>
+            </a:solidFill>
+          </p:spPr>
+          <p:style>
+            <a:lnRef idx="2">
+              <a:schemeClr val="accent1">
+                <a:shade val="50000"/>
+              </a:schemeClr>
+            </a:lnRef>
+            <a:fillRef idx="1">
+              <a:schemeClr val="accent1"/>
+            </a:fillRef>
+            <a:effectRef idx="0">
+              <a:schemeClr val="accent1"/>
+            </a:effectRef>
+            <a:fontRef idx="minor">
+              <a:schemeClr val="lt1"/>
+            </a:fontRef>
+          </p:style>
+          <p:txBody>
+            <a:bodyPr rtlCol="0" anchor="ctr"/>
+            <a:lstStyle/>
+            <a:p>
+              <a:pPr algn="ctr"/>
+              <a:endParaRPr lang="ko-KR" altLang="en-US"/>
+            </a:p>
+          </p:txBody>
+        </p:sp>
+      </p:grpSp>
+      <p:cxnSp>
+        <p:nvCxnSpPr>
+          <p:cNvPr id="75" name="꺾인 연결선 74"/>
+          <p:cNvCxnSpPr>
+            <a:stCxn id="69" idx="3"/>
+            <a:endCxn id="73" idx="3"/>
+          </p:cNvCxnSpPr>
+          <p:nvPr/>
+        </p:nvCxnSpPr>
+        <p:spPr>
+          <a:xfrm flipH="1">
+            <a:off x="4242517" y="764610"/>
+            <a:ext cx="1151995" cy="2388544"/>
+          </a:xfrm>
+          <a:prstGeom prst="bentConnector3">
+            <a:avLst>
+              <a:gd name="adj1" fmla="val -19844"/>
+            </a:avLst>
+          </a:prstGeom>
+          <a:ln>
+            <a:tailEnd type="triangle"/>
+          </a:ln>
+        </p:spPr>
+        <p:style>
+          <a:lnRef idx="1">
+            <a:schemeClr val="accent1"/>
+          </a:lnRef>
+          <a:fillRef idx="0">
+            <a:schemeClr val="accent1"/>
+          </a:fillRef>
+          <a:effectRef idx="0">
+            <a:schemeClr val="accent1"/>
+          </a:effectRef>
+          <a:fontRef idx="minor">
+            <a:schemeClr val="tx1"/>
+          </a:fontRef>
+        </p:style>
+      </p:cxnSp>
+      <p:cxnSp>
+        <p:nvCxnSpPr>
+          <p:cNvPr id="77" name="꺾인 연결선 76"/>
+          <p:cNvCxnSpPr>
+            <a:stCxn id="69" idx="3"/>
+            <a:endCxn id="66" idx="3"/>
+          </p:cNvCxnSpPr>
+          <p:nvPr/>
+        </p:nvCxnSpPr>
+        <p:spPr>
+          <a:xfrm flipH="1">
+            <a:off x="4239342" y="764610"/>
+            <a:ext cx="1155170" cy="1954832"/>
+          </a:xfrm>
+          <a:prstGeom prst="bentConnector3">
+            <a:avLst>
+              <a:gd name="adj1" fmla="val -19789"/>
+            </a:avLst>
+          </a:prstGeom>
+          <a:ln>
+            <a:tailEnd type="triangle"/>
+          </a:ln>
+        </p:spPr>
+        <p:style>
+          <a:lnRef idx="1">
+            <a:schemeClr val="accent1"/>
+          </a:lnRef>
+          <a:fillRef idx="0">
+            <a:schemeClr val="accent1"/>
+          </a:fillRef>
+          <a:effectRef idx="0">
+            <a:schemeClr val="accent1"/>
+          </a:effectRef>
+          <a:fontRef idx="minor">
+            <a:schemeClr val="tx1"/>
+          </a:fontRef>
+        </p:style>
+      </p:cxnSp>
+      <p:sp>
+        <p:nvSpPr>
+          <p:cNvPr id="83" name="화살표: 오각형 96">
+            <a:extLst>
+              <a:ext uri="{FF2B5EF4-FFF2-40B4-BE49-F238E27FC236}">
+                <a16:creationId xmlns:a16="http://schemas.microsoft.com/office/drawing/2014/main" id="{6F284668-E170-4DB1-8A0D-59BCEF5CEA52}"/>
+              </a:ext>
+            </a:extLst>
+          </p:cNvPr>
+          <p:cNvSpPr/>
+          <p:nvPr/>
+        </p:nvSpPr>
+        <p:spPr>
+          <a:xfrm>
+            <a:off x="6761416" y="2213931"/>
+            <a:ext cx="1082676" cy="228600"/>
+          </a:xfrm>
+          <a:prstGeom prst="homePlate">
+            <a:avLst/>
+          </a:prstGeom>
+          <a:solidFill>
+            <a:schemeClr val="accent2">
+              <a:lumMod val="75000"/>
+            </a:schemeClr>
+          </a:solidFill>
+          <a:ln>
+            <a:solidFill>
+              <a:schemeClr val="accent2">
+                <a:lumMod val="50000"/>
+              </a:schemeClr>
+            </a:solidFill>
+          </a:ln>
+        </p:spPr>
+        <p:style>
+          <a:lnRef idx="2">
+            <a:schemeClr val="accent1">
+              <a:shade val="50000"/>
+            </a:schemeClr>
+          </a:lnRef>
+          <a:fillRef idx="1">
+            <a:schemeClr val="accent1"/>
+          </a:fillRef>
+          <a:effectRef idx="0">
+            <a:schemeClr val="accent1"/>
+          </a:effectRef>
+          <a:fontRef idx="minor">
+            <a:schemeClr val="lt1"/>
+          </a:fontRef>
+        </p:style>
+        <p:txBody>
+          <a:bodyPr rtlCol="0" anchor="ctr"/>
+          <a:lstStyle/>
+          <a:p>
+            <a:pPr algn="ctr"/>
+            <a:r>
+              <a:rPr lang="en-US" altLang="ko-KR" sz="900" dirty="0"/>
+              <a:t>CLK100MHZ</a:t>
+            </a:r>
+            <a:endParaRPr lang="ko-KR" altLang="en-US" sz="900" dirty="0"/>
+          </a:p>
+        </p:txBody>
+      </p:sp>
+      <p:cxnSp>
+        <p:nvCxnSpPr>
+          <p:cNvPr id="84" name="연결선: 꺾임 97">
+            <a:extLst>
+              <a:ext uri="{FF2B5EF4-FFF2-40B4-BE49-F238E27FC236}">
+                <a16:creationId xmlns:a16="http://schemas.microsoft.com/office/drawing/2014/main" id="{DE780E83-EE5A-44F8-9D75-1522762E8F16}"/>
+              </a:ext>
+            </a:extLst>
+          </p:cNvPr>
+          <p:cNvCxnSpPr>
+            <a:cxnSpLocks/>
+            <a:stCxn id="83" idx="3"/>
+            <a:endCxn id="55" idx="1"/>
+          </p:cNvCxnSpPr>
+          <p:nvPr/>
+        </p:nvCxnSpPr>
+        <p:spPr>
+          <a:xfrm>
+            <a:off x="7844092" y="2328231"/>
+            <a:ext cx="384183" cy="1263"/>
+          </a:xfrm>
+          <a:prstGeom prst="bentConnector3">
+            <a:avLst>
+              <a:gd name="adj1" fmla="val 50000"/>
+            </a:avLst>
+          </a:prstGeom>
+        </p:spPr>
+        <p:style>
+          <a:lnRef idx="1">
+            <a:schemeClr val="accent1"/>
+          </a:lnRef>
+          <a:fillRef idx="0">
+            <a:schemeClr val="accent1"/>
+          </a:fillRef>
+          <a:effectRef idx="0">
+            <a:schemeClr val="accent1"/>
+          </a:effectRef>
+          <a:fontRef idx="minor">
+            <a:schemeClr val="tx1"/>
+          </a:fontRef>
+        </p:style>
+      </p:cxnSp>
+      <p:grpSp>
+        <p:nvGrpSpPr>
+          <p:cNvPr id="91" name="그룹 90">
+            <a:extLst>
+              <a:ext uri="{FF2B5EF4-FFF2-40B4-BE49-F238E27FC236}">
+                <a16:creationId xmlns:a16="http://schemas.microsoft.com/office/drawing/2014/main" id="{3AA88E26-563B-4C90-BDB6-2647AAA8FE19}"/>
+              </a:ext>
+            </a:extLst>
+          </p:cNvPr>
+          <p:cNvGrpSpPr/>
+          <p:nvPr/>
+        </p:nvGrpSpPr>
+        <p:grpSpPr>
+          <a:xfrm>
+            <a:off x="8228275" y="4899284"/>
+            <a:ext cx="2120002" cy="872866"/>
+            <a:chOff x="2800341" y="421271"/>
+            <a:chExt cx="2120002" cy="872866"/>
+          </a:xfrm>
+        </p:grpSpPr>
+        <p:sp>
+          <p:nvSpPr>
+            <p:cNvPr id="92" name="직사각형 91">
+              <a:extLst>
+                <a:ext uri="{FF2B5EF4-FFF2-40B4-BE49-F238E27FC236}">
+                  <a16:creationId xmlns:a16="http://schemas.microsoft.com/office/drawing/2014/main" id="{68EFF2F4-2374-40DD-9658-311225A1ACD0}"/>
+                </a:ext>
+              </a:extLst>
+            </p:cNvPr>
+            <p:cNvSpPr/>
+            <p:nvPr/>
+          </p:nvSpPr>
+          <p:spPr>
+            <a:xfrm>
+              <a:off x="2800341" y="421271"/>
+              <a:ext cx="2120002" cy="872866"/>
+            </a:xfrm>
+            <a:prstGeom prst="rect">
+              <a:avLst/>
+            </a:prstGeom>
+            <a:solidFill>
+              <a:schemeClr val="bg1"/>
+            </a:solidFill>
+          </p:spPr>
+          <p:style>
+            <a:lnRef idx="2">
+              <a:schemeClr val="accent1">
+                <a:shade val="50000"/>
+              </a:schemeClr>
+            </a:lnRef>
+            <a:fillRef idx="1">
+              <a:schemeClr val="accent1"/>
+            </a:fillRef>
+            <a:effectRef idx="0">
+              <a:schemeClr val="accent1"/>
+            </a:effectRef>
+            <a:fontRef idx="minor">
+              <a:schemeClr val="lt1"/>
+            </a:fontRef>
+          </p:style>
+          <p:txBody>
+            <a:bodyPr rtlCol="0" anchor="t"/>
+            <a:lstStyle/>
+            <a:p>
+              <a:pPr algn="ctr"/>
+              <a:r>
+                <a:rPr lang="en-US" altLang="ko-KR" sz="900" dirty="0" smtClean="0">
+                  <a:solidFill>
+                    <a:schemeClr val="tx1"/>
+                  </a:solidFill>
+                </a:rPr>
+                <a:t>Counter</a:t>
+              </a:r>
+              <a:endParaRPr lang="ko-KR" altLang="en-US" sz="900" dirty="0"/>
+            </a:p>
+          </p:txBody>
+        </p:sp>
+        <p:sp>
+          <p:nvSpPr>
+            <p:cNvPr id="93" name="직사각형 92">
+              <a:extLst>
+                <a:ext uri="{FF2B5EF4-FFF2-40B4-BE49-F238E27FC236}">
+                  <a16:creationId xmlns:a16="http://schemas.microsoft.com/office/drawing/2014/main" id="{8FE945E7-731B-45A6-B99C-2C9F69D58A4D}"/>
+                </a:ext>
+              </a:extLst>
+            </p:cNvPr>
+            <p:cNvSpPr/>
+            <p:nvPr/>
+          </p:nvSpPr>
+          <p:spPr>
+            <a:xfrm>
+              <a:off x="2800341" y="639438"/>
+              <a:ext cx="1466859" cy="230512"/>
+            </a:xfrm>
+            <a:prstGeom prst="rect">
+              <a:avLst/>
+            </a:prstGeom>
+            <a:noFill/>
+            <a:ln>
+              <a:noFill/>
+            </a:ln>
+          </p:spPr>
+          <p:style>
+            <a:lnRef idx="2">
+              <a:schemeClr val="accent1">
+                <a:shade val="50000"/>
+              </a:schemeClr>
+            </a:lnRef>
+            <a:fillRef idx="1">
+              <a:schemeClr val="accent1"/>
+            </a:fillRef>
+            <a:effectRef idx="0">
+              <a:schemeClr val="accent1"/>
+            </a:effectRef>
+            <a:fontRef idx="minor">
+              <a:schemeClr val="lt1"/>
+            </a:fontRef>
+          </p:style>
+          <p:txBody>
+            <a:bodyPr rtlCol="0" anchor="ctr"/>
+            <a:lstStyle/>
+            <a:p>
+              <a:r>
+                <a:rPr lang="en-US" altLang="ko-KR" sz="900" dirty="0" smtClean="0">
+                  <a:solidFill>
+                    <a:schemeClr val="tx1"/>
+                  </a:solidFill>
+                </a:rPr>
+                <a:t>reset</a:t>
+              </a:r>
+              <a:endParaRPr lang="ko-KR" altLang="en-US" sz="900" dirty="0">
+                <a:solidFill>
+                  <a:schemeClr val="tx1"/>
+                </a:solidFill>
+              </a:endParaRPr>
+            </a:p>
+          </p:txBody>
+        </p:sp>
+        <p:sp>
+          <p:nvSpPr>
+            <p:cNvPr id="94" name="직사각형 93">
+              <a:extLst>
+                <a:ext uri="{FF2B5EF4-FFF2-40B4-BE49-F238E27FC236}">
+                  <a16:creationId xmlns:a16="http://schemas.microsoft.com/office/drawing/2014/main" id="{59740F9C-E457-48B2-9C33-C90B03844CE7}"/>
+                </a:ext>
+              </a:extLst>
+            </p:cNvPr>
+            <p:cNvSpPr/>
+            <p:nvPr/>
+          </p:nvSpPr>
+          <p:spPr>
+            <a:xfrm>
+              <a:off x="2800341" y="925188"/>
+              <a:ext cx="1466859" cy="230512"/>
+            </a:xfrm>
+            <a:prstGeom prst="rect">
+              <a:avLst/>
+            </a:prstGeom>
+            <a:noFill/>
+            <a:ln>
+              <a:noFill/>
+            </a:ln>
+          </p:spPr>
+          <p:style>
+            <a:lnRef idx="2">
+              <a:schemeClr val="accent1">
+                <a:shade val="50000"/>
+              </a:schemeClr>
+            </a:lnRef>
+            <a:fillRef idx="1">
+              <a:schemeClr val="accent1"/>
+            </a:fillRef>
+            <a:effectRef idx="0">
+              <a:schemeClr val="accent1"/>
+            </a:effectRef>
+            <a:fontRef idx="minor">
+              <a:schemeClr val="lt1"/>
+            </a:fontRef>
+          </p:style>
+          <p:txBody>
+            <a:bodyPr rtlCol="0" anchor="ctr"/>
+            <a:lstStyle/>
+            <a:p>
+              <a:r>
+                <a:rPr lang="en-US" altLang="ko-KR" sz="900" dirty="0" smtClean="0">
+                  <a:solidFill>
+                    <a:schemeClr val="tx1"/>
+                  </a:solidFill>
+                </a:rPr>
+                <a:t>out</a:t>
+              </a:r>
+              <a:endParaRPr lang="ko-KR" altLang="en-US" sz="900" dirty="0">
+                <a:solidFill>
+                  <a:schemeClr val="tx1"/>
+                </a:solidFill>
+              </a:endParaRPr>
+            </a:p>
+          </p:txBody>
+        </p:sp>
+      </p:grpSp>
+      <p:cxnSp>
+        <p:nvCxnSpPr>
+          <p:cNvPr id="100" name="연결선: 꺾임 129">
+            <a:extLst>
+              <a:ext uri="{FF2B5EF4-FFF2-40B4-BE49-F238E27FC236}">
+                <a16:creationId xmlns:a16="http://schemas.microsoft.com/office/drawing/2014/main" id="{0B72D15C-D39D-43BA-9E14-7569D3137440}"/>
+              </a:ext>
+            </a:extLst>
+          </p:cNvPr>
+          <p:cNvCxnSpPr>
+            <a:cxnSpLocks/>
+            <a:stCxn id="94" idx="1"/>
+            <a:endCxn id="102" idx="4"/>
+          </p:cNvCxnSpPr>
+          <p:nvPr/>
+        </p:nvCxnSpPr>
+        <p:spPr>
+          <a:xfrm rot="10800000">
+            <a:off x="7534813" y="4143375"/>
+            <a:ext cx="693462" cy="1375082"/>
+          </a:xfrm>
+          <a:prstGeom prst="bentConnector2">
+            <a:avLst/>
+          </a:prstGeom>
+          <a:ln>
+            <a:tailEnd type="triangle"/>
+          </a:ln>
+        </p:spPr>
+        <p:style>
+          <a:lnRef idx="1">
+            <a:schemeClr val="accent1"/>
+          </a:lnRef>
+          <a:fillRef idx="0">
+            <a:schemeClr val="accent1"/>
+          </a:fillRef>
+          <a:effectRef idx="0">
+            <a:schemeClr val="accent1"/>
+          </a:effectRef>
+          <a:fontRef idx="minor">
+            <a:schemeClr val="tx1"/>
+          </a:fontRef>
+        </p:style>
+      </p:cxnSp>
+      <p:sp>
+        <p:nvSpPr>
+          <p:cNvPr id="102" name="타원 101">
+            <a:extLst>
+              <a:ext uri="{FF2B5EF4-FFF2-40B4-BE49-F238E27FC236}">
+                <a16:creationId xmlns:a16="http://schemas.microsoft.com/office/drawing/2014/main" id="{062CD61B-4FFA-46C8-A4F3-407F780177E2}"/>
+              </a:ext>
+            </a:extLst>
+          </p:cNvPr>
+          <p:cNvSpPr/>
+          <p:nvPr/>
+        </p:nvSpPr>
+        <p:spPr>
+          <a:xfrm>
+            <a:off x="7436937" y="3947623"/>
+            <a:ext cx="195752" cy="195752"/>
+          </a:xfrm>
+          <a:prstGeom prst="ellipse">
+            <a:avLst/>
+          </a:prstGeom>
+        </p:spPr>
+        <p:style>
+          <a:lnRef idx="2">
+            <a:schemeClr val="accent1">
+              <a:shade val="50000"/>
+            </a:schemeClr>
+          </a:lnRef>
+          <a:fillRef idx="1">
+            <a:schemeClr val="accent1"/>
+          </a:fillRef>
+          <a:effectRef idx="0">
+            <a:schemeClr val="accent1"/>
+          </a:effectRef>
+          <a:fontRef idx="minor">
+            <a:schemeClr val="lt1"/>
+          </a:fontRef>
+        </p:style>
+        <p:txBody>
+          <a:bodyPr rtlCol="0" anchor="ctr"/>
+          <a:lstStyle/>
+          <a:p>
+            <a:pPr algn="ctr"/>
+            <a:r>
+              <a:rPr lang="en-US" altLang="ko-KR" sz="1100" dirty="0" smtClean="0"/>
+              <a:t>=</a:t>
+            </a:r>
+            <a:endParaRPr lang="ko-KR" altLang="en-US" sz="1100" dirty="0"/>
+          </a:p>
+        </p:txBody>
+      </p:sp>
+      <p:cxnSp>
+        <p:nvCxnSpPr>
+          <p:cNvPr id="106" name="연결선: 꺾임 129">
+            <a:extLst>
+              <a:ext uri="{FF2B5EF4-FFF2-40B4-BE49-F238E27FC236}">
+                <a16:creationId xmlns:a16="http://schemas.microsoft.com/office/drawing/2014/main" id="{0B72D15C-D39D-43BA-9E14-7569D3137440}"/>
+              </a:ext>
+            </a:extLst>
+          </p:cNvPr>
+          <p:cNvCxnSpPr>
+            <a:cxnSpLocks/>
+            <a:stCxn id="102" idx="0"/>
+            <a:endCxn id="235" idx="2"/>
+          </p:cNvCxnSpPr>
+          <p:nvPr/>
+        </p:nvCxnSpPr>
+        <p:spPr>
+          <a:xfrm rot="5400000" flipH="1" flipV="1">
+            <a:off x="6941352" y="3135092"/>
+            <a:ext cx="1405993" cy="219071"/>
+          </a:xfrm>
+          <a:prstGeom prst="bentConnector2">
+            <a:avLst/>
+          </a:prstGeom>
+          <a:ln>
+            <a:tailEnd type="triangle"/>
+          </a:ln>
+        </p:spPr>
+        <p:style>
+          <a:lnRef idx="1">
+            <a:schemeClr val="accent1"/>
+          </a:lnRef>
+          <a:fillRef idx="0">
+            <a:schemeClr val="accent1"/>
+          </a:fillRef>
+          <a:effectRef idx="0">
+            <a:schemeClr val="accent1"/>
+          </a:effectRef>
+          <a:fontRef idx="minor">
+            <a:schemeClr val="tx1"/>
+          </a:fontRef>
+        </p:style>
+      </p:cxnSp>
+      <p:cxnSp>
+        <p:nvCxnSpPr>
+          <p:cNvPr id="111" name="연결선: 꺾임 129">
+            <a:extLst>
+              <a:ext uri="{FF2B5EF4-FFF2-40B4-BE49-F238E27FC236}">
+                <a16:creationId xmlns:a16="http://schemas.microsoft.com/office/drawing/2014/main" id="{0B72D15C-D39D-43BA-9E14-7569D3137440}"/>
+              </a:ext>
+            </a:extLst>
+          </p:cNvPr>
+          <p:cNvCxnSpPr>
+            <a:cxnSpLocks/>
+            <a:stCxn id="103" idx="1"/>
+            <a:endCxn id="102" idx="6"/>
+          </p:cNvCxnSpPr>
+          <p:nvPr/>
+        </p:nvCxnSpPr>
+        <p:spPr>
+          <a:xfrm rot="10800000" flipV="1">
+            <a:off x="7632689" y="4043993"/>
+            <a:ext cx="595586" cy="1505"/>
+          </a:xfrm>
+          <a:prstGeom prst="bentConnector3">
+            <a:avLst>
+              <a:gd name="adj1" fmla="val 50000"/>
+            </a:avLst>
+          </a:prstGeom>
+          <a:ln>
+            <a:tailEnd type="triangle"/>
+          </a:ln>
+        </p:spPr>
+        <p:style>
+          <a:lnRef idx="1">
+            <a:schemeClr val="accent1"/>
+          </a:lnRef>
+          <a:fillRef idx="0">
+            <a:schemeClr val="accent1"/>
+          </a:fillRef>
+          <a:effectRef idx="0">
+            <a:schemeClr val="accent1"/>
+          </a:effectRef>
+          <a:fontRef idx="minor">
+            <a:schemeClr val="tx1"/>
+          </a:fontRef>
+        </p:style>
+      </p:cxnSp>
+      <p:sp>
+        <p:nvSpPr>
+          <p:cNvPr id="121" name="화살표: 오각형 90">
+            <a:extLst>
+              <a:ext uri="{FF2B5EF4-FFF2-40B4-BE49-F238E27FC236}">
+                <a16:creationId xmlns:a16="http://schemas.microsoft.com/office/drawing/2014/main" id="{773124AD-82ED-4059-94A5-EBB7AE0F27C6}"/>
+              </a:ext>
+            </a:extLst>
+          </p:cNvPr>
+          <p:cNvSpPr/>
+          <p:nvPr/>
+        </p:nvSpPr>
+        <p:spPr>
+          <a:xfrm flipH="1">
+            <a:off x="933445" y="1101725"/>
+            <a:ext cx="1082674" cy="228600"/>
+          </a:xfrm>
+          <a:prstGeom prst="homePlate">
+            <a:avLst/>
+          </a:prstGeom>
+          <a:solidFill>
+            <a:srgbClr val="00B050"/>
+          </a:solidFill>
+          <a:ln>
+            <a:solidFill>
+              <a:schemeClr val="accent6">
+                <a:lumMod val="50000"/>
+              </a:schemeClr>
+            </a:solidFill>
+          </a:ln>
+        </p:spPr>
+        <p:style>
+          <a:lnRef idx="2">
+            <a:schemeClr val="accent1">
+              <a:shade val="50000"/>
+            </a:schemeClr>
+          </a:lnRef>
+          <a:fillRef idx="1">
+            <a:schemeClr val="accent1"/>
+          </a:fillRef>
+          <a:effectRef idx="0">
+            <a:schemeClr val="accent1"/>
+          </a:effectRef>
+          <a:fontRef idx="minor">
+            <a:schemeClr val="lt1"/>
+          </a:fontRef>
+        </p:style>
+        <p:txBody>
+          <a:bodyPr rtlCol="0" anchor="ctr"/>
+          <a:lstStyle/>
+          <a:p>
+            <a:pPr algn="ctr"/>
+            <a:r>
+              <a:rPr lang="en-US" altLang="ko-KR" sz="900" dirty="0" smtClean="0"/>
+              <a:t>jb_4</a:t>
+            </a:r>
+            <a:endParaRPr lang="ko-KR" altLang="en-US" sz="900" dirty="0"/>
+          </a:p>
+        </p:txBody>
+      </p:sp>
+      <p:sp>
+        <p:nvSpPr>
+          <p:cNvPr id="122" name="화살표: 오각형 91">
+            <a:extLst>
+              <a:ext uri="{FF2B5EF4-FFF2-40B4-BE49-F238E27FC236}">
+                <a16:creationId xmlns:a16="http://schemas.microsoft.com/office/drawing/2014/main" id="{B4D2ACC6-5B87-4858-8E65-8691E4ED1EAE}"/>
+              </a:ext>
+            </a:extLst>
+          </p:cNvPr>
+          <p:cNvSpPr/>
+          <p:nvPr/>
+        </p:nvSpPr>
+        <p:spPr>
+          <a:xfrm flipH="1">
+            <a:off x="933445" y="1416050"/>
+            <a:ext cx="1082674" cy="228600"/>
+          </a:xfrm>
+          <a:prstGeom prst="homePlate">
+            <a:avLst/>
+          </a:prstGeom>
+          <a:solidFill>
+            <a:srgbClr val="00B050"/>
+          </a:solidFill>
+          <a:ln>
+            <a:solidFill>
+              <a:schemeClr val="accent6">
+                <a:lumMod val="50000"/>
+              </a:schemeClr>
+            </a:solidFill>
+          </a:ln>
+        </p:spPr>
+        <p:style>
+          <a:lnRef idx="2">
+            <a:schemeClr val="accent1">
+              <a:shade val="50000"/>
+            </a:schemeClr>
+          </a:lnRef>
+          <a:fillRef idx="1">
+            <a:schemeClr val="accent1"/>
+          </a:fillRef>
+          <a:effectRef idx="0">
+            <a:schemeClr val="accent1"/>
+          </a:effectRef>
+          <a:fontRef idx="minor">
+            <a:schemeClr val="lt1"/>
+          </a:fontRef>
+        </p:style>
+        <p:txBody>
+          <a:bodyPr rtlCol="0" anchor="ctr"/>
+          <a:lstStyle/>
+          <a:p>
+            <a:pPr algn="ctr"/>
+            <a:r>
+              <a:rPr lang="en-US" altLang="ko-KR" sz="900" dirty="0" smtClean="0"/>
+              <a:t>jb_3</a:t>
+            </a:r>
+            <a:endParaRPr lang="ko-KR" altLang="en-US" sz="900" dirty="0"/>
+          </a:p>
+        </p:txBody>
+      </p:sp>
+      <p:sp>
+        <p:nvSpPr>
+          <p:cNvPr id="129" name="직사각형 128">
+            <a:extLst>
+              <a:ext uri="{FF2B5EF4-FFF2-40B4-BE49-F238E27FC236}">
+                <a16:creationId xmlns:a16="http://schemas.microsoft.com/office/drawing/2014/main" id="{8FE945E7-731B-45A6-B99C-2C9F69D58A4D}"/>
+              </a:ext>
+            </a:extLst>
+          </p:cNvPr>
+          <p:cNvSpPr/>
+          <p:nvPr/>
+        </p:nvSpPr>
+        <p:spPr>
+          <a:xfrm>
+            <a:off x="2016119" y="993148"/>
+            <a:ext cx="612781" cy="230512"/>
+          </a:xfrm>
+          <a:prstGeom prst="rect">
+            <a:avLst/>
+          </a:prstGeom>
+          <a:noFill/>
+          <a:ln>
+            <a:noFill/>
+          </a:ln>
+        </p:spPr>
+        <p:style>
+          <a:lnRef idx="2">
+            <a:schemeClr val="accent1">
+              <a:shade val="50000"/>
+            </a:schemeClr>
+          </a:lnRef>
+          <a:fillRef idx="1">
+            <a:schemeClr val="accent1"/>
+          </a:fillRef>
+          <a:effectRef idx="0">
+            <a:schemeClr val="accent1"/>
+          </a:effectRef>
+          <a:fontRef idx="minor">
+            <a:schemeClr val="lt1"/>
+          </a:fontRef>
+        </p:style>
+        <p:txBody>
+          <a:bodyPr rtlCol="0" anchor="ctr"/>
+          <a:lstStyle/>
+          <a:p>
+            <a:r>
+              <a:rPr lang="en-US" altLang="ko-KR" sz="900" dirty="0" smtClean="0">
+                <a:solidFill>
+                  <a:schemeClr val="tx1"/>
+                </a:solidFill>
+              </a:rPr>
+              <a:t>F[1]</a:t>
+            </a:r>
+            <a:endParaRPr lang="ko-KR" altLang="en-US" sz="900" dirty="0">
+              <a:solidFill>
+                <a:schemeClr val="tx1"/>
+              </a:solidFill>
+            </a:endParaRPr>
+          </a:p>
+        </p:txBody>
+      </p:sp>
+      <p:sp>
+        <p:nvSpPr>
+          <p:cNvPr id="130" name="직사각형 129">
+            <a:extLst>
+              <a:ext uri="{FF2B5EF4-FFF2-40B4-BE49-F238E27FC236}">
+                <a16:creationId xmlns:a16="http://schemas.microsoft.com/office/drawing/2014/main" id="{8FE945E7-731B-45A6-B99C-2C9F69D58A4D}"/>
+              </a:ext>
+            </a:extLst>
+          </p:cNvPr>
+          <p:cNvSpPr/>
+          <p:nvPr/>
+        </p:nvSpPr>
+        <p:spPr>
+          <a:xfrm>
+            <a:off x="2016119" y="1314603"/>
+            <a:ext cx="612781" cy="230512"/>
+          </a:xfrm>
+          <a:prstGeom prst="rect">
+            <a:avLst/>
+          </a:prstGeom>
+          <a:noFill/>
+          <a:ln>
+            <a:noFill/>
+          </a:ln>
+        </p:spPr>
+        <p:style>
+          <a:lnRef idx="2">
+            <a:schemeClr val="accent1">
+              <a:shade val="50000"/>
+            </a:schemeClr>
+          </a:lnRef>
+          <a:fillRef idx="1">
+            <a:schemeClr val="accent1"/>
+          </a:fillRef>
+          <a:effectRef idx="0">
+            <a:schemeClr val="accent1"/>
+          </a:effectRef>
+          <a:fontRef idx="minor">
+            <a:schemeClr val="lt1"/>
+          </a:fontRef>
+        </p:style>
+        <p:txBody>
+          <a:bodyPr rtlCol="0" anchor="ctr"/>
+          <a:lstStyle/>
+          <a:p>
+            <a:r>
+              <a:rPr lang="en-US" altLang="ko-KR" sz="900" dirty="0" smtClean="0">
+                <a:solidFill>
+                  <a:schemeClr val="tx1"/>
+                </a:solidFill>
+              </a:rPr>
+              <a:t>F[0]</a:t>
+            </a:r>
+            <a:endParaRPr lang="ko-KR" altLang="en-US" sz="900" dirty="0">
+              <a:solidFill>
+                <a:schemeClr val="tx1"/>
+              </a:solidFill>
+            </a:endParaRPr>
+          </a:p>
+        </p:txBody>
+      </p:sp>
+      <p:sp>
+        <p:nvSpPr>
+          <p:cNvPr id="138" name="직사각형 137">
+            <a:extLst>
+              <a:ext uri="{FF2B5EF4-FFF2-40B4-BE49-F238E27FC236}">
+                <a16:creationId xmlns:a16="http://schemas.microsoft.com/office/drawing/2014/main" id="{8FE945E7-731B-45A6-B99C-2C9F69D58A4D}"/>
+              </a:ext>
+            </a:extLst>
+          </p:cNvPr>
+          <p:cNvSpPr/>
+          <p:nvPr/>
+        </p:nvSpPr>
+        <p:spPr>
+          <a:xfrm>
+            <a:off x="8378819" y="993148"/>
+            <a:ext cx="2336806" cy="651502"/>
+          </a:xfrm>
+          <a:prstGeom prst="rect">
+            <a:avLst/>
+          </a:prstGeom>
+          <a:noFill/>
+          <a:ln>
+            <a:noFill/>
+          </a:ln>
+        </p:spPr>
+        <p:style>
+          <a:lnRef idx="2">
+            <a:schemeClr val="accent1">
+              <a:shade val="50000"/>
+            </a:schemeClr>
+          </a:lnRef>
+          <a:fillRef idx="1">
+            <a:schemeClr val="accent1"/>
+          </a:fillRef>
+          <a:effectRef idx="0">
+            <a:schemeClr val="accent1"/>
+          </a:effectRef>
+          <a:fontRef idx="minor">
+            <a:schemeClr val="lt1"/>
+          </a:fontRef>
+        </p:style>
+        <p:txBody>
+          <a:bodyPr rtlCol="0" anchor="ctr"/>
+          <a:lstStyle/>
+          <a:p>
+            <a:r>
+              <a:rPr lang="en-US" altLang="ko-KR" sz="900" dirty="0" smtClean="0">
+                <a:solidFill>
+                  <a:schemeClr val="tx1"/>
+                </a:solidFill>
+              </a:rPr>
+              <a:t>[1] Output Using timestamp</a:t>
+            </a:r>
+          </a:p>
+          <a:p>
+            <a:endParaRPr lang="en-US" altLang="ko-KR" sz="900" dirty="0">
+              <a:solidFill>
+                <a:schemeClr val="tx1"/>
+              </a:solidFill>
+            </a:endParaRPr>
+          </a:p>
+          <a:p>
+            <a:r>
+              <a:rPr lang="en-US" altLang="ko-KR" sz="900" dirty="0" smtClean="0">
+                <a:solidFill>
+                  <a:schemeClr val="tx1"/>
+                </a:solidFill>
+              </a:rPr>
+              <a:t>[2] Output </a:t>
+            </a:r>
+            <a:r>
+              <a:rPr lang="en-US" altLang="ko-KR" sz="900" dirty="0" smtClean="0">
+                <a:solidFill>
+                  <a:schemeClr val="tx1"/>
+                </a:solidFill>
+              </a:rPr>
+              <a:t>Using command</a:t>
+            </a:r>
+            <a:endParaRPr lang="ko-KR" altLang="en-US" sz="900" dirty="0">
+              <a:solidFill>
+                <a:schemeClr val="tx1"/>
+              </a:solidFill>
+            </a:endParaRPr>
+          </a:p>
+        </p:txBody>
+      </p:sp>
+      <p:cxnSp>
+        <p:nvCxnSpPr>
+          <p:cNvPr id="145" name="연결선: 꺾임 129">
+            <a:extLst>
+              <a:ext uri="{FF2B5EF4-FFF2-40B4-BE49-F238E27FC236}">
+                <a16:creationId xmlns:a16="http://schemas.microsoft.com/office/drawing/2014/main" id="{0B72D15C-D39D-43BA-9E14-7569D3137440}"/>
+              </a:ext>
+            </a:extLst>
+          </p:cNvPr>
+          <p:cNvCxnSpPr>
+            <a:cxnSpLocks/>
+            <a:stCxn id="102" idx="2"/>
+            <a:endCxn id="144" idx="3"/>
+          </p:cNvCxnSpPr>
+          <p:nvPr/>
+        </p:nvCxnSpPr>
+        <p:spPr>
+          <a:xfrm rot="10800000" flipV="1">
+            <a:off x="4249335" y="4045499"/>
+            <a:ext cx="3187602" cy="514562"/>
+          </a:xfrm>
+          <a:prstGeom prst="bentConnector3">
+            <a:avLst>
+              <a:gd name="adj1" fmla="val 6074"/>
+            </a:avLst>
+          </a:prstGeom>
+          <a:ln>
+            <a:tailEnd type="triangle"/>
+          </a:ln>
+        </p:spPr>
+        <p:style>
+          <a:lnRef idx="1">
+            <a:schemeClr val="accent1"/>
+          </a:lnRef>
+          <a:fillRef idx="0">
+            <a:schemeClr val="accent1"/>
+          </a:fillRef>
+          <a:effectRef idx="0">
+            <a:schemeClr val="accent1"/>
+          </a:effectRef>
+          <a:fontRef idx="minor">
+            <a:schemeClr val="tx1"/>
+          </a:fontRef>
+        </p:style>
+      </p:cxnSp>
+      <p:grpSp>
+        <p:nvGrpSpPr>
+          <p:cNvPr id="152" name="그룹 151"/>
+          <p:cNvGrpSpPr/>
+          <p:nvPr/>
+        </p:nvGrpSpPr>
+        <p:grpSpPr>
+          <a:xfrm>
+            <a:off x="3601793" y="4432429"/>
+            <a:ext cx="698500" cy="255263"/>
+            <a:chOff x="3601793" y="3387725"/>
+            <a:chExt cx="698500" cy="255263"/>
+          </a:xfrm>
+        </p:grpSpPr>
+        <p:sp>
+          <p:nvSpPr>
+            <p:cNvPr id="144" name="사다리꼴 143"/>
+            <p:cNvSpPr/>
+            <p:nvPr/>
+          </p:nvSpPr>
+          <p:spPr>
+            <a:xfrm>
+              <a:off x="3601793" y="3387725"/>
+              <a:ext cx="698500" cy="255263"/>
+            </a:xfrm>
+            <a:prstGeom prst="trapezoid">
+              <a:avLst>
+                <a:gd name="adj" fmla="val 39926"/>
+              </a:avLst>
+            </a:prstGeom>
+          </p:spPr>
+          <p:style>
+            <a:lnRef idx="2">
+              <a:schemeClr val="accent1">
+                <a:shade val="50000"/>
+              </a:schemeClr>
+            </a:lnRef>
+            <a:fillRef idx="1">
+              <a:schemeClr val="accent1"/>
+            </a:fillRef>
+            <a:effectRef idx="0">
+              <a:schemeClr val="accent1"/>
+            </a:effectRef>
+            <a:fontRef idx="minor">
+              <a:schemeClr val="lt1"/>
+            </a:fontRef>
+          </p:style>
+          <p:txBody>
+            <a:bodyPr rtlCol="0" anchor="ctr"/>
+            <a:lstStyle/>
+            <a:p>
+              <a:pPr algn="ctr"/>
+              <a:r>
+                <a:rPr lang="en-US" altLang="ko-KR" sz="900" dirty="0" smtClean="0"/>
+                <a:t>0      1</a:t>
+              </a:r>
+              <a:endParaRPr lang="ko-KR" altLang="en-US" sz="900" dirty="0"/>
+            </a:p>
+          </p:txBody>
+        </p:sp>
+        <p:sp>
+          <p:nvSpPr>
+            <p:cNvPr id="150" name="타원 149">
+              <a:extLst>
+                <a:ext uri="{FF2B5EF4-FFF2-40B4-BE49-F238E27FC236}">
+                  <a16:creationId xmlns:a16="http://schemas.microsoft.com/office/drawing/2014/main" id="{062CD61B-4FFA-46C8-A4F3-407F780177E2}"/>
+                </a:ext>
+              </a:extLst>
+            </p:cNvPr>
+            <p:cNvSpPr/>
+            <p:nvPr/>
+          </p:nvSpPr>
+          <p:spPr>
+            <a:xfrm>
+              <a:off x="4167133" y="3575844"/>
+              <a:ext cx="66577" cy="66577"/>
+            </a:xfrm>
+            <a:prstGeom prst="ellipse">
+              <a:avLst/>
+            </a:prstGeom>
+          </p:spPr>
+          <p:style>
+            <a:lnRef idx="2">
+              <a:schemeClr val="accent1">
+                <a:shade val="50000"/>
+              </a:schemeClr>
+            </a:lnRef>
+            <a:fillRef idx="1">
+              <a:schemeClr val="accent1"/>
+            </a:fillRef>
+            <a:effectRef idx="0">
+              <a:schemeClr val="accent1"/>
+            </a:effectRef>
+            <a:fontRef idx="minor">
+              <a:schemeClr val="lt1"/>
+            </a:fontRef>
+          </p:style>
+          <p:txBody>
+            <a:bodyPr rtlCol="0" anchor="ctr"/>
+            <a:lstStyle/>
+            <a:p>
+              <a:pPr algn="ctr"/>
+              <a:endParaRPr lang="ko-KR" altLang="en-US" sz="1100" dirty="0"/>
+            </a:p>
+          </p:txBody>
+        </p:sp>
+        <p:sp>
+          <p:nvSpPr>
+            <p:cNvPr id="151" name="타원 150">
+              <a:extLst>
+                <a:ext uri="{FF2B5EF4-FFF2-40B4-BE49-F238E27FC236}">
+                  <a16:creationId xmlns:a16="http://schemas.microsoft.com/office/drawing/2014/main" id="{062CD61B-4FFA-46C8-A4F3-407F780177E2}"/>
+                </a:ext>
+              </a:extLst>
+            </p:cNvPr>
+            <p:cNvSpPr/>
+            <p:nvPr/>
+          </p:nvSpPr>
+          <p:spPr>
+            <a:xfrm>
+              <a:off x="3663563" y="3575844"/>
+              <a:ext cx="66577" cy="66577"/>
+            </a:xfrm>
+            <a:prstGeom prst="ellipse">
+              <a:avLst/>
+            </a:prstGeom>
+          </p:spPr>
+          <p:style>
+            <a:lnRef idx="2">
+              <a:schemeClr val="accent1">
+                <a:shade val="50000"/>
+              </a:schemeClr>
+            </a:lnRef>
+            <a:fillRef idx="1">
+              <a:schemeClr val="accent1"/>
+            </a:fillRef>
+            <a:effectRef idx="0">
+              <a:schemeClr val="accent1"/>
+            </a:effectRef>
+            <a:fontRef idx="minor">
+              <a:schemeClr val="lt1"/>
+            </a:fontRef>
+          </p:style>
+          <p:txBody>
+            <a:bodyPr rtlCol="0" anchor="ctr"/>
+            <a:lstStyle/>
+            <a:p>
+              <a:pPr algn="ctr"/>
+              <a:endParaRPr lang="ko-KR" altLang="en-US" sz="1100" dirty="0"/>
+            </a:p>
+          </p:txBody>
+        </p:sp>
+      </p:grpSp>
+      <p:grpSp>
+        <p:nvGrpSpPr>
+          <p:cNvPr id="156" name="그룹 155">
+            <a:extLst>
+              <a:ext uri="{FF2B5EF4-FFF2-40B4-BE49-F238E27FC236}">
+                <a16:creationId xmlns:a16="http://schemas.microsoft.com/office/drawing/2014/main" id="{FB0CA9BD-EDC7-4CA9-8693-BF2EFC7E8F04}"/>
+              </a:ext>
+            </a:extLst>
+          </p:cNvPr>
+          <p:cNvGrpSpPr/>
+          <p:nvPr/>
+        </p:nvGrpSpPr>
+        <p:grpSpPr>
+          <a:xfrm>
+            <a:off x="3221845" y="3966336"/>
+            <a:ext cx="1466859" cy="230512"/>
+            <a:chOff x="2962265" y="4647551"/>
+            <a:chExt cx="1466859" cy="230512"/>
+          </a:xfrm>
+        </p:grpSpPr>
+        <p:sp>
+          <p:nvSpPr>
+            <p:cNvPr id="157" name="직사각형 156">
+              <a:extLst>
+                <a:ext uri="{FF2B5EF4-FFF2-40B4-BE49-F238E27FC236}">
+                  <a16:creationId xmlns:a16="http://schemas.microsoft.com/office/drawing/2014/main" id="{7556BBA6-E7AE-457F-BB99-28219B8DEB84}"/>
+                </a:ext>
+              </a:extLst>
+            </p:cNvPr>
+            <p:cNvSpPr/>
+            <p:nvPr/>
+          </p:nvSpPr>
+          <p:spPr>
+            <a:xfrm>
+              <a:off x="2962265" y="4647551"/>
+              <a:ext cx="1466859" cy="230512"/>
+            </a:xfrm>
+            <a:prstGeom prst="rect">
+              <a:avLst/>
+            </a:prstGeom>
+          </p:spPr>
+          <p:style>
+            <a:lnRef idx="2">
+              <a:schemeClr val="accent1">
+                <a:shade val="50000"/>
+              </a:schemeClr>
+            </a:lnRef>
+            <a:fillRef idx="1">
+              <a:schemeClr val="accent1"/>
+            </a:fillRef>
+            <a:effectRef idx="0">
+              <a:schemeClr val="accent1"/>
+            </a:effectRef>
+            <a:fontRef idx="minor">
+              <a:schemeClr val="lt1"/>
+            </a:fontRef>
+          </p:style>
+          <p:txBody>
+            <a:bodyPr rtlCol="0" anchor="ctr"/>
+            <a:lstStyle/>
+            <a:p>
+              <a:pPr algn="ctr"/>
+              <a:r>
+                <a:rPr lang="en-US" altLang="ko-KR" sz="900" dirty="0" smtClean="0"/>
+                <a:t>select</a:t>
+              </a:r>
+              <a:endParaRPr lang="ko-KR" altLang="en-US" sz="900" dirty="0"/>
+            </a:p>
+          </p:txBody>
+        </p:sp>
+        <p:sp>
+          <p:nvSpPr>
+            <p:cNvPr id="158" name="이등변 삼각형 157">
+              <a:extLst>
+                <a:ext uri="{FF2B5EF4-FFF2-40B4-BE49-F238E27FC236}">
+                  <a16:creationId xmlns:a16="http://schemas.microsoft.com/office/drawing/2014/main" id="{D17212F7-23EE-4E43-AF98-5A758AE67187}"/>
+                </a:ext>
+              </a:extLst>
+            </p:cNvPr>
+            <p:cNvSpPr/>
+            <p:nvPr/>
+          </p:nvSpPr>
+          <p:spPr>
+            <a:xfrm rot="16200000">
+              <a:off x="4350705" y="4722488"/>
+              <a:ext cx="76200" cy="80638"/>
+            </a:xfrm>
+            <a:prstGeom prst="triangle">
+              <a:avLst/>
+            </a:prstGeom>
+            <a:solidFill>
+              <a:schemeClr val="bg1"/>
+            </a:solidFill>
+          </p:spPr>
+          <p:style>
+            <a:lnRef idx="2">
+              <a:schemeClr val="accent1">
+                <a:shade val="50000"/>
+              </a:schemeClr>
+            </a:lnRef>
+            <a:fillRef idx="1">
+              <a:schemeClr val="accent1"/>
+            </a:fillRef>
+            <a:effectRef idx="0">
+              <a:schemeClr val="accent1"/>
+            </a:effectRef>
+            <a:fontRef idx="minor">
+              <a:schemeClr val="lt1"/>
+            </a:fontRef>
+          </p:style>
+          <p:txBody>
+            <a:bodyPr rtlCol="0" anchor="ctr"/>
+            <a:lstStyle/>
+            <a:p>
+              <a:pPr algn="ctr"/>
+              <a:endParaRPr lang="ko-KR" altLang="en-US"/>
+            </a:p>
+          </p:txBody>
+        </p:sp>
+      </p:grpSp>
+      <p:cxnSp>
+        <p:nvCxnSpPr>
+          <p:cNvPr id="159" name="연결선: 꺾임 129">
+            <a:extLst>
+              <a:ext uri="{FF2B5EF4-FFF2-40B4-BE49-F238E27FC236}">
+                <a16:creationId xmlns:a16="http://schemas.microsoft.com/office/drawing/2014/main" id="{0B72D15C-D39D-43BA-9E14-7569D3137440}"/>
+              </a:ext>
+            </a:extLst>
+          </p:cNvPr>
+          <p:cNvCxnSpPr>
+            <a:cxnSpLocks/>
+            <a:stCxn id="144" idx="0"/>
+            <a:endCxn id="157" idx="2"/>
+          </p:cNvCxnSpPr>
+          <p:nvPr/>
+        </p:nvCxnSpPr>
+        <p:spPr>
+          <a:xfrm rot="5400000" flipH="1" flipV="1">
+            <a:off x="3835369" y="4312523"/>
+            <a:ext cx="235581" cy="4232"/>
+          </a:xfrm>
+          <a:prstGeom prst="bentConnector3">
+            <a:avLst>
+              <a:gd name="adj1" fmla="val 50000"/>
+            </a:avLst>
+          </a:prstGeom>
+          <a:ln>
+            <a:tailEnd type="triangle"/>
+          </a:ln>
+        </p:spPr>
+        <p:style>
+          <a:lnRef idx="1">
+            <a:schemeClr val="accent1"/>
+          </a:lnRef>
+          <a:fillRef idx="0">
+            <a:schemeClr val="accent1"/>
+          </a:fillRef>
+          <a:effectRef idx="0">
+            <a:schemeClr val="accent1"/>
+          </a:effectRef>
+          <a:fontRef idx="minor">
+            <a:schemeClr val="tx1"/>
+          </a:fontRef>
+        </p:style>
+      </p:cxnSp>
+      <p:cxnSp>
+        <p:nvCxnSpPr>
+          <p:cNvPr id="162" name="연결선: 꺾임 129">
+            <a:extLst>
+              <a:ext uri="{FF2B5EF4-FFF2-40B4-BE49-F238E27FC236}">
+                <a16:creationId xmlns:a16="http://schemas.microsoft.com/office/drawing/2014/main" id="{0B72D15C-D39D-43BA-9E14-7569D3137440}"/>
+              </a:ext>
+            </a:extLst>
+          </p:cNvPr>
+          <p:cNvCxnSpPr>
+            <a:cxnSpLocks/>
+            <a:stCxn id="157" idx="0"/>
+            <a:endCxn id="151" idx="4"/>
+          </p:cNvCxnSpPr>
+          <p:nvPr/>
+        </p:nvCxnSpPr>
+        <p:spPr>
+          <a:xfrm rot="16200000" flipH="1" flipV="1">
+            <a:off x="3465669" y="4197518"/>
+            <a:ext cx="720789" cy="258423"/>
+          </a:xfrm>
+          <a:prstGeom prst="bentConnector5">
+            <a:avLst>
+              <a:gd name="adj1" fmla="val -45811"/>
+              <a:gd name="adj2" fmla="val 372269"/>
+              <a:gd name="adj3" fmla="val 131715"/>
+            </a:avLst>
+          </a:prstGeom>
+          <a:ln>
+            <a:tailEnd type="triangle"/>
+          </a:ln>
+        </p:spPr>
+        <p:style>
+          <a:lnRef idx="1">
+            <a:schemeClr val="accent1"/>
+          </a:lnRef>
+          <a:fillRef idx="0">
+            <a:schemeClr val="accent1"/>
+          </a:fillRef>
+          <a:effectRef idx="0">
+            <a:schemeClr val="accent1"/>
+          </a:effectRef>
+          <a:fontRef idx="minor">
+            <a:schemeClr val="tx1"/>
+          </a:fontRef>
+        </p:style>
+      </p:cxnSp>
+      <p:grpSp>
+        <p:nvGrpSpPr>
+          <p:cNvPr id="165" name="그룹 164"/>
+          <p:cNvGrpSpPr/>
+          <p:nvPr/>
+        </p:nvGrpSpPr>
+        <p:grpSpPr>
+          <a:xfrm rot="16200000">
+            <a:off x="5579536" y="2161858"/>
+            <a:ext cx="698500" cy="255263"/>
+            <a:chOff x="3601793" y="3387725"/>
+            <a:chExt cx="698500" cy="255263"/>
+          </a:xfrm>
+        </p:grpSpPr>
+        <p:sp>
+          <p:nvSpPr>
+            <p:cNvPr id="166" name="사다리꼴 165"/>
+            <p:cNvSpPr/>
+            <p:nvPr/>
+          </p:nvSpPr>
+          <p:spPr>
+            <a:xfrm>
+              <a:off x="3601793" y="3387725"/>
+              <a:ext cx="698500" cy="255263"/>
+            </a:xfrm>
+            <a:prstGeom prst="trapezoid">
+              <a:avLst>
+                <a:gd name="adj" fmla="val 39926"/>
+              </a:avLst>
+            </a:prstGeom>
+          </p:spPr>
+          <p:style>
+            <a:lnRef idx="2">
+              <a:schemeClr val="accent1">
+                <a:shade val="50000"/>
+              </a:schemeClr>
+            </a:lnRef>
+            <a:fillRef idx="1">
+              <a:schemeClr val="accent1"/>
+            </a:fillRef>
+            <a:effectRef idx="0">
+              <a:schemeClr val="accent1"/>
+            </a:effectRef>
+            <a:fontRef idx="minor">
+              <a:schemeClr val="lt1"/>
+            </a:fontRef>
+          </p:style>
+          <p:txBody>
+            <a:bodyPr rtlCol="0" anchor="ctr"/>
+            <a:lstStyle/>
+            <a:p>
+              <a:pPr algn="ctr"/>
+              <a:r>
+                <a:rPr lang="en-US" altLang="ko-KR" sz="900" dirty="0"/>
+                <a:t>1</a:t>
+              </a:r>
+              <a:r>
+                <a:rPr lang="en-US" altLang="ko-KR" sz="900" dirty="0" smtClean="0"/>
+                <a:t>      </a:t>
+              </a:r>
+              <a:r>
+                <a:rPr lang="en-US" altLang="ko-KR" sz="900" dirty="0"/>
+                <a:t>0</a:t>
+              </a:r>
+              <a:endParaRPr lang="ko-KR" altLang="en-US" sz="900" dirty="0"/>
+            </a:p>
+          </p:txBody>
+        </p:sp>
+        <p:sp>
+          <p:nvSpPr>
+            <p:cNvPr id="167" name="타원 166">
+              <a:extLst>
+                <a:ext uri="{FF2B5EF4-FFF2-40B4-BE49-F238E27FC236}">
+                  <a16:creationId xmlns:a16="http://schemas.microsoft.com/office/drawing/2014/main" id="{062CD61B-4FFA-46C8-A4F3-407F780177E2}"/>
+                </a:ext>
+              </a:extLst>
+            </p:cNvPr>
+            <p:cNvSpPr/>
+            <p:nvPr/>
+          </p:nvSpPr>
+          <p:spPr>
+            <a:xfrm>
+              <a:off x="4167133" y="3575844"/>
+              <a:ext cx="66577" cy="66577"/>
+            </a:xfrm>
+            <a:prstGeom prst="ellipse">
+              <a:avLst/>
+            </a:prstGeom>
+          </p:spPr>
+          <p:style>
+            <a:lnRef idx="2">
+              <a:schemeClr val="accent1">
+                <a:shade val="50000"/>
+              </a:schemeClr>
+            </a:lnRef>
+            <a:fillRef idx="1">
+              <a:schemeClr val="accent1"/>
+            </a:fillRef>
+            <a:effectRef idx="0">
+              <a:schemeClr val="accent1"/>
+            </a:effectRef>
+            <a:fontRef idx="minor">
+              <a:schemeClr val="lt1"/>
+            </a:fontRef>
+          </p:style>
+          <p:txBody>
+            <a:bodyPr rtlCol="0" anchor="ctr"/>
+            <a:lstStyle/>
+            <a:p>
+              <a:pPr algn="ctr"/>
+              <a:endParaRPr lang="ko-KR" altLang="en-US" sz="1100" dirty="0"/>
+            </a:p>
+          </p:txBody>
+        </p:sp>
+        <p:sp>
+          <p:nvSpPr>
+            <p:cNvPr id="168" name="타원 167">
+              <a:extLst>
+                <a:ext uri="{FF2B5EF4-FFF2-40B4-BE49-F238E27FC236}">
+                  <a16:creationId xmlns:a16="http://schemas.microsoft.com/office/drawing/2014/main" id="{062CD61B-4FFA-46C8-A4F3-407F780177E2}"/>
+                </a:ext>
+              </a:extLst>
+            </p:cNvPr>
+            <p:cNvSpPr/>
+            <p:nvPr/>
+          </p:nvSpPr>
+          <p:spPr>
+            <a:xfrm>
+              <a:off x="3663563" y="3575844"/>
+              <a:ext cx="66577" cy="66577"/>
+            </a:xfrm>
+            <a:prstGeom prst="ellipse">
+              <a:avLst/>
+            </a:prstGeom>
+          </p:spPr>
+          <p:style>
+            <a:lnRef idx="2">
+              <a:schemeClr val="accent1">
+                <a:shade val="50000"/>
+              </a:schemeClr>
+            </a:lnRef>
+            <a:fillRef idx="1">
+              <a:schemeClr val="accent1"/>
+            </a:fillRef>
+            <a:effectRef idx="0">
+              <a:schemeClr val="accent1"/>
+            </a:effectRef>
+            <a:fontRef idx="minor">
+              <a:schemeClr val="lt1"/>
+            </a:fontRef>
+          </p:style>
+          <p:txBody>
+            <a:bodyPr rtlCol="0" anchor="ctr"/>
+            <a:lstStyle/>
+            <a:p>
+              <a:pPr algn="ctr"/>
+              <a:endParaRPr lang="ko-KR" altLang="en-US" sz="1100" dirty="0"/>
+            </a:p>
+          </p:txBody>
+        </p:sp>
+      </p:grpSp>
+      <p:grpSp>
+        <p:nvGrpSpPr>
+          <p:cNvPr id="172" name="그룹 171">
+            <a:extLst>
+              <a:ext uri="{FF2B5EF4-FFF2-40B4-BE49-F238E27FC236}">
+                <a16:creationId xmlns:a16="http://schemas.microsoft.com/office/drawing/2014/main" id="{FB0CA9BD-EDC7-4CA9-8693-BF2EFC7E8F04}"/>
+              </a:ext>
+            </a:extLst>
+          </p:cNvPr>
+          <p:cNvGrpSpPr/>
+          <p:nvPr/>
+        </p:nvGrpSpPr>
+        <p:grpSpPr>
+          <a:xfrm>
+            <a:off x="3225597" y="5188079"/>
+            <a:ext cx="1466859" cy="230512"/>
+            <a:chOff x="2962265" y="4647551"/>
+            <a:chExt cx="1466859" cy="230512"/>
+          </a:xfrm>
+        </p:grpSpPr>
+        <p:sp>
+          <p:nvSpPr>
+            <p:cNvPr id="173" name="직사각형 172">
+              <a:extLst>
+                <a:ext uri="{FF2B5EF4-FFF2-40B4-BE49-F238E27FC236}">
+                  <a16:creationId xmlns:a16="http://schemas.microsoft.com/office/drawing/2014/main" id="{7556BBA6-E7AE-457F-BB99-28219B8DEB84}"/>
+                </a:ext>
+              </a:extLst>
+            </p:cNvPr>
+            <p:cNvSpPr/>
+            <p:nvPr/>
+          </p:nvSpPr>
+          <p:spPr>
+            <a:xfrm>
+              <a:off x="2962265" y="4647551"/>
+              <a:ext cx="1466859" cy="230512"/>
+            </a:xfrm>
+            <a:prstGeom prst="rect">
+              <a:avLst/>
+            </a:prstGeom>
+          </p:spPr>
+          <p:style>
+            <a:lnRef idx="2">
+              <a:schemeClr val="accent1">
+                <a:shade val="50000"/>
+              </a:schemeClr>
+            </a:lnRef>
+            <a:fillRef idx="1">
+              <a:schemeClr val="accent1"/>
+            </a:fillRef>
+            <a:effectRef idx="0">
+              <a:schemeClr val="accent1"/>
+            </a:effectRef>
+            <a:fontRef idx="minor">
+              <a:schemeClr val="lt1"/>
+            </a:fontRef>
+          </p:style>
+          <p:txBody>
+            <a:bodyPr rtlCol="0" anchor="ctr"/>
+            <a:lstStyle/>
+            <a:p>
+              <a:pPr algn="ctr"/>
+              <a:r>
+                <a:rPr lang="en-US" altLang="ko-KR" sz="900" dirty="0" err="1" smtClean="0"/>
+                <a:t>force_value</a:t>
+              </a:r>
+              <a:endParaRPr lang="ko-KR" altLang="en-US" sz="900" dirty="0"/>
+            </a:p>
+          </p:txBody>
+        </p:sp>
+        <p:sp>
+          <p:nvSpPr>
+            <p:cNvPr id="174" name="이등변 삼각형 173">
+              <a:extLst>
+                <a:ext uri="{FF2B5EF4-FFF2-40B4-BE49-F238E27FC236}">
+                  <a16:creationId xmlns:a16="http://schemas.microsoft.com/office/drawing/2014/main" id="{D17212F7-23EE-4E43-AF98-5A758AE67187}"/>
+                </a:ext>
+              </a:extLst>
+            </p:cNvPr>
+            <p:cNvSpPr/>
+            <p:nvPr/>
+          </p:nvSpPr>
+          <p:spPr>
+            <a:xfrm rot="16200000">
+              <a:off x="4350705" y="4722488"/>
+              <a:ext cx="76200" cy="80638"/>
+            </a:xfrm>
+            <a:prstGeom prst="triangle">
+              <a:avLst/>
+            </a:prstGeom>
+            <a:solidFill>
+              <a:schemeClr val="bg1"/>
+            </a:solidFill>
+          </p:spPr>
+          <p:style>
+            <a:lnRef idx="2">
+              <a:schemeClr val="accent1">
+                <a:shade val="50000"/>
+              </a:schemeClr>
+            </a:lnRef>
+            <a:fillRef idx="1">
+              <a:schemeClr val="accent1"/>
+            </a:fillRef>
+            <a:effectRef idx="0">
+              <a:schemeClr val="accent1"/>
+            </a:effectRef>
+            <a:fontRef idx="minor">
+              <a:schemeClr val="lt1"/>
+            </a:fontRef>
+          </p:style>
+          <p:txBody>
+            <a:bodyPr rtlCol="0" anchor="ctr"/>
+            <a:lstStyle/>
+            <a:p>
+              <a:pPr algn="ctr"/>
+              <a:endParaRPr lang="ko-KR" altLang="en-US"/>
+            </a:p>
+          </p:txBody>
+        </p:sp>
+      </p:grpSp>
+      <p:cxnSp>
+        <p:nvCxnSpPr>
+          <p:cNvPr id="175" name="연결선: 꺾임 129">
+            <a:extLst>
+              <a:ext uri="{FF2B5EF4-FFF2-40B4-BE49-F238E27FC236}">
+                <a16:creationId xmlns:a16="http://schemas.microsoft.com/office/drawing/2014/main" id="{0B72D15C-D39D-43BA-9E14-7569D3137440}"/>
+              </a:ext>
+            </a:extLst>
+          </p:cNvPr>
+          <p:cNvCxnSpPr>
+            <a:cxnSpLocks/>
+            <a:stCxn id="173" idx="2"/>
+            <a:endCxn id="168" idx="4"/>
+          </p:cNvCxnSpPr>
+          <p:nvPr/>
+        </p:nvCxnSpPr>
+        <p:spPr>
+          <a:xfrm rot="5400000" flipH="1" flipV="1">
+            <a:off x="3569983" y="2932724"/>
+            <a:ext cx="2874911" cy="2096824"/>
+          </a:xfrm>
+          <a:prstGeom prst="bentConnector4">
+            <a:avLst>
+              <a:gd name="adj1" fmla="val -7952"/>
+              <a:gd name="adj2" fmla="val 110902"/>
+            </a:avLst>
+          </a:prstGeom>
+          <a:ln>
+            <a:tailEnd type="triangle"/>
+          </a:ln>
+        </p:spPr>
+        <p:style>
+          <a:lnRef idx="1">
+            <a:schemeClr val="accent1"/>
+          </a:lnRef>
+          <a:fillRef idx="0">
+            <a:schemeClr val="accent1"/>
+          </a:fillRef>
+          <a:effectRef idx="0">
+            <a:schemeClr val="accent1"/>
+          </a:effectRef>
+          <a:fontRef idx="minor">
+            <a:schemeClr val="tx1"/>
+          </a:fontRef>
+        </p:style>
+      </p:cxnSp>
+      <p:sp>
+        <p:nvSpPr>
+          <p:cNvPr id="180" name="직사각형 179">
+            <a:extLst>
+              <a:ext uri="{FF2B5EF4-FFF2-40B4-BE49-F238E27FC236}">
+                <a16:creationId xmlns:a16="http://schemas.microsoft.com/office/drawing/2014/main" id="{7556BBA6-E7AE-457F-BB99-28219B8DEB84}"/>
+              </a:ext>
+            </a:extLst>
+          </p:cNvPr>
+          <p:cNvSpPr/>
+          <p:nvPr/>
+        </p:nvSpPr>
+        <p:spPr>
+          <a:xfrm>
+            <a:off x="4095102" y="4824264"/>
+            <a:ext cx="217755" cy="230512"/>
+          </a:xfrm>
+          <a:prstGeom prst="rect">
+            <a:avLst/>
+          </a:prstGeom>
+        </p:spPr>
+        <p:style>
+          <a:lnRef idx="2">
+            <a:schemeClr val="accent1">
+              <a:shade val="50000"/>
+            </a:schemeClr>
+          </a:lnRef>
+          <a:fillRef idx="1">
+            <a:schemeClr val="accent1"/>
+          </a:fillRef>
+          <a:effectRef idx="0">
+            <a:schemeClr val="accent1"/>
+          </a:effectRef>
+          <a:fontRef idx="minor">
+            <a:schemeClr val="lt1"/>
+          </a:fontRef>
+        </p:style>
+        <p:txBody>
+          <a:bodyPr rtlCol="0" anchor="ctr"/>
+          <a:lstStyle/>
+          <a:p>
+            <a:pPr algn="ctr"/>
+            <a:r>
+              <a:rPr lang="en-US" altLang="ko-KR" sz="900" dirty="0"/>
+              <a:t>0</a:t>
+            </a:r>
+            <a:endParaRPr lang="ko-KR" altLang="en-US" sz="900" dirty="0"/>
+          </a:p>
+        </p:txBody>
+      </p:sp>
+      <p:cxnSp>
+        <p:nvCxnSpPr>
+          <p:cNvPr id="182" name="연결선: 꺾임 129">
+            <a:extLst>
+              <a:ext uri="{FF2B5EF4-FFF2-40B4-BE49-F238E27FC236}">
+                <a16:creationId xmlns:a16="http://schemas.microsoft.com/office/drawing/2014/main" id="{0B72D15C-D39D-43BA-9E14-7569D3137440}"/>
+              </a:ext>
+            </a:extLst>
+          </p:cNvPr>
+          <p:cNvCxnSpPr>
+            <a:cxnSpLocks/>
+            <a:stCxn id="180" idx="0"/>
+            <a:endCxn id="150" idx="4"/>
+          </p:cNvCxnSpPr>
+          <p:nvPr/>
+        </p:nvCxnSpPr>
+        <p:spPr>
+          <a:xfrm rot="16200000" flipV="1">
+            <a:off x="4133632" y="4753916"/>
+            <a:ext cx="137139" cy="3558"/>
+          </a:xfrm>
+          <a:prstGeom prst="bentConnector3">
+            <a:avLst>
+              <a:gd name="adj1" fmla="val 50000"/>
+            </a:avLst>
+          </a:prstGeom>
+          <a:ln>
+            <a:tailEnd type="triangle"/>
+          </a:ln>
+        </p:spPr>
+        <p:style>
+          <a:lnRef idx="1">
+            <a:schemeClr val="accent1"/>
+          </a:lnRef>
+          <a:fillRef idx="0">
+            <a:schemeClr val="accent1"/>
+          </a:fillRef>
+          <a:effectRef idx="0">
+            <a:schemeClr val="accent1"/>
+          </a:effectRef>
+          <a:fontRef idx="minor">
+            <a:schemeClr val="tx1"/>
+          </a:fontRef>
+        </p:style>
+      </p:cxnSp>
+      <p:cxnSp>
+        <p:nvCxnSpPr>
+          <p:cNvPr id="190" name="연결선: 꺾임 129">
+            <a:extLst>
+              <a:ext uri="{FF2B5EF4-FFF2-40B4-BE49-F238E27FC236}">
+                <a16:creationId xmlns:a16="http://schemas.microsoft.com/office/drawing/2014/main" id="{0B72D15C-D39D-43BA-9E14-7569D3137440}"/>
+              </a:ext>
+            </a:extLst>
+          </p:cNvPr>
+          <p:cNvCxnSpPr>
+            <a:cxnSpLocks/>
+            <a:stCxn id="54" idx="1"/>
+            <a:endCxn id="167" idx="4"/>
+          </p:cNvCxnSpPr>
+          <p:nvPr/>
+        </p:nvCxnSpPr>
+        <p:spPr>
+          <a:xfrm rot="10800000">
+            <a:off x="6055851" y="2040110"/>
+            <a:ext cx="2172424" cy="3634"/>
+          </a:xfrm>
+          <a:prstGeom prst="bentConnector3">
+            <a:avLst>
+              <a:gd name="adj1" fmla="val 50000"/>
+            </a:avLst>
+          </a:prstGeom>
+          <a:ln>
+            <a:tailEnd type="triangle"/>
+          </a:ln>
+        </p:spPr>
+        <p:style>
+          <a:lnRef idx="1">
+            <a:schemeClr val="accent1"/>
+          </a:lnRef>
+          <a:fillRef idx="0">
+            <a:schemeClr val="accent1"/>
+          </a:fillRef>
+          <a:effectRef idx="0">
+            <a:schemeClr val="accent1"/>
+          </a:effectRef>
+          <a:fontRef idx="minor">
+            <a:schemeClr val="tx1"/>
+          </a:fontRef>
+        </p:style>
+      </p:cxnSp>
+      <p:cxnSp>
+        <p:nvCxnSpPr>
+          <p:cNvPr id="193" name="꺾인 연결선 192"/>
+          <p:cNvCxnSpPr>
+            <a:stCxn id="166" idx="0"/>
+            <a:endCxn id="65" idx="0"/>
+          </p:cNvCxnSpPr>
+          <p:nvPr/>
+        </p:nvCxnSpPr>
+        <p:spPr>
+          <a:xfrm rot="10800000" flipV="1">
+            <a:off x="3505913" y="2289490"/>
+            <a:ext cx="2295242" cy="314696"/>
+          </a:xfrm>
+          <a:prstGeom prst="bentConnector2">
+            <a:avLst/>
+          </a:prstGeom>
+          <a:ln>
+            <a:tailEnd type="triangle"/>
+          </a:ln>
+        </p:spPr>
+        <p:style>
+          <a:lnRef idx="1">
+            <a:schemeClr val="accent1"/>
+          </a:lnRef>
+          <a:fillRef idx="0">
+            <a:schemeClr val="accent1"/>
+          </a:fillRef>
+          <a:effectRef idx="0">
+            <a:schemeClr val="accent1"/>
+          </a:effectRef>
+          <a:fontRef idx="minor">
+            <a:schemeClr val="tx1"/>
+          </a:fontRef>
+        </p:style>
+      </p:cxnSp>
+      <p:cxnSp>
+        <p:nvCxnSpPr>
+          <p:cNvPr id="198" name="꺾인 연결선 197"/>
+          <p:cNvCxnSpPr>
+            <a:stCxn id="65" idx="2"/>
+            <a:endCxn id="72" idx="0"/>
+          </p:cNvCxnSpPr>
+          <p:nvPr/>
+        </p:nvCxnSpPr>
+        <p:spPr>
+          <a:xfrm rot="16200000" flipH="1">
+            <a:off x="3405900" y="2934710"/>
+            <a:ext cx="203200" cy="3175"/>
+          </a:xfrm>
+          <a:prstGeom prst="bentConnector3">
+            <a:avLst>
+              <a:gd name="adj1" fmla="val 50000"/>
+            </a:avLst>
+          </a:prstGeom>
+          <a:ln>
+            <a:tailEnd type="triangle"/>
+          </a:ln>
+        </p:spPr>
+        <p:style>
+          <a:lnRef idx="1">
+            <a:schemeClr val="accent1"/>
+          </a:lnRef>
+          <a:fillRef idx="0">
+            <a:schemeClr val="accent1"/>
+          </a:fillRef>
+          <a:effectRef idx="0">
+            <a:schemeClr val="accent1"/>
+          </a:effectRef>
+          <a:fontRef idx="minor">
+            <a:schemeClr val="tx1"/>
+          </a:fontRef>
+        </p:style>
+      </p:cxnSp>
+      <p:cxnSp>
+        <p:nvCxnSpPr>
+          <p:cNvPr id="202" name="연결선: 꺾임 129">
+            <a:extLst>
+              <a:ext uri="{FF2B5EF4-FFF2-40B4-BE49-F238E27FC236}">
+                <a16:creationId xmlns:a16="http://schemas.microsoft.com/office/drawing/2014/main" id="{0B72D15C-D39D-43BA-9E14-7569D3137440}"/>
+              </a:ext>
+            </a:extLst>
+          </p:cNvPr>
+          <p:cNvCxnSpPr>
+            <a:cxnSpLocks/>
+            <a:stCxn id="157" idx="0"/>
+            <a:endCxn id="223" idx="2"/>
+          </p:cNvCxnSpPr>
+          <p:nvPr/>
+        </p:nvCxnSpPr>
+        <p:spPr>
+          <a:xfrm rot="5400000" flipH="1" flipV="1">
+            <a:off x="4573070" y="2684205"/>
+            <a:ext cx="664337" cy="1899927"/>
+          </a:xfrm>
+          <a:prstGeom prst="bentConnector3">
+            <a:avLst>
+              <a:gd name="adj1" fmla="val 50000"/>
+            </a:avLst>
+          </a:prstGeom>
+          <a:ln>
+            <a:tailEnd type="triangle"/>
+          </a:ln>
+        </p:spPr>
+        <p:style>
+          <a:lnRef idx="1">
+            <a:schemeClr val="accent1"/>
+          </a:lnRef>
+          <a:fillRef idx="0">
+            <a:schemeClr val="accent1"/>
+          </a:fillRef>
+          <a:effectRef idx="0">
+            <a:schemeClr val="accent1"/>
+          </a:effectRef>
+          <a:fontRef idx="minor">
+            <a:schemeClr val="tx1"/>
+          </a:fontRef>
+        </p:style>
+      </p:cxnSp>
+      <p:cxnSp>
+        <p:nvCxnSpPr>
+          <p:cNvPr id="206" name="꺾인 연결선 205"/>
+          <p:cNvCxnSpPr>
+            <a:stCxn id="72" idx="2"/>
+          </p:cNvCxnSpPr>
+          <p:nvPr/>
+        </p:nvCxnSpPr>
+        <p:spPr>
+          <a:xfrm rot="5400000">
+            <a:off x="2783519" y="2729901"/>
+            <a:ext cx="187060" cy="1264079"/>
+          </a:xfrm>
+          <a:prstGeom prst="bentConnector2">
+            <a:avLst/>
+          </a:prstGeom>
+          <a:ln>
+            <a:tailEnd type="triangle"/>
+          </a:ln>
+        </p:spPr>
+        <p:style>
+          <a:lnRef idx="1">
+            <a:schemeClr val="accent1"/>
+          </a:lnRef>
+          <a:fillRef idx="0">
+            <a:schemeClr val="accent1"/>
+          </a:fillRef>
+          <a:effectRef idx="0">
+            <a:schemeClr val="accent1"/>
+          </a:effectRef>
+          <a:fontRef idx="minor">
+            <a:schemeClr val="tx1"/>
+          </a:fontRef>
+        </p:style>
+      </p:cxnSp>
+      <p:cxnSp>
+        <p:nvCxnSpPr>
+          <p:cNvPr id="209" name="연결선: 꺾임 129">
+            <a:extLst>
+              <a:ext uri="{FF2B5EF4-FFF2-40B4-BE49-F238E27FC236}">
+                <a16:creationId xmlns:a16="http://schemas.microsoft.com/office/drawing/2014/main" id="{0B72D15C-D39D-43BA-9E14-7569D3137440}"/>
+              </a:ext>
+            </a:extLst>
+          </p:cNvPr>
+          <p:cNvCxnSpPr>
+            <a:cxnSpLocks/>
+            <a:endCxn id="157" idx="1"/>
+          </p:cNvCxnSpPr>
+          <p:nvPr/>
+        </p:nvCxnSpPr>
+        <p:spPr>
+          <a:xfrm rot="5400000" flipH="1" flipV="1">
+            <a:off x="1681187" y="4945867"/>
+            <a:ext cx="2404933" cy="676384"/>
+          </a:xfrm>
+          <a:prstGeom prst="bentConnector2">
+            <a:avLst/>
+          </a:prstGeom>
+          <a:ln>
+            <a:tailEnd type="triangle"/>
+          </a:ln>
+        </p:spPr>
+        <p:style>
+          <a:lnRef idx="1">
+            <a:schemeClr val="accent1"/>
+          </a:lnRef>
+          <a:fillRef idx="0">
+            <a:schemeClr val="accent1"/>
+          </a:fillRef>
+          <a:effectRef idx="0">
+            <a:schemeClr val="accent1"/>
+          </a:effectRef>
+          <a:fontRef idx="minor">
+            <a:schemeClr val="tx1"/>
+          </a:fontRef>
+        </p:style>
+      </p:cxnSp>
+      <p:cxnSp>
+        <p:nvCxnSpPr>
+          <p:cNvPr id="212" name="연결선: 꺾임 129">
+            <a:extLst>
+              <a:ext uri="{FF2B5EF4-FFF2-40B4-BE49-F238E27FC236}">
+                <a16:creationId xmlns:a16="http://schemas.microsoft.com/office/drawing/2014/main" id="{0B72D15C-D39D-43BA-9E14-7569D3137440}"/>
+              </a:ext>
+            </a:extLst>
+          </p:cNvPr>
+          <p:cNvCxnSpPr>
+            <a:cxnSpLocks/>
+            <a:endCxn id="173" idx="1"/>
+          </p:cNvCxnSpPr>
+          <p:nvPr/>
+        </p:nvCxnSpPr>
+        <p:spPr>
+          <a:xfrm rot="5400000" flipH="1" flipV="1">
+            <a:off x="2355660" y="5616588"/>
+            <a:ext cx="1183190" cy="556684"/>
+          </a:xfrm>
+          <a:prstGeom prst="bentConnector2">
+            <a:avLst/>
+          </a:prstGeom>
+          <a:ln>
+            <a:tailEnd type="triangle"/>
+          </a:ln>
+        </p:spPr>
+        <p:style>
+          <a:lnRef idx="1">
+            <a:schemeClr val="accent1"/>
+          </a:lnRef>
+          <a:fillRef idx="0">
+            <a:schemeClr val="accent1"/>
+          </a:fillRef>
+          <a:effectRef idx="0">
+            <a:schemeClr val="accent1"/>
+          </a:effectRef>
+          <a:fontRef idx="minor">
+            <a:schemeClr val="tx1"/>
+          </a:fontRef>
+        </p:style>
+      </p:cxnSp>
+      <p:sp>
+        <p:nvSpPr>
+          <p:cNvPr id="215" name="직사각형 214">
+            <a:extLst>
+              <a:ext uri="{FF2B5EF4-FFF2-40B4-BE49-F238E27FC236}">
+                <a16:creationId xmlns:a16="http://schemas.microsoft.com/office/drawing/2014/main" id="{8FE945E7-731B-45A6-B99C-2C9F69D58A4D}"/>
+              </a:ext>
+            </a:extLst>
+          </p:cNvPr>
+          <p:cNvSpPr/>
+          <p:nvPr/>
+        </p:nvSpPr>
+        <p:spPr>
+          <a:xfrm>
+            <a:off x="3892633" y="1511684"/>
+            <a:ext cx="796071" cy="735946"/>
+          </a:xfrm>
+          <a:prstGeom prst="rect">
+            <a:avLst/>
+          </a:prstGeom>
+          <a:noFill/>
+          <a:ln>
+            <a:noFill/>
+          </a:ln>
+        </p:spPr>
+        <p:style>
+          <a:lnRef idx="2">
+            <a:schemeClr val="accent1">
+              <a:shade val="50000"/>
+            </a:schemeClr>
+          </a:lnRef>
+          <a:fillRef idx="1">
+            <a:schemeClr val="accent1"/>
+          </a:fillRef>
+          <a:effectRef idx="0">
+            <a:schemeClr val="accent1"/>
+          </a:effectRef>
+          <a:fontRef idx="minor">
+            <a:schemeClr val="lt1"/>
+          </a:fontRef>
+        </p:style>
+        <p:txBody>
+          <a:bodyPr rtlCol="0" anchor="ctr"/>
+          <a:lstStyle/>
+          <a:p>
+            <a:r>
+              <a:rPr lang="en-US" altLang="ko-KR" sz="900" dirty="0" err="1" smtClean="0">
+                <a:solidFill>
+                  <a:schemeClr val="tx1"/>
+                </a:solidFill>
+              </a:rPr>
+              <a:t>Sel</a:t>
+            </a:r>
+            <a:r>
+              <a:rPr lang="en-US" altLang="ko-KR" sz="900" dirty="0" smtClean="0">
+                <a:solidFill>
+                  <a:schemeClr val="tx1"/>
+                </a:solidFill>
+              </a:rPr>
+              <a:t> </a:t>
+            </a:r>
+            <a:r>
+              <a:rPr lang="en-US" altLang="ko-KR" sz="900" dirty="0" err="1" smtClean="0">
+                <a:solidFill>
+                  <a:schemeClr val="tx1"/>
+                </a:solidFill>
+              </a:rPr>
+              <a:t>eq</a:t>
+            </a:r>
+            <a:r>
+              <a:rPr lang="en-US" altLang="ko-KR" sz="900" dirty="0" smtClean="0">
+                <a:solidFill>
+                  <a:schemeClr val="tx1"/>
+                </a:solidFill>
+              </a:rPr>
+              <a:t> mux</a:t>
+            </a:r>
+          </a:p>
+          <a:p>
+            <a:r>
+              <a:rPr lang="en-US" altLang="ko-KR" sz="900" dirty="0" smtClean="0">
+                <a:solidFill>
+                  <a:schemeClr val="tx1"/>
+                </a:solidFill>
+              </a:rPr>
+              <a:t>0 0    0</a:t>
+            </a:r>
+          </a:p>
+          <a:p>
+            <a:r>
+              <a:rPr lang="en-US" altLang="ko-KR" sz="900" dirty="0" smtClean="0">
+                <a:solidFill>
+                  <a:schemeClr val="tx1"/>
+                </a:solidFill>
+              </a:rPr>
+              <a:t>0 1    0</a:t>
+            </a:r>
+          </a:p>
+          <a:p>
+            <a:r>
+              <a:rPr lang="en-US" altLang="ko-KR" sz="900" dirty="0" smtClean="0">
+                <a:solidFill>
+                  <a:schemeClr val="tx1"/>
+                </a:solidFill>
+              </a:rPr>
+              <a:t>1 0</a:t>
+            </a:r>
+            <a:r>
+              <a:rPr lang="en-US" altLang="ko-KR" sz="900" dirty="0">
+                <a:solidFill>
+                  <a:schemeClr val="tx1"/>
+                </a:solidFill>
+              </a:rPr>
+              <a:t>  </a:t>
+            </a:r>
+            <a:r>
+              <a:rPr lang="en-US" altLang="ko-KR" sz="900" dirty="0" smtClean="0">
+                <a:solidFill>
+                  <a:schemeClr val="tx1"/>
+                </a:solidFill>
+              </a:rPr>
+              <a:t>  1</a:t>
+            </a:r>
+          </a:p>
+          <a:p>
+            <a:r>
+              <a:rPr lang="en-US" altLang="ko-KR" sz="900" dirty="0" smtClean="0">
+                <a:solidFill>
+                  <a:schemeClr val="tx1"/>
+                </a:solidFill>
+              </a:rPr>
+              <a:t>1 1    0</a:t>
+            </a:r>
+            <a:endParaRPr lang="ko-KR" altLang="en-US" sz="900" dirty="0">
+              <a:solidFill>
+                <a:schemeClr val="tx1"/>
+              </a:solidFill>
+            </a:endParaRPr>
+          </a:p>
+        </p:txBody>
+      </p:sp>
+      <p:cxnSp>
+        <p:nvCxnSpPr>
+          <p:cNvPr id="217" name="연결선: 꺾임 129">
+            <a:extLst>
+              <a:ext uri="{FF2B5EF4-FFF2-40B4-BE49-F238E27FC236}">
+                <a16:creationId xmlns:a16="http://schemas.microsoft.com/office/drawing/2014/main" id="{0B72D15C-D39D-43BA-9E14-7569D3137440}"/>
+              </a:ext>
+            </a:extLst>
+          </p:cNvPr>
+          <p:cNvCxnSpPr>
+            <a:cxnSpLocks/>
+            <a:stCxn id="102" idx="2"/>
+            <a:endCxn id="224" idx="2"/>
+          </p:cNvCxnSpPr>
+          <p:nvPr/>
+        </p:nvCxnSpPr>
+        <p:spPr>
+          <a:xfrm rot="10800000">
+            <a:off x="6003173" y="3237533"/>
+            <a:ext cx="1433764" cy="807966"/>
+          </a:xfrm>
+          <a:prstGeom prst="bentConnector2">
+            <a:avLst/>
+          </a:prstGeom>
+          <a:ln>
+            <a:tailEnd type="triangle"/>
+          </a:ln>
+        </p:spPr>
+        <p:style>
+          <a:lnRef idx="1">
+            <a:schemeClr val="accent1"/>
+          </a:lnRef>
+          <a:fillRef idx="0">
+            <a:schemeClr val="accent1"/>
+          </a:fillRef>
+          <a:effectRef idx="0">
+            <a:schemeClr val="accent1"/>
+          </a:effectRef>
+          <a:fontRef idx="minor">
+            <a:schemeClr val="tx1"/>
+          </a:fontRef>
+        </p:style>
+      </p:cxnSp>
+      <p:grpSp>
+        <p:nvGrpSpPr>
+          <p:cNvPr id="220" name="그룹 219">
+            <a:extLst>
+              <a:ext uri="{FF2B5EF4-FFF2-40B4-BE49-F238E27FC236}">
+                <a16:creationId xmlns:a16="http://schemas.microsoft.com/office/drawing/2014/main" id="{E3DCC6A1-293F-4062-9FCC-5E93CF1D75BD}"/>
+              </a:ext>
+            </a:extLst>
+          </p:cNvPr>
+          <p:cNvGrpSpPr/>
+          <p:nvPr/>
+        </p:nvGrpSpPr>
+        <p:grpSpPr>
+          <a:xfrm rot="16200000">
+            <a:off x="5722021" y="2980558"/>
+            <a:ext cx="414283" cy="228600"/>
+            <a:chOff x="2011036" y="2978803"/>
+            <a:chExt cx="414283" cy="228600"/>
+          </a:xfrm>
+        </p:grpSpPr>
+        <p:sp>
+          <p:nvSpPr>
+            <p:cNvPr id="221" name="달 220">
+              <a:extLst>
+                <a:ext uri="{FF2B5EF4-FFF2-40B4-BE49-F238E27FC236}">
+                  <a16:creationId xmlns:a16="http://schemas.microsoft.com/office/drawing/2014/main" id="{51220064-1CFA-4B1E-8D4E-F732C910B744}"/>
+                </a:ext>
+              </a:extLst>
+            </p:cNvPr>
+            <p:cNvSpPr/>
+            <p:nvPr/>
+          </p:nvSpPr>
+          <p:spPr>
+            <a:xfrm rot="10800000">
+              <a:off x="2052619" y="2978803"/>
+              <a:ext cx="314302" cy="228600"/>
+            </a:xfrm>
+            <a:prstGeom prst="moon">
+              <a:avLst>
+                <a:gd name="adj" fmla="val 87500"/>
+              </a:avLst>
+            </a:prstGeom>
+          </p:spPr>
+          <p:style>
+            <a:lnRef idx="2">
+              <a:schemeClr val="accent1">
+                <a:shade val="50000"/>
+              </a:schemeClr>
+            </a:lnRef>
+            <a:fillRef idx="1">
+              <a:schemeClr val="accent1"/>
+            </a:fillRef>
+            <a:effectRef idx="0">
+              <a:schemeClr val="accent1"/>
+            </a:effectRef>
+            <a:fontRef idx="minor">
+              <a:schemeClr val="lt1"/>
+            </a:fontRef>
+          </p:style>
+          <p:txBody>
+            <a:bodyPr rtlCol="0" anchor="ctr"/>
+            <a:lstStyle/>
+            <a:p>
+              <a:pPr algn="ctr"/>
+              <a:endParaRPr lang="ko-KR" altLang="en-US"/>
+            </a:p>
+          </p:txBody>
+        </p:sp>
+        <p:grpSp>
+          <p:nvGrpSpPr>
+            <p:cNvPr id="222" name="그룹 221">
+              <a:extLst>
+                <a:ext uri="{FF2B5EF4-FFF2-40B4-BE49-F238E27FC236}">
+                  <a16:creationId xmlns:a16="http://schemas.microsoft.com/office/drawing/2014/main" id="{D682D273-C147-4093-8D51-65CB15769E92}"/>
+                </a:ext>
+              </a:extLst>
+            </p:cNvPr>
+            <p:cNvGrpSpPr/>
+            <p:nvPr/>
+          </p:nvGrpSpPr>
+          <p:grpSpPr>
+            <a:xfrm>
+              <a:off x="2011036" y="2993437"/>
+              <a:ext cx="414283" cy="199381"/>
+              <a:chOff x="2522570" y="2453709"/>
+              <a:chExt cx="414283" cy="199381"/>
+            </a:xfrm>
+          </p:grpSpPr>
+          <p:sp>
+            <p:nvSpPr>
+              <p:cNvPr id="223" name="타원 222">
+                <a:extLst>
+                  <a:ext uri="{FF2B5EF4-FFF2-40B4-BE49-F238E27FC236}">
+                    <a16:creationId xmlns:a16="http://schemas.microsoft.com/office/drawing/2014/main" id="{7904959F-08FD-49EF-9FB2-9FB20209FC67}"/>
+                  </a:ext>
+                </a:extLst>
+              </p:cNvPr>
+              <p:cNvSpPr/>
+              <p:nvPr/>
+            </p:nvSpPr>
+            <p:spPr>
+              <a:xfrm>
+                <a:off x="2522570" y="2453709"/>
+                <a:ext cx="51410" cy="51410"/>
+              </a:xfrm>
+              <a:prstGeom prst="ellipse">
+                <a:avLst/>
+              </a:prstGeom>
+            </p:spPr>
+            <p:style>
+              <a:lnRef idx="2">
+                <a:schemeClr val="accent1">
+                  <a:shade val="50000"/>
+                </a:schemeClr>
+              </a:lnRef>
+              <a:fillRef idx="1">
+                <a:schemeClr val="accent1"/>
+              </a:fillRef>
+              <a:effectRef idx="0">
+                <a:schemeClr val="accent1"/>
+              </a:effectRef>
+              <a:fontRef idx="minor">
+                <a:schemeClr val="lt1"/>
+              </a:fontRef>
+            </p:style>
+            <p:txBody>
+              <a:bodyPr rtlCol="0" anchor="ctr"/>
+              <a:lstStyle/>
+              <a:p>
+                <a:pPr algn="ctr"/>
+                <a:endParaRPr lang="ko-KR" altLang="en-US"/>
+              </a:p>
+            </p:txBody>
+          </p:sp>
+          <p:sp>
+            <p:nvSpPr>
+              <p:cNvPr id="224" name="타원 223">
+                <a:extLst>
+                  <a:ext uri="{FF2B5EF4-FFF2-40B4-BE49-F238E27FC236}">
+                    <a16:creationId xmlns:a16="http://schemas.microsoft.com/office/drawing/2014/main" id="{7D6F6345-9E29-44D2-8D2D-91CC415B24D3}"/>
+                  </a:ext>
+                </a:extLst>
+              </p:cNvPr>
+              <p:cNvSpPr/>
+              <p:nvPr/>
+            </p:nvSpPr>
+            <p:spPr>
+              <a:xfrm>
+                <a:off x="2587036" y="2601680"/>
+                <a:ext cx="51410" cy="51410"/>
+              </a:xfrm>
+              <a:prstGeom prst="ellipse">
+                <a:avLst/>
+              </a:prstGeom>
+            </p:spPr>
+            <p:style>
+              <a:lnRef idx="2">
+                <a:schemeClr val="accent1">
+                  <a:shade val="50000"/>
+                </a:schemeClr>
+              </a:lnRef>
+              <a:fillRef idx="1">
+                <a:schemeClr val="accent1"/>
+              </a:fillRef>
+              <a:effectRef idx="0">
+                <a:schemeClr val="accent1"/>
+              </a:effectRef>
+              <a:fontRef idx="minor">
+                <a:schemeClr val="lt1"/>
+              </a:fontRef>
+            </p:style>
+            <p:txBody>
+              <a:bodyPr rtlCol="0" anchor="ctr"/>
+              <a:lstStyle/>
+              <a:p>
+                <a:pPr algn="ctr"/>
+                <a:endParaRPr lang="ko-KR" altLang="en-US"/>
+              </a:p>
+            </p:txBody>
+          </p:sp>
+          <p:sp>
+            <p:nvSpPr>
+              <p:cNvPr id="225" name="타원 224">
+                <a:extLst>
+                  <a:ext uri="{FF2B5EF4-FFF2-40B4-BE49-F238E27FC236}">
+                    <a16:creationId xmlns:a16="http://schemas.microsoft.com/office/drawing/2014/main" id="{7D6F6345-9E29-44D2-8D2D-91CC415B24D3}"/>
+                  </a:ext>
+                </a:extLst>
+              </p:cNvPr>
+              <p:cNvSpPr/>
+              <p:nvPr/>
+            </p:nvSpPr>
+            <p:spPr>
+              <a:xfrm>
+                <a:off x="2885443" y="2527672"/>
+                <a:ext cx="51410" cy="51410"/>
+              </a:xfrm>
+              <a:prstGeom prst="ellipse">
+                <a:avLst/>
+              </a:prstGeom>
+            </p:spPr>
+            <p:style>
+              <a:lnRef idx="2">
+                <a:schemeClr val="accent1">
+                  <a:shade val="50000"/>
+                </a:schemeClr>
+              </a:lnRef>
+              <a:fillRef idx="1">
+                <a:schemeClr val="accent1"/>
+              </a:fillRef>
+              <a:effectRef idx="0">
+                <a:schemeClr val="accent1"/>
+              </a:effectRef>
+              <a:fontRef idx="minor">
+                <a:schemeClr val="lt1"/>
+              </a:fontRef>
+            </p:style>
+            <p:txBody>
+              <a:bodyPr rtlCol="0" anchor="ctr"/>
+              <a:lstStyle/>
+              <a:p>
+                <a:pPr algn="ctr"/>
+                <a:endParaRPr lang="ko-KR" altLang="en-US"/>
+              </a:p>
+            </p:txBody>
+          </p:sp>
+        </p:grpSp>
+      </p:grpSp>
+      <p:cxnSp>
+        <p:nvCxnSpPr>
+          <p:cNvPr id="228" name="연결선: 꺾임 129">
+            <a:extLst>
+              <a:ext uri="{FF2B5EF4-FFF2-40B4-BE49-F238E27FC236}">
+                <a16:creationId xmlns:a16="http://schemas.microsoft.com/office/drawing/2014/main" id="{0B72D15C-D39D-43BA-9E14-7569D3137440}"/>
+              </a:ext>
+            </a:extLst>
+          </p:cNvPr>
+          <p:cNvCxnSpPr>
+            <a:cxnSpLocks/>
+            <a:stCxn id="225" idx="6"/>
+            <a:endCxn id="166" idx="1"/>
+          </p:cNvCxnSpPr>
+          <p:nvPr/>
+        </p:nvCxnSpPr>
+        <p:spPr>
+          <a:xfrm rot="16200000" flipV="1">
+            <a:off x="5779009" y="2737560"/>
+            <a:ext cx="299934" cy="378"/>
+          </a:xfrm>
+          <a:prstGeom prst="bentConnector3">
+            <a:avLst>
+              <a:gd name="adj1" fmla="val 50000"/>
+            </a:avLst>
+          </a:prstGeom>
+          <a:ln>
+            <a:tailEnd type="triangle"/>
+          </a:ln>
+        </p:spPr>
+        <p:style>
+          <a:lnRef idx="1">
+            <a:schemeClr val="accent1"/>
+          </a:lnRef>
+          <a:fillRef idx="0">
+            <a:schemeClr val="accent1"/>
+          </a:fillRef>
+          <a:effectRef idx="0">
+            <a:schemeClr val="accent1"/>
+          </a:effectRef>
+          <a:fontRef idx="minor">
+            <a:schemeClr val="tx1"/>
+          </a:fontRef>
+        </p:style>
+      </p:cxnSp>
+      <p:grpSp>
+        <p:nvGrpSpPr>
+          <p:cNvPr id="248" name="그룹 247"/>
+          <p:cNvGrpSpPr/>
+          <p:nvPr/>
+        </p:nvGrpSpPr>
+        <p:grpSpPr>
+          <a:xfrm>
+            <a:off x="7691971" y="2499623"/>
+            <a:ext cx="379146" cy="228600"/>
+            <a:chOff x="7728928" y="2828040"/>
+            <a:chExt cx="379146" cy="228600"/>
+          </a:xfrm>
+        </p:grpSpPr>
+        <p:sp>
+          <p:nvSpPr>
+            <p:cNvPr id="235" name="타원 234">
+              <a:extLst>
+                <a:ext uri="{FF2B5EF4-FFF2-40B4-BE49-F238E27FC236}">
+                  <a16:creationId xmlns:a16="http://schemas.microsoft.com/office/drawing/2014/main" id="{342A3716-0B16-4746-8D35-867FB87D9F5A}"/>
+                </a:ext>
+              </a:extLst>
+            </p:cNvPr>
+            <p:cNvSpPr/>
+            <p:nvPr/>
+          </p:nvSpPr>
+          <p:spPr>
+            <a:xfrm>
+              <a:off x="7790841" y="2844342"/>
+              <a:ext cx="51410" cy="51410"/>
+            </a:xfrm>
+            <a:prstGeom prst="ellipse">
+              <a:avLst/>
+            </a:prstGeom>
+          </p:spPr>
+          <p:style>
+            <a:lnRef idx="2">
+              <a:schemeClr val="accent1">
+                <a:shade val="50000"/>
+              </a:schemeClr>
+            </a:lnRef>
+            <a:fillRef idx="1">
+              <a:schemeClr val="accent1"/>
+            </a:fillRef>
+            <a:effectRef idx="0">
+              <a:schemeClr val="accent1"/>
+            </a:effectRef>
+            <a:fontRef idx="minor">
+              <a:schemeClr val="lt1"/>
+            </a:fontRef>
+          </p:style>
+          <p:txBody>
+            <a:bodyPr rtlCol="0" anchor="ctr"/>
+            <a:lstStyle/>
+            <a:p>
+              <a:pPr algn="ctr"/>
+              <a:endParaRPr lang="ko-KR" altLang="en-US"/>
+            </a:p>
+          </p:txBody>
+        </p:sp>
+        <p:sp>
+          <p:nvSpPr>
+            <p:cNvPr id="236" name="타원 235">
+              <a:extLst>
+                <a:ext uri="{FF2B5EF4-FFF2-40B4-BE49-F238E27FC236}">
+                  <a16:creationId xmlns:a16="http://schemas.microsoft.com/office/drawing/2014/main" id="{3F3C6A97-AD07-4FD7-96C4-DEF8FB6BA586}"/>
+                </a:ext>
+              </a:extLst>
+            </p:cNvPr>
+            <p:cNvSpPr/>
+            <p:nvPr/>
+          </p:nvSpPr>
+          <p:spPr>
+            <a:xfrm>
+              <a:off x="7728928" y="2992313"/>
+              <a:ext cx="51410" cy="51410"/>
+            </a:xfrm>
+            <a:prstGeom prst="ellipse">
+              <a:avLst/>
+            </a:prstGeom>
+          </p:spPr>
+          <p:style>
+            <a:lnRef idx="2">
+              <a:schemeClr val="accent1">
+                <a:shade val="50000"/>
+              </a:schemeClr>
+            </a:lnRef>
+            <a:fillRef idx="1">
+              <a:schemeClr val="accent1"/>
+            </a:fillRef>
+            <a:effectRef idx="0">
+              <a:schemeClr val="accent1"/>
+            </a:effectRef>
+            <a:fontRef idx="minor">
+              <a:schemeClr val="lt1"/>
+            </a:fontRef>
+          </p:style>
+          <p:txBody>
+            <a:bodyPr rtlCol="0" anchor="ctr"/>
+            <a:lstStyle/>
+            <a:p>
+              <a:pPr algn="ctr"/>
+              <a:endParaRPr lang="ko-KR" altLang="en-US"/>
+            </a:p>
+          </p:txBody>
+        </p:sp>
+        <p:sp>
+          <p:nvSpPr>
+            <p:cNvPr id="237" name="순서도: 지연 236">
+              <a:extLst>
+                <a:ext uri="{FF2B5EF4-FFF2-40B4-BE49-F238E27FC236}">
+                  <a16:creationId xmlns:a16="http://schemas.microsoft.com/office/drawing/2014/main" id="{27138700-C420-4E1C-8C08-243976821ED2}"/>
+                </a:ext>
+              </a:extLst>
+            </p:cNvPr>
+            <p:cNvSpPr/>
+            <p:nvPr/>
+          </p:nvSpPr>
+          <p:spPr>
+            <a:xfrm>
+              <a:off x="7793772" y="2828040"/>
+              <a:ext cx="314302" cy="228600"/>
+            </a:xfrm>
+            <a:prstGeom prst="flowChartDelay">
+              <a:avLst/>
+            </a:prstGeom>
+          </p:spPr>
+          <p:style>
+            <a:lnRef idx="2">
+              <a:schemeClr val="accent1">
+                <a:shade val="50000"/>
+              </a:schemeClr>
+            </a:lnRef>
+            <a:fillRef idx="1">
+              <a:schemeClr val="accent1"/>
+            </a:fillRef>
+            <a:effectRef idx="0">
+              <a:schemeClr val="accent1"/>
+            </a:effectRef>
+            <a:fontRef idx="minor">
+              <a:schemeClr val="lt1"/>
+            </a:fontRef>
+          </p:style>
+          <p:txBody>
+            <a:bodyPr rtlCol="0" anchor="ctr"/>
+            <a:lstStyle/>
+            <a:p>
+              <a:pPr algn="ctr"/>
+              <a:endParaRPr lang="ko-KR" altLang="en-US"/>
+            </a:p>
+          </p:txBody>
+        </p:sp>
+      </p:grpSp>
+      <p:cxnSp>
+        <p:nvCxnSpPr>
+          <p:cNvPr id="241" name="연결선: 꺾임 129">
+            <a:extLst>
+              <a:ext uri="{FF2B5EF4-FFF2-40B4-BE49-F238E27FC236}">
+                <a16:creationId xmlns:a16="http://schemas.microsoft.com/office/drawing/2014/main" id="{0B72D15C-D39D-43BA-9E14-7569D3137440}"/>
+              </a:ext>
+            </a:extLst>
+          </p:cNvPr>
+          <p:cNvCxnSpPr>
+            <a:cxnSpLocks/>
+            <a:stCxn id="58" idx="1"/>
+            <a:endCxn id="236" idx="2"/>
+          </p:cNvCxnSpPr>
+          <p:nvPr/>
+        </p:nvCxnSpPr>
+        <p:spPr>
+          <a:xfrm rot="10800000">
+            <a:off x="7691971" y="2689602"/>
+            <a:ext cx="536304" cy="497143"/>
+          </a:xfrm>
+          <a:prstGeom prst="bentConnector3">
+            <a:avLst>
+              <a:gd name="adj1" fmla="val 139073"/>
+            </a:avLst>
+          </a:prstGeom>
+          <a:ln>
+            <a:tailEnd type="triangle"/>
+          </a:ln>
+        </p:spPr>
+        <p:style>
+          <a:lnRef idx="1">
+            <a:schemeClr val="accent1"/>
+          </a:lnRef>
+          <a:fillRef idx="0">
+            <a:schemeClr val="accent1"/>
+          </a:fillRef>
+          <a:effectRef idx="0">
+            <a:schemeClr val="accent1"/>
+          </a:effectRef>
+          <a:fontRef idx="minor">
+            <a:schemeClr val="tx1"/>
+          </a:fontRef>
+        </p:style>
+      </p:cxnSp>
+      <p:cxnSp>
+        <p:nvCxnSpPr>
+          <p:cNvPr id="249" name="연결선: 꺾임 129">
+            <a:extLst>
+              <a:ext uri="{FF2B5EF4-FFF2-40B4-BE49-F238E27FC236}">
+                <a16:creationId xmlns:a16="http://schemas.microsoft.com/office/drawing/2014/main" id="{0B72D15C-D39D-43BA-9E14-7569D3137440}"/>
+              </a:ext>
+            </a:extLst>
+          </p:cNvPr>
+          <p:cNvCxnSpPr>
+            <a:cxnSpLocks/>
+            <a:stCxn id="237" idx="3"/>
+            <a:endCxn id="56" idx="1"/>
+          </p:cNvCxnSpPr>
+          <p:nvPr/>
+        </p:nvCxnSpPr>
+        <p:spPr>
+          <a:xfrm>
+            <a:off x="8071117" y="2613923"/>
+            <a:ext cx="157158" cy="1321"/>
+          </a:xfrm>
+          <a:prstGeom prst="bentConnector3">
+            <a:avLst>
+              <a:gd name="adj1" fmla="val 50000"/>
+            </a:avLst>
+          </a:prstGeom>
+          <a:ln>
+            <a:tailEnd type="triangle"/>
+          </a:ln>
+        </p:spPr>
+        <p:style>
+          <a:lnRef idx="1">
+            <a:schemeClr val="accent1"/>
+          </a:lnRef>
+          <a:fillRef idx="0">
+            <a:schemeClr val="accent1"/>
+          </a:fillRef>
+          <a:effectRef idx="0">
+            <a:schemeClr val="accent1"/>
+          </a:effectRef>
+          <a:fontRef idx="minor">
+            <a:schemeClr val="tx1"/>
+          </a:fontRef>
+        </p:style>
+      </p:cxnSp>
+      <p:grpSp>
+        <p:nvGrpSpPr>
+          <p:cNvPr id="252" name="그룹 251"/>
+          <p:cNvGrpSpPr/>
+          <p:nvPr/>
+        </p:nvGrpSpPr>
+        <p:grpSpPr>
+          <a:xfrm>
+            <a:off x="7691971" y="2787399"/>
+            <a:ext cx="379146" cy="228600"/>
+            <a:chOff x="7728928" y="2828040"/>
+            <a:chExt cx="379146" cy="228600"/>
+          </a:xfrm>
+        </p:grpSpPr>
+        <p:sp>
+          <p:nvSpPr>
+            <p:cNvPr id="253" name="타원 252">
+              <a:extLst>
+                <a:ext uri="{FF2B5EF4-FFF2-40B4-BE49-F238E27FC236}">
+                  <a16:creationId xmlns:a16="http://schemas.microsoft.com/office/drawing/2014/main" id="{342A3716-0B16-4746-8D35-867FB87D9F5A}"/>
+                </a:ext>
+              </a:extLst>
+            </p:cNvPr>
+            <p:cNvSpPr/>
+            <p:nvPr/>
+          </p:nvSpPr>
+          <p:spPr>
+            <a:xfrm>
+              <a:off x="7790841" y="2844342"/>
+              <a:ext cx="51410" cy="51410"/>
+            </a:xfrm>
+            <a:prstGeom prst="ellipse">
+              <a:avLst/>
+            </a:prstGeom>
+          </p:spPr>
+          <p:style>
+            <a:lnRef idx="2">
+              <a:schemeClr val="accent1">
+                <a:shade val="50000"/>
+              </a:schemeClr>
+            </a:lnRef>
+            <a:fillRef idx="1">
+              <a:schemeClr val="accent1"/>
+            </a:fillRef>
+            <a:effectRef idx="0">
+              <a:schemeClr val="accent1"/>
+            </a:effectRef>
+            <a:fontRef idx="minor">
+              <a:schemeClr val="lt1"/>
+            </a:fontRef>
+          </p:style>
+          <p:txBody>
+            <a:bodyPr rtlCol="0" anchor="ctr"/>
+            <a:lstStyle/>
+            <a:p>
+              <a:pPr algn="ctr"/>
+              <a:endParaRPr lang="ko-KR" altLang="en-US"/>
+            </a:p>
+          </p:txBody>
+        </p:sp>
+        <p:sp>
+          <p:nvSpPr>
+            <p:cNvPr id="254" name="타원 253">
+              <a:extLst>
+                <a:ext uri="{FF2B5EF4-FFF2-40B4-BE49-F238E27FC236}">
+                  <a16:creationId xmlns:a16="http://schemas.microsoft.com/office/drawing/2014/main" id="{3F3C6A97-AD07-4FD7-96C4-DEF8FB6BA586}"/>
+                </a:ext>
+              </a:extLst>
+            </p:cNvPr>
+            <p:cNvSpPr/>
+            <p:nvPr/>
+          </p:nvSpPr>
+          <p:spPr>
+            <a:xfrm>
+              <a:off x="7728928" y="2992313"/>
+              <a:ext cx="51410" cy="51410"/>
+            </a:xfrm>
+            <a:prstGeom prst="ellipse">
+              <a:avLst/>
+            </a:prstGeom>
+          </p:spPr>
+          <p:style>
+            <a:lnRef idx="2">
+              <a:schemeClr val="accent1">
+                <a:shade val="50000"/>
+              </a:schemeClr>
+            </a:lnRef>
+            <a:fillRef idx="1">
+              <a:schemeClr val="accent1"/>
+            </a:fillRef>
+            <a:effectRef idx="0">
+              <a:schemeClr val="accent1"/>
+            </a:effectRef>
+            <a:fontRef idx="minor">
+              <a:schemeClr val="lt1"/>
+            </a:fontRef>
+          </p:style>
+          <p:txBody>
+            <a:bodyPr rtlCol="0" anchor="ctr"/>
+            <a:lstStyle/>
+            <a:p>
+              <a:pPr algn="ctr"/>
+              <a:endParaRPr lang="ko-KR" altLang="en-US"/>
+            </a:p>
+          </p:txBody>
+        </p:sp>
+        <p:sp>
+          <p:nvSpPr>
+            <p:cNvPr id="255" name="순서도: 지연 254">
+              <a:extLst>
+                <a:ext uri="{FF2B5EF4-FFF2-40B4-BE49-F238E27FC236}">
+                  <a16:creationId xmlns:a16="http://schemas.microsoft.com/office/drawing/2014/main" id="{27138700-C420-4E1C-8C08-243976821ED2}"/>
+                </a:ext>
+              </a:extLst>
+            </p:cNvPr>
+            <p:cNvSpPr/>
+            <p:nvPr/>
+          </p:nvSpPr>
+          <p:spPr>
+            <a:xfrm>
+              <a:off x="7793772" y="2828040"/>
+              <a:ext cx="314302" cy="228600"/>
+            </a:xfrm>
+            <a:prstGeom prst="flowChartDelay">
+              <a:avLst/>
+            </a:prstGeom>
+          </p:spPr>
+          <p:style>
+            <a:lnRef idx="2">
+              <a:schemeClr val="accent1">
+                <a:shade val="50000"/>
+              </a:schemeClr>
+            </a:lnRef>
+            <a:fillRef idx="1">
+              <a:schemeClr val="accent1"/>
+            </a:fillRef>
+            <a:effectRef idx="0">
+              <a:schemeClr val="accent1"/>
+            </a:effectRef>
+            <a:fontRef idx="minor">
+              <a:schemeClr val="lt1"/>
+            </a:fontRef>
+          </p:style>
+          <p:txBody>
+            <a:bodyPr rtlCol="0" anchor="ctr"/>
+            <a:lstStyle/>
+            <a:p>
+              <a:pPr algn="ctr"/>
+              <a:endParaRPr lang="ko-KR" altLang="en-US"/>
+            </a:p>
+          </p:txBody>
+        </p:sp>
+      </p:grpSp>
+      <p:cxnSp>
+        <p:nvCxnSpPr>
+          <p:cNvPr id="256" name="연결선: 꺾임 129">
+            <a:extLst>
+              <a:ext uri="{FF2B5EF4-FFF2-40B4-BE49-F238E27FC236}">
+                <a16:creationId xmlns:a16="http://schemas.microsoft.com/office/drawing/2014/main" id="{0B72D15C-D39D-43BA-9E14-7569D3137440}"/>
+              </a:ext>
+            </a:extLst>
+          </p:cNvPr>
+          <p:cNvCxnSpPr>
+            <a:cxnSpLocks/>
+            <a:endCxn id="253" idx="2"/>
+          </p:cNvCxnSpPr>
+          <p:nvPr/>
+        </p:nvCxnSpPr>
+        <p:spPr>
+          <a:xfrm rot="5400000" flipH="1" flipV="1">
+            <a:off x="5610531" y="4257447"/>
+            <a:ext cx="3571394" cy="715312"/>
+          </a:xfrm>
+          <a:prstGeom prst="bentConnector2">
+            <a:avLst/>
+          </a:prstGeom>
+          <a:ln>
+            <a:tailEnd type="triangle"/>
+          </a:ln>
+        </p:spPr>
+        <p:style>
+          <a:lnRef idx="1">
+            <a:schemeClr val="accent1"/>
+          </a:lnRef>
+          <a:fillRef idx="0">
+            <a:schemeClr val="accent1"/>
+          </a:fillRef>
+          <a:effectRef idx="0">
+            <a:schemeClr val="accent1"/>
+          </a:effectRef>
+          <a:fontRef idx="minor">
+            <a:schemeClr val="tx1"/>
+          </a:fontRef>
+        </p:style>
+      </p:cxnSp>
+      <p:cxnSp>
+        <p:nvCxnSpPr>
+          <p:cNvPr id="257" name="연결선: 꺾임 129">
+            <a:extLst>
+              <a:ext uri="{FF2B5EF4-FFF2-40B4-BE49-F238E27FC236}">
+                <a16:creationId xmlns:a16="http://schemas.microsoft.com/office/drawing/2014/main" id="{0B72D15C-D39D-43BA-9E14-7569D3137440}"/>
+              </a:ext>
+            </a:extLst>
+          </p:cNvPr>
+          <p:cNvCxnSpPr>
+            <a:cxnSpLocks/>
+            <a:stCxn id="59" idx="1"/>
+            <a:endCxn id="254" idx="2"/>
+          </p:cNvCxnSpPr>
+          <p:nvPr/>
+        </p:nvCxnSpPr>
+        <p:spPr>
+          <a:xfrm rot="10800000">
+            <a:off x="7691971" y="2977378"/>
+            <a:ext cx="536304" cy="495117"/>
+          </a:xfrm>
+          <a:prstGeom prst="bentConnector3">
+            <a:avLst>
+              <a:gd name="adj1" fmla="val 117169"/>
+            </a:avLst>
+          </a:prstGeom>
+          <a:ln>
+            <a:tailEnd type="triangle"/>
+          </a:ln>
+        </p:spPr>
+        <p:style>
+          <a:lnRef idx="1">
+            <a:schemeClr val="accent1"/>
+          </a:lnRef>
+          <a:fillRef idx="0">
+            <a:schemeClr val="accent1"/>
+          </a:fillRef>
+          <a:effectRef idx="0">
+            <a:schemeClr val="accent1"/>
+          </a:effectRef>
+          <a:fontRef idx="minor">
+            <a:schemeClr val="tx1"/>
+          </a:fontRef>
+        </p:style>
+      </p:cxnSp>
+      <p:cxnSp>
+        <p:nvCxnSpPr>
+          <p:cNvPr id="258" name="연결선: 꺾임 129">
+            <a:extLst>
+              <a:ext uri="{FF2B5EF4-FFF2-40B4-BE49-F238E27FC236}">
+                <a16:creationId xmlns:a16="http://schemas.microsoft.com/office/drawing/2014/main" id="{0B72D15C-D39D-43BA-9E14-7569D3137440}"/>
+              </a:ext>
+            </a:extLst>
+          </p:cNvPr>
+          <p:cNvCxnSpPr>
+            <a:cxnSpLocks/>
+            <a:stCxn id="255" idx="3"/>
+            <a:endCxn id="57" idx="1"/>
+          </p:cNvCxnSpPr>
+          <p:nvPr/>
+        </p:nvCxnSpPr>
+        <p:spPr>
+          <a:xfrm flipV="1">
+            <a:off x="8071117" y="2900994"/>
+            <a:ext cx="157158" cy="705"/>
+          </a:xfrm>
+          <a:prstGeom prst="bentConnector3">
+            <a:avLst>
+              <a:gd name="adj1" fmla="val 50000"/>
+            </a:avLst>
+          </a:prstGeom>
+          <a:ln>
+            <a:tailEnd type="triangle"/>
+          </a:ln>
+        </p:spPr>
+        <p:style>
+          <a:lnRef idx="1">
+            <a:schemeClr val="accent1"/>
+          </a:lnRef>
+          <a:fillRef idx="0">
+            <a:schemeClr val="accent1"/>
+          </a:fillRef>
+          <a:effectRef idx="0">
+            <a:schemeClr val="accent1"/>
+          </a:effectRef>
+          <a:fontRef idx="minor">
+            <a:schemeClr val="tx1"/>
+          </a:fontRef>
+        </p:style>
+      </p:cxnSp>
+      <p:cxnSp>
+        <p:nvCxnSpPr>
+          <p:cNvPr id="271" name="연결선: 꺾임 129">
+            <a:extLst>
+              <a:ext uri="{FF2B5EF4-FFF2-40B4-BE49-F238E27FC236}">
+                <a16:creationId xmlns:a16="http://schemas.microsoft.com/office/drawing/2014/main" id="{0B72D15C-D39D-43BA-9E14-7569D3137440}"/>
+              </a:ext>
+            </a:extLst>
+          </p:cNvPr>
+          <p:cNvCxnSpPr>
+            <a:cxnSpLocks/>
+            <a:endCxn id="60" idx="1"/>
+          </p:cNvCxnSpPr>
+          <p:nvPr/>
+        </p:nvCxnSpPr>
+        <p:spPr>
+          <a:xfrm rot="5400000" flipH="1" flipV="1">
+            <a:off x="6741432" y="4913958"/>
+            <a:ext cx="2642556" cy="331129"/>
+          </a:xfrm>
+          <a:prstGeom prst="bentConnector2">
+            <a:avLst/>
+          </a:prstGeom>
+          <a:ln>
+            <a:tailEnd type="triangle"/>
+          </a:ln>
+        </p:spPr>
+        <p:style>
+          <a:lnRef idx="1">
+            <a:schemeClr val="accent1"/>
+          </a:lnRef>
+          <a:fillRef idx="0">
+            <a:schemeClr val="accent1"/>
+          </a:fillRef>
+          <a:effectRef idx="0">
+            <a:schemeClr val="accent1"/>
+          </a:effectRef>
+          <a:fontRef idx="minor">
+            <a:schemeClr val="tx1"/>
+          </a:fontRef>
+        </p:style>
+      </p:cxnSp>
+      <p:cxnSp>
+        <p:nvCxnSpPr>
+          <p:cNvPr id="273" name="연결선: 꺾임 129">
+            <a:extLst>
+              <a:ext uri="{FF2B5EF4-FFF2-40B4-BE49-F238E27FC236}">
+                <a16:creationId xmlns:a16="http://schemas.microsoft.com/office/drawing/2014/main" id="{0B72D15C-D39D-43BA-9E14-7569D3137440}"/>
+              </a:ext>
+            </a:extLst>
+          </p:cNvPr>
+          <p:cNvCxnSpPr>
+            <a:cxnSpLocks/>
+            <a:endCxn id="140" idx="1"/>
+          </p:cNvCxnSpPr>
+          <p:nvPr/>
+        </p:nvCxnSpPr>
+        <p:spPr>
+          <a:xfrm rot="5400000" flipH="1" flipV="1">
+            <a:off x="7069651" y="5242176"/>
+            <a:ext cx="2083627" cy="233622"/>
+          </a:xfrm>
+          <a:prstGeom prst="bentConnector2">
+            <a:avLst/>
+          </a:prstGeom>
+          <a:ln>
+            <a:tailEnd type="triangle"/>
+          </a:ln>
+        </p:spPr>
+        <p:style>
+          <a:lnRef idx="1">
+            <a:schemeClr val="accent1"/>
+          </a:lnRef>
+          <a:fillRef idx="0">
+            <a:schemeClr val="accent1"/>
+          </a:fillRef>
+          <a:effectRef idx="0">
+            <a:schemeClr val="accent1"/>
+          </a:effectRef>
+          <a:fontRef idx="minor">
+            <a:schemeClr val="tx1"/>
+          </a:fontRef>
+        </p:style>
+      </p:cxnSp>
+      <p:cxnSp>
+        <p:nvCxnSpPr>
+          <p:cNvPr id="275" name="연결선: 꺾임 129">
+            <a:extLst>
+              <a:ext uri="{FF2B5EF4-FFF2-40B4-BE49-F238E27FC236}">
+                <a16:creationId xmlns:a16="http://schemas.microsoft.com/office/drawing/2014/main" id="{0B72D15C-D39D-43BA-9E14-7569D3137440}"/>
+              </a:ext>
+            </a:extLst>
+          </p:cNvPr>
+          <p:cNvCxnSpPr>
+            <a:cxnSpLocks/>
+            <a:endCxn id="93" idx="1"/>
+          </p:cNvCxnSpPr>
+          <p:nvPr/>
+        </p:nvCxnSpPr>
+        <p:spPr>
+          <a:xfrm rot="5400000" flipH="1" flipV="1">
+            <a:off x="7580359" y="5752887"/>
+            <a:ext cx="1168095" cy="127737"/>
+          </a:xfrm>
+          <a:prstGeom prst="bentConnector2">
+            <a:avLst/>
+          </a:prstGeom>
+          <a:ln>
+            <a:tailEnd type="triangle"/>
+          </a:ln>
+        </p:spPr>
+        <p:style>
+          <a:lnRef idx="1">
+            <a:schemeClr val="accent1"/>
+          </a:lnRef>
+          <a:fillRef idx="0">
+            <a:schemeClr val="accent1"/>
+          </a:fillRef>
+          <a:effectRef idx="0">
+            <a:schemeClr val="accent1"/>
+          </a:effectRef>
+          <a:fontRef idx="minor">
+            <a:schemeClr val="tx1"/>
+          </a:fontRef>
+        </p:style>
+      </p:cxnSp>
+    </p:spTree>
+    <p:extLst>
+      <p:ext uri="{BB962C8B-B14F-4D97-AF65-F5344CB8AC3E}">
+        <p14:creationId xmlns:p14="http://schemas.microsoft.com/office/powerpoint/2010/main" val="568744561"/>
       </p:ext>
     </p:extLst>
   </p:cSld>

--- a/AD9912_MODULE.pptx
+++ b/AD9912_MODULE.pptx
@@ -12326,7 +12326,7 @@
           <a:lstStyle/>
           <a:p>
             <a:r>
-              <a:rPr lang="en-US" altLang="ko-KR" dirty="0" smtClean="0"/>
+              <a:rPr lang="en-US" altLang="ko-KR" dirty="0"/>
               <a:t>New Design</a:t>
             </a:r>
             <a:endParaRPr lang="ko-KR" altLang="en-US" dirty="0"/>
@@ -14121,11 +14121,7 @@
               <a:pPr algn="ctr"/>
               <a:r>
                 <a:rPr lang="en-US" altLang="ko-KR" sz="900" dirty="0"/>
-                <a:t>DDS1_</a:t>
-              </a:r>
-              <a:r>
-                <a:rPr lang="en-US" altLang="ko-KR" sz="900" dirty="0" smtClean="0"/>
-                <a:t>profile0</a:t>
+                <a:t>DDS1_profile0</a:t>
               </a:r>
               <a:endParaRPr lang="ko-KR" altLang="en-US" sz="900" dirty="0"/>
             </a:p>
@@ -14244,7 +14240,7 @@
             <a:p>
               <a:pPr algn="ctr"/>
               <a:r>
-                <a:rPr lang="en-US" altLang="ko-KR" sz="900" dirty="0" smtClean="0"/>
+                <a:rPr lang="en-US" altLang="ko-KR" sz="900" dirty="0"/>
                 <a:t>DDS1_ioupdate</a:t>
               </a:r>
               <a:endParaRPr lang="ko-KR" altLang="en-US" sz="900" dirty="0"/>
@@ -14622,7 +14618,7 @@
           <a:p>
             <a:pPr algn="ctr"/>
             <a:r>
-              <a:rPr lang="en-US" altLang="ko-KR" sz="900" dirty="0" smtClean="0"/>
+              <a:rPr lang="en-US" altLang="ko-KR" sz="900" dirty="0"/>
               <a:t>jb_7</a:t>
             </a:r>
             <a:endParaRPr lang="ko-KR" altLang="en-US" sz="900" dirty="0"/>
@@ -14682,7 +14678,7 @@
           <a:p>
             <a:pPr algn="ctr"/>
             <a:r>
-              <a:rPr lang="en-US" altLang="ko-KR" sz="900" dirty="0" smtClean="0"/>
+              <a:rPr lang="en-US" altLang="ko-KR" sz="900" dirty="0"/>
               <a:t>jb_5</a:t>
             </a:r>
             <a:endParaRPr lang="ko-KR" altLang="en-US" sz="900" dirty="0"/>
@@ -14742,7 +14738,7 @@
           <a:p>
             <a:pPr algn="ctr"/>
             <a:r>
-              <a:rPr lang="en-US" altLang="ko-KR" sz="900" dirty="0" smtClean="0"/>
+              <a:rPr lang="en-US" altLang="ko-KR" sz="900" dirty="0"/>
               <a:t>jb_2</a:t>
             </a:r>
             <a:endParaRPr lang="ko-KR" altLang="en-US" sz="900" dirty="0"/>
@@ -14802,7 +14798,7 @@
           <a:p>
             <a:pPr algn="ctr"/>
             <a:r>
-              <a:rPr lang="en-US" altLang="ko-KR" sz="900" dirty="0" smtClean="0"/>
+              <a:rPr lang="en-US" altLang="ko-KR" sz="900" dirty="0"/>
               <a:t>jb_0</a:t>
             </a:r>
             <a:endParaRPr lang="ko-KR" altLang="en-US" sz="900" dirty="0"/>
@@ -14863,7 +14859,7 @@
           <a:p>
             <a:pPr algn="ctr"/>
             <a:r>
-              <a:rPr lang="en-US" altLang="ko-KR" sz="900" dirty="0" smtClean="0"/>
+              <a:rPr lang="en-US" altLang="ko-KR" sz="900" dirty="0"/>
               <a:t>jb_6</a:t>
             </a:r>
             <a:endParaRPr lang="ko-KR" altLang="en-US" sz="900" dirty="0"/>
@@ -14913,7 +14909,7 @@
           <a:p>
             <a:pPr algn="ctr"/>
             <a:r>
-              <a:rPr lang="en-US" altLang="ko-KR" sz="900" dirty="0" smtClean="0"/>
+              <a:rPr lang="en-US" altLang="ko-KR" sz="900" dirty="0"/>
               <a:t>rsdio_2</a:t>
             </a:r>
             <a:endParaRPr lang="ko-KR" altLang="en-US" sz="900" dirty="0"/>
@@ -14983,7 +14979,7 @@
             <a:p>
               <a:pPr algn="ctr"/>
               <a:r>
-                <a:rPr lang="en-US" altLang="ko-KR" sz="900" dirty="0" smtClean="0"/>
+                <a:rPr lang="en-US" altLang="ko-KR" sz="900" dirty="0"/>
                 <a:t>DDS2_profile0</a:t>
               </a:r>
               <a:endParaRPr lang="ko-KR" altLang="en-US" sz="900" dirty="0"/>
@@ -15103,7 +15099,7 @@
             <a:p>
               <a:pPr algn="ctr"/>
               <a:r>
-                <a:rPr lang="en-US" altLang="ko-KR" sz="900" dirty="0" smtClean="0"/>
+                <a:rPr lang="en-US" altLang="ko-KR" sz="900" dirty="0"/>
                 <a:t>DDS2_ioupdate</a:t>
               </a:r>
               <a:endParaRPr lang="ko-KR" altLang="en-US" sz="900" dirty="0"/>
@@ -15612,11 +15608,7 @@
               <a:pPr algn="ctr"/>
               <a:r>
                 <a:rPr lang="en-US" altLang="ko-KR" sz="900" dirty="0"/>
-                <a:t>DDS1_</a:t>
-              </a:r>
-              <a:r>
-                <a:rPr lang="en-US" altLang="ko-KR" sz="900" dirty="0" smtClean="0"/>
-                <a:t>profile1</a:t>
+                <a:t>DDS1_profile1</a:t>
               </a:r>
               <a:endParaRPr lang="ko-KR" altLang="en-US" sz="900" dirty="0"/>
             </a:p>
@@ -15735,7 +15727,7 @@
             <a:p>
               <a:pPr algn="ctr"/>
               <a:r>
-                <a:rPr lang="en-US" altLang="ko-KR" sz="900" dirty="0" smtClean="0"/>
+                <a:rPr lang="en-US" altLang="ko-KR" sz="900" dirty="0"/>
                 <a:t>DDS2_profile2</a:t>
               </a:r>
               <a:endParaRPr lang="ko-KR" altLang="en-US" sz="900" dirty="0"/>
@@ -15855,7 +15847,7 @@
             <a:p>
               <a:pPr algn="ctr"/>
               <a:r>
-                <a:rPr lang="en-US" altLang="ko-KR" sz="900" dirty="0" smtClean="0"/>
+                <a:rPr lang="en-US" altLang="ko-KR" sz="900" dirty="0"/>
                 <a:t>DDS2_profile1</a:t>
               </a:r>
               <a:endParaRPr lang="ko-KR" altLang="en-US" sz="900" dirty="0"/>
@@ -16010,7 +16002,7 @@
           <a:p>
             <a:pPr algn="ctr"/>
             <a:r>
-              <a:rPr lang="en-US" altLang="ko-KR" sz="900" dirty="0" smtClean="0"/>
+              <a:rPr lang="en-US" altLang="ko-KR" sz="900" dirty="0"/>
               <a:t>ja_1</a:t>
             </a:r>
             <a:endParaRPr lang="ko-KR" altLang="en-US" sz="900" dirty="0"/>
@@ -16070,7 +16062,7 @@
           <a:p>
             <a:pPr algn="ctr"/>
             <a:r>
-              <a:rPr lang="en-US" altLang="ko-KR" sz="900" dirty="0" smtClean="0"/>
+              <a:rPr lang="en-US" altLang="ko-KR" sz="900" dirty="0"/>
               <a:t>jb_1</a:t>
             </a:r>
             <a:endParaRPr lang="ko-KR" altLang="en-US" sz="900" dirty="0"/>
@@ -16132,7 +16124,7 @@
           <a:p>
             <a:pPr algn="ctr"/>
             <a:r>
-              <a:rPr lang="en-US" altLang="ko-KR" sz="900" dirty="0" smtClean="0"/>
+              <a:rPr lang="en-US" altLang="ko-KR" sz="900" dirty="0"/>
               <a:t>ja_4</a:t>
             </a:r>
             <a:endParaRPr lang="ko-KR" altLang="en-US" sz="900" dirty="0"/>
@@ -16316,7 +16308,7 @@
           <a:p>
             <a:pPr algn="ctr"/>
             <a:r>
-              <a:rPr lang="en-US" altLang="ko-KR" sz="900" dirty="0" smtClean="0"/>
+              <a:rPr lang="en-US" altLang="ko-KR" sz="900" dirty="0"/>
               <a:t>jc_7</a:t>
             </a:r>
             <a:endParaRPr lang="ko-KR" altLang="en-US" sz="900" dirty="0"/>
@@ -16376,7 +16368,7 @@
           <a:p>
             <a:pPr algn="ctr"/>
             <a:r>
-              <a:rPr lang="en-US" altLang="ko-KR" sz="900" dirty="0" smtClean="0"/>
+              <a:rPr lang="en-US" altLang="ko-KR" sz="900" dirty="0"/>
               <a:t>jc_6</a:t>
             </a:r>
             <a:endParaRPr lang="ko-KR" altLang="en-US" sz="900" dirty="0"/>
@@ -16436,7 +16428,7 @@
           <a:p>
             <a:pPr algn="ctr"/>
             <a:r>
-              <a:rPr lang="en-US" altLang="ko-KR" sz="900" dirty="0" smtClean="0"/>
+              <a:rPr lang="en-US" altLang="ko-KR" sz="900" dirty="0"/>
               <a:t>jc_5</a:t>
             </a:r>
             <a:endParaRPr lang="ko-KR" altLang="en-US" sz="900" dirty="0"/>
@@ -16496,7 +16488,7 @@
           <a:p>
             <a:pPr algn="ctr"/>
             <a:r>
-              <a:rPr lang="en-US" altLang="ko-KR" sz="900" dirty="0" smtClean="0"/>
+              <a:rPr lang="en-US" altLang="ko-KR" sz="900" dirty="0"/>
               <a:t>jc_4</a:t>
             </a:r>
             <a:endParaRPr lang="ko-KR" altLang="en-US" sz="900" dirty="0"/>
@@ -16556,7 +16548,7 @@
           <a:p>
             <a:pPr algn="ctr"/>
             <a:r>
-              <a:rPr lang="en-US" altLang="ko-KR" sz="900" dirty="0" smtClean="0"/>
+              <a:rPr lang="en-US" altLang="ko-KR" sz="900" dirty="0"/>
               <a:t>jc_3</a:t>
             </a:r>
             <a:endParaRPr lang="ko-KR" altLang="en-US" sz="900" dirty="0"/>
@@ -16616,7 +16608,7 @@
           <a:p>
             <a:pPr algn="ctr"/>
             <a:r>
-              <a:rPr lang="en-US" altLang="ko-KR" sz="900" dirty="0" smtClean="0"/>
+              <a:rPr lang="en-US" altLang="ko-KR" sz="900" dirty="0"/>
               <a:t>jc_2</a:t>
             </a:r>
             <a:endParaRPr lang="ko-KR" altLang="en-US" sz="900" dirty="0"/>
@@ -16676,7 +16668,7 @@
           <a:p>
             <a:pPr algn="ctr"/>
             <a:r>
-              <a:rPr lang="en-US" altLang="ko-KR" sz="900" dirty="0" smtClean="0"/>
+              <a:rPr lang="en-US" altLang="ko-KR" sz="900" dirty="0"/>
               <a:t>jc_1</a:t>
             </a:r>
             <a:endParaRPr lang="ko-KR" altLang="en-US" sz="900" dirty="0"/>
@@ -16736,7 +16728,7 @@
           <a:p>
             <a:pPr algn="ctr"/>
             <a:r>
-              <a:rPr lang="en-US" altLang="ko-KR" sz="900" dirty="0" smtClean="0"/>
+              <a:rPr lang="en-US" altLang="ko-KR" sz="900" dirty="0"/>
               <a:t>jc_0</a:t>
             </a:r>
             <a:endParaRPr lang="ko-KR" altLang="en-US" sz="900" dirty="0"/>
@@ -16796,7 +16788,7 @@
           <a:p>
             <a:pPr algn="ctr"/>
             <a:r>
-              <a:rPr lang="en-US" altLang="ko-KR" sz="900" dirty="0" smtClean="0"/>
+              <a:rPr lang="en-US" altLang="ko-KR" sz="900" dirty="0"/>
               <a:t>jd_7</a:t>
             </a:r>
             <a:endParaRPr lang="ko-KR" altLang="en-US" sz="900" dirty="0"/>
@@ -16856,7 +16848,7 @@
           <a:p>
             <a:pPr algn="ctr"/>
             <a:r>
-              <a:rPr lang="en-US" altLang="ko-KR" sz="900" dirty="0" smtClean="0"/>
+              <a:rPr lang="en-US" altLang="ko-KR" sz="900" dirty="0"/>
               <a:t>jd_6</a:t>
             </a:r>
             <a:endParaRPr lang="ko-KR" altLang="en-US" sz="900" dirty="0"/>
@@ -16916,7 +16908,7 @@
           <a:p>
             <a:pPr algn="ctr"/>
             <a:r>
-              <a:rPr lang="en-US" altLang="ko-KR" sz="900" dirty="0" smtClean="0"/>
+              <a:rPr lang="en-US" altLang="ko-KR" sz="900" dirty="0"/>
               <a:t>jd_5</a:t>
             </a:r>
             <a:endParaRPr lang="ko-KR" altLang="en-US" sz="900" dirty="0"/>
@@ -16976,7 +16968,7 @@
           <a:p>
             <a:pPr algn="ctr"/>
             <a:r>
-              <a:rPr lang="en-US" altLang="ko-KR" sz="900" dirty="0" smtClean="0"/>
+              <a:rPr lang="en-US" altLang="ko-KR" sz="900" dirty="0"/>
               <a:t>jd_4</a:t>
             </a:r>
             <a:endParaRPr lang="ko-KR" altLang="en-US" sz="900" dirty="0"/>
@@ -17036,7 +17028,7 @@
           <a:p>
             <a:pPr algn="ctr"/>
             <a:r>
-              <a:rPr lang="en-US" altLang="ko-KR" sz="900" dirty="0" smtClean="0"/>
+              <a:rPr lang="en-US" altLang="ko-KR" sz="900" dirty="0"/>
               <a:t>jd_3</a:t>
             </a:r>
             <a:endParaRPr lang="ko-KR" altLang="en-US" sz="900" dirty="0"/>
@@ -17096,7 +17088,7 @@
           <a:p>
             <a:pPr algn="ctr"/>
             <a:r>
-              <a:rPr lang="en-US" altLang="ko-KR" sz="900" dirty="0" smtClean="0"/>
+              <a:rPr lang="en-US" altLang="ko-KR" sz="900" dirty="0"/>
               <a:t>jd_2</a:t>
             </a:r>
             <a:endParaRPr lang="ko-KR" altLang="en-US" sz="900" dirty="0"/>
@@ -17156,7 +17148,7 @@
           <a:p>
             <a:pPr algn="ctr"/>
             <a:r>
-              <a:rPr lang="en-US" altLang="ko-KR" sz="900" dirty="0" smtClean="0"/>
+              <a:rPr lang="en-US" altLang="ko-KR" sz="900" dirty="0"/>
               <a:t>jd_1</a:t>
             </a:r>
             <a:endParaRPr lang="ko-KR" altLang="en-US" sz="900" dirty="0"/>
@@ -17216,7 +17208,7 @@
           <a:p>
             <a:pPr algn="ctr"/>
             <a:r>
-              <a:rPr lang="en-US" altLang="ko-KR" sz="900" dirty="0" smtClean="0"/>
+              <a:rPr lang="en-US" altLang="ko-KR" sz="900" dirty="0"/>
               <a:t>jd_0</a:t>
             </a:r>
             <a:endParaRPr lang="ko-KR" altLang="en-US" sz="900" dirty="0"/>
@@ -17289,7 +17281,7 @@
             <a:p>
               <a:pPr algn="ctr"/>
               <a:r>
-                <a:rPr lang="en-US" altLang="ko-KR" sz="900" dirty="0" smtClean="0">
+                <a:rPr lang="en-US" altLang="ko-KR" sz="900" dirty="0">
                   <a:solidFill>
                     <a:schemeClr val="tx1"/>
                   </a:solidFill>
@@ -17346,7 +17338,15 @@
             <a:lstStyle/>
             <a:p>
               <a:r>
-                <a:rPr lang="en-US" altLang="ko-KR" sz="900" dirty="0" err="1" smtClean="0">
+                <a:rPr lang="en-US" altLang="ko-KR" sz="900" dirty="0">
+                  <a:solidFill>
+                    <a:schemeClr val="tx1"/>
+                  </a:solidFill>
+                </a:rPr>
+                <a:t>[64+18 - 1:0]</a:t>
+              </a:r>
+              <a:r>
+                <a:rPr lang="en-US" altLang="ko-KR" sz="900" dirty="0" err="1">
                   <a:solidFill>
                     <a:schemeClr val="tx1"/>
                   </a:solidFill>
@@ -17468,7 +17468,7 @@
             <a:lstStyle/>
             <a:p>
               <a:r>
-                <a:rPr lang="en-US" altLang="ko-KR" sz="900" dirty="0" smtClean="0">
+                <a:rPr lang="en-US" altLang="ko-KR" sz="900" dirty="0">
                   <a:solidFill>
                     <a:schemeClr val="tx1"/>
                   </a:solidFill>
@@ -17529,7 +17529,7 @@
             <a:lstStyle/>
             <a:p>
               <a:r>
-                <a:rPr lang="en-US" altLang="ko-KR" sz="900" dirty="0" smtClean="0">
+                <a:rPr lang="en-US" altLang="ko-KR" sz="900" dirty="0">
                   <a:solidFill>
                     <a:schemeClr val="tx1"/>
                   </a:solidFill>
@@ -17590,7 +17590,7 @@
             <a:lstStyle/>
             <a:p>
               <a:r>
-                <a:rPr lang="en-US" altLang="ko-KR" sz="900" dirty="0" smtClean="0">
+                <a:rPr lang="en-US" altLang="ko-KR" sz="900" dirty="0">
                   <a:solidFill>
                     <a:schemeClr val="tx1"/>
                   </a:solidFill>
@@ -17651,7 +17651,7 @@
             <a:lstStyle/>
             <a:p>
               <a:r>
-                <a:rPr lang="en-US" altLang="ko-KR" sz="900" dirty="0" smtClean="0">
+                <a:rPr lang="en-US" altLang="ko-KR" sz="900" dirty="0">
                   <a:solidFill>
                     <a:schemeClr val="tx1"/>
                   </a:solidFill>
@@ -17712,73 +17712,20 @@
             <a:lstStyle/>
             <a:p>
               <a:r>
-                <a:rPr lang="en-US" altLang="ko-KR" sz="900" dirty="0" err="1" smtClean="0">
+                <a:rPr lang="en-US" altLang="ko-KR" sz="900" dirty="0">
+                  <a:solidFill>
+                    <a:schemeClr val="tx1"/>
+                  </a:solidFill>
+                </a:rPr>
+                <a:t>[64+18 - 1:0]</a:t>
+              </a:r>
+              <a:r>
+                <a:rPr lang="en-US" altLang="ko-KR" sz="900" dirty="0" err="1">
                   <a:solidFill>
                     <a:schemeClr val="tx1"/>
                   </a:solidFill>
                 </a:rPr>
                 <a:t>data_in</a:t>
-              </a:r>
-              <a:endParaRPr lang="ko-KR" altLang="en-US" sz="900" dirty="0">
-                <a:solidFill>
-                  <a:schemeClr val="tx1"/>
-                </a:solidFill>
-              </a:endParaRPr>
-            </a:p>
-          </p:txBody>
-        </p:sp>
-        <p:sp>
-          <p:nvSpPr>
-            <p:cNvPr id="103" name="직사각형 102">
-              <a:extLst>
-                <a:ext uri="{FF2B5EF4-FFF2-40B4-BE49-F238E27FC236}">
-                  <a16:creationId xmlns:a16="http://schemas.microsoft.com/office/drawing/2014/main" id="{2436FF16-F5E5-4FCF-962E-F7680271B5EF}"/>
-                </a:ext>
-              </a:extLst>
-            </p:cNvPr>
-            <p:cNvSpPr/>
-            <p:nvPr/>
-          </p:nvSpPr>
-          <p:spPr>
-            <a:xfrm>
-              <a:off x="2800341" y="2639688"/>
-              <a:ext cx="1466859" cy="230512"/>
-            </a:xfrm>
-            <a:prstGeom prst="rect">
-              <a:avLst/>
-            </a:prstGeom>
-            <a:noFill/>
-            <a:ln>
-              <a:noFill/>
-            </a:ln>
-          </p:spPr>
-          <p:style>
-            <a:lnRef idx="2">
-              <a:schemeClr val="accent1">
-                <a:shade val="50000"/>
-              </a:schemeClr>
-            </a:lnRef>
-            <a:fillRef idx="1">
-              <a:schemeClr val="accent1"/>
-            </a:fillRef>
-            <a:effectRef idx="0">
-              <a:schemeClr val="accent1"/>
-            </a:effectRef>
-            <a:fontRef idx="minor">
-              <a:schemeClr val="lt1"/>
-            </a:fontRef>
-          </p:style>
-          <p:txBody>
-            <a:bodyPr rtlCol="0" anchor="ctr"/>
-            <a:lstStyle/>
-            <a:p>
-              <a:r>
-                <a:rPr lang="en-US" altLang="ko-KR" sz="900" dirty="0" smtClean="0">
-                  <a:solidFill>
-                    <a:schemeClr val="tx1"/>
-                  </a:solidFill>
-                </a:rPr>
-                <a:t>timestamp</a:t>
               </a:r>
               <a:endParaRPr lang="ko-KR" altLang="en-US" sz="900" dirty="0">
                 <a:solidFill>
@@ -17834,7 +17781,7 @@
             <a:lstStyle/>
             <a:p>
               <a:r>
-                <a:rPr lang="en-US" altLang="ko-KR" sz="900" dirty="0" smtClean="0">
+                <a:rPr lang="en-US" altLang="ko-KR" sz="900" dirty="0">
                   <a:solidFill>
                     <a:schemeClr val="tx1"/>
                   </a:solidFill>
@@ -17913,7 +17860,7 @@
             <a:p>
               <a:pPr algn="ctr"/>
               <a:r>
-                <a:rPr lang="en-US" altLang="ko-KR" sz="900" dirty="0" smtClean="0"/>
+                <a:rPr lang="en-US" altLang="ko-KR" sz="900" dirty="0"/>
                 <a:t>[17:0]out_buffer1</a:t>
               </a:r>
               <a:endParaRPr lang="ko-KR" altLang="en-US" sz="900" dirty="0"/>
@@ -18046,7 +17993,7 @@
         </p:nvSpPr>
         <p:spPr>
           <a:xfrm>
-            <a:off x="3927653" y="649354"/>
+            <a:off x="2766851" y="649354"/>
             <a:ext cx="1466859" cy="230512"/>
           </a:xfrm>
           <a:prstGeom prst="rect">
@@ -18100,7 +18047,7 @@
         <p:spPr>
           <a:xfrm>
             <a:off x="2016121" y="764101"/>
-            <a:ext cx="1911532" cy="509"/>
+            <a:ext cx="750730" cy="509"/>
           </a:xfrm>
           <a:prstGeom prst="bentConnector3">
             <a:avLst>
@@ -18190,11 +18137,7 @@
               <a:pPr algn="ctr"/>
               <a:r>
                 <a:rPr lang="en-US" altLang="ko-KR" sz="900" dirty="0"/>
-                <a:t>[17:0]</a:t>
-              </a:r>
-              <a:r>
-                <a:rPr lang="en-US" altLang="ko-KR" sz="900" dirty="0" smtClean="0"/>
-                <a:t>out_buffer2</a:t>
+                <a:t>[17:0]out_buffer2</a:t>
               </a:r>
               <a:endParaRPr lang="ko-KR" altLang="en-US" sz="900" dirty="0"/>
             </a:p>
@@ -18260,13 +18203,13 @@
           <p:nvPr/>
         </p:nvCxnSpPr>
         <p:spPr>
-          <a:xfrm flipH="1">
-            <a:off x="4242517" y="764610"/>
-            <a:ext cx="1151995" cy="2388544"/>
+          <a:xfrm>
+            <a:off x="4233710" y="764610"/>
+            <a:ext cx="8807" cy="2388544"/>
           </a:xfrm>
           <a:prstGeom prst="bentConnector3">
             <a:avLst>
-              <a:gd name="adj1" fmla="val -19844"/>
+              <a:gd name="adj1" fmla="val 2670467"/>
             </a:avLst>
           </a:prstGeom>
           <a:ln>
@@ -18298,13 +18241,13 @@
           <p:nvPr/>
         </p:nvCxnSpPr>
         <p:spPr>
-          <a:xfrm flipH="1">
-            <a:off x="4239342" y="764610"/>
-            <a:ext cx="1155170" cy="1954832"/>
+          <a:xfrm>
+            <a:off x="4233710" y="764610"/>
+            <a:ext cx="5632" cy="1954832"/>
           </a:xfrm>
           <a:prstGeom prst="bentConnector3">
             <a:avLst>
-              <a:gd name="adj1" fmla="val -19789"/>
+              <a:gd name="adj1" fmla="val 4119549"/>
             </a:avLst>
           </a:prstGeom>
           <a:ln>
@@ -18340,7 +18283,7 @@
         </p:nvSpPr>
         <p:spPr>
           <a:xfrm>
-            <a:off x="6761416" y="2213931"/>
+            <a:off x="6959838" y="1087857"/>
             <a:ext cx="1082676" cy="228600"/>
           </a:xfrm>
           <a:prstGeom prst="homePlate">
@@ -18406,8 +18349,8 @@
         </p:nvCxnSpPr>
         <p:spPr>
           <a:xfrm>
-            <a:off x="7844092" y="2328231"/>
-            <a:ext cx="384183" cy="1263"/>
+            <a:off x="8042514" y="1202157"/>
+            <a:ext cx="185761" cy="1127337"/>
           </a:xfrm>
           <a:prstGeom prst="bentConnector3">
             <a:avLst>
@@ -18496,7 +18439,7 @@
             <a:p>
               <a:pPr algn="ctr"/>
               <a:r>
-                <a:rPr lang="en-US" altLang="ko-KR" sz="900" dirty="0" smtClean="0">
+                <a:rPr lang="en-US" altLang="ko-KR" sz="900" dirty="0">
                   <a:solidFill>
                     <a:schemeClr val="tx1"/>
                   </a:solidFill>
@@ -18553,7 +18496,7 @@
             <a:lstStyle/>
             <a:p>
               <a:r>
-                <a:rPr lang="en-US" altLang="ko-KR" sz="900" dirty="0" smtClean="0">
+                <a:rPr lang="en-US" altLang="ko-KR" sz="900" dirty="0">
                   <a:solidFill>
                     <a:schemeClr val="tx1"/>
                   </a:solidFill>
@@ -18614,7 +18557,7 @@
             <a:lstStyle/>
             <a:p>
               <a:r>
-                <a:rPr lang="en-US" altLang="ko-KR" sz="900" dirty="0" smtClean="0">
+                <a:rPr lang="en-US" altLang="ko-KR" sz="900" dirty="0">
                   <a:solidFill>
                     <a:schemeClr val="tx1"/>
                   </a:solidFill>
@@ -18648,8 +18591,8 @@
         </p:nvCxnSpPr>
         <p:spPr>
           <a:xfrm rot="10800000">
-            <a:off x="7534813" y="4143375"/>
-            <a:ext cx="693462" cy="1375082"/>
+            <a:off x="6754769" y="4143375"/>
+            <a:ext cx="1473507" cy="1375082"/>
           </a:xfrm>
           <a:prstGeom prst="bentConnector2">
             <a:avLst/>
@@ -18687,7 +18630,7 @@
         </p:nvSpPr>
         <p:spPr>
           <a:xfrm>
-            <a:off x="7436937" y="3947623"/>
+            <a:off x="6656892" y="3947623"/>
             <a:ext cx="195752" cy="195752"/>
           </a:xfrm>
           <a:prstGeom prst="ellipse">
@@ -18716,7 +18659,7 @@
           <a:p>
             <a:pPr algn="ctr"/>
             <a:r>
-              <a:rPr lang="en-US" altLang="ko-KR" sz="1100" dirty="0" smtClean="0"/>
+              <a:rPr lang="en-US" altLang="ko-KR" sz="1100" dirty="0"/>
               <a:t>=</a:t>
             </a:r>
             <a:endParaRPr lang="ko-KR" altLang="en-US" sz="1100" dirty="0"/>
@@ -18734,18 +18677,20 @@
           </p:cNvPr>
           <p:cNvCxnSpPr>
             <a:cxnSpLocks/>
-            <a:stCxn id="102" idx="0"/>
+            <a:stCxn id="102" idx="6"/>
             <a:endCxn id="235" idx="2"/>
           </p:cNvCxnSpPr>
           <p:nvPr/>
         </p:nvCxnSpPr>
         <p:spPr>
-          <a:xfrm rot="5400000" flipH="1" flipV="1">
-            <a:off x="6941352" y="3135092"/>
-            <a:ext cx="1405993" cy="219071"/>
-          </a:xfrm>
-          <a:prstGeom prst="bentConnector2">
-            <a:avLst/>
+          <a:xfrm flipV="1">
+            <a:off x="6852644" y="2541630"/>
+            <a:ext cx="901240" cy="1503869"/>
+          </a:xfrm>
+          <a:prstGeom prst="bentConnector3">
+            <a:avLst>
+              <a:gd name="adj1" fmla="val 50000"/>
+            </a:avLst>
           </a:prstGeom>
           <a:ln>
             <a:tailEnd type="triangle"/>
@@ -18777,20 +18722,18 @@
           </p:cNvPr>
           <p:cNvCxnSpPr>
             <a:cxnSpLocks/>
-            <a:stCxn id="103" idx="1"/>
-            <a:endCxn id="102" idx="6"/>
+            <a:stCxn id="54" idx="1"/>
+            <a:endCxn id="102" idx="0"/>
           </p:cNvCxnSpPr>
           <p:nvPr/>
         </p:nvCxnSpPr>
         <p:spPr>
           <a:xfrm rot="10800000" flipV="1">
-            <a:off x="7632689" y="4043993"/>
-            <a:ext cx="595586" cy="1505"/>
-          </a:xfrm>
-          <a:prstGeom prst="bentConnector3">
-            <a:avLst>
-              <a:gd name="adj1" fmla="val 50000"/>
-            </a:avLst>
+            <a:off x="6754769" y="2043743"/>
+            <a:ext cx="1473507" cy="1903879"/>
+          </a:xfrm>
+          <a:prstGeom prst="bentConnector2">
+            <a:avLst/>
           </a:prstGeom>
           <a:ln>
             <a:tailEnd type="triangle"/>
@@ -18864,7 +18807,7 @@
           <a:p>
             <a:pPr algn="ctr"/>
             <a:r>
-              <a:rPr lang="en-US" altLang="ko-KR" sz="900" dirty="0" smtClean="0"/>
+              <a:rPr lang="en-US" altLang="ko-KR" sz="900" dirty="0"/>
               <a:t>jb_4</a:t>
             </a:r>
             <a:endParaRPr lang="ko-KR" altLang="en-US" sz="900" dirty="0"/>
@@ -18924,7 +18867,7 @@
           <a:p>
             <a:pPr algn="ctr"/>
             <a:r>
-              <a:rPr lang="en-US" altLang="ko-KR" sz="900" dirty="0" smtClean="0"/>
+              <a:rPr lang="en-US" altLang="ko-KR" sz="900" dirty="0"/>
               <a:t>jb_3</a:t>
             </a:r>
             <a:endParaRPr lang="ko-KR" altLang="en-US" sz="900" dirty="0"/>
@@ -18977,7 +18920,7 @@
           <a:lstStyle/>
           <a:p>
             <a:r>
-              <a:rPr lang="en-US" altLang="ko-KR" sz="900" dirty="0" smtClean="0">
+              <a:rPr lang="en-US" altLang="ko-KR" sz="900" dirty="0">
                 <a:solidFill>
                   <a:schemeClr val="tx1"/>
                 </a:solidFill>
@@ -19038,7 +18981,7 @@
           <a:lstStyle/>
           <a:p>
             <a:r>
-              <a:rPr lang="en-US" altLang="ko-KR" sz="900" dirty="0" smtClean="0">
+              <a:rPr lang="en-US" altLang="ko-KR" sz="900" dirty="0">
                 <a:solidFill>
                   <a:schemeClr val="tx1"/>
                 </a:solidFill>
@@ -19099,7 +19042,7 @@
           <a:lstStyle/>
           <a:p>
             <a:r>
-              <a:rPr lang="en-US" altLang="ko-KR" sz="900" dirty="0" smtClean="0">
+              <a:rPr lang="en-US" altLang="ko-KR" sz="900" dirty="0">
                 <a:solidFill>
                   <a:schemeClr val="tx1"/>
                 </a:solidFill>
@@ -19116,20 +19059,12 @@
           </a:p>
           <a:p>
             <a:r>
-              <a:rPr lang="en-US" altLang="ko-KR" sz="900" dirty="0" smtClean="0">
+              <a:rPr lang="en-US" altLang="ko-KR" sz="900" dirty="0">
                 <a:solidFill>
                   <a:schemeClr val="tx1"/>
                 </a:solidFill>
               </a:rPr>
-              <a:t>[2] Output </a:t>
-            </a:r>
-            <a:r>
-              <a:rPr lang="en-US" altLang="ko-KR" sz="900" dirty="0" smtClean="0">
-                <a:solidFill>
-                  <a:schemeClr val="tx1"/>
-                </a:solidFill>
-              </a:rPr>
-              <a:t>Using command</a:t>
+              <a:t>[2] Output Using command</a:t>
             </a:r>
             <a:endParaRPr lang="ko-KR" altLang="en-US" sz="900" dirty="0">
               <a:solidFill>
@@ -19157,12 +19092,12 @@
         </p:nvCxnSpPr>
         <p:spPr>
           <a:xfrm rot="10800000" flipV="1">
-            <a:off x="4249335" y="4045499"/>
-            <a:ext cx="3187602" cy="514562"/>
+            <a:off x="4249336" y="4045499"/>
+            <a:ext cx="2407557" cy="420904"/>
           </a:xfrm>
           <a:prstGeom prst="bentConnector3">
             <a:avLst>
-              <a:gd name="adj1" fmla="val 6074"/>
+              <a:gd name="adj1" fmla="val 55011"/>
             </a:avLst>
           </a:prstGeom>
           <a:ln>
@@ -19192,7 +19127,7 @@
         </p:nvGrpSpPr>
         <p:grpSpPr>
           <a:xfrm>
-            <a:off x="3601793" y="4432429"/>
+            <a:off x="3601793" y="4338771"/>
             <a:ext cx="698500" cy="255263"/>
             <a:chOff x="3601793" y="3387725"/>
             <a:chExt cx="698500" cy="255263"/>
@@ -19237,7 +19172,7 @@
             <a:p>
               <a:pPr algn="ctr"/>
               <a:r>
-                <a:rPr lang="en-US" altLang="ko-KR" sz="900" dirty="0" smtClean="0"/>
+                <a:rPr lang="en-US" altLang="ko-KR" sz="900" dirty="0"/>
                 <a:t>0      1</a:t>
               </a:r>
               <a:endParaRPr lang="ko-KR" altLang="en-US" sz="900" dirty="0"/>
@@ -19400,7 +19335,7 @@
             <a:p>
               <a:pPr algn="ctr"/>
               <a:r>
-                <a:rPr lang="en-US" altLang="ko-KR" sz="900" dirty="0" smtClean="0"/>
+                <a:rPr lang="en-US" altLang="ko-KR" sz="900" dirty="0"/>
                 <a:t>select</a:t>
               </a:r>
               <a:endParaRPr lang="ko-KR" altLang="en-US" sz="900" dirty="0"/>
@@ -19475,8 +19410,8 @@
         </p:nvCxnSpPr>
         <p:spPr>
           <a:xfrm rot="5400000" flipH="1" flipV="1">
-            <a:off x="3835369" y="4312523"/>
-            <a:ext cx="235581" cy="4232"/>
+            <a:off x="3882198" y="4265694"/>
+            <a:ext cx="141923" cy="4232"/>
           </a:xfrm>
           <a:prstGeom prst="bentConnector3">
             <a:avLst>
@@ -19514,20 +19449,20 @@
           <p:cNvCxnSpPr>
             <a:cxnSpLocks/>
             <a:stCxn id="157" idx="0"/>
-            <a:endCxn id="151" idx="4"/>
+            <a:endCxn id="259" idx="4"/>
           </p:cNvCxnSpPr>
           <p:nvPr/>
         </p:nvCxnSpPr>
         <p:spPr>
           <a:xfrm rot="16200000" flipH="1" flipV="1">
-            <a:off x="3465669" y="4197518"/>
-            <a:ext cx="720789" cy="258423"/>
+            <a:off x="3103220" y="4160840"/>
+            <a:ext cx="1046560" cy="657551"/>
           </a:xfrm>
           <a:prstGeom prst="bentConnector5">
             <a:avLst>
-              <a:gd name="adj1" fmla="val -45811"/>
-              <a:gd name="adj2" fmla="val 372269"/>
-              <a:gd name="adj3" fmla="val 131715"/>
+              <a:gd name="adj1" fmla="val -31854"/>
+              <a:gd name="adj2" fmla="val 146305"/>
+              <a:gd name="adj3" fmla="val 107888"/>
             </a:avLst>
           </a:prstGeom>
           <a:ln>
@@ -19549,167 +19484,6 @@
           </a:fontRef>
         </p:style>
       </p:cxnSp>
-      <p:grpSp>
-        <p:nvGrpSpPr>
-          <p:cNvPr id="165" name="그룹 164"/>
-          <p:cNvGrpSpPr/>
-          <p:nvPr/>
-        </p:nvGrpSpPr>
-        <p:grpSpPr>
-          <a:xfrm rot="16200000">
-            <a:off x="5579536" y="2161858"/>
-            <a:ext cx="698500" cy="255263"/>
-            <a:chOff x="3601793" y="3387725"/>
-            <a:chExt cx="698500" cy="255263"/>
-          </a:xfrm>
-        </p:grpSpPr>
-        <p:sp>
-          <p:nvSpPr>
-            <p:cNvPr id="166" name="사다리꼴 165"/>
-            <p:cNvSpPr/>
-            <p:nvPr/>
-          </p:nvSpPr>
-          <p:spPr>
-            <a:xfrm>
-              <a:off x="3601793" y="3387725"/>
-              <a:ext cx="698500" cy="255263"/>
-            </a:xfrm>
-            <a:prstGeom prst="trapezoid">
-              <a:avLst>
-                <a:gd name="adj" fmla="val 39926"/>
-              </a:avLst>
-            </a:prstGeom>
-          </p:spPr>
-          <p:style>
-            <a:lnRef idx="2">
-              <a:schemeClr val="accent1">
-                <a:shade val="50000"/>
-              </a:schemeClr>
-            </a:lnRef>
-            <a:fillRef idx="1">
-              <a:schemeClr val="accent1"/>
-            </a:fillRef>
-            <a:effectRef idx="0">
-              <a:schemeClr val="accent1"/>
-            </a:effectRef>
-            <a:fontRef idx="minor">
-              <a:schemeClr val="lt1"/>
-            </a:fontRef>
-          </p:style>
-          <p:txBody>
-            <a:bodyPr rtlCol="0" anchor="ctr"/>
-            <a:lstStyle/>
-            <a:p>
-              <a:pPr algn="ctr"/>
-              <a:r>
-                <a:rPr lang="en-US" altLang="ko-KR" sz="900" dirty="0"/>
-                <a:t>1</a:t>
-              </a:r>
-              <a:r>
-                <a:rPr lang="en-US" altLang="ko-KR" sz="900" dirty="0" smtClean="0"/>
-                <a:t>      </a:t>
-              </a:r>
-              <a:r>
-                <a:rPr lang="en-US" altLang="ko-KR" sz="900" dirty="0"/>
-                <a:t>0</a:t>
-              </a:r>
-              <a:endParaRPr lang="ko-KR" altLang="en-US" sz="900" dirty="0"/>
-            </a:p>
-          </p:txBody>
-        </p:sp>
-        <p:sp>
-          <p:nvSpPr>
-            <p:cNvPr id="167" name="타원 166">
-              <a:extLst>
-                <a:ext uri="{FF2B5EF4-FFF2-40B4-BE49-F238E27FC236}">
-                  <a16:creationId xmlns:a16="http://schemas.microsoft.com/office/drawing/2014/main" id="{062CD61B-4FFA-46C8-A4F3-407F780177E2}"/>
-                </a:ext>
-              </a:extLst>
-            </p:cNvPr>
-            <p:cNvSpPr/>
-            <p:nvPr/>
-          </p:nvSpPr>
-          <p:spPr>
-            <a:xfrm>
-              <a:off x="4167133" y="3575844"/>
-              <a:ext cx="66577" cy="66577"/>
-            </a:xfrm>
-            <a:prstGeom prst="ellipse">
-              <a:avLst/>
-            </a:prstGeom>
-          </p:spPr>
-          <p:style>
-            <a:lnRef idx="2">
-              <a:schemeClr val="accent1">
-                <a:shade val="50000"/>
-              </a:schemeClr>
-            </a:lnRef>
-            <a:fillRef idx="1">
-              <a:schemeClr val="accent1"/>
-            </a:fillRef>
-            <a:effectRef idx="0">
-              <a:schemeClr val="accent1"/>
-            </a:effectRef>
-            <a:fontRef idx="minor">
-              <a:schemeClr val="lt1"/>
-            </a:fontRef>
-          </p:style>
-          <p:txBody>
-            <a:bodyPr rtlCol="0" anchor="ctr"/>
-            <a:lstStyle/>
-            <a:p>
-              <a:pPr algn="ctr"/>
-              <a:endParaRPr lang="ko-KR" altLang="en-US" sz="1100" dirty="0"/>
-            </a:p>
-          </p:txBody>
-        </p:sp>
-        <p:sp>
-          <p:nvSpPr>
-            <p:cNvPr id="168" name="타원 167">
-              <a:extLst>
-                <a:ext uri="{FF2B5EF4-FFF2-40B4-BE49-F238E27FC236}">
-                  <a16:creationId xmlns:a16="http://schemas.microsoft.com/office/drawing/2014/main" id="{062CD61B-4FFA-46C8-A4F3-407F780177E2}"/>
-                </a:ext>
-              </a:extLst>
-            </p:cNvPr>
-            <p:cNvSpPr/>
-            <p:nvPr/>
-          </p:nvSpPr>
-          <p:spPr>
-            <a:xfrm>
-              <a:off x="3663563" y="3575844"/>
-              <a:ext cx="66577" cy="66577"/>
-            </a:xfrm>
-            <a:prstGeom prst="ellipse">
-              <a:avLst/>
-            </a:prstGeom>
-          </p:spPr>
-          <p:style>
-            <a:lnRef idx="2">
-              <a:schemeClr val="accent1">
-                <a:shade val="50000"/>
-              </a:schemeClr>
-            </a:lnRef>
-            <a:fillRef idx="1">
-              <a:schemeClr val="accent1"/>
-            </a:fillRef>
-            <a:effectRef idx="0">
-              <a:schemeClr val="accent1"/>
-            </a:effectRef>
-            <a:fontRef idx="minor">
-              <a:schemeClr val="lt1"/>
-            </a:fontRef>
-          </p:style>
-          <p:txBody>
-            <a:bodyPr rtlCol="0" anchor="ctr"/>
-            <a:lstStyle/>
-            <a:p>
-              <a:pPr algn="ctr"/>
-              <a:endParaRPr lang="ko-KR" altLang="en-US" sz="1100" dirty="0"/>
-            </a:p>
-          </p:txBody>
-        </p:sp>
-      </p:grpSp>
       <p:grpSp>
         <p:nvGrpSpPr>
           <p:cNvPr id="172" name="그룹 171">
@@ -19773,7 +19547,11 @@
             <a:p>
               <a:pPr algn="ctr"/>
               <a:r>
-                <a:rPr lang="en-US" altLang="ko-KR" sz="900" dirty="0" err="1" smtClean="0"/>
+                <a:rPr lang="en-US" altLang="ko-KR" sz="900" dirty="0"/>
+                <a:t>[17:0]</a:t>
+              </a:r>
+              <a:r>
+                <a:rPr lang="en-US" altLang="ko-KR" sz="900" dirty="0" err="1"/>
                 <a:t>force_value</a:t>
               </a:r>
               <a:endParaRPr lang="ko-KR" altLang="en-US" sz="900" dirty="0"/>
@@ -19842,19 +19620,19 @@
           <p:cNvCxnSpPr>
             <a:cxnSpLocks/>
             <a:stCxn id="173" idx="2"/>
-            <a:endCxn id="168" idx="4"/>
+            <a:endCxn id="139" idx="4"/>
           </p:cNvCxnSpPr>
           <p:nvPr/>
         </p:nvCxnSpPr>
         <p:spPr>
           <a:xfrm rot="5400000" flipH="1" flipV="1">
-            <a:off x="3569983" y="2932724"/>
-            <a:ext cx="2874911" cy="2096824"/>
+            <a:off x="3286546" y="2658058"/>
+            <a:ext cx="3433014" cy="2088052"/>
           </a:xfrm>
           <a:prstGeom prst="bentConnector4">
             <a:avLst>
-              <a:gd name="adj1" fmla="val -7952"/>
-              <a:gd name="adj2" fmla="val 110902"/>
+              <a:gd name="adj1" fmla="val -6659"/>
+              <a:gd name="adj2" fmla="val 110948"/>
             </a:avLst>
           </a:prstGeom>
           <a:ln>
@@ -19944,8 +19722,8 @@
         </p:nvCxnSpPr>
         <p:spPr>
           <a:xfrm rot="16200000" flipV="1">
-            <a:off x="4133632" y="4753916"/>
-            <a:ext cx="137139" cy="3558"/>
+            <a:off x="4086803" y="4707087"/>
+            <a:ext cx="230797" cy="3558"/>
           </a:xfrm>
           <a:prstGeom prst="bentConnector3">
             <a:avLst>
@@ -19983,18 +19761,18 @@
           <p:cNvCxnSpPr>
             <a:cxnSpLocks/>
             <a:stCxn id="54" idx="1"/>
-            <a:endCxn id="167" idx="4"/>
+            <a:endCxn id="137" idx="4"/>
           </p:cNvCxnSpPr>
           <p:nvPr/>
         </p:nvCxnSpPr>
         <p:spPr>
           <a:xfrm rot="10800000">
-            <a:off x="6055851" y="2040110"/>
-            <a:ext cx="2172424" cy="3634"/>
+            <a:off x="6047079" y="1532602"/>
+            <a:ext cx="2181196" cy="511142"/>
           </a:xfrm>
           <a:prstGeom prst="bentConnector3">
             <a:avLst>
-              <a:gd name="adj1" fmla="val 50000"/>
+              <a:gd name="adj1" fmla="val 67730"/>
             </a:avLst>
           </a:prstGeom>
           <a:ln>
@@ -20020,15 +19798,16 @@
         <p:nvCxnSpPr>
           <p:cNvPr id="193" name="꺾인 연결선 192"/>
           <p:cNvCxnSpPr>
-            <a:stCxn id="166" idx="0"/>
+            <a:cxnSpLocks/>
+            <a:stCxn id="149" idx="0"/>
             <a:endCxn id="65" idx="0"/>
           </p:cNvCxnSpPr>
           <p:nvPr/>
         </p:nvCxnSpPr>
         <p:spPr>
           <a:xfrm rot="10800000" flipV="1">
-            <a:off x="3505913" y="2289490"/>
-            <a:ext cx="2295242" cy="314696"/>
+            <a:off x="3505914" y="1988334"/>
+            <a:ext cx="1615975" cy="615852"/>
           </a:xfrm>
           <a:prstGeom prst="bentConnector2">
             <a:avLst/>
@@ -20108,8 +19887,8 @@
         </p:nvCxnSpPr>
         <p:spPr>
           <a:xfrm rot="5400000" flipH="1" flipV="1">
-            <a:off x="4573070" y="2684205"/>
-            <a:ext cx="664337" cy="1899927"/>
+            <a:off x="4568307" y="2688968"/>
+            <a:ext cx="664337" cy="1890401"/>
           </a:xfrm>
           <a:prstGeom prst="bentConnector3">
             <a:avLst>
@@ -20181,17 +19960,21 @@
           </p:cNvPr>
           <p:cNvCxnSpPr>
             <a:cxnSpLocks/>
-            <a:endCxn id="157" idx="1"/>
+            <a:stCxn id="229" idx="2"/>
+            <a:endCxn id="251" idx="4"/>
           </p:cNvCxnSpPr>
           <p:nvPr/>
         </p:nvCxnSpPr>
         <p:spPr>
-          <a:xfrm rot="5400000" flipH="1" flipV="1">
-            <a:off x="1681187" y="4945867"/>
-            <a:ext cx="2404933" cy="676384"/>
-          </a:xfrm>
-          <a:prstGeom prst="bentConnector2">
-            <a:avLst/>
+          <a:xfrm rot="10800000" flipH="1">
+            <a:off x="2759226" y="5012896"/>
+            <a:ext cx="1042067" cy="1164476"/>
+          </a:xfrm>
+          <a:prstGeom prst="bentConnector4">
+            <a:avLst>
+              <a:gd name="adj1" fmla="val -21937"/>
+              <a:gd name="adj2" fmla="val 91012"/>
+            </a:avLst>
           </a:prstGeom>
           <a:ln>
             <a:tailEnd type="triangle"/>
@@ -20223,14 +20006,15 @@
           </p:cNvPr>
           <p:cNvCxnSpPr>
             <a:cxnSpLocks/>
+            <a:stCxn id="229" idx="1"/>
             <a:endCxn id="173" idx="1"/>
           </p:cNvCxnSpPr>
           <p:nvPr/>
         </p:nvCxnSpPr>
         <p:spPr>
           <a:xfrm rot="5400000" flipH="1" flipV="1">
-            <a:off x="2355660" y="5616588"/>
-            <a:ext cx="1183190" cy="556684"/>
+            <a:off x="2824010" y="5423672"/>
+            <a:ext cx="521924" cy="281250"/>
           </a:xfrm>
           <a:prstGeom prst="bentConnector2">
             <a:avLst/>
@@ -20268,8 +20052,8 @@
         </p:nvSpPr>
         <p:spPr>
           <a:xfrm>
-            <a:off x="3892633" y="1511684"/>
-            <a:ext cx="796071" cy="735946"/>
+            <a:off x="5386053" y="529717"/>
+            <a:ext cx="1032447" cy="735946"/>
           </a:xfrm>
           <a:prstGeom prst="rect">
             <a:avLst/>
@@ -20300,7 +20084,7 @@
           <a:lstStyle/>
           <a:p>
             <a:r>
-              <a:rPr lang="en-US" altLang="ko-KR" sz="900" dirty="0" err="1" smtClean="0">
+              <a:rPr lang="en-US" altLang="ko-KR" sz="900" dirty="0" err="1">
                 <a:solidFill>
                   <a:schemeClr val="tx1"/>
                 </a:solidFill>
@@ -20308,43 +20092,27 @@
               <a:t>Sel</a:t>
             </a:r>
             <a:r>
-              <a:rPr lang="en-US" altLang="ko-KR" sz="900" dirty="0" smtClean="0">
+              <a:rPr lang="en-US" altLang="ko-KR" sz="900" dirty="0">
                 <a:solidFill>
                   <a:schemeClr val="tx1"/>
                 </a:solidFill>
               </a:rPr>
-              <a:t> </a:t>
-            </a:r>
-            <a:r>
-              <a:rPr lang="en-US" altLang="ko-KR" sz="900" dirty="0" err="1" smtClean="0">
+              <a:t> check mux</a:t>
+            </a:r>
+          </a:p>
+          <a:p>
+            <a:r>
+              <a:rPr lang="en-US" altLang="ko-KR" sz="900" dirty="0">
                 <a:solidFill>
                   <a:schemeClr val="tx1"/>
                 </a:solidFill>
               </a:rPr>
-              <a:t>eq</a:t>
-            </a:r>
-            <a:r>
-              <a:rPr lang="en-US" altLang="ko-KR" sz="900" dirty="0" smtClean="0">
-                <a:solidFill>
-                  <a:schemeClr val="tx1"/>
-                </a:solidFill>
-              </a:rPr>
-              <a:t> mux</a:t>
+              <a:t>0 0    2</a:t>
             </a:r>
           </a:p>
           <a:p>
             <a:r>
-              <a:rPr lang="en-US" altLang="ko-KR" sz="900" dirty="0" smtClean="0">
-                <a:solidFill>
-                  <a:schemeClr val="tx1"/>
-                </a:solidFill>
-              </a:rPr>
-              <a:t>0 0    0</a:t>
-            </a:r>
-          </a:p>
-          <a:p>
-            <a:r>
-              <a:rPr lang="en-US" altLang="ko-KR" sz="900" dirty="0" smtClean="0">
+              <a:rPr lang="en-US" altLang="ko-KR" sz="900" dirty="0">
                 <a:solidFill>
                   <a:schemeClr val="tx1"/>
                 </a:solidFill>
@@ -20354,33 +20122,17 @@
           </a:p>
           <a:p>
             <a:r>
-              <a:rPr lang="en-US" altLang="ko-KR" sz="900" dirty="0" smtClean="0">
-                <a:solidFill>
-                  <a:schemeClr val="tx1"/>
-                </a:solidFill>
-              </a:rPr>
-              <a:t>1 0</a:t>
-            </a:r>
-            <a:r>
               <a:rPr lang="en-US" altLang="ko-KR" sz="900" dirty="0">
                 <a:solidFill>
                   <a:schemeClr val="tx1"/>
                 </a:solidFill>
               </a:rPr>
-              <a:t>  </a:t>
-            </a:r>
-            <a:r>
-              <a:rPr lang="en-US" altLang="ko-KR" sz="900" dirty="0" smtClean="0">
-                <a:solidFill>
-                  <a:schemeClr val="tx1"/>
-                </a:solidFill>
-              </a:rPr>
-              <a:t>  1</a:t>
+              <a:t>1 0    1</a:t>
             </a:r>
           </a:p>
           <a:p>
             <a:r>
-              <a:rPr lang="en-US" altLang="ko-KR" sz="900" dirty="0" smtClean="0">
+              <a:rPr lang="en-US" altLang="ko-KR" sz="900" dirty="0">
                 <a:solidFill>
                   <a:schemeClr val="tx1"/>
                 </a:solidFill>
@@ -20413,8 +20165,8 @@
         </p:nvCxnSpPr>
         <p:spPr>
           <a:xfrm rot="10800000">
-            <a:off x="6003173" y="3237533"/>
-            <a:ext cx="1433764" cy="807966"/>
+            <a:off x="5993648" y="3237533"/>
+            <a:ext cx="663245" cy="807966"/>
           </a:xfrm>
           <a:prstGeom prst="bentConnector2">
             <a:avLst/>
@@ -20452,7 +20204,7 @@
         </p:nvGrpSpPr>
         <p:grpSpPr>
           <a:xfrm rot="16200000">
-            <a:off x="5722021" y="2980558"/>
+            <a:off x="5712495" y="2980558"/>
             <a:ext cx="414283" cy="228600"/>
             <a:chOff x="2011036" y="2978803"/>
             <a:chExt cx="414283" cy="228600"/>
@@ -20678,14 +20430,14 @@
           <p:cNvCxnSpPr>
             <a:cxnSpLocks/>
             <a:stCxn id="225" idx="6"/>
-            <a:endCxn id="166" idx="1"/>
+            <a:endCxn id="135" idx="1"/>
           </p:cNvCxnSpPr>
           <p:nvPr/>
         </p:nvCxnSpPr>
         <p:spPr>
-          <a:xfrm rot="16200000" flipV="1">
-            <a:off x="5779009" y="2737560"/>
-            <a:ext cx="299934" cy="378"/>
+          <a:xfrm rot="5400000" flipH="1" flipV="1">
+            <a:off x="5507919" y="2475622"/>
+            <a:ext cx="823814" cy="375"/>
           </a:xfrm>
           <a:prstGeom prst="bentConnector3">
             <a:avLst>
@@ -20887,7 +20639,7 @@
           </a:xfrm>
           <a:prstGeom prst="bentConnector3">
             <a:avLst>
-              <a:gd name="adj1" fmla="val 139073"/>
+              <a:gd name="adj1" fmla="val 149729"/>
             </a:avLst>
           </a:prstGeom>
           <a:ln>
@@ -21118,17 +20870,20 @@
           </p:cNvPr>
           <p:cNvCxnSpPr>
             <a:cxnSpLocks/>
+            <a:stCxn id="230" idx="3"/>
             <a:endCxn id="253" idx="2"/>
           </p:cNvCxnSpPr>
           <p:nvPr/>
         </p:nvCxnSpPr>
         <p:spPr>
-          <a:xfrm rot="5400000" flipH="1" flipV="1">
-            <a:off x="5610531" y="4257447"/>
-            <a:ext cx="3571394" cy="715312"/>
-          </a:xfrm>
-          <a:prstGeom prst="bentConnector2">
-            <a:avLst/>
+          <a:xfrm flipV="1">
+            <a:off x="4023307" y="2829406"/>
+            <a:ext cx="3730577" cy="3347966"/>
+          </a:xfrm>
+          <a:prstGeom prst="bentConnector3">
+            <a:avLst>
+              <a:gd name="adj1" fmla="val 83192"/>
+            </a:avLst>
           </a:prstGeom>
           <a:ln>
             <a:tailEnd type="triangle"/>
@@ -21172,7 +20927,7 @@
           </a:xfrm>
           <a:prstGeom prst="bentConnector3">
             <a:avLst>
-              <a:gd name="adj1" fmla="val 117169"/>
+              <a:gd name="adj1" fmla="val 124273"/>
             </a:avLst>
           </a:prstGeom>
           <a:ln>
@@ -21250,17 +21005,21 @@
           </p:cNvPr>
           <p:cNvCxnSpPr>
             <a:cxnSpLocks/>
+            <a:stCxn id="229" idx="5"/>
             <a:endCxn id="60" idx="1"/>
           </p:cNvCxnSpPr>
           <p:nvPr/>
         </p:nvCxnSpPr>
         <p:spPr>
           <a:xfrm rot="5400000" flipH="1" flipV="1">
-            <a:off x="6741432" y="4913958"/>
-            <a:ext cx="2642556" cy="331129"/>
-          </a:xfrm>
-          <a:prstGeom prst="bentConnector2">
-            <a:avLst/>
+            <a:off x="4647611" y="2948820"/>
+            <a:ext cx="2771240" cy="4390088"/>
+          </a:xfrm>
+          <a:prstGeom prst="bentConnector4">
+            <a:avLst>
+              <a:gd name="adj1" fmla="val 344"/>
+              <a:gd name="adj2" fmla="val 85087"/>
+            </a:avLst>
           </a:prstGeom>
           <a:ln>
             <a:tailEnd type="triangle"/>
@@ -21292,17 +21051,21 @@
           </p:cNvPr>
           <p:cNvCxnSpPr>
             <a:cxnSpLocks/>
+            <a:stCxn id="229" idx="5"/>
             <a:endCxn id="140" idx="1"/>
           </p:cNvCxnSpPr>
           <p:nvPr/>
         </p:nvCxnSpPr>
         <p:spPr>
           <a:xfrm rot="5400000" flipH="1" flipV="1">
-            <a:off x="7069651" y="5242176"/>
-            <a:ext cx="2083627" cy="233622"/>
-          </a:xfrm>
-          <a:prstGeom prst="bentConnector2">
-            <a:avLst/>
+            <a:off x="4927075" y="3228285"/>
+            <a:ext cx="2212311" cy="4390088"/>
+          </a:xfrm>
+          <a:prstGeom prst="bentConnector4">
+            <a:avLst>
+              <a:gd name="adj1" fmla="val -10333"/>
+              <a:gd name="adj2" fmla="val 94850"/>
+            </a:avLst>
           </a:prstGeom>
           <a:ln>
             <a:tailEnd type="triangle"/>
@@ -21334,17 +21097,1130 @@
           </p:cNvPr>
           <p:cNvCxnSpPr>
             <a:cxnSpLocks/>
+            <a:stCxn id="229" idx="5"/>
             <a:endCxn id="93" idx="1"/>
           </p:cNvCxnSpPr>
           <p:nvPr/>
         </p:nvCxnSpPr>
         <p:spPr>
           <a:xfrm rot="5400000" flipH="1" flipV="1">
-            <a:off x="7580359" y="5752887"/>
-            <a:ext cx="1168095" cy="127737"/>
+            <a:off x="5384842" y="3686052"/>
+            <a:ext cx="1296777" cy="4390088"/>
+          </a:xfrm>
+          <a:prstGeom prst="bentConnector4">
+            <a:avLst>
+              <a:gd name="adj1" fmla="val -17628"/>
+              <a:gd name="adj2" fmla="val 94850"/>
+            </a:avLst>
+          </a:prstGeom>
+          <a:ln>
+            <a:tailEnd type="triangle"/>
+          </a:ln>
+        </p:spPr>
+        <p:style>
+          <a:lnRef idx="1">
+            <a:schemeClr val="accent1"/>
+          </a:lnRef>
+          <a:fillRef idx="0">
+            <a:schemeClr val="accent1"/>
+          </a:fillRef>
+          <a:effectRef idx="0">
+            <a:schemeClr val="accent1"/>
+          </a:effectRef>
+          <a:fontRef idx="minor">
+            <a:schemeClr val="tx1"/>
+          </a:fontRef>
+        </p:style>
+      </p:cxnSp>
+      <p:cxnSp>
+        <p:nvCxnSpPr>
+          <p:cNvPr id="15" name="연결선: 꺾임 14">
+            <a:extLst>
+              <a:ext uri="{FF2B5EF4-FFF2-40B4-BE49-F238E27FC236}">
+                <a16:creationId xmlns:a16="http://schemas.microsoft.com/office/drawing/2014/main" id="{73ABD2B1-71C1-4A7E-9A94-9AA9BB1A999C}"/>
+              </a:ext>
+            </a:extLst>
+          </p:cNvPr>
+          <p:cNvCxnSpPr>
+            <a:cxnSpLocks/>
+            <a:stCxn id="149" idx="0"/>
+            <a:endCxn id="154" idx="4"/>
+          </p:cNvCxnSpPr>
+          <p:nvPr/>
+        </p:nvCxnSpPr>
+        <p:spPr>
+          <a:xfrm rot="10800000" flipH="1" flipV="1">
+            <a:off x="5121887" y="1988333"/>
+            <a:ext cx="254697" cy="225843"/>
+          </a:xfrm>
+          <a:prstGeom prst="bentConnector5">
+            <a:avLst>
+              <a:gd name="adj1" fmla="val -89754"/>
+              <a:gd name="adj2" fmla="val -209579"/>
+              <a:gd name="adj3" fmla="val 189754"/>
+            </a:avLst>
+          </a:prstGeom>
+          <a:ln>
+            <a:tailEnd type="triangle"/>
+          </a:ln>
+        </p:spPr>
+        <p:style>
+          <a:lnRef idx="1">
+            <a:schemeClr val="accent1"/>
+          </a:lnRef>
+          <a:fillRef idx="0">
+            <a:schemeClr val="accent1"/>
+          </a:fillRef>
+          <a:effectRef idx="0">
+            <a:schemeClr val="accent1"/>
+          </a:effectRef>
+          <a:fontRef idx="minor">
+            <a:schemeClr val="tx1"/>
+          </a:fontRef>
+        </p:style>
+      </p:cxnSp>
+      <p:grpSp>
+        <p:nvGrpSpPr>
+          <p:cNvPr id="134" name="그룹 133">
+            <a:extLst>
+              <a:ext uri="{FF2B5EF4-FFF2-40B4-BE49-F238E27FC236}">
+                <a16:creationId xmlns:a16="http://schemas.microsoft.com/office/drawing/2014/main" id="{0829403D-35CF-454A-A817-2C8EE062F5F5}"/>
+              </a:ext>
+            </a:extLst>
+          </p:cNvPr>
+          <p:cNvGrpSpPr/>
+          <p:nvPr/>
+        </p:nvGrpSpPr>
+        <p:grpSpPr>
+          <a:xfrm rot="16200000">
+            <a:off x="5564887" y="1632102"/>
+            <a:ext cx="710252" cy="255263"/>
+            <a:chOff x="3601793" y="3387727"/>
+            <a:chExt cx="710252" cy="255263"/>
+          </a:xfrm>
+        </p:grpSpPr>
+        <p:sp>
+          <p:nvSpPr>
+            <p:cNvPr id="135" name="사다리꼴 134">
+              <a:extLst>
+                <a:ext uri="{FF2B5EF4-FFF2-40B4-BE49-F238E27FC236}">
+                  <a16:creationId xmlns:a16="http://schemas.microsoft.com/office/drawing/2014/main" id="{53F7745F-8D35-4681-A9F8-42FC63D6F876}"/>
+                </a:ext>
+              </a:extLst>
+            </p:cNvPr>
+            <p:cNvSpPr/>
+            <p:nvPr/>
+          </p:nvSpPr>
+          <p:spPr>
+            <a:xfrm>
+              <a:off x="3601793" y="3387727"/>
+              <a:ext cx="710252" cy="255263"/>
+            </a:xfrm>
+            <a:prstGeom prst="trapezoid">
+              <a:avLst>
+                <a:gd name="adj" fmla="val 39926"/>
+              </a:avLst>
+            </a:prstGeom>
+          </p:spPr>
+          <p:style>
+            <a:lnRef idx="2">
+              <a:schemeClr val="accent1">
+                <a:shade val="50000"/>
+              </a:schemeClr>
+            </a:lnRef>
+            <a:fillRef idx="1">
+              <a:schemeClr val="accent1"/>
+            </a:fillRef>
+            <a:effectRef idx="0">
+              <a:schemeClr val="accent1"/>
+            </a:effectRef>
+            <a:fontRef idx="minor">
+              <a:schemeClr val="lt1"/>
+            </a:fontRef>
+          </p:style>
+          <p:txBody>
+            <a:bodyPr rtlCol="0" anchor="ctr"/>
+            <a:lstStyle/>
+            <a:p>
+              <a:pPr algn="ctr"/>
+              <a:r>
+                <a:rPr lang="en-US" altLang="ko-KR" sz="900" dirty="0"/>
+                <a:t>1      0</a:t>
+              </a:r>
+              <a:endParaRPr lang="ko-KR" altLang="en-US" sz="900" dirty="0"/>
+            </a:p>
+          </p:txBody>
+        </p:sp>
+        <p:sp>
+          <p:nvSpPr>
+            <p:cNvPr id="137" name="타원 136">
+              <a:extLst>
+                <a:ext uri="{FF2B5EF4-FFF2-40B4-BE49-F238E27FC236}">
+                  <a16:creationId xmlns:a16="http://schemas.microsoft.com/office/drawing/2014/main" id="{55A7DD9E-1125-49FA-AC0B-BE5B2A780496}"/>
+                </a:ext>
+              </a:extLst>
+            </p:cNvPr>
+            <p:cNvSpPr/>
+            <p:nvPr/>
+          </p:nvSpPr>
+          <p:spPr>
+            <a:xfrm>
+              <a:off x="4150761" y="3575847"/>
+              <a:ext cx="66577" cy="66577"/>
+            </a:xfrm>
+            <a:prstGeom prst="ellipse">
+              <a:avLst/>
+            </a:prstGeom>
+          </p:spPr>
+          <p:style>
+            <a:lnRef idx="2">
+              <a:schemeClr val="accent1">
+                <a:shade val="50000"/>
+              </a:schemeClr>
+            </a:lnRef>
+            <a:fillRef idx="1">
+              <a:schemeClr val="accent1"/>
+            </a:fillRef>
+            <a:effectRef idx="0">
+              <a:schemeClr val="accent1"/>
+            </a:effectRef>
+            <a:fontRef idx="minor">
+              <a:schemeClr val="lt1"/>
+            </a:fontRef>
+          </p:style>
+          <p:txBody>
+            <a:bodyPr rtlCol="0" anchor="ctr"/>
+            <a:lstStyle/>
+            <a:p>
+              <a:pPr algn="ctr"/>
+              <a:endParaRPr lang="ko-KR" altLang="en-US" sz="1100" dirty="0"/>
+            </a:p>
+          </p:txBody>
+        </p:sp>
+        <p:sp>
+          <p:nvSpPr>
+            <p:cNvPr id="139" name="타원 138">
+              <a:extLst>
+                <a:ext uri="{FF2B5EF4-FFF2-40B4-BE49-F238E27FC236}">
+                  <a16:creationId xmlns:a16="http://schemas.microsoft.com/office/drawing/2014/main" id="{33A8D484-91D8-4D8D-BCD5-31504FB5597E}"/>
+                </a:ext>
+              </a:extLst>
+            </p:cNvPr>
+            <p:cNvSpPr/>
+            <p:nvPr/>
+          </p:nvSpPr>
+          <p:spPr>
+            <a:xfrm>
+              <a:off x="3697786" y="3575847"/>
+              <a:ext cx="66577" cy="66577"/>
+            </a:xfrm>
+            <a:prstGeom prst="ellipse">
+              <a:avLst/>
+            </a:prstGeom>
+          </p:spPr>
+          <p:style>
+            <a:lnRef idx="2">
+              <a:schemeClr val="accent1">
+                <a:shade val="50000"/>
+              </a:schemeClr>
+            </a:lnRef>
+            <a:fillRef idx="1">
+              <a:schemeClr val="accent1"/>
+            </a:fillRef>
+            <a:effectRef idx="0">
+              <a:schemeClr val="accent1"/>
+            </a:effectRef>
+            <a:fontRef idx="minor">
+              <a:schemeClr val="lt1"/>
+            </a:fontRef>
+          </p:style>
+          <p:txBody>
+            <a:bodyPr rtlCol="0" anchor="ctr"/>
+            <a:lstStyle/>
+            <a:p>
+              <a:pPr algn="ctr"/>
+              <a:endParaRPr lang="ko-KR" altLang="en-US" sz="1100" dirty="0"/>
+            </a:p>
+          </p:txBody>
+        </p:sp>
+      </p:grpSp>
+      <p:grpSp>
+        <p:nvGrpSpPr>
+          <p:cNvPr id="141" name="그룹 140">
+            <a:extLst>
+              <a:ext uri="{FF2B5EF4-FFF2-40B4-BE49-F238E27FC236}">
+                <a16:creationId xmlns:a16="http://schemas.microsoft.com/office/drawing/2014/main" id="{50422E23-28F1-44CD-8D9C-E76AD43A4A31}"/>
+              </a:ext>
+            </a:extLst>
+          </p:cNvPr>
+          <p:cNvGrpSpPr/>
+          <p:nvPr/>
+        </p:nvGrpSpPr>
+        <p:grpSpPr>
+          <a:xfrm rot="16200000">
+            <a:off x="5059946" y="2486331"/>
+            <a:ext cx="379146" cy="228600"/>
+            <a:chOff x="7728928" y="2828040"/>
+            <a:chExt cx="379146" cy="228600"/>
+          </a:xfrm>
+        </p:grpSpPr>
+        <p:sp>
+          <p:nvSpPr>
+            <p:cNvPr id="142" name="타원 141">
+              <a:extLst>
+                <a:ext uri="{FF2B5EF4-FFF2-40B4-BE49-F238E27FC236}">
+                  <a16:creationId xmlns:a16="http://schemas.microsoft.com/office/drawing/2014/main" id="{87408A0D-85F5-4109-AFCA-C8A40D54F3B5}"/>
+                </a:ext>
+              </a:extLst>
+            </p:cNvPr>
+            <p:cNvSpPr/>
+            <p:nvPr/>
+          </p:nvSpPr>
+          <p:spPr>
+            <a:xfrm>
+              <a:off x="7728928" y="2844342"/>
+              <a:ext cx="51410" cy="51410"/>
+            </a:xfrm>
+            <a:prstGeom prst="ellipse">
+              <a:avLst/>
+            </a:prstGeom>
+          </p:spPr>
+          <p:style>
+            <a:lnRef idx="2">
+              <a:schemeClr val="accent1">
+                <a:shade val="50000"/>
+              </a:schemeClr>
+            </a:lnRef>
+            <a:fillRef idx="1">
+              <a:schemeClr val="accent1"/>
+            </a:fillRef>
+            <a:effectRef idx="0">
+              <a:schemeClr val="accent1"/>
+            </a:effectRef>
+            <a:fontRef idx="minor">
+              <a:schemeClr val="lt1"/>
+            </a:fontRef>
+          </p:style>
+          <p:txBody>
+            <a:bodyPr rtlCol="0" anchor="ctr"/>
+            <a:lstStyle/>
+            <a:p>
+              <a:pPr algn="ctr"/>
+              <a:endParaRPr lang="ko-KR" altLang="en-US"/>
+            </a:p>
+          </p:txBody>
+        </p:sp>
+        <p:sp>
+          <p:nvSpPr>
+            <p:cNvPr id="143" name="타원 142">
+              <a:extLst>
+                <a:ext uri="{FF2B5EF4-FFF2-40B4-BE49-F238E27FC236}">
+                  <a16:creationId xmlns:a16="http://schemas.microsoft.com/office/drawing/2014/main" id="{0BD2B83C-C467-4328-8D53-5BC4B9B1D79B}"/>
+                </a:ext>
+              </a:extLst>
+            </p:cNvPr>
+            <p:cNvSpPr/>
+            <p:nvPr/>
+          </p:nvSpPr>
+          <p:spPr>
+            <a:xfrm>
+              <a:off x="7728928" y="2992313"/>
+              <a:ext cx="51410" cy="51410"/>
+            </a:xfrm>
+            <a:prstGeom prst="ellipse">
+              <a:avLst/>
+            </a:prstGeom>
+          </p:spPr>
+          <p:style>
+            <a:lnRef idx="2">
+              <a:schemeClr val="accent1">
+                <a:shade val="50000"/>
+              </a:schemeClr>
+            </a:lnRef>
+            <a:fillRef idx="1">
+              <a:schemeClr val="accent1"/>
+            </a:fillRef>
+            <a:effectRef idx="0">
+              <a:schemeClr val="accent1"/>
+            </a:effectRef>
+            <a:fontRef idx="minor">
+              <a:schemeClr val="lt1"/>
+            </a:fontRef>
+          </p:style>
+          <p:txBody>
+            <a:bodyPr rtlCol="0" anchor="ctr"/>
+            <a:lstStyle/>
+            <a:p>
+              <a:pPr algn="ctr"/>
+              <a:endParaRPr lang="ko-KR" altLang="en-US"/>
+            </a:p>
+          </p:txBody>
+        </p:sp>
+        <p:sp>
+          <p:nvSpPr>
+            <p:cNvPr id="146" name="순서도: 지연 145">
+              <a:extLst>
+                <a:ext uri="{FF2B5EF4-FFF2-40B4-BE49-F238E27FC236}">
+                  <a16:creationId xmlns:a16="http://schemas.microsoft.com/office/drawing/2014/main" id="{A2F94FB7-1F17-4BB8-B35C-5D0C9E8E6FC3}"/>
+                </a:ext>
+              </a:extLst>
+            </p:cNvPr>
+            <p:cNvSpPr/>
+            <p:nvPr/>
+          </p:nvSpPr>
+          <p:spPr>
+            <a:xfrm>
+              <a:off x="7793772" y="2828040"/>
+              <a:ext cx="314302" cy="228600"/>
+            </a:xfrm>
+            <a:prstGeom prst="flowChartDelay">
+              <a:avLst/>
+            </a:prstGeom>
+          </p:spPr>
+          <p:style>
+            <a:lnRef idx="2">
+              <a:schemeClr val="accent1">
+                <a:shade val="50000"/>
+              </a:schemeClr>
+            </a:lnRef>
+            <a:fillRef idx="1">
+              <a:schemeClr val="accent1"/>
+            </a:fillRef>
+            <a:effectRef idx="0">
+              <a:schemeClr val="accent1"/>
+            </a:effectRef>
+            <a:fontRef idx="minor">
+              <a:schemeClr val="lt1"/>
+            </a:fontRef>
+          </p:style>
+          <p:txBody>
+            <a:bodyPr rtlCol="0" anchor="ctr"/>
+            <a:lstStyle/>
+            <a:p>
+              <a:pPr algn="ctr"/>
+              <a:endParaRPr lang="ko-KR" altLang="en-US"/>
+            </a:p>
+          </p:txBody>
+        </p:sp>
+      </p:grpSp>
+      <p:grpSp>
+        <p:nvGrpSpPr>
+          <p:cNvPr id="148" name="그룹 147">
+            <a:extLst>
+              <a:ext uri="{FF2B5EF4-FFF2-40B4-BE49-F238E27FC236}">
+                <a16:creationId xmlns:a16="http://schemas.microsoft.com/office/drawing/2014/main" id="{F2270BA3-D18B-48BA-A171-4E912338219F}"/>
+              </a:ext>
+            </a:extLst>
+          </p:cNvPr>
+          <p:cNvGrpSpPr/>
+          <p:nvPr/>
+        </p:nvGrpSpPr>
+        <p:grpSpPr>
+          <a:xfrm rot="16200000">
+            <a:off x="4894393" y="1860702"/>
+            <a:ext cx="710252" cy="255263"/>
+            <a:chOff x="3601793" y="3387727"/>
+            <a:chExt cx="710252" cy="255263"/>
+          </a:xfrm>
+        </p:grpSpPr>
+        <p:sp>
+          <p:nvSpPr>
+            <p:cNvPr id="149" name="사다리꼴 148">
+              <a:extLst>
+                <a:ext uri="{FF2B5EF4-FFF2-40B4-BE49-F238E27FC236}">
+                  <a16:creationId xmlns:a16="http://schemas.microsoft.com/office/drawing/2014/main" id="{93DC22F8-CE88-4268-A527-4C2124594752}"/>
+                </a:ext>
+              </a:extLst>
+            </p:cNvPr>
+            <p:cNvSpPr/>
+            <p:nvPr/>
+          </p:nvSpPr>
+          <p:spPr>
+            <a:xfrm>
+              <a:off x="3601793" y="3387727"/>
+              <a:ext cx="710252" cy="255263"/>
+            </a:xfrm>
+            <a:prstGeom prst="trapezoid">
+              <a:avLst>
+                <a:gd name="adj" fmla="val 39926"/>
+              </a:avLst>
+            </a:prstGeom>
+          </p:spPr>
+          <p:style>
+            <a:lnRef idx="2">
+              <a:schemeClr val="accent1">
+                <a:shade val="50000"/>
+              </a:schemeClr>
+            </a:lnRef>
+            <a:fillRef idx="1">
+              <a:schemeClr val="accent1"/>
+            </a:fillRef>
+            <a:effectRef idx="0">
+              <a:schemeClr val="accent1"/>
+            </a:effectRef>
+            <a:fontRef idx="minor">
+              <a:schemeClr val="lt1"/>
+            </a:fontRef>
+          </p:style>
+          <p:txBody>
+            <a:bodyPr rtlCol="0" anchor="ctr"/>
+            <a:lstStyle/>
+            <a:p>
+              <a:pPr algn="ctr"/>
+              <a:r>
+                <a:rPr lang="en-US" altLang="ko-KR" sz="900" dirty="0"/>
+                <a:t>1      0</a:t>
+              </a:r>
+              <a:endParaRPr lang="ko-KR" altLang="en-US" sz="900" dirty="0"/>
+            </a:p>
+          </p:txBody>
+        </p:sp>
+        <p:sp>
+          <p:nvSpPr>
+            <p:cNvPr id="153" name="타원 152">
+              <a:extLst>
+                <a:ext uri="{FF2B5EF4-FFF2-40B4-BE49-F238E27FC236}">
+                  <a16:creationId xmlns:a16="http://schemas.microsoft.com/office/drawing/2014/main" id="{199982CA-4A79-4F3C-BD1C-DBFB09979D2D}"/>
+                </a:ext>
+              </a:extLst>
+            </p:cNvPr>
+            <p:cNvSpPr/>
+            <p:nvPr/>
+          </p:nvSpPr>
+          <p:spPr>
+            <a:xfrm>
+              <a:off x="4150761" y="3575847"/>
+              <a:ext cx="66577" cy="66577"/>
+            </a:xfrm>
+            <a:prstGeom prst="ellipse">
+              <a:avLst/>
+            </a:prstGeom>
+          </p:spPr>
+          <p:style>
+            <a:lnRef idx="2">
+              <a:schemeClr val="accent1">
+                <a:shade val="50000"/>
+              </a:schemeClr>
+            </a:lnRef>
+            <a:fillRef idx="1">
+              <a:schemeClr val="accent1"/>
+            </a:fillRef>
+            <a:effectRef idx="0">
+              <a:schemeClr val="accent1"/>
+            </a:effectRef>
+            <a:fontRef idx="minor">
+              <a:schemeClr val="lt1"/>
+            </a:fontRef>
+          </p:style>
+          <p:txBody>
+            <a:bodyPr rtlCol="0" anchor="ctr"/>
+            <a:lstStyle/>
+            <a:p>
+              <a:pPr algn="ctr"/>
+              <a:endParaRPr lang="ko-KR" altLang="en-US" sz="1100" dirty="0"/>
+            </a:p>
+          </p:txBody>
+        </p:sp>
+        <p:sp>
+          <p:nvSpPr>
+            <p:cNvPr id="154" name="타원 153">
+              <a:extLst>
+                <a:ext uri="{FF2B5EF4-FFF2-40B4-BE49-F238E27FC236}">
+                  <a16:creationId xmlns:a16="http://schemas.microsoft.com/office/drawing/2014/main" id="{BAF6DD57-B9E3-4F53-A7C5-998F3CE7A0E8}"/>
+                </a:ext>
+              </a:extLst>
+            </p:cNvPr>
+            <p:cNvSpPr/>
+            <p:nvPr/>
+          </p:nvSpPr>
+          <p:spPr>
+            <a:xfrm>
+              <a:off x="3697786" y="3575847"/>
+              <a:ext cx="66577" cy="66577"/>
+            </a:xfrm>
+            <a:prstGeom prst="ellipse">
+              <a:avLst/>
+            </a:prstGeom>
+          </p:spPr>
+          <p:style>
+            <a:lnRef idx="2">
+              <a:schemeClr val="accent1">
+                <a:shade val="50000"/>
+              </a:schemeClr>
+            </a:lnRef>
+            <a:fillRef idx="1">
+              <a:schemeClr val="accent1"/>
+            </a:fillRef>
+            <a:effectRef idx="0">
+              <a:schemeClr val="accent1"/>
+            </a:effectRef>
+            <a:fontRef idx="minor">
+              <a:schemeClr val="lt1"/>
+            </a:fontRef>
+          </p:style>
+          <p:txBody>
+            <a:bodyPr rtlCol="0" anchor="ctr"/>
+            <a:lstStyle/>
+            <a:p>
+              <a:pPr algn="ctr"/>
+              <a:endParaRPr lang="ko-KR" altLang="en-US" sz="1100" dirty="0"/>
+            </a:p>
+          </p:txBody>
+        </p:sp>
+      </p:grpSp>
+      <p:cxnSp>
+        <p:nvCxnSpPr>
+          <p:cNvPr id="160" name="연결선: 꺾임 129">
+            <a:extLst>
+              <a:ext uri="{FF2B5EF4-FFF2-40B4-BE49-F238E27FC236}">
+                <a16:creationId xmlns:a16="http://schemas.microsoft.com/office/drawing/2014/main" id="{05083B80-C1FA-4F99-ACA3-12EB5E108FC1}"/>
+              </a:ext>
+            </a:extLst>
+          </p:cNvPr>
+          <p:cNvCxnSpPr>
+            <a:cxnSpLocks/>
+            <a:stCxn id="157" idx="0"/>
+            <a:endCxn id="142" idx="2"/>
+          </p:cNvCxnSpPr>
+          <p:nvPr/>
+        </p:nvCxnSpPr>
+        <p:spPr>
+          <a:xfrm rot="5400000" flipH="1" flipV="1">
+            <a:off x="3978184" y="2767295"/>
+            <a:ext cx="1176132" cy="1221951"/>
+          </a:xfrm>
+          <a:prstGeom prst="bentConnector3">
+            <a:avLst>
+              <a:gd name="adj1" fmla="val 28404"/>
+            </a:avLst>
+          </a:prstGeom>
+          <a:ln>
+            <a:tailEnd type="triangle"/>
+          </a:ln>
+        </p:spPr>
+        <p:style>
+          <a:lnRef idx="1">
+            <a:schemeClr val="accent1"/>
+          </a:lnRef>
+          <a:fillRef idx="0">
+            <a:schemeClr val="accent1"/>
+          </a:fillRef>
+          <a:effectRef idx="0">
+            <a:schemeClr val="accent1"/>
+          </a:effectRef>
+          <a:fontRef idx="minor">
+            <a:schemeClr val="tx1"/>
+          </a:fontRef>
+        </p:style>
+      </p:cxnSp>
+      <p:cxnSp>
+        <p:nvCxnSpPr>
+          <p:cNvPr id="163" name="연결선: 꺾임 129">
+            <a:extLst>
+              <a:ext uri="{FF2B5EF4-FFF2-40B4-BE49-F238E27FC236}">
+                <a16:creationId xmlns:a16="http://schemas.microsoft.com/office/drawing/2014/main" id="{CCEA1E12-18DD-42AE-B2B3-00D0FA67F41E}"/>
+              </a:ext>
+            </a:extLst>
+          </p:cNvPr>
+          <p:cNvCxnSpPr>
+            <a:cxnSpLocks/>
+            <a:stCxn id="102" idx="2"/>
+            <a:endCxn id="143" idx="2"/>
+          </p:cNvCxnSpPr>
+          <p:nvPr/>
+        </p:nvCxnSpPr>
+        <p:spPr>
+          <a:xfrm rot="10800000">
+            <a:off x="5325198" y="2790205"/>
+            <a:ext cx="1331695" cy="1255295"/>
           </a:xfrm>
           <a:prstGeom prst="bentConnector2">
             <a:avLst/>
+          </a:prstGeom>
+          <a:ln>
+            <a:tailEnd type="triangle"/>
+          </a:ln>
+        </p:spPr>
+        <p:style>
+          <a:lnRef idx="1">
+            <a:schemeClr val="accent1"/>
+          </a:lnRef>
+          <a:fillRef idx="0">
+            <a:schemeClr val="accent1"/>
+          </a:fillRef>
+          <a:effectRef idx="0">
+            <a:schemeClr val="accent1"/>
+          </a:effectRef>
+          <a:fontRef idx="minor">
+            <a:schemeClr val="tx1"/>
+          </a:fontRef>
+        </p:style>
+      </p:cxnSp>
+      <p:cxnSp>
+        <p:nvCxnSpPr>
+          <p:cNvPr id="169" name="연결선: 꺾임 129">
+            <a:extLst>
+              <a:ext uri="{FF2B5EF4-FFF2-40B4-BE49-F238E27FC236}">
+                <a16:creationId xmlns:a16="http://schemas.microsoft.com/office/drawing/2014/main" id="{9DFA1C1F-33D7-4D3D-8A4F-D13480A9D09C}"/>
+              </a:ext>
+            </a:extLst>
+          </p:cNvPr>
+          <p:cNvCxnSpPr>
+            <a:cxnSpLocks/>
+            <a:stCxn id="146" idx="3"/>
+            <a:endCxn id="149" idx="1"/>
+          </p:cNvCxnSpPr>
+          <p:nvPr/>
+        </p:nvCxnSpPr>
+        <p:spPr>
+          <a:xfrm rot="5400000" flipH="1" flipV="1">
+            <a:off x="5190241" y="2351780"/>
+            <a:ext cx="118556" cy="1"/>
+          </a:xfrm>
+          <a:prstGeom prst="bentConnector3">
+            <a:avLst>
+              <a:gd name="adj1" fmla="val 50000"/>
+            </a:avLst>
+          </a:prstGeom>
+          <a:ln>
+            <a:tailEnd type="triangle"/>
+          </a:ln>
+        </p:spPr>
+        <p:style>
+          <a:lnRef idx="1">
+            <a:schemeClr val="accent1"/>
+          </a:lnRef>
+          <a:fillRef idx="0">
+            <a:schemeClr val="accent1"/>
+          </a:fillRef>
+          <a:effectRef idx="0">
+            <a:schemeClr val="accent1"/>
+          </a:effectRef>
+          <a:fontRef idx="minor">
+            <a:schemeClr val="tx1"/>
+          </a:fontRef>
+        </p:style>
+      </p:cxnSp>
+      <p:cxnSp>
+        <p:nvCxnSpPr>
+          <p:cNvPr id="170" name="연결선: 꺾임 169">
+            <a:extLst>
+              <a:ext uri="{FF2B5EF4-FFF2-40B4-BE49-F238E27FC236}">
+                <a16:creationId xmlns:a16="http://schemas.microsoft.com/office/drawing/2014/main" id="{F66C4DB4-0277-4542-ABE8-739205AAB113}"/>
+              </a:ext>
+            </a:extLst>
+          </p:cNvPr>
+          <p:cNvCxnSpPr>
+            <a:cxnSpLocks/>
+            <a:stCxn id="135" idx="0"/>
+            <a:endCxn id="153" idx="4"/>
+          </p:cNvCxnSpPr>
+          <p:nvPr/>
+        </p:nvCxnSpPr>
+        <p:spPr>
+          <a:xfrm rot="10800000" flipV="1">
+            <a:off x="5376586" y="1759734"/>
+            <a:ext cx="415797" cy="1468"/>
+          </a:xfrm>
+          <a:prstGeom prst="bentConnector3">
+            <a:avLst>
+              <a:gd name="adj1" fmla="val 50000"/>
+            </a:avLst>
+          </a:prstGeom>
+          <a:ln>
+            <a:tailEnd type="triangle"/>
+          </a:ln>
+        </p:spPr>
+        <p:style>
+          <a:lnRef idx="1">
+            <a:schemeClr val="accent1"/>
+          </a:lnRef>
+          <a:fillRef idx="0">
+            <a:schemeClr val="accent1"/>
+          </a:fillRef>
+          <a:effectRef idx="0">
+            <a:schemeClr val="accent1"/>
+          </a:effectRef>
+          <a:fontRef idx="minor">
+            <a:schemeClr val="tx1"/>
+          </a:fontRef>
+        </p:style>
+      </p:cxnSp>
+      <p:grpSp>
+        <p:nvGrpSpPr>
+          <p:cNvPr id="227" name="그룹 226">
+            <a:extLst>
+              <a:ext uri="{FF2B5EF4-FFF2-40B4-BE49-F238E27FC236}">
+                <a16:creationId xmlns:a16="http://schemas.microsoft.com/office/drawing/2014/main" id="{535B486C-C6CE-49CA-8FAB-FDB84F606645}"/>
+              </a:ext>
+            </a:extLst>
+          </p:cNvPr>
+          <p:cNvGrpSpPr/>
+          <p:nvPr/>
+        </p:nvGrpSpPr>
+        <p:grpSpPr>
+          <a:xfrm>
+            <a:off x="2759227" y="5679409"/>
+            <a:ext cx="1264080" cy="995925"/>
+            <a:chOff x="798286" y="740229"/>
+            <a:chExt cx="1378857" cy="1378857"/>
+          </a:xfrm>
+        </p:grpSpPr>
+        <p:sp>
+          <p:nvSpPr>
+            <p:cNvPr id="229" name="타원 228">
+              <a:extLst>
+                <a:ext uri="{FF2B5EF4-FFF2-40B4-BE49-F238E27FC236}">
+                  <a16:creationId xmlns:a16="http://schemas.microsoft.com/office/drawing/2014/main" id="{3997E59C-71A3-4E0C-8797-A3B711DCADFB}"/>
+                </a:ext>
+              </a:extLst>
+            </p:cNvPr>
+            <p:cNvSpPr/>
+            <p:nvPr/>
+          </p:nvSpPr>
+          <p:spPr>
+            <a:xfrm>
+              <a:off x="798286" y="740229"/>
+              <a:ext cx="1378857" cy="1378857"/>
+            </a:xfrm>
+            <a:prstGeom prst="ellipse">
+              <a:avLst/>
+            </a:prstGeom>
+            <a:noFill/>
+            <a:ln>
+              <a:solidFill>
+                <a:schemeClr val="tx1"/>
+              </a:solidFill>
+            </a:ln>
+          </p:spPr>
+          <p:style>
+            <a:lnRef idx="2">
+              <a:schemeClr val="accent1">
+                <a:shade val="50000"/>
+              </a:schemeClr>
+            </a:lnRef>
+            <a:fillRef idx="1">
+              <a:schemeClr val="accent1"/>
+            </a:fillRef>
+            <a:effectRef idx="0">
+              <a:schemeClr val="accent1"/>
+            </a:effectRef>
+            <a:fontRef idx="minor">
+              <a:schemeClr val="lt1"/>
+            </a:fontRef>
+          </p:style>
+          <p:txBody>
+            <a:bodyPr rtlCol="0" anchor="ctr"/>
+            <a:lstStyle/>
+            <a:p>
+              <a:pPr algn="ctr"/>
+              <a:endParaRPr lang="ko-KR" altLang="en-US" sz="900" dirty="0">
+                <a:solidFill>
+                  <a:schemeClr val="tx1"/>
+                </a:solidFill>
+              </a:endParaRPr>
+            </a:p>
+          </p:txBody>
+        </p:sp>
+        <p:sp>
+          <p:nvSpPr>
+            <p:cNvPr id="230" name="직사각형 229">
+              <a:extLst>
+                <a:ext uri="{FF2B5EF4-FFF2-40B4-BE49-F238E27FC236}">
+                  <a16:creationId xmlns:a16="http://schemas.microsoft.com/office/drawing/2014/main" id="{57C902B6-36E6-4971-BDE5-B2B45A9D7296}"/>
+                </a:ext>
+              </a:extLst>
+            </p:cNvPr>
+            <p:cNvSpPr/>
+            <p:nvPr/>
+          </p:nvSpPr>
+          <p:spPr>
+            <a:xfrm>
+              <a:off x="798286" y="740229"/>
+              <a:ext cx="1378857" cy="1378857"/>
+            </a:xfrm>
+            <a:prstGeom prst="rect">
+              <a:avLst/>
+            </a:prstGeom>
+            <a:noFill/>
+            <a:ln>
+              <a:noFill/>
+            </a:ln>
+          </p:spPr>
+          <p:style>
+            <a:lnRef idx="2">
+              <a:schemeClr val="accent1">
+                <a:shade val="50000"/>
+              </a:schemeClr>
+            </a:lnRef>
+            <a:fillRef idx="1">
+              <a:schemeClr val="accent1"/>
+            </a:fillRef>
+            <a:effectRef idx="0">
+              <a:schemeClr val="accent1"/>
+            </a:effectRef>
+            <a:fontRef idx="minor">
+              <a:schemeClr val="lt1"/>
+            </a:fontRef>
+          </p:style>
+          <p:txBody>
+            <a:bodyPr rtlCol="0" anchor="ctr"/>
+            <a:lstStyle/>
+            <a:p>
+              <a:pPr algn="ctr"/>
+              <a:r>
+                <a:rPr lang="en-US" altLang="ko-KR" sz="900" dirty="0">
+                  <a:solidFill>
+                    <a:schemeClr val="tx1"/>
+                  </a:solidFill>
+                </a:rPr>
+                <a:t>FSM</a:t>
+              </a:r>
+              <a:endParaRPr lang="ko-KR" altLang="en-US" sz="900" dirty="0">
+                <a:solidFill>
+                  <a:schemeClr val="tx1"/>
+                </a:solidFill>
+              </a:endParaRPr>
+            </a:p>
+          </p:txBody>
+        </p:sp>
+      </p:grpSp>
+      <p:cxnSp>
+        <p:nvCxnSpPr>
+          <p:cNvPr id="245" name="연결선: 꺾임 129">
+            <a:extLst>
+              <a:ext uri="{FF2B5EF4-FFF2-40B4-BE49-F238E27FC236}">
+                <a16:creationId xmlns:a16="http://schemas.microsoft.com/office/drawing/2014/main" id="{CC704495-3523-4EF2-85C3-6386ED8FD34F}"/>
+              </a:ext>
+            </a:extLst>
+          </p:cNvPr>
+          <p:cNvCxnSpPr>
+            <a:cxnSpLocks/>
+            <a:stCxn id="229" idx="3"/>
+            <a:endCxn id="250" idx="1"/>
+          </p:cNvCxnSpPr>
+          <p:nvPr/>
+        </p:nvCxnSpPr>
+        <p:spPr>
+          <a:xfrm rot="5400000" flipH="1" flipV="1">
+            <a:off x="2277159" y="5553020"/>
+            <a:ext cx="1643652" cy="309276"/>
+          </a:xfrm>
+          <a:prstGeom prst="bentConnector4">
+            <a:avLst>
+              <a:gd name="adj1" fmla="val -8410"/>
+              <a:gd name="adj2" fmla="val -207685"/>
+            </a:avLst>
+          </a:prstGeom>
+          <a:ln>
+            <a:tailEnd type="triangle"/>
+          </a:ln>
+        </p:spPr>
+        <p:style>
+          <a:lnRef idx="1">
+            <a:schemeClr val="accent1"/>
+          </a:lnRef>
+          <a:fillRef idx="0">
+            <a:schemeClr val="accent1"/>
+          </a:fillRef>
+          <a:effectRef idx="0">
+            <a:schemeClr val="accent1"/>
+          </a:effectRef>
+          <a:fontRef idx="minor">
+            <a:schemeClr val="tx1"/>
+          </a:fontRef>
+        </p:style>
+      </p:cxnSp>
+      <p:grpSp>
+        <p:nvGrpSpPr>
+          <p:cNvPr id="247" name="그룹 246">
+            <a:extLst>
+              <a:ext uri="{FF2B5EF4-FFF2-40B4-BE49-F238E27FC236}">
+                <a16:creationId xmlns:a16="http://schemas.microsoft.com/office/drawing/2014/main" id="{0AC05383-B6DB-49F3-9628-6EBA08AA7C51}"/>
+              </a:ext>
+            </a:extLst>
+          </p:cNvPr>
+          <p:cNvGrpSpPr/>
+          <p:nvPr/>
+        </p:nvGrpSpPr>
+        <p:grpSpPr>
+          <a:xfrm>
+            <a:off x="3202665" y="4758200"/>
+            <a:ext cx="698500" cy="255263"/>
+            <a:chOff x="3601793" y="3387725"/>
+            <a:chExt cx="698500" cy="255263"/>
+          </a:xfrm>
+        </p:grpSpPr>
+        <p:sp>
+          <p:nvSpPr>
+            <p:cNvPr id="250" name="사다리꼴 249">
+              <a:extLst>
+                <a:ext uri="{FF2B5EF4-FFF2-40B4-BE49-F238E27FC236}">
+                  <a16:creationId xmlns:a16="http://schemas.microsoft.com/office/drawing/2014/main" id="{D1D4D9AA-B2A0-4032-89F4-96EB350C457A}"/>
+                </a:ext>
+              </a:extLst>
+            </p:cNvPr>
+            <p:cNvSpPr/>
+            <p:nvPr/>
+          </p:nvSpPr>
+          <p:spPr>
+            <a:xfrm>
+              <a:off x="3601793" y="3387725"/>
+              <a:ext cx="698500" cy="255263"/>
+            </a:xfrm>
+            <a:prstGeom prst="trapezoid">
+              <a:avLst>
+                <a:gd name="adj" fmla="val 39926"/>
+              </a:avLst>
+            </a:prstGeom>
+          </p:spPr>
+          <p:style>
+            <a:lnRef idx="2">
+              <a:schemeClr val="accent1">
+                <a:shade val="50000"/>
+              </a:schemeClr>
+            </a:lnRef>
+            <a:fillRef idx="1">
+              <a:schemeClr val="accent1"/>
+            </a:fillRef>
+            <a:effectRef idx="0">
+              <a:schemeClr val="accent1"/>
+            </a:effectRef>
+            <a:fontRef idx="minor">
+              <a:schemeClr val="lt1"/>
+            </a:fontRef>
+          </p:style>
+          <p:txBody>
+            <a:bodyPr rtlCol="0" anchor="ctr"/>
+            <a:lstStyle/>
+            <a:p>
+              <a:pPr algn="ctr"/>
+              <a:r>
+                <a:rPr lang="en-US" altLang="ko-KR" sz="900" dirty="0"/>
+                <a:t>0      1</a:t>
+              </a:r>
+              <a:endParaRPr lang="ko-KR" altLang="en-US" sz="900" dirty="0"/>
+            </a:p>
+          </p:txBody>
+        </p:sp>
+        <p:sp>
+          <p:nvSpPr>
+            <p:cNvPr id="251" name="타원 250">
+              <a:extLst>
+                <a:ext uri="{FF2B5EF4-FFF2-40B4-BE49-F238E27FC236}">
+                  <a16:creationId xmlns:a16="http://schemas.microsoft.com/office/drawing/2014/main" id="{D2651E16-A6A0-43B6-AB19-96D95CC43B06}"/>
+                </a:ext>
+              </a:extLst>
+            </p:cNvPr>
+            <p:cNvSpPr/>
+            <p:nvPr/>
+          </p:nvSpPr>
+          <p:spPr>
+            <a:xfrm>
+              <a:off x="4167133" y="3575844"/>
+              <a:ext cx="66577" cy="66577"/>
+            </a:xfrm>
+            <a:prstGeom prst="ellipse">
+              <a:avLst/>
+            </a:prstGeom>
+          </p:spPr>
+          <p:style>
+            <a:lnRef idx="2">
+              <a:schemeClr val="accent1">
+                <a:shade val="50000"/>
+              </a:schemeClr>
+            </a:lnRef>
+            <a:fillRef idx="1">
+              <a:schemeClr val="accent1"/>
+            </a:fillRef>
+            <a:effectRef idx="0">
+              <a:schemeClr val="accent1"/>
+            </a:effectRef>
+            <a:fontRef idx="minor">
+              <a:schemeClr val="lt1"/>
+            </a:fontRef>
+          </p:style>
+          <p:txBody>
+            <a:bodyPr rtlCol="0" anchor="ctr"/>
+            <a:lstStyle/>
+            <a:p>
+              <a:pPr algn="ctr"/>
+              <a:endParaRPr lang="ko-KR" altLang="en-US" sz="1100" dirty="0"/>
+            </a:p>
+          </p:txBody>
+        </p:sp>
+        <p:sp>
+          <p:nvSpPr>
+            <p:cNvPr id="259" name="타원 258">
+              <a:extLst>
+                <a:ext uri="{FF2B5EF4-FFF2-40B4-BE49-F238E27FC236}">
+                  <a16:creationId xmlns:a16="http://schemas.microsoft.com/office/drawing/2014/main" id="{0DFB7CB4-A020-4122-B99C-E6E458266315}"/>
+                </a:ext>
+              </a:extLst>
+            </p:cNvPr>
+            <p:cNvSpPr/>
+            <p:nvPr/>
+          </p:nvSpPr>
+          <p:spPr>
+            <a:xfrm>
+              <a:off x="3663563" y="3575844"/>
+              <a:ext cx="66577" cy="66577"/>
+            </a:xfrm>
+            <a:prstGeom prst="ellipse">
+              <a:avLst/>
+            </a:prstGeom>
+          </p:spPr>
+          <p:style>
+            <a:lnRef idx="2">
+              <a:schemeClr val="accent1">
+                <a:shade val="50000"/>
+              </a:schemeClr>
+            </a:lnRef>
+            <a:fillRef idx="1">
+              <a:schemeClr val="accent1"/>
+            </a:fillRef>
+            <a:effectRef idx="0">
+              <a:schemeClr val="accent1"/>
+            </a:effectRef>
+            <a:fontRef idx="minor">
+              <a:schemeClr val="lt1"/>
+            </a:fontRef>
+          </p:style>
+          <p:txBody>
+            <a:bodyPr rtlCol="0" anchor="ctr"/>
+            <a:lstStyle/>
+            <a:p>
+              <a:pPr algn="ctr"/>
+              <a:endParaRPr lang="ko-KR" altLang="en-US" sz="1100" dirty="0"/>
+            </a:p>
+          </p:txBody>
+        </p:sp>
+      </p:grpSp>
+      <p:cxnSp>
+        <p:nvCxnSpPr>
+          <p:cNvPr id="260" name="연결선: 꺾임 129">
+            <a:extLst>
+              <a:ext uri="{FF2B5EF4-FFF2-40B4-BE49-F238E27FC236}">
+                <a16:creationId xmlns:a16="http://schemas.microsoft.com/office/drawing/2014/main" id="{D03AEE62-4CED-4441-8ABE-61F6552E0BC9}"/>
+              </a:ext>
+            </a:extLst>
+          </p:cNvPr>
+          <p:cNvCxnSpPr>
+            <a:cxnSpLocks/>
+            <a:stCxn id="250" idx="0"/>
+            <a:endCxn id="151" idx="4"/>
+          </p:cNvCxnSpPr>
+          <p:nvPr/>
+        </p:nvCxnSpPr>
+        <p:spPr>
+          <a:xfrm rot="5400000" flipH="1" flipV="1">
+            <a:off x="3542017" y="4603366"/>
+            <a:ext cx="164733" cy="144937"/>
+          </a:xfrm>
+          <a:prstGeom prst="bentConnector3">
+            <a:avLst>
+              <a:gd name="adj1" fmla="val 50000"/>
+            </a:avLst>
           </a:prstGeom>
           <a:ln>
             <a:tailEnd type="triangle"/>
